--- a/MINI Project PPT.pptx
+++ b/MINI Project PPT.pptx
@@ -1,6 +1,6 @@
 
 <file path=ppt/presentation.xml><?xml version="1.0" encoding="utf-8"?>
-<p:presentation xmlns:a="http://schemas.openxmlformats.org/drawingml/2006/main" xmlns:r="http://schemas.openxmlformats.org/officeDocument/2006/relationships" xmlns:p="http://schemas.openxmlformats.org/presentationml/2006/main" saveSubsetFonts="1" bookmarkIdSeed="2">
+<p:presentation xmlns:a="http://schemas.openxmlformats.org/drawingml/2006/main" xmlns:r="http://schemas.openxmlformats.org/officeDocument/2006/relationships" xmlns:p="http://schemas.openxmlformats.org/presentationml/2006/main" saveSubsetFonts="1" bookmarkIdSeed="3">
   <p:sldMasterIdLst>
     <p:sldMasterId id="2147483675" r:id="rId1"/>
   </p:sldMasterIdLst>
@@ -10,8 +10,9 @@
     <p:sldId id="258" r:id="rId4"/>
     <p:sldId id="262" r:id="rId5"/>
     <p:sldId id="259" r:id="rId6"/>
-    <p:sldId id="260" r:id="rId7"/>
-    <p:sldId id="261" r:id="rId8"/>
+    <p:sldId id="263" r:id="rId7"/>
+    <p:sldId id="260" r:id="rId8"/>
+    <p:sldId id="261" r:id="rId9"/>
   </p:sldIdLst>
   <p:sldSz cx="12192000" cy="6858000"/>
   <p:notesSz cx="6858000" cy="9144000"/>
@@ -306,7 +307,7 @@
           <a:p>
             <a:fld id="{46693BFB-BABB-4077-8AD8-512895E516A3}" type="datetimeFigureOut">
               <a:rPr lang="en-IN" smtClean="0"/>
-              <a:t>25-04-2023</a:t>
+              <a:t>26-04-2023</a:t>
             </a:fld>
             <a:endParaRPr lang="en-IN"/>
           </a:p>
@@ -644,7 +645,7 @@
           <a:p>
             <a:fld id="{46693BFB-BABB-4077-8AD8-512895E516A3}" type="datetimeFigureOut">
               <a:rPr lang="en-IN" smtClean="0"/>
-              <a:t>25-04-2023</a:t>
+              <a:t>26-04-2023</a:t>
             </a:fld>
             <a:endParaRPr lang="en-IN"/>
           </a:p>
@@ -1045,7 +1046,7 @@
           <a:p>
             <a:fld id="{46693BFB-BABB-4077-8AD8-512895E516A3}" type="datetimeFigureOut">
               <a:rPr lang="en-IN" smtClean="0"/>
-              <a:t>25-04-2023</a:t>
+              <a:t>26-04-2023</a:t>
             </a:fld>
             <a:endParaRPr lang="en-IN"/>
           </a:p>
@@ -1381,7 +1382,7 @@
           <a:p>
             <a:fld id="{46693BFB-BABB-4077-8AD8-512895E516A3}" type="datetimeFigureOut">
               <a:rPr lang="en-IN" smtClean="0"/>
-              <a:t>25-04-2023</a:t>
+              <a:t>26-04-2023</a:t>
             </a:fld>
             <a:endParaRPr lang="en-IN"/>
           </a:p>
@@ -1701,7 +1702,7 @@
           <a:p>
             <a:fld id="{46693BFB-BABB-4077-8AD8-512895E516A3}" type="datetimeFigureOut">
               <a:rPr lang="en-IN" smtClean="0"/>
-              <a:t>25-04-2023</a:t>
+              <a:t>26-04-2023</a:t>
             </a:fld>
             <a:endParaRPr lang="en-IN"/>
           </a:p>
@@ -2097,7 +2098,7 @@
           <a:p>
             <a:fld id="{46693BFB-BABB-4077-8AD8-512895E516A3}" type="datetimeFigureOut">
               <a:rPr lang="en-IN" smtClean="0"/>
-              <a:t>25-04-2023</a:t>
+              <a:t>26-04-2023</a:t>
             </a:fld>
             <a:endParaRPr lang="en-IN"/>
           </a:p>
@@ -2354,7 +2355,7 @@
           <a:p>
             <a:fld id="{46693BFB-BABB-4077-8AD8-512895E516A3}" type="datetimeFigureOut">
               <a:rPr lang="en-IN" smtClean="0"/>
-              <a:t>25-04-2023</a:t>
+              <a:t>26-04-2023</a:t>
             </a:fld>
             <a:endParaRPr lang="en-IN"/>
           </a:p>
@@ -2616,7 +2617,7 @@
           <a:p>
             <a:fld id="{46693BFB-BABB-4077-8AD8-512895E516A3}" type="datetimeFigureOut">
               <a:rPr lang="en-IN" smtClean="0"/>
-              <a:t>25-04-2023</a:t>
+              <a:t>26-04-2023</a:t>
             </a:fld>
             <a:endParaRPr lang="en-IN"/>
           </a:p>
@@ -2878,7 +2879,7 @@
           <a:p>
             <a:fld id="{46693BFB-BABB-4077-8AD8-512895E516A3}" type="datetimeFigureOut">
               <a:rPr lang="en-IN" smtClean="0"/>
-              <a:t>25-04-2023</a:t>
+              <a:t>26-04-2023</a:t>
             </a:fld>
             <a:endParaRPr lang="en-IN"/>
           </a:p>
@@ -3207,7 +3208,7 @@
           <a:p>
             <a:fld id="{46693BFB-BABB-4077-8AD8-512895E516A3}" type="datetimeFigureOut">
               <a:rPr lang="en-IN" smtClean="0"/>
-              <a:t>25-04-2023</a:t>
+              <a:t>26-04-2023</a:t>
             </a:fld>
             <a:endParaRPr lang="en-IN"/>
           </a:p>
@@ -3530,7 +3531,7 @@
           <a:p>
             <a:fld id="{46693BFB-BABB-4077-8AD8-512895E516A3}" type="datetimeFigureOut">
               <a:rPr lang="en-IN" smtClean="0"/>
-              <a:t>25-04-2023</a:t>
+              <a:t>26-04-2023</a:t>
             </a:fld>
             <a:endParaRPr lang="en-IN"/>
           </a:p>
@@ -3987,7 +3988,7 @@
           <a:p>
             <a:fld id="{46693BFB-BABB-4077-8AD8-512895E516A3}" type="datetimeFigureOut">
               <a:rPr lang="en-IN" smtClean="0"/>
-              <a:t>25-04-2023</a:t>
+              <a:t>26-04-2023</a:t>
             </a:fld>
             <a:endParaRPr lang="en-IN"/>
           </a:p>
@@ -4192,7 +4193,7 @@
           <a:p>
             <a:fld id="{46693BFB-BABB-4077-8AD8-512895E516A3}" type="datetimeFigureOut">
               <a:rPr lang="en-IN" smtClean="0"/>
-              <a:t>25-04-2023</a:t>
+              <a:t>26-04-2023</a:t>
             </a:fld>
             <a:endParaRPr lang="en-IN"/>
           </a:p>
@@ -4369,7 +4370,7 @@
           <a:p>
             <a:fld id="{46693BFB-BABB-4077-8AD8-512895E516A3}" type="datetimeFigureOut">
               <a:rPr lang="en-IN" smtClean="0"/>
-              <a:t>25-04-2023</a:t>
+              <a:t>26-04-2023</a:t>
             </a:fld>
             <a:endParaRPr lang="en-IN"/>
           </a:p>
@@ -4702,7 +4703,7 @@
           <a:p>
             <a:fld id="{46693BFB-BABB-4077-8AD8-512895E516A3}" type="datetimeFigureOut">
               <a:rPr lang="en-IN" smtClean="0"/>
-              <a:t>25-04-2023</a:t>
+              <a:t>26-04-2023</a:t>
             </a:fld>
             <a:endParaRPr lang="en-IN"/>
           </a:p>
@@ -5047,7 +5048,7 @@
           <a:p>
             <a:fld id="{46693BFB-BABB-4077-8AD8-512895E516A3}" type="datetimeFigureOut">
               <a:rPr lang="en-IN" smtClean="0"/>
-              <a:t>25-04-2023</a:t>
+              <a:t>26-04-2023</a:t>
             </a:fld>
             <a:endParaRPr lang="en-IN"/>
           </a:p>
@@ -7164,7 +7165,7 @@
           <a:p>
             <a:fld id="{46693BFB-BABB-4077-8AD8-512895E516A3}" type="datetimeFigureOut">
               <a:rPr lang="en-IN" smtClean="0"/>
-              <a:t>25-04-2023</a:t>
+              <a:t>26-04-2023</a:t>
             </a:fld>
             <a:endParaRPr lang="en-IN"/>
           </a:p>
@@ -7684,10 +7685,10 @@
       </p:grpSpPr>
       <p:pic>
         <p:nvPicPr>
-          <p:cNvPr id="7" name="Picture 6">
+          <p:cNvPr id="5" name="Picture 4">
             <a:extLst>
               <a:ext uri="{FF2B5EF4-FFF2-40B4-BE49-F238E27FC236}">
-                <a16:creationId xmlns:a16="http://schemas.microsoft.com/office/drawing/2014/main" id="{5E656C35-92CC-B0F7-6F2F-4F6BFB6CBF15}"/>
+                <a16:creationId xmlns:a16="http://schemas.microsoft.com/office/drawing/2014/main" id="{E873ECD8-C946-98AE-20FA-83EFC1E17F50}"/>
               </a:ext>
             </a:extLst>
           </p:cNvPr>
@@ -7696,15 +7697,16 @@
           </p:cNvPicPr>
           <p:nvPr/>
         </p:nvPicPr>
-        <p:blipFill rotWithShape="1">
+        <p:blipFill>
           <a:blip r:embed="rId2"/>
-          <a:srcRect b="22083"/>
-          <a:stretch/>
+          <a:stretch>
+            <a:fillRect/>
+          </a:stretch>
         </p:blipFill>
         <p:spPr>
           <a:xfrm>
-            <a:off x="2383478" y="87690"/>
-            <a:ext cx="6951022" cy="6682619"/>
+            <a:off x="2430092" y="-733425"/>
+            <a:ext cx="6988915" cy="8751068"/>
           </a:xfrm>
           <a:prstGeom prst="rect">
             <a:avLst/>
@@ -7796,7 +7798,7 @@
                 <a:latin typeface="Times New Roman" panose="02020603050405020304" pitchFamily="18" charset="0"/>
                 <a:ea typeface="Times New Roman" panose="02020603050405020304" pitchFamily="18" charset="0"/>
               </a:rPr>
-              <a:t>Welcome to Opportunity Cost! It is an international collegiate programming (ACM-ICPC)</a:t>
+              <a:t>There is x is price, y is performance and z are user-</a:t>
             </a:r>
             <a:r>
               <a:rPr lang="en-US" sz="1800" spc="5" dirty="0">
@@ -7812,7 +7814,273 @@
                 <a:latin typeface="Times New Roman" panose="02020603050405020304" pitchFamily="18" charset="0"/>
                 <a:ea typeface="Times New Roman" panose="02020603050405020304" pitchFamily="18" charset="0"/>
               </a:rPr>
-              <a:t>Problem in which priority-based concept. There is x is price, y is performance and z are user-</a:t>
+              <a:t>friendliness.</a:t>
+            </a:r>
+            <a:r>
+              <a:rPr lang="en-US" sz="1800" spc="-5" dirty="0">
+                <a:effectLst/>
+                <a:latin typeface="Times New Roman" panose="02020603050405020304" pitchFamily="18" charset="0"/>
+                <a:ea typeface="Times New Roman" panose="02020603050405020304" pitchFamily="18" charset="0"/>
+              </a:rPr>
+              <a:t> </a:t>
+            </a:r>
+          </a:p>
+          <a:p>
+            <a:pPr marL="148590" marR="158750" indent="371475" algn="just">
+              <a:spcBef>
+                <a:spcPts val="2905"/>
+              </a:spcBef>
+              <a:spcAft>
+                <a:spcPts val="0"/>
+              </a:spcAft>
+            </a:pPr>
+            <a:r>
+              <a:rPr lang="en-US" sz="1800" dirty="0">
+                <a:effectLst/>
+                <a:latin typeface="Times New Roman" panose="02020603050405020304" pitchFamily="18" charset="0"/>
+                <a:ea typeface="Times New Roman" panose="02020603050405020304" pitchFamily="18" charset="0"/>
+              </a:rPr>
+              <a:t>In</a:t>
+            </a:r>
+            <a:r>
+              <a:rPr lang="en-US" sz="1800" spc="-20" dirty="0">
+                <a:effectLst/>
+                <a:latin typeface="Times New Roman" panose="02020603050405020304" pitchFamily="18" charset="0"/>
+                <a:ea typeface="Times New Roman" panose="02020603050405020304" pitchFamily="18" charset="0"/>
+              </a:rPr>
+              <a:t> </a:t>
+            </a:r>
+            <a:r>
+              <a:rPr lang="en-US" sz="1800" dirty="0">
+                <a:effectLst/>
+                <a:latin typeface="Times New Roman" panose="02020603050405020304" pitchFamily="18" charset="0"/>
+                <a:ea typeface="Times New Roman" panose="02020603050405020304" pitchFamily="18" charset="0"/>
+              </a:rPr>
+              <a:t>these</a:t>
+            </a:r>
+            <a:r>
+              <a:rPr lang="en-US" sz="1800" spc="-25" dirty="0">
+                <a:effectLst/>
+                <a:latin typeface="Times New Roman" panose="02020603050405020304" pitchFamily="18" charset="0"/>
+                <a:ea typeface="Times New Roman" panose="02020603050405020304" pitchFamily="18" charset="0"/>
+              </a:rPr>
+              <a:t> </a:t>
+            </a:r>
+            <a:r>
+              <a:rPr lang="en-US" sz="1800" dirty="0">
+                <a:effectLst/>
+                <a:latin typeface="Times New Roman" panose="02020603050405020304" pitchFamily="18" charset="0"/>
+                <a:ea typeface="Times New Roman" panose="02020603050405020304" pitchFamily="18" charset="0"/>
+              </a:rPr>
+              <a:t>problem</a:t>
+            </a:r>
+            <a:r>
+              <a:rPr lang="en-US" sz="1800" spc="-15" dirty="0">
+                <a:effectLst/>
+                <a:latin typeface="Times New Roman" panose="02020603050405020304" pitchFamily="18" charset="0"/>
+                <a:ea typeface="Times New Roman" panose="02020603050405020304" pitchFamily="18" charset="0"/>
+              </a:rPr>
+              <a:t> </a:t>
+            </a:r>
+            <a:r>
+              <a:rPr lang="en-US" sz="1800" dirty="0">
+                <a:effectLst/>
+                <a:latin typeface="Times New Roman" panose="02020603050405020304" pitchFamily="18" charset="0"/>
+                <a:ea typeface="Times New Roman" panose="02020603050405020304" pitchFamily="18" charset="0"/>
+              </a:rPr>
+              <a:t>statement</a:t>
+            </a:r>
+            <a:r>
+              <a:rPr lang="en-US" sz="1800" spc="-20" dirty="0">
+                <a:effectLst/>
+                <a:latin typeface="Times New Roman" panose="02020603050405020304" pitchFamily="18" charset="0"/>
+                <a:ea typeface="Times New Roman" panose="02020603050405020304" pitchFamily="18" charset="0"/>
+              </a:rPr>
+              <a:t> </a:t>
+            </a:r>
+            <a:r>
+              <a:rPr lang="en-US" sz="1800" dirty="0">
+                <a:effectLst/>
+                <a:latin typeface="Times New Roman" panose="02020603050405020304" pitchFamily="18" charset="0"/>
+                <a:ea typeface="Times New Roman" panose="02020603050405020304" pitchFamily="18" charset="0"/>
+              </a:rPr>
+              <a:t>you</a:t>
+            </a:r>
+            <a:r>
+              <a:rPr lang="en-US" sz="1800" spc="-20" dirty="0">
+                <a:effectLst/>
+                <a:latin typeface="Times New Roman" panose="02020603050405020304" pitchFamily="18" charset="0"/>
+                <a:ea typeface="Times New Roman" panose="02020603050405020304" pitchFamily="18" charset="0"/>
+              </a:rPr>
+              <a:t> </a:t>
+            </a:r>
+            <a:r>
+              <a:rPr lang="en-US" sz="1800" dirty="0">
+                <a:effectLst/>
+                <a:latin typeface="Times New Roman" panose="02020603050405020304" pitchFamily="18" charset="0"/>
+                <a:ea typeface="Times New Roman" panose="02020603050405020304" pitchFamily="18" charset="0"/>
+              </a:rPr>
+              <a:t>are</a:t>
+            </a:r>
+            <a:r>
+              <a:rPr lang="en-US" sz="1800" spc="-15" dirty="0">
+                <a:effectLst/>
+                <a:latin typeface="Times New Roman" panose="02020603050405020304" pitchFamily="18" charset="0"/>
+                <a:ea typeface="Times New Roman" panose="02020603050405020304" pitchFamily="18" charset="0"/>
+              </a:rPr>
+              <a:t> </a:t>
+            </a:r>
+            <a:r>
+              <a:rPr lang="en-US" sz="1800" dirty="0">
+                <a:effectLst/>
+                <a:latin typeface="Times New Roman" panose="02020603050405020304" pitchFamily="18" charset="0"/>
+                <a:ea typeface="Times New Roman" panose="02020603050405020304" pitchFamily="18" charset="0"/>
+              </a:rPr>
+              <a:t>forced</a:t>
+            </a:r>
+            <a:r>
+              <a:rPr lang="en-US" sz="1800" spc="-15" dirty="0">
+                <a:effectLst/>
+                <a:latin typeface="Times New Roman" panose="02020603050405020304" pitchFamily="18" charset="0"/>
+                <a:ea typeface="Times New Roman" panose="02020603050405020304" pitchFamily="18" charset="0"/>
+              </a:rPr>
+              <a:t> </a:t>
+            </a:r>
+            <a:r>
+              <a:rPr lang="en-US" sz="1800" dirty="0">
+                <a:effectLst/>
+                <a:latin typeface="Times New Roman" panose="02020603050405020304" pitchFamily="18" charset="0"/>
+                <a:ea typeface="Times New Roman" panose="02020603050405020304" pitchFamily="18" charset="0"/>
+              </a:rPr>
+              <a:t>to</a:t>
+            </a:r>
+            <a:r>
+              <a:rPr lang="en-US" sz="1800" spc="-15" dirty="0">
+                <a:effectLst/>
+                <a:latin typeface="Times New Roman" panose="02020603050405020304" pitchFamily="18" charset="0"/>
+                <a:ea typeface="Times New Roman" panose="02020603050405020304" pitchFamily="18" charset="0"/>
+              </a:rPr>
+              <a:t> </a:t>
+            </a:r>
+            <a:r>
+              <a:rPr lang="en-US" sz="1800" dirty="0">
+                <a:effectLst/>
+                <a:latin typeface="Times New Roman" panose="02020603050405020304" pitchFamily="18" charset="0"/>
+                <a:ea typeface="Times New Roman" panose="02020603050405020304" pitchFamily="18" charset="0"/>
+              </a:rPr>
+              <a:t>make</a:t>
+            </a:r>
+            <a:r>
+              <a:rPr lang="en-US" sz="1800" spc="-25" dirty="0">
+                <a:effectLst/>
+                <a:latin typeface="Times New Roman" panose="02020603050405020304" pitchFamily="18" charset="0"/>
+                <a:ea typeface="Times New Roman" panose="02020603050405020304" pitchFamily="18" charset="0"/>
+              </a:rPr>
+              <a:t> </a:t>
+            </a:r>
+            <a:r>
+              <a:rPr lang="en-US" sz="1800" dirty="0">
+                <a:effectLst/>
+                <a:latin typeface="Times New Roman" panose="02020603050405020304" pitchFamily="18" charset="0"/>
+                <a:ea typeface="Times New Roman" panose="02020603050405020304" pitchFamily="18" charset="0"/>
+              </a:rPr>
+              <a:t>some</a:t>
+            </a:r>
+            <a:r>
+              <a:rPr lang="en-US" sz="1800" spc="-20" dirty="0">
+                <a:effectLst/>
+                <a:latin typeface="Times New Roman" panose="02020603050405020304" pitchFamily="18" charset="0"/>
+                <a:ea typeface="Times New Roman" panose="02020603050405020304" pitchFamily="18" charset="0"/>
+              </a:rPr>
+              <a:t> </a:t>
+            </a:r>
+            <a:r>
+              <a:rPr lang="en-US" sz="1800" dirty="0">
+                <a:effectLst/>
+                <a:latin typeface="Times New Roman" panose="02020603050405020304" pitchFamily="18" charset="0"/>
+                <a:ea typeface="Times New Roman" panose="02020603050405020304" pitchFamily="18" charset="0"/>
+              </a:rPr>
+              <a:t>sacrifices</a:t>
+            </a:r>
+            <a:r>
+              <a:rPr lang="en-US" sz="1800" spc="-15" dirty="0">
+                <a:effectLst/>
+                <a:latin typeface="Times New Roman" panose="02020603050405020304" pitchFamily="18" charset="0"/>
+                <a:ea typeface="Times New Roman" panose="02020603050405020304" pitchFamily="18" charset="0"/>
+              </a:rPr>
+              <a:t> </a:t>
+            </a:r>
+            <a:r>
+              <a:rPr lang="en-US" sz="1800" dirty="0">
+                <a:effectLst/>
+                <a:latin typeface="Times New Roman" panose="02020603050405020304" pitchFamily="18" charset="0"/>
+                <a:ea typeface="Times New Roman" panose="02020603050405020304" pitchFamily="18" charset="0"/>
+              </a:rPr>
+              <a:t>the</a:t>
+            </a:r>
+            <a:r>
+              <a:rPr lang="en-US" sz="1800" spc="-20" dirty="0">
+                <a:effectLst/>
+                <a:latin typeface="Times New Roman" panose="02020603050405020304" pitchFamily="18" charset="0"/>
+                <a:ea typeface="Times New Roman" panose="02020603050405020304" pitchFamily="18" charset="0"/>
+              </a:rPr>
+              <a:t> </a:t>
+            </a:r>
+            <a:r>
+              <a:rPr lang="en-US" sz="1800" dirty="0">
+                <a:effectLst/>
+                <a:latin typeface="Times New Roman" panose="02020603050405020304" pitchFamily="18" charset="0"/>
+                <a:ea typeface="Times New Roman" panose="02020603050405020304" pitchFamily="18" charset="0"/>
+              </a:rPr>
+              <a:t>aspects</a:t>
+            </a:r>
+            <a:r>
+              <a:rPr lang="en-US" sz="1800" spc="-15" dirty="0">
+                <a:effectLst/>
+                <a:latin typeface="Times New Roman" panose="02020603050405020304" pitchFamily="18" charset="0"/>
+                <a:ea typeface="Times New Roman" panose="02020603050405020304" pitchFamily="18" charset="0"/>
+              </a:rPr>
+              <a:t> </a:t>
+            </a:r>
+            <a:r>
+              <a:rPr lang="en-US" sz="1800" dirty="0">
+                <a:effectLst/>
+                <a:latin typeface="Times New Roman" panose="02020603050405020304" pitchFamily="18" charset="0"/>
+                <a:ea typeface="Times New Roman" panose="02020603050405020304" pitchFamily="18" charset="0"/>
+              </a:rPr>
+              <a:t>you</a:t>
+            </a:r>
+            <a:r>
+              <a:rPr lang="en-US" sz="1800" spc="-15" dirty="0">
+                <a:effectLst/>
+                <a:latin typeface="Times New Roman" panose="02020603050405020304" pitchFamily="18" charset="0"/>
+                <a:ea typeface="Times New Roman" panose="02020603050405020304" pitchFamily="18" charset="0"/>
+              </a:rPr>
+              <a:t> </a:t>
+            </a:r>
+            <a:r>
+              <a:rPr lang="en-US" sz="1800" dirty="0">
+                <a:effectLst/>
+                <a:latin typeface="Times New Roman" panose="02020603050405020304" pitchFamily="18" charset="0"/>
+                <a:ea typeface="Times New Roman" panose="02020603050405020304" pitchFamily="18" charset="0"/>
+              </a:rPr>
+              <a:t>care</a:t>
+            </a:r>
+            <a:r>
+              <a:rPr lang="en-US" sz="1800" spc="-290" dirty="0">
+                <a:effectLst/>
+                <a:latin typeface="Times New Roman" panose="02020603050405020304" pitchFamily="18" charset="0"/>
+                <a:ea typeface="Times New Roman" panose="02020603050405020304" pitchFamily="18" charset="0"/>
+              </a:rPr>
+              <a:t> </a:t>
+            </a:r>
+            <a:r>
+              <a:rPr lang="en-US" sz="1800" dirty="0">
+                <a:effectLst/>
+                <a:latin typeface="Times New Roman" panose="02020603050405020304" pitchFamily="18" charset="0"/>
+                <a:ea typeface="Times New Roman" panose="02020603050405020304" pitchFamily="18" charset="0"/>
+              </a:rPr>
+              <a:t>about against each other and choosing the phone that achieves the best compromise. (where “best”</a:t>
             </a:r>
             <a:r>
               <a:rPr lang="en-US" sz="1800" spc="5" dirty="0">
@@ -7828,7 +8096,7 @@
                 <a:latin typeface="Times New Roman" panose="02020603050405020304" pitchFamily="18" charset="0"/>
                 <a:ea typeface="Times New Roman" panose="02020603050405020304" pitchFamily="18" charset="0"/>
               </a:rPr>
-              <a:t>friendliness.</a:t>
+              <a:t>of</a:t>
             </a:r>
             <a:r>
               <a:rPr lang="en-US" sz="1800" spc="-5" dirty="0">
@@ -7844,10 +8112,10 @@
                 <a:latin typeface="Times New Roman" panose="02020603050405020304" pitchFamily="18" charset="0"/>
                 <a:ea typeface="Times New Roman" panose="02020603050405020304" pitchFamily="18" charset="0"/>
               </a:rPr>
-              <a:t>In</a:t>
-            </a:r>
-            <a:r>
-              <a:rPr lang="en-US" sz="1800" spc="-20" dirty="0">
+              <a:t>course</a:t>
+            </a:r>
+            <a:r>
+              <a:rPr lang="en-US" sz="1800" spc="-10" dirty="0">
                 <a:effectLst/>
                 <a:latin typeface="Times New Roman" panose="02020603050405020304" pitchFamily="18" charset="0"/>
                 <a:ea typeface="Times New Roman" panose="02020603050405020304" pitchFamily="18" charset="0"/>
@@ -7860,10 +8128,10 @@
                 <a:latin typeface="Times New Roman" panose="02020603050405020304" pitchFamily="18" charset="0"/>
                 <a:ea typeface="Times New Roman" panose="02020603050405020304" pitchFamily="18" charset="0"/>
               </a:rPr>
-              <a:t>these</a:t>
-            </a:r>
-            <a:r>
-              <a:rPr lang="en-US" sz="1800" spc="-25" dirty="0">
+              <a:t>depends on what your priorities happen</a:t>
+            </a:r>
+            <a:r>
+              <a:rPr lang="en-US" sz="1800" spc="10" dirty="0">
                 <a:effectLst/>
                 <a:latin typeface="Times New Roman" panose="02020603050405020304" pitchFamily="18" charset="0"/>
                 <a:ea typeface="Times New Roman" panose="02020603050405020304" pitchFamily="18" charset="0"/>
@@ -7876,280 +8144,18 @@
                 <a:latin typeface="Times New Roman" panose="02020603050405020304" pitchFamily="18" charset="0"/>
                 <a:ea typeface="Times New Roman" panose="02020603050405020304" pitchFamily="18" charset="0"/>
               </a:rPr>
-              <a:t>problem</a:t>
-            </a:r>
-            <a:r>
-              <a:rPr lang="en-US" sz="1800" spc="-15" dirty="0">
-                <a:effectLst/>
-                <a:latin typeface="Times New Roman" panose="02020603050405020304" pitchFamily="18" charset="0"/>
-                <a:ea typeface="Times New Roman" panose="02020603050405020304" pitchFamily="18" charset="0"/>
-              </a:rPr>
-              <a:t> </a:t>
-            </a:r>
-            <a:r>
-              <a:rPr lang="en-US" sz="1800" dirty="0">
-                <a:effectLst/>
-                <a:latin typeface="Times New Roman" panose="02020603050405020304" pitchFamily="18" charset="0"/>
-                <a:ea typeface="Times New Roman" panose="02020603050405020304" pitchFamily="18" charset="0"/>
-              </a:rPr>
-              <a:t>statement</a:t>
-            </a:r>
-            <a:r>
-              <a:rPr lang="en-US" sz="1800" spc="-20" dirty="0">
-                <a:effectLst/>
-                <a:latin typeface="Times New Roman" panose="02020603050405020304" pitchFamily="18" charset="0"/>
-                <a:ea typeface="Times New Roman" panose="02020603050405020304" pitchFamily="18" charset="0"/>
-              </a:rPr>
-              <a:t> </a:t>
-            </a:r>
-            <a:r>
-              <a:rPr lang="en-US" sz="1800" dirty="0">
-                <a:effectLst/>
-                <a:latin typeface="Times New Roman" panose="02020603050405020304" pitchFamily="18" charset="0"/>
-                <a:ea typeface="Times New Roman" panose="02020603050405020304" pitchFamily="18" charset="0"/>
-              </a:rPr>
-              <a:t>you</a:t>
-            </a:r>
-            <a:r>
-              <a:rPr lang="en-US" sz="1800" spc="-20" dirty="0">
-                <a:effectLst/>
-                <a:latin typeface="Times New Roman" panose="02020603050405020304" pitchFamily="18" charset="0"/>
-                <a:ea typeface="Times New Roman" panose="02020603050405020304" pitchFamily="18" charset="0"/>
-              </a:rPr>
-              <a:t> </a:t>
-            </a:r>
-            <a:r>
-              <a:rPr lang="en-US" sz="1800" dirty="0">
-                <a:effectLst/>
-                <a:latin typeface="Times New Roman" panose="02020603050405020304" pitchFamily="18" charset="0"/>
-                <a:ea typeface="Times New Roman" panose="02020603050405020304" pitchFamily="18" charset="0"/>
-              </a:rPr>
-              <a:t>are</a:t>
-            </a:r>
-            <a:r>
-              <a:rPr lang="en-US" sz="1800" spc="-15" dirty="0">
-                <a:effectLst/>
-                <a:latin typeface="Times New Roman" panose="02020603050405020304" pitchFamily="18" charset="0"/>
-                <a:ea typeface="Times New Roman" panose="02020603050405020304" pitchFamily="18" charset="0"/>
-              </a:rPr>
-              <a:t> </a:t>
-            </a:r>
-            <a:r>
-              <a:rPr lang="en-US" sz="1800" dirty="0">
-                <a:effectLst/>
-                <a:latin typeface="Times New Roman" panose="02020603050405020304" pitchFamily="18" charset="0"/>
-                <a:ea typeface="Times New Roman" panose="02020603050405020304" pitchFamily="18" charset="0"/>
-              </a:rPr>
-              <a:t>forced</a:t>
-            </a:r>
-            <a:r>
-              <a:rPr lang="en-US" sz="1800" spc="-15" dirty="0">
-                <a:effectLst/>
-                <a:latin typeface="Times New Roman" panose="02020603050405020304" pitchFamily="18" charset="0"/>
-                <a:ea typeface="Times New Roman" panose="02020603050405020304" pitchFamily="18" charset="0"/>
-              </a:rPr>
-              <a:t> </a:t>
-            </a:r>
-            <a:r>
-              <a:rPr lang="en-US" sz="1800" dirty="0">
-                <a:effectLst/>
-                <a:latin typeface="Times New Roman" panose="02020603050405020304" pitchFamily="18" charset="0"/>
-                <a:ea typeface="Times New Roman" panose="02020603050405020304" pitchFamily="18" charset="0"/>
-              </a:rPr>
-              <a:t>to</a:t>
-            </a:r>
-            <a:r>
-              <a:rPr lang="en-US" sz="1800" spc="-15" dirty="0">
-                <a:effectLst/>
-                <a:latin typeface="Times New Roman" panose="02020603050405020304" pitchFamily="18" charset="0"/>
-                <a:ea typeface="Times New Roman" panose="02020603050405020304" pitchFamily="18" charset="0"/>
-              </a:rPr>
-              <a:t> </a:t>
-            </a:r>
-            <a:r>
-              <a:rPr lang="en-US" sz="1800" dirty="0">
-                <a:effectLst/>
-                <a:latin typeface="Times New Roman" panose="02020603050405020304" pitchFamily="18" charset="0"/>
-                <a:ea typeface="Times New Roman" panose="02020603050405020304" pitchFamily="18" charset="0"/>
-              </a:rPr>
-              <a:t>make</a:t>
-            </a:r>
-            <a:r>
-              <a:rPr lang="en-US" sz="1800" spc="-25" dirty="0">
-                <a:effectLst/>
-                <a:latin typeface="Times New Roman" panose="02020603050405020304" pitchFamily="18" charset="0"/>
-                <a:ea typeface="Times New Roman" panose="02020603050405020304" pitchFamily="18" charset="0"/>
-              </a:rPr>
-              <a:t> </a:t>
-            </a:r>
-            <a:r>
-              <a:rPr lang="en-US" sz="1800" dirty="0">
-                <a:effectLst/>
-                <a:latin typeface="Times New Roman" panose="02020603050405020304" pitchFamily="18" charset="0"/>
-                <a:ea typeface="Times New Roman" panose="02020603050405020304" pitchFamily="18" charset="0"/>
-              </a:rPr>
-              <a:t>some</a:t>
-            </a:r>
-            <a:r>
-              <a:rPr lang="en-US" sz="1800" spc="-20" dirty="0">
-                <a:effectLst/>
-                <a:latin typeface="Times New Roman" panose="02020603050405020304" pitchFamily="18" charset="0"/>
-                <a:ea typeface="Times New Roman" panose="02020603050405020304" pitchFamily="18" charset="0"/>
-              </a:rPr>
-              <a:t> </a:t>
-            </a:r>
-            <a:r>
-              <a:rPr lang="en-US" sz="1800" dirty="0">
-                <a:effectLst/>
-                <a:latin typeface="Times New Roman" panose="02020603050405020304" pitchFamily="18" charset="0"/>
-                <a:ea typeface="Times New Roman" panose="02020603050405020304" pitchFamily="18" charset="0"/>
-              </a:rPr>
-              <a:t>sacrifices</a:t>
-            </a:r>
-            <a:r>
-              <a:rPr lang="en-US" sz="1800" spc="-15" dirty="0">
-                <a:effectLst/>
-                <a:latin typeface="Times New Roman" panose="02020603050405020304" pitchFamily="18" charset="0"/>
-                <a:ea typeface="Times New Roman" panose="02020603050405020304" pitchFamily="18" charset="0"/>
-              </a:rPr>
-              <a:t> </a:t>
-            </a:r>
-            <a:r>
-              <a:rPr lang="en-US" sz="1800" dirty="0">
-                <a:effectLst/>
-                <a:latin typeface="Times New Roman" panose="02020603050405020304" pitchFamily="18" charset="0"/>
-                <a:ea typeface="Times New Roman" panose="02020603050405020304" pitchFamily="18" charset="0"/>
-              </a:rPr>
-              <a:t>the</a:t>
-            </a:r>
-            <a:r>
-              <a:rPr lang="en-US" sz="1800" spc="-20" dirty="0">
-                <a:effectLst/>
-                <a:latin typeface="Times New Roman" panose="02020603050405020304" pitchFamily="18" charset="0"/>
-                <a:ea typeface="Times New Roman" panose="02020603050405020304" pitchFamily="18" charset="0"/>
-              </a:rPr>
-              <a:t> </a:t>
-            </a:r>
-            <a:r>
-              <a:rPr lang="en-US" sz="1800" dirty="0">
-                <a:effectLst/>
-                <a:latin typeface="Times New Roman" panose="02020603050405020304" pitchFamily="18" charset="0"/>
-                <a:ea typeface="Times New Roman" panose="02020603050405020304" pitchFamily="18" charset="0"/>
-              </a:rPr>
-              <a:t>aspects</a:t>
-            </a:r>
-            <a:r>
-              <a:rPr lang="en-US" sz="1800" spc="-15" dirty="0">
-                <a:effectLst/>
-                <a:latin typeface="Times New Roman" panose="02020603050405020304" pitchFamily="18" charset="0"/>
-                <a:ea typeface="Times New Roman" panose="02020603050405020304" pitchFamily="18" charset="0"/>
-              </a:rPr>
-              <a:t> </a:t>
-            </a:r>
-            <a:r>
-              <a:rPr lang="en-US" sz="1800" dirty="0">
-                <a:effectLst/>
-                <a:latin typeface="Times New Roman" panose="02020603050405020304" pitchFamily="18" charset="0"/>
-                <a:ea typeface="Times New Roman" panose="02020603050405020304" pitchFamily="18" charset="0"/>
-              </a:rPr>
-              <a:t>you</a:t>
-            </a:r>
-            <a:r>
-              <a:rPr lang="en-US" sz="1800" spc="-15" dirty="0">
-                <a:effectLst/>
-                <a:latin typeface="Times New Roman" panose="02020603050405020304" pitchFamily="18" charset="0"/>
-                <a:ea typeface="Times New Roman" panose="02020603050405020304" pitchFamily="18" charset="0"/>
-              </a:rPr>
-              <a:t> </a:t>
-            </a:r>
-            <a:r>
-              <a:rPr lang="en-US" sz="1800" dirty="0">
-                <a:effectLst/>
-                <a:latin typeface="Times New Roman" panose="02020603050405020304" pitchFamily="18" charset="0"/>
-                <a:ea typeface="Times New Roman" panose="02020603050405020304" pitchFamily="18" charset="0"/>
-              </a:rPr>
-              <a:t>care</a:t>
-            </a:r>
-            <a:r>
-              <a:rPr lang="en-US" sz="1800" spc="-290" dirty="0">
-                <a:effectLst/>
-                <a:latin typeface="Times New Roman" panose="02020603050405020304" pitchFamily="18" charset="0"/>
-                <a:ea typeface="Times New Roman" panose="02020603050405020304" pitchFamily="18" charset="0"/>
-              </a:rPr>
-              <a:t> </a:t>
-            </a:r>
-            <a:r>
-              <a:rPr lang="en-US" sz="1800" dirty="0">
-                <a:effectLst/>
-                <a:latin typeface="Times New Roman" panose="02020603050405020304" pitchFamily="18" charset="0"/>
-                <a:ea typeface="Times New Roman" panose="02020603050405020304" pitchFamily="18" charset="0"/>
-              </a:rPr>
-              <a:t>about against each other and choosing the phone that achieves the best compromise. (where “best”</a:t>
-            </a:r>
-            <a:r>
-              <a:rPr lang="en-US" sz="1800" spc="5" dirty="0">
-                <a:effectLst/>
-                <a:latin typeface="Times New Roman" panose="02020603050405020304" pitchFamily="18" charset="0"/>
-                <a:ea typeface="Times New Roman" panose="02020603050405020304" pitchFamily="18" charset="0"/>
-              </a:rPr>
-              <a:t> </a:t>
-            </a:r>
-            <a:r>
-              <a:rPr lang="en-US" sz="1800" dirty="0">
-                <a:effectLst/>
-                <a:latin typeface="Times New Roman" panose="02020603050405020304" pitchFamily="18" charset="0"/>
-                <a:ea typeface="Times New Roman" panose="02020603050405020304" pitchFamily="18" charset="0"/>
-              </a:rPr>
-              <a:t>of</a:t>
-            </a:r>
-            <a:r>
-              <a:rPr lang="en-US" sz="1800" spc="-5" dirty="0">
-                <a:effectLst/>
-                <a:latin typeface="Times New Roman" panose="02020603050405020304" pitchFamily="18" charset="0"/>
-                <a:ea typeface="Times New Roman" panose="02020603050405020304" pitchFamily="18" charset="0"/>
-              </a:rPr>
-              <a:t> </a:t>
-            </a:r>
-            <a:r>
-              <a:rPr lang="en-US" sz="1800" dirty="0">
-                <a:effectLst/>
-                <a:latin typeface="Times New Roman" panose="02020603050405020304" pitchFamily="18" charset="0"/>
-                <a:ea typeface="Times New Roman" panose="02020603050405020304" pitchFamily="18" charset="0"/>
-              </a:rPr>
-              <a:t>course</a:t>
-            </a:r>
-            <a:r>
-              <a:rPr lang="en-US" sz="1800" spc="-10" dirty="0">
-                <a:effectLst/>
-                <a:latin typeface="Times New Roman" panose="02020603050405020304" pitchFamily="18" charset="0"/>
-                <a:ea typeface="Times New Roman" panose="02020603050405020304" pitchFamily="18" charset="0"/>
-              </a:rPr>
-              <a:t> </a:t>
-            </a:r>
-            <a:r>
-              <a:rPr lang="en-US" sz="1800" dirty="0">
-                <a:effectLst/>
-                <a:latin typeface="Times New Roman" panose="02020603050405020304" pitchFamily="18" charset="0"/>
-                <a:ea typeface="Times New Roman" panose="02020603050405020304" pitchFamily="18" charset="0"/>
-              </a:rPr>
-              <a:t>depends on what your priorities happen</a:t>
-            </a:r>
-            <a:r>
-              <a:rPr lang="en-US" sz="1800" spc="10" dirty="0">
-                <a:effectLst/>
-                <a:latin typeface="Times New Roman" panose="02020603050405020304" pitchFamily="18" charset="0"/>
-                <a:ea typeface="Times New Roman" panose="02020603050405020304" pitchFamily="18" charset="0"/>
-              </a:rPr>
-              <a:t> </a:t>
-            </a:r>
-            <a:r>
-              <a:rPr lang="en-US" sz="1800" dirty="0">
-                <a:effectLst/>
-                <a:latin typeface="Times New Roman" panose="02020603050405020304" pitchFamily="18" charset="0"/>
-                <a:ea typeface="Times New Roman" panose="02020603050405020304" pitchFamily="18" charset="0"/>
-              </a:rPr>
               <a:t>to be).</a:t>
             </a:r>
+          </a:p>
+          <a:p>
+            <a:pPr marL="148590" marR="158750" indent="371475" algn="just">
+              <a:spcBef>
+                <a:spcPts val="2905"/>
+              </a:spcBef>
+              <a:spcAft>
+                <a:spcPts val="0"/>
+              </a:spcAft>
+            </a:pPr>
             <a:endParaRPr lang="en-IN" sz="1800" dirty="0">
               <a:effectLst/>
               <a:latin typeface="Times New Roman" panose="02020603050405020304" pitchFamily="18" charset="0"/>
@@ -8411,63 +8417,40 @@
                 <a:latin typeface="Times New Roman" panose="02020603050405020304" pitchFamily="18" charset="0"/>
                 <a:ea typeface="Times New Roman" panose="02020603050405020304" pitchFamily="18" charset="0"/>
               </a:rPr>
-              <a:t>measured on a comparable numeric scale higher is better. Example of these problem statement is n</a:t>
-            </a:r>
-            <a:r>
-              <a:rPr lang="en-US" sz="1800" spc="5" dirty="0">
-                <a:effectLst/>
-                <a:latin typeface="Times New Roman" panose="02020603050405020304" pitchFamily="18" charset="0"/>
-                <a:ea typeface="Times New Roman" panose="02020603050405020304" pitchFamily="18" charset="0"/>
-              </a:rPr>
-              <a:t> </a:t>
-            </a:r>
+              <a:t>measured on a comparable numeric scale higher is better.</a:t>
+            </a:r>
+          </a:p>
+          <a:p>
+            <a:pPr marL="148590" marR="161290" indent="371475" algn="just">
+              <a:spcBef>
+                <a:spcPts val="420"/>
+              </a:spcBef>
+              <a:spcAft>
+                <a:spcPts val="0"/>
+              </a:spcAft>
+            </a:pPr>
+            <a:endParaRPr lang="en-US" sz="1800" dirty="0">
+              <a:effectLst/>
+              <a:latin typeface="Times New Roman" panose="02020603050405020304" pitchFamily="18" charset="0"/>
+              <a:ea typeface="Times New Roman" panose="02020603050405020304" pitchFamily="18" charset="0"/>
+            </a:endParaRPr>
+          </a:p>
+          <a:p>
+            <a:pPr marL="148590" marR="161290" indent="371475" algn="just">
+              <a:spcBef>
+                <a:spcPts val="420"/>
+              </a:spcBef>
+              <a:spcAft>
+                <a:spcPts val="0"/>
+              </a:spcAft>
+            </a:pPr>
             <a:r>
               <a:rPr lang="en-US" sz="1800" dirty="0">
                 <a:effectLst/>
                 <a:latin typeface="Times New Roman" panose="02020603050405020304" pitchFamily="18" charset="0"/>
                 <a:ea typeface="Times New Roman" panose="02020603050405020304" pitchFamily="18" charset="0"/>
               </a:rPr>
-              <a:t>available phones, and the values (Xi, Yi, Zi) represent the (price, performance, user-friendliness) of</a:t>
-            </a:r>
-            <a:r>
-              <a:rPr lang="en-US" sz="1800" spc="5" dirty="0">
-                <a:effectLst/>
-                <a:latin typeface="Times New Roman" panose="02020603050405020304" pitchFamily="18" charset="0"/>
-                <a:ea typeface="Times New Roman" panose="02020603050405020304" pitchFamily="18" charset="0"/>
-              </a:rPr>
-              <a:t> </a:t>
-            </a:r>
-            <a:r>
-              <a:rPr lang="en-US" sz="1800" dirty="0">
-                <a:effectLst/>
-                <a:latin typeface="Times New Roman" panose="02020603050405020304" pitchFamily="18" charset="0"/>
-                <a:ea typeface="Times New Roman" panose="02020603050405020304" pitchFamily="18" charset="0"/>
-              </a:rPr>
-              <a:t>the </a:t>
-            </a:r>
-            <a:r>
-              <a:rPr lang="en-US" sz="1800" dirty="0" err="1">
-                <a:effectLst/>
-                <a:latin typeface="Times New Roman" panose="02020603050405020304" pitchFamily="18" charset="0"/>
-                <a:ea typeface="Times New Roman" panose="02020603050405020304" pitchFamily="18" charset="0"/>
-              </a:rPr>
-              <a:t>i</a:t>
-            </a:r>
-            <a:r>
-              <a:rPr lang="en-US" sz="1800" baseline="30000" dirty="0" err="1">
-                <a:effectLst/>
-                <a:latin typeface="Times New Roman" panose="02020603050405020304" pitchFamily="18" charset="0"/>
-                <a:ea typeface="Times New Roman" panose="02020603050405020304" pitchFamily="18" charset="0"/>
-              </a:rPr>
-              <a:t>th</a:t>
-            </a:r>
-            <a:r>
-              <a:rPr lang="en-US" sz="1800" dirty="0">
-                <a:effectLst/>
-                <a:latin typeface="Times New Roman" panose="02020603050405020304" pitchFamily="18" charset="0"/>
-                <a:ea typeface="Times New Roman" panose="02020603050405020304" pitchFamily="18" charset="0"/>
-              </a:rPr>
-              <a:t> phone, then the opportunity cost is defined as n= number of available phones, x = price of the</a:t>
+              <a:t>x = price of the</a:t>
             </a:r>
             <a:r>
               <a:rPr lang="en-US" sz="1800" spc="-285" dirty="0">
@@ -8969,7 +8952,34 @@
                 <a:latin typeface="Times New Roman" panose="02020603050405020304" pitchFamily="18" charset="0"/>
                 <a:ea typeface="Times New Roman" panose="02020603050405020304" pitchFamily="18" charset="0"/>
               </a:rPr>
-              <a:t>something else; in short opportunity cost is the value of the next best alternative. The concept of</a:t>
+              <a:t>something else; in short opportunity cost is the value of the next best alternative. </a:t>
+            </a:r>
+          </a:p>
+          <a:p>
+            <a:pPr marL="148590" marR="160020" indent="371475" algn="just">
+              <a:spcAft>
+                <a:spcPts val="0"/>
+              </a:spcAft>
+            </a:pPr>
+            <a:endParaRPr lang="en-US" sz="1800" dirty="0">
+              <a:effectLst/>
+              <a:latin typeface="Times New Roman" panose="02020603050405020304" pitchFamily="18" charset="0"/>
+              <a:ea typeface="Times New Roman" panose="02020603050405020304" pitchFamily="18" charset="0"/>
+            </a:endParaRPr>
+          </a:p>
+          <a:p>
+            <a:pPr marL="148590" marR="160020" indent="371475" algn="just">
+              <a:spcAft>
+                <a:spcPts val="0"/>
+              </a:spcAft>
+            </a:pPr>
+            <a:r>
+              <a:rPr lang="en-US" sz="1800" dirty="0">
+                <a:effectLst/>
+                <a:latin typeface="Times New Roman" panose="02020603050405020304" pitchFamily="18" charset="0"/>
+                <a:ea typeface="Times New Roman" panose="02020603050405020304" pitchFamily="18" charset="0"/>
+              </a:rPr>
+              <a:t>Opportunity cost is the potential profit that an individual, investor, or business loses when</a:t>
             </a:r>
             <a:r>
               <a:rPr lang="en-US" sz="1800" spc="5" dirty="0">
@@ -8985,7 +8995,42 @@
                 <a:latin typeface="Times New Roman" panose="02020603050405020304" pitchFamily="18" charset="0"/>
                 <a:ea typeface="Times New Roman" panose="02020603050405020304" pitchFamily="18" charset="0"/>
               </a:rPr>
-              <a:t>opportunity cost (for alternative cost) expresses the basic relationship between scarcity and choice.</a:t>
+              <a:t>choosing one alternative over another. Opportunity cost apply to many aspects of life decision. </a:t>
+            </a:r>
+          </a:p>
+          <a:p>
+            <a:pPr marL="148590" marR="160020" indent="371475" algn="just">
+              <a:spcAft>
+                <a:spcPts val="0"/>
+              </a:spcAft>
+            </a:pPr>
+            <a:endParaRPr lang="en-US" dirty="0">
+              <a:latin typeface="Times New Roman" panose="02020603050405020304" pitchFamily="18" charset="0"/>
+              <a:ea typeface="Times New Roman" panose="02020603050405020304" pitchFamily="18" charset="0"/>
+            </a:endParaRPr>
+          </a:p>
+          <a:p>
+            <a:pPr marL="148590" marR="160020" indent="0" algn="just">
+              <a:spcAft>
+                <a:spcPts val="0"/>
+              </a:spcAft>
+              <a:buNone/>
+            </a:pPr>
+            <a:r>
+              <a:rPr lang="en-US" sz="1800" dirty="0" err="1">
+                <a:effectLst/>
+                <a:latin typeface="Times New Roman" panose="02020603050405020304" pitchFamily="18" charset="0"/>
+                <a:ea typeface="Times New Roman" panose="02020603050405020304" pitchFamily="18" charset="0"/>
+              </a:rPr>
+              <a:t>Eg.</a:t>
+            </a:r>
+            <a:r>
+              <a:rPr lang="en-US" sz="1800" dirty="0">
+                <a:effectLst/>
+                <a:latin typeface="Times New Roman" panose="02020603050405020304" pitchFamily="18" charset="0"/>
+                <a:ea typeface="Times New Roman" panose="02020603050405020304" pitchFamily="18" charset="0"/>
+              </a:rPr>
+              <a:t> Often,</a:t>
             </a:r>
             <a:r>
               <a:rPr lang="en-US" sz="1800" spc="5" dirty="0">
@@ -9001,7 +9046,7 @@
                 <a:latin typeface="Times New Roman" panose="02020603050405020304" pitchFamily="18" charset="0"/>
                 <a:ea typeface="Times New Roman" panose="02020603050405020304" pitchFamily="18" charset="0"/>
               </a:rPr>
-              <a:t>If no object or activity that is valued by anyone is scarce, all demand for all person and in all period</a:t>
+              <a:t>money becomes the root causes decision-making. If you decide to spend money on a vacation and you</a:t>
             </a:r>
             <a:r>
               <a:rPr lang="en-US" sz="1800" spc="-285" dirty="0">
@@ -9017,7 +9062,7 @@
                 <a:latin typeface="Times New Roman" panose="02020603050405020304" pitchFamily="18" charset="0"/>
                 <a:ea typeface="Times New Roman" panose="02020603050405020304" pitchFamily="18" charset="0"/>
               </a:rPr>
-              <a:t>can</a:t>
+              <a:t>delay</a:t>
             </a:r>
             <a:r>
               <a:rPr lang="en-US" sz="1800" spc="-5" dirty="0">
@@ -9033,7 +9078,39 @@
                 <a:latin typeface="Times New Roman" panose="02020603050405020304" pitchFamily="18" charset="0"/>
                 <a:ea typeface="Times New Roman" panose="02020603050405020304" pitchFamily="18" charset="0"/>
               </a:rPr>
-              <a:t>be</a:t>
+              <a:t>your</a:t>
+            </a:r>
+            <a:r>
+              <a:rPr lang="en-US" sz="1800" spc="-10" dirty="0">
+                <a:effectLst/>
+                <a:latin typeface="Times New Roman" panose="02020603050405020304" pitchFamily="18" charset="0"/>
+                <a:ea typeface="Times New Roman" panose="02020603050405020304" pitchFamily="18" charset="0"/>
+              </a:rPr>
+              <a:t> </a:t>
+            </a:r>
+            <a:r>
+              <a:rPr lang="en-US" sz="1800" dirty="0">
+                <a:effectLst/>
+                <a:latin typeface="Times New Roman" panose="02020603050405020304" pitchFamily="18" charset="0"/>
+                <a:ea typeface="Times New Roman" panose="02020603050405020304" pitchFamily="18" charset="0"/>
+              </a:rPr>
+              <a:t>home’s</a:t>
+            </a:r>
+            <a:r>
+              <a:rPr lang="en-US" sz="1800" spc="5" dirty="0">
+                <a:effectLst/>
+                <a:latin typeface="Times New Roman" panose="02020603050405020304" pitchFamily="18" charset="0"/>
+                <a:ea typeface="Times New Roman" panose="02020603050405020304" pitchFamily="18" charset="0"/>
+              </a:rPr>
+              <a:t> </a:t>
+            </a:r>
+            <a:r>
+              <a:rPr lang="en-US" sz="1800" dirty="0">
+                <a:effectLst/>
+                <a:latin typeface="Times New Roman" panose="02020603050405020304" pitchFamily="18" charset="0"/>
+                <a:ea typeface="Times New Roman" panose="02020603050405020304" pitchFamily="18" charset="0"/>
+              </a:rPr>
+              <a:t>remodel, then</a:t>
             </a:r>
             <a:r>
               <a:rPr lang="en-US" sz="1800" spc="-5" dirty="0">
@@ -9049,7 +9126,103 @@
                 <a:latin typeface="Times New Roman" panose="02020603050405020304" pitchFamily="18" charset="0"/>
                 <a:ea typeface="Times New Roman" panose="02020603050405020304" pitchFamily="18" charset="0"/>
               </a:rPr>
-              <a:t>satisfied.</a:t>
+              <a:t>your</a:t>
+            </a:r>
+            <a:r>
+              <a:rPr lang="en-US" sz="1800" spc="-5" dirty="0">
+                <a:effectLst/>
+                <a:latin typeface="Times New Roman" panose="02020603050405020304" pitchFamily="18" charset="0"/>
+                <a:ea typeface="Times New Roman" panose="02020603050405020304" pitchFamily="18" charset="0"/>
+              </a:rPr>
+              <a:t> </a:t>
+            </a:r>
+            <a:r>
+              <a:rPr lang="en-US" sz="1800" dirty="0">
+                <a:effectLst/>
+                <a:latin typeface="Times New Roman" panose="02020603050405020304" pitchFamily="18" charset="0"/>
+                <a:ea typeface="Times New Roman" panose="02020603050405020304" pitchFamily="18" charset="0"/>
+              </a:rPr>
+              <a:t>opportunity</a:t>
+            </a:r>
+            <a:r>
+              <a:rPr lang="en-US" sz="1800" spc="-5" dirty="0">
+                <a:effectLst/>
+                <a:latin typeface="Times New Roman" panose="02020603050405020304" pitchFamily="18" charset="0"/>
+                <a:ea typeface="Times New Roman" panose="02020603050405020304" pitchFamily="18" charset="0"/>
+              </a:rPr>
+              <a:t> </a:t>
+            </a:r>
+            <a:r>
+              <a:rPr lang="en-US" sz="1800" dirty="0">
+                <a:effectLst/>
+                <a:latin typeface="Times New Roman" panose="02020603050405020304" pitchFamily="18" charset="0"/>
+                <a:ea typeface="Times New Roman" panose="02020603050405020304" pitchFamily="18" charset="0"/>
+              </a:rPr>
+              <a:t>cost is</a:t>
+            </a:r>
+            <a:r>
+              <a:rPr lang="en-US" sz="1800" spc="-10" dirty="0">
+                <a:effectLst/>
+                <a:latin typeface="Times New Roman" panose="02020603050405020304" pitchFamily="18" charset="0"/>
+                <a:ea typeface="Times New Roman" panose="02020603050405020304" pitchFamily="18" charset="0"/>
+              </a:rPr>
+              <a:t> </a:t>
+            </a:r>
+            <a:r>
+              <a:rPr lang="en-US" sz="1800" dirty="0">
+                <a:effectLst/>
+                <a:latin typeface="Times New Roman" panose="02020603050405020304" pitchFamily="18" charset="0"/>
+                <a:ea typeface="Times New Roman" panose="02020603050405020304" pitchFamily="18" charset="0"/>
+              </a:rPr>
+              <a:t>the benefit</a:t>
+            </a:r>
+            <a:r>
+              <a:rPr lang="en-US" sz="1800" spc="-5" dirty="0">
+                <a:effectLst/>
+                <a:latin typeface="Times New Roman" panose="02020603050405020304" pitchFamily="18" charset="0"/>
+                <a:ea typeface="Times New Roman" panose="02020603050405020304" pitchFamily="18" charset="0"/>
+              </a:rPr>
+              <a:t> </a:t>
+            </a:r>
+            <a:r>
+              <a:rPr lang="en-US" sz="1800" dirty="0">
+                <a:effectLst/>
+                <a:latin typeface="Times New Roman" panose="02020603050405020304" pitchFamily="18" charset="0"/>
+                <a:ea typeface="Times New Roman" panose="02020603050405020304" pitchFamily="18" charset="0"/>
+              </a:rPr>
+              <a:t>living in</a:t>
+            </a:r>
+            <a:r>
+              <a:rPr lang="en-US" sz="1800" spc="-5" dirty="0">
+                <a:effectLst/>
+                <a:latin typeface="Times New Roman" panose="02020603050405020304" pitchFamily="18" charset="0"/>
+                <a:ea typeface="Times New Roman" panose="02020603050405020304" pitchFamily="18" charset="0"/>
+              </a:rPr>
+              <a:t> </a:t>
+            </a:r>
+            <a:r>
+              <a:rPr lang="en-US" sz="1800" dirty="0">
+                <a:effectLst/>
+                <a:latin typeface="Times New Roman" panose="02020603050405020304" pitchFamily="18" charset="0"/>
+                <a:ea typeface="Times New Roman" panose="02020603050405020304" pitchFamily="18" charset="0"/>
+              </a:rPr>
+              <a:t>a renovated</a:t>
+            </a:r>
+            <a:r>
+              <a:rPr lang="en-US" sz="1800" spc="-5" dirty="0">
+                <a:effectLst/>
+                <a:latin typeface="Times New Roman" panose="02020603050405020304" pitchFamily="18" charset="0"/>
+                <a:ea typeface="Times New Roman" panose="02020603050405020304" pitchFamily="18" charset="0"/>
+              </a:rPr>
+              <a:t> </a:t>
+            </a:r>
+            <a:r>
+              <a:rPr lang="en-US" sz="1800" dirty="0">
+                <a:effectLst/>
+                <a:latin typeface="Times New Roman" panose="02020603050405020304" pitchFamily="18" charset="0"/>
+                <a:ea typeface="Times New Roman" panose="02020603050405020304" pitchFamily="18" charset="0"/>
+              </a:rPr>
+              <a:t>home.</a:t>
             </a:r>
             <a:endParaRPr lang="en-IN" sz="1800" dirty="0">
               <a:effectLst/>
@@ -9071,247 +9244,6 @@
             </a:endParaRPr>
           </a:p>
           <a:p>
-            <a:pPr marL="63500" marR="75565" indent="457200" algn="just">
-              <a:spcAft>
-                <a:spcPts val="0"/>
-              </a:spcAft>
-            </a:pPr>
-            <a:r>
-              <a:rPr lang="en-US" sz="1800" dirty="0">
-                <a:effectLst/>
-                <a:latin typeface="Times New Roman" panose="02020603050405020304" pitchFamily="18" charset="0"/>
-                <a:ea typeface="Times New Roman" panose="02020603050405020304" pitchFamily="18" charset="0"/>
-              </a:rPr>
-              <a:t>Opportunity cost is the potential profit that an individual, investor, or business loses when</a:t>
-            </a:r>
-            <a:r>
-              <a:rPr lang="en-US" sz="1800" spc="5" dirty="0">
-                <a:effectLst/>
-                <a:latin typeface="Times New Roman" panose="02020603050405020304" pitchFamily="18" charset="0"/>
-                <a:ea typeface="Times New Roman" panose="02020603050405020304" pitchFamily="18" charset="0"/>
-              </a:rPr>
-              <a:t> </a:t>
-            </a:r>
-            <a:r>
-              <a:rPr lang="en-US" sz="1800" dirty="0">
-                <a:effectLst/>
-                <a:latin typeface="Times New Roman" panose="02020603050405020304" pitchFamily="18" charset="0"/>
-                <a:ea typeface="Times New Roman" panose="02020603050405020304" pitchFamily="18" charset="0"/>
-              </a:rPr>
-              <a:t>choosing one alternative over another. Opportunity cost apply to many aspects of life decision. Often,</a:t>
-            </a:r>
-            <a:r>
-              <a:rPr lang="en-US" sz="1800" spc="5" dirty="0">
-                <a:effectLst/>
-                <a:latin typeface="Times New Roman" panose="02020603050405020304" pitchFamily="18" charset="0"/>
-                <a:ea typeface="Times New Roman" panose="02020603050405020304" pitchFamily="18" charset="0"/>
-              </a:rPr>
-              <a:t> </a:t>
-            </a:r>
-            <a:r>
-              <a:rPr lang="en-US" sz="1800" dirty="0">
-                <a:effectLst/>
-                <a:latin typeface="Times New Roman" panose="02020603050405020304" pitchFamily="18" charset="0"/>
-                <a:ea typeface="Times New Roman" panose="02020603050405020304" pitchFamily="18" charset="0"/>
-              </a:rPr>
-              <a:t>money becomes the root causes decision-making. If you decide to spend money on a vacation and you</a:t>
-            </a:r>
-            <a:r>
-              <a:rPr lang="en-US" sz="1800" spc="-285" dirty="0">
-                <a:effectLst/>
-                <a:latin typeface="Times New Roman" panose="02020603050405020304" pitchFamily="18" charset="0"/>
-                <a:ea typeface="Times New Roman" panose="02020603050405020304" pitchFamily="18" charset="0"/>
-              </a:rPr>
-              <a:t> </a:t>
-            </a:r>
-            <a:r>
-              <a:rPr lang="en-US" sz="1800" dirty="0">
-                <a:effectLst/>
-                <a:latin typeface="Times New Roman" panose="02020603050405020304" pitchFamily="18" charset="0"/>
-                <a:ea typeface="Times New Roman" panose="02020603050405020304" pitchFamily="18" charset="0"/>
-              </a:rPr>
-              <a:t>delay</a:t>
-            </a:r>
-            <a:r>
-              <a:rPr lang="en-US" sz="1800" spc="-5" dirty="0">
-                <a:effectLst/>
-                <a:latin typeface="Times New Roman" panose="02020603050405020304" pitchFamily="18" charset="0"/>
-                <a:ea typeface="Times New Roman" panose="02020603050405020304" pitchFamily="18" charset="0"/>
-              </a:rPr>
-              <a:t> </a:t>
-            </a:r>
-            <a:r>
-              <a:rPr lang="en-US" sz="1800" dirty="0">
-                <a:effectLst/>
-                <a:latin typeface="Times New Roman" panose="02020603050405020304" pitchFamily="18" charset="0"/>
-                <a:ea typeface="Times New Roman" panose="02020603050405020304" pitchFamily="18" charset="0"/>
-              </a:rPr>
-              <a:t>your</a:t>
-            </a:r>
-            <a:r>
-              <a:rPr lang="en-US" sz="1800" spc="-10" dirty="0">
-                <a:effectLst/>
-                <a:latin typeface="Times New Roman" panose="02020603050405020304" pitchFamily="18" charset="0"/>
-                <a:ea typeface="Times New Roman" panose="02020603050405020304" pitchFamily="18" charset="0"/>
-              </a:rPr>
-              <a:t> </a:t>
-            </a:r>
-            <a:r>
-              <a:rPr lang="en-US" sz="1800" dirty="0">
-                <a:effectLst/>
-                <a:latin typeface="Times New Roman" panose="02020603050405020304" pitchFamily="18" charset="0"/>
-                <a:ea typeface="Times New Roman" panose="02020603050405020304" pitchFamily="18" charset="0"/>
-              </a:rPr>
-              <a:t>home’s</a:t>
-            </a:r>
-            <a:r>
-              <a:rPr lang="en-US" sz="1800" spc="5" dirty="0">
-                <a:effectLst/>
-                <a:latin typeface="Times New Roman" panose="02020603050405020304" pitchFamily="18" charset="0"/>
-                <a:ea typeface="Times New Roman" panose="02020603050405020304" pitchFamily="18" charset="0"/>
-              </a:rPr>
-              <a:t> </a:t>
-            </a:r>
-            <a:r>
-              <a:rPr lang="en-US" sz="1800" dirty="0">
-                <a:effectLst/>
-                <a:latin typeface="Times New Roman" panose="02020603050405020304" pitchFamily="18" charset="0"/>
-                <a:ea typeface="Times New Roman" panose="02020603050405020304" pitchFamily="18" charset="0"/>
-              </a:rPr>
-              <a:t>remodel, then</a:t>
-            </a:r>
-            <a:r>
-              <a:rPr lang="en-US" sz="1800" spc="-5" dirty="0">
-                <a:effectLst/>
-                <a:latin typeface="Times New Roman" panose="02020603050405020304" pitchFamily="18" charset="0"/>
-                <a:ea typeface="Times New Roman" panose="02020603050405020304" pitchFamily="18" charset="0"/>
-              </a:rPr>
-              <a:t> </a:t>
-            </a:r>
-            <a:r>
-              <a:rPr lang="en-US" sz="1800" dirty="0">
-                <a:effectLst/>
-                <a:latin typeface="Times New Roman" panose="02020603050405020304" pitchFamily="18" charset="0"/>
-                <a:ea typeface="Times New Roman" panose="02020603050405020304" pitchFamily="18" charset="0"/>
-              </a:rPr>
-              <a:t>your</a:t>
-            </a:r>
-            <a:r>
-              <a:rPr lang="en-US" sz="1800" spc="-5" dirty="0">
-                <a:effectLst/>
-                <a:latin typeface="Times New Roman" panose="02020603050405020304" pitchFamily="18" charset="0"/>
-                <a:ea typeface="Times New Roman" panose="02020603050405020304" pitchFamily="18" charset="0"/>
-              </a:rPr>
-              <a:t> </a:t>
-            </a:r>
-            <a:r>
-              <a:rPr lang="en-US" sz="1800" dirty="0">
-                <a:effectLst/>
-                <a:latin typeface="Times New Roman" panose="02020603050405020304" pitchFamily="18" charset="0"/>
-                <a:ea typeface="Times New Roman" panose="02020603050405020304" pitchFamily="18" charset="0"/>
-              </a:rPr>
-              <a:t>opportunity</a:t>
-            </a:r>
-            <a:r>
-              <a:rPr lang="en-US" sz="1800" spc="-5" dirty="0">
-                <a:effectLst/>
-                <a:latin typeface="Times New Roman" panose="02020603050405020304" pitchFamily="18" charset="0"/>
-                <a:ea typeface="Times New Roman" panose="02020603050405020304" pitchFamily="18" charset="0"/>
-              </a:rPr>
-              <a:t> </a:t>
-            </a:r>
-            <a:r>
-              <a:rPr lang="en-US" sz="1800" dirty="0">
-                <a:effectLst/>
-                <a:latin typeface="Times New Roman" panose="02020603050405020304" pitchFamily="18" charset="0"/>
-                <a:ea typeface="Times New Roman" panose="02020603050405020304" pitchFamily="18" charset="0"/>
-              </a:rPr>
-              <a:t>cost is</a:t>
-            </a:r>
-            <a:r>
-              <a:rPr lang="en-US" sz="1800" spc="-10" dirty="0">
-                <a:effectLst/>
-                <a:latin typeface="Times New Roman" panose="02020603050405020304" pitchFamily="18" charset="0"/>
-                <a:ea typeface="Times New Roman" panose="02020603050405020304" pitchFamily="18" charset="0"/>
-              </a:rPr>
-              <a:t> </a:t>
-            </a:r>
-            <a:r>
-              <a:rPr lang="en-US" sz="1800" dirty="0">
-                <a:effectLst/>
-                <a:latin typeface="Times New Roman" panose="02020603050405020304" pitchFamily="18" charset="0"/>
-                <a:ea typeface="Times New Roman" panose="02020603050405020304" pitchFamily="18" charset="0"/>
-              </a:rPr>
-              <a:t>the benefit</a:t>
-            </a:r>
-            <a:r>
-              <a:rPr lang="en-US" sz="1800" spc="-5" dirty="0">
-                <a:effectLst/>
-                <a:latin typeface="Times New Roman" panose="02020603050405020304" pitchFamily="18" charset="0"/>
-                <a:ea typeface="Times New Roman" panose="02020603050405020304" pitchFamily="18" charset="0"/>
-              </a:rPr>
-              <a:t> </a:t>
-            </a:r>
-            <a:r>
-              <a:rPr lang="en-US" sz="1800" dirty="0">
-                <a:effectLst/>
-                <a:latin typeface="Times New Roman" panose="02020603050405020304" pitchFamily="18" charset="0"/>
-                <a:ea typeface="Times New Roman" panose="02020603050405020304" pitchFamily="18" charset="0"/>
-              </a:rPr>
-              <a:t>living in</a:t>
-            </a:r>
-            <a:r>
-              <a:rPr lang="en-US" sz="1800" spc="-5" dirty="0">
-                <a:effectLst/>
-                <a:latin typeface="Times New Roman" panose="02020603050405020304" pitchFamily="18" charset="0"/>
-                <a:ea typeface="Times New Roman" panose="02020603050405020304" pitchFamily="18" charset="0"/>
-              </a:rPr>
-              <a:t> </a:t>
-            </a:r>
-            <a:r>
-              <a:rPr lang="en-US" sz="1800" dirty="0">
-                <a:effectLst/>
-                <a:latin typeface="Times New Roman" panose="02020603050405020304" pitchFamily="18" charset="0"/>
-                <a:ea typeface="Times New Roman" panose="02020603050405020304" pitchFamily="18" charset="0"/>
-              </a:rPr>
-              <a:t>a renovated</a:t>
-            </a:r>
-            <a:r>
-              <a:rPr lang="en-US" sz="1800" spc="-5" dirty="0">
-                <a:effectLst/>
-                <a:latin typeface="Times New Roman" panose="02020603050405020304" pitchFamily="18" charset="0"/>
-                <a:ea typeface="Times New Roman" panose="02020603050405020304" pitchFamily="18" charset="0"/>
-              </a:rPr>
-              <a:t> </a:t>
-            </a:r>
-            <a:r>
-              <a:rPr lang="en-US" sz="1800" dirty="0">
-                <a:effectLst/>
-                <a:latin typeface="Times New Roman" panose="02020603050405020304" pitchFamily="18" charset="0"/>
-                <a:ea typeface="Times New Roman" panose="02020603050405020304" pitchFamily="18" charset="0"/>
-              </a:rPr>
-              <a:t>home.</a:t>
-            </a:r>
-            <a:endParaRPr lang="en-IN" sz="1800" dirty="0">
-              <a:effectLst/>
-              <a:latin typeface="Times New Roman" panose="02020603050405020304" pitchFamily="18" charset="0"/>
-              <a:ea typeface="Times New Roman" panose="02020603050405020304" pitchFamily="18" charset="0"/>
-            </a:endParaRPr>
-          </a:p>
-          <a:p>
-            <a:pPr marL="0" indent="0">
-              <a:spcBef>
-                <a:spcPts val="10"/>
-              </a:spcBef>
-              <a:buNone/>
-            </a:pPr>
-            <a:endParaRPr lang="en-IN" sz="1800" dirty="0">
-              <a:effectLst/>
-              <a:latin typeface="Times New Roman" panose="02020603050405020304" pitchFamily="18" charset="0"/>
-              <a:ea typeface="Times New Roman" panose="02020603050405020304" pitchFamily="18" charset="0"/>
-            </a:endParaRPr>
-          </a:p>
-          <a:p>
             <a:pPr marL="148590" marR="161290" indent="371475" algn="just">
               <a:spcAft>
                 <a:spcPts val="0"/>
@@ -9323,263 +9255,7 @@
                 <a:latin typeface="Times New Roman" panose="02020603050405020304" pitchFamily="18" charset="0"/>
                 <a:ea typeface="Times New Roman" panose="02020603050405020304" pitchFamily="18" charset="0"/>
               </a:rPr>
-              <a:t>The concept of opportunity cost helps us to choose the best possible option among all the</a:t>
-            </a:r>
-            <a:r>
-              <a:rPr lang="en-US" sz="1800" spc="5" dirty="0">
-                <a:effectLst/>
-                <a:latin typeface="Times New Roman" panose="02020603050405020304" pitchFamily="18" charset="0"/>
-                <a:ea typeface="Times New Roman" panose="02020603050405020304" pitchFamily="18" charset="0"/>
-              </a:rPr>
-              <a:t> </a:t>
-            </a:r>
-            <a:r>
-              <a:rPr lang="en-US" sz="1800" dirty="0">
-                <a:effectLst/>
-                <a:latin typeface="Times New Roman" panose="02020603050405020304" pitchFamily="18" charset="0"/>
-                <a:ea typeface="Times New Roman" panose="02020603050405020304" pitchFamily="18" charset="0"/>
-              </a:rPr>
-              <a:t>available</a:t>
-            </a:r>
-            <a:r>
-              <a:rPr lang="en-US" sz="1800" spc="-45" dirty="0">
-                <a:effectLst/>
-                <a:latin typeface="Times New Roman" panose="02020603050405020304" pitchFamily="18" charset="0"/>
-                <a:ea typeface="Times New Roman" panose="02020603050405020304" pitchFamily="18" charset="0"/>
-              </a:rPr>
-              <a:t> </a:t>
-            </a:r>
-            <a:r>
-              <a:rPr lang="en-US" sz="1800" dirty="0">
-                <a:effectLst/>
-                <a:latin typeface="Times New Roman" panose="02020603050405020304" pitchFamily="18" charset="0"/>
-                <a:ea typeface="Times New Roman" panose="02020603050405020304" pitchFamily="18" charset="0"/>
-              </a:rPr>
-              <a:t>option.</a:t>
-            </a:r>
-            <a:r>
-              <a:rPr lang="en-US" sz="1800" spc="-30" dirty="0">
-                <a:effectLst/>
-                <a:latin typeface="Times New Roman" panose="02020603050405020304" pitchFamily="18" charset="0"/>
-                <a:ea typeface="Times New Roman" panose="02020603050405020304" pitchFamily="18" charset="0"/>
-              </a:rPr>
-              <a:t> </a:t>
-            </a:r>
-            <a:r>
-              <a:rPr lang="en-US" sz="1800" dirty="0">
-                <a:effectLst/>
-                <a:latin typeface="Times New Roman" panose="02020603050405020304" pitchFamily="18" charset="0"/>
-                <a:ea typeface="Times New Roman" panose="02020603050405020304" pitchFamily="18" charset="0"/>
-              </a:rPr>
-              <a:t>It</a:t>
-            </a:r>
-            <a:r>
-              <a:rPr lang="en-US" sz="1800" spc="-30" dirty="0">
-                <a:effectLst/>
-                <a:latin typeface="Times New Roman" panose="02020603050405020304" pitchFamily="18" charset="0"/>
-                <a:ea typeface="Times New Roman" panose="02020603050405020304" pitchFamily="18" charset="0"/>
-              </a:rPr>
-              <a:t> </a:t>
-            </a:r>
-            <a:r>
-              <a:rPr lang="en-US" sz="1800" dirty="0">
-                <a:effectLst/>
-                <a:latin typeface="Times New Roman" panose="02020603050405020304" pitchFamily="18" charset="0"/>
-                <a:ea typeface="Times New Roman" panose="02020603050405020304" pitchFamily="18" charset="0"/>
-              </a:rPr>
-              <a:t>helps</a:t>
-            </a:r>
-            <a:r>
-              <a:rPr lang="en-US" sz="1800" spc="-35" dirty="0">
-                <a:effectLst/>
-                <a:latin typeface="Times New Roman" panose="02020603050405020304" pitchFamily="18" charset="0"/>
-                <a:ea typeface="Times New Roman" panose="02020603050405020304" pitchFamily="18" charset="0"/>
-              </a:rPr>
-              <a:t> </a:t>
-            </a:r>
-            <a:r>
-              <a:rPr lang="en-US" sz="1800" dirty="0">
-                <a:effectLst/>
-                <a:latin typeface="Times New Roman" panose="02020603050405020304" pitchFamily="18" charset="0"/>
-                <a:ea typeface="Times New Roman" panose="02020603050405020304" pitchFamily="18" charset="0"/>
-              </a:rPr>
-              <a:t>us</a:t>
-            </a:r>
-            <a:r>
-              <a:rPr lang="en-US" sz="1800" spc="-35" dirty="0">
-                <a:effectLst/>
-                <a:latin typeface="Times New Roman" panose="02020603050405020304" pitchFamily="18" charset="0"/>
-                <a:ea typeface="Times New Roman" panose="02020603050405020304" pitchFamily="18" charset="0"/>
-              </a:rPr>
-              <a:t> </a:t>
-            </a:r>
-            <a:r>
-              <a:rPr lang="en-US" sz="1800" dirty="0">
-                <a:effectLst/>
-                <a:latin typeface="Times New Roman" panose="02020603050405020304" pitchFamily="18" charset="0"/>
-                <a:ea typeface="Times New Roman" panose="02020603050405020304" pitchFamily="18" charset="0"/>
-              </a:rPr>
-              <a:t>use</a:t>
-            </a:r>
-            <a:r>
-              <a:rPr lang="en-US" sz="1800" spc="-45" dirty="0">
-                <a:effectLst/>
-                <a:latin typeface="Times New Roman" panose="02020603050405020304" pitchFamily="18" charset="0"/>
-                <a:ea typeface="Times New Roman" panose="02020603050405020304" pitchFamily="18" charset="0"/>
-              </a:rPr>
-              <a:t> </a:t>
-            </a:r>
-            <a:r>
-              <a:rPr lang="en-US" sz="1800" dirty="0">
-                <a:effectLst/>
-                <a:latin typeface="Times New Roman" panose="02020603050405020304" pitchFamily="18" charset="0"/>
-                <a:ea typeface="Times New Roman" panose="02020603050405020304" pitchFamily="18" charset="0"/>
-              </a:rPr>
-              <a:t>every</a:t>
-            </a:r>
-            <a:r>
-              <a:rPr lang="en-US" sz="1800" spc="-45" dirty="0">
-                <a:effectLst/>
-                <a:latin typeface="Times New Roman" panose="02020603050405020304" pitchFamily="18" charset="0"/>
-                <a:ea typeface="Times New Roman" panose="02020603050405020304" pitchFamily="18" charset="0"/>
-              </a:rPr>
-              <a:t> </a:t>
-            </a:r>
-            <a:r>
-              <a:rPr lang="en-US" sz="1800" dirty="0">
-                <a:effectLst/>
-                <a:latin typeface="Times New Roman" panose="02020603050405020304" pitchFamily="18" charset="0"/>
-                <a:ea typeface="Times New Roman" panose="02020603050405020304" pitchFamily="18" charset="0"/>
-              </a:rPr>
-              <a:t>possible</a:t>
-            </a:r>
-            <a:r>
-              <a:rPr lang="en-US" sz="1800" spc="-35" dirty="0">
-                <a:effectLst/>
-                <a:latin typeface="Times New Roman" panose="02020603050405020304" pitchFamily="18" charset="0"/>
-                <a:ea typeface="Times New Roman" panose="02020603050405020304" pitchFamily="18" charset="0"/>
-              </a:rPr>
-              <a:t> </a:t>
-            </a:r>
-            <a:r>
-              <a:rPr lang="en-US" sz="1800" dirty="0">
-                <a:effectLst/>
-                <a:latin typeface="Times New Roman" panose="02020603050405020304" pitchFamily="18" charset="0"/>
-                <a:ea typeface="Times New Roman" panose="02020603050405020304" pitchFamily="18" charset="0"/>
-              </a:rPr>
-              <a:t>resource</a:t>
-            </a:r>
-            <a:r>
-              <a:rPr lang="en-US" sz="1800" spc="-40" dirty="0">
-                <a:effectLst/>
-                <a:latin typeface="Times New Roman" panose="02020603050405020304" pitchFamily="18" charset="0"/>
-                <a:ea typeface="Times New Roman" panose="02020603050405020304" pitchFamily="18" charset="0"/>
-              </a:rPr>
-              <a:t> </a:t>
-            </a:r>
-            <a:r>
-              <a:rPr lang="en-US" sz="1800" dirty="0">
-                <a:effectLst/>
-                <a:latin typeface="Times New Roman" panose="02020603050405020304" pitchFamily="18" charset="0"/>
-                <a:ea typeface="Times New Roman" panose="02020603050405020304" pitchFamily="18" charset="0"/>
-              </a:rPr>
-              <a:t>tactfully</a:t>
-            </a:r>
-            <a:r>
-              <a:rPr lang="en-US" sz="1800" spc="-40" dirty="0">
-                <a:effectLst/>
-                <a:latin typeface="Times New Roman" panose="02020603050405020304" pitchFamily="18" charset="0"/>
-                <a:ea typeface="Times New Roman" panose="02020603050405020304" pitchFamily="18" charset="0"/>
-              </a:rPr>
-              <a:t> </a:t>
-            </a:r>
-            <a:r>
-              <a:rPr lang="en-US" sz="1800" dirty="0">
-                <a:effectLst/>
-                <a:latin typeface="Times New Roman" panose="02020603050405020304" pitchFamily="18" charset="0"/>
-                <a:ea typeface="Times New Roman" panose="02020603050405020304" pitchFamily="18" charset="0"/>
-              </a:rPr>
-              <a:t>and</a:t>
-            </a:r>
-            <a:r>
-              <a:rPr lang="en-US" sz="1800" spc="-35" dirty="0">
-                <a:effectLst/>
-                <a:latin typeface="Times New Roman" panose="02020603050405020304" pitchFamily="18" charset="0"/>
-                <a:ea typeface="Times New Roman" panose="02020603050405020304" pitchFamily="18" charset="0"/>
-              </a:rPr>
-              <a:t> </a:t>
-            </a:r>
-            <a:r>
-              <a:rPr lang="en-US" sz="1800" dirty="0">
-                <a:effectLst/>
-                <a:latin typeface="Times New Roman" panose="02020603050405020304" pitchFamily="18" charset="0"/>
-                <a:ea typeface="Times New Roman" panose="02020603050405020304" pitchFamily="18" charset="0"/>
-              </a:rPr>
-              <a:t>efficient</a:t>
-            </a:r>
-            <a:r>
-              <a:rPr lang="en-US" sz="1800" spc="-40" dirty="0">
-                <a:effectLst/>
-                <a:latin typeface="Times New Roman" panose="02020603050405020304" pitchFamily="18" charset="0"/>
-                <a:ea typeface="Times New Roman" panose="02020603050405020304" pitchFamily="18" charset="0"/>
-              </a:rPr>
-              <a:t> </a:t>
-            </a:r>
-            <a:r>
-              <a:rPr lang="en-US" sz="1800" dirty="0">
-                <a:effectLst/>
-                <a:latin typeface="Times New Roman" panose="02020603050405020304" pitchFamily="18" charset="0"/>
-                <a:ea typeface="Times New Roman" panose="02020603050405020304" pitchFamily="18" charset="0"/>
-              </a:rPr>
-              <a:t>and</a:t>
-            </a:r>
-            <a:r>
-              <a:rPr lang="en-US" sz="1800" spc="-45" dirty="0">
-                <a:effectLst/>
-                <a:latin typeface="Times New Roman" panose="02020603050405020304" pitchFamily="18" charset="0"/>
-                <a:ea typeface="Times New Roman" panose="02020603050405020304" pitchFamily="18" charset="0"/>
-              </a:rPr>
-              <a:t> </a:t>
-            </a:r>
-            <a:r>
-              <a:rPr lang="en-US" sz="1800" dirty="0">
-                <a:effectLst/>
-                <a:latin typeface="Times New Roman" panose="02020603050405020304" pitchFamily="18" charset="0"/>
-                <a:ea typeface="Times New Roman" panose="02020603050405020304" pitchFamily="18" charset="0"/>
-              </a:rPr>
-              <a:t>hence,</a:t>
-            </a:r>
-            <a:r>
-              <a:rPr lang="en-US" sz="1800" spc="-35" dirty="0">
-                <a:effectLst/>
-                <a:latin typeface="Times New Roman" panose="02020603050405020304" pitchFamily="18" charset="0"/>
-                <a:ea typeface="Times New Roman" panose="02020603050405020304" pitchFamily="18" charset="0"/>
-              </a:rPr>
-              <a:t> </a:t>
-            </a:r>
-            <a:r>
-              <a:rPr lang="en-US" sz="1800" dirty="0">
-                <a:effectLst/>
-                <a:latin typeface="Times New Roman" panose="02020603050405020304" pitchFamily="18" charset="0"/>
-                <a:ea typeface="Times New Roman" panose="02020603050405020304" pitchFamily="18" charset="0"/>
-              </a:rPr>
-              <a:t>maximum</a:t>
-            </a:r>
-            <a:r>
-              <a:rPr lang="en-US" sz="1800" spc="-290" dirty="0">
-                <a:effectLst/>
-                <a:latin typeface="Times New Roman" panose="02020603050405020304" pitchFamily="18" charset="0"/>
-                <a:ea typeface="Times New Roman" panose="02020603050405020304" pitchFamily="18" charset="0"/>
-              </a:rPr>
-              <a:t> </a:t>
-            </a:r>
-            <a:r>
-              <a:rPr lang="en-US" sz="1800" dirty="0">
-                <a:effectLst/>
-                <a:latin typeface="Times New Roman" panose="02020603050405020304" pitchFamily="18" charset="0"/>
-                <a:ea typeface="Times New Roman" panose="02020603050405020304" pitchFamily="18" charset="0"/>
-              </a:rPr>
-              <a:t>economic profits. Opportunity cost is the cost of taking one decision over another. This is not only</a:t>
+              <a:t>Opportunity cost is the cost of taking one decision over another. This is not only</a:t>
             </a:r>
             <a:r>
               <a:rPr lang="en-US" sz="1800" spc="5" dirty="0">
@@ -12904,6 +12580,978 @@
           <p:cNvPr id="3" name="Content Placeholder 2">
             <a:extLst>
               <a:ext uri="{FF2B5EF4-FFF2-40B4-BE49-F238E27FC236}">
+                <a16:creationId xmlns:a16="http://schemas.microsoft.com/office/drawing/2014/main" id="{07B68642-CC92-EC1D-51A9-3D1C98F298E6}"/>
+              </a:ext>
+            </a:extLst>
+          </p:cNvPr>
+          <p:cNvSpPr>
+            <a:spLocks noGrp="1"/>
+          </p:cNvSpPr>
+          <p:nvPr>
+            <p:ph idx="1"/>
+          </p:nvPr>
+        </p:nvSpPr>
+        <p:spPr>
+          <a:xfrm>
+            <a:off x="1066800" y="228598"/>
+            <a:ext cx="9906000" cy="6172201"/>
+          </a:xfrm>
+        </p:spPr>
+        <p:txBody>
+          <a:bodyPr>
+            <a:normAutofit/>
+          </a:bodyPr>
+          <a:lstStyle/>
+          <a:p>
+            <a:pPr marL="2040890" marR="2395855" indent="0" algn="ctr">
+              <a:spcBef>
+                <a:spcPts val="445"/>
+              </a:spcBef>
+              <a:spcAft>
+                <a:spcPts val="0"/>
+              </a:spcAft>
+              <a:buNone/>
+            </a:pPr>
+            <a:r>
+              <a:rPr lang="en-US" sz="2000" b="1" dirty="0">
+                <a:solidFill>
+                  <a:srgbClr val="FF0000"/>
+                </a:solidFill>
+                <a:uFill>
+                  <a:solidFill>
+                    <a:srgbClr val="000000"/>
+                  </a:solidFill>
+                </a:uFill>
+                <a:latin typeface="Times New Roman" panose="02020603050405020304" pitchFamily="18" charset="0"/>
+                <a:ea typeface="Times New Roman" panose="02020603050405020304" pitchFamily="18" charset="0"/>
+              </a:rPr>
+              <a:t>PROPOSED</a:t>
+            </a:r>
+            <a:r>
+              <a:rPr lang="en-US" sz="2000" b="1" spc="-10" dirty="0">
+                <a:solidFill>
+                  <a:srgbClr val="FF0000"/>
+                </a:solidFill>
+                <a:uFill>
+                  <a:solidFill>
+                    <a:srgbClr val="000000"/>
+                  </a:solidFill>
+                </a:uFill>
+                <a:latin typeface="Times New Roman" panose="02020603050405020304" pitchFamily="18" charset="0"/>
+                <a:ea typeface="Times New Roman" panose="02020603050405020304" pitchFamily="18" charset="0"/>
+              </a:rPr>
+              <a:t> </a:t>
+            </a:r>
+            <a:r>
+              <a:rPr lang="en-US" sz="2000" b="1" dirty="0">
+                <a:solidFill>
+                  <a:srgbClr val="FF0000"/>
+                </a:solidFill>
+                <a:uFill>
+                  <a:solidFill>
+                    <a:srgbClr val="000000"/>
+                  </a:solidFill>
+                </a:uFill>
+                <a:latin typeface="Times New Roman" panose="02020603050405020304" pitchFamily="18" charset="0"/>
+                <a:ea typeface="Times New Roman" panose="02020603050405020304" pitchFamily="18" charset="0"/>
+              </a:rPr>
+              <a:t>WORK</a:t>
+            </a:r>
+            <a:endParaRPr lang="en-IN" sz="2000" b="1" dirty="0">
+              <a:solidFill>
+                <a:srgbClr val="FF0000"/>
+              </a:solidFill>
+              <a:latin typeface="Times New Roman" panose="02020603050405020304" pitchFamily="18" charset="0"/>
+              <a:ea typeface="Times New Roman" panose="02020603050405020304" pitchFamily="18" charset="0"/>
+            </a:endParaRPr>
+          </a:p>
+          <a:p>
+            <a:pPr marL="0" indent="0">
+              <a:buNone/>
+            </a:pPr>
+            <a:endParaRPr lang="en-US" b="1" dirty="0">
+              <a:latin typeface="Times New Roman" panose="02020603050405020304" pitchFamily="18" charset="0"/>
+              <a:ea typeface="Times New Roman" panose="02020603050405020304" pitchFamily="18" charset="0"/>
+            </a:endParaRPr>
+          </a:p>
+          <a:p>
+            <a:pPr marL="0" indent="0">
+              <a:buNone/>
+            </a:pPr>
+            <a:endParaRPr lang="en-IN" sz="1800" dirty="0">
+              <a:effectLst/>
+              <a:latin typeface="Times New Roman" panose="02020603050405020304" pitchFamily="18" charset="0"/>
+              <a:ea typeface="Times New Roman" panose="02020603050405020304" pitchFamily="18" charset="0"/>
+            </a:endParaRPr>
+          </a:p>
+          <a:p>
+            <a:pPr marL="63500" marR="144780" indent="410210" algn="just">
+              <a:lnSpc>
+                <a:spcPct val="120000"/>
+              </a:lnSpc>
+              <a:spcBef>
+                <a:spcPts val="450"/>
+              </a:spcBef>
+              <a:spcAft>
+                <a:spcPts val="0"/>
+              </a:spcAft>
+            </a:pPr>
+            <a:r>
+              <a:rPr lang="en-US" sz="1800" dirty="0">
+                <a:effectLst/>
+                <a:latin typeface="Times New Roman" panose="02020603050405020304" pitchFamily="18" charset="0"/>
+                <a:ea typeface="Times New Roman" panose="02020603050405020304" pitchFamily="18" charset="0"/>
+              </a:rPr>
+              <a:t>We</a:t>
+            </a:r>
+            <a:r>
+              <a:rPr lang="en-US" sz="1800" spc="-15" dirty="0">
+                <a:effectLst/>
+                <a:latin typeface="Times New Roman" panose="02020603050405020304" pitchFamily="18" charset="0"/>
+                <a:ea typeface="Times New Roman" panose="02020603050405020304" pitchFamily="18" charset="0"/>
+              </a:rPr>
+              <a:t> </a:t>
+            </a:r>
+            <a:r>
+              <a:rPr lang="en-US" sz="1800" dirty="0">
+                <a:effectLst/>
+                <a:latin typeface="Times New Roman" panose="02020603050405020304" pitchFamily="18" charset="0"/>
+                <a:ea typeface="Times New Roman" panose="02020603050405020304" pitchFamily="18" charset="0"/>
+              </a:rPr>
+              <a:t>will</a:t>
+            </a:r>
+            <a:r>
+              <a:rPr lang="en-US" sz="1800" spc="-5" dirty="0">
+                <a:effectLst/>
+                <a:latin typeface="Times New Roman" panose="02020603050405020304" pitchFamily="18" charset="0"/>
+                <a:ea typeface="Times New Roman" panose="02020603050405020304" pitchFamily="18" charset="0"/>
+              </a:rPr>
+              <a:t> </a:t>
+            </a:r>
+            <a:r>
+              <a:rPr lang="en-US" sz="1800" dirty="0">
+                <a:effectLst/>
+                <a:latin typeface="Times New Roman" panose="02020603050405020304" pitchFamily="18" charset="0"/>
+                <a:ea typeface="Times New Roman" panose="02020603050405020304" pitchFamily="18" charset="0"/>
+              </a:rPr>
+              <a:t>be</a:t>
+            </a:r>
+            <a:r>
+              <a:rPr lang="en-US" sz="1800" spc="-10" dirty="0">
+                <a:effectLst/>
+                <a:latin typeface="Times New Roman" panose="02020603050405020304" pitchFamily="18" charset="0"/>
+                <a:ea typeface="Times New Roman" panose="02020603050405020304" pitchFamily="18" charset="0"/>
+              </a:rPr>
+              <a:t> </a:t>
+            </a:r>
+            <a:r>
+              <a:rPr lang="en-US" sz="1800" dirty="0">
+                <a:effectLst/>
+                <a:latin typeface="Times New Roman" panose="02020603050405020304" pitchFamily="18" charset="0"/>
+                <a:ea typeface="Times New Roman" panose="02020603050405020304" pitchFamily="18" charset="0"/>
+              </a:rPr>
+              <a:t>using</a:t>
+            </a:r>
+            <a:r>
+              <a:rPr lang="en-US" sz="1800" spc="-5" dirty="0">
+                <a:effectLst/>
+                <a:latin typeface="Times New Roman" panose="02020603050405020304" pitchFamily="18" charset="0"/>
+                <a:ea typeface="Times New Roman" panose="02020603050405020304" pitchFamily="18" charset="0"/>
+              </a:rPr>
+              <a:t> </a:t>
+            </a:r>
+            <a:r>
+              <a:rPr lang="en-US" sz="1800" dirty="0">
+                <a:effectLst/>
+                <a:latin typeface="Times New Roman" panose="02020603050405020304" pitchFamily="18" charset="0"/>
+                <a:ea typeface="Times New Roman" panose="02020603050405020304" pitchFamily="18" charset="0"/>
+              </a:rPr>
+              <a:t>unreal</a:t>
+            </a:r>
+            <a:r>
+              <a:rPr lang="en-US" sz="1800" spc="-15" dirty="0">
+                <a:effectLst/>
+                <a:latin typeface="Times New Roman" panose="02020603050405020304" pitchFamily="18" charset="0"/>
+                <a:ea typeface="Times New Roman" panose="02020603050405020304" pitchFamily="18" charset="0"/>
+              </a:rPr>
+              <a:t> </a:t>
+            </a:r>
+            <a:r>
+              <a:rPr lang="en-US" sz="1800" dirty="0">
+                <a:effectLst/>
+                <a:latin typeface="Times New Roman" panose="02020603050405020304" pitchFamily="18" charset="0"/>
+                <a:ea typeface="Times New Roman" panose="02020603050405020304" pitchFamily="18" charset="0"/>
+              </a:rPr>
+              <a:t>C++</a:t>
+            </a:r>
+            <a:r>
+              <a:rPr lang="en-US" sz="1800" spc="-10" dirty="0">
+                <a:effectLst/>
+                <a:latin typeface="Times New Roman" panose="02020603050405020304" pitchFamily="18" charset="0"/>
+                <a:ea typeface="Times New Roman" panose="02020603050405020304" pitchFamily="18" charset="0"/>
+              </a:rPr>
+              <a:t> </a:t>
+            </a:r>
+            <a:r>
+              <a:rPr lang="en-US" sz="1800" dirty="0">
+                <a:effectLst/>
+                <a:latin typeface="Times New Roman" panose="02020603050405020304" pitchFamily="18" charset="0"/>
+                <a:ea typeface="Times New Roman" panose="02020603050405020304" pitchFamily="18" charset="0"/>
+              </a:rPr>
+              <a:t>to</a:t>
+            </a:r>
+            <a:r>
+              <a:rPr lang="en-US" sz="1800" spc="-5" dirty="0">
+                <a:effectLst/>
+                <a:latin typeface="Times New Roman" panose="02020603050405020304" pitchFamily="18" charset="0"/>
+                <a:ea typeface="Times New Roman" panose="02020603050405020304" pitchFamily="18" charset="0"/>
+              </a:rPr>
+              <a:t> </a:t>
+            </a:r>
+            <a:r>
+              <a:rPr lang="en-US" sz="1800" dirty="0">
+                <a:effectLst/>
+                <a:latin typeface="Times New Roman" panose="02020603050405020304" pitchFamily="18" charset="0"/>
+                <a:ea typeface="Times New Roman" panose="02020603050405020304" pitchFamily="18" charset="0"/>
+              </a:rPr>
+              <a:t>package</a:t>
+            </a:r>
+            <a:r>
+              <a:rPr lang="en-US" sz="1800" spc="-10" dirty="0">
+                <a:effectLst/>
+                <a:latin typeface="Times New Roman" panose="02020603050405020304" pitchFamily="18" charset="0"/>
+                <a:ea typeface="Times New Roman" panose="02020603050405020304" pitchFamily="18" charset="0"/>
+              </a:rPr>
+              <a:t> </a:t>
+            </a:r>
+            <a:r>
+              <a:rPr lang="en-US" sz="1800" dirty="0">
+                <a:effectLst/>
+                <a:latin typeface="Times New Roman" panose="02020603050405020304" pitchFamily="18" charset="0"/>
+                <a:ea typeface="Times New Roman" panose="02020603050405020304" pitchFamily="18" charset="0"/>
+              </a:rPr>
+              <a:t>our</a:t>
+            </a:r>
+            <a:r>
+              <a:rPr lang="en-US" sz="1800" spc="-5" dirty="0">
+                <a:effectLst/>
+                <a:latin typeface="Times New Roman" panose="02020603050405020304" pitchFamily="18" charset="0"/>
+                <a:ea typeface="Times New Roman" panose="02020603050405020304" pitchFamily="18" charset="0"/>
+              </a:rPr>
+              <a:t> </a:t>
+            </a:r>
+            <a:r>
+              <a:rPr lang="en-US" sz="1800" dirty="0">
+                <a:effectLst/>
+                <a:latin typeface="Times New Roman" panose="02020603050405020304" pitchFamily="18" charset="0"/>
+                <a:ea typeface="Times New Roman" panose="02020603050405020304" pitchFamily="18" charset="0"/>
+              </a:rPr>
+              <a:t>app.</a:t>
+            </a:r>
+            <a:r>
+              <a:rPr lang="en-US" sz="1800" spc="5" dirty="0">
+                <a:effectLst/>
+                <a:latin typeface="Times New Roman" panose="02020603050405020304" pitchFamily="18" charset="0"/>
+                <a:ea typeface="Times New Roman" panose="02020603050405020304" pitchFamily="18" charset="0"/>
+              </a:rPr>
+              <a:t> </a:t>
+            </a:r>
+            <a:r>
+              <a:rPr lang="en-US" sz="1800" dirty="0">
+                <a:effectLst/>
+                <a:latin typeface="Times New Roman" panose="02020603050405020304" pitchFamily="18" charset="0"/>
+                <a:ea typeface="Times New Roman" panose="02020603050405020304" pitchFamily="18" charset="0"/>
+              </a:rPr>
+              <a:t>We</a:t>
+            </a:r>
+            <a:r>
+              <a:rPr lang="en-US" sz="1800" spc="-10" dirty="0">
+                <a:effectLst/>
+                <a:latin typeface="Times New Roman" panose="02020603050405020304" pitchFamily="18" charset="0"/>
+                <a:ea typeface="Times New Roman" panose="02020603050405020304" pitchFamily="18" charset="0"/>
+              </a:rPr>
+              <a:t> </a:t>
+            </a:r>
+            <a:r>
+              <a:rPr lang="en-US" sz="1800" dirty="0">
+                <a:effectLst/>
+                <a:latin typeface="Times New Roman" panose="02020603050405020304" pitchFamily="18" charset="0"/>
+                <a:ea typeface="Times New Roman" panose="02020603050405020304" pitchFamily="18" charset="0"/>
+              </a:rPr>
+              <a:t>will</a:t>
+            </a:r>
+            <a:r>
+              <a:rPr lang="en-US" sz="1800" spc="-5" dirty="0">
+                <a:effectLst/>
+                <a:latin typeface="Times New Roman" panose="02020603050405020304" pitchFamily="18" charset="0"/>
+                <a:ea typeface="Times New Roman" panose="02020603050405020304" pitchFamily="18" charset="0"/>
+              </a:rPr>
+              <a:t> </a:t>
+            </a:r>
+            <a:r>
+              <a:rPr lang="en-US" sz="1800" dirty="0">
+                <a:effectLst/>
+                <a:latin typeface="Times New Roman" panose="02020603050405020304" pitchFamily="18" charset="0"/>
+                <a:ea typeface="Times New Roman" panose="02020603050405020304" pitchFamily="18" charset="0"/>
+              </a:rPr>
+              <a:t>use</a:t>
+            </a:r>
+            <a:r>
+              <a:rPr lang="en-US" sz="1800" spc="-10" dirty="0">
+                <a:effectLst/>
+                <a:latin typeface="Times New Roman" panose="02020603050405020304" pitchFamily="18" charset="0"/>
+                <a:ea typeface="Times New Roman" panose="02020603050405020304" pitchFamily="18" charset="0"/>
+              </a:rPr>
+              <a:t> </a:t>
+            </a:r>
+            <a:r>
+              <a:rPr lang="en-US" sz="1800" dirty="0">
+                <a:effectLst/>
+                <a:latin typeface="Times New Roman" panose="02020603050405020304" pitchFamily="18" charset="0"/>
+                <a:ea typeface="Times New Roman" panose="02020603050405020304" pitchFamily="18" charset="0"/>
+              </a:rPr>
+              <a:t>C++</a:t>
+            </a:r>
+            <a:r>
+              <a:rPr lang="en-US" sz="1800" spc="-10" dirty="0">
+                <a:effectLst/>
+                <a:latin typeface="Times New Roman" panose="02020603050405020304" pitchFamily="18" charset="0"/>
+                <a:ea typeface="Times New Roman" panose="02020603050405020304" pitchFamily="18" charset="0"/>
+              </a:rPr>
+              <a:t> </a:t>
+            </a:r>
+            <a:r>
+              <a:rPr lang="en-US" sz="1800" dirty="0">
+                <a:effectLst/>
+                <a:latin typeface="Times New Roman" panose="02020603050405020304" pitchFamily="18" charset="0"/>
+                <a:ea typeface="Times New Roman" panose="02020603050405020304" pitchFamily="18" charset="0"/>
+              </a:rPr>
+              <a:t>concept</a:t>
+            </a:r>
+            <a:r>
+              <a:rPr lang="en-US" sz="1800" spc="5" dirty="0">
+                <a:effectLst/>
+                <a:latin typeface="Times New Roman" panose="02020603050405020304" pitchFamily="18" charset="0"/>
+                <a:ea typeface="Times New Roman" panose="02020603050405020304" pitchFamily="18" charset="0"/>
+              </a:rPr>
+              <a:t> </a:t>
+            </a:r>
+            <a:r>
+              <a:rPr lang="en-US" sz="1800" dirty="0">
+                <a:effectLst/>
+                <a:latin typeface="Times New Roman" panose="02020603050405020304" pitchFamily="18" charset="0"/>
+                <a:ea typeface="Times New Roman" panose="02020603050405020304" pitchFamily="18" charset="0"/>
+              </a:rPr>
+              <a:t>and</a:t>
+            </a:r>
+            <a:r>
+              <a:rPr lang="en-US" sz="1800" spc="-5" dirty="0">
+                <a:effectLst/>
+                <a:latin typeface="Times New Roman" panose="02020603050405020304" pitchFamily="18" charset="0"/>
+                <a:ea typeface="Times New Roman" panose="02020603050405020304" pitchFamily="18" charset="0"/>
+              </a:rPr>
+              <a:t> </a:t>
+            </a:r>
+            <a:r>
+              <a:rPr lang="en-US" sz="1800" dirty="0">
+                <a:effectLst/>
+                <a:latin typeface="Times New Roman" panose="02020603050405020304" pitchFamily="18" charset="0"/>
+                <a:ea typeface="Times New Roman" panose="02020603050405020304" pitchFamily="18" charset="0"/>
+              </a:rPr>
+              <a:t>this</a:t>
+            </a:r>
+            <a:r>
+              <a:rPr lang="en-US" sz="1800" spc="-5" dirty="0">
+                <a:effectLst/>
+                <a:latin typeface="Times New Roman" panose="02020603050405020304" pitchFamily="18" charset="0"/>
+                <a:ea typeface="Times New Roman" panose="02020603050405020304" pitchFamily="18" charset="0"/>
+              </a:rPr>
+              <a:t> </a:t>
+            </a:r>
+            <a:r>
+              <a:rPr lang="en-US" sz="1800" dirty="0">
+                <a:effectLst/>
+                <a:latin typeface="Times New Roman" panose="02020603050405020304" pitchFamily="18" charset="0"/>
+                <a:ea typeface="Times New Roman" panose="02020603050405020304" pitchFamily="18" charset="0"/>
+              </a:rPr>
+              <a:t>problem</a:t>
+            </a:r>
+            <a:r>
+              <a:rPr lang="en-US" sz="1800" spc="-15" dirty="0">
+                <a:effectLst/>
+                <a:latin typeface="Times New Roman" panose="02020603050405020304" pitchFamily="18" charset="0"/>
+                <a:ea typeface="Times New Roman" panose="02020603050405020304" pitchFamily="18" charset="0"/>
+              </a:rPr>
+              <a:t> </a:t>
+            </a:r>
+            <a:r>
+              <a:rPr lang="en-US" sz="1800" dirty="0">
+                <a:effectLst/>
+                <a:latin typeface="Times New Roman" panose="02020603050405020304" pitchFamily="18" charset="0"/>
+                <a:ea typeface="Times New Roman" panose="02020603050405020304" pitchFamily="18" charset="0"/>
+              </a:rPr>
+              <a:t>is</a:t>
+            </a:r>
+            <a:r>
+              <a:rPr lang="en-US" sz="1800" spc="-290" dirty="0">
+                <a:effectLst/>
+                <a:latin typeface="Times New Roman" panose="02020603050405020304" pitchFamily="18" charset="0"/>
+                <a:ea typeface="Times New Roman" panose="02020603050405020304" pitchFamily="18" charset="0"/>
+              </a:rPr>
+              <a:t> </a:t>
+            </a:r>
+            <a:r>
+              <a:rPr lang="en-US" sz="1800" dirty="0">
+                <a:effectLst/>
+                <a:latin typeface="Times New Roman" panose="02020603050405020304" pitchFamily="18" charset="0"/>
+                <a:ea typeface="Times New Roman" panose="02020603050405020304" pitchFamily="18" charset="0"/>
+              </a:rPr>
+              <a:t>solved. This problem is solved in future the people give the importance for then people choose the any</a:t>
+            </a:r>
+            <a:r>
+              <a:rPr lang="en-US" sz="1800" spc="-285" dirty="0">
+                <a:effectLst/>
+                <a:latin typeface="Times New Roman" panose="02020603050405020304" pitchFamily="18" charset="0"/>
+                <a:ea typeface="Times New Roman" panose="02020603050405020304" pitchFamily="18" charset="0"/>
+              </a:rPr>
+              <a:t> </a:t>
+            </a:r>
+            <a:r>
+              <a:rPr lang="en-US" sz="1800" dirty="0">
+                <a:effectLst/>
+                <a:latin typeface="Times New Roman" panose="02020603050405020304" pitchFamily="18" charset="0"/>
+                <a:ea typeface="Times New Roman" panose="02020603050405020304" pitchFamily="18" charset="0"/>
+              </a:rPr>
+              <a:t>option.</a:t>
+            </a:r>
+            <a:r>
+              <a:rPr lang="en-US" sz="1800" spc="195" dirty="0">
+                <a:effectLst/>
+                <a:latin typeface="Times New Roman" panose="02020603050405020304" pitchFamily="18" charset="0"/>
+                <a:ea typeface="Times New Roman" panose="02020603050405020304" pitchFamily="18" charset="0"/>
+              </a:rPr>
+              <a:t> </a:t>
+            </a:r>
+            <a:r>
+              <a:rPr lang="en-US" sz="1800" dirty="0">
+                <a:effectLst/>
+                <a:latin typeface="Times New Roman" panose="02020603050405020304" pitchFamily="18" charset="0"/>
+                <a:ea typeface="Times New Roman" panose="02020603050405020304" pitchFamily="18" charset="0"/>
+              </a:rPr>
+              <a:t>We</a:t>
+            </a:r>
+            <a:r>
+              <a:rPr lang="en-US" sz="1800" spc="-45" dirty="0">
+                <a:effectLst/>
+                <a:latin typeface="Times New Roman" panose="02020603050405020304" pitchFamily="18" charset="0"/>
+                <a:ea typeface="Times New Roman" panose="02020603050405020304" pitchFamily="18" charset="0"/>
+              </a:rPr>
+              <a:t> </a:t>
+            </a:r>
+            <a:r>
+              <a:rPr lang="en-US" sz="1800" dirty="0">
+                <a:effectLst/>
+                <a:latin typeface="Times New Roman" panose="02020603050405020304" pitchFamily="18" charset="0"/>
+                <a:ea typeface="Times New Roman" panose="02020603050405020304" pitchFamily="18" charset="0"/>
+              </a:rPr>
+              <a:t>have</a:t>
+            </a:r>
+            <a:r>
+              <a:rPr lang="en-US" sz="1800" spc="-45" dirty="0">
+                <a:effectLst/>
+                <a:latin typeface="Times New Roman" panose="02020603050405020304" pitchFamily="18" charset="0"/>
+                <a:ea typeface="Times New Roman" panose="02020603050405020304" pitchFamily="18" charset="0"/>
+              </a:rPr>
+              <a:t> </a:t>
+            </a:r>
+            <a:r>
+              <a:rPr lang="en-US" sz="1800" dirty="0">
+                <a:effectLst/>
+                <a:latin typeface="Times New Roman" panose="02020603050405020304" pitchFamily="18" charset="0"/>
+                <a:ea typeface="Times New Roman" panose="02020603050405020304" pitchFamily="18" charset="0"/>
+              </a:rPr>
+              <a:t>seen</a:t>
+            </a:r>
+            <a:r>
+              <a:rPr lang="en-US" sz="1800" spc="-40" dirty="0">
+                <a:effectLst/>
+                <a:latin typeface="Times New Roman" panose="02020603050405020304" pitchFamily="18" charset="0"/>
+                <a:ea typeface="Times New Roman" panose="02020603050405020304" pitchFamily="18" charset="0"/>
+              </a:rPr>
+              <a:t> </a:t>
+            </a:r>
+            <a:r>
+              <a:rPr lang="en-US" sz="1800" dirty="0">
+                <a:effectLst/>
+                <a:latin typeface="Times New Roman" panose="02020603050405020304" pitchFamily="18" charset="0"/>
+                <a:ea typeface="Times New Roman" panose="02020603050405020304" pitchFamily="18" charset="0"/>
+              </a:rPr>
+              <a:t>complete</a:t>
+            </a:r>
+            <a:r>
+              <a:rPr lang="en-US" sz="1800" spc="-60" dirty="0">
+                <a:effectLst/>
+                <a:latin typeface="Times New Roman" panose="02020603050405020304" pitchFamily="18" charset="0"/>
+                <a:ea typeface="Times New Roman" panose="02020603050405020304" pitchFamily="18" charset="0"/>
+              </a:rPr>
+              <a:t> </a:t>
+            </a:r>
+            <a:r>
+              <a:rPr lang="en-US" sz="1800" dirty="0">
+                <a:effectLst/>
+                <a:latin typeface="Times New Roman" panose="02020603050405020304" pitchFamily="18" charset="0"/>
+                <a:ea typeface="Times New Roman" panose="02020603050405020304" pitchFamily="18" charset="0"/>
+              </a:rPr>
+              <a:t>video</a:t>
+            </a:r>
+            <a:r>
+              <a:rPr lang="en-US" sz="1800" spc="-55" dirty="0">
+                <a:effectLst/>
+                <a:latin typeface="Times New Roman" panose="02020603050405020304" pitchFamily="18" charset="0"/>
+                <a:ea typeface="Times New Roman" panose="02020603050405020304" pitchFamily="18" charset="0"/>
+              </a:rPr>
+              <a:t> </a:t>
+            </a:r>
+            <a:r>
+              <a:rPr lang="en-US" sz="1800" dirty="0">
+                <a:effectLst/>
+                <a:latin typeface="Times New Roman" panose="02020603050405020304" pitchFamily="18" charset="0"/>
+                <a:ea typeface="Times New Roman" panose="02020603050405020304" pitchFamily="18" charset="0"/>
+              </a:rPr>
+              <a:t>guide</a:t>
+            </a:r>
+            <a:r>
+              <a:rPr lang="en-US" sz="1800" spc="-40" dirty="0">
+                <a:effectLst/>
+                <a:latin typeface="Times New Roman" panose="02020603050405020304" pitchFamily="18" charset="0"/>
+                <a:ea typeface="Times New Roman" panose="02020603050405020304" pitchFamily="18" charset="0"/>
+              </a:rPr>
+              <a:t> </a:t>
+            </a:r>
+            <a:r>
+              <a:rPr lang="en-US" sz="1800" dirty="0">
+                <a:effectLst/>
+                <a:latin typeface="Times New Roman" panose="02020603050405020304" pitchFamily="18" charset="0"/>
+                <a:ea typeface="Times New Roman" panose="02020603050405020304" pitchFamily="18" charset="0"/>
+              </a:rPr>
+              <a:t>for</a:t>
+            </a:r>
+            <a:r>
+              <a:rPr lang="en-US" sz="1800" spc="-45" dirty="0">
+                <a:effectLst/>
+                <a:latin typeface="Times New Roman" panose="02020603050405020304" pitchFamily="18" charset="0"/>
+                <a:ea typeface="Times New Roman" panose="02020603050405020304" pitchFamily="18" charset="0"/>
+              </a:rPr>
+              <a:t> </a:t>
+            </a:r>
+            <a:r>
+              <a:rPr lang="en-US" sz="1800" dirty="0">
+                <a:effectLst/>
+                <a:latin typeface="Times New Roman" panose="02020603050405020304" pitchFamily="18" charset="0"/>
+                <a:ea typeface="Times New Roman" panose="02020603050405020304" pitchFamily="18" charset="0"/>
+              </a:rPr>
+              <a:t>how</a:t>
+            </a:r>
+            <a:r>
+              <a:rPr lang="en-US" sz="1800" spc="-55" dirty="0">
+                <a:effectLst/>
+                <a:latin typeface="Times New Roman" panose="02020603050405020304" pitchFamily="18" charset="0"/>
+                <a:ea typeface="Times New Roman" panose="02020603050405020304" pitchFamily="18" charset="0"/>
+              </a:rPr>
+              <a:t> </a:t>
+            </a:r>
+            <a:r>
+              <a:rPr lang="en-US" sz="1800" dirty="0">
+                <a:effectLst/>
+                <a:latin typeface="Times New Roman" panose="02020603050405020304" pitchFamily="18" charset="0"/>
+                <a:ea typeface="Times New Roman" panose="02020603050405020304" pitchFamily="18" charset="0"/>
+              </a:rPr>
+              <a:t>to</a:t>
+            </a:r>
+            <a:r>
+              <a:rPr lang="en-US" sz="1800" spc="-50" dirty="0">
+                <a:effectLst/>
+                <a:latin typeface="Times New Roman" panose="02020603050405020304" pitchFamily="18" charset="0"/>
+                <a:ea typeface="Times New Roman" panose="02020603050405020304" pitchFamily="18" charset="0"/>
+              </a:rPr>
+              <a:t> </a:t>
+            </a:r>
+            <a:r>
+              <a:rPr lang="en-US" sz="1800" dirty="0">
+                <a:effectLst/>
+                <a:latin typeface="Times New Roman" panose="02020603050405020304" pitchFamily="18" charset="0"/>
+                <a:ea typeface="Times New Roman" panose="02020603050405020304" pitchFamily="18" charset="0"/>
+              </a:rPr>
+              <a:t>problem</a:t>
+            </a:r>
+            <a:r>
+              <a:rPr lang="en-US" sz="1800" spc="-35" dirty="0">
+                <a:effectLst/>
+                <a:latin typeface="Times New Roman" panose="02020603050405020304" pitchFamily="18" charset="0"/>
+                <a:ea typeface="Times New Roman" panose="02020603050405020304" pitchFamily="18" charset="0"/>
+              </a:rPr>
+              <a:t> </a:t>
+            </a:r>
+            <a:r>
+              <a:rPr lang="en-US" sz="1800" dirty="0">
+                <a:effectLst/>
+                <a:latin typeface="Times New Roman" panose="02020603050405020304" pitchFamily="18" charset="0"/>
+                <a:ea typeface="Times New Roman" panose="02020603050405020304" pitchFamily="18" charset="0"/>
+              </a:rPr>
+              <a:t>is</a:t>
+            </a:r>
+            <a:r>
+              <a:rPr lang="en-US" sz="1800" spc="-45" dirty="0">
+                <a:effectLst/>
+                <a:latin typeface="Times New Roman" panose="02020603050405020304" pitchFamily="18" charset="0"/>
+                <a:ea typeface="Times New Roman" panose="02020603050405020304" pitchFamily="18" charset="0"/>
+              </a:rPr>
+              <a:t> </a:t>
+            </a:r>
+            <a:r>
+              <a:rPr lang="en-US" sz="1800" dirty="0">
+                <a:effectLst/>
+                <a:latin typeface="Times New Roman" panose="02020603050405020304" pitchFamily="18" charset="0"/>
+                <a:ea typeface="Times New Roman" panose="02020603050405020304" pitchFamily="18" charset="0"/>
+              </a:rPr>
+              <a:t>solved.</a:t>
+            </a:r>
+            <a:r>
+              <a:rPr lang="en-US" sz="1800" spc="-30" dirty="0">
+                <a:effectLst/>
+                <a:latin typeface="Times New Roman" panose="02020603050405020304" pitchFamily="18" charset="0"/>
+                <a:ea typeface="Times New Roman" panose="02020603050405020304" pitchFamily="18" charset="0"/>
+              </a:rPr>
+              <a:t> </a:t>
+            </a:r>
+            <a:r>
+              <a:rPr lang="en-US" sz="1800" dirty="0">
+                <a:effectLst/>
+                <a:latin typeface="Times New Roman" panose="02020603050405020304" pitchFamily="18" charset="0"/>
+                <a:ea typeface="Times New Roman" panose="02020603050405020304" pitchFamily="18" charset="0"/>
+              </a:rPr>
+              <a:t>We</a:t>
+            </a:r>
+            <a:r>
+              <a:rPr lang="en-US" sz="1800" spc="-55" dirty="0">
+                <a:effectLst/>
+                <a:latin typeface="Times New Roman" panose="02020603050405020304" pitchFamily="18" charset="0"/>
+                <a:ea typeface="Times New Roman" panose="02020603050405020304" pitchFamily="18" charset="0"/>
+              </a:rPr>
+              <a:t> </a:t>
+            </a:r>
+            <a:r>
+              <a:rPr lang="en-US" sz="1800" dirty="0">
+                <a:effectLst/>
+                <a:latin typeface="Times New Roman" panose="02020603050405020304" pitchFamily="18" charset="0"/>
+                <a:ea typeface="Times New Roman" panose="02020603050405020304" pitchFamily="18" charset="0"/>
+              </a:rPr>
+              <a:t>will</a:t>
+            </a:r>
+            <a:r>
+              <a:rPr lang="en-US" sz="1800" spc="-45" dirty="0">
+                <a:effectLst/>
+                <a:latin typeface="Times New Roman" panose="02020603050405020304" pitchFamily="18" charset="0"/>
+                <a:ea typeface="Times New Roman" panose="02020603050405020304" pitchFamily="18" charset="0"/>
+              </a:rPr>
+              <a:t> </a:t>
+            </a:r>
+            <a:r>
+              <a:rPr lang="en-US" sz="1800" dirty="0">
+                <a:effectLst/>
+                <a:latin typeface="Times New Roman" panose="02020603050405020304" pitchFamily="18" charset="0"/>
+                <a:ea typeface="Times New Roman" panose="02020603050405020304" pitchFamily="18" charset="0"/>
+              </a:rPr>
+              <a:t>discuss</a:t>
+            </a:r>
+            <a:r>
+              <a:rPr lang="en-US" sz="1800" spc="-55" dirty="0">
+                <a:effectLst/>
+                <a:latin typeface="Times New Roman" panose="02020603050405020304" pitchFamily="18" charset="0"/>
+                <a:ea typeface="Times New Roman" panose="02020603050405020304" pitchFamily="18" charset="0"/>
+              </a:rPr>
+              <a:t> </a:t>
+            </a:r>
+            <a:r>
+              <a:rPr lang="en-US" sz="1800" dirty="0">
+                <a:effectLst/>
+                <a:latin typeface="Times New Roman" panose="02020603050405020304" pitchFamily="18" charset="0"/>
+                <a:ea typeface="Times New Roman" panose="02020603050405020304" pitchFamily="18" charset="0"/>
+              </a:rPr>
+              <a:t>this</a:t>
+            </a:r>
+            <a:r>
+              <a:rPr lang="en-US" sz="1800" spc="-50" dirty="0">
+                <a:effectLst/>
+                <a:latin typeface="Times New Roman" panose="02020603050405020304" pitchFamily="18" charset="0"/>
+                <a:ea typeface="Times New Roman" panose="02020603050405020304" pitchFamily="18" charset="0"/>
+              </a:rPr>
+              <a:t> </a:t>
+            </a:r>
+            <a:r>
+              <a:rPr lang="en-US" sz="1800" dirty="0">
+                <a:effectLst/>
+                <a:latin typeface="Times New Roman" panose="02020603050405020304" pitchFamily="18" charset="0"/>
+                <a:ea typeface="Times New Roman" panose="02020603050405020304" pitchFamily="18" charset="0"/>
+              </a:rPr>
+              <a:t>problem</a:t>
+            </a:r>
+            <a:r>
+              <a:rPr lang="en-US" sz="1800" spc="-285" dirty="0">
+                <a:effectLst/>
+                <a:latin typeface="Times New Roman" panose="02020603050405020304" pitchFamily="18" charset="0"/>
+                <a:ea typeface="Times New Roman" panose="02020603050405020304" pitchFamily="18" charset="0"/>
+              </a:rPr>
+              <a:t> </a:t>
+            </a:r>
+            <a:r>
+              <a:rPr lang="en-US" sz="1800" dirty="0">
+                <a:effectLst/>
+                <a:latin typeface="Times New Roman" panose="02020603050405020304" pitchFamily="18" charset="0"/>
+                <a:ea typeface="Times New Roman" panose="02020603050405020304" pitchFamily="18" charset="0"/>
+              </a:rPr>
+              <a:t>for</a:t>
+            </a:r>
+            <a:r>
+              <a:rPr lang="en-US" sz="1800" spc="-15" dirty="0">
+                <a:effectLst/>
+                <a:latin typeface="Times New Roman" panose="02020603050405020304" pitchFamily="18" charset="0"/>
+                <a:ea typeface="Times New Roman" panose="02020603050405020304" pitchFamily="18" charset="0"/>
+              </a:rPr>
+              <a:t> </a:t>
+            </a:r>
+            <a:r>
+              <a:rPr lang="en-US" sz="1800" dirty="0">
+                <a:effectLst/>
+                <a:latin typeface="Times New Roman" panose="02020603050405020304" pitchFamily="18" charset="0"/>
+                <a:ea typeface="Times New Roman" panose="02020603050405020304" pitchFamily="18" charset="0"/>
+              </a:rPr>
+              <a:t>teacher.</a:t>
+            </a:r>
+            <a:endParaRPr lang="en-US" dirty="0">
+              <a:latin typeface="Times New Roman" panose="02020603050405020304" pitchFamily="18" charset="0"/>
+              <a:ea typeface="Times New Roman" panose="02020603050405020304" pitchFamily="18" charset="0"/>
+            </a:endParaRPr>
+          </a:p>
+          <a:p>
+            <a:pPr marL="63500" marR="144780" indent="410210" algn="just">
+              <a:lnSpc>
+                <a:spcPct val="120000"/>
+              </a:lnSpc>
+              <a:spcBef>
+                <a:spcPts val="450"/>
+              </a:spcBef>
+              <a:spcAft>
+                <a:spcPts val="0"/>
+              </a:spcAft>
+            </a:pPr>
+            <a:endParaRPr lang="en-US" sz="1800" dirty="0">
+              <a:effectLst/>
+              <a:latin typeface="Times New Roman" panose="02020603050405020304" pitchFamily="18" charset="0"/>
+              <a:ea typeface="Times New Roman" panose="02020603050405020304" pitchFamily="18" charset="0"/>
+            </a:endParaRPr>
+          </a:p>
+          <a:p>
+            <a:pPr marL="63500" marR="144780" indent="410210" algn="just">
+              <a:lnSpc>
+                <a:spcPct val="120000"/>
+              </a:lnSpc>
+              <a:spcBef>
+                <a:spcPts val="450"/>
+              </a:spcBef>
+              <a:spcAft>
+                <a:spcPts val="0"/>
+              </a:spcAft>
+            </a:pPr>
+            <a:r>
+              <a:rPr lang="en-US" dirty="0">
+                <a:latin typeface="Times New Roman" panose="02020603050405020304" pitchFamily="18" charset="0"/>
+                <a:ea typeface="Times New Roman" panose="02020603050405020304" pitchFamily="18" charset="0"/>
+              </a:rPr>
+              <a:t>Hardware Requirement: -</a:t>
+            </a:r>
+          </a:p>
+          <a:p>
+            <a:pPr marL="463550" marR="144780" lvl="1" indent="410210" algn="just">
+              <a:lnSpc>
+                <a:spcPct val="120000"/>
+              </a:lnSpc>
+              <a:spcBef>
+                <a:spcPts val="450"/>
+              </a:spcBef>
+            </a:pPr>
+            <a:r>
+              <a:rPr lang="en-US" dirty="0">
+                <a:effectLst/>
+                <a:latin typeface="Times New Roman" panose="02020603050405020304" pitchFamily="18" charset="0"/>
+                <a:ea typeface="Times New Roman" panose="02020603050405020304" pitchFamily="18" charset="0"/>
+              </a:rPr>
+              <a:t>Laptop G15</a:t>
+            </a:r>
+          </a:p>
+          <a:p>
+            <a:pPr marL="463550" marR="144780" lvl="1" indent="410210" algn="just">
+              <a:lnSpc>
+                <a:spcPct val="120000"/>
+              </a:lnSpc>
+              <a:spcBef>
+                <a:spcPts val="450"/>
+              </a:spcBef>
+            </a:pPr>
+            <a:r>
+              <a:rPr lang="en-US" dirty="0">
+                <a:effectLst/>
+                <a:latin typeface="Times New Roman" panose="02020603050405020304" pitchFamily="18" charset="0"/>
+                <a:ea typeface="Times New Roman" panose="02020603050405020304" pitchFamily="18" charset="0"/>
+              </a:rPr>
+              <a:t>Processor i5</a:t>
+            </a:r>
+          </a:p>
+          <a:p>
+            <a:pPr marL="463550" marR="144780" lvl="1" indent="410210" algn="just">
+              <a:lnSpc>
+                <a:spcPct val="120000"/>
+              </a:lnSpc>
+              <a:spcBef>
+                <a:spcPts val="450"/>
+              </a:spcBef>
+            </a:pPr>
+            <a:endParaRPr lang="en-US" dirty="0">
+              <a:effectLst/>
+              <a:latin typeface="Times New Roman" panose="02020603050405020304" pitchFamily="18" charset="0"/>
+              <a:ea typeface="Times New Roman" panose="02020603050405020304" pitchFamily="18" charset="0"/>
+            </a:endParaRPr>
+          </a:p>
+          <a:p>
+            <a:pPr marL="63500" marR="144780" indent="410210" algn="just">
+              <a:lnSpc>
+                <a:spcPct val="120000"/>
+              </a:lnSpc>
+              <a:spcBef>
+                <a:spcPts val="450"/>
+              </a:spcBef>
+              <a:spcAft>
+                <a:spcPts val="0"/>
+              </a:spcAft>
+            </a:pPr>
+            <a:r>
+              <a:rPr lang="en-US" dirty="0">
+                <a:latin typeface="Times New Roman" panose="02020603050405020304" pitchFamily="18" charset="0"/>
+                <a:ea typeface="Times New Roman" panose="02020603050405020304" pitchFamily="18" charset="0"/>
+              </a:rPr>
+              <a:t>Software Requirement: -</a:t>
+            </a:r>
+          </a:p>
+          <a:p>
+            <a:pPr marL="463550" marR="144780" lvl="1" indent="410210" algn="just">
+              <a:lnSpc>
+                <a:spcPct val="120000"/>
+              </a:lnSpc>
+              <a:spcBef>
+                <a:spcPts val="450"/>
+              </a:spcBef>
+            </a:pPr>
+            <a:r>
+              <a:rPr lang="en-US" dirty="0">
+                <a:latin typeface="Times New Roman" panose="02020603050405020304" pitchFamily="18" charset="0"/>
+                <a:ea typeface="Times New Roman" panose="02020603050405020304" pitchFamily="18" charset="0"/>
+              </a:rPr>
+              <a:t>Language : - C++</a:t>
+            </a:r>
+          </a:p>
+          <a:p>
+            <a:pPr marL="63500" marR="144780" indent="410210" algn="just">
+              <a:lnSpc>
+                <a:spcPct val="120000"/>
+              </a:lnSpc>
+              <a:spcBef>
+                <a:spcPts val="450"/>
+              </a:spcBef>
+              <a:spcAft>
+                <a:spcPts val="0"/>
+              </a:spcAft>
+            </a:pPr>
+            <a:endParaRPr lang="en-US" sz="1800" dirty="0">
+              <a:effectLst/>
+              <a:latin typeface="Times New Roman" panose="02020603050405020304" pitchFamily="18" charset="0"/>
+              <a:ea typeface="Times New Roman" panose="02020603050405020304" pitchFamily="18" charset="0"/>
+            </a:endParaRPr>
+          </a:p>
+          <a:p>
+            <a:pPr marL="63500" marR="144780" indent="410210" algn="just">
+              <a:lnSpc>
+                <a:spcPct val="120000"/>
+              </a:lnSpc>
+              <a:spcBef>
+                <a:spcPts val="450"/>
+              </a:spcBef>
+              <a:spcAft>
+                <a:spcPts val="0"/>
+              </a:spcAft>
+            </a:pPr>
+            <a:endParaRPr lang="en-US" dirty="0">
+              <a:latin typeface="Times New Roman" panose="02020603050405020304" pitchFamily="18" charset="0"/>
+              <a:ea typeface="Times New Roman" panose="02020603050405020304" pitchFamily="18" charset="0"/>
+            </a:endParaRPr>
+          </a:p>
+          <a:p>
+            <a:pPr marL="63500" marR="144780" indent="410210" algn="just">
+              <a:lnSpc>
+                <a:spcPct val="120000"/>
+              </a:lnSpc>
+              <a:spcBef>
+                <a:spcPts val="450"/>
+              </a:spcBef>
+              <a:spcAft>
+                <a:spcPts val="0"/>
+              </a:spcAft>
+            </a:pPr>
+            <a:endParaRPr lang="en-IN" sz="1800" dirty="0">
+              <a:effectLst/>
+              <a:latin typeface="Times New Roman" panose="02020603050405020304" pitchFamily="18" charset="0"/>
+              <a:ea typeface="Times New Roman" panose="02020603050405020304" pitchFamily="18" charset="0"/>
+            </a:endParaRPr>
+          </a:p>
+          <a:p>
+            <a:endParaRPr lang="en-IN" dirty="0"/>
+          </a:p>
+        </p:txBody>
+      </p:sp>
+    </p:spTree>
+    <p:extLst>
+      <p:ext uri="{BB962C8B-B14F-4D97-AF65-F5344CB8AC3E}">
+        <p14:creationId xmlns:p14="http://schemas.microsoft.com/office/powerpoint/2010/main" val="1861275512"/>
+      </p:ext>
+    </p:extLst>
+  </p:cSld>
+  <p:clrMapOvr>
+    <a:masterClrMapping/>
+  </p:clrMapOvr>
+</p:sld>
+</file>
+
+<file path=ppt/slides/slide7.xml><?xml version="1.0" encoding="utf-8"?>
+<p:sld xmlns:a="http://schemas.openxmlformats.org/drawingml/2006/main" xmlns:r="http://schemas.openxmlformats.org/officeDocument/2006/relationships" xmlns:p="http://schemas.openxmlformats.org/presentationml/2006/main">
+  <p:cSld>
+    <p:spTree>
+      <p:nvGrpSpPr>
+        <p:cNvPr id="1" name=""/>
+        <p:cNvGrpSpPr/>
+        <p:nvPr/>
+      </p:nvGrpSpPr>
+      <p:grpSpPr>
+        <a:xfrm>
+          <a:off x="0" y="0"/>
+          <a:ext cx="0" cy="0"/>
+          <a:chOff x="0" y="0"/>
+          <a:chExt cx="0" cy="0"/>
+        </a:xfrm>
+      </p:grpSpPr>
+      <p:sp>
+        <p:nvSpPr>
+          <p:cNvPr id="3" name="Content Placeholder 2">
+            <a:extLst>
+              <a:ext uri="{FF2B5EF4-FFF2-40B4-BE49-F238E27FC236}">
                 <a16:creationId xmlns:a16="http://schemas.microsoft.com/office/drawing/2014/main" id="{C8CBBDE3-E776-4C75-40E5-30DB93CFB0B3}"/>
               </a:ext>
             </a:extLst>
@@ -12923,7 +13571,7 @@
         </p:spPr>
         <p:txBody>
           <a:bodyPr>
-            <a:normAutofit fontScale="92500" lnSpcReduction="10000"/>
+            <a:normAutofit/>
           </a:bodyPr>
           <a:lstStyle/>
           <a:p>
@@ -13344,106 +13992,6 @@
                 <a:ea typeface="Times New Roman" panose="02020603050405020304" pitchFamily="18" charset="0"/>
               </a:rPr>
               <a:t>Top-coder.</a:t>
-            </a:r>
-            <a:endParaRPr lang="en-IN" sz="2400" dirty="0">
-              <a:effectLst/>
-              <a:latin typeface="Times New Roman" panose="02020603050405020304" pitchFamily="18" charset="0"/>
-              <a:ea typeface="Times New Roman" panose="02020603050405020304" pitchFamily="18" charset="0"/>
-            </a:endParaRPr>
-          </a:p>
-          <a:p>
-            <a:pPr marL="342900" lvl="0" indent="-342900">
-              <a:spcBef>
-                <a:spcPts val="410"/>
-              </a:spcBef>
-              <a:buSzPts val="1400"/>
-              <a:buFont typeface="Times New Roman" panose="02020603050405020304" pitchFamily="18" charset="0"/>
-              <a:buChar char="●"/>
-              <a:tabLst>
-                <a:tab pos="301625" algn="l"/>
-              </a:tabLst>
-            </a:pPr>
-            <a:r>
-              <a:rPr lang="en-US" sz="2400" dirty="0">
-                <a:effectLst/>
-                <a:latin typeface="Times New Roman" panose="02020603050405020304" pitchFamily="18" charset="0"/>
-                <a:ea typeface="Times New Roman" panose="02020603050405020304" pitchFamily="18" charset="0"/>
-              </a:rPr>
-              <a:t>Visual</a:t>
-            </a:r>
-            <a:r>
-              <a:rPr lang="en-US" sz="2400" spc="-15" dirty="0">
-                <a:effectLst/>
-                <a:latin typeface="Times New Roman" panose="02020603050405020304" pitchFamily="18" charset="0"/>
-                <a:ea typeface="Times New Roman" panose="02020603050405020304" pitchFamily="18" charset="0"/>
-              </a:rPr>
-              <a:t> </a:t>
-            </a:r>
-            <a:r>
-              <a:rPr lang="en-US" sz="2400" dirty="0">
-                <a:effectLst/>
-                <a:latin typeface="Times New Roman" panose="02020603050405020304" pitchFamily="18" charset="0"/>
-                <a:ea typeface="Times New Roman" panose="02020603050405020304" pitchFamily="18" charset="0"/>
-              </a:rPr>
-              <a:t>studio</a:t>
-            </a:r>
-            <a:r>
-              <a:rPr lang="en-US" sz="2400" spc="-30" dirty="0">
-                <a:effectLst/>
-                <a:latin typeface="Times New Roman" panose="02020603050405020304" pitchFamily="18" charset="0"/>
-                <a:ea typeface="Times New Roman" panose="02020603050405020304" pitchFamily="18" charset="0"/>
-              </a:rPr>
-              <a:t> </a:t>
-            </a:r>
-            <a:r>
-              <a:rPr lang="en-US" sz="2400" dirty="0">
-                <a:effectLst/>
-                <a:latin typeface="Times New Roman" panose="02020603050405020304" pitchFamily="18" charset="0"/>
-                <a:ea typeface="Times New Roman" panose="02020603050405020304" pitchFamily="18" charset="0"/>
-              </a:rPr>
-              <a:t>2022.</a:t>
-            </a:r>
-            <a:endParaRPr lang="en-IN" sz="2400" dirty="0">
-              <a:effectLst/>
-              <a:latin typeface="Times New Roman" panose="02020603050405020304" pitchFamily="18" charset="0"/>
-              <a:ea typeface="Times New Roman" panose="02020603050405020304" pitchFamily="18" charset="0"/>
-            </a:endParaRPr>
-          </a:p>
-          <a:p>
-            <a:pPr marL="342900" lvl="0" indent="-342900">
-              <a:spcBef>
-                <a:spcPts val="405"/>
-              </a:spcBef>
-              <a:buSzPts val="1400"/>
-              <a:buFont typeface="Times New Roman" panose="02020603050405020304" pitchFamily="18" charset="0"/>
-              <a:buChar char="●"/>
-              <a:tabLst>
-                <a:tab pos="301625" algn="l"/>
-              </a:tabLst>
-            </a:pPr>
-            <a:r>
-              <a:rPr lang="en-US" sz="2400" dirty="0">
-                <a:effectLst/>
-                <a:latin typeface="Times New Roman" panose="02020603050405020304" pitchFamily="18" charset="0"/>
-                <a:ea typeface="Times New Roman" panose="02020603050405020304" pitchFamily="18" charset="0"/>
-              </a:rPr>
-              <a:t>Android</a:t>
-            </a:r>
-            <a:r>
-              <a:rPr lang="en-US" sz="2400" spc="-25" dirty="0">
-                <a:effectLst/>
-                <a:latin typeface="Times New Roman" panose="02020603050405020304" pitchFamily="18" charset="0"/>
-                <a:ea typeface="Times New Roman" panose="02020603050405020304" pitchFamily="18" charset="0"/>
-              </a:rPr>
-              <a:t> </a:t>
-            </a:r>
-            <a:r>
-              <a:rPr lang="en-US" sz="2400" dirty="0">
-                <a:effectLst/>
-                <a:latin typeface="Times New Roman" panose="02020603050405020304" pitchFamily="18" charset="0"/>
-                <a:ea typeface="Times New Roman" panose="02020603050405020304" pitchFamily="18" charset="0"/>
-              </a:rPr>
-              <a:t>phone.</a:t>
             </a:r>
             <a:endParaRPr lang="en-IN" sz="2400" dirty="0">
               <a:effectLst/>
@@ -13469,7 +14017,7 @@
 </p:sld>
 </file>
 
-<file path=ppt/slides/slide7.xml><?xml version="1.0" encoding="utf-8"?>
+<file path=ppt/slides/slide8.xml><?xml version="1.0" encoding="utf-8"?>
 <p:sld xmlns:a="http://schemas.openxmlformats.org/drawingml/2006/main" xmlns:r="http://schemas.openxmlformats.org/officeDocument/2006/relationships" xmlns:p="http://schemas.openxmlformats.org/presentationml/2006/main">
   <p:cSld>
     <p:spTree>
@@ -13518,18 +14066,13 @@
               <a:buNone/>
             </a:pPr>
             <a:r>
-              <a:rPr lang="en-IN" sz="13800" b="1">
+              <a:rPr lang="en-IN" sz="13800" b="1" dirty="0">
                 <a:solidFill>
                   <a:srgbClr val="FF0000"/>
                 </a:solidFill>
               </a:rPr>
-              <a:t>Thanks You</a:t>
-            </a:r>
-            <a:endParaRPr lang="en-IN" sz="13800" b="1" dirty="0">
-              <a:solidFill>
-                <a:srgbClr val="FF0000"/>
-              </a:solidFill>
-            </a:endParaRPr>
+              <a:t>Thank You</a:t>
+            </a:r>
           </a:p>
         </p:txBody>
       </p:sp>

--- a/MINI Project PPT.pptx
+++ b/MINI Project PPT.pptx
@@ -11,8 +11,9 @@
     <p:sldId id="262" r:id="rId5"/>
     <p:sldId id="259" r:id="rId6"/>
     <p:sldId id="263" r:id="rId7"/>
-    <p:sldId id="260" r:id="rId8"/>
-    <p:sldId id="261" r:id="rId9"/>
+    <p:sldId id="264" r:id="rId8"/>
+    <p:sldId id="260" r:id="rId9"/>
+    <p:sldId id="261" r:id="rId10"/>
   </p:sldIdLst>
   <p:sldSz cx="12192000" cy="6858000"/>
   <p:notesSz cx="6858000" cy="9144000"/>
@@ -307,7 +308,7 @@
           <a:p>
             <a:fld id="{46693BFB-BABB-4077-8AD8-512895E516A3}" type="datetimeFigureOut">
               <a:rPr lang="en-IN" smtClean="0"/>
-              <a:t>26-04-2023</a:t>
+              <a:t>28-04-2023</a:t>
             </a:fld>
             <a:endParaRPr lang="en-IN"/>
           </a:p>
@@ -645,7 +646,7 @@
           <a:p>
             <a:fld id="{46693BFB-BABB-4077-8AD8-512895E516A3}" type="datetimeFigureOut">
               <a:rPr lang="en-IN" smtClean="0"/>
-              <a:t>26-04-2023</a:t>
+              <a:t>28-04-2023</a:t>
             </a:fld>
             <a:endParaRPr lang="en-IN"/>
           </a:p>
@@ -1046,7 +1047,7 @@
           <a:p>
             <a:fld id="{46693BFB-BABB-4077-8AD8-512895E516A3}" type="datetimeFigureOut">
               <a:rPr lang="en-IN" smtClean="0"/>
-              <a:t>26-04-2023</a:t>
+              <a:t>28-04-2023</a:t>
             </a:fld>
             <a:endParaRPr lang="en-IN"/>
           </a:p>
@@ -1382,7 +1383,7 @@
           <a:p>
             <a:fld id="{46693BFB-BABB-4077-8AD8-512895E516A3}" type="datetimeFigureOut">
               <a:rPr lang="en-IN" smtClean="0"/>
-              <a:t>26-04-2023</a:t>
+              <a:t>28-04-2023</a:t>
             </a:fld>
             <a:endParaRPr lang="en-IN"/>
           </a:p>
@@ -1702,7 +1703,7 @@
           <a:p>
             <a:fld id="{46693BFB-BABB-4077-8AD8-512895E516A3}" type="datetimeFigureOut">
               <a:rPr lang="en-IN" smtClean="0"/>
-              <a:t>26-04-2023</a:t>
+              <a:t>28-04-2023</a:t>
             </a:fld>
             <a:endParaRPr lang="en-IN"/>
           </a:p>
@@ -2098,7 +2099,7 @@
           <a:p>
             <a:fld id="{46693BFB-BABB-4077-8AD8-512895E516A3}" type="datetimeFigureOut">
               <a:rPr lang="en-IN" smtClean="0"/>
-              <a:t>26-04-2023</a:t>
+              <a:t>28-04-2023</a:t>
             </a:fld>
             <a:endParaRPr lang="en-IN"/>
           </a:p>
@@ -2355,7 +2356,7 @@
           <a:p>
             <a:fld id="{46693BFB-BABB-4077-8AD8-512895E516A3}" type="datetimeFigureOut">
               <a:rPr lang="en-IN" smtClean="0"/>
-              <a:t>26-04-2023</a:t>
+              <a:t>28-04-2023</a:t>
             </a:fld>
             <a:endParaRPr lang="en-IN"/>
           </a:p>
@@ -2617,7 +2618,7 @@
           <a:p>
             <a:fld id="{46693BFB-BABB-4077-8AD8-512895E516A3}" type="datetimeFigureOut">
               <a:rPr lang="en-IN" smtClean="0"/>
-              <a:t>26-04-2023</a:t>
+              <a:t>28-04-2023</a:t>
             </a:fld>
             <a:endParaRPr lang="en-IN"/>
           </a:p>
@@ -2879,7 +2880,7 @@
           <a:p>
             <a:fld id="{46693BFB-BABB-4077-8AD8-512895E516A3}" type="datetimeFigureOut">
               <a:rPr lang="en-IN" smtClean="0"/>
-              <a:t>26-04-2023</a:t>
+              <a:t>28-04-2023</a:t>
             </a:fld>
             <a:endParaRPr lang="en-IN"/>
           </a:p>
@@ -3208,7 +3209,7 @@
           <a:p>
             <a:fld id="{46693BFB-BABB-4077-8AD8-512895E516A3}" type="datetimeFigureOut">
               <a:rPr lang="en-IN" smtClean="0"/>
-              <a:t>26-04-2023</a:t>
+              <a:t>28-04-2023</a:t>
             </a:fld>
             <a:endParaRPr lang="en-IN"/>
           </a:p>
@@ -3531,7 +3532,7 @@
           <a:p>
             <a:fld id="{46693BFB-BABB-4077-8AD8-512895E516A3}" type="datetimeFigureOut">
               <a:rPr lang="en-IN" smtClean="0"/>
-              <a:t>26-04-2023</a:t>
+              <a:t>28-04-2023</a:t>
             </a:fld>
             <a:endParaRPr lang="en-IN"/>
           </a:p>
@@ -3988,7 +3989,7 @@
           <a:p>
             <a:fld id="{46693BFB-BABB-4077-8AD8-512895E516A3}" type="datetimeFigureOut">
               <a:rPr lang="en-IN" smtClean="0"/>
-              <a:t>26-04-2023</a:t>
+              <a:t>28-04-2023</a:t>
             </a:fld>
             <a:endParaRPr lang="en-IN"/>
           </a:p>
@@ -4193,7 +4194,7 @@
           <a:p>
             <a:fld id="{46693BFB-BABB-4077-8AD8-512895E516A3}" type="datetimeFigureOut">
               <a:rPr lang="en-IN" smtClean="0"/>
-              <a:t>26-04-2023</a:t>
+              <a:t>28-04-2023</a:t>
             </a:fld>
             <a:endParaRPr lang="en-IN"/>
           </a:p>
@@ -4370,7 +4371,7 @@
           <a:p>
             <a:fld id="{46693BFB-BABB-4077-8AD8-512895E516A3}" type="datetimeFigureOut">
               <a:rPr lang="en-IN" smtClean="0"/>
-              <a:t>26-04-2023</a:t>
+              <a:t>28-04-2023</a:t>
             </a:fld>
             <a:endParaRPr lang="en-IN"/>
           </a:p>
@@ -4703,7 +4704,7 @@
           <a:p>
             <a:fld id="{46693BFB-BABB-4077-8AD8-512895E516A3}" type="datetimeFigureOut">
               <a:rPr lang="en-IN" smtClean="0"/>
-              <a:t>26-04-2023</a:t>
+              <a:t>28-04-2023</a:t>
             </a:fld>
             <a:endParaRPr lang="en-IN"/>
           </a:p>
@@ -5048,7 +5049,7 @@
           <a:p>
             <a:fld id="{46693BFB-BABB-4077-8AD8-512895E516A3}" type="datetimeFigureOut">
               <a:rPr lang="en-IN" smtClean="0"/>
-              <a:t>26-04-2023</a:t>
+              <a:t>28-04-2023</a:t>
             </a:fld>
             <a:endParaRPr lang="en-IN"/>
           </a:p>
@@ -7165,7 +7166,7 @@
           <a:p>
             <a:fld id="{46693BFB-BABB-4077-8AD8-512895E516A3}" type="datetimeFigureOut">
               <a:rPr lang="en-IN" smtClean="0"/>
-              <a:t>26-04-2023</a:t>
+              <a:t>28-04-2023</a:t>
             </a:fld>
             <a:endParaRPr lang="en-IN"/>
           </a:p>
@@ -9373,7 +9374,7 @@
         </p:nvSpPr>
         <p:spPr>
           <a:xfrm>
-            <a:off x="2828925" y="285749"/>
+            <a:off x="5133975" y="666749"/>
             <a:ext cx="1562100" cy="428625"/>
           </a:xfrm>
           <a:prstGeom prst="ellipse">
@@ -9422,7 +9423,7 @@
         </p:nvSpPr>
         <p:spPr>
           <a:xfrm>
-            <a:off x="2238368" y="914399"/>
+            <a:off x="2443157" y="1400676"/>
             <a:ext cx="2743200" cy="266699"/>
           </a:xfrm>
           <a:prstGeom prst="rect">
@@ -9451,20 +9452,13 @@
           <a:p>
             <a:pPr algn="ctr"/>
             <a:r>
-              <a:rPr lang="en-US" b="0" i="0" dirty="0">
+              <a:rPr lang="en-IN" dirty="0">
                 <a:solidFill>
                   <a:schemeClr val="bg1"/>
                 </a:solidFill>
-                <a:effectLst/>
-                <a:latin typeface="Söhne Mono"/>
-              </a:rPr>
-              <a:t>Read the input value of n</a:t>
-            </a:r>
-            <a:endParaRPr lang="en-IN" dirty="0">
-              <a:solidFill>
-                <a:schemeClr val="bg1"/>
-              </a:solidFill>
-            </a:endParaRPr>
+              </a:rPr>
+              <a:t>Limited Source</a:t>
+            </a:r>
           </a:p>
         </p:txBody>
       </p:sp>
@@ -9482,7 +9476,7 @@
         </p:nvSpPr>
         <p:spPr>
           <a:xfrm>
-            <a:off x="2366961" y="1400173"/>
+            <a:off x="6896093" y="1415867"/>
             <a:ext cx="2486025" cy="266700"/>
           </a:xfrm>
           <a:prstGeom prst="rect">
@@ -9511,20 +9505,13 @@
           <a:p>
             <a:pPr algn="ctr"/>
             <a:r>
-              <a:rPr lang="en-IN" b="0" i="0" dirty="0">
+              <a:rPr lang="en-IN" dirty="0">
                 <a:solidFill>
                   <a:schemeClr val="bg1"/>
                 </a:solidFill>
-                <a:effectLst/>
-                <a:latin typeface="Söhne Mono"/>
-              </a:rPr>
-              <a:t>WHILE (n is valid)</a:t>
-            </a:r>
-            <a:endParaRPr lang="en-IN" dirty="0">
-              <a:solidFill>
-                <a:schemeClr val="bg1"/>
-              </a:solidFill>
-            </a:endParaRPr>
+              </a:rPr>
+              <a:t>Unlimited Source</a:t>
+            </a:r>
           </a:p>
         </p:txBody>
       </p:sp>
@@ -9542,7 +9529,7 @@
         </p:nvSpPr>
         <p:spPr>
           <a:xfrm>
-            <a:off x="1881183" y="1874039"/>
+            <a:off x="4186230" y="2387437"/>
             <a:ext cx="3457575" cy="266700"/>
           </a:xfrm>
           <a:prstGeom prst="rect">
@@ -9571,20 +9558,13 @@
           <a:p>
             <a:pPr algn="ctr"/>
             <a:r>
-              <a:rPr lang="en-US" b="0" i="0" dirty="0">
+              <a:rPr lang="en-IN" dirty="0">
                 <a:solidFill>
                   <a:schemeClr val="bg1"/>
                 </a:solidFill>
-                <a:effectLst/>
-                <a:latin typeface="Söhne Mono"/>
-              </a:rPr>
-              <a:t>Create vectors x, y, and z of size n</a:t>
-            </a:r>
-            <a:endParaRPr lang="en-IN" dirty="0">
-              <a:solidFill>
-                <a:schemeClr val="bg1"/>
-              </a:solidFill>
-            </a:endParaRPr>
+              </a:rPr>
+              <a:t>Scarcity</a:t>
+            </a:r>
           </a:p>
         </p:txBody>
       </p:sp>
@@ -9602,7 +9582,7 @@
         </p:nvSpPr>
         <p:spPr>
           <a:xfrm>
-            <a:off x="1978815" y="2347905"/>
+            <a:off x="4283864" y="3103708"/>
             <a:ext cx="3262313" cy="342900"/>
           </a:xfrm>
           <a:prstGeom prst="rect">
@@ -9631,40 +9611,13 @@
           <a:p>
             <a:pPr algn="ctr"/>
             <a:r>
-              <a:rPr lang="en-US" b="0" i="0" dirty="0">
+              <a:rPr lang="en-IN" dirty="0">
                 <a:solidFill>
                   <a:schemeClr val="bg1"/>
                 </a:solidFill>
-                <a:effectLst/>
-                <a:latin typeface="Söhne Mono"/>
-              </a:rPr>
-              <a:t>FOR each </a:t>
-            </a:r>
-            <a:r>
-              <a:rPr lang="en-US" b="0" i="0" dirty="0" err="1">
-                <a:solidFill>
-                  <a:schemeClr val="bg1"/>
-                </a:solidFill>
-                <a:effectLst/>
-                <a:latin typeface="Söhne Mono"/>
-              </a:rPr>
-              <a:t>i</a:t>
-            </a:r>
-            <a:r>
-              <a:rPr lang="en-US" b="0" i="0" dirty="0">
-                <a:solidFill>
-                  <a:schemeClr val="bg1"/>
-                </a:solidFill>
-                <a:effectLst/>
-                <a:latin typeface="Söhne Mono"/>
-              </a:rPr>
-              <a:t> in the range [0, n-1]</a:t>
-            </a:r>
-            <a:endParaRPr lang="en-IN" dirty="0">
-              <a:solidFill>
-                <a:schemeClr val="bg1"/>
-              </a:solidFill>
-            </a:endParaRPr>
+              </a:rPr>
+              <a:t>Good and Services</a:t>
+            </a:r>
           </a:p>
         </p:txBody>
       </p:sp>
@@ -9682,7 +9635,7 @@
         </p:nvSpPr>
         <p:spPr>
           <a:xfrm>
-            <a:off x="1978815" y="2979911"/>
+            <a:off x="4283864" y="3820371"/>
             <a:ext cx="3262313" cy="266701"/>
           </a:xfrm>
           <a:prstGeom prst="rect">
@@ -9711,20 +9664,13 @@
           <a:p>
             <a:pPr algn="ctr"/>
             <a:r>
-              <a:rPr lang="en-US" b="0" i="0">
+              <a:rPr lang="en-IN" dirty="0">
                 <a:solidFill>
                   <a:schemeClr val="bg1"/>
                 </a:solidFill>
-                <a:effectLst/>
-                <a:latin typeface="Söhne Mono"/>
-              </a:rPr>
-              <a:t>Read values of x[i], y[i], and z[i]</a:t>
-            </a:r>
-            <a:endParaRPr lang="en-IN">
-              <a:solidFill>
-                <a:schemeClr val="bg1"/>
-              </a:solidFill>
-            </a:endParaRPr>
+              </a:rPr>
+              <a:t>Choice </a:t>
+            </a:r>
           </a:p>
         </p:txBody>
       </p:sp>
@@ -9742,7 +9688,7 @@
         </p:nvSpPr>
         <p:spPr>
           <a:xfrm>
-            <a:off x="2881307" y="3489928"/>
+            <a:off x="5186356" y="4485277"/>
             <a:ext cx="1457325" cy="205981"/>
           </a:xfrm>
           <a:prstGeom prst="rect">
@@ -9771,20 +9717,13 @@
           <a:p>
             <a:pPr algn="ctr"/>
             <a:r>
-              <a:rPr lang="en-IN" b="0" i="0">
+              <a:rPr lang="en-IN" dirty="0">
                 <a:solidFill>
                   <a:schemeClr val="bg1"/>
                 </a:solidFill>
-                <a:effectLst/>
-                <a:latin typeface="Söhne Mono"/>
-              </a:rPr>
-              <a:t>END FOR</a:t>
-            </a:r>
-            <a:endParaRPr lang="en-IN">
-              <a:solidFill>
-                <a:schemeClr val="bg1"/>
-              </a:solidFill>
-            </a:endParaRPr>
+              </a:rPr>
+              <a:t>Cost</a:t>
+            </a:r>
           </a:p>
         </p:txBody>
       </p:sp>
@@ -9802,7 +9741,7 @@
         </p:nvSpPr>
         <p:spPr>
           <a:xfrm>
-            <a:off x="1581145" y="3887829"/>
+            <a:off x="3886194" y="5137314"/>
             <a:ext cx="4057650" cy="226218"/>
           </a:xfrm>
           <a:prstGeom prst="rect">
@@ -9831,941 +9770,16 @@
           <a:p>
             <a:pPr algn="ctr"/>
             <a:r>
-              <a:rPr lang="en-US" b="0" i="0">
+              <a:rPr lang="en-IN" dirty="0">
                 <a:solidFill>
                   <a:schemeClr val="bg1"/>
                 </a:solidFill>
-                <a:effectLst/>
-                <a:latin typeface="Söhne Mono"/>
-              </a:rPr>
-              <a:t>Set max_dist = 0 and central_point = 0</a:t>
-            </a:r>
-            <a:endParaRPr lang="en-IN">
-              <a:solidFill>
-                <a:schemeClr val="bg1"/>
-              </a:solidFill>
-            </a:endParaRPr>
+              </a:rPr>
+              <a:t>Select Items</a:t>
+            </a:r>
           </a:p>
         </p:txBody>
       </p:sp>
-      <p:sp>
-        <p:nvSpPr>
-          <p:cNvPr id="19" name="Rectangle 18">
-            <a:extLst>
-              <a:ext uri="{FF2B5EF4-FFF2-40B4-BE49-F238E27FC236}">
-                <a16:creationId xmlns:a16="http://schemas.microsoft.com/office/drawing/2014/main" id="{38EB6CA3-5712-F874-D597-7158AF335DCB}"/>
-              </a:ext>
-            </a:extLst>
-          </p:cNvPr>
-          <p:cNvSpPr/>
-          <p:nvPr/>
-        </p:nvSpPr>
-        <p:spPr>
-          <a:xfrm>
-            <a:off x="1385881" y="6244106"/>
-            <a:ext cx="4448175" cy="226218"/>
-          </a:xfrm>
-          <a:prstGeom prst="rect">
-            <a:avLst/>
-          </a:prstGeom>
-        </p:spPr>
-        <p:style>
-          <a:lnRef idx="2">
-            <a:schemeClr val="accent1">
-              <a:shade val="50000"/>
-            </a:schemeClr>
-          </a:lnRef>
-          <a:fillRef idx="1">
-            <a:schemeClr val="accent1"/>
-          </a:fillRef>
-          <a:effectRef idx="0">
-            <a:schemeClr val="accent1"/>
-          </a:effectRef>
-          <a:fontRef idx="minor">
-            <a:schemeClr val="lt1"/>
-          </a:fontRef>
-        </p:style>
-        <p:txBody>
-          <a:bodyPr rtlCol="0" anchor="ctr"/>
-          <a:lstStyle/>
-          <a:p>
-            <a:pPr algn="ctr"/>
-            <a:r>
-              <a:rPr lang="en-US" b="0" i="0" dirty="0">
-                <a:solidFill>
-                  <a:schemeClr val="bg1"/>
-                </a:solidFill>
-                <a:effectLst/>
-                <a:latin typeface="Söhne Mono"/>
-              </a:rPr>
-              <a:t>Calculate the distance between point </a:t>
-            </a:r>
-            <a:r>
-              <a:rPr lang="en-US" b="0" i="0" dirty="0" err="1">
-                <a:solidFill>
-                  <a:schemeClr val="bg1"/>
-                </a:solidFill>
-                <a:effectLst/>
-                <a:latin typeface="Söhne Mono"/>
-              </a:rPr>
-              <a:t>i</a:t>
-            </a:r>
-            <a:r>
-              <a:rPr lang="en-US" b="0" i="0" dirty="0">
-                <a:solidFill>
-                  <a:schemeClr val="bg1"/>
-                </a:solidFill>
-                <a:effectLst/>
-                <a:latin typeface="Söhne Mono"/>
-              </a:rPr>
-              <a:t> and j</a:t>
-            </a:r>
-            <a:endParaRPr lang="en-IN" dirty="0">
-              <a:solidFill>
-                <a:schemeClr val="bg1"/>
-              </a:solidFill>
-            </a:endParaRPr>
-          </a:p>
-        </p:txBody>
-      </p:sp>
-      <p:sp>
-        <p:nvSpPr>
-          <p:cNvPr id="20" name="Rectangle 19">
-            <a:extLst>
-              <a:ext uri="{FF2B5EF4-FFF2-40B4-BE49-F238E27FC236}">
-                <a16:creationId xmlns:a16="http://schemas.microsoft.com/office/drawing/2014/main" id="{91349BA1-8EEF-145E-06DD-EED180459192}"/>
-              </a:ext>
-            </a:extLst>
-          </p:cNvPr>
-          <p:cNvSpPr/>
-          <p:nvPr/>
-        </p:nvSpPr>
-        <p:spPr>
-          <a:xfrm>
-            <a:off x="1854994" y="4376078"/>
-            <a:ext cx="3495675" cy="226218"/>
-          </a:xfrm>
-          <a:prstGeom prst="rect">
-            <a:avLst/>
-          </a:prstGeom>
-        </p:spPr>
-        <p:style>
-          <a:lnRef idx="2">
-            <a:schemeClr val="accent1">
-              <a:shade val="50000"/>
-            </a:schemeClr>
-          </a:lnRef>
-          <a:fillRef idx="1">
-            <a:schemeClr val="accent1"/>
-          </a:fillRef>
-          <a:effectRef idx="0">
-            <a:schemeClr val="accent1"/>
-          </a:effectRef>
-          <a:fontRef idx="minor">
-            <a:schemeClr val="lt1"/>
-          </a:fontRef>
-        </p:style>
-        <p:txBody>
-          <a:bodyPr rtlCol="0" anchor="ctr"/>
-          <a:lstStyle/>
-          <a:p>
-            <a:pPr algn="ctr"/>
-            <a:r>
-              <a:rPr lang="en-US" b="0" i="0" dirty="0">
-                <a:solidFill>
-                  <a:schemeClr val="bg1"/>
-                </a:solidFill>
-                <a:effectLst/>
-                <a:latin typeface="Söhne Mono"/>
-              </a:rPr>
-              <a:t>FOR each </a:t>
-            </a:r>
-            <a:r>
-              <a:rPr lang="en-US" b="0" i="0" dirty="0" err="1">
-                <a:solidFill>
-                  <a:schemeClr val="bg1"/>
-                </a:solidFill>
-                <a:effectLst/>
-                <a:latin typeface="Söhne Mono"/>
-              </a:rPr>
-              <a:t>i</a:t>
-            </a:r>
-            <a:r>
-              <a:rPr lang="en-US" b="0" i="0" dirty="0">
-                <a:solidFill>
-                  <a:schemeClr val="bg1"/>
-                </a:solidFill>
-                <a:effectLst/>
-                <a:latin typeface="Söhne Mono"/>
-              </a:rPr>
-              <a:t> in the range [0, n-1]</a:t>
-            </a:r>
-            <a:endParaRPr lang="en-IN" dirty="0">
-              <a:solidFill>
-                <a:schemeClr val="bg1"/>
-              </a:solidFill>
-            </a:endParaRPr>
-          </a:p>
-        </p:txBody>
-      </p:sp>
-      <p:sp>
-        <p:nvSpPr>
-          <p:cNvPr id="21" name="Rectangle 20">
-            <a:extLst>
-              <a:ext uri="{FF2B5EF4-FFF2-40B4-BE49-F238E27FC236}">
-                <a16:creationId xmlns:a16="http://schemas.microsoft.com/office/drawing/2014/main" id="{3B8C99AE-F229-F932-B21E-C09BB252F373}"/>
-              </a:ext>
-            </a:extLst>
-          </p:cNvPr>
-          <p:cNvSpPr/>
-          <p:nvPr/>
-        </p:nvSpPr>
-        <p:spPr>
-          <a:xfrm>
-            <a:off x="7731918" y="943899"/>
-            <a:ext cx="2719386" cy="244430"/>
-          </a:xfrm>
-          <a:prstGeom prst="rect">
-            <a:avLst/>
-          </a:prstGeom>
-        </p:spPr>
-        <p:style>
-          <a:lnRef idx="2">
-            <a:schemeClr val="accent1">
-              <a:shade val="50000"/>
-            </a:schemeClr>
-          </a:lnRef>
-          <a:fillRef idx="1">
-            <a:schemeClr val="accent1"/>
-          </a:fillRef>
-          <a:effectRef idx="0">
-            <a:schemeClr val="accent1"/>
-          </a:effectRef>
-          <a:fontRef idx="minor">
-            <a:schemeClr val="lt1"/>
-          </a:fontRef>
-        </p:style>
-        <p:txBody>
-          <a:bodyPr rtlCol="0" anchor="ctr"/>
-          <a:lstStyle/>
-          <a:p>
-            <a:pPr algn="ctr"/>
-            <a:r>
-              <a:rPr lang="en-IN" b="0" i="0" dirty="0">
-                <a:solidFill>
-                  <a:schemeClr val="bg1"/>
-                </a:solidFill>
-                <a:effectLst/>
-                <a:latin typeface="Söhne Mono"/>
-              </a:rPr>
-              <a:t>END FOR</a:t>
-            </a:r>
-            <a:endParaRPr lang="en-IN" dirty="0">
-              <a:solidFill>
-                <a:schemeClr val="bg1"/>
-              </a:solidFill>
-            </a:endParaRPr>
-          </a:p>
-        </p:txBody>
-      </p:sp>
-      <p:sp>
-        <p:nvSpPr>
-          <p:cNvPr id="22" name="Rectangle 21">
-            <a:extLst>
-              <a:ext uri="{FF2B5EF4-FFF2-40B4-BE49-F238E27FC236}">
-                <a16:creationId xmlns:a16="http://schemas.microsoft.com/office/drawing/2014/main" id="{0D18E1FF-8E7C-929C-6CFB-17195CCD8A3D}"/>
-              </a:ext>
-            </a:extLst>
-          </p:cNvPr>
-          <p:cNvSpPr/>
-          <p:nvPr/>
-        </p:nvSpPr>
-        <p:spPr>
-          <a:xfrm>
-            <a:off x="6779416" y="409912"/>
-            <a:ext cx="4624389" cy="266701"/>
-          </a:xfrm>
-          <a:prstGeom prst="rect">
-            <a:avLst/>
-          </a:prstGeom>
-        </p:spPr>
-        <p:style>
-          <a:lnRef idx="2">
-            <a:schemeClr val="accent1">
-              <a:shade val="50000"/>
-            </a:schemeClr>
-          </a:lnRef>
-          <a:fillRef idx="1">
-            <a:schemeClr val="accent1"/>
-          </a:fillRef>
-          <a:effectRef idx="0">
-            <a:schemeClr val="accent1"/>
-          </a:effectRef>
-          <a:fontRef idx="minor">
-            <a:schemeClr val="lt1"/>
-          </a:fontRef>
-        </p:style>
-        <p:txBody>
-          <a:bodyPr rtlCol="0" anchor="ctr"/>
-          <a:lstStyle/>
-          <a:p>
-            <a:pPr algn="ctr"/>
-            <a:r>
-              <a:rPr lang="en-US" b="0" i="0" dirty="0">
-                <a:solidFill>
-                  <a:schemeClr val="bg1"/>
-                </a:solidFill>
-                <a:effectLst/>
-                <a:latin typeface="Söhne Mono"/>
-              </a:rPr>
-              <a:t>Update </a:t>
-            </a:r>
-            <a:r>
-              <a:rPr lang="en-US" b="0" i="0" dirty="0" err="1">
-                <a:solidFill>
-                  <a:schemeClr val="bg1"/>
-                </a:solidFill>
-                <a:effectLst/>
-                <a:latin typeface="Söhne Mono"/>
-              </a:rPr>
-              <a:t>min_dist</a:t>
-            </a:r>
-            <a:r>
-              <a:rPr lang="en-US" b="0" i="0" dirty="0">
-                <a:solidFill>
-                  <a:schemeClr val="bg1"/>
-                </a:solidFill>
-                <a:effectLst/>
-                <a:latin typeface="Söhne Mono"/>
-              </a:rPr>
-              <a:t> if the new distance is smaller</a:t>
-            </a:r>
-            <a:endParaRPr lang="en-IN" dirty="0">
-              <a:solidFill>
-                <a:schemeClr val="bg1"/>
-              </a:solidFill>
-            </a:endParaRPr>
-          </a:p>
-        </p:txBody>
-      </p:sp>
-      <p:sp>
-        <p:nvSpPr>
-          <p:cNvPr id="23" name="Rectangle 22">
-            <a:extLst>
-              <a:ext uri="{FF2B5EF4-FFF2-40B4-BE49-F238E27FC236}">
-                <a16:creationId xmlns:a16="http://schemas.microsoft.com/office/drawing/2014/main" id="{C0709BBD-13ED-D122-EF36-3ABC6E6016BE}"/>
-              </a:ext>
-            </a:extLst>
-          </p:cNvPr>
-          <p:cNvSpPr/>
-          <p:nvPr/>
-        </p:nvSpPr>
-        <p:spPr>
-          <a:xfrm>
-            <a:off x="7016948" y="3134408"/>
-            <a:ext cx="4136232" cy="217893"/>
-          </a:xfrm>
-          <a:prstGeom prst="rect">
-            <a:avLst/>
-          </a:prstGeom>
-        </p:spPr>
-        <p:style>
-          <a:lnRef idx="2">
-            <a:schemeClr val="accent1">
-              <a:shade val="50000"/>
-            </a:schemeClr>
-          </a:lnRef>
-          <a:fillRef idx="1">
-            <a:schemeClr val="accent1"/>
-          </a:fillRef>
-          <a:effectRef idx="0">
-            <a:schemeClr val="accent1"/>
-          </a:effectRef>
-          <a:fontRef idx="minor">
-            <a:schemeClr val="lt1"/>
-          </a:fontRef>
-        </p:style>
-        <p:txBody>
-          <a:bodyPr rtlCol="0" anchor="ctr"/>
-          <a:lstStyle/>
-          <a:p>
-            <a:pPr algn="ctr"/>
-            <a:r>
-              <a:rPr lang="en-US" b="0" i="0" dirty="0">
-                <a:solidFill>
-                  <a:schemeClr val="bg1"/>
-                </a:solidFill>
-                <a:effectLst/>
-                <a:latin typeface="Söhne Mono"/>
-              </a:rPr>
-              <a:t>Update </a:t>
-            </a:r>
-            <a:r>
-              <a:rPr lang="en-US" b="0" i="0" dirty="0" err="1">
-                <a:solidFill>
-                  <a:schemeClr val="bg1"/>
-                </a:solidFill>
-                <a:effectLst/>
-                <a:latin typeface="Söhne Mono"/>
-              </a:rPr>
-              <a:t>max_dist</a:t>
-            </a:r>
-            <a:r>
-              <a:rPr lang="en-US" b="0" i="0" dirty="0">
-                <a:solidFill>
-                  <a:schemeClr val="bg1"/>
-                </a:solidFill>
-                <a:effectLst/>
-                <a:latin typeface="Söhne Mono"/>
-              </a:rPr>
-              <a:t> and </a:t>
-            </a:r>
-            <a:r>
-              <a:rPr lang="en-US" b="0" i="0" dirty="0" err="1">
-                <a:solidFill>
-                  <a:schemeClr val="bg1"/>
-                </a:solidFill>
-                <a:effectLst/>
-                <a:latin typeface="Söhne Mono"/>
-              </a:rPr>
-              <a:t>central_point</a:t>
-            </a:r>
-            <a:r>
-              <a:rPr lang="en-US" b="0" i="0" dirty="0">
-                <a:solidFill>
-                  <a:schemeClr val="bg1"/>
-                </a:solidFill>
-                <a:effectLst/>
-                <a:latin typeface="Söhne Mono"/>
-              </a:rPr>
-              <a:t> to </a:t>
-            </a:r>
-            <a:r>
-              <a:rPr lang="en-US" b="0" i="0" dirty="0" err="1">
-                <a:solidFill>
-                  <a:schemeClr val="bg1"/>
-                </a:solidFill>
-                <a:effectLst/>
-                <a:latin typeface="Söhne Mono"/>
-              </a:rPr>
-              <a:t>i</a:t>
-            </a:r>
-            <a:endParaRPr lang="en-IN" dirty="0">
-              <a:solidFill>
-                <a:schemeClr val="bg1"/>
-              </a:solidFill>
-            </a:endParaRPr>
-          </a:p>
-        </p:txBody>
-      </p:sp>
-      <p:sp>
-        <p:nvSpPr>
-          <p:cNvPr id="24" name="Flowchart: Decision 23">
-            <a:extLst>
-              <a:ext uri="{FF2B5EF4-FFF2-40B4-BE49-F238E27FC236}">
-                <a16:creationId xmlns:a16="http://schemas.microsoft.com/office/drawing/2014/main" id="{A6247A95-E729-E2A2-7150-EBAA7BC65959}"/>
-              </a:ext>
-            </a:extLst>
-          </p:cNvPr>
-          <p:cNvSpPr/>
-          <p:nvPr/>
-        </p:nvSpPr>
-        <p:spPr>
-          <a:xfrm>
-            <a:off x="2821792" y="4876302"/>
-            <a:ext cx="1547805" cy="1000122"/>
-          </a:xfrm>
-          <a:prstGeom prst="flowChartDecision">
-            <a:avLst/>
-          </a:prstGeom>
-        </p:spPr>
-        <p:style>
-          <a:lnRef idx="2">
-            <a:schemeClr val="accent1">
-              <a:shade val="50000"/>
-            </a:schemeClr>
-          </a:lnRef>
-          <a:fillRef idx="1">
-            <a:schemeClr val="accent1"/>
-          </a:fillRef>
-          <a:effectRef idx="0">
-            <a:schemeClr val="accent1"/>
-          </a:effectRef>
-          <a:fontRef idx="minor">
-            <a:schemeClr val="lt1"/>
-          </a:fontRef>
-        </p:style>
-        <p:txBody>
-          <a:bodyPr rtlCol="0" anchor="ctr"/>
-          <a:lstStyle/>
-          <a:p>
-            <a:pPr algn="ctr"/>
-            <a:r>
-              <a:rPr lang="en-IN" b="0" i="0" dirty="0">
-                <a:solidFill>
-                  <a:schemeClr val="bg1"/>
-                </a:solidFill>
-                <a:effectLst/>
-                <a:latin typeface="Söhne Mono"/>
-              </a:rPr>
-              <a:t>IF (</a:t>
-            </a:r>
-            <a:r>
-              <a:rPr lang="en-IN" b="0" i="0" dirty="0" err="1">
-                <a:solidFill>
-                  <a:schemeClr val="bg1"/>
-                </a:solidFill>
-                <a:effectLst/>
-                <a:latin typeface="Söhne Mono"/>
-              </a:rPr>
-              <a:t>i</a:t>
-            </a:r>
-            <a:r>
-              <a:rPr lang="en-IN" b="0" i="0" dirty="0">
-                <a:solidFill>
-                  <a:schemeClr val="bg1"/>
-                </a:solidFill>
-                <a:effectLst/>
-                <a:latin typeface="Söhne Mono"/>
-              </a:rPr>
-              <a:t> != j)</a:t>
-            </a:r>
-            <a:endParaRPr lang="en-IN" dirty="0">
-              <a:solidFill>
-                <a:schemeClr val="bg1"/>
-              </a:solidFill>
-            </a:endParaRPr>
-          </a:p>
-        </p:txBody>
-      </p:sp>
-      <p:sp>
-        <p:nvSpPr>
-          <p:cNvPr id="25" name="Flowchart: Decision 24">
-            <a:extLst>
-              <a:ext uri="{FF2B5EF4-FFF2-40B4-BE49-F238E27FC236}">
-                <a16:creationId xmlns:a16="http://schemas.microsoft.com/office/drawing/2014/main" id="{3B3D3046-39AC-B887-0DAA-D449B7CE8DAB}"/>
-              </a:ext>
-            </a:extLst>
-          </p:cNvPr>
-          <p:cNvSpPr/>
-          <p:nvPr/>
-        </p:nvSpPr>
-        <p:spPr>
-          <a:xfrm>
-            <a:off x="8205786" y="1373198"/>
-            <a:ext cx="1771650" cy="1402561"/>
-          </a:xfrm>
-          <a:prstGeom prst="flowChartDecision">
-            <a:avLst/>
-          </a:prstGeom>
-        </p:spPr>
-        <p:style>
-          <a:lnRef idx="2">
-            <a:schemeClr val="accent1">
-              <a:shade val="50000"/>
-            </a:schemeClr>
-          </a:lnRef>
-          <a:fillRef idx="1">
-            <a:schemeClr val="accent1"/>
-          </a:fillRef>
-          <a:effectRef idx="0">
-            <a:schemeClr val="accent1"/>
-          </a:effectRef>
-          <a:fontRef idx="minor">
-            <a:schemeClr val="lt1"/>
-          </a:fontRef>
-        </p:style>
-        <p:txBody>
-          <a:bodyPr rtlCol="0" anchor="ctr"/>
-          <a:lstStyle/>
-          <a:p>
-            <a:pPr algn="ctr"/>
-            <a:r>
-              <a:rPr lang="en-IN" b="0" i="0" dirty="0">
-                <a:solidFill>
-                  <a:schemeClr val="bg1"/>
-                </a:solidFill>
-                <a:effectLst/>
-                <a:latin typeface="Söhne Mono"/>
-              </a:rPr>
-              <a:t>IF (</a:t>
-            </a:r>
-            <a:r>
-              <a:rPr lang="en-IN" b="0" i="0" dirty="0" err="1">
-                <a:solidFill>
-                  <a:schemeClr val="bg1"/>
-                </a:solidFill>
-                <a:effectLst/>
-                <a:latin typeface="Söhne Mono"/>
-              </a:rPr>
-              <a:t>min_dist</a:t>
-            </a:r>
-            <a:r>
-              <a:rPr lang="en-IN" b="0" i="0" dirty="0">
-                <a:solidFill>
-                  <a:schemeClr val="bg1"/>
-                </a:solidFill>
-                <a:effectLst/>
-                <a:latin typeface="Söhne Mono"/>
-              </a:rPr>
-              <a:t> &gt; </a:t>
-            </a:r>
-            <a:r>
-              <a:rPr lang="en-IN" b="0" i="0" dirty="0" err="1">
-                <a:solidFill>
-                  <a:schemeClr val="bg1"/>
-                </a:solidFill>
-                <a:effectLst/>
-                <a:latin typeface="Söhne Mono"/>
-              </a:rPr>
-              <a:t>max_dist</a:t>
-            </a:r>
-            <a:r>
-              <a:rPr lang="en-IN" b="0" i="0" dirty="0">
-                <a:solidFill>
-                  <a:schemeClr val="bg1"/>
-                </a:solidFill>
-                <a:effectLst/>
-                <a:latin typeface="Söhne Mono"/>
-              </a:rPr>
-              <a:t>)</a:t>
-            </a:r>
-            <a:endParaRPr lang="en-IN" dirty="0">
-              <a:solidFill>
-                <a:schemeClr val="bg1"/>
-              </a:solidFill>
-            </a:endParaRPr>
-          </a:p>
-        </p:txBody>
-      </p:sp>
-      <p:sp>
-        <p:nvSpPr>
-          <p:cNvPr id="27" name="Rectangle 26">
-            <a:extLst>
-              <a:ext uri="{FF2B5EF4-FFF2-40B4-BE49-F238E27FC236}">
-                <a16:creationId xmlns:a16="http://schemas.microsoft.com/office/drawing/2014/main" id="{0CB1D157-2440-A882-5FA1-2B25E1C48028}"/>
-              </a:ext>
-            </a:extLst>
-          </p:cNvPr>
-          <p:cNvSpPr/>
-          <p:nvPr/>
-        </p:nvSpPr>
-        <p:spPr>
-          <a:xfrm>
-            <a:off x="8003379" y="3583775"/>
-            <a:ext cx="2176464" cy="382188"/>
-          </a:xfrm>
-          <a:prstGeom prst="rect">
-            <a:avLst/>
-          </a:prstGeom>
-        </p:spPr>
-        <p:style>
-          <a:lnRef idx="2">
-            <a:schemeClr val="accent1">
-              <a:shade val="50000"/>
-            </a:schemeClr>
-          </a:lnRef>
-          <a:fillRef idx="1">
-            <a:schemeClr val="accent1"/>
-          </a:fillRef>
-          <a:effectRef idx="0">
-            <a:schemeClr val="accent1"/>
-          </a:effectRef>
-          <a:fontRef idx="minor">
-            <a:schemeClr val="lt1"/>
-          </a:fontRef>
-        </p:style>
-        <p:txBody>
-          <a:bodyPr rtlCol="0" anchor="ctr"/>
-          <a:lstStyle/>
-          <a:p>
-            <a:pPr algn="ctr"/>
-            <a:r>
-              <a:rPr lang="en-IN" b="0" i="0">
-                <a:solidFill>
-                  <a:schemeClr val="bg1"/>
-                </a:solidFill>
-                <a:effectLst/>
-                <a:latin typeface="Söhne Mono"/>
-              </a:rPr>
-              <a:t>END FOR</a:t>
-            </a:r>
-            <a:endParaRPr lang="en-IN">
-              <a:solidFill>
-                <a:schemeClr val="bg1"/>
-              </a:solidFill>
-            </a:endParaRPr>
-          </a:p>
-        </p:txBody>
-      </p:sp>
-      <p:sp>
-        <p:nvSpPr>
-          <p:cNvPr id="28" name="Rectangle 27">
-            <a:extLst>
-              <a:ext uri="{FF2B5EF4-FFF2-40B4-BE49-F238E27FC236}">
-                <a16:creationId xmlns:a16="http://schemas.microsoft.com/office/drawing/2014/main" id="{35C35649-C9B0-3DF0-A772-E10D3FCBDF0E}"/>
-              </a:ext>
-            </a:extLst>
-          </p:cNvPr>
-          <p:cNvSpPr/>
-          <p:nvPr/>
-        </p:nvSpPr>
-        <p:spPr>
-          <a:xfrm>
-            <a:off x="6901455" y="4291693"/>
-            <a:ext cx="4367219" cy="338162"/>
-          </a:xfrm>
-          <a:prstGeom prst="rect">
-            <a:avLst/>
-          </a:prstGeom>
-        </p:spPr>
-        <p:style>
-          <a:lnRef idx="2">
-            <a:schemeClr val="accent1">
-              <a:shade val="50000"/>
-            </a:schemeClr>
-          </a:lnRef>
-          <a:fillRef idx="1">
-            <a:schemeClr val="accent1"/>
-          </a:fillRef>
-          <a:effectRef idx="0">
-            <a:schemeClr val="accent1"/>
-          </a:effectRef>
-          <a:fontRef idx="minor">
-            <a:schemeClr val="lt1"/>
-          </a:fontRef>
-        </p:style>
-        <p:txBody>
-          <a:bodyPr rtlCol="0" anchor="ctr"/>
-          <a:lstStyle/>
-          <a:p>
-            <a:pPr algn="ctr"/>
-            <a:r>
-              <a:rPr lang="en-US" b="0" i="0">
-                <a:solidFill>
-                  <a:schemeClr val="bg1"/>
-                </a:solidFill>
-                <a:effectLst/>
-                <a:latin typeface="Söhne Mono"/>
-              </a:rPr>
-              <a:t>Print the central point and its coordinates</a:t>
-            </a:r>
-            <a:endParaRPr lang="en-IN">
-              <a:solidFill>
-                <a:schemeClr val="bg1"/>
-              </a:solidFill>
-            </a:endParaRPr>
-          </a:p>
-        </p:txBody>
-      </p:sp>
-      <p:sp>
-        <p:nvSpPr>
-          <p:cNvPr id="29" name="Rectangle 28">
-            <a:extLst>
-              <a:ext uri="{FF2B5EF4-FFF2-40B4-BE49-F238E27FC236}">
-                <a16:creationId xmlns:a16="http://schemas.microsoft.com/office/drawing/2014/main" id="{FFF3427A-E1D4-7286-42F3-3361A5CF4F87}"/>
-              </a:ext>
-            </a:extLst>
-          </p:cNvPr>
-          <p:cNvSpPr/>
-          <p:nvPr/>
-        </p:nvSpPr>
-        <p:spPr>
-          <a:xfrm>
-            <a:off x="8024811" y="4989558"/>
-            <a:ext cx="2133600" cy="219064"/>
-          </a:xfrm>
-          <a:prstGeom prst="rect">
-            <a:avLst/>
-          </a:prstGeom>
-        </p:spPr>
-        <p:style>
-          <a:lnRef idx="2">
-            <a:schemeClr val="accent1">
-              <a:shade val="50000"/>
-            </a:schemeClr>
-          </a:lnRef>
-          <a:fillRef idx="1">
-            <a:schemeClr val="accent1"/>
-          </a:fillRef>
-          <a:effectRef idx="0">
-            <a:schemeClr val="accent1"/>
-          </a:effectRef>
-          <a:fontRef idx="minor">
-            <a:schemeClr val="lt1"/>
-          </a:fontRef>
-        </p:style>
-        <p:txBody>
-          <a:bodyPr rtlCol="0" anchor="ctr"/>
-          <a:lstStyle/>
-          <a:p>
-            <a:pPr algn="ctr"/>
-            <a:r>
-              <a:rPr lang="en-IN" b="0" i="0">
-                <a:solidFill>
-                  <a:schemeClr val="bg1"/>
-                </a:solidFill>
-                <a:effectLst/>
-                <a:latin typeface="Söhne Mono"/>
-              </a:rPr>
-              <a:t>END WHILE</a:t>
-            </a:r>
-            <a:endParaRPr lang="en-IN">
-              <a:solidFill>
-                <a:schemeClr val="bg1"/>
-              </a:solidFill>
-            </a:endParaRPr>
-          </a:p>
-        </p:txBody>
-      </p:sp>
-      <p:sp>
-        <p:nvSpPr>
-          <p:cNvPr id="30" name="Oval 29">
-            <a:extLst>
-              <a:ext uri="{FF2B5EF4-FFF2-40B4-BE49-F238E27FC236}">
-                <a16:creationId xmlns:a16="http://schemas.microsoft.com/office/drawing/2014/main" id="{A96CECCA-F21A-3894-EBBE-4257A40A205A}"/>
-              </a:ext>
-            </a:extLst>
-          </p:cNvPr>
-          <p:cNvSpPr/>
-          <p:nvPr/>
-        </p:nvSpPr>
-        <p:spPr>
-          <a:xfrm>
-            <a:off x="8262936" y="5544105"/>
-            <a:ext cx="1657350" cy="419086"/>
-          </a:xfrm>
-          <a:prstGeom prst="ellipse">
-            <a:avLst/>
-          </a:prstGeom>
-        </p:spPr>
-        <p:style>
-          <a:lnRef idx="2">
-            <a:schemeClr val="accent1">
-              <a:shade val="50000"/>
-            </a:schemeClr>
-          </a:lnRef>
-          <a:fillRef idx="1">
-            <a:schemeClr val="accent1"/>
-          </a:fillRef>
-          <a:effectRef idx="0">
-            <a:schemeClr val="accent1"/>
-          </a:effectRef>
-          <a:fontRef idx="minor">
-            <a:schemeClr val="lt1"/>
-          </a:fontRef>
-        </p:style>
-        <p:txBody>
-          <a:bodyPr rtlCol="0" anchor="ctr"/>
-          <a:lstStyle/>
-          <a:p>
-            <a:pPr algn="ctr"/>
-            <a:r>
-              <a:rPr lang="en-IN" b="0" i="0" dirty="0">
-                <a:solidFill>
-                  <a:schemeClr val="bg1"/>
-                </a:solidFill>
-                <a:effectLst/>
-                <a:latin typeface="Söhne Mono"/>
-              </a:rPr>
-              <a:t>END</a:t>
-            </a:r>
-            <a:endParaRPr lang="en-IN" dirty="0">
-              <a:solidFill>
-                <a:schemeClr val="bg1"/>
-              </a:solidFill>
-            </a:endParaRPr>
-          </a:p>
-        </p:txBody>
-      </p:sp>
-      <p:cxnSp>
-        <p:nvCxnSpPr>
-          <p:cNvPr id="36" name="Connector: Elbow 35">
-            <a:extLst>
-              <a:ext uri="{FF2B5EF4-FFF2-40B4-BE49-F238E27FC236}">
-                <a16:creationId xmlns:a16="http://schemas.microsoft.com/office/drawing/2014/main" id="{2C067DAF-F5AD-2176-F3FA-D8983D8B2FEB}"/>
-              </a:ext>
-            </a:extLst>
-          </p:cNvPr>
-          <p:cNvCxnSpPr>
-            <a:cxnSpLocks/>
-            <a:stCxn id="24" idx="3"/>
-            <a:endCxn id="25" idx="1"/>
-          </p:cNvCxnSpPr>
-          <p:nvPr/>
-        </p:nvCxnSpPr>
-        <p:spPr>
-          <a:xfrm flipV="1">
-            <a:off x="4369597" y="2074479"/>
-            <a:ext cx="3836189" cy="3301884"/>
-          </a:xfrm>
-          <a:prstGeom prst="bentConnector3">
-            <a:avLst/>
-          </a:prstGeom>
-          <a:ln>
-            <a:tailEnd type="triangle"/>
-          </a:ln>
-        </p:spPr>
-        <p:style>
-          <a:lnRef idx="1">
-            <a:schemeClr val="accent1"/>
-          </a:lnRef>
-          <a:fillRef idx="0">
-            <a:schemeClr val="accent1"/>
-          </a:fillRef>
-          <a:effectRef idx="0">
-            <a:schemeClr val="accent1"/>
-          </a:effectRef>
-          <a:fontRef idx="minor">
-            <a:schemeClr val="tx1"/>
-          </a:fontRef>
-        </p:style>
-      </p:cxnSp>
-      <p:cxnSp>
-        <p:nvCxnSpPr>
-          <p:cNvPr id="41" name="Connector: Elbow 40">
-            <a:extLst>
-              <a:ext uri="{FF2B5EF4-FFF2-40B4-BE49-F238E27FC236}">
-                <a16:creationId xmlns:a16="http://schemas.microsoft.com/office/drawing/2014/main" id="{E431D3DC-A6AB-1DC3-8507-26370A8A8ECE}"/>
-              </a:ext>
-            </a:extLst>
-          </p:cNvPr>
-          <p:cNvCxnSpPr>
-            <a:cxnSpLocks/>
-            <a:stCxn id="25" idx="3"/>
-            <a:endCxn id="27" idx="3"/>
-          </p:cNvCxnSpPr>
-          <p:nvPr/>
-        </p:nvCxnSpPr>
-        <p:spPr>
-          <a:xfrm>
-            <a:off x="9977436" y="2074479"/>
-            <a:ext cx="202407" cy="1700390"/>
-          </a:xfrm>
-          <a:prstGeom prst="bentConnector3">
-            <a:avLst>
-              <a:gd name="adj1" fmla="val 895291"/>
-            </a:avLst>
-          </a:prstGeom>
-          <a:ln>
-            <a:tailEnd type="triangle"/>
-          </a:ln>
-        </p:spPr>
-        <p:style>
-          <a:lnRef idx="1">
-            <a:schemeClr val="accent1"/>
-          </a:lnRef>
-          <a:fillRef idx="0">
-            <a:schemeClr val="accent1"/>
-          </a:fillRef>
-          <a:effectRef idx="0">
-            <a:schemeClr val="accent1"/>
-          </a:effectRef>
-          <a:fontRef idx="minor">
-            <a:schemeClr val="tx1"/>
-          </a:fontRef>
-        </p:style>
-      </p:cxnSp>
       <p:cxnSp>
         <p:nvCxnSpPr>
           <p:cNvPr id="51" name="Straight Arrow Connector 50">
@@ -10784,8 +9798,8 @@
         </p:nvCxnSpPr>
         <p:spPr>
           <a:xfrm flipH="1">
-            <a:off x="3609968" y="714374"/>
-            <a:ext cx="7" cy="200025"/>
+            <a:off x="3814757" y="1095374"/>
+            <a:ext cx="2100268" cy="305302"/>
           </a:xfrm>
           <a:prstGeom prst="straightConnector1">
             <a:avLst/>
@@ -10819,57 +9833,16 @@
             </a:extLst>
           </p:cNvPr>
           <p:cNvCxnSpPr>
-            <a:stCxn id="5" idx="2"/>
+            <a:cxnSpLocks/>
+            <a:stCxn id="4" idx="4"/>
             <a:endCxn id="6" idx="0"/>
           </p:cNvCxnSpPr>
           <p:nvPr/>
         </p:nvCxnSpPr>
         <p:spPr>
           <a:xfrm>
-            <a:off x="3609968" y="1181098"/>
-            <a:ext cx="6" cy="219075"/>
-          </a:xfrm>
-          <a:prstGeom prst="straightConnector1">
-            <a:avLst/>
-          </a:prstGeom>
-          <a:ln>
-            <a:tailEnd type="triangle"/>
-          </a:ln>
-        </p:spPr>
-        <p:style>
-          <a:lnRef idx="1">
-            <a:schemeClr val="accent1"/>
-          </a:lnRef>
-          <a:fillRef idx="0">
-            <a:schemeClr val="accent1"/>
-          </a:fillRef>
-          <a:effectRef idx="0">
-            <a:schemeClr val="accent1"/>
-          </a:effectRef>
-          <a:fontRef idx="minor">
-            <a:schemeClr val="tx1"/>
-          </a:fontRef>
-        </p:style>
-      </p:cxnSp>
-      <p:cxnSp>
-        <p:nvCxnSpPr>
-          <p:cNvPr id="59" name="Straight Arrow Connector 58">
-            <a:extLst>
-              <a:ext uri="{FF2B5EF4-FFF2-40B4-BE49-F238E27FC236}">
-                <a16:creationId xmlns:a16="http://schemas.microsoft.com/office/drawing/2014/main" id="{C0291DE3-6597-ACB0-A972-F8181B35F8C8}"/>
-              </a:ext>
-            </a:extLst>
-          </p:cNvPr>
-          <p:cNvCxnSpPr>
-            <a:stCxn id="6" idx="2"/>
-            <a:endCxn id="7" idx="0"/>
-          </p:cNvCxnSpPr>
-          <p:nvPr/>
-        </p:nvCxnSpPr>
-        <p:spPr>
-          <a:xfrm flipH="1">
-            <a:off x="3609971" y="1666873"/>
-            <a:ext cx="3" cy="207166"/>
+            <a:off x="5915025" y="1095374"/>
+            <a:ext cx="2224081" cy="320493"/>
           </a:xfrm>
           <a:prstGeom prst="straightConnector1">
             <a:avLst/>
@@ -10903,15 +9876,15 @@
             </a:extLst>
           </p:cNvPr>
           <p:cNvCxnSpPr>
+            <a:cxnSpLocks/>
             <a:stCxn id="7" idx="2"/>
-            <a:endCxn id="8" idx="0"/>
           </p:cNvCxnSpPr>
           <p:nvPr/>
         </p:nvCxnSpPr>
         <p:spPr>
-          <a:xfrm>
-            <a:off x="3609971" y="2140739"/>
-            <a:ext cx="1" cy="207166"/>
+          <a:xfrm flipH="1">
+            <a:off x="5915014" y="2654137"/>
+            <a:ext cx="4" cy="632441"/>
           </a:xfrm>
           <a:prstGeom prst="straightConnector1">
             <a:avLst/>
@@ -10952,8 +9925,8 @@
         </p:nvCxnSpPr>
         <p:spPr>
           <a:xfrm>
-            <a:off x="3609972" y="2690805"/>
-            <a:ext cx="0" cy="289106"/>
+            <a:off x="5915021" y="3446608"/>
+            <a:ext cx="0" cy="373763"/>
           </a:xfrm>
           <a:prstGeom prst="straightConnector1">
             <a:avLst/>
@@ -10987,6 +9960,7 @@
             </a:extLst>
           </p:cNvPr>
           <p:cNvCxnSpPr>
+            <a:cxnSpLocks/>
             <a:stCxn id="9" idx="2"/>
             <a:endCxn id="15" idx="0"/>
           </p:cNvCxnSpPr>
@@ -10994,8 +9968,8 @@
         </p:nvCxnSpPr>
         <p:spPr>
           <a:xfrm flipH="1">
-            <a:off x="3609970" y="3246612"/>
-            <a:ext cx="2" cy="243316"/>
+            <a:off x="5915019" y="4087072"/>
+            <a:ext cx="2" cy="398205"/>
           </a:xfrm>
           <a:prstGeom prst="straightConnector1">
             <a:avLst/>
@@ -11029,6 +10003,7 @@
             </a:extLst>
           </p:cNvPr>
           <p:cNvCxnSpPr>
+            <a:cxnSpLocks/>
             <a:stCxn id="15" idx="2"/>
             <a:endCxn id="16" idx="0"/>
           </p:cNvCxnSpPr>
@@ -11036,8 +10011,8 @@
         </p:nvCxnSpPr>
         <p:spPr>
           <a:xfrm>
-            <a:off x="3609970" y="3695909"/>
-            <a:ext cx="0" cy="191920"/>
+            <a:off x="5915019" y="4691258"/>
+            <a:ext cx="0" cy="446056"/>
           </a:xfrm>
           <a:prstGeom prst="straightConnector1">
             <a:avLst/>
@@ -11071,478 +10046,16 @@
             </a:extLst>
           </p:cNvPr>
           <p:cNvCxnSpPr>
+            <a:cxnSpLocks/>
             <a:stCxn id="16" idx="2"/>
-            <a:endCxn id="20" idx="0"/>
-          </p:cNvCxnSpPr>
-          <p:nvPr/>
-        </p:nvCxnSpPr>
-        <p:spPr>
-          <a:xfrm flipH="1">
-            <a:off x="3602832" y="4114047"/>
-            <a:ext cx="7138" cy="262031"/>
-          </a:xfrm>
-          <a:prstGeom prst="straightConnector1">
-            <a:avLst/>
-          </a:prstGeom>
-          <a:ln>
-            <a:tailEnd type="triangle"/>
-          </a:ln>
-        </p:spPr>
-        <p:style>
-          <a:lnRef idx="1">
-            <a:schemeClr val="accent1"/>
-          </a:lnRef>
-          <a:fillRef idx="0">
-            <a:schemeClr val="accent1"/>
-          </a:fillRef>
-          <a:effectRef idx="0">
-            <a:schemeClr val="accent1"/>
-          </a:effectRef>
-          <a:fontRef idx="minor">
-            <a:schemeClr val="tx1"/>
-          </a:fontRef>
-        </p:style>
-      </p:cxnSp>
-      <p:cxnSp>
-        <p:nvCxnSpPr>
-          <p:cNvPr id="81" name="Straight Arrow Connector 80">
-            <a:extLst>
-              <a:ext uri="{FF2B5EF4-FFF2-40B4-BE49-F238E27FC236}">
-                <a16:creationId xmlns:a16="http://schemas.microsoft.com/office/drawing/2014/main" id="{A23C4B3B-3742-61A5-FC93-72D8F30EA18E}"/>
-              </a:ext>
-            </a:extLst>
-          </p:cNvPr>
-          <p:cNvCxnSpPr>
-            <a:stCxn id="20" idx="2"/>
-            <a:endCxn id="24" idx="0"/>
-          </p:cNvCxnSpPr>
-          <p:nvPr/>
-        </p:nvCxnSpPr>
-        <p:spPr>
-          <a:xfrm flipH="1">
-            <a:off x="3595695" y="4602296"/>
-            <a:ext cx="7137" cy="274006"/>
-          </a:xfrm>
-          <a:prstGeom prst="straightConnector1">
-            <a:avLst/>
-          </a:prstGeom>
-          <a:ln>
-            <a:tailEnd type="triangle"/>
-          </a:ln>
-        </p:spPr>
-        <p:style>
-          <a:lnRef idx="1">
-            <a:schemeClr val="accent1"/>
-          </a:lnRef>
-          <a:fillRef idx="0">
-            <a:schemeClr val="accent1"/>
-          </a:fillRef>
-          <a:effectRef idx="0">
-            <a:schemeClr val="accent1"/>
-          </a:effectRef>
-          <a:fontRef idx="minor">
-            <a:schemeClr val="tx1"/>
-          </a:fontRef>
-        </p:style>
-      </p:cxnSp>
-      <p:cxnSp>
-        <p:nvCxnSpPr>
-          <p:cNvPr id="85" name="Straight Arrow Connector 84">
-            <a:extLst>
-              <a:ext uri="{FF2B5EF4-FFF2-40B4-BE49-F238E27FC236}">
-                <a16:creationId xmlns:a16="http://schemas.microsoft.com/office/drawing/2014/main" id="{35FE8BE6-D8CD-EBCA-CD5E-A3195D2C78FF}"/>
-              </a:ext>
-            </a:extLst>
-          </p:cNvPr>
-          <p:cNvCxnSpPr>
-            <a:stCxn id="24" idx="2"/>
-            <a:endCxn id="19" idx="0"/>
+            <a:endCxn id="18" idx="0"/>
           </p:cNvCxnSpPr>
           <p:nvPr/>
         </p:nvCxnSpPr>
         <p:spPr>
           <a:xfrm>
-            <a:off x="3595695" y="5876424"/>
-            <a:ext cx="14274" cy="367682"/>
-          </a:xfrm>
-          <a:prstGeom prst="straightConnector1">
-            <a:avLst/>
-          </a:prstGeom>
-          <a:ln>
-            <a:tailEnd type="triangle"/>
-          </a:ln>
-        </p:spPr>
-        <p:style>
-          <a:lnRef idx="1">
-            <a:schemeClr val="accent1"/>
-          </a:lnRef>
-          <a:fillRef idx="0">
-            <a:schemeClr val="accent1"/>
-          </a:fillRef>
-          <a:effectRef idx="0">
-            <a:schemeClr val="accent1"/>
-          </a:effectRef>
-          <a:fontRef idx="minor">
-            <a:schemeClr val="tx1"/>
-          </a:fontRef>
-        </p:style>
-      </p:cxnSp>
-      <p:cxnSp>
-        <p:nvCxnSpPr>
-          <p:cNvPr id="87" name="Straight Arrow Connector 86">
-            <a:extLst>
-              <a:ext uri="{FF2B5EF4-FFF2-40B4-BE49-F238E27FC236}">
-                <a16:creationId xmlns:a16="http://schemas.microsoft.com/office/drawing/2014/main" id="{ED24DC69-DFD3-13FF-C83A-FB3E5C7CF09D}"/>
-              </a:ext>
-            </a:extLst>
-          </p:cNvPr>
-          <p:cNvCxnSpPr>
-            <a:cxnSpLocks/>
-            <a:stCxn id="22" idx="2"/>
-            <a:endCxn id="21" idx="0"/>
-          </p:cNvCxnSpPr>
-          <p:nvPr/>
-        </p:nvCxnSpPr>
-        <p:spPr>
-          <a:xfrm>
-            <a:off x="9091611" y="676613"/>
-            <a:ext cx="0" cy="267286"/>
-          </a:xfrm>
-          <a:prstGeom prst="straightConnector1">
-            <a:avLst/>
-          </a:prstGeom>
-          <a:ln>
-            <a:tailEnd type="triangle"/>
-          </a:ln>
-        </p:spPr>
-        <p:style>
-          <a:lnRef idx="1">
-            <a:schemeClr val="accent1"/>
-          </a:lnRef>
-          <a:fillRef idx="0">
-            <a:schemeClr val="accent1"/>
-          </a:fillRef>
-          <a:effectRef idx="0">
-            <a:schemeClr val="accent1"/>
-          </a:effectRef>
-          <a:fontRef idx="minor">
-            <a:schemeClr val="tx1"/>
-          </a:fontRef>
-        </p:style>
-      </p:cxnSp>
-      <p:cxnSp>
-        <p:nvCxnSpPr>
-          <p:cNvPr id="89" name="Straight Arrow Connector 88">
-            <a:extLst>
-              <a:ext uri="{FF2B5EF4-FFF2-40B4-BE49-F238E27FC236}">
-                <a16:creationId xmlns:a16="http://schemas.microsoft.com/office/drawing/2014/main" id="{7C72DEFB-9A04-3064-AA2A-AB9D27453E6E}"/>
-              </a:ext>
-            </a:extLst>
-          </p:cNvPr>
-          <p:cNvCxnSpPr>
-            <a:cxnSpLocks/>
-            <a:stCxn id="21" idx="2"/>
-            <a:endCxn id="25" idx="0"/>
-          </p:cNvCxnSpPr>
-          <p:nvPr/>
-        </p:nvCxnSpPr>
-        <p:spPr>
-          <a:xfrm>
-            <a:off x="9091611" y="1188329"/>
-            <a:ext cx="0" cy="184869"/>
-          </a:xfrm>
-          <a:prstGeom prst="straightConnector1">
-            <a:avLst/>
-          </a:prstGeom>
-          <a:ln>
-            <a:tailEnd type="triangle"/>
-          </a:ln>
-        </p:spPr>
-        <p:style>
-          <a:lnRef idx="1">
-            <a:schemeClr val="accent1"/>
-          </a:lnRef>
-          <a:fillRef idx="0">
-            <a:schemeClr val="accent1"/>
-          </a:fillRef>
-          <a:effectRef idx="0">
-            <a:schemeClr val="accent1"/>
-          </a:effectRef>
-          <a:fontRef idx="minor">
-            <a:schemeClr val="tx1"/>
-          </a:fontRef>
-        </p:style>
-      </p:cxnSp>
-      <p:cxnSp>
-        <p:nvCxnSpPr>
-          <p:cNvPr id="91" name="Straight Arrow Connector 90">
-            <a:extLst>
-              <a:ext uri="{FF2B5EF4-FFF2-40B4-BE49-F238E27FC236}">
-                <a16:creationId xmlns:a16="http://schemas.microsoft.com/office/drawing/2014/main" id="{8ABC16AD-0F6E-0572-95DD-62CCD866CA65}"/>
-              </a:ext>
-            </a:extLst>
-          </p:cNvPr>
-          <p:cNvCxnSpPr>
-            <a:stCxn id="25" idx="2"/>
-            <a:endCxn id="23" idx="0"/>
-          </p:cNvCxnSpPr>
-          <p:nvPr/>
-        </p:nvCxnSpPr>
-        <p:spPr>
-          <a:xfrm flipH="1">
-            <a:off x="9085064" y="2775759"/>
-            <a:ext cx="6547" cy="358649"/>
-          </a:xfrm>
-          <a:prstGeom prst="straightConnector1">
-            <a:avLst/>
-          </a:prstGeom>
-          <a:ln>
-            <a:tailEnd type="triangle"/>
-          </a:ln>
-        </p:spPr>
-        <p:style>
-          <a:lnRef idx="1">
-            <a:schemeClr val="accent1"/>
-          </a:lnRef>
-          <a:fillRef idx="0">
-            <a:schemeClr val="accent1"/>
-          </a:fillRef>
-          <a:effectRef idx="0">
-            <a:schemeClr val="accent1"/>
-          </a:effectRef>
-          <a:fontRef idx="minor">
-            <a:schemeClr val="tx1"/>
-          </a:fontRef>
-        </p:style>
-      </p:cxnSp>
-      <p:cxnSp>
-        <p:nvCxnSpPr>
-          <p:cNvPr id="93" name="Straight Arrow Connector 92">
-            <a:extLst>
-              <a:ext uri="{FF2B5EF4-FFF2-40B4-BE49-F238E27FC236}">
-                <a16:creationId xmlns:a16="http://schemas.microsoft.com/office/drawing/2014/main" id="{CFADF009-376E-43AA-DD3E-7C3D29E82CA0}"/>
-              </a:ext>
-            </a:extLst>
-          </p:cNvPr>
-          <p:cNvCxnSpPr>
-            <a:stCxn id="23" idx="2"/>
-            <a:endCxn id="27" idx="0"/>
-          </p:cNvCxnSpPr>
-          <p:nvPr/>
-        </p:nvCxnSpPr>
-        <p:spPr>
-          <a:xfrm>
-            <a:off x="9085064" y="3352301"/>
-            <a:ext cx="6547" cy="231474"/>
-          </a:xfrm>
-          <a:prstGeom prst="straightConnector1">
-            <a:avLst/>
-          </a:prstGeom>
-          <a:ln>
-            <a:tailEnd type="triangle"/>
-          </a:ln>
-        </p:spPr>
-        <p:style>
-          <a:lnRef idx="1">
-            <a:schemeClr val="accent1"/>
-          </a:lnRef>
-          <a:fillRef idx="0">
-            <a:schemeClr val="accent1"/>
-          </a:fillRef>
-          <a:effectRef idx="0">
-            <a:schemeClr val="accent1"/>
-          </a:effectRef>
-          <a:fontRef idx="minor">
-            <a:schemeClr val="tx1"/>
-          </a:fontRef>
-        </p:style>
-      </p:cxnSp>
-      <p:cxnSp>
-        <p:nvCxnSpPr>
-          <p:cNvPr id="95" name="Straight Arrow Connector 94">
-            <a:extLst>
-              <a:ext uri="{FF2B5EF4-FFF2-40B4-BE49-F238E27FC236}">
-                <a16:creationId xmlns:a16="http://schemas.microsoft.com/office/drawing/2014/main" id="{3CC58BEC-9053-2183-DE4E-00B8C52ED4DD}"/>
-              </a:ext>
-            </a:extLst>
-          </p:cNvPr>
-          <p:cNvCxnSpPr>
-            <a:stCxn id="27" idx="2"/>
-            <a:endCxn id="28" idx="0"/>
-          </p:cNvCxnSpPr>
-          <p:nvPr/>
-        </p:nvCxnSpPr>
-        <p:spPr>
-          <a:xfrm flipH="1">
-            <a:off x="9085065" y="3965963"/>
-            <a:ext cx="6546" cy="325730"/>
-          </a:xfrm>
-          <a:prstGeom prst="straightConnector1">
-            <a:avLst/>
-          </a:prstGeom>
-          <a:ln>
-            <a:tailEnd type="triangle"/>
-          </a:ln>
-        </p:spPr>
-        <p:style>
-          <a:lnRef idx="1">
-            <a:schemeClr val="accent1"/>
-          </a:lnRef>
-          <a:fillRef idx="0">
-            <a:schemeClr val="accent1"/>
-          </a:fillRef>
-          <a:effectRef idx="0">
-            <a:schemeClr val="accent1"/>
-          </a:effectRef>
-          <a:fontRef idx="minor">
-            <a:schemeClr val="tx1"/>
-          </a:fontRef>
-        </p:style>
-      </p:cxnSp>
-      <p:cxnSp>
-        <p:nvCxnSpPr>
-          <p:cNvPr id="97" name="Straight Arrow Connector 96">
-            <a:extLst>
-              <a:ext uri="{FF2B5EF4-FFF2-40B4-BE49-F238E27FC236}">
-                <a16:creationId xmlns:a16="http://schemas.microsoft.com/office/drawing/2014/main" id="{AF406946-0110-90A2-2443-067904E90410}"/>
-              </a:ext>
-            </a:extLst>
-          </p:cNvPr>
-          <p:cNvCxnSpPr>
-            <a:stCxn id="28" idx="2"/>
-            <a:endCxn id="29" idx="0"/>
-          </p:cNvCxnSpPr>
-          <p:nvPr/>
-        </p:nvCxnSpPr>
-        <p:spPr>
-          <a:xfrm>
-            <a:off x="9085065" y="4629855"/>
-            <a:ext cx="6546" cy="359703"/>
-          </a:xfrm>
-          <a:prstGeom prst="straightConnector1">
-            <a:avLst/>
-          </a:prstGeom>
-          <a:ln>
-            <a:tailEnd type="triangle"/>
-          </a:ln>
-        </p:spPr>
-        <p:style>
-          <a:lnRef idx="1">
-            <a:schemeClr val="accent1"/>
-          </a:lnRef>
-          <a:fillRef idx="0">
-            <a:schemeClr val="accent1"/>
-          </a:fillRef>
-          <a:effectRef idx="0">
-            <a:schemeClr val="accent1"/>
-          </a:effectRef>
-          <a:fontRef idx="minor">
-            <a:schemeClr val="tx1"/>
-          </a:fontRef>
-        </p:style>
-      </p:cxnSp>
-      <p:cxnSp>
-        <p:nvCxnSpPr>
-          <p:cNvPr id="99" name="Straight Arrow Connector 98">
-            <a:extLst>
-              <a:ext uri="{FF2B5EF4-FFF2-40B4-BE49-F238E27FC236}">
-                <a16:creationId xmlns:a16="http://schemas.microsoft.com/office/drawing/2014/main" id="{3BFDFBF2-D80B-6521-52E7-9249D7BC58A1}"/>
-              </a:ext>
-            </a:extLst>
-          </p:cNvPr>
-          <p:cNvCxnSpPr>
-            <a:stCxn id="29" idx="2"/>
-            <a:endCxn id="30" idx="0"/>
-          </p:cNvCxnSpPr>
-          <p:nvPr/>
-        </p:nvCxnSpPr>
-        <p:spPr>
-          <a:xfrm>
-            <a:off x="9091611" y="5208622"/>
-            <a:ext cx="0" cy="335483"/>
-          </a:xfrm>
-          <a:prstGeom prst="straightConnector1">
-            <a:avLst/>
-          </a:prstGeom>
-          <a:ln>
-            <a:tailEnd type="triangle"/>
-          </a:ln>
-        </p:spPr>
-        <p:style>
-          <a:lnRef idx="1">
-            <a:schemeClr val="accent1"/>
-          </a:lnRef>
-          <a:fillRef idx="0">
-            <a:schemeClr val="accent1"/>
-          </a:fillRef>
-          <a:effectRef idx="0">
-            <a:schemeClr val="accent1"/>
-          </a:effectRef>
-          <a:fontRef idx="minor">
-            <a:schemeClr val="tx1"/>
-          </a:fontRef>
-        </p:style>
-      </p:cxnSp>
-      <p:cxnSp>
-        <p:nvCxnSpPr>
-          <p:cNvPr id="101" name="Straight Arrow Connector 100">
-            <a:extLst>
-              <a:ext uri="{FF2B5EF4-FFF2-40B4-BE49-F238E27FC236}">
-                <a16:creationId xmlns:a16="http://schemas.microsoft.com/office/drawing/2014/main" id="{C318F692-4DC5-ACE0-5981-D17E1EED813D}"/>
-              </a:ext>
-            </a:extLst>
-          </p:cNvPr>
-          <p:cNvCxnSpPr>
-            <a:stCxn id="19" idx="2"/>
-          </p:cNvCxnSpPr>
-          <p:nvPr/>
-        </p:nvCxnSpPr>
-        <p:spPr>
-          <a:xfrm>
-            <a:off x="3609969" y="6470324"/>
-            <a:ext cx="7153" cy="782240"/>
-          </a:xfrm>
-          <a:prstGeom prst="straightConnector1">
-            <a:avLst/>
-          </a:prstGeom>
-          <a:ln>
-            <a:tailEnd type="triangle"/>
-          </a:ln>
-        </p:spPr>
-        <p:style>
-          <a:lnRef idx="1">
-            <a:schemeClr val="accent1"/>
-          </a:lnRef>
-          <a:fillRef idx="0">
-            <a:schemeClr val="accent1"/>
-          </a:fillRef>
-          <a:effectRef idx="0">
-            <a:schemeClr val="accent1"/>
-          </a:effectRef>
-          <a:fontRef idx="minor">
-            <a:schemeClr val="tx1"/>
-          </a:fontRef>
-        </p:style>
-      </p:cxnSp>
-      <p:cxnSp>
-        <p:nvCxnSpPr>
-          <p:cNvPr id="103" name="Straight Arrow Connector 102">
-            <a:extLst>
-              <a:ext uri="{FF2B5EF4-FFF2-40B4-BE49-F238E27FC236}">
-                <a16:creationId xmlns:a16="http://schemas.microsoft.com/office/drawing/2014/main" id="{1B02598D-38B5-936C-CC86-07699DC806B6}"/>
-              </a:ext>
-            </a:extLst>
-          </p:cNvPr>
-          <p:cNvCxnSpPr>
-            <a:cxnSpLocks/>
-            <a:endCxn id="22" idx="0"/>
-          </p:cNvCxnSpPr>
-          <p:nvPr/>
-        </p:nvCxnSpPr>
-        <p:spPr>
-          <a:xfrm>
-            <a:off x="9091611" y="125"/>
-            <a:ext cx="0" cy="409787"/>
+            <a:off x="5915019" y="5363532"/>
+            <a:ext cx="4762" cy="455025"/>
           </a:xfrm>
           <a:prstGeom prst="straightConnector1">
             <a:avLst/>
@@ -11568,146 +10081,6 @@
       </p:cxnSp>
       <p:sp>
         <p:nvSpPr>
-          <p:cNvPr id="121" name="TextBox 120">
-            <a:extLst>
-              <a:ext uri="{FF2B5EF4-FFF2-40B4-BE49-F238E27FC236}">
-                <a16:creationId xmlns:a16="http://schemas.microsoft.com/office/drawing/2014/main" id="{A1CC51E7-EDA2-ABEB-3C67-C4F86620C5FD}"/>
-              </a:ext>
-            </a:extLst>
-          </p:cNvPr>
-          <p:cNvSpPr txBox="1"/>
-          <p:nvPr/>
-        </p:nvSpPr>
-        <p:spPr>
-          <a:xfrm>
-            <a:off x="5148262" y="4941766"/>
-            <a:ext cx="1150143" cy="369332"/>
-          </a:xfrm>
-          <a:prstGeom prst="rect">
-            <a:avLst/>
-          </a:prstGeom>
-          <a:noFill/>
-        </p:spPr>
-        <p:txBody>
-          <a:bodyPr wrap="square" rtlCol="0">
-            <a:spAutoFit/>
-          </a:bodyPr>
-          <a:lstStyle/>
-          <a:p>
-            <a:r>
-              <a:rPr lang="en-IN" dirty="0"/>
-              <a:t>NO</a:t>
-            </a:r>
-          </a:p>
-        </p:txBody>
-      </p:sp>
-      <p:sp>
-        <p:nvSpPr>
-          <p:cNvPr id="122" name="TextBox 121">
-            <a:extLst>
-              <a:ext uri="{FF2B5EF4-FFF2-40B4-BE49-F238E27FC236}">
-                <a16:creationId xmlns:a16="http://schemas.microsoft.com/office/drawing/2014/main" id="{F2615A07-55B3-85A0-1D4B-F403A553E0BE}"/>
-              </a:ext>
-            </a:extLst>
-          </p:cNvPr>
-          <p:cNvSpPr txBox="1"/>
-          <p:nvPr/>
-        </p:nvSpPr>
-        <p:spPr>
-          <a:xfrm>
-            <a:off x="10584662" y="1760582"/>
-            <a:ext cx="1040605" cy="369332"/>
-          </a:xfrm>
-          <a:prstGeom prst="rect">
-            <a:avLst/>
-          </a:prstGeom>
-          <a:noFill/>
-        </p:spPr>
-        <p:txBody>
-          <a:bodyPr wrap="square" rtlCol="0">
-            <a:spAutoFit/>
-          </a:bodyPr>
-          <a:lstStyle/>
-          <a:p>
-            <a:r>
-              <a:rPr lang="en-IN" dirty="0"/>
-              <a:t>NO</a:t>
-            </a:r>
-          </a:p>
-        </p:txBody>
-      </p:sp>
-      <p:sp>
-        <p:nvSpPr>
-          <p:cNvPr id="123" name="TextBox 122">
-            <a:extLst>
-              <a:ext uri="{FF2B5EF4-FFF2-40B4-BE49-F238E27FC236}">
-                <a16:creationId xmlns:a16="http://schemas.microsoft.com/office/drawing/2014/main" id="{BA19A0D3-E078-6DB9-C16A-9CCFA97B15A2}"/>
-              </a:ext>
-            </a:extLst>
-          </p:cNvPr>
-          <p:cNvSpPr txBox="1"/>
-          <p:nvPr/>
-        </p:nvSpPr>
-        <p:spPr>
-          <a:xfrm>
-            <a:off x="3586164" y="5852160"/>
-            <a:ext cx="951290" cy="369332"/>
-          </a:xfrm>
-          <a:prstGeom prst="rect">
-            <a:avLst/>
-          </a:prstGeom>
-          <a:noFill/>
-        </p:spPr>
-        <p:txBody>
-          <a:bodyPr wrap="square" rtlCol="0">
-            <a:spAutoFit/>
-          </a:bodyPr>
-          <a:lstStyle/>
-          <a:p>
-            <a:r>
-              <a:rPr lang="en-IN" dirty="0"/>
-              <a:t>YES</a:t>
-            </a:r>
-          </a:p>
-        </p:txBody>
-      </p:sp>
-      <p:sp>
-        <p:nvSpPr>
-          <p:cNvPr id="127" name="TextBox 126">
-            <a:extLst>
-              <a:ext uri="{FF2B5EF4-FFF2-40B4-BE49-F238E27FC236}">
-                <a16:creationId xmlns:a16="http://schemas.microsoft.com/office/drawing/2014/main" id="{4356F790-BB2F-BCC4-9DB7-62F84F7E6CED}"/>
-              </a:ext>
-            </a:extLst>
-          </p:cNvPr>
-          <p:cNvSpPr txBox="1"/>
-          <p:nvPr/>
-        </p:nvSpPr>
-        <p:spPr>
-          <a:xfrm>
-            <a:off x="9055889" y="2770417"/>
-            <a:ext cx="590541" cy="369332"/>
-          </a:xfrm>
-          <a:prstGeom prst="rect">
-            <a:avLst/>
-          </a:prstGeom>
-          <a:noFill/>
-        </p:spPr>
-        <p:txBody>
-          <a:bodyPr wrap="square" rtlCol="0">
-            <a:spAutoFit/>
-          </a:bodyPr>
-          <a:lstStyle/>
-          <a:p>
-            <a:r>
-              <a:rPr lang="en-IN" dirty="0"/>
-              <a:t>YES</a:t>
-            </a:r>
-          </a:p>
-        </p:txBody>
-      </p:sp>
-      <p:sp>
-        <p:nvSpPr>
           <p:cNvPr id="133" name="TextBox 132">
             <a:extLst>
               <a:ext uri="{FF2B5EF4-FFF2-40B4-BE49-F238E27FC236}">
@@ -11720,7 +10093,7 @@
         </p:nvSpPr>
         <p:spPr>
           <a:xfrm>
-            <a:off x="516727" y="203010"/>
+            <a:off x="2105449" y="471235"/>
             <a:ext cx="1579278" cy="369332"/>
           </a:xfrm>
           <a:prstGeom prst="rect">
@@ -11745,6 +10118,142 @@
           </a:p>
         </p:txBody>
       </p:sp>
+      <p:sp>
+        <p:nvSpPr>
+          <p:cNvPr id="18" name="Oval 17">
+            <a:extLst>
+              <a:ext uri="{FF2B5EF4-FFF2-40B4-BE49-F238E27FC236}">
+                <a16:creationId xmlns:a16="http://schemas.microsoft.com/office/drawing/2014/main" id="{9F97AD08-7A2F-FF8B-BD62-95C991564439}"/>
+              </a:ext>
+            </a:extLst>
+          </p:cNvPr>
+          <p:cNvSpPr/>
+          <p:nvPr/>
+        </p:nvSpPr>
+        <p:spPr>
+          <a:xfrm>
+            <a:off x="5138731" y="5818557"/>
+            <a:ext cx="1562100" cy="428625"/>
+          </a:xfrm>
+          <a:prstGeom prst="ellipse">
+            <a:avLst/>
+          </a:prstGeom>
+        </p:spPr>
+        <p:style>
+          <a:lnRef idx="2">
+            <a:schemeClr val="accent1">
+              <a:shade val="50000"/>
+            </a:schemeClr>
+          </a:lnRef>
+          <a:fillRef idx="1">
+            <a:schemeClr val="accent1"/>
+          </a:fillRef>
+          <a:effectRef idx="0">
+            <a:schemeClr val="accent1"/>
+          </a:effectRef>
+          <a:fontRef idx="minor">
+            <a:schemeClr val="lt1"/>
+          </a:fontRef>
+        </p:style>
+        <p:txBody>
+          <a:bodyPr rtlCol="0" anchor="ctr"/>
+          <a:lstStyle/>
+          <a:p>
+            <a:pPr algn="ctr"/>
+            <a:r>
+              <a:rPr lang="en-IN" dirty="0"/>
+              <a:t>END</a:t>
+            </a:r>
+          </a:p>
+        </p:txBody>
+      </p:sp>
+      <p:cxnSp>
+        <p:nvCxnSpPr>
+          <p:cNvPr id="40" name="Connector: Elbow 39">
+            <a:extLst>
+              <a:ext uri="{FF2B5EF4-FFF2-40B4-BE49-F238E27FC236}">
+                <a16:creationId xmlns:a16="http://schemas.microsoft.com/office/drawing/2014/main" id="{81159BC6-8932-8BE6-A88E-CBEE5EC05E22}"/>
+              </a:ext>
+            </a:extLst>
+          </p:cNvPr>
+          <p:cNvCxnSpPr>
+            <a:cxnSpLocks/>
+          </p:cNvCxnSpPr>
+          <p:nvPr/>
+        </p:nvCxnSpPr>
+        <p:spPr>
+          <a:xfrm rot="16200000" flipH="1">
+            <a:off x="3846741" y="1663072"/>
+            <a:ext cx="769484" cy="728671"/>
+          </a:xfrm>
+          <a:prstGeom prst="bentConnector3">
+            <a:avLst>
+              <a:gd name="adj1" fmla="val 50000"/>
+            </a:avLst>
+          </a:prstGeom>
+          <a:ln>
+            <a:tailEnd type="triangle"/>
+          </a:ln>
+        </p:spPr>
+        <p:style>
+          <a:lnRef idx="1">
+            <a:schemeClr val="accent1"/>
+          </a:lnRef>
+          <a:fillRef idx="0">
+            <a:schemeClr val="accent1"/>
+          </a:fillRef>
+          <a:effectRef idx="0">
+            <a:schemeClr val="accent1"/>
+          </a:effectRef>
+          <a:fontRef idx="minor">
+            <a:schemeClr val="tx1"/>
+          </a:fontRef>
+        </p:style>
+      </p:cxnSp>
+      <p:cxnSp>
+        <p:nvCxnSpPr>
+          <p:cNvPr id="43" name="Connector: Elbow 42">
+            <a:extLst>
+              <a:ext uri="{FF2B5EF4-FFF2-40B4-BE49-F238E27FC236}">
+                <a16:creationId xmlns:a16="http://schemas.microsoft.com/office/drawing/2014/main" id="{82F40190-7268-ACBB-FE71-62271EBD67B5}"/>
+              </a:ext>
+            </a:extLst>
+          </p:cNvPr>
+          <p:cNvCxnSpPr>
+            <a:cxnSpLocks/>
+            <a:stCxn id="6" idx="2"/>
+          </p:cNvCxnSpPr>
+          <p:nvPr/>
+        </p:nvCxnSpPr>
+        <p:spPr>
+          <a:xfrm rot="5400000">
+            <a:off x="7490206" y="1738539"/>
+            <a:ext cx="704872" cy="592929"/>
+          </a:xfrm>
+          <a:prstGeom prst="bentConnector3">
+            <a:avLst>
+              <a:gd name="adj1" fmla="val 50000"/>
+            </a:avLst>
+          </a:prstGeom>
+          <a:ln>
+            <a:tailEnd type="triangle"/>
+          </a:ln>
+        </p:spPr>
+        <p:style>
+          <a:lnRef idx="1">
+            <a:schemeClr val="accent1"/>
+          </a:lnRef>
+          <a:fillRef idx="0">
+            <a:schemeClr val="accent1"/>
+          </a:fillRef>
+          <a:effectRef idx="0">
+            <a:schemeClr val="accent1"/>
+          </a:effectRef>
+          <a:fontRef idx="minor">
+            <a:schemeClr val="tx1"/>
+          </a:fontRef>
+        </p:style>
+      </p:cxnSp>
     </p:spTree>
     <p:extLst>
       <p:ext uri="{BB962C8B-B14F-4D97-AF65-F5344CB8AC3E}">
@@ -13552,6 +12061,723 @@
           <p:cNvPr id="3" name="Content Placeholder 2">
             <a:extLst>
               <a:ext uri="{FF2B5EF4-FFF2-40B4-BE49-F238E27FC236}">
+                <a16:creationId xmlns:a16="http://schemas.microsoft.com/office/drawing/2014/main" id="{CA4E50BD-24EE-8CEF-CDAD-0FE54AC5FC05}"/>
+              </a:ext>
+            </a:extLst>
+          </p:cNvPr>
+          <p:cNvSpPr>
+            <a:spLocks noGrp="1"/>
+          </p:cNvSpPr>
+          <p:nvPr>
+            <p:ph idx="1"/>
+          </p:nvPr>
+        </p:nvSpPr>
+        <p:spPr>
+          <a:xfrm>
+            <a:off x="2543175" y="949639"/>
+            <a:ext cx="9780587" cy="4958722"/>
+          </a:xfrm>
+        </p:spPr>
+        <p:txBody>
+          <a:bodyPr/>
+          <a:lstStyle/>
+          <a:p>
+            <a:pPr marL="0" indent="0">
+              <a:buNone/>
+            </a:pPr>
+            <a:r>
+              <a:rPr lang="en-IN" b="1" dirty="0">
+                <a:solidFill>
+                  <a:srgbClr val="FF0000"/>
+                </a:solidFill>
+                <a:latin typeface="Times New Roman" panose="02020603050405020304" pitchFamily="18" charset="0"/>
+                <a:cs typeface="Times New Roman" panose="02020603050405020304" pitchFamily="18" charset="0"/>
+              </a:rPr>
+              <a:t>Proposed Methodology</a:t>
+            </a:r>
+          </a:p>
+          <a:p>
+            <a:r>
+              <a:rPr lang="en-US" sz="1800" dirty="0">
+                <a:effectLst/>
+                <a:latin typeface="Times New Roman" panose="02020603050405020304" pitchFamily="18" charset="0"/>
+                <a:ea typeface="Times New Roman" panose="02020603050405020304" pitchFamily="18" charset="0"/>
+              </a:rPr>
+              <a:t>We aim to bring real time Opportunity cost is the profit lost when one alternative is selected</a:t>
+            </a:r>
+            <a:r>
+              <a:rPr lang="en-US" sz="1800" spc="5" dirty="0">
+                <a:effectLst/>
+                <a:latin typeface="Times New Roman" panose="02020603050405020304" pitchFamily="18" charset="0"/>
+                <a:ea typeface="Times New Roman" panose="02020603050405020304" pitchFamily="18" charset="0"/>
+              </a:rPr>
+              <a:t> </a:t>
+            </a:r>
+            <a:r>
+              <a:rPr lang="en-US" sz="1800" dirty="0">
+                <a:effectLst/>
+                <a:latin typeface="Times New Roman" panose="02020603050405020304" pitchFamily="18" charset="0"/>
+                <a:ea typeface="Times New Roman" panose="02020603050405020304" pitchFamily="18" charset="0"/>
+              </a:rPr>
+              <a:t>over</a:t>
+            </a:r>
+            <a:r>
+              <a:rPr lang="en-US" sz="1800" spc="-65" dirty="0">
+                <a:effectLst/>
+                <a:latin typeface="Times New Roman" panose="02020603050405020304" pitchFamily="18" charset="0"/>
+                <a:ea typeface="Times New Roman" panose="02020603050405020304" pitchFamily="18" charset="0"/>
+              </a:rPr>
+              <a:t> </a:t>
+            </a:r>
+            <a:r>
+              <a:rPr lang="en-US" sz="1800" dirty="0">
+                <a:effectLst/>
+                <a:latin typeface="Times New Roman" panose="02020603050405020304" pitchFamily="18" charset="0"/>
+                <a:ea typeface="Times New Roman" panose="02020603050405020304" pitchFamily="18" charset="0"/>
+              </a:rPr>
+              <a:t>another.</a:t>
+            </a:r>
+            <a:r>
+              <a:rPr lang="en-US" sz="1800" spc="-55" dirty="0">
+                <a:effectLst/>
+                <a:latin typeface="Times New Roman" panose="02020603050405020304" pitchFamily="18" charset="0"/>
+                <a:ea typeface="Times New Roman" panose="02020603050405020304" pitchFamily="18" charset="0"/>
+              </a:rPr>
+              <a:t> </a:t>
+            </a:r>
+            <a:r>
+              <a:rPr lang="en-US" sz="1800" dirty="0">
+                <a:effectLst/>
+                <a:latin typeface="Times New Roman" panose="02020603050405020304" pitchFamily="18" charset="0"/>
+                <a:ea typeface="Times New Roman" panose="02020603050405020304" pitchFamily="18" charset="0"/>
+              </a:rPr>
+              <a:t>The</a:t>
+            </a:r>
+            <a:r>
+              <a:rPr lang="en-US" sz="1800" spc="-60" dirty="0">
+                <a:effectLst/>
+                <a:latin typeface="Times New Roman" panose="02020603050405020304" pitchFamily="18" charset="0"/>
+                <a:ea typeface="Times New Roman" panose="02020603050405020304" pitchFamily="18" charset="0"/>
+              </a:rPr>
+              <a:t> </a:t>
+            </a:r>
+            <a:r>
+              <a:rPr lang="en-US" sz="1800" dirty="0">
+                <a:effectLst/>
+                <a:latin typeface="Times New Roman" panose="02020603050405020304" pitchFamily="18" charset="0"/>
+                <a:ea typeface="Times New Roman" panose="02020603050405020304" pitchFamily="18" charset="0"/>
+              </a:rPr>
+              <a:t>concept</a:t>
+            </a:r>
+            <a:r>
+              <a:rPr lang="en-US" sz="1800" spc="-55" dirty="0">
+                <a:effectLst/>
+                <a:latin typeface="Times New Roman" panose="02020603050405020304" pitchFamily="18" charset="0"/>
+                <a:ea typeface="Times New Roman" panose="02020603050405020304" pitchFamily="18" charset="0"/>
+              </a:rPr>
+              <a:t> </a:t>
+            </a:r>
+            <a:r>
+              <a:rPr lang="en-US" sz="1800" dirty="0">
+                <a:effectLst/>
+                <a:latin typeface="Times New Roman" panose="02020603050405020304" pitchFamily="18" charset="0"/>
+                <a:ea typeface="Times New Roman" panose="02020603050405020304" pitchFamily="18" charset="0"/>
+              </a:rPr>
+              <a:t>is</a:t>
+            </a:r>
+            <a:r>
+              <a:rPr lang="en-US" sz="1800" spc="-50" dirty="0">
+                <a:effectLst/>
+                <a:latin typeface="Times New Roman" panose="02020603050405020304" pitchFamily="18" charset="0"/>
+                <a:ea typeface="Times New Roman" panose="02020603050405020304" pitchFamily="18" charset="0"/>
+              </a:rPr>
+              <a:t> </a:t>
+            </a:r>
+            <a:r>
+              <a:rPr lang="en-US" sz="1800" dirty="0">
+                <a:effectLst/>
+                <a:latin typeface="Times New Roman" panose="02020603050405020304" pitchFamily="18" charset="0"/>
+                <a:ea typeface="Times New Roman" panose="02020603050405020304" pitchFamily="18" charset="0"/>
+              </a:rPr>
+              <a:t>useful</a:t>
+            </a:r>
+            <a:r>
+              <a:rPr lang="en-US" sz="1800" spc="-55" dirty="0">
+                <a:effectLst/>
+                <a:latin typeface="Times New Roman" panose="02020603050405020304" pitchFamily="18" charset="0"/>
+                <a:ea typeface="Times New Roman" panose="02020603050405020304" pitchFamily="18" charset="0"/>
+              </a:rPr>
+              <a:t> </a:t>
+            </a:r>
+            <a:r>
+              <a:rPr lang="en-US" sz="1800" dirty="0">
+                <a:effectLst/>
+                <a:latin typeface="Times New Roman" panose="02020603050405020304" pitchFamily="18" charset="0"/>
+                <a:ea typeface="Times New Roman" panose="02020603050405020304" pitchFamily="18" charset="0"/>
+              </a:rPr>
+              <a:t>simply</a:t>
+            </a:r>
+            <a:r>
+              <a:rPr lang="en-US" sz="1800" spc="-55" dirty="0">
+                <a:effectLst/>
+                <a:latin typeface="Times New Roman" panose="02020603050405020304" pitchFamily="18" charset="0"/>
+                <a:ea typeface="Times New Roman" panose="02020603050405020304" pitchFamily="18" charset="0"/>
+              </a:rPr>
+              <a:t> </a:t>
+            </a:r>
+            <a:r>
+              <a:rPr lang="en-US" sz="1800" dirty="0">
+                <a:effectLst/>
+                <a:latin typeface="Times New Roman" panose="02020603050405020304" pitchFamily="18" charset="0"/>
+                <a:ea typeface="Times New Roman" panose="02020603050405020304" pitchFamily="18" charset="0"/>
+              </a:rPr>
+              <a:t>as</a:t>
+            </a:r>
+            <a:r>
+              <a:rPr lang="en-US" sz="1800" spc="-55" dirty="0">
+                <a:effectLst/>
+                <a:latin typeface="Times New Roman" panose="02020603050405020304" pitchFamily="18" charset="0"/>
+                <a:ea typeface="Times New Roman" panose="02020603050405020304" pitchFamily="18" charset="0"/>
+              </a:rPr>
+              <a:t> </a:t>
+            </a:r>
+            <a:r>
+              <a:rPr lang="en-US" sz="1800" dirty="0">
+                <a:effectLst/>
+                <a:latin typeface="Times New Roman" panose="02020603050405020304" pitchFamily="18" charset="0"/>
+                <a:ea typeface="Times New Roman" panose="02020603050405020304" pitchFamily="18" charset="0"/>
+              </a:rPr>
+              <a:t>a</a:t>
+            </a:r>
+            <a:r>
+              <a:rPr lang="en-US" sz="1800" spc="-60" dirty="0">
+                <a:effectLst/>
+                <a:latin typeface="Times New Roman" panose="02020603050405020304" pitchFamily="18" charset="0"/>
+                <a:ea typeface="Times New Roman" panose="02020603050405020304" pitchFamily="18" charset="0"/>
+              </a:rPr>
+              <a:t> </a:t>
+            </a:r>
+            <a:r>
+              <a:rPr lang="en-US" sz="1800" dirty="0">
+                <a:effectLst/>
+                <a:latin typeface="Times New Roman" panose="02020603050405020304" pitchFamily="18" charset="0"/>
+                <a:ea typeface="Times New Roman" panose="02020603050405020304" pitchFamily="18" charset="0"/>
+              </a:rPr>
+              <a:t>reminder</a:t>
+            </a:r>
+            <a:r>
+              <a:rPr lang="en-US" sz="1800" spc="-60" dirty="0">
+                <a:effectLst/>
+                <a:latin typeface="Times New Roman" panose="02020603050405020304" pitchFamily="18" charset="0"/>
+                <a:ea typeface="Times New Roman" panose="02020603050405020304" pitchFamily="18" charset="0"/>
+              </a:rPr>
+              <a:t> </a:t>
+            </a:r>
+            <a:r>
+              <a:rPr lang="en-US" sz="1800" dirty="0">
+                <a:effectLst/>
+                <a:latin typeface="Times New Roman" panose="02020603050405020304" pitchFamily="18" charset="0"/>
+                <a:ea typeface="Times New Roman" panose="02020603050405020304" pitchFamily="18" charset="0"/>
+              </a:rPr>
+              <a:t>to</a:t>
+            </a:r>
+            <a:r>
+              <a:rPr lang="en-US" sz="1800" spc="-55" dirty="0">
+                <a:effectLst/>
+                <a:latin typeface="Times New Roman" panose="02020603050405020304" pitchFamily="18" charset="0"/>
+                <a:ea typeface="Times New Roman" panose="02020603050405020304" pitchFamily="18" charset="0"/>
+              </a:rPr>
+              <a:t> </a:t>
+            </a:r>
+            <a:r>
+              <a:rPr lang="en-US" sz="1800" dirty="0">
+                <a:effectLst/>
+                <a:latin typeface="Times New Roman" panose="02020603050405020304" pitchFamily="18" charset="0"/>
+                <a:ea typeface="Times New Roman" panose="02020603050405020304" pitchFamily="18" charset="0"/>
+              </a:rPr>
+              <a:t>examine</a:t>
+            </a:r>
+            <a:r>
+              <a:rPr lang="en-US" sz="1800" spc="-60" dirty="0">
+                <a:effectLst/>
+                <a:latin typeface="Times New Roman" panose="02020603050405020304" pitchFamily="18" charset="0"/>
+                <a:ea typeface="Times New Roman" panose="02020603050405020304" pitchFamily="18" charset="0"/>
+              </a:rPr>
+              <a:t> </a:t>
+            </a:r>
+            <a:r>
+              <a:rPr lang="en-US" sz="1800" dirty="0">
+                <a:effectLst/>
+                <a:latin typeface="Times New Roman" panose="02020603050405020304" pitchFamily="18" charset="0"/>
+                <a:ea typeface="Times New Roman" panose="02020603050405020304" pitchFamily="18" charset="0"/>
+              </a:rPr>
+              <a:t>all</a:t>
+            </a:r>
+            <a:r>
+              <a:rPr lang="en-US" sz="1800" spc="-50" dirty="0">
+                <a:effectLst/>
+                <a:latin typeface="Times New Roman" panose="02020603050405020304" pitchFamily="18" charset="0"/>
+                <a:ea typeface="Times New Roman" panose="02020603050405020304" pitchFamily="18" charset="0"/>
+              </a:rPr>
+              <a:t> </a:t>
+            </a:r>
+            <a:r>
+              <a:rPr lang="en-US" sz="1800" dirty="0">
+                <a:effectLst/>
+                <a:latin typeface="Times New Roman" panose="02020603050405020304" pitchFamily="18" charset="0"/>
+                <a:ea typeface="Times New Roman" panose="02020603050405020304" pitchFamily="18" charset="0"/>
+              </a:rPr>
+              <a:t>reasonable</a:t>
+            </a:r>
+            <a:r>
+              <a:rPr lang="en-US" sz="1800" spc="-60" dirty="0">
+                <a:effectLst/>
+                <a:latin typeface="Times New Roman" panose="02020603050405020304" pitchFamily="18" charset="0"/>
+                <a:ea typeface="Times New Roman" panose="02020603050405020304" pitchFamily="18" charset="0"/>
+              </a:rPr>
+              <a:t> </a:t>
+            </a:r>
+            <a:r>
+              <a:rPr lang="en-US" sz="1800" dirty="0">
+                <a:effectLst/>
+                <a:latin typeface="Times New Roman" panose="02020603050405020304" pitchFamily="18" charset="0"/>
+                <a:ea typeface="Times New Roman" panose="02020603050405020304" pitchFamily="18" charset="0"/>
+              </a:rPr>
+              <a:t>alternatives</a:t>
+            </a:r>
+            <a:r>
+              <a:rPr lang="en-US" sz="1800" spc="-55" dirty="0">
+                <a:effectLst/>
+                <a:latin typeface="Times New Roman" panose="02020603050405020304" pitchFamily="18" charset="0"/>
+                <a:ea typeface="Times New Roman" panose="02020603050405020304" pitchFamily="18" charset="0"/>
+              </a:rPr>
+              <a:t> </a:t>
+            </a:r>
+            <a:r>
+              <a:rPr lang="en-US" sz="1800" dirty="0">
+                <a:effectLst/>
+                <a:latin typeface="Times New Roman" panose="02020603050405020304" pitchFamily="18" charset="0"/>
+                <a:ea typeface="Times New Roman" panose="02020603050405020304" pitchFamily="18" charset="0"/>
+              </a:rPr>
+              <a:t>before</a:t>
+            </a:r>
+            <a:r>
+              <a:rPr lang="en-US" sz="1800" spc="-290" dirty="0">
+                <a:effectLst/>
+                <a:latin typeface="Times New Roman" panose="02020603050405020304" pitchFamily="18" charset="0"/>
+                <a:ea typeface="Times New Roman" panose="02020603050405020304" pitchFamily="18" charset="0"/>
+              </a:rPr>
+              <a:t> </a:t>
+            </a:r>
+            <a:r>
+              <a:rPr lang="en-US" sz="1800" dirty="0">
+                <a:effectLst/>
+                <a:latin typeface="Times New Roman" panose="02020603050405020304" pitchFamily="18" charset="0"/>
+                <a:ea typeface="Times New Roman" panose="02020603050405020304" pitchFamily="18" charset="0"/>
+              </a:rPr>
+              <a:t>making</a:t>
+            </a:r>
+            <a:r>
+              <a:rPr lang="en-US" sz="1800" spc="-5" dirty="0">
+                <a:effectLst/>
+                <a:latin typeface="Times New Roman" panose="02020603050405020304" pitchFamily="18" charset="0"/>
+                <a:ea typeface="Times New Roman" panose="02020603050405020304" pitchFamily="18" charset="0"/>
+              </a:rPr>
+              <a:t> </a:t>
+            </a:r>
+            <a:r>
+              <a:rPr lang="en-US" sz="1800" dirty="0">
+                <a:effectLst/>
+                <a:latin typeface="Times New Roman" panose="02020603050405020304" pitchFamily="18" charset="0"/>
+                <a:ea typeface="Times New Roman" panose="02020603050405020304" pitchFamily="18" charset="0"/>
+              </a:rPr>
+              <a:t>a</a:t>
+            </a:r>
+            <a:r>
+              <a:rPr lang="en-US" sz="1800" spc="-5" dirty="0">
+                <a:effectLst/>
+                <a:latin typeface="Times New Roman" panose="02020603050405020304" pitchFamily="18" charset="0"/>
+                <a:ea typeface="Times New Roman" panose="02020603050405020304" pitchFamily="18" charset="0"/>
+              </a:rPr>
+              <a:t> </a:t>
+            </a:r>
+            <a:r>
+              <a:rPr lang="en-US" sz="1800" dirty="0">
+                <a:effectLst/>
+                <a:latin typeface="Times New Roman" panose="02020603050405020304" pitchFamily="18" charset="0"/>
+                <a:ea typeface="Times New Roman" panose="02020603050405020304" pitchFamily="18" charset="0"/>
+              </a:rPr>
+              <a:t>decision.</a:t>
+            </a:r>
+          </a:p>
+          <a:p>
+            <a:endParaRPr lang="en-US" dirty="0">
+              <a:latin typeface="Times New Roman" panose="02020603050405020304" pitchFamily="18" charset="0"/>
+              <a:ea typeface="Times New Roman" panose="02020603050405020304" pitchFamily="18" charset="0"/>
+            </a:endParaRPr>
+          </a:p>
+          <a:p>
+            <a:endParaRPr lang="en-IN" sz="1800" dirty="0">
+              <a:effectLst/>
+              <a:latin typeface="Times New Roman" panose="02020603050405020304" pitchFamily="18" charset="0"/>
+              <a:ea typeface="Times New Roman" panose="02020603050405020304" pitchFamily="18" charset="0"/>
+            </a:endParaRPr>
+          </a:p>
+          <a:p>
+            <a:pPr marL="383540" algn="l">
+              <a:spcBef>
+                <a:spcPts val="1135"/>
+              </a:spcBef>
+              <a:spcAft>
+                <a:spcPts val="0"/>
+              </a:spcAft>
+            </a:pPr>
+            <a:r>
+              <a:rPr lang="en-US" sz="1600" b="1" dirty="0">
+                <a:solidFill>
+                  <a:srgbClr val="FF0000"/>
+                </a:solidFill>
+                <a:effectLst/>
+                <a:uFill>
+                  <a:solidFill>
+                    <a:srgbClr val="FF0000"/>
+                  </a:solidFill>
+                </a:uFill>
+                <a:latin typeface="Times New Roman" panose="02020603050405020304" pitchFamily="18" charset="0"/>
+                <a:ea typeface="Times New Roman" panose="02020603050405020304" pitchFamily="18" charset="0"/>
+              </a:rPr>
+              <a:t>USER</a:t>
+            </a:r>
+            <a:r>
+              <a:rPr lang="en-US" sz="1600" b="1" spc="-20" dirty="0">
+                <a:solidFill>
+                  <a:srgbClr val="FF0000"/>
+                </a:solidFill>
+                <a:effectLst/>
+                <a:uFill>
+                  <a:solidFill>
+                    <a:srgbClr val="FF0000"/>
+                  </a:solidFill>
+                </a:uFill>
+                <a:latin typeface="Times New Roman" panose="02020603050405020304" pitchFamily="18" charset="0"/>
+                <a:ea typeface="Times New Roman" panose="02020603050405020304" pitchFamily="18" charset="0"/>
+              </a:rPr>
+              <a:t> </a:t>
+            </a:r>
+            <a:r>
+              <a:rPr lang="en-US" sz="1600" b="1" dirty="0">
+                <a:solidFill>
+                  <a:srgbClr val="FF0000"/>
+                </a:solidFill>
+                <a:effectLst/>
+                <a:uFill>
+                  <a:solidFill>
+                    <a:srgbClr val="FF0000"/>
+                  </a:solidFill>
+                </a:uFill>
+                <a:latin typeface="Times New Roman" panose="02020603050405020304" pitchFamily="18" charset="0"/>
+                <a:ea typeface="Times New Roman" panose="02020603050405020304" pitchFamily="18" charset="0"/>
+              </a:rPr>
+              <a:t>INTERFACE:</a:t>
+            </a:r>
+            <a:endParaRPr lang="en-IN" sz="1600" b="1" dirty="0">
+              <a:effectLst/>
+              <a:latin typeface="Times New Roman" panose="02020603050405020304" pitchFamily="18" charset="0"/>
+              <a:ea typeface="Times New Roman" panose="02020603050405020304" pitchFamily="18" charset="0"/>
+            </a:endParaRPr>
+          </a:p>
+          <a:p>
+            <a:pPr lvl="0">
+              <a:spcBef>
+                <a:spcPts val="850"/>
+              </a:spcBef>
+              <a:spcAft>
+                <a:spcPts val="0"/>
+              </a:spcAft>
+              <a:buFont typeface="+mj-lt"/>
+              <a:buAutoNum type="arabicPeriod"/>
+              <a:tabLst>
+                <a:tab pos="364490" algn="l"/>
+              </a:tabLst>
+            </a:pPr>
+            <a:r>
+              <a:rPr lang="en-US" sz="1800" dirty="0">
+                <a:effectLst/>
+                <a:latin typeface="Times New Roman" panose="02020603050405020304" pitchFamily="18" charset="0"/>
+                <a:ea typeface="Times New Roman" panose="02020603050405020304" pitchFamily="18" charset="0"/>
+              </a:rPr>
+              <a:t>ACQUISITION</a:t>
+            </a:r>
+            <a:r>
+              <a:rPr lang="en-US" sz="1800" spc="-5" dirty="0">
+                <a:effectLst/>
+                <a:latin typeface="Times New Roman" panose="02020603050405020304" pitchFamily="18" charset="0"/>
+                <a:ea typeface="Times New Roman" panose="02020603050405020304" pitchFamily="18" charset="0"/>
+              </a:rPr>
+              <a:t> </a:t>
+            </a:r>
+            <a:r>
+              <a:rPr lang="en-US" sz="1800" dirty="0">
+                <a:effectLst/>
+                <a:latin typeface="Times New Roman" panose="02020603050405020304" pitchFamily="18" charset="0"/>
+                <a:ea typeface="Times New Roman" panose="02020603050405020304" pitchFamily="18" charset="0"/>
+              </a:rPr>
+              <a:t>OF</a:t>
+            </a:r>
+            <a:r>
+              <a:rPr lang="en-US" sz="1800" spc="-5" dirty="0">
+                <a:effectLst/>
+                <a:latin typeface="Times New Roman" panose="02020603050405020304" pitchFamily="18" charset="0"/>
+                <a:ea typeface="Times New Roman" panose="02020603050405020304" pitchFamily="18" charset="0"/>
+              </a:rPr>
+              <a:t> </a:t>
+            </a:r>
+            <a:r>
+              <a:rPr lang="en-US" sz="1800" dirty="0">
+                <a:effectLst/>
+                <a:latin typeface="Times New Roman" panose="02020603050405020304" pitchFamily="18" charset="0"/>
+                <a:ea typeface="Times New Roman" panose="02020603050405020304" pitchFamily="18" charset="0"/>
+              </a:rPr>
+              <a:t>NEW</a:t>
+            </a:r>
+            <a:r>
+              <a:rPr lang="en-US" sz="1800" spc="-10" dirty="0">
+                <a:effectLst/>
+                <a:latin typeface="Times New Roman" panose="02020603050405020304" pitchFamily="18" charset="0"/>
+                <a:ea typeface="Times New Roman" panose="02020603050405020304" pitchFamily="18" charset="0"/>
+              </a:rPr>
+              <a:t> </a:t>
+            </a:r>
+            <a:r>
+              <a:rPr lang="en-US" sz="1800" dirty="0">
+                <a:effectLst/>
+                <a:latin typeface="Times New Roman" panose="02020603050405020304" pitchFamily="18" charset="0"/>
+                <a:ea typeface="Times New Roman" panose="02020603050405020304" pitchFamily="18" charset="0"/>
+              </a:rPr>
+              <a:t>CUSTOMERS:</a:t>
+            </a:r>
+            <a:endParaRPr lang="en-IN" sz="1800" dirty="0">
+              <a:effectLst/>
+              <a:latin typeface="Times New Roman" panose="02020603050405020304" pitchFamily="18" charset="0"/>
+              <a:ea typeface="Times New Roman" panose="02020603050405020304" pitchFamily="18" charset="0"/>
+            </a:endParaRPr>
+          </a:p>
+          <a:p>
+            <a:pPr>
+              <a:buFont typeface="+mj-lt"/>
+              <a:buAutoNum type="arabicPeriod"/>
+            </a:pPr>
+            <a:r>
+              <a:rPr lang="en-US" sz="1800" dirty="0">
+                <a:effectLst/>
+                <a:latin typeface="Times New Roman" panose="02020603050405020304" pitchFamily="18" charset="0"/>
+                <a:ea typeface="Times New Roman" panose="02020603050405020304" pitchFamily="18" charset="0"/>
+              </a:rPr>
+              <a:t>INCREASED</a:t>
+            </a:r>
+            <a:r>
+              <a:rPr lang="en-US" sz="1800" spc="-15" dirty="0">
+                <a:effectLst/>
+                <a:latin typeface="Times New Roman" panose="02020603050405020304" pitchFamily="18" charset="0"/>
+                <a:ea typeface="Times New Roman" panose="02020603050405020304" pitchFamily="18" charset="0"/>
+              </a:rPr>
+              <a:t> </a:t>
+            </a:r>
+            <a:r>
+              <a:rPr lang="en-US" sz="1800" dirty="0">
+                <a:effectLst/>
+                <a:latin typeface="Times New Roman" panose="02020603050405020304" pitchFamily="18" charset="0"/>
+                <a:ea typeface="Times New Roman" panose="02020603050405020304" pitchFamily="18" charset="0"/>
+              </a:rPr>
+              <a:t>CUSTOMER</a:t>
+            </a:r>
+            <a:r>
+              <a:rPr lang="en-US" sz="1800" spc="-5" dirty="0">
+                <a:effectLst/>
+                <a:latin typeface="Times New Roman" panose="02020603050405020304" pitchFamily="18" charset="0"/>
+                <a:ea typeface="Times New Roman" panose="02020603050405020304" pitchFamily="18" charset="0"/>
+              </a:rPr>
+              <a:t> </a:t>
+            </a:r>
+            <a:r>
+              <a:rPr lang="en-US" sz="1800" dirty="0">
+                <a:effectLst/>
+                <a:latin typeface="Times New Roman" panose="02020603050405020304" pitchFamily="18" charset="0"/>
+                <a:ea typeface="Times New Roman" panose="02020603050405020304" pitchFamily="18" charset="0"/>
+              </a:rPr>
+              <a:t>ENGAGEMENT</a:t>
+            </a:r>
+            <a:r>
+              <a:rPr lang="en-US" sz="1800" spc="-10" dirty="0">
+                <a:effectLst/>
+                <a:latin typeface="Times New Roman" panose="02020603050405020304" pitchFamily="18" charset="0"/>
+                <a:ea typeface="Times New Roman" panose="02020603050405020304" pitchFamily="18" charset="0"/>
+              </a:rPr>
+              <a:t> </a:t>
+            </a:r>
+            <a:r>
+              <a:rPr lang="en-US" sz="1800" dirty="0">
+                <a:effectLst/>
+                <a:latin typeface="Times New Roman" panose="02020603050405020304" pitchFamily="18" charset="0"/>
+                <a:ea typeface="Times New Roman" panose="02020603050405020304" pitchFamily="18" charset="0"/>
+              </a:rPr>
+              <a:t>AND</a:t>
+            </a:r>
+            <a:r>
+              <a:rPr lang="en-US" sz="1800" spc="-5" dirty="0">
+                <a:effectLst/>
+                <a:latin typeface="Times New Roman" panose="02020603050405020304" pitchFamily="18" charset="0"/>
+                <a:ea typeface="Times New Roman" panose="02020603050405020304" pitchFamily="18" charset="0"/>
+              </a:rPr>
+              <a:t> </a:t>
+            </a:r>
+            <a:r>
+              <a:rPr lang="en-US" sz="1800" dirty="0">
+                <a:effectLst/>
+                <a:latin typeface="Times New Roman" panose="02020603050405020304" pitchFamily="18" charset="0"/>
+                <a:ea typeface="Times New Roman" panose="02020603050405020304" pitchFamily="18" charset="0"/>
+              </a:rPr>
+              <a:t>RETENTION:</a:t>
+            </a:r>
+            <a:endParaRPr lang="en-IN" sz="1800" dirty="0">
+              <a:effectLst/>
+              <a:latin typeface="Times New Roman" panose="02020603050405020304" pitchFamily="18" charset="0"/>
+              <a:ea typeface="Times New Roman" panose="02020603050405020304" pitchFamily="18" charset="0"/>
+            </a:endParaRPr>
+          </a:p>
+          <a:p>
+            <a:pPr>
+              <a:buFont typeface="+mj-lt"/>
+              <a:buAutoNum type="arabicPeriod"/>
+            </a:pPr>
+            <a:r>
+              <a:rPr lang="en-US" sz="1800" dirty="0">
+                <a:effectLst/>
+                <a:latin typeface="Times New Roman" panose="02020603050405020304" pitchFamily="18" charset="0"/>
+                <a:ea typeface="Times New Roman" panose="02020603050405020304" pitchFamily="18" charset="0"/>
+              </a:rPr>
+              <a:t>LOWER</a:t>
+            </a:r>
+            <a:r>
+              <a:rPr lang="en-US" sz="1800" spc="-5" dirty="0">
+                <a:effectLst/>
+                <a:latin typeface="Times New Roman" panose="02020603050405020304" pitchFamily="18" charset="0"/>
+                <a:ea typeface="Times New Roman" panose="02020603050405020304" pitchFamily="18" charset="0"/>
+              </a:rPr>
+              <a:t> </a:t>
+            </a:r>
+            <a:r>
+              <a:rPr lang="en-US" sz="1800" dirty="0">
+                <a:effectLst/>
+                <a:latin typeface="Times New Roman" panose="02020603050405020304" pitchFamily="18" charset="0"/>
+                <a:ea typeface="Times New Roman" panose="02020603050405020304" pitchFamily="18" charset="0"/>
+              </a:rPr>
+              <a:t>DEVELOPMENT</a:t>
+            </a:r>
+            <a:r>
+              <a:rPr lang="en-US" sz="1800" spc="-10" dirty="0">
+                <a:effectLst/>
+                <a:latin typeface="Times New Roman" panose="02020603050405020304" pitchFamily="18" charset="0"/>
+                <a:ea typeface="Times New Roman" panose="02020603050405020304" pitchFamily="18" charset="0"/>
+              </a:rPr>
+              <a:t> </a:t>
+            </a:r>
+            <a:r>
+              <a:rPr lang="en-US" sz="1800" dirty="0">
+                <a:effectLst/>
+                <a:latin typeface="Times New Roman" panose="02020603050405020304" pitchFamily="18" charset="0"/>
+                <a:ea typeface="Times New Roman" panose="02020603050405020304" pitchFamily="18" charset="0"/>
+              </a:rPr>
+              <a:t>COSTS:</a:t>
+            </a:r>
+            <a:endParaRPr lang="en-IN" sz="1800" dirty="0">
+              <a:effectLst/>
+              <a:latin typeface="Times New Roman" panose="02020603050405020304" pitchFamily="18" charset="0"/>
+              <a:ea typeface="Times New Roman" panose="02020603050405020304" pitchFamily="18" charset="0"/>
+            </a:endParaRPr>
+          </a:p>
+          <a:p>
+            <a:pPr>
+              <a:buFont typeface="+mj-lt"/>
+              <a:buAutoNum type="arabicPeriod"/>
+            </a:pPr>
+            <a:r>
+              <a:rPr lang="en-US" sz="1800" dirty="0">
+                <a:effectLst/>
+                <a:latin typeface="Times New Roman" panose="02020603050405020304" pitchFamily="18" charset="0"/>
+                <a:ea typeface="Times New Roman" panose="02020603050405020304" pitchFamily="18" charset="0"/>
+              </a:rPr>
+              <a:t>LOWER</a:t>
+            </a:r>
+            <a:r>
+              <a:rPr lang="en-US" sz="1800" spc="-5" dirty="0">
+                <a:effectLst/>
+                <a:latin typeface="Times New Roman" panose="02020603050405020304" pitchFamily="18" charset="0"/>
+                <a:ea typeface="Times New Roman" panose="02020603050405020304" pitchFamily="18" charset="0"/>
+              </a:rPr>
+              <a:t> </a:t>
+            </a:r>
+            <a:r>
+              <a:rPr lang="en-US" sz="1800" dirty="0">
+                <a:effectLst/>
+                <a:latin typeface="Times New Roman" panose="02020603050405020304" pitchFamily="18" charset="0"/>
+                <a:ea typeface="Times New Roman" panose="02020603050405020304" pitchFamily="18" charset="0"/>
+              </a:rPr>
+              <a:t>CUSTOMER SUPPORT COSTS:</a:t>
+            </a:r>
+            <a:endParaRPr lang="en-IN" sz="1800" dirty="0">
+              <a:effectLst/>
+              <a:latin typeface="Times New Roman" panose="02020603050405020304" pitchFamily="18" charset="0"/>
+              <a:ea typeface="Times New Roman" panose="02020603050405020304" pitchFamily="18" charset="0"/>
+            </a:endParaRPr>
+          </a:p>
+          <a:p>
+            <a:pPr marL="0" indent="0">
+              <a:buNone/>
+            </a:pPr>
+            <a:endParaRPr lang="en-IN" b="1" dirty="0">
+              <a:solidFill>
+                <a:srgbClr val="FF0000"/>
+              </a:solidFill>
+            </a:endParaRPr>
+          </a:p>
+        </p:txBody>
+      </p:sp>
+    </p:spTree>
+    <p:extLst>
+      <p:ext uri="{BB962C8B-B14F-4D97-AF65-F5344CB8AC3E}">
+        <p14:creationId xmlns:p14="http://schemas.microsoft.com/office/powerpoint/2010/main" val="1474661815"/>
+      </p:ext>
+    </p:extLst>
+  </p:cSld>
+  <p:clrMapOvr>
+    <a:masterClrMapping/>
+  </p:clrMapOvr>
+</p:sld>
+</file>
+
+<file path=ppt/slides/slide8.xml><?xml version="1.0" encoding="utf-8"?>
+<p:sld xmlns:a="http://schemas.openxmlformats.org/drawingml/2006/main" xmlns:r="http://schemas.openxmlformats.org/officeDocument/2006/relationships" xmlns:p="http://schemas.openxmlformats.org/presentationml/2006/main">
+  <p:cSld>
+    <p:spTree>
+      <p:nvGrpSpPr>
+        <p:cNvPr id="1" name=""/>
+        <p:cNvGrpSpPr/>
+        <p:nvPr/>
+      </p:nvGrpSpPr>
+      <p:grpSpPr>
+        <a:xfrm>
+          <a:off x="0" y="0"/>
+          <a:ext cx="0" cy="0"/>
+          <a:chOff x="0" y="0"/>
+          <a:chExt cx="0" cy="0"/>
+        </a:xfrm>
+      </p:grpSpPr>
+      <p:sp>
+        <p:nvSpPr>
+          <p:cNvPr id="3" name="Content Placeholder 2">
+            <a:extLst>
+              <a:ext uri="{FF2B5EF4-FFF2-40B4-BE49-F238E27FC236}">
                 <a16:creationId xmlns:a16="http://schemas.microsoft.com/office/drawing/2014/main" id="{C8CBBDE3-E776-4C75-40E5-30DB93CFB0B3}"/>
               </a:ext>
             </a:extLst>
@@ -14017,7 +13243,7 @@
 </p:sld>
 </file>
 
-<file path=ppt/slides/slide8.xml><?xml version="1.0" encoding="utf-8"?>
+<file path=ppt/slides/slide9.xml><?xml version="1.0" encoding="utf-8"?>
 <p:sld xmlns:a="http://schemas.openxmlformats.org/drawingml/2006/main" xmlns:r="http://schemas.openxmlformats.org/officeDocument/2006/relationships" xmlns:p="http://schemas.openxmlformats.org/presentationml/2006/main">
   <p:cSld>
     <p:spTree>

--- a/MINI Project PPT.pptx
+++ b/MINI Project PPT.pptx
@@ -5,15 +5,20 @@
     <p:sldMasterId id="2147483675" r:id="rId1"/>
   </p:sldMasterIdLst>
   <p:sldIdLst>
-    <p:sldId id="256" r:id="rId2"/>
-    <p:sldId id="257" r:id="rId3"/>
-    <p:sldId id="258" r:id="rId4"/>
-    <p:sldId id="262" r:id="rId5"/>
-    <p:sldId id="259" r:id="rId6"/>
-    <p:sldId id="263" r:id="rId7"/>
-    <p:sldId id="264" r:id="rId8"/>
-    <p:sldId id="260" r:id="rId9"/>
-    <p:sldId id="261" r:id="rId10"/>
+    <p:sldId id="265" r:id="rId2"/>
+    <p:sldId id="256" r:id="rId3"/>
+    <p:sldId id="266" r:id="rId4"/>
+    <p:sldId id="267" r:id="rId5"/>
+    <p:sldId id="258" r:id="rId6"/>
+    <p:sldId id="257" r:id="rId7"/>
+    <p:sldId id="263" r:id="rId8"/>
+    <p:sldId id="270" r:id="rId9"/>
+    <p:sldId id="259" r:id="rId10"/>
+    <p:sldId id="262" r:id="rId11"/>
+    <p:sldId id="260" r:id="rId12"/>
+    <p:sldId id="268" r:id="rId13"/>
+    <p:sldId id="269" r:id="rId14"/>
+    <p:sldId id="261" r:id="rId15"/>
   </p:sldIdLst>
   <p:sldSz cx="12192000" cy="6858000"/>
   <p:notesSz cx="6858000" cy="9144000"/>
@@ -308,7 +313,7 @@
           <a:p>
             <a:fld id="{46693BFB-BABB-4077-8AD8-512895E516A3}" type="datetimeFigureOut">
               <a:rPr lang="en-IN" smtClean="0"/>
-              <a:t>28-04-2023</a:t>
+              <a:t>17-05-2023</a:t>
             </a:fld>
             <a:endParaRPr lang="en-IN"/>
           </a:p>
@@ -646,7 +651,7 @@
           <a:p>
             <a:fld id="{46693BFB-BABB-4077-8AD8-512895E516A3}" type="datetimeFigureOut">
               <a:rPr lang="en-IN" smtClean="0"/>
-              <a:t>28-04-2023</a:t>
+              <a:t>17-05-2023</a:t>
             </a:fld>
             <a:endParaRPr lang="en-IN"/>
           </a:p>
@@ -1047,7 +1052,7 @@
           <a:p>
             <a:fld id="{46693BFB-BABB-4077-8AD8-512895E516A3}" type="datetimeFigureOut">
               <a:rPr lang="en-IN" smtClean="0"/>
-              <a:t>28-04-2023</a:t>
+              <a:t>17-05-2023</a:t>
             </a:fld>
             <a:endParaRPr lang="en-IN"/>
           </a:p>
@@ -1383,7 +1388,7 @@
           <a:p>
             <a:fld id="{46693BFB-BABB-4077-8AD8-512895E516A3}" type="datetimeFigureOut">
               <a:rPr lang="en-IN" smtClean="0"/>
-              <a:t>28-04-2023</a:t>
+              <a:t>17-05-2023</a:t>
             </a:fld>
             <a:endParaRPr lang="en-IN"/>
           </a:p>
@@ -1703,7 +1708,7 @@
           <a:p>
             <a:fld id="{46693BFB-BABB-4077-8AD8-512895E516A3}" type="datetimeFigureOut">
               <a:rPr lang="en-IN" smtClean="0"/>
-              <a:t>28-04-2023</a:t>
+              <a:t>17-05-2023</a:t>
             </a:fld>
             <a:endParaRPr lang="en-IN"/>
           </a:p>
@@ -2099,7 +2104,7 @@
           <a:p>
             <a:fld id="{46693BFB-BABB-4077-8AD8-512895E516A3}" type="datetimeFigureOut">
               <a:rPr lang="en-IN" smtClean="0"/>
-              <a:t>28-04-2023</a:t>
+              <a:t>17-05-2023</a:t>
             </a:fld>
             <a:endParaRPr lang="en-IN"/>
           </a:p>
@@ -2356,7 +2361,7 @@
           <a:p>
             <a:fld id="{46693BFB-BABB-4077-8AD8-512895E516A3}" type="datetimeFigureOut">
               <a:rPr lang="en-IN" smtClean="0"/>
-              <a:t>28-04-2023</a:t>
+              <a:t>17-05-2023</a:t>
             </a:fld>
             <a:endParaRPr lang="en-IN"/>
           </a:p>
@@ -2618,7 +2623,7 @@
           <a:p>
             <a:fld id="{46693BFB-BABB-4077-8AD8-512895E516A3}" type="datetimeFigureOut">
               <a:rPr lang="en-IN" smtClean="0"/>
-              <a:t>28-04-2023</a:t>
+              <a:t>17-05-2023</a:t>
             </a:fld>
             <a:endParaRPr lang="en-IN"/>
           </a:p>
@@ -2880,7 +2885,7 @@
           <a:p>
             <a:fld id="{46693BFB-BABB-4077-8AD8-512895E516A3}" type="datetimeFigureOut">
               <a:rPr lang="en-IN" smtClean="0"/>
-              <a:t>28-04-2023</a:t>
+              <a:t>17-05-2023</a:t>
             </a:fld>
             <a:endParaRPr lang="en-IN"/>
           </a:p>
@@ -3209,7 +3214,7 @@
           <a:p>
             <a:fld id="{46693BFB-BABB-4077-8AD8-512895E516A3}" type="datetimeFigureOut">
               <a:rPr lang="en-IN" smtClean="0"/>
-              <a:t>28-04-2023</a:t>
+              <a:t>17-05-2023</a:t>
             </a:fld>
             <a:endParaRPr lang="en-IN"/>
           </a:p>
@@ -3532,7 +3537,7 @@
           <a:p>
             <a:fld id="{46693BFB-BABB-4077-8AD8-512895E516A3}" type="datetimeFigureOut">
               <a:rPr lang="en-IN" smtClean="0"/>
-              <a:t>28-04-2023</a:t>
+              <a:t>17-05-2023</a:t>
             </a:fld>
             <a:endParaRPr lang="en-IN"/>
           </a:p>
@@ -3989,7 +3994,7 @@
           <a:p>
             <a:fld id="{46693BFB-BABB-4077-8AD8-512895E516A3}" type="datetimeFigureOut">
               <a:rPr lang="en-IN" smtClean="0"/>
-              <a:t>28-04-2023</a:t>
+              <a:t>17-05-2023</a:t>
             </a:fld>
             <a:endParaRPr lang="en-IN"/>
           </a:p>
@@ -4194,7 +4199,7 @@
           <a:p>
             <a:fld id="{46693BFB-BABB-4077-8AD8-512895E516A3}" type="datetimeFigureOut">
               <a:rPr lang="en-IN" smtClean="0"/>
-              <a:t>28-04-2023</a:t>
+              <a:t>17-05-2023</a:t>
             </a:fld>
             <a:endParaRPr lang="en-IN"/>
           </a:p>
@@ -4371,7 +4376,7 @@
           <a:p>
             <a:fld id="{46693BFB-BABB-4077-8AD8-512895E516A3}" type="datetimeFigureOut">
               <a:rPr lang="en-IN" smtClean="0"/>
-              <a:t>28-04-2023</a:t>
+              <a:t>17-05-2023</a:t>
             </a:fld>
             <a:endParaRPr lang="en-IN"/>
           </a:p>
@@ -4704,7 +4709,7 @@
           <a:p>
             <a:fld id="{46693BFB-BABB-4077-8AD8-512895E516A3}" type="datetimeFigureOut">
               <a:rPr lang="en-IN" smtClean="0"/>
-              <a:t>28-04-2023</a:t>
+              <a:t>17-05-2023</a:t>
             </a:fld>
             <a:endParaRPr lang="en-IN"/>
           </a:p>
@@ -5049,7 +5054,7 @@
           <a:p>
             <a:fld id="{46693BFB-BABB-4077-8AD8-512895E516A3}" type="datetimeFigureOut">
               <a:rPr lang="en-IN" smtClean="0"/>
-              <a:t>28-04-2023</a:t>
+              <a:t>17-05-2023</a:t>
             </a:fld>
             <a:endParaRPr lang="en-IN"/>
           </a:p>
@@ -7166,7 +7171,7 @@
           <a:p>
             <a:fld id="{46693BFB-BABB-4077-8AD8-512895E516A3}" type="datetimeFigureOut">
               <a:rPr lang="en-IN" smtClean="0"/>
-              <a:t>28-04-2023</a:t>
+              <a:t>17-05-2023</a:t>
             </a:fld>
             <a:endParaRPr lang="en-IN"/>
           </a:p>
@@ -7684,40 +7689,50 @@
           <a:chExt cx="0" cy="0"/>
         </a:xfrm>
       </p:grpSpPr>
-      <p:pic>
-        <p:nvPicPr>
-          <p:cNvPr id="5" name="Picture 4">
+      <p:sp>
+        <p:nvSpPr>
+          <p:cNvPr id="3" name="Subtitle 2">
             <a:extLst>
               <a:ext uri="{FF2B5EF4-FFF2-40B4-BE49-F238E27FC236}">
-                <a16:creationId xmlns:a16="http://schemas.microsoft.com/office/drawing/2014/main" id="{E873ECD8-C946-98AE-20FA-83EFC1E17F50}"/>
+                <a16:creationId xmlns:a16="http://schemas.microsoft.com/office/drawing/2014/main" id="{C87D4A04-CFBA-1577-B1E4-08AE1B1676BA}"/>
               </a:ext>
             </a:extLst>
           </p:cNvPr>
-          <p:cNvPicPr>
-            <a:picLocks noChangeAspect="1"/>
-          </p:cNvPicPr>
-          <p:nvPr/>
-        </p:nvPicPr>
-        <p:blipFill>
-          <a:blip r:embed="rId2"/>
-          <a:stretch>
-            <a:fillRect/>
-          </a:stretch>
-        </p:blipFill>
+          <p:cNvSpPr>
+            <a:spLocks noGrp="1"/>
+          </p:cNvSpPr>
+          <p:nvPr>
+            <p:ph type="subTitle" idx="1"/>
+          </p:nvPr>
+        </p:nvSpPr>
         <p:spPr>
           <a:xfrm>
-            <a:off x="2430092" y="-733425"/>
-            <a:ext cx="6988915" cy="8751068"/>
+            <a:off x="4482021" y="3049163"/>
+            <a:ext cx="8915399" cy="1126283"/>
           </a:xfrm>
-          <a:prstGeom prst="rect">
-            <a:avLst/>
-          </a:prstGeom>
         </p:spPr>
-      </p:pic>
+        <p:txBody>
+          <a:bodyPr/>
+          <a:lstStyle/>
+          <a:p>
+            <a:r>
+              <a:rPr lang="en-IN" sz="4000" b="1" dirty="0">
+                <a:latin typeface="Times New Roman" panose="02020603050405020304" pitchFamily="18" charset="0"/>
+                <a:cs typeface="Times New Roman" panose="02020603050405020304" pitchFamily="18" charset="0"/>
+              </a:rPr>
+              <a:t>WELCOME</a:t>
+            </a:r>
+            <a:endParaRPr lang="en-IN" b="1" dirty="0">
+              <a:latin typeface="Times New Roman" panose="02020603050405020304" pitchFamily="18" charset="0"/>
+              <a:cs typeface="Times New Roman" panose="02020603050405020304" pitchFamily="18" charset="0"/>
+            </a:endParaRPr>
+          </a:p>
+        </p:txBody>
+      </p:sp>
     </p:spTree>
     <p:extLst>
       <p:ext uri="{BB962C8B-B14F-4D97-AF65-F5344CB8AC3E}">
-        <p14:creationId xmlns:p14="http://schemas.microsoft.com/office/powerpoint/2010/main" val="3839687205"/>
+        <p14:creationId xmlns:p14="http://schemas.microsoft.com/office/powerpoint/2010/main" val="486012619"/>
       </p:ext>
     </p:extLst>
   </p:cSld>
@@ -7727,1623 +7742,7 @@
 </p:sld>
 </file>
 
-<file path=ppt/slides/slide2.xml><?xml version="1.0" encoding="utf-8"?>
-<p:sld xmlns:a="http://schemas.openxmlformats.org/drawingml/2006/main" xmlns:r="http://schemas.openxmlformats.org/officeDocument/2006/relationships" xmlns:p="http://schemas.openxmlformats.org/presentationml/2006/main">
-  <p:cSld>
-    <p:spTree>
-      <p:nvGrpSpPr>
-        <p:cNvPr id="1" name=""/>
-        <p:cNvGrpSpPr/>
-        <p:nvPr/>
-      </p:nvGrpSpPr>
-      <p:grpSpPr>
-        <a:xfrm>
-          <a:off x="0" y="0"/>
-          <a:ext cx="0" cy="0"/>
-          <a:chOff x="0" y="0"/>
-          <a:chExt cx="0" cy="0"/>
-        </a:xfrm>
-      </p:grpSpPr>
-      <p:sp>
-        <p:nvSpPr>
-          <p:cNvPr id="3" name="Content Placeholder 2">
-            <a:extLst>
-              <a:ext uri="{FF2B5EF4-FFF2-40B4-BE49-F238E27FC236}">
-                <a16:creationId xmlns:a16="http://schemas.microsoft.com/office/drawing/2014/main" id="{569CBA97-8001-CBAF-F5CC-6FB3FCD15ABF}"/>
-              </a:ext>
-            </a:extLst>
-          </p:cNvPr>
-          <p:cNvSpPr>
-            <a:spLocks noGrp="1"/>
-          </p:cNvSpPr>
-          <p:nvPr>
-            <p:ph idx="1"/>
-          </p:nvPr>
-        </p:nvSpPr>
-        <p:spPr>
-          <a:xfrm>
-            <a:off x="1893887" y="1133474"/>
-            <a:ext cx="9107488" cy="5362576"/>
-          </a:xfrm>
-        </p:spPr>
-        <p:txBody>
-          <a:bodyPr>
-            <a:normAutofit/>
-          </a:bodyPr>
-          <a:lstStyle/>
-          <a:p>
-            <a:pPr marL="0" indent="0">
-              <a:buNone/>
-            </a:pPr>
-            <a:r>
-              <a:rPr lang="en-IN" dirty="0">
-                <a:solidFill>
-                  <a:srgbClr val="FF0000"/>
-                </a:solidFill>
-              </a:rPr>
-              <a:t>ABSTRACT :</a:t>
-            </a:r>
-          </a:p>
-          <a:p>
-            <a:pPr marL="148590" marR="158750" indent="371475" algn="just">
-              <a:spcBef>
-                <a:spcPts val="2905"/>
-              </a:spcBef>
-              <a:spcAft>
-                <a:spcPts val="0"/>
-              </a:spcAft>
-            </a:pPr>
-            <a:r>
-              <a:rPr lang="en-US" sz="1800" dirty="0">
-                <a:effectLst/>
-                <a:latin typeface="Times New Roman" panose="02020603050405020304" pitchFamily="18" charset="0"/>
-                <a:ea typeface="Times New Roman" panose="02020603050405020304" pitchFamily="18" charset="0"/>
-              </a:rPr>
-              <a:t>There is x is price, y is performance and z are user-</a:t>
-            </a:r>
-            <a:r>
-              <a:rPr lang="en-US" sz="1800" spc="5" dirty="0">
-                <a:effectLst/>
-                <a:latin typeface="Times New Roman" panose="02020603050405020304" pitchFamily="18" charset="0"/>
-                <a:ea typeface="Times New Roman" panose="02020603050405020304" pitchFamily="18" charset="0"/>
-              </a:rPr>
-              <a:t> </a:t>
-            </a:r>
-            <a:r>
-              <a:rPr lang="en-US" sz="1800" dirty="0">
-                <a:effectLst/>
-                <a:latin typeface="Times New Roman" panose="02020603050405020304" pitchFamily="18" charset="0"/>
-                <a:ea typeface="Times New Roman" panose="02020603050405020304" pitchFamily="18" charset="0"/>
-              </a:rPr>
-              <a:t>friendliness.</a:t>
-            </a:r>
-            <a:r>
-              <a:rPr lang="en-US" sz="1800" spc="-5" dirty="0">
-                <a:effectLst/>
-                <a:latin typeface="Times New Roman" panose="02020603050405020304" pitchFamily="18" charset="0"/>
-                <a:ea typeface="Times New Roman" panose="02020603050405020304" pitchFamily="18" charset="0"/>
-              </a:rPr>
-              <a:t> </a:t>
-            </a:r>
-          </a:p>
-          <a:p>
-            <a:pPr marL="148590" marR="158750" indent="371475" algn="just">
-              <a:spcBef>
-                <a:spcPts val="2905"/>
-              </a:spcBef>
-              <a:spcAft>
-                <a:spcPts val="0"/>
-              </a:spcAft>
-            </a:pPr>
-            <a:r>
-              <a:rPr lang="en-US" sz="1800" dirty="0">
-                <a:effectLst/>
-                <a:latin typeface="Times New Roman" panose="02020603050405020304" pitchFamily="18" charset="0"/>
-                <a:ea typeface="Times New Roman" panose="02020603050405020304" pitchFamily="18" charset="0"/>
-              </a:rPr>
-              <a:t>In</a:t>
-            </a:r>
-            <a:r>
-              <a:rPr lang="en-US" sz="1800" spc="-20" dirty="0">
-                <a:effectLst/>
-                <a:latin typeface="Times New Roman" panose="02020603050405020304" pitchFamily="18" charset="0"/>
-                <a:ea typeface="Times New Roman" panose="02020603050405020304" pitchFamily="18" charset="0"/>
-              </a:rPr>
-              <a:t> </a:t>
-            </a:r>
-            <a:r>
-              <a:rPr lang="en-US" sz="1800" dirty="0">
-                <a:effectLst/>
-                <a:latin typeface="Times New Roman" panose="02020603050405020304" pitchFamily="18" charset="0"/>
-                <a:ea typeface="Times New Roman" panose="02020603050405020304" pitchFamily="18" charset="0"/>
-              </a:rPr>
-              <a:t>these</a:t>
-            </a:r>
-            <a:r>
-              <a:rPr lang="en-US" sz="1800" spc="-25" dirty="0">
-                <a:effectLst/>
-                <a:latin typeface="Times New Roman" panose="02020603050405020304" pitchFamily="18" charset="0"/>
-                <a:ea typeface="Times New Roman" panose="02020603050405020304" pitchFamily="18" charset="0"/>
-              </a:rPr>
-              <a:t> </a:t>
-            </a:r>
-            <a:r>
-              <a:rPr lang="en-US" sz="1800" dirty="0">
-                <a:effectLst/>
-                <a:latin typeface="Times New Roman" panose="02020603050405020304" pitchFamily="18" charset="0"/>
-                <a:ea typeface="Times New Roman" panose="02020603050405020304" pitchFamily="18" charset="0"/>
-              </a:rPr>
-              <a:t>problem</a:t>
-            </a:r>
-            <a:r>
-              <a:rPr lang="en-US" sz="1800" spc="-15" dirty="0">
-                <a:effectLst/>
-                <a:latin typeface="Times New Roman" panose="02020603050405020304" pitchFamily="18" charset="0"/>
-                <a:ea typeface="Times New Roman" panose="02020603050405020304" pitchFamily="18" charset="0"/>
-              </a:rPr>
-              <a:t> </a:t>
-            </a:r>
-            <a:r>
-              <a:rPr lang="en-US" sz="1800" dirty="0">
-                <a:effectLst/>
-                <a:latin typeface="Times New Roman" panose="02020603050405020304" pitchFamily="18" charset="0"/>
-                <a:ea typeface="Times New Roman" panose="02020603050405020304" pitchFamily="18" charset="0"/>
-              </a:rPr>
-              <a:t>statement</a:t>
-            </a:r>
-            <a:r>
-              <a:rPr lang="en-US" sz="1800" spc="-20" dirty="0">
-                <a:effectLst/>
-                <a:latin typeface="Times New Roman" panose="02020603050405020304" pitchFamily="18" charset="0"/>
-                <a:ea typeface="Times New Roman" panose="02020603050405020304" pitchFamily="18" charset="0"/>
-              </a:rPr>
-              <a:t> </a:t>
-            </a:r>
-            <a:r>
-              <a:rPr lang="en-US" sz="1800" dirty="0">
-                <a:effectLst/>
-                <a:latin typeface="Times New Roman" panose="02020603050405020304" pitchFamily="18" charset="0"/>
-                <a:ea typeface="Times New Roman" panose="02020603050405020304" pitchFamily="18" charset="0"/>
-              </a:rPr>
-              <a:t>you</a:t>
-            </a:r>
-            <a:r>
-              <a:rPr lang="en-US" sz="1800" spc="-20" dirty="0">
-                <a:effectLst/>
-                <a:latin typeface="Times New Roman" panose="02020603050405020304" pitchFamily="18" charset="0"/>
-                <a:ea typeface="Times New Roman" panose="02020603050405020304" pitchFamily="18" charset="0"/>
-              </a:rPr>
-              <a:t> </a:t>
-            </a:r>
-            <a:r>
-              <a:rPr lang="en-US" sz="1800" dirty="0">
-                <a:effectLst/>
-                <a:latin typeface="Times New Roman" panose="02020603050405020304" pitchFamily="18" charset="0"/>
-                <a:ea typeface="Times New Roman" panose="02020603050405020304" pitchFamily="18" charset="0"/>
-              </a:rPr>
-              <a:t>are</a:t>
-            </a:r>
-            <a:r>
-              <a:rPr lang="en-US" sz="1800" spc="-15" dirty="0">
-                <a:effectLst/>
-                <a:latin typeface="Times New Roman" panose="02020603050405020304" pitchFamily="18" charset="0"/>
-                <a:ea typeface="Times New Roman" panose="02020603050405020304" pitchFamily="18" charset="0"/>
-              </a:rPr>
-              <a:t> </a:t>
-            </a:r>
-            <a:r>
-              <a:rPr lang="en-US" sz="1800" dirty="0">
-                <a:effectLst/>
-                <a:latin typeface="Times New Roman" panose="02020603050405020304" pitchFamily="18" charset="0"/>
-                <a:ea typeface="Times New Roman" panose="02020603050405020304" pitchFamily="18" charset="0"/>
-              </a:rPr>
-              <a:t>forced</a:t>
-            </a:r>
-            <a:r>
-              <a:rPr lang="en-US" sz="1800" spc="-15" dirty="0">
-                <a:effectLst/>
-                <a:latin typeface="Times New Roman" panose="02020603050405020304" pitchFamily="18" charset="0"/>
-                <a:ea typeface="Times New Roman" panose="02020603050405020304" pitchFamily="18" charset="0"/>
-              </a:rPr>
-              <a:t> </a:t>
-            </a:r>
-            <a:r>
-              <a:rPr lang="en-US" sz="1800" dirty="0">
-                <a:effectLst/>
-                <a:latin typeface="Times New Roman" panose="02020603050405020304" pitchFamily="18" charset="0"/>
-                <a:ea typeface="Times New Roman" panose="02020603050405020304" pitchFamily="18" charset="0"/>
-              </a:rPr>
-              <a:t>to</a:t>
-            </a:r>
-            <a:r>
-              <a:rPr lang="en-US" sz="1800" spc="-15" dirty="0">
-                <a:effectLst/>
-                <a:latin typeface="Times New Roman" panose="02020603050405020304" pitchFamily="18" charset="0"/>
-                <a:ea typeface="Times New Roman" panose="02020603050405020304" pitchFamily="18" charset="0"/>
-              </a:rPr>
-              <a:t> </a:t>
-            </a:r>
-            <a:r>
-              <a:rPr lang="en-US" sz="1800" dirty="0">
-                <a:effectLst/>
-                <a:latin typeface="Times New Roman" panose="02020603050405020304" pitchFamily="18" charset="0"/>
-                <a:ea typeface="Times New Roman" panose="02020603050405020304" pitchFamily="18" charset="0"/>
-              </a:rPr>
-              <a:t>make</a:t>
-            </a:r>
-            <a:r>
-              <a:rPr lang="en-US" sz="1800" spc="-25" dirty="0">
-                <a:effectLst/>
-                <a:latin typeface="Times New Roman" panose="02020603050405020304" pitchFamily="18" charset="0"/>
-                <a:ea typeface="Times New Roman" panose="02020603050405020304" pitchFamily="18" charset="0"/>
-              </a:rPr>
-              <a:t> </a:t>
-            </a:r>
-            <a:r>
-              <a:rPr lang="en-US" sz="1800" dirty="0">
-                <a:effectLst/>
-                <a:latin typeface="Times New Roman" panose="02020603050405020304" pitchFamily="18" charset="0"/>
-                <a:ea typeface="Times New Roman" panose="02020603050405020304" pitchFamily="18" charset="0"/>
-              </a:rPr>
-              <a:t>some</a:t>
-            </a:r>
-            <a:r>
-              <a:rPr lang="en-US" sz="1800" spc="-20" dirty="0">
-                <a:effectLst/>
-                <a:latin typeface="Times New Roman" panose="02020603050405020304" pitchFamily="18" charset="0"/>
-                <a:ea typeface="Times New Roman" panose="02020603050405020304" pitchFamily="18" charset="0"/>
-              </a:rPr>
-              <a:t> </a:t>
-            </a:r>
-            <a:r>
-              <a:rPr lang="en-US" sz="1800" dirty="0">
-                <a:effectLst/>
-                <a:latin typeface="Times New Roman" panose="02020603050405020304" pitchFamily="18" charset="0"/>
-                <a:ea typeface="Times New Roman" panose="02020603050405020304" pitchFamily="18" charset="0"/>
-              </a:rPr>
-              <a:t>sacrifices</a:t>
-            </a:r>
-            <a:r>
-              <a:rPr lang="en-US" sz="1800" spc="-15" dirty="0">
-                <a:effectLst/>
-                <a:latin typeface="Times New Roman" panose="02020603050405020304" pitchFamily="18" charset="0"/>
-                <a:ea typeface="Times New Roman" panose="02020603050405020304" pitchFamily="18" charset="0"/>
-              </a:rPr>
-              <a:t> </a:t>
-            </a:r>
-            <a:r>
-              <a:rPr lang="en-US" sz="1800" dirty="0">
-                <a:effectLst/>
-                <a:latin typeface="Times New Roman" panose="02020603050405020304" pitchFamily="18" charset="0"/>
-                <a:ea typeface="Times New Roman" panose="02020603050405020304" pitchFamily="18" charset="0"/>
-              </a:rPr>
-              <a:t>the</a:t>
-            </a:r>
-            <a:r>
-              <a:rPr lang="en-US" sz="1800" spc="-20" dirty="0">
-                <a:effectLst/>
-                <a:latin typeface="Times New Roman" panose="02020603050405020304" pitchFamily="18" charset="0"/>
-                <a:ea typeface="Times New Roman" panose="02020603050405020304" pitchFamily="18" charset="0"/>
-              </a:rPr>
-              <a:t> </a:t>
-            </a:r>
-            <a:r>
-              <a:rPr lang="en-US" sz="1800" dirty="0">
-                <a:effectLst/>
-                <a:latin typeface="Times New Roman" panose="02020603050405020304" pitchFamily="18" charset="0"/>
-                <a:ea typeface="Times New Roman" panose="02020603050405020304" pitchFamily="18" charset="0"/>
-              </a:rPr>
-              <a:t>aspects</a:t>
-            </a:r>
-            <a:r>
-              <a:rPr lang="en-US" sz="1800" spc="-15" dirty="0">
-                <a:effectLst/>
-                <a:latin typeface="Times New Roman" panose="02020603050405020304" pitchFamily="18" charset="0"/>
-                <a:ea typeface="Times New Roman" panose="02020603050405020304" pitchFamily="18" charset="0"/>
-              </a:rPr>
-              <a:t> </a:t>
-            </a:r>
-            <a:r>
-              <a:rPr lang="en-US" sz="1800" dirty="0">
-                <a:effectLst/>
-                <a:latin typeface="Times New Roman" panose="02020603050405020304" pitchFamily="18" charset="0"/>
-                <a:ea typeface="Times New Roman" panose="02020603050405020304" pitchFamily="18" charset="0"/>
-              </a:rPr>
-              <a:t>you</a:t>
-            </a:r>
-            <a:r>
-              <a:rPr lang="en-US" sz="1800" spc="-15" dirty="0">
-                <a:effectLst/>
-                <a:latin typeface="Times New Roman" panose="02020603050405020304" pitchFamily="18" charset="0"/>
-                <a:ea typeface="Times New Roman" panose="02020603050405020304" pitchFamily="18" charset="0"/>
-              </a:rPr>
-              <a:t> </a:t>
-            </a:r>
-            <a:r>
-              <a:rPr lang="en-US" sz="1800" dirty="0">
-                <a:effectLst/>
-                <a:latin typeface="Times New Roman" panose="02020603050405020304" pitchFamily="18" charset="0"/>
-                <a:ea typeface="Times New Roman" panose="02020603050405020304" pitchFamily="18" charset="0"/>
-              </a:rPr>
-              <a:t>care</a:t>
-            </a:r>
-            <a:r>
-              <a:rPr lang="en-US" sz="1800" spc="-290" dirty="0">
-                <a:effectLst/>
-                <a:latin typeface="Times New Roman" panose="02020603050405020304" pitchFamily="18" charset="0"/>
-                <a:ea typeface="Times New Roman" panose="02020603050405020304" pitchFamily="18" charset="0"/>
-              </a:rPr>
-              <a:t> </a:t>
-            </a:r>
-            <a:r>
-              <a:rPr lang="en-US" sz="1800" dirty="0">
-                <a:effectLst/>
-                <a:latin typeface="Times New Roman" panose="02020603050405020304" pitchFamily="18" charset="0"/>
-                <a:ea typeface="Times New Roman" panose="02020603050405020304" pitchFamily="18" charset="0"/>
-              </a:rPr>
-              <a:t>about against each other and choosing the phone that achieves the best compromise. (where “best”</a:t>
-            </a:r>
-            <a:r>
-              <a:rPr lang="en-US" sz="1800" spc="5" dirty="0">
-                <a:effectLst/>
-                <a:latin typeface="Times New Roman" panose="02020603050405020304" pitchFamily="18" charset="0"/>
-                <a:ea typeface="Times New Roman" panose="02020603050405020304" pitchFamily="18" charset="0"/>
-              </a:rPr>
-              <a:t> </a:t>
-            </a:r>
-            <a:r>
-              <a:rPr lang="en-US" sz="1800" dirty="0">
-                <a:effectLst/>
-                <a:latin typeface="Times New Roman" panose="02020603050405020304" pitchFamily="18" charset="0"/>
-                <a:ea typeface="Times New Roman" panose="02020603050405020304" pitchFamily="18" charset="0"/>
-              </a:rPr>
-              <a:t>of</a:t>
-            </a:r>
-            <a:r>
-              <a:rPr lang="en-US" sz="1800" spc="-5" dirty="0">
-                <a:effectLst/>
-                <a:latin typeface="Times New Roman" panose="02020603050405020304" pitchFamily="18" charset="0"/>
-                <a:ea typeface="Times New Roman" panose="02020603050405020304" pitchFamily="18" charset="0"/>
-              </a:rPr>
-              <a:t> </a:t>
-            </a:r>
-            <a:r>
-              <a:rPr lang="en-US" sz="1800" dirty="0">
-                <a:effectLst/>
-                <a:latin typeface="Times New Roman" panose="02020603050405020304" pitchFamily="18" charset="0"/>
-                <a:ea typeface="Times New Roman" panose="02020603050405020304" pitchFamily="18" charset="0"/>
-              </a:rPr>
-              <a:t>course</a:t>
-            </a:r>
-            <a:r>
-              <a:rPr lang="en-US" sz="1800" spc="-10" dirty="0">
-                <a:effectLst/>
-                <a:latin typeface="Times New Roman" panose="02020603050405020304" pitchFamily="18" charset="0"/>
-                <a:ea typeface="Times New Roman" panose="02020603050405020304" pitchFamily="18" charset="0"/>
-              </a:rPr>
-              <a:t> </a:t>
-            </a:r>
-            <a:r>
-              <a:rPr lang="en-US" sz="1800" dirty="0">
-                <a:effectLst/>
-                <a:latin typeface="Times New Roman" panose="02020603050405020304" pitchFamily="18" charset="0"/>
-                <a:ea typeface="Times New Roman" panose="02020603050405020304" pitchFamily="18" charset="0"/>
-              </a:rPr>
-              <a:t>depends on what your priorities happen</a:t>
-            </a:r>
-            <a:r>
-              <a:rPr lang="en-US" sz="1800" spc="10" dirty="0">
-                <a:effectLst/>
-                <a:latin typeface="Times New Roman" panose="02020603050405020304" pitchFamily="18" charset="0"/>
-                <a:ea typeface="Times New Roman" panose="02020603050405020304" pitchFamily="18" charset="0"/>
-              </a:rPr>
-              <a:t> </a:t>
-            </a:r>
-            <a:r>
-              <a:rPr lang="en-US" sz="1800" dirty="0">
-                <a:effectLst/>
-                <a:latin typeface="Times New Roman" panose="02020603050405020304" pitchFamily="18" charset="0"/>
-                <a:ea typeface="Times New Roman" panose="02020603050405020304" pitchFamily="18" charset="0"/>
-              </a:rPr>
-              <a:t>to be).</a:t>
-            </a:r>
-          </a:p>
-          <a:p>
-            <a:pPr marL="148590" marR="158750" indent="371475" algn="just">
-              <a:spcBef>
-                <a:spcPts val="2905"/>
-              </a:spcBef>
-              <a:spcAft>
-                <a:spcPts val="0"/>
-              </a:spcAft>
-            </a:pPr>
-            <a:endParaRPr lang="en-IN" sz="1800" dirty="0">
-              <a:effectLst/>
-              <a:latin typeface="Times New Roman" panose="02020603050405020304" pitchFamily="18" charset="0"/>
-              <a:ea typeface="Times New Roman" panose="02020603050405020304" pitchFamily="18" charset="0"/>
-            </a:endParaRPr>
-          </a:p>
-          <a:p>
-            <a:pPr marL="148590" marR="161290" indent="371475" algn="just">
-              <a:spcBef>
-                <a:spcPts val="420"/>
-              </a:spcBef>
-              <a:spcAft>
-                <a:spcPts val="0"/>
-              </a:spcAft>
-            </a:pPr>
-            <a:r>
-              <a:rPr lang="en-US" sz="1800" dirty="0">
-                <a:effectLst/>
-                <a:latin typeface="Times New Roman" panose="02020603050405020304" pitchFamily="18" charset="0"/>
-                <a:ea typeface="Times New Roman" panose="02020603050405020304" pitchFamily="18" charset="0"/>
-              </a:rPr>
-              <a:t>One</a:t>
-            </a:r>
-            <a:r>
-              <a:rPr lang="en-US" sz="1800" spc="-25" dirty="0">
-                <a:effectLst/>
-                <a:latin typeface="Times New Roman" panose="02020603050405020304" pitchFamily="18" charset="0"/>
-                <a:ea typeface="Times New Roman" panose="02020603050405020304" pitchFamily="18" charset="0"/>
-              </a:rPr>
-              <a:t> </a:t>
-            </a:r>
-            <a:r>
-              <a:rPr lang="en-US" sz="1800" dirty="0">
-                <a:effectLst/>
-                <a:latin typeface="Times New Roman" panose="02020603050405020304" pitchFamily="18" charset="0"/>
-                <a:ea typeface="Times New Roman" panose="02020603050405020304" pitchFamily="18" charset="0"/>
-              </a:rPr>
-              <a:t>way</a:t>
-            </a:r>
-            <a:r>
-              <a:rPr lang="en-US" sz="1800" spc="-15" dirty="0">
-                <a:effectLst/>
-                <a:latin typeface="Times New Roman" panose="02020603050405020304" pitchFamily="18" charset="0"/>
-                <a:ea typeface="Times New Roman" panose="02020603050405020304" pitchFamily="18" charset="0"/>
-              </a:rPr>
-              <a:t> </a:t>
-            </a:r>
-            <a:r>
-              <a:rPr lang="en-US" sz="1800" dirty="0">
-                <a:effectLst/>
-                <a:latin typeface="Times New Roman" panose="02020603050405020304" pitchFamily="18" charset="0"/>
-                <a:ea typeface="Times New Roman" panose="02020603050405020304" pitchFamily="18" charset="0"/>
-              </a:rPr>
-              <a:t>of</a:t>
-            </a:r>
-            <a:r>
-              <a:rPr lang="en-US" sz="1800" spc="-5" dirty="0">
-                <a:effectLst/>
-                <a:latin typeface="Times New Roman" panose="02020603050405020304" pitchFamily="18" charset="0"/>
-                <a:ea typeface="Times New Roman" panose="02020603050405020304" pitchFamily="18" charset="0"/>
-              </a:rPr>
-              <a:t> </a:t>
-            </a:r>
-            <a:r>
-              <a:rPr lang="en-US" sz="1800" dirty="0">
-                <a:effectLst/>
-                <a:latin typeface="Times New Roman" panose="02020603050405020304" pitchFamily="18" charset="0"/>
-                <a:ea typeface="Times New Roman" panose="02020603050405020304" pitchFamily="18" charset="0"/>
-              </a:rPr>
-              <a:t>measuring</a:t>
-            </a:r>
-            <a:r>
-              <a:rPr lang="en-US" sz="1800" spc="-15" dirty="0">
-                <a:effectLst/>
-                <a:latin typeface="Times New Roman" panose="02020603050405020304" pitchFamily="18" charset="0"/>
-                <a:ea typeface="Times New Roman" panose="02020603050405020304" pitchFamily="18" charset="0"/>
-              </a:rPr>
-              <a:t> </a:t>
-            </a:r>
-            <a:r>
-              <a:rPr lang="en-US" sz="1800" dirty="0">
-                <a:effectLst/>
-                <a:latin typeface="Times New Roman" panose="02020603050405020304" pitchFamily="18" charset="0"/>
-                <a:ea typeface="Times New Roman" panose="02020603050405020304" pitchFamily="18" charset="0"/>
-              </a:rPr>
-              <a:t>this</a:t>
-            </a:r>
-            <a:r>
-              <a:rPr lang="en-US" sz="1800" spc="-15" dirty="0">
-                <a:effectLst/>
-                <a:latin typeface="Times New Roman" panose="02020603050405020304" pitchFamily="18" charset="0"/>
-                <a:ea typeface="Times New Roman" panose="02020603050405020304" pitchFamily="18" charset="0"/>
-              </a:rPr>
-              <a:t> </a:t>
-            </a:r>
-            <a:r>
-              <a:rPr lang="en-US" sz="1800" dirty="0">
-                <a:effectLst/>
-                <a:latin typeface="Times New Roman" panose="02020603050405020304" pitchFamily="18" charset="0"/>
-                <a:ea typeface="Times New Roman" panose="02020603050405020304" pitchFamily="18" charset="0"/>
-              </a:rPr>
-              <a:t>sacrifice</a:t>
-            </a:r>
-            <a:r>
-              <a:rPr lang="en-US" sz="1800" spc="-20" dirty="0">
-                <a:effectLst/>
-                <a:latin typeface="Times New Roman" panose="02020603050405020304" pitchFamily="18" charset="0"/>
-                <a:ea typeface="Times New Roman" panose="02020603050405020304" pitchFamily="18" charset="0"/>
-              </a:rPr>
-              <a:t> </a:t>
-            </a:r>
-            <a:r>
-              <a:rPr lang="en-US" sz="1800" dirty="0">
-                <a:effectLst/>
-                <a:latin typeface="Times New Roman" panose="02020603050405020304" pitchFamily="18" charset="0"/>
-                <a:ea typeface="Times New Roman" panose="02020603050405020304" pitchFamily="18" charset="0"/>
-              </a:rPr>
-              <a:t>is</a:t>
-            </a:r>
-            <a:r>
-              <a:rPr lang="en-US" sz="1800" spc="-10" dirty="0">
-                <a:effectLst/>
-                <a:latin typeface="Times New Roman" panose="02020603050405020304" pitchFamily="18" charset="0"/>
-                <a:ea typeface="Times New Roman" panose="02020603050405020304" pitchFamily="18" charset="0"/>
-              </a:rPr>
-              <a:t> </a:t>
-            </a:r>
-            <a:r>
-              <a:rPr lang="en-US" sz="1800" dirty="0">
-                <a:effectLst/>
-                <a:latin typeface="Times New Roman" panose="02020603050405020304" pitchFamily="18" charset="0"/>
-                <a:ea typeface="Times New Roman" panose="02020603050405020304" pitchFamily="18" charset="0"/>
-              </a:rPr>
-              <a:t>known</a:t>
-            </a:r>
-            <a:r>
-              <a:rPr lang="en-US" sz="1800" spc="-15" dirty="0">
-                <a:effectLst/>
-                <a:latin typeface="Times New Roman" panose="02020603050405020304" pitchFamily="18" charset="0"/>
-                <a:ea typeface="Times New Roman" panose="02020603050405020304" pitchFamily="18" charset="0"/>
-              </a:rPr>
-              <a:t> </a:t>
-            </a:r>
-            <a:r>
-              <a:rPr lang="en-US" sz="1800" dirty="0">
-                <a:effectLst/>
-                <a:latin typeface="Times New Roman" panose="02020603050405020304" pitchFamily="18" charset="0"/>
-                <a:ea typeface="Times New Roman" panose="02020603050405020304" pitchFamily="18" charset="0"/>
-              </a:rPr>
-              <a:t>as the</a:t>
-            </a:r>
-            <a:r>
-              <a:rPr lang="en-US" sz="1800" spc="-20" dirty="0">
-                <a:effectLst/>
-                <a:latin typeface="Times New Roman" panose="02020603050405020304" pitchFamily="18" charset="0"/>
-                <a:ea typeface="Times New Roman" panose="02020603050405020304" pitchFamily="18" charset="0"/>
-              </a:rPr>
-              <a:t> </a:t>
-            </a:r>
-            <a:r>
-              <a:rPr lang="en-US" sz="1800" dirty="0">
-                <a:effectLst/>
-                <a:latin typeface="Times New Roman" panose="02020603050405020304" pitchFamily="18" charset="0"/>
-                <a:ea typeface="Times New Roman" panose="02020603050405020304" pitchFamily="18" charset="0"/>
-              </a:rPr>
-              <a:t>opportunity</a:t>
-            </a:r>
-            <a:r>
-              <a:rPr lang="en-US" sz="1800" spc="-10" dirty="0">
-                <a:effectLst/>
-                <a:latin typeface="Times New Roman" panose="02020603050405020304" pitchFamily="18" charset="0"/>
-                <a:ea typeface="Times New Roman" panose="02020603050405020304" pitchFamily="18" charset="0"/>
-              </a:rPr>
-              <a:t> </a:t>
-            </a:r>
-            <a:r>
-              <a:rPr lang="en-US" sz="1800" dirty="0">
-                <a:effectLst/>
-                <a:latin typeface="Times New Roman" panose="02020603050405020304" pitchFamily="18" charset="0"/>
-                <a:ea typeface="Times New Roman" panose="02020603050405020304" pitchFamily="18" charset="0"/>
-              </a:rPr>
-              <a:t>cost, which</a:t>
-            </a:r>
-            <a:r>
-              <a:rPr lang="en-US" sz="1800" spc="-15" dirty="0">
-                <a:effectLst/>
-                <a:latin typeface="Times New Roman" panose="02020603050405020304" pitchFamily="18" charset="0"/>
-                <a:ea typeface="Times New Roman" panose="02020603050405020304" pitchFamily="18" charset="0"/>
-              </a:rPr>
-              <a:t> </a:t>
-            </a:r>
-            <a:r>
-              <a:rPr lang="en-US" sz="1800" dirty="0">
-                <a:effectLst/>
-                <a:latin typeface="Times New Roman" panose="02020603050405020304" pitchFamily="18" charset="0"/>
-                <a:ea typeface="Times New Roman" panose="02020603050405020304" pitchFamily="18" charset="0"/>
-              </a:rPr>
-              <a:t>(for</a:t>
-            </a:r>
-            <a:r>
-              <a:rPr lang="en-US" sz="1800" spc="-10" dirty="0">
-                <a:effectLst/>
-                <a:latin typeface="Times New Roman" panose="02020603050405020304" pitchFamily="18" charset="0"/>
-                <a:ea typeface="Times New Roman" panose="02020603050405020304" pitchFamily="18" charset="0"/>
-              </a:rPr>
-              <a:t> </a:t>
-            </a:r>
-            <a:r>
-              <a:rPr lang="en-US" sz="1800" dirty="0">
-                <a:effectLst/>
-                <a:latin typeface="Times New Roman" panose="02020603050405020304" pitchFamily="18" charset="0"/>
-                <a:ea typeface="Times New Roman" panose="02020603050405020304" pitchFamily="18" charset="0"/>
-              </a:rPr>
-              <a:t>the</a:t>
-            </a:r>
-            <a:r>
-              <a:rPr lang="en-US" sz="1800" spc="-15" dirty="0">
-                <a:effectLst/>
-                <a:latin typeface="Times New Roman" panose="02020603050405020304" pitchFamily="18" charset="0"/>
-                <a:ea typeface="Times New Roman" panose="02020603050405020304" pitchFamily="18" charset="0"/>
-              </a:rPr>
-              <a:t> </a:t>
-            </a:r>
-            <a:r>
-              <a:rPr lang="en-US" sz="1800" dirty="0">
-                <a:effectLst/>
-                <a:latin typeface="Times New Roman" panose="02020603050405020304" pitchFamily="18" charset="0"/>
-                <a:ea typeface="Times New Roman" panose="02020603050405020304" pitchFamily="18" charset="0"/>
-              </a:rPr>
-              <a:t>purposes</a:t>
-            </a:r>
-            <a:r>
-              <a:rPr lang="en-US" sz="1800" spc="-285" dirty="0">
-                <a:effectLst/>
-                <a:latin typeface="Times New Roman" panose="02020603050405020304" pitchFamily="18" charset="0"/>
-                <a:ea typeface="Times New Roman" panose="02020603050405020304" pitchFamily="18" charset="0"/>
-              </a:rPr>
-              <a:t> </a:t>
-            </a:r>
-            <a:r>
-              <a:rPr lang="en-US" sz="1800" dirty="0">
-                <a:effectLst/>
-                <a:latin typeface="Times New Roman" panose="02020603050405020304" pitchFamily="18" charset="0"/>
-                <a:ea typeface="Times New Roman" panose="02020603050405020304" pitchFamily="18" charset="0"/>
-              </a:rPr>
-              <a:t>of this problem) we define as follows. In this problem statement we assume that these values are</a:t>
-            </a:r>
-            <a:r>
-              <a:rPr lang="en-US" sz="1800" spc="5" dirty="0">
-                <a:effectLst/>
-                <a:latin typeface="Times New Roman" panose="02020603050405020304" pitchFamily="18" charset="0"/>
-                <a:ea typeface="Times New Roman" panose="02020603050405020304" pitchFamily="18" charset="0"/>
-              </a:rPr>
-              <a:t> </a:t>
-            </a:r>
-            <a:r>
-              <a:rPr lang="en-US" sz="1800" dirty="0">
-                <a:effectLst/>
-                <a:latin typeface="Times New Roman" panose="02020603050405020304" pitchFamily="18" charset="0"/>
-                <a:ea typeface="Times New Roman" panose="02020603050405020304" pitchFamily="18" charset="0"/>
-              </a:rPr>
-              <a:t>measured on a comparable numeric scale higher is better.</a:t>
-            </a:r>
-          </a:p>
-          <a:p>
-            <a:pPr marL="148590" marR="161290" indent="371475" algn="just">
-              <a:spcBef>
-                <a:spcPts val="420"/>
-              </a:spcBef>
-              <a:spcAft>
-                <a:spcPts val="0"/>
-              </a:spcAft>
-            </a:pPr>
-            <a:endParaRPr lang="en-US" sz="1800" dirty="0">
-              <a:effectLst/>
-              <a:latin typeface="Times New Roman" panose="02020603050405020304" pitchFamily="18" charset="0"/>
-              <a:ea typeface="Times New Roman" panose="02020603050405020304" pitchFamily="18" charset="0"/>
-            </a:endParaRPr>
-          </a:p>
-          <a:p>
-            <a:pPr marL="148590" marR="161290" indent="371475" algn="just">
-              <a:spcBef>
-                <a:spcPts val="420"/>
-              </a:spcBef>
-              <a:spcAft>
-                <a:spcPts val="0"/>
-              </a:spcAft>
-            </a:pPr>
-            <a:r>
-              <a:rPr lang="en-US" sz="1800" dirty="0">
-                <a:effectLst/>
-                <a:latin typeface="Times New Roman" panose="02020603050405020304" pitchFamily="18" charset="0"/>
-                <a:ea typeface="Times New Roman" panose="02020603050405020304" pitchFamily="18" charset="0"/>
-              </a:rPr>
-              <a:t>x = price of the</a:t>
-            </a:r>
-            <a:r>
-              <a:rPr lang="en-US" sz="1800" spc="-285" dirty="0">
-                <a:effectLst/>
-                <a:latin typeface="Times New Roman" panose="02020603050405020304" pitchFamily="18" charset="0"/>
-                <a:ea typeface="Times New Roman" panose="02020603050405020304" pitchFamily="18" charset="0"/>
-              </a:rPr>
-              <a:t> </a:t>
-            </a:r>
-            <a:r>
-              <a:rPr lang="en-US" sz="1800" dirty="0">
-                <a:effectLst/>
-                <a:latin typeface="Times New Roman" panose="02020603050405020304" pitchFamily="18" charset="0"/>
-                <a:ea typeface="Times New Roman" panose="02020603050405020304" pitchFamily="18" charset="0"/>
-              </a:rPr>
-              <a:t>phone,</a:t>
-            </a:r>
-            <a:r>
-              <a:rPr lang="en-US" sz="1800" spc="-5" dirty="0">
-                <a:effectLst/>
-                <a:latin typeface="Times New Roman" panose="02020603050405020304" pitchFamily="18" charset="0"/>
-                <a:ea typeface="Times New Roman" panose="02020603050405020304" pitchFamily="18" charset="0"/>
-              </a:rPr>
-              <a:t> </a:t>
-            </a:r>
-            <a:r>
-              <a:rPr lang="en-US" sz="1800" dirty="0">
-                <a:effectLst/>
-                <a:latin typeface="Times New Roman" panose="02020603050405020304" pitchFamily="18" charset="0"/>
-                <a:ea typeface="Times New Roman" panose="02020603050405020304" pitchFamily="18" charset="0"/>
-              </a:rPr>
-              <a:t>y=</a:t>
-            </a:r>
-            <a:r>
-              <a:rPr lang="en-US" sz="1800" spc="-5" dirty="0">
-                <a:effectLst/>
-                <a:latin typeface="Times New Roman" panose="02020603050405020304" pitchFamily="18" charset="0"/>
-                <a:ea typeface="Times New Roman" panose="02020603050405020304" pitchFamily="18" charset="0"/>
-              </a:rPr>
-              <a:t> </a:t>
-            </a:r>
-            <a:r>
-              <a:rPr lang="en-US" sz="1800" dirty="0">
-                <a:effectLst/>
-                <a:latin typeface="Times New Roman" panose="02020603050405020304" pitchFamily="18" charset="0"/>
-                <a:ea typeface="Times New Roman" panose="02020603050405020304" pitchFamily="18" charset="0"/>
-              </a:rPr>
-              <a:t>performance of the</a:t>
-            </a:r>
-            <a:r>
-              <a:rPr lang="en-US" sz="1800" spc="-10" dirty="0">
-                <a:effectLst/>
-                <a:latin typeface="Times New Roman" panose="02020603050405020304" pitchFamily="18" charset="0"/>
-                <a:ea typeface="Times New Roman" panose="02020603050405020304" pitchFamily="18" charset="0"/>
-              </a:rPr>
-              <a:t> </a:t>
-            </a:r>
-            <a:r>
-              <a:rPr lang="en-US" sz="1800" dirty="0">
-                <a:effectLst/>
-                <a:latin typeface="Times New Roman" panose="02020603050405020304" pitchFamily="18" charset="0"/>
-                <a:ea typeface="Times New Roman" panose="02020603050405020304" pitchFamily="18" charset="0"/>
-              </a:rPr>
-              <a:t>phone, z=</a:t>
-            </a:r>
-            <a:r>
-              <a:rPr lang="en-US" sz="1800" spc="-5" dirty="0">
-                <a:effectLst/>
-                <a:latin typeface="Times New Roman" panose="02020603050405020304" pitchFamily="18" charset="0"/>
-                <a:ea typeface="Times New Roman" panose="02020603050405020304" pitchFamily="18" charset="0"/>
-              </a:rPr>
-              <a:t> </a:t>
-            </a:r>
-            <a:r>
-              <a:rPr lang="en-US" sz="1800" dirty="0">
-                <a:effectLst/>
-                <a:latin typeface="Times New Roman" panose="02020603050405020304" pitchFamily="18" charset="0"/>
-                <a:ea typeface="Times New Roman" panose="02020603050405020304" pitchFamily="18" charset="0"/>
-              </a:rPr>
-              <a:t>user-friendliness.</a:t>
-            </a:r>
-            <a:endParaRPr lang="en-IN" sz="1800" dirty="0">
-              <a:effectLst/>
-              <a:latin typeface="Times New Roman" panose="02020603050405020304" pitchFamily="18" charset="0"/>
-              <a:ea typeface="Times New Roman" panose="02020603050405020304" pitchFamily="18" charset="0"/>
-            </a:endParaRPr>
-          </a:p>
-        </p:txBody>
-      </p:sp>
-    </p:spTree>
-    <p:extLst>
-      <p:ext uri="{BB962C8B-B14F-4D97-AF65-F5344CB8AC3E}">
-        <p14:creationId xmlns:p14="http://schemas.microsoft.com/office/powerpoint/2010/main" val="1076060418"/>
-      </p:ext>
-    </p:extLst>
-  </p:cSld>
-  <p:clrMapOvr>
-    <a:masterClrMapping/>
-  </p:clrMapOvr>
-</p:sld>
-</file>
-
-<file path=ppt/slides/slide3.xml><?xml version="1.0" encoding="utf-8"?>
-<p:sld xmlns:a="http://schemas.openxmlformats.org/drawingml/2006/main" xmlns:r="http://schemas.openxmlformats.org/officeDocument/2006/relationships" xmlns:p="http://schemas.openxmlformats.org/presentationml/2006/main">
-  <p:cSld>
-    <p:spTree>
-      <p:nvGrpSpPr>
-        <p:cNvPr id="1" name=""/>
-        <p:cNvGrpSpPr/>
-        <p:nvPr/>
-      </p:nvGrpSpPr>
-      <p:grpSpPr>
-        <a:xfrm>
-          <a:off x="0" y="0"/>
-          <a:ext cx="0" cy="0"/>
-          <a:chOff x="0" y="0"/>
-          <a:chExt cx="0" cy="0"/>
-        </a:xfrm>
-      </p:grpSpPr>
-      <p:sp>
-        <p:nvSpPr>
-          <p:cNvPr id="3" name="Content Placeholder 2">
-            <a:extLst>
-              <a:ext uri="{FF2B5EF4-FFF2-40B4-BE49-F238E27FC236}">
-                <a16:creationId xmlns:a16="http://schemas.microsoft.com/office/drawing/2014/main" id="{7BE0816F-C0EA-5FBE-8A7E-E86C631DBE2A}"/>
-              </a:ext>
-            </a:extLst>
-          </p:cNvPr>
-          <p:cNvSpPr>
-            <a:spLocks noGrp="1"/>
-          </p:cNvSpPr>
-          <p:nvPr>
-            <p:ph idx="1"/>
-          </p:nvPr>
-        </p:nvSpPr>
-        <p:spPr>
-          <a:xfrm>
-            <a:off x="1085849" y="300037"/>
-            <a:ext cx="10896601" cy="6124575"/>
-          </a:xfrm>
-        </p:spPr>
-        <p:txBody>
-          <a:bodyPr>
-            <a:normAutofit/>
-          </a:bodyPr>
-          <a:lstStyle/>
-          <a:p>
-            <a:pPr marL="0" indent="0">
-              <a:buNone/>
-            </a:pPr>
-            <a:r>
-              <a:rPr lang="en-IN" dirty="0">
-                <a:solidFill>
-                  <a:srgbClr val="FF0000"/>
-                </a:solidFill>
-              </a:rPr>
-              <a:t>Introduction: </a:t>
-            </a:r>
-          </a:p>
-          <a:p>
-            <a:pPr marL="0" indent="0">
-              <a:spcBef>
-                <a:spcPts val="35"/>
-              </a:spcBef>
-              <a:buNone/>
-            </a:pPr>
-            <a:endParaRPr lang="en-IN" sz="1800" dirty="0">
-              <a:effectLst/>
-              <a:latin typeface="Times New Roman" panose="02020603050405020304" pitchFamily="18" charset="0"/>
-              <a:ea typeface="Times New Roman" panose="02020603050405020304" pitchFamily="18" charset="0"/>
-            </a:endParaRPr>
-          </a:p>
-          <a:p>
-            <a:pPr marL="0" indent="0">
-              <a:spcBef>
-                <a:spcPts val="35"/>
-              </a:spcBef>
-              <a:buNone/>
-            </a:pPr>
-            <a:endParaRPr lang="en-IN" sz="1800" dirty="0">
-              <a:effectLst/>
-              <a:latin typeface="Times New Roman" panose="02020603050405020304" pitchFamily="18" charset="0"/>
-              <a:ea typeface="Times New Roman" panose="02020603050405020304" pitchFamily="18" charset="0"/>
-            </a:endParaRPr>
-          </a:p>
-          <a:p>
-            <a:pPr marL="148590" marR="160020" indent="371475" algn="just">
-              <a:spcAft>
-                <a:spcPts val="0"/>
-              </a:spcAft>
-            </a:pPr>
-            <a:r>
-              <a:rPr lang="en-US" sz="1800" dirty="0">
-                <a:effectLst/>
-                <a:latin typeface="Times New Roman" panose="02020603050405020304" pitchFamily="18" charset="0"/>
-                <a:ea typeface="Times New Roman" panose="02020603050405020304" pitchFamily="18" charset="0"/>
-              </a:rPr>
-              <a:t>Principle</a:t>
-            </a:r>
-            <a:r>
-              <a:rPr lang="en-US" sz="1800" spc="-70" dirty="0">
-                <a:effectLst/>
-                <a:latin typeface="Times New Roman" panose="02020603050405020304" pitchFamily="18" charset="0"/>
-                <a:ea typeface="Times New Roman" panose="02020603050405020304" pitchFamily="18" charset="0"/>
-              </a:rPr>
-              <a:t> </a:t>
-            </a:r>
-            <a:r>
-              <a:rPr lang="en-US" sz="1800" dirty="0">
-                <a:effectLst/>
-                <a:latin typeface="Times New Roman" panose="02020603050405020304" pitchFamily="18" charset="0"/>
-                <a:ea typeface="Times New Roman" panose="02020603050405020304" pitchFamily="18" charset="0"/>
-              </a:rPr>
-              <a:t>of</a:t>
-            </a:r>
-            <a:r>
-              <a:rPr lang="en-US" sz="1800" spc="-70" dirty="0">
-                <a:effectLst/>
-                <a:latin typeface="Times New Roman" panose="02020603050405020304" pitchFamily="18" charset="0"/>
-                <a:ea typeface="Times New Roman" panose="02020603050405020304" pitchFamily="18" charset="0"/>
-              </a:rPr>
-              <a:t> </a:t>
-            </a:r>
-            <a:r>
-              <a:rPr lang="en-US" sz="1800" dirty="0">
-                <a:effectLst/>
-                <a:latin typeface="Times New Roman" panose="02020603050405020304" pitchFamily="18" charset="0"/>
-                <a:ea typeface="Times New Roman" panose="02020603050405020304" pitchFamily="18" charset="0"/>
-              </a:rPr>
-              <a:t>opportunity</a:t>
-            </a:r>
-            <a:r>
-              <a:rPr lang="en-US" sz="1800" spc="-60" dirty="0">
-                <a:effectLst/>
-                <a:latin typeface="Times New Roman" panose="02020603050405020304" pitchFamily="18" charset="0"/>
-                <a:ea typeface="Times New Roman" panose="02020603050405020304" pitchFamily="18" charset="0"/>
-              </a:rPr>
-              <a:t> </a:t>
-            </a:r>
-            <a:r>
-              <a:rPr lang="en-US" sz="1800" dirty="0">
-                <a:effectLst/>
-                <a:latin typeface="Times New Roman" panose="02020603050405020304" pitchFamily="18" charset="0"/>
-                <a:ea typeface="Times New Roman" panose="02020603050405020304" pitchFamily="18" charset="0"/>
-              </a:rPr>
-              <a:t>cost</a:t>
-            </a:r>
-            <a:r>
-              <a:rPr lang="en-US" sz="1800" spc="-65" dirty="0">
-                <a:effectLst/>
-                <a:latin typeface="Times New Roman" panose="02020603050405020304" pitchFamily="18" charset="0"/>
-                <a:ea typeface="Times New Roman" panose="02020603050405020304" pitchFamily="18" charset="0"/>
-              </a:rPr>
-              <a:t> </a:t>
-            </a:r>
-            <a:r>
-              <a:rPr lang="en-US" sz="1800" dirty="0">
-                <a:effectLst/>
-                <a:latin typeface="Times New Roman" panose="02020603050405020304" pitchFamily="18" charset="0"/>
-                <a:ea typeface="Times New Roman" panose="02020603050405020304" pitchFamily="18" charset="0"/>
-              </a:rPr>
-              <a:t>is</a:t>
-            </a:r>
-            <a:r>
-              <a:rPr lang="en-US" sz="1800" spc="-65" dirty="0">
-                <a:effectLst/>
-                <a:latin typeface="Times New Roman" panose="02020603050405020304" pitchFamily="18" charset="0"/>
-                <a:ea typeface="Times New Roman" panose="02020603050405020304" pitchFamily="18" charset="0"/>
-              </a:rPr>
-              <a:t> </a:t>
-            </a:r>
-            <a:r>
-              <a:rPr lang="en-US" sz="1800" dirty="0">
-                <a:effectLst/>
-                <a:latin typeface="Times New Roman" panose="02020603050405020304" pitchFamily="18" charset="0"/>
-                <a:ea typeface="Times New Roman" panose="02020603050405020304" pitchFamily="18" charset="0"/>
-              </a:rPr>
-              <a:t>that</a:t>
-            </a:r>
-            <a:r>
-              <a:rPr lang="en-US" sz="1800" spc="-60" dirty="0">
-                <a:effectLst/>
-                <a:latin typeface="Times New Roman" panose="02020603050405020304" pitchFamily="18" charset="0"/>
-                <a:ea typeface="Times New Roman" panose="02020603050405020304" pitchFamily="18" charset="0"/>
-              </a:rPr>
-              <a:t> </a:t>
-            </a:r>
-            <a:r>
-              <a:rPr lang="en-US" sz="1800" dirty="0">
-                <a:effectLst/>
-                <a:latin typeface="Times New Roman" panose="02020603050405020304" pitchFamily="18" charset="0"/>
-                <a:ea typeface="Times New Roman" panose="02020603050405020304" pitchFamily="18" charset="0"/>
-              </a:rPr>
-              <a:t>the</a:t>
-            </a:r>
-            <a:r>
-              <a:rPr lang="en-US" sz="1800" spc="-70" dirty="0">
-                <a:effectLst/>
-                <a:latin typeface="Times New Roman" panose="02020603050405020304" pitchFamily="18" charset="0"/>
-                <a:ea typeface="Times New Roman" panose="02020603050405020304" pitchFamily="18" charset="0"/>
-              </a:rPr>
-              <a:t> </a:t>
-            </a:r>
-            <a:r>
-              <a:rPr lang="en-US" sz="1800" dirty="0">
-                <a:effectLst/>
-                <a:latin typeface="Times New Roman" panose="02020603050405020304" pitchFamily="18" charset="0"/>
-                <a:ea typeface="Times New Roman" panose="02020603050405020304" pitchFamily="18" charset="0"/>
-              </a:rPr>
-              <a:t>cost</a:t>
-            </a:r>
-            <a:r>
-              <a:rPr lang="en-US" sz="1800" spc="-60" dirty="0">
-                <a:effectLst/>
-                <a:latin typeface="Times New Roman" panose="02020603050405020304" pitchFamily="18" charset="0"/>
-                <a:ea typeface="Times New Roman" panose="02020603050405020304" pitchFamily="18" charset="0"/>
-              </a:rPr>
-              <a:t> </a:t>
-            </a:r>
-            <a:r>
-              <a:rPr lang="en-US" sz="1800" dirty="0">
-                <a:effectLst/>
-                <a:latin typeface="Times New Roman" panose="02020603050405020304" pitchFamily="18" charset="0"/>
-                <a:ea typeface="Times New Roman" panose="02020603050405020304" pitchFamily="18" charset="0"/>
-              </a:rPr>
-              <a:t>of</a:t>
-            </a:r>
-            <a:r>
-              <a:rPr lang="en-US" sz="1800" spc="-70" dirty="0">
-                <a:effectLst/>
-                <a:latin typeface="Times New Roman" panose="02020603050405020304" pitchFamily="18" charset="0"/>
-                <a:ea typeface="Times New Roman" panose="02020603050405020304" pitchFamily="18" charset="0"/>
-              </a:rPr>
-              <a:t> </a:t>
-            </a:r>
-            <a:r>
-              <a:rPr lang="en-US" sz="1800" dirty="0">
-                <a:effectLst/>
-                <a:latin typeface="Times New Roman" panose="02020603050405020304" pitchFamily="18" charset="0"/>
-                <a:ea typeface="Times New Roman" panose="02020603050405020304" pitchFamily="18" charset="0"/>
-              </a:rPr>
-              <a:t>one</a:t>
-            </a:r>
-            <a:r>
-              <a:rPr lang="en-US" sz="1800" spc="-70" dirty="0">
-                <a:effectLst/>
-                <a:latin typeface="Times New Roman" panose="02020603050405020304" pitchFamily="18" charset="0"/>
-                <a:ea typeface="Times New Roman" panose="02020603050405020304" pitchFamily="18" charset="0"/>
-              </a:rPr>
-              <a:t> </a:t>
-            </a:r>
-            <a:r>
-              <a:rPr lang="en-US" sz="1800" dirty="0">
-                <a:effectLst/>
-                <a:latin typeface="Times New Roman" panose="02020603050405020304" pitchFamily="18" charset="0"/>
-                <a:ea typeface="Times New Roman" panose="02020603050405020304" pitchFamily="18" charset="0"/>
-              </a:rPr>
-              <a:t>item</a:t>
-            </a:r>
-            <a:r>
-              <a:rPr lang="en-US" sz="1800" spc="-60" dirty="0">
-                <a:effectLst/>
-                <a:latin typeface="Times New Roman" panose="02020603050405020304" pitchFamily="18" charset="0"/>
-                <a:ea typeface="Times New Roman" panose="02020603050405020304" pitchFamily="18" charset="0"/>
-              </a:rPr>
-              <a:t> </a:t>
-            </a:r>
-            <a:r>
-              <a:rPr lang="en-US" sz="1800" dirty="0">
-                <a:effectLst/>
-                <a:latin typeface="Times New Roman" panose="02020603050405020304" pitchFamily="18" charset="0"/>
-                <a:ea typeface="Times New Roman" panose="02020603050405020304" pitchFamily="18" charset="0"/>
-              </a:rPr>
-              <a:t>is</a:t>
-            </a:r>
-            <a:r>
-              <a:rPr lang="en-US" sz="1800" spc="-65" dirty="0">
-                <a:effectLst/>
-                <a:latin typeface="Times New Roman" panose="02020603050405020304" pitchFamily="18" charset="0"/>
-                <a:ea typeface="Times New Roman" panose="02020603050405020304" pitchFamily="18" charset="0"/>
-              </a:rPr>
-              <a:t> </a:t>
-            </a:r>
-            <a:r>
-              <a:rPr lang="en-US" sz="1800" dirty="0">
-                <a:effectLst/>
-                <a:latin typeface="Times New Roman" panose="02020603050405020304" pitchFamily="18" charset="0"/>
-                <a:ea typeface="Times New Roman" panose="02020603050405020304" pitchFamily="18" charset="0"/>
-              </a:rPr>
-              <a:t>the</a:t>
-            </a:r>
-            <a:r>
-              <a:rPr lang="en-US" sz="1800" spc="-65" dirty="0">
-                <a:effectLst/>
-                <a:latin typeface="Times New Roman" panose="02020603050405020304" pitchFamily="18" charset="0"/>
-                <a:ea typeface="Times New Roman" panose="02020603050405020304" pitchFamily="18" charset="0"/>
-              </a:rPr>
-              <a:t> </a:t>
-            </a:r>
-            <a:r>
-              <a:rPr lang="en-US" sz="1800" dirty="0">
-                <a:effectLst/>
-                <a:latin typeface="Times New Roman" panose="02020603050405020304" pitchFamily="18" charset="0"/>
-                <a:ea typeface="Times New Roman" panose="02020603050405020304" pitchFamily="18" charset="0"/>
-              </a:rPr>
-              <a:t>lost</a:t>
-            </a:r>
-            <a:r>
-              <a:rPr lang="en-US" sz="1800" spc="-65" dirty="0">
-                <a:effectLst/>
-                <a:latin typeface="Times New Roman" panose="02020603050405020304" pitchFamily="18" charset="0"/>
-                <a:ea typeface="Times New Roman" panose="02020603050405020304" pitchFamily="18" charset="0"/>
-              </a:rPr>
-              <a:t> </a:t>
-            </a:r>
-            <a:r>
-              <a:rPr lang="en-US" sz="1800" dirty="0">
-                <a:effectLst/>
-                <a:latin typeface="Times New Roman" panose="02020603050405020304" pitchFamily="18" charset="0"/>
-                <a:ea typeface="Times New Roman" panose="02020603050405020304" pitchFamily="18" charset="0"/>
-              </a:rPr>
-              <a:t>opportunity</a:t>
-            </a:r>
-            <a:r>
-              <a:rPr lang="en-US" sz="1800" spc="-65" dirty="0">
-                <a:effectLst/>
-                <a:latin typeface="Times New Roman" panose="02020603050405020304" pitchFamily="18" charset="0"/>
-                <a:ea typeface="Times New Roman" panose="02020603050405020304" pitchFamily="18" charset="0"/>
-              </a:rPr>
-              <a:t> </a:t>
-            </a:r>
-            <a:r>
-              <a:rPr lang="en-US" sz="1800" dirty="0">
-                <a:effectLst/>
-                <a:latin typeface="Times New Roman" panose="02020603050405020304" pitchFamily="18" charset="0"/>
-                <a:ea typeface="Times New Roman" panose="02020603050405020304" pitchFamily="18" charset="0"/>
-              </a:rPr>
-              <a:t>to</a:t>
-            </a:r>
-            <a:r>
-              <a:rPr lang="en-US" sz="1800" spc="-60" dirty="0">
-                <a:effectLst/>
-                <a:latin typeface="Times New Roman" panose="02020603050405020304" pitchFamily="18" charset="0"/>
-                <a:ea typeface="Times New Roman" panose="02020603050405020304" pitchFamily="18" charset="0"/>
-              </a:rPr>
-              <a:t> </a:t>
-            </a:r>
-            <a:r>
-              <a:rPr lang="en-US" sz="1800" dirty="0">
-                <a:effectLst/>
-                <a:latin typeface="Times New Roman" panose="02020603050405020304" pitchFamily="18" charset="0"/>
-                <a:ea typeface="Times New Roman" panose="02020603050405020304" pitchFamily="18" charset="0"/>
-              </a:rPr>
-              <a:t>do</a:t>
-            </a:r>
-            <a:r>
-              <a:rPr lang="en-US" sz="1800" spc="-65" dirty="0">
-                <a:effectLst/>
-                <a:latin typeface="Times New Roman" panose="02020603050405020304" pitchFamily="18" charset="0"/>
-                <a:ea typeface="Times New Roman" panose="02020603050405020304" pitchFamily="18" charset="0"/>
-              </a:rPr>
-              <a:t> </a:t>
-            </a:r>
-            <a:r>
-              <a:rPr lang="en-US" sz="1800" dirty="0">
-                <a:effectLst/>
-                <a:latin typeface="Times New Roman" panose="02020603050405020304" pitchFamily="18" charset="0"/>
-                <a:ea typeface="Times New Roman" panose="02020603050405020304" pitchFamily="18" charset="0"/>
-              </a:rPr>
-              <a:t>or</a:t>
-            </a:r>
-            <a:r>
-              <a:rPr lang="en-US" sz="1800" spc="-65" dirty="0">
-                <a:effectLst/>
-                <a:latin typeface="Times New Roman" panose="02020603050405020304" pitchFamily="18" charset="0"/>
-                <a:ea typeface="Times New Roman" panose="02020603050405020304" pitchFamily="18" charset="0"/>
-              </a:rPr>
-              <a:t> </a:t>
-            </a:r>
-            <a:r>
-              <a:rPr lang="en-US" sz="1800" dirty="0">
-                <a:effectLst/>
-                <a:latin typeface="Times New Roman" panose="02020603050405020304" pitchFamily="18" charset="0"/>
-                <a:ea typeface="Times New Roman" panose="02020603050405020304" pitchFamily="18" charset="0"/>
-              </a:rPr>
-              <a:t>consume</a:t>
-            </a:r>
-            <a:r>
-              <a:rPr lang="en-US" sz="1800" spc="-290" dirty="0">
-                <a:effectLst/>
-                <a:latin typeface="Times New Roman" panose="02020603050405020304" pitchFamily="18" charset="0"/>
-                <a:ea typeface="Times New Roman" panose="02020603050405020304" pitchFamily="18" charset="0"/>
-              </a:rPr>
-              <a:t> </a:t>
-            </a:r>
-            <a:r>
-              <a:rPr lang="en-US" sz="1800" dirty="0">
-                <a:effectLst/>
-                <a:latin typeface="Times New Roman" panose="02020603050405020304" pitchFamily="18" charset="0"/>
-                <a:ea typeface="Times New Roman" panose="02020603050405020304" pitchFamily="18" charset="0"/>
-              </a:rPr>
-              <a:t>something else; in short opportunity cost is the value of the next best alternative. </a:t>
-            </a:r>
-          </a:p>
-          <a:p>
-            <a:pPr marL="148590" marR="160020" indent="371475" algn="just">
-              <a:spcAft>
-                <a:spcPts val="0"/>
-              </a:spcAft>
-            </a:pPr>
-            <a:endParaRPr lang="en-US" sz="1800" dirty="0">
-              <a:effectLst/>
-              <a:latin typeface="Times New Roman" panose="02020603050405020304" pitchFamily="18" charset="0"/>
-              <a:ea typeface="Times New Roman" panose="02020603050405020304" pitchFamily="18" charset="0"/>
-            </a:endParaRPr>
-          </a:p>
-          <a:p>
-            <a:pPr marL="148590" marR="160020" indent="371475" algn="just">
-              <a:spcAft>
-                <a:spcPts val="0"/>
-              </a:spcAft>
-            </a:pPr>
-            <a:r>
-              <a:rPr lang="en-US" sz="1800" dirty="0">
-                <a:effectLst/>
-                <a:latin typeface="Times New Roman" panose="02020603050405020304" pitchFamily="18" charset="0"/>
-                <a:ea typeface="Times New Roman" panose="02020603050405020304" pitchFamily="18" charset="0"/>
-              </a:rPr>
-              <a:t>Opportunity cost is the potential profit that an individual, investor, or business loses when</a:t>
-            </a:r>
-            <a:r>
-              <a:rPr lang="en-US" sz="1800" spc="5" dirty="0">
-                <a:effectLst/>
-                <a:latin typeface="Times New Roman" panose="02020603050405020304" pitchFamily="18" charset="0"/>
-                <a:ea typeface="Times New Roman" panose="02020603050405020304" pitchFamily="18" charset="0"/>
-              </a:rPr>
-              <a:t> </a:t>
-            </a:r>
-            <a:r>
-              <a:rPr lang="en-US" sz="1800" dirty="0">
-                <a:effectLst/>
-                <a:latin typeface="Times New Roman" panose="02020603050405020304" pitchFamily="18" charset="0"/>
-                <a:ea typeface="Times New Roman" panose="02020603050405020304" pitchFamily="18" charset="0"/>
-              </a:rPr>
-              <a:t>choosing one alternative over another. Opportunity cost apply to many aspects of life decision. </a:t>
-            </a:r>
-          </a:p>
-          <a:p>
-            <a:pPr marL="148590" marR="160020" indent="371475" algn="just">
-              <a:spcAft>
-                <a:spcPts val="0"/>
-              </a:spcAft>
-            </a:pPr>
-            <a:endParaRPr lang="en-US" dirty="0">
-              <a:latin typeface="Times New Roman" panose="02020603050405020304" pitchFamily="18" charset="0"/>
-              <a:ea typeface="Times New Roman" panose="02020603050405020304" pitchFamily="18" charset="0"/>
-            </a:endParaRPr>
-          </a:p>
-          <a:p>
-            <a:pPr marL="148590" marR="160020" indent="0" algn="just">
-              <a:spcAft>
-                <a:spcPts val="0"/>
-              </a:spcAft>
-              <a:buNone/>
-            </a:pPr>
-            <a:r>
-              <a:rPr lang="en-US" sz="1800" dirty="0" err="1">
-                <a:effectLst/>
-                <a:latin typeface="Times New Roman" panose="02020603050405020304" pitchFamily="18" charset="0"/>
-                <a:ea typeface="Times New Roman" panose="02020603050405020304" pitchFamily="18" charset="0"/>
-              </a:rPr>
-              <a:t>Eg.</a:t>
-            </a:r>
-            <a:r>
-              <a:rPr lang="en-US" sz="1800" dirty="0">
-                <a:effectLst/>
-                <a:latin typeface="Times New Roman" panose="02020603050405020304" pitchFamily="18" charset="0"/>
-                <a:ea typeface="Times New Roman" panose="02020603050405020304" pitchFamily="18" charset="0"/>
-              </a:rPr>
-              <a:t> Often,</a:t>
-            </a:r>
-            <a:r>
-              <a:rPr lang="en-US" sz="1800" spc="5" dirty="0">
-                <a:effectLst/>
-                <a:latin typeface="Times New Roman" panose="02020603050405020304" pitchFamily="18" charset="0"/>
-                <a:ea typeface="Times New Roman" panose="02020603050405020304" pitchFamily="18" charset="0"/>
-              </a:rPr>
-              <a:t> </a:t>
-            </a:r>
-            <a:r>
-              <a:rPr lang="en-US" sz="1800" dirty="0">
-                <a:effectLst/>
-                <a:latin typeface="Times New Roman" panose="02020603050405020304" pitchFamily="18" charset="0"/>
-                <a:ea typeface="Times New Roman" panose="02020603050405020304" pitchFamily="18" charset="0"/>
-              </a:rPr>
-              <a:t>money becomes the root causes decision-making. If you decide to spend money on a vacation and you</a:t>
-            </a:r>
-            <a:r>
-              <a:rPr lang="en-US" sz="1800" spc="-285" dirty="0">
-                <a:effectLst/>
-                <a:latin typeface="Times New Roman" panose="02020603050405020304" pitchFamily="18" charset="0"/>
-                <a:ea typeface="Times New Roman" panose="02020603050405020304" pitchFamily="18" charset="0"/>
-              </a:rPr>
-              <a:t> </a:t>
-            </a:r>
-            <a:r>
-              <a:rPr lang="en-US" sz="1800" dirty="0">
-                <a:effectLst/>
-                <a:latin typeface="Times New Roman" panose="02020603050405020304" pitchFamily="18" charset="0"/>
-                <a:ea typeface="Times New Roman" panose="02020603050405020304" pitchFamily="18" charset="0"/>
-              </a:rPr>
-              <a:t>delay</a:t>
-            </a:r>
-            <a:r>
-              <a:rPr lang="en-US" sz="1800" spc="-5" dirty="0">
-                <a:effectLst/>
-                <a:latin typeface="Times New Roman" panose="02020603050405020304" pitchFamily="18" charset="0"/>
-                <a:ea typeface="Times New Roman" panose="02020603050405020304" pitchFamily="18" charset="0"/>
-              </a:rPr>
-              <a:t> </a:t>
-            </a:r>
-            <a:r>
-              <a:rPr lang="en-US" sz="1800" dirty="0">
-                <a:effectLst/>
-                <a:latin typeface="Times New Roman" panose="02020603050405020304" pitchFamily="18" charset="0"/>
-                <a:ea typeface="Times New Roman" panose="02020603050405020304" pitchFamily="18" charset="0"/>
-              </a:rPr>
-              <a:t>your</a:t>
-            </a:r>
-            <a:r>
-              <a:rPr lang="en-US" sz="1800" spc="-10" dirty="0">
-                <a:effectLst/>
-                <a:latin typeface="Times New Roman" panose="02020603050405020304" pitchFamily="18" charset="0"/>
-                <a:ea typeface="Times New Roman" panose="02020603050405020304" pitchFamily="18" charset="0"/>
-              </a:rPr>
-              <a:t> </a:t>
-            </a:r>
-            <a:r>
-              <a:rPr lang="en-US" sz="1800" dirty="0">
-                <a:effectLst/>
-                <a:latin typeface="Times New Roman" panose="02020603050405020304" pitchFamily="18" charset="0"/>
-                <a:ea typeface="Times New Roman" panose="02020603050405020304" pitchFamily="18" charset="0"/>
-              </a:rPr>
-              <a:t>home’s</a:t>
-            </a:r>
-            <a:r>
-              <a:rPr lang="en-US" sz="1800" spc="5" dirty="0">
-                <a:effectLst/>
-                <a:latin typeface="Times New Roman" panose="02020603050405020304" pitchFamily="18" charset="0"/>
-                <a:ea typeface="Times New Roman" panose="02020603050405020304" pitchFamily="18" charset="0"/>
-              </a:rPr>
-              <a:t> </a:t>
-            </a:r>
-            <a:r>
-              <a:rPr lang="en-US" sz="1800" dirty="0">
-                <a:effectLst/>
-                <a:latin typeface="Times New Roman" panose="02020603050405020304" pitchFamily="18" charset="0"/>
-                <a:ea typeface="Times New Roman" panose="02020603050405020304" pitchFamily="18" charset="0"/>
-              </a:rPr>
-              <a:t>remodel, then</a:t>
-            </a:r>
-            <a:r>
-              <a:rPr lang="en-US" sz="1800" spc="-5" dirty="0">
-                <a:effectLst/>
-                <a:latin typeface="Times New Roman" panose="02020603050405020304" pitchFamily="18" charset="0"/>
-                <a:ea typeface="Times New Roman" panose="02020603050405020304" pitchFamily="18" charset="0"/>
-              </a:rPr>
-              <a:t> </a:t>
-            </a:r>
-            <a:r>
-              <a:rPr lang="en-US" sz="1800" dirty="0">
-                <a:effectLst/>
-                <a:latin typeface="Times New Roman" panose="02020603050405020304" pitchFamily="18" charset="0"/>
-                <a:ea typeface="Times New Roman" panose="02020603050405020304" pitchFamily="18" charset="0"/>
-              </a:rPr>
-              <a:t>your</a:t>
-            </a:r>
-            <a:r>
-              <a:rPr lang="en-US" sz="1800" spc="-5" dirty="0">
-                <a:effectLst/>
-                <a:latin typeface="Times New Roman" panose="02020603050405020304" pitchFamily="18" charset="0"/>
-                <a:ea typeface="Times New Roman" panose="02020603050405020304" pitchFamily="18" charset="0"/>
-              </a:rPr>
-              <a:t> </a:t>
-            </a:r>
-            <a:r>
-              <a:rPr lang="en-US" sz="1800" dirty="0">
-                <a:effectLst/>
-                <a:latin typeface="Times New Roman" panose="02020603050405020304" pitchFamily="18" charset="0"/>
-                <a:ea typeface="Times New Roman" panose="02020603050405020304" pitchFamily="18" charset="0"/>
-              </a:rPr>
-              <a:t>opportunity</a:t>
-            </a:r>
-            <a:r>
-              <a:rPr lang="en-US" sz="1800" spc="-5" dirty="0">
-                <a:effectLst/>
-                <a:latin typeface="Times New Roman" panose="02020603050405020304" pitchFamily="18" charset="0"/>
-                <a:ea typeface="Times New Roman" panose="02020603050405020304" pitchFamily="18" charset="0"/>
-              </a:rPr>
-              <a:t> </a:t>
-            </a:r>
-            <a:r>
-              <a:rPr lang="en-US" sz="1800" dirty="0">
-                <a:effectLst/>
-                <a:latin typeface="Times New Roman" panose="02020603050405020304" pitchFamily="18" charset="0"/>
-                <a:ea typeface="Times New Roman" panose="02020603050405020304" pitchFamily="18" charset="0"/>
-              </a:rPr>
-              <a:t>cost is</a:t>
-            </a:r>
-            <a:r>
-              <a:rPr lang="en-US" sz="1800" spc="-10" dirty="0">
-                <a:effectLst/>
-                <a:latin typeface="Times New Roman" panose="02020603050405020304" pitchFamily="18" charset="0"/>
-                <a:ea typeface="Times New Roman" panose="02020603050405020304" pitchFamily="18" charset="0"/>
-              </a:rPr>
-              <a:t> </a:t>
-            </a:r>
-            <a:r>
-              <a:rPr lang="en-US" sz="1800" dirty="0">
-                <a:effectLst/>
-                <a:latin typeface="Times New Roman" panose="02020603050405020304" pitchFamily="18" charset="0"/>
-                <a:ea typeface="Times New Roman" panose="02020603050405020304" pitchFamily="18" charset="0"/>
-              </a:rPr>
-              <a:t>the benefit</a:t>
-            </a:r>
-            <a:r>
-              <a:rPr lang="en-US" sz="1800" spc="-5" dirty="0">
-                <a:effectLst/>
-                <a:latin typeface="Times New Roman" panose="02020603050405020304" pitchFamily="18" charset="0"/>
-                <a:ea typeface="Times New Roman" panose="02020603050405020304" pitchFamily="18" charset="0"/>
-              </a:rPr>
-              <a:t> </a:t>
-            </a:r>
-            <a:r>
-              <a:rPr lang="en-US" sz="1800" dirty="0">
-                <a:effectLst/>
-                <a:latin typeface="Times New Roman" panose="02020603050405020304" pitchFamily="18" charset="0"/>
-                <a:ea typeface="Times New Roman" panose="02020603050405020304" pitchFamily="18" charset="0"/>
-              </a:rPr>
-              <a:t>living in</a:t>
-            </a:r>
-            <a:r>
-              <a:rPr lang="en-US" sz="1800" spc="-5" dirty="0">
-                <a:effectLst/>
-                <a:latin typeface="Times New Roman" panose="02020603050405020304" pitchFamily="18" charset="0"/>
-                <a:ea typeface="Times New Roman" panose="02020603050405020304" pitchFamily="18" charset="0"/>
-              </a:rPr>
-              <a:t> </a:t>
-            </a:r>
-            <a:r>
-              <a:rPr lang="en-US" sz="1800" dirty="0">
-                <a:effectLst/>
-                <a:latin typeface="Times New Roman" panose="02020603050405020304" pitchFamily="18" charset="0"/>
-                <a:ea typeface="Times New Roman" panose="02020603050405020304" pitchFamily="18" charset="0"/>
-              </a:rPr>
-              <a:t>a renovated</a:t>
-            </a:r>
-            <a:r>
-              <a:rPr lang="en-US" sz="1800" spc="-5" dirty="0">
-                <a:effectLst/>
-                <a:latin typeface="Times New Roman" panose="02020603050405020304" pitchFamily="18" charset="0"/>
-                <a:ea typeface="Times New Roman" panose="02020603050405020304" pitchFamily="18" charset="0"/>
-              </a:rPr>
-              <a:t> </a:t>
-            </a:r>
-            <a:r>
-              <a:rPr lang="en-US" sz="1800" dirty="0">
-                <a:effectLst/>
-                <a:latin typeface="Times New Roman" panose="02020603050405020304" pitchFamily="18" charset="0"/>
-                <a:ea typeface="Times New Roman" panose="02020603050405020304" pitchFamily="18" charset="0"/>
-              </a:rPr>
-              <a:t>home.</a:t>
-            </a:r>
-            <a:endParaRPr lang="en-IN" sz="1800" dirty="0">
-              <a:effectLst/>
-              <a:latin typeface="Times New Roman" panose="02020603050405020304" pitchFamily="18" charset="0"/>
-              <a:ea typeface="Times New Roman" panose="02020603050405020304" pitchFamily="18" charset="0"/>
-            </a:endParaRPr>
-          </a:p>
-          <a:p>
-            <a:pPr marL="0" indent="0">
-              <a:spcBef>
-                <a:spcPts val="10"/>
-              </a:spcBef>
-              <a:buNone/>
-            </a:pPr>
-            <a:endParaRPr lang="en-IN" sz="1800" dirty="0">
-              <a:effectLst/>
-              <a:latin typeface="Times New Roman" panose="02020603050405020304" pitchFamily="18" charset="0"/>
-              <a:ea typeface="Times New Roman" panose="02020603050405020304" pitchFamily="18" charset="0"/>
-            </a:endParaRPr>
-          </a:p>
-          <a:p>
-            <a:pPr marL="148590" marR="161290" indent="371475" algn="just">
-              <a:spcAft>
-                <a:spcPts val="0"/>
-              </a:spcAft>
-            </a:pPr>
-            <a:r>
-              <a:rPr lang="en-US" sz="1800" dirty="0">
-                <a:effectLst/>
-                <a:latin typeface="Times New Roman" panose="02020603050405020304" pitchFamily="18" charset="0"/>
-                <a:ea typeface="Times New Roman" panose="02020603050405020304" pitchFamily="18" charset="0"/>
-              </a:rPr>
-              <a:t>Opportunity cost is the cost of taking one decision over another. This is not only</a:t>
-            </a:r>
-            <a:r>
-              <a:rPr lang="en-US" sz="1800" spc="5" dirty="0">
-                <a:effectLst/>
-                <a:latin typeface="Times New Roman" panose="02020603050405020304" pitchFamily="18" charset="0"/>
-                <a:ea typeface="Times New Roman" panose="02020603050405020304" pitchFamily="18" charset="0"/>
-              </a:rPr>
-              <a:t> </a:t>
-            </a:r>
-            <a:r>
-              <a:rPr lang="en-US" sz="1800" dirty="0">
-                <a:effectLst/>
-                <a:latin typeface="Times New Roman" panose="02020603050405020304" pitchFamily="18" charset="0"/>
-                <a:ea typeface="Times New Roman" panose="02020603050405020304" pitchFamily="18" charset="0"/>
-              </a:rPr>
-              <a:t>financial, but also in time, efforts and utility. Opportunity cost can lead to optimal decision making</a:t>
-            </a:r>
-            <a:r>
-              <a:rPr lang="en-US" sz="1800" spc="5" dirty="0">
-                <a:effectLst/>
-                <a:latin typeface="Times New Roman" panose="02020603050405020304" pitchFamily="18" charset="0"/>
-                <a:ea typeface="Times New Roman" panose="02020603050405020304" pitchFamily="18" charset="0"/>
-              </a:rPr>
-              <a:t> </a:t>
-            </a:r>
-            <a:r>
-              <a:rPr lang="en-US" sz="1800" dirty="0">
-                <a:effectLst/>
-                <a:latin typeface="Times New Roman" panose="02020603050405020304" pitchFamily="18" charset="0"/>
-                <a:ea typeface="Times New Roman" panose="02020603050405020304" pitchFamily="18" charset="0"/>
-              </a:rPr>
-              <a:t>when factor such as price, time, performance, user-friendliness is considered. It’s considered three</a:t>
-            </a:r>
-            <a:r>
-              <a:rPr lang="en-US" sz="1800" spc="5" dirty="0">
-                <a:effectLst/>
-                <a:latin typeface="Times New Roman" panose="02020603050405020304" pitchFamily="18" charset="0"/>
-                <a:ea typeface="Times New Roman" panose="02020603050405020304" pitchFamily="18" charset="0"/>
-              </a:rPr>
-              <a:t> </a:t>
-            </a:r>
-            <a:r>
-              <a:rPr lang="en-US" sz="1800" dirty="0">
-                <a:effectLst/>
-                <a:latin typeface="Times New Roman" panose="02020603050405020304" pitchFamily="18" charset="0"/>
-                <a:ea typeface="Times New Roman" panose="02020603050405020304" pitchFamily="18" charset="0"/>
-              </a:rPr>
-              <a:t>potential</a:t>
-            </a:r>
-            <a:r>
-              <a:rPr lang="en-US" sz="1800" spc="-5" dirty="0">
-                <a:effectLst/>
-                <a:latin typeface="Times New Roman" panose="02020603050405020304" pitchFamily="18" charset="0"/>
-                <a:ea typeface="Times New Roman" panose="02020603050405020304" pitchFamily="18" charset="0"/>
-              </a:rPr>
-              <a:t> </a:t>
-            </a:r>
-            <a:r>
-              <a:rPr lang="en-US" sz="1800" dirty="0">
-                <a:effectLst/>
-                <a:latin typeface="Times New Roman" panose="02020603050405020304" pitchFamily="18" charset="0"/>
-                <a:ea typeface="Times New Roman" panose="02020603050405020304" pitchFamily="18" charset="0"/>
-              </a:rPr>
-              <a:t>options and the benefits of each.</a:t>
-            </a:r>
-            <a:endParaRPr lang="en-IN" sz="1800" dirty="0">
-              <a:effectLst/>
-              <a:latin typeface="Times New Roman" panose="02020603050405020304" pitchFamily="18" charset="0"/>
-              <a:ea typeface="Times New Roman" panose="02020603050405020304" pitchFamily="18" charset="0"/>
-            </a:endParaRPr>
-          </a:p>
-        </p:txBody>
-      </p:sp>
-    </p:spTree>
-    <p:extLst>
-      <p:ext uri="{BB962C8B-B14F-4D97-AF65-F5344CB8AC3E}">
-        <p14:creationId xmlns:p14="http://schemas.microsoft.com/office/powerpoint/2010/main" val="1565520145"/>
-      </p:ext>
-    </p:extLst>
-  </p:cSld>
-  <p:clrMapOvr>
-    <a:masterClrMapping/>
-  </p:clrMapOvr>
-</p:sld>
-</file>
-
-<file path=ppt/slides/slide4.xml><?xml version="1.0" encoding="utf-8"?>
+<file path=ppt/slides/slide10.xml><?xml version="1.0" encoding="utf-8"?>
 <p:sld xmlns:a="http://schemas.openxmlformats.org/drawingml/2006/main" xmlns:r="http://schemas.openxmlformats.org/officeDocument/2006/relationships" xmlns:p="http://schemas.openxmlformats.org/presentationml/2006/main">
   <p:cSld>
     <p:spTree>
@@ -10267,2496 +8666,7 @@
 </p:sld>
 </file>
 
-<file path=ppt/slides/slide5.xml><?xml version="1.0" encoding="utf-8"?>
-<p:sld xmlns:a="http://schemas.openxmlformats.org/drawingml/2006/main" xmlns:r="http://schemas.openxmlformats.org/officeDocument/2006/relationships" xmlns:p="http://schemas.openxmlformats.org/presentationml/2006/main">
-  <p:cSld>
-    <p:spTree>
-      <p:nvGrpSpPr>
-        <p:cNvPr id="1" name=""/>
-        <p:cNvGrpSpPr/>
-        <p:nvPr/>
-      </p:nvGrpSpPr>
-      <p:grpSpPr>
-        <a:xfrm>
-          <a:off x="0" y="0"/>
-          <a:ext cx="0" cy="0"/>
-          <a:chOff x="0" y="0"/>
-          <a:chExt cx="0" cy="0"/>
-        </a:xfrm>
-      </p:grpSpPr>
-      <p:sp>
-        <p:nvSpPr>
-          <p:cNvPr id="3" name="Content Placeholder 2">
-            <a:extLst>
-              <a:ext uri="{FF2B5EF4-FFF2-40B4-BE49-F238E27FC236}">
-                <a16:creationId xmlns:a16="http://schemas.microsoft.com/office/drawing/2014/main" id="{7454799E-4476-E438-1DA2-1C2801E9E44E}"/>
-              </a:ext>
-            </a:extLst>
-          </p:cNvPr>
-          <p:cNvSpPr>
-            <a:spLocks noGrp="1"/>
-          </p:cNvSpPr>
-          <p:nvPr>
-            <p:ph idx="1"/>
-          </p:nvPr>
-        </p:nvSpPr>
-        <p:spPr>
-          <a:xfrm>
-            <a:off x="1000125" y="1539875"/>
-            <a:ext cx="10515600" cy="4351338"/>
-          </a:xfrm>
-        </p:spPr>
-        <p:txBody>
-          <a:bodyPr/>
-          <a:lstStyle/>
-          <a:p>
-            <a:pPr marL="148590" algn="l">
-              <a:spcBef>
-                <a:spcPts val="1075"/>
-              </a:spcBef>
-            </a:pPr>
-            <a:r>
-              <a:rPr lang="en-US" sz="2400" b="1" dirty="0">
-                <a:solidFill>
-                  <a:srgbClr val="FF0000"/>
-                </a:solidFill>
-                <a:effectLst/>
-                <a:uFill>
-                  <a:solidFill>
-                    <a:srgbClr val="000000"/>
-                  </a:solidFill>
-                </a:uFill>
-                <a:latin typeface="Times New Roman" panose="02020603050405020304" pitchFamily="18" charset="0"/>
-                <a:ea typeface="Times New Roman" panose="02020603050405020304" pitchFamily="18" charset="0"/>
-              </a:rPr>
-              <a:t>ADVANTAGES:</a:t>
-            </a:r>
-            <a:endParaRPr lang="en-IN" sz="2400" b="1" dirty="0">
-              <a:effectLst/>
-              <a:latin typeface="Times New Roman" panose="02020603050405020304" pitchFamily="18" charset="0"/>
-              <a:ea typeface="Times New Roman" panose="02020603050405020304" pitchFamily="18" charset="0"/>
-            </a:endParaRPr>
-          </a:p>
-          <a:p>
-            <a:pPr marL="342900" lvl="0" indent="-342900">
-              <a:spcBef>
-                <a:spcPts val="450"/>
-              </a:spcBef>
-              <a:spcAft>
-                <a:spcPts val="0"/>
-              </a:spcAft>
-              <a:buSzPts val="1200"/>
-              <a:buFont typeface="Times New Roman" panose="02020603050405020304" pitchFamily="18" charset="0"/>
-              <a:buAutoNum type="arabicPeriod"/>
-              <a:tabLst>
-                <a:tab pos="521335" algn="l"/>
-              </a:tabLst>
-            </a:pPr>
-            <a:r>
-              <a:rPr lang="en-US" sz="2400" dirty="0">
-                <a:effectLst/>
-                <a:latin typeface="Times New Roman" panose="02020603050405020304" pitchFamily="18" charset="0"/>
-                <a:ea typeface="Times New Roman" panose="02020603050405020304" pitchFamily="18" charset="0"/>
-              </a:rPr>
-              <a:t>Awareness</a:t>
-            </a:r>
-            <a:r>
-              <a:rPr lang="en-US" sz="2400" spc="-5" dirty="0">
-                <a:effectLst/>
-                <a:latin typeface="Times New Roman" panose="02020603050405020304" pitchFamily="18" charset="0"/>
-                <a:ea typeface="Times New Roman" panose="02020603050405020304" pitchFamily="18" charset="0"/>
-              </a:rPr>
-              <a:t> </a:t>
-            </a:r>
-            <a:r>
-              <a:rPr lang="en-US" sz="2400" dirty="0">
-                <a:effectLst/>
-                <a:latin typeface="Times New Roman" panose="02020603050405020304" pitchFamily="18" charset="0"/>
-                <a:ea typeface="Times New Roman" panose="02020603050405020304" pitchFamily="18" charset="0"/>
-              </a:rPr>
-              <a:t>of</a:t>
-            </a:r>
-            <a:r>
-              <a:rPr lang="en-US" sz="2400" spc="-5" dirty="0">
-                <a:effectLst/>
-                <a:latin typeface="Times New Roman" panose="02020603050405020304" pitchFamily="18" charset="0"/>
-                <a:ea typeface="Times New Roman" panose="02020603050405020304" pitchFamily="18" charset="0"/>
-              </a:rPr>
-              <a:t> </a:t>
-            </a:r>
-            <a:r>
-              <a:rPr lang="en-US" sz="2400" dirty="0">
-                <a:effectLst/>
-                <a:latin typeface="Times New Roman" panose="02020603050405020304" pitchFamily="18" charset="0"/>
-                <a:ea typeface="Times New Roman" panose="02020603050405020304" pitchFamily="18" charset="0"/>
-              </a:rPr>
-              <a:t>lost</a:t>
-            </a:r>
-            <a:r>
-              <a:rPr lang="en-US" sz="2400" spc="-5" dirty="0">
-                <a:effectLst/>
-                <a:latin typeface="Times New Roman" panose="02020603050405020304" pitchFamily="18" charset="0"/>
-                <a:ea typeface="Times New Roman" panose="02020603050405020304" pitchFamily="18" charset="0"/>
-              </a:rPr>
-              <a:t> </a:t>
-            </a:r>
-            <a:r>
-              <a:rPr lang="en-US" sz="2400" dirty="0">
-                <a:effectLst/>
-                <a:latin typeface="Times New Roman" panose="02020603050405020304" pitchFamily="18" charset="0"/>
-                <a:ea typeface="Times New Roman" panose="02020603050405020304" pitchFamily="18" charset="0"/>
-              </a:rPr>
-              <a:t>Opportunity.</a:t>
-            </a:r>
-            <a:endParaRPr lang="en-IN" sz="2400" dirty="0">
-              <a:effectLst/>
-              <a:latin typeface="Times New Roman" panose="02020603050405020304" pitchFamily="18" charset="0"/>
-              <a:ea typeface="Times New Roman" panose="02020603050405020304" pitchFamily="18" charset="0"/>
-            </a:endParaRPr>
-          </a:p>
-          <a:p>
-            <a:pPr marL="342900" lvl="0" indent="-342900">
-              <a:spcBef>
-                <a:spcPts val="10"/>
-              </a:spcBef>
-              <a:spcAft>
-                <a:spcPts val="0"/>
-              </a:spcAft>
-              <a:buSzPts val="1200"/>
-              <a:buFont typeface="Times New Roman" panose="02020603050405020304" pitchFamily="18" charset="0"/>
-              <a:buAutoNum type="arabicPeriod"/>
-              <a:tabLst>
-                <a:tab pos="521335" algn="l"/>
-              </a:tabLst>
-            </a:pPr>
-            <a:r>
-              <a:rPr lang="en-US" sz="2400" dirty="0">
-                <a:effectLst/>
-                <a:latin typeface="Times New Roman" panose="02020603050405020304" pitchFamily="18" charset="0"/>
-                <a:ea typeface="Times New Roman" panose="02020603050405020304" pitchFamily="18" charset="0"/>
-              </a:rPr>
-              <a:t>Relative</a:t>
-            </a:r>
-            <a:r>
-              <a:rPr lang="en-US" sz="2400" spc="-15" dirty="0">
-                <a:effectLst/>
-                <a:latin typeface="Times New Roman" panose="02020603050405020304" pitchFamily="18" charset="0"/>
-                <a:ea typeface="Times New Roman" panose="02020603050405020304" pitchFamily="18" charset="0"/>
-              </a:rPr>
-              <a:t> </a:t>
-            </a:r>
-            <a:r>
-              <a:rPr lang="en-US" sz="2400" dirty="0">
-                <a:effectLst/>
-                <a:latin typeface="Times New Roman" panose="02020603050405020304" pitchFamily="18" charset="0"/>
-                <a:ea typeface="Times New Roman" panose="02020603050405020304" pitchFamily="18" charset="0"/>
-              </a:rPr>
-              <a:t>price.</a:t>
-            </a:r>
-            <a:endParaRPr lang="en-IN" sz="2400" dirty="0">
-              <a:effectLst/>
-              <a:latin typeface="Times New Roman" panose="02020603050405020304" pitchFamily="18" charset="0"/>
-              <a:ea typeface="Times New Roman" panose="02020603050405020304" pitchFamily="18" charset="0"/>
-            </a:endParaRPr>
-          </a:p>
-          <a:p>
-            <a:pPr marL="342900" lvl="0" indent="-342900">
-              <a:spcBef>
-                <a:spcPts val="25"/>
-              </a:spcBef>
-              <a:spcAft>
-                <a:spcPts val="0"/>
-              </a:spcAft>
-              <a:buSzPts val="1200"/>
-              <a:buFont typeface="Times New Roman" panose="02020603050405020304" pitchFamily="18" charset="0"/>
-              <a:buAutoNum type="arabicPeriod"/>
-              <a:tabLst>
-                <a:tab pos="521335" algn="l"/>
-              </a:tabLst>
-            </a:pPr>
-            <a:r>
-              <a:rPr lang="en-US" sz="2400" dirty="0">
-                <a:effectLst/>
-                <a:latin typeface="Times New Roman" panose="02020603050405020304" pitchFamily="18" charset="0"/>
-                <a:ea typeface="Times New Roman" panose="02020603050405020304" pitchFamily="18" charset="0"/>
-              </a:rPr>
-              <a:t>Evaluation</a:t>
-            </a:r>
-            <a:r>
-              <a:rPr lang="en-US" sz="2400" spc="-10" dirty="0">
-                <a:effectLst/>
-                <a:latin typeface="Times New Roman" panose="02020603050405020304" pitchFamily="18" charset="0"/>
-                <a:ea typeface="Times New Roman" panose="02020603050405020304" pitchFamily="18" charset="0"/>
-              </a:rPr>
-              <a:t> </a:t>
-            </a:r>
-            <a:r>
-              <a:rPr lang="en-US" sz="2400" dirty="0">
-                <a:effectLst/>
-                <a:latin typeface="Times New Roman" panose="02020603050405020304" pitchFamily="18" charset="0"/>
-                <a:ea typeface="Times New Roman" panose="02020603050405020304" pitchFamily="18" charset="0"/>
-              </a:rPr>
-              <a:t>of</a:t>
-            </a:r>
-            <a:r>
-              <a:rPr lang="en-US" sz="2400" spc="-5" dirty="0">
-                <a:effectLst/>
-                <a:latin typeface="Times New Roman" panose="02020603050405020304" pitchFamily="18" charset="0"/>
-                <a:ea typeface="Times New Roman" panose="02020603050405020304" pitchFamily="18" charset="0"/>
-              </a:rPr>
-              <a:t> </a:t>
-            </a:r>
-            <a:r>
-              <a:rPr lang="en-US" sz="2400" dirty="0">
-                <a:effectLst/>
-                <a:latin typeface="Times New Roman" panose="02020603050405020304" pitchFamily="18" charset="0"/>
-                <a:ea typeface="Times New Roman" panose="02020603050405020304" pitchFamily="18" charset="0"/>
-              </a:rPr>
-              <a:t>various</a:t>
-            </a:r>
-            <a:r>
-              <a:rPr lang="en-US" sz="2400" spc="-10" dirty="0">
-                <a:effectLst/>
-                <a:latin typeface="Times New Roman" panose="02020603050405020304" pitchFamily="18" charset="0"/>
-                <a:ea typeface="Times New Roman" panose="02020603050405020304" pitchFamily="18" charset="0"/>
-              </a:rPr>
-              <a:t> </a:t>
-            </a:r>
-            <a:r>
-              <a:rPr lang="en-US" sz="2400" dirty="0">
-                <a:effectLst/>
-                <a:latin typeface="Times New Roman" panose="02020603050405020304" pitchFamily="18" charset="0"/>
-                <a:ea typeface="Times New Roman" panose="02020603050405020304" pitchFamily="18" charset="0"/>
-              </a:rPr>
-              <a:t>Alternative.</a:t>
-            </a:r>
-            <a:endParaRPr lang="en-IN" sz="2400" dirty="0">
-              <a:effectLst/>
-              <a:latin typeface="Times New Roman" panose="02020603050405020304" pitchFamily="18" charset="0"/>
-              <a:ea typeface="Times New Roman" panose="02020603050405020304" pitchFamily="18" charset="0"/>
-            </a:endParaRPr>
-          </a:p>
-          <a:p>
-            <a:pPr marL="342900" lvl="0" indent="-342900">
-              <a:spcBef>
-                <a:spcPts val="10"/>
-              </a:spcBef>
-              <a:spcAft>
-                <a:spcPts val="0"/>
-              </a:spcAft>
-              <a:buSzPts val="1200"/>
-              <a:buFont typeface="Times New Roman" panose="02020603050405020304" pitchFamily="18" charset="0"/>
-              <a:buAutoNum type="arabicPeriod"/>
-              <a:tabLst>
-                <a:tab pos="521335" algn="l"/>
-              </a:tabLst>
-            </a:pPr>
-            <a:r>
-              <a:rPr lang="en-US" sz="2400" dirty="0">
-                <a:effectLst/>
-                <a:latin typeface="Times New Roman" panose="02020603050405020304" pitchFamily="18" charset="0"/>
-                <a:ea typeface="Times New Roman" panose="02020603050405020304" pitchFamily="18" charset="0"/>
-              </a:rPr>
-              <a:t>Identification</a:t>
-            </a:r>
-            <a:r>
-              <a:rPr lang="en-US" sz="2400" spc="-15" dirty="0">
-                <a:effectLst/>
-                <a:latin typeface="Times New Roman" panose="02020603050405020304" pitchFamily="18" charset="0"/>
-                <a:ea typeface="Times New Roman" panose="02020603050405020304" pitchFamily="18" charset="0"/>
-              </a:rPr>
-              <a:t> </a:t>
-            </a:r>
-            <a:r>
-              <a:rPr lang="en-US" sz="2400" dirty="0">
-                <a:effectLst/>
-                <a:latin typeface="Times New Roman" panose="02020603050405020304" pitchFamily="18" charset="0"/>
-                <a:ea typeface="Times New Roman" panose="02020603050405020304" pitchFamily="18" charset="0"/>
-              </a:rPr>
-              <a:t>of</a:t>
-            </a:r>
-            <a:r>
-              <a:rPr lang="en-US" sz="2400" spc="-15" dirty="0">
-                <a:effectLst/>
-                <a:latin typeface="Times New Roman" panose="02020603050405020304" pitchFamily="18" charset="0"/>
-                <a:ea typeface="Times New Roman" panose="02020603050405020304" pitchFamily="18" charset="0"/>
-              </a:rPr>
-              <a:t> </a:t>
-            </a:r>
-            <a:r>
-              <a:rPr lang="en-US" sz="2400" dirty="0">
-                <a:effectLst/>
-                <a:latin typeface="Times New Roman" panose="02020603050405020304" pitchFamily="18" charset="0"/>
-                <a:ea typeface="Times New Roman" panose="02020603050405020304" pitchFamily="18" charset="0"/>
-              </a:rPr>
-              <a:t>Relative</a:t>
-            </a:r>
-            <a:r>
-              <a:rPr lang="en-US" sz="2400" spc="-5" dirty="0">
-                <a:effectLst/>
-                <a:latin typeface="Times New Roman" panose="02020603050405020304" pitchFamily="18" charset="0"/>
-                <a:ea typeface="Times New Roman" panose="02020603050405020304" pitchFamily="18" charset="0"/>
-              </a:rPr>
-              <a:t> </a:t>
-            </a:r>
-            <a:r>
-              <a:rPr lang="en-US" sz="2400" dirty="0">
-                <a:effectLst/>
-                <a:latin typeface="Times New Roman" panose="02020603050405020304" pitchFamily="18" charset="0"/>
-                <a:ea typeface="Times New Roman" panose="02020603050405020304" pitchFamily="18" charset="0"/>
-              </a:rPr>
-              <a:t>Profitable</a:t>
-            </a:r>
-            <a:r>
-              <a:rPr lang="en-US" sz="2400" spc="-10" dirty="0">
-                <a:effectLst/>
-                <a:latin typeface="Times New Roman" panose="02020603050405020304" pitchFamily="18" charset="0"/>
-                <a:ea typeface="Times New Roman" panose="02020603050405020304" pitchFamily="18" charset="0"/>
-              </a:rPr>
-              <a:t> </a:t>
-            </a:r>
-            <a:r>
-              <a:rPr lang="en-US" sz="2400" dirty="0">
-                <a:effectLst/>
-                <a:latin typeface="Times New Roman" panose="02020603050405020304" pitchFamily="18" charset="0"/>
-                <a:ea typeface="Times New Roman" panose="02020603050405020304" pitchFamily="18" charset="0"/>
-              </a:rPr>
-              <a:t>Opportunity.</a:t>
-            </a:r>
-            <a:endParaRPr lang="en-IN" sz="2400" dirty="0">
-              <a:effectLst/>
-              <a:latin typeface="Times New Roman" panose="02020603050405020304" pitchFamily="18" charset="0"/>
-              <a:ea typeface="Times New Roman" panose="02020603050405020304" pitchFamily="18" charset="0"/>
-            </a:endParaRPr>
-          </a:p>
-          <a:p>
-            <a:pPr marL="342900" lvl="0" indent="-342900">
-              <a:spcBef>
-                <a:spcPts val="15"/>
-              </a:spcBef>
-              <a:spcAft>
-                <a:spcPts val="0"/>
-              </a:spcAft>
-              <a:buSzPts val="1200"/>
-              <a:buFont typeface="Times New Roman" panose="02020603050405020304" pitchFamily="18" charset="0"/>
-              <a:buAutoNum type="arabicPeriod"/>
-              <a:tabLst>
-                <a:tab pos="521335" algn="l"/>
-              </a:tabLst>
-            </a:pPr>
-            <a:r>
-              <a:rPr lang="en-US" sz="2400" dirty="0">
-                <a:effectLst/>
-                <a:latin typeface="Times New Roman" panose="02020603050405020304" pitchFamily="18" charset="0"/>
-                <a:ea typeface="Times New Roman" panose="02020603050405020304" pitchFamily="18" charset="0"/>
-              </a:rPr>
-              <a:t>Draw attention</a:t>
-            </a:r>
-            <a:r>
-              <a:rPr lang="en-US" sz="2400" spc="-5" dirty="0">
-                <a:effectLst/>
-                <a:latin typeface="Times New Roman" panose="02020603050405020304" pitchFamily="18" charset="0"/>
-                <a:ea typeface="Times New Roman" panose="02020603050405020304" pitchFamily="18" charset="0"/>
-              </a:rPr>
-              <a:t> </a:t>
-            </a:r>
-            <a:r>
-              <a:rPr lang="en-US" sz="2400" dirty="0">
-                <a:effectLst/>
-                <a:latin typeface="Times New Roman" panose="02020603050405020304" pitchFamily="18" charset="0"/>
-                <a:ea typeface="Times New Roman" panose="02020603050405020304" pitchFamily="18" charset="0"/>
-              </a:rPr>
-              <a:t>to</a:t>
-            </a:r>
-            <a:r>
-              <a:rPr lang="en-US" sz="2400" spc="-5" dirty="0">
-                <a:effectLst/>
-                <a:latin typeface="Times New Roman" panose="02020603050405020304" pitchFamily="18" charset="0"/>
-                <a:ea typeface="Times New Roman" panose="02020603050405020304" pitchFamily="18" charset="0"/>
-              </a:rPr>
-              <a:t> </a:t>
-            </a:r>
-            <a:r>
-              <a:rPr lang="en-US" sz="2400" dirty="0">
-                <a:effectLst/>
-                <a:latin typeface="Times New Roman" panose="02020603050405020304" pitchFamily="18" charset="0"/>
-                <a:ea typeface="Times New Roman" panose="02020603050405020304" pitchFamily="18" charset="0"/>
-              </a:rPr>
-              <a:t>balancing</a:t>
-            </a:r>
-            <a:r>
-              <a:rPr lang="en-US" sz="2400" spc="-5" dirty="0">
-                <a:effectLst/>
-                <a:latin typeface="Times New Roman" panose="02020603050405020304" pitchFamily="18" charset="0"/>
-                <a:ea typeface="Times New Roman" panose="02020603050405020304" pitchFamily="18" charset="0"/>
-              </a:rPr>
-              <a:t> </a:t>
-            </a:r>
-            <a:r>
-              <a:rPr lang="en-US" sz="2400" dirty="0">
-                <a:effectLst/>
-                <a:latin typeface="Times New Roman" panose="02020603050405020304" pitchFamily="18" charset="0"/>
-                <a:ea typeface="Times New Roman" panose="02020603050405020304" pitchFamily="18" charset="0"/>
-              </a:rPr>
-              <a:t>automated</a:t>
-            </a:r>
-            <a:r>
-              <a:rPr lang="en-US" sz="2400" spc="-5" dirty="0">
-                <a:effectLst/>
-                <a:latin typeface="Times New Roman" panose="02020603050405020304" pitchFamily="18" charset="0"/>
-                <a:ea typeface="Times New Roman" panose="02020603050405020304" pitchFamily="18" charset="0"/>
-              </a:rPr>
-              <a:t> </a:t>
-            </a:r>
-            <a:r>
-              <a:rPr lang="en-US" sz="2400" dirty="0">
-                <a:effectLst/>
-                <a:latin typeface="Times New Roman" panose="02020603050405020304" pitchFamily="18" charset="0"/>
-                <a:ea typeface="Times New Roman" panose="02020603050405020304" pitchFamily="18" charset="0"/>
-              </a:rPr>
-              <a:t>and</a:t>
-            </a:r>
-            <a:r>
-              <a:rPr lang="en-US" sz="2400" spc="-5" dirty="0">
-                <a:effectLst/>
-                <a:latin typeface="Times New Roman" panose="02020603050405020304" pitchFamily="18" charset="0"/>
-                <a:ea typeface="Times New Roman" panose="02020603050405020304" pitchFamily="18" charset="0"/>
-              </a:rPr>
-              <a:t> </a:t>
-            </a:r>
-            <a:r>
-              <a:rPr lang="en-US" sz="2400" dirty="0">
-                <a:effectLst/>
-                <a:latin typeface="Times New Roman" panose="02020603050405020304" pitchFamily="18" charset="0"/>
-                <a:ea typeface="Times New Roman" panose="02020603050405020304" pitchFamily="18" charset="0"/>
-              </a:rPr>
-              <a:t>manual</a:t>
-            </a:r>
-            <a:r>
-              <a:rPr lang="en-US" sz="2400" spc="-5" dirty="0">
-                <a:effectLst/>
-                <a:latin typeface="Times New Roman" panose="02020603050405020304" pitchFamily="18" charset="0"/>
-                <a:ea typeface="Times New Roman" panose="02020603050405020304" pitchFamily="18" charset="0"/>
-              </a:rPr>
-              <a:t> </a:t>
-            </a:r>
-            <a:r>
-              <a:rPr lang="en-US" sz="2400" dirty="0">
-                <a:effectLst/>
-                <a:latin typeface="Times New Roman" panose="02020603050405020304" pitchFamily="18" charset="0"/>
-                <a:ea typeface="Times New Roman" panose="02020603050405020304" pitchFamily="18" charset="0"/>
-              </a:rPr>
-              <a:t>testing.</a:t>
-            </a:r>
-            <a:endParaRPr lang="en-IN" sz="2400" dirty="0">
-              <a:effectLst/>
-              <a:latin typeface="Times New Roman" panose="02020603050405020304" pitchFamily="18" charset="0"/>
-              <a:ea typeface="Times New Roman" panose="02020603050405020304" pitchFamily="18" charset="0"/>
-            </a:endParaRPr>
-          </a:p>
-          <a:p>
-            <a:pPr marL="342900" lvl="0" indent="-342900">
-              <a:spcBef>
-                <a:spcPts val="10"/>
-              </a:spcBef>
-              <a:spcAft>
-                <a:spcPts val="0"/>
-              </a:spcAft>
-              <a:buSzPts val="1200"/>
-              <a:buFont typeface="Times New Roman" panose="02020603050405020304" pitchFamily="18" charset="0"/>
-              <a:buAutoNum type="arabicPeriod"/>
-              <a:tabLst>
-                <a:tab pos="521335" algn="l"/>
-              </a:tabLst>
-            </a:pPr>
-            <a:r>
-              <a:rPr lang="en-US" sz="2400" dirty="0">
-                <a:effectLst/>
-                <a:latin typeface="Times New Roman" panose="02020603050405020304" pitchFamily="18" charset="0"/>
-                <a:ea typeface="Times New Roman" panose="02020603050405020304" pitchFamily="18" charset="0"/>
-              </a:rPr>
-              <a:t>Benefits</a:t>
-            </a:r>
-            <a:r>
-              <a:rPr lang="en-US" sz="2400" spc="-10" dirty="0">
-                <a:effectLst/>
-                <a:latin typeface="Times New Roman" panose="02020603050405020304" pitchFamily="18" charset="0"/>
-                <a:ea typeface="Times New Roman" panose="02020603050405020304" pitchFamily="18" charset="0"/>
-              </a:rPr>
-              <a:t> </a:t>
-            </a:r>
-            <a:r>
-              <a:rPr lang="en-US" sz="2400" dirty="0">
-                <a:effectLst/>
-                <a:latin typeface="Times New Roman" panose="02020603050405020304" pitchFamily="18" charset="0"/>
-                <a:ea typeface="Times New Roman" panose="02020603050405020304" pitchFamily="18" charset="0"/>
-              </a:rPr>
-              <a:t>as</a:t>
-            </a:r>
-            <a:r>
-              <a:rPr lang="en-US" sz="2400" spc="-5" dirty="0">
-                <a:effectLst/>
-                <a:latin typeface="Times New Roman" panose="02020603050405020304" pitchFamily="18" charset="0"/>
-                <a:ea typeface="Times New Roman" panose="02020603050405020304" pitchFamily="18" charset="0"/>
-              </a:rPr>
-              <a:t> </a:t>
-            </a:r>
-            <a:r>
-              <a:rPr lang="en-US" sz="2400" dirty="0">
-                <a:effectLst/>
-                <a:latin typeface="Times New Roman" panose="02020603050405020304" pitchFamily="18" charset="0"/>
-                <a:ea typeface="Times New Roman" panose="02020603050405020304" pitchFamily="18" charset="0"/>
-              </a:rPr>
-              <a:t>well</a:t>
-            </a:r>
-            <a:r>
-              <a:rPr lang="en-US" sz="2400" spc="-5" dirty="0">
-                <a:effectLst/>
-                <a:latin typeface="Times New Roman" panose="02020603050405020304" pitchFamily="18" charset="0"/>
-                <a:ea typeface="Times New Roman" panose="02020603050405020304" pitchFamily="18" charset="0"/>
-              </a:rPr>
-              <a:t> </a:t>
-            </a:r>
-            <a:r>
-              <a:rPr lang="en-US" sz="2400" dirty="0">
-                <a:effectLst/>
-                <a:latin typeface="Times New Roman" panose="02020603050405020304" pitchFamily="18" charset="0"/>
-                <a:ea typeface="Times New Roman" panose="02020603050405020304" pitchFamily="18" charset="0"/>
-              </a:rPr>
-              <a:t>as</a:t>
-            </a:r>
-            <a:r>
-              <a:rPr lang="en-US" sz="2400" spc="-5" dirty="0">
-                <a:effectLst/>
-                <a:latin typeface="Times New Roman" panose="02020603050405020304" pitchFamily="18" charset="0"/>
-                <a:ea typeface="Times New Roman" panose="02020603050405020304" pitchFamily="18" charset="0"/>
-              </a:rPr>
-              <a:t> </a:t>
-            </a:r>
-            <a:r>
-              <a:rPr lang="en-US" sz="2400" dirty="0">
-                <a:effectLst/>
-                <a:latin typeface="Times New Roman" panose="02020603050405020304" pitchFamily="18" charset="0"/>
-                <a:ea typeface="Times New Roman" panose="02020603050405020304" pitchFamily="18" charset="0"/>
-              </a:rPr>
-              <a:t>cost.</a:t>
-            </a:r>
-            <a:endParaRPr lang="en-IN" sz="2400" dirty="0">
-              <a:effectLst/>
-              <a:latin typeface="Times New Roman" panose="02020603050405020304" pitchFamily="18" charset="0"/>
-              <a:ea typeface="Times New Roman" panose="02020603050405020304" pitchFamily="18" charset="0"/>
-            </a:endParaRPr>
-          </a:p>
-          <a:p>
-            <a:pPr marL="342900" lvl="0" indent="-342900">
-              <a:spcBef>
-                <a:spcPts val="25"/>
-              </a:spcBef>
-              <a:spcAft>
-                <a:spcPts val="0"/>
-              </a:spcAft>
-              <a:buSzPts val="1200"/>
-              <a:buFont typeface="Times New Roman" panose="02020603050405020304" pitchFamily="18" charset="0"/>
-              <a:buAutoNum type="arabicPeriod"/>
-              <a:tabLst>
-                <a:tab pos="521335" algn="l"/>
-              </a:tabLst>
-            </a:pPr>
-            <a:r>
-              <a:rPr lang="en-US" sz="2400" dirty="0">
-                <a:effectLst/>
-                <a:latin typeface="Times New Roman" panose="02020603050405020304" pitchFamily="18" charset="0"/>
-                <a:ea typeface="Times New Roman" panose="02020603050405020304" pitchFamily="18" charset="0"/>
-              </a:rPr>
-              <a:t>Risk</a:t>
-            </a:r>
-            <a:r>
-              <a:rPr lang="en-US" sz="2400" spc="-10" dirty="0">
-                <a:effectLst/>
-                <a:latin typeface="Times New Roman" panose="02020603050405020304" pitchFamily="18" charset="0"/>
-                <a:ea typeface="Times New Roman" panose="02020603050405020304" pitchFamily="18" charset="0"/>
-              </a:rPr>
-              <a:t> </a:t>
-            </a:r>
-            <a:r>
-              <a:rPr lang="en-US" sz="2400" dirty="0">
-                <a:effectLst/>
-                <a:latin typeface="Times New Roman" panose="02020603050405020304" pitchFamily="18" charset="0"/>
-                <a:ea typeface="Times New Roman" panose="02020603050405020304" pitchFamily="18" charset="0"/>
-              </a:rPr>
-              <a:t>mitigation</a:t>
-            </a:r>
-            <a:r>
-              <a:rPr lang="en-US" sz="2400" spc="-10" dirty="0">
-                <a:effectLst/>
-                <a:latin typeface="Times New Roman" panose="02020603050405020304" pitchFamily="18" charset="0"/>
-                <a:ea typeface="Times New Roman" panose="02020603050405020304" pitchFamily="18" charset="0"/>
-              </a:rPr>
-              <a:t> </a:t>
-            </a:r>
-            <a:r>
-              <a:rPr lang="en-US" sz="2400" dirty="0">
-                <a:effectLst/>
-                <a:latin typeface="Times New Roman" panose="02020603050405020304" pitchFamily="18" charset="0"/>
-                <a:ea typeface="Times New Roman" panose="02020603050405020304" pitchFamily="18" charset="0"/>
-              </a:rPr>
-              <a:t>capability.</a:t>
-            </a:r>
-            <a:endParaRPr lang="en-IN" sz="2400" dirty="0">
-              <a:effectLst/>
-              <a:latin typeface="Times New Roman" panose="02020603050405020304" pitchFamily="18" charset="0"/>
-              <a:ea typeface="Times New Roman" panose="02020603050405020304" pitchFamily="18" charset="0"/>
-            </a:endParaRPr>
-          </a:p>
-          <a:p>
-            <a:pPr marL="342900" lvl="0" indent="-342900">
-              <a:spcBef>
-                <a:spcPts val="10"/>
-              </a:spcBef>
-              <a:spcAft>
-                <a:spcPts val="0"/>
-              </a:spcAft>
-              <a:buSzPts val="1200"/>
-              <a:buFont typeface="Times New Roman" panose="02020603050405020304" pitchFamily="18" charset="0"/>
-              <a:buAutoNum type="arabicPeriod"/>
-              <a:tabLst>
-                <a:tab pos="521335" algn="l"/>
-              </a:tabLst>
-            </a:pPr>
-            <a:r>
-              <a:rPr lang="en-US" sz="2400" dirty="0">
-                <a:effectLst/>
-                <a:latin typeface="Times New Roman" panose="02020603050405020304" pitchFamily="18" charset="0"/>
-                <a:ea typeface="Times New Roman" panose="02020603050405020304" pitchFamily="18" charset="0"/>
-              </a:rPr>
-              <a:t>More</a:t>
-            </a:r>
-            <a:r>
-              <a:rPr lang="en-US" sz="2400" spc="-20" dirty="0">
-                <a:effectLst/>
-                <a:latin typeface="Times New Roman" panose="02020603050405020304" pitchFamily="18" charset="0"/>
-                <a:ea typeface="Times New Roman" panose="02020603050405020304" pitchFamily="18" charset="0"/>
-              </a:rPr>
-              <a:t> </a:t>
-            </a:r>
-            <a:r>
-              <a:rPr lang="en-US" sz="2400" dirty="0">
-                <a:effectLst/>
-                <a:latin typeface="Times New Roman" panose="02020603050405020304" pitchFamily="18" charset="0"/>
-                <a:ea typeface="Times New Roman" panose="02020603050405020304" pitchFamily="18" charset="0"/>
-              </a:rPr>
-              <a:t>realistic</a:t>
-            </a:r>
-            <a:r>
-              <a:rPr lang="en-US" sz="2400" spc="-10" dirty="0">
-                <a:effectLst/>
-                <a:latin typeface="Times New Roman" panose="02020603050405020304" pitchFamily="18" charset="0"/>
-                <a:ea typeface="Times New Roman" panose="02020603050405020304" pitchFamily="18" charset="0"/>
-              </a:rPr>
-              <a:t> </a:t>
-            </a:r>
-            <a:r>
-              <a:rPr lang="en-US" sz="2400" dirty="0">
-                <a:effectLst/>
-                <a:latin typeface="Times New Roman" panose="02020603050405020304" pitchFamily="18" charset="0"/>
-                <a:ea typeface="Times New Roman" panose="02020603050405020304" pitchFamily="18" charset="0"/>
-              </a:rPr>
-              <a:t>comparison</a:t>
-            </a:r>
-            <a:r>
-              <a:rPr lang="en-US" sz="2400" spc="-10" dirty="0">
-                <a:effectLst/>
-                <a:latin typeface="Times New Roman" panose="02020603050405020304" pitchFamily="18" charset="0"/>
-                <a:ea typeface="Times New Roman" panose="02020603050405020304" pitchFamily="18" charset="0"/>
-              </a:rPr>
-              <a:t> </a:t>
-            </a:r>
-            <a:r>
-              <a:rPr lang="en-US" sz="2400" dirty="0">
-                <a:effectLst/>
-                <a:latin typeface="Times New Roman" panose="02020603050405020304" pitchFamily="18" charset="0"/>
-                <a:ea typeface="Times New Roman" panose="02020603050405020304" pitchFamily="18" charset="0"/>
-              </a:rPr>
-              <a:t>between</a:t>
-            </a:r>
-            <a:r>
-              <a:rPr lang="en-US" sz="2400" spc="5" dirty="0">
-                <a:effectLst/>
-                <a:latin typeface="Times New Roman" panose="02020603050405020304" pitchFamily="18" charset="0"/>
-                <a:ea typeface="Times New Roman" panose="02020603050405020304" pitchFamily="18" charset="0"/>
-              </a:rPr>
-              <a:t> </a:t>
-            </a:r>
-            <a:r>
-              <a:rPr lang="en-US" sz="2400" dirty="0">
-                <a:effectLst/>
-                <a:latin typeface="Times New Roman" panose="02020603050405020304" pitchFamily="18" charset="0"/>
-                <a:ea typeface="Times New Roman" panose="02020603050405020304" pitchFamily="18" charset="0"/>
-              </a:rPr>
-              <a:t>automated</a:t>
-            </a:r>
-            <a:r>
-              <a:rPr lang="en-US" sz="2400" spc="-10" dirty="0">
-                <a:effectLst/>
-                <a:latin typeface="Times New Roman" panose="02020603050405020304" pitchFamily="18" charset="0"/>
-                <a:ea typeface="Times New Roman" panose="02020603050405020304" pitchFamily="18" charset="0"/>
-              </a:rPr>
-              <a:t> </a:t>
-            </a:r>
-            <a:r>
-              <a:rPr lang="en-US" sz="2400" dirty="0">
-                <a:effectLst/>
-                <a:latin typeface="Times New Roman" panose="02020603050405020304" pitchFamily="18" charset="0"/>
-                <a:ea typeface="Times New Roman" panose="02020603050405020304" pitchFamily="18" charset="0"/>
-              </a:rPr>
-              <a:t>and</a:t>
-            </a:r>
-            <a:r>
-              <a:rPr lang="en-US" sz="2400" spc="5" dirty="0">
-                <a:effectLst/>
-                <a:latin typeface="Times New Roman" panose="02020603050405020304" pitchFamily="18" charset="0"/>
-                <a:ea typeface="Times New Roman" panose="02020603050405020304" pitchFamily="18" charset="0"/>
-              </a:rPr>
-              <a:t> </a:t>
-            </a:r>
-            <a:r>
-              <a:rPr lang="en-US" sz="2400" dirty="0">
-                <a:effectLst/>
-                <a:latin typeface="Times New Roman" panose="02020603050405020304" pitchFamily="18" charset="0"/>
-                <a:ea typeface="Times New Roman" panose="02020603050405020304" pitchFamily="18" charset="0"/>
-              </a:rPr>
-              <a:t>manual</a:t>
-            </a:r>
-            <a:r>
-              <a:rPr lang="en-US" sz="2400" spc="-10" dirty="0">
-                <a:effectLst/>
-                <a:latin typeface="Times New Roman" panose="02020603050405020304" pitchFamily="18" charset="0"/>
-                <a:ea typeface="Times New Roman" panose="02020603050405020304" pitchFamily="18" charset="0"/>
-              </a:rPr>
-              <a:t> </a:t>
-            </a:r>
-            <a:r>
-              <a:rPr lang="en-US" sz="2400" dirty="0">
-                <a:effectLst/>
-                <a:latin typeface="Times New Roman" panose="02020603050405020304" pitchFamily="18" charset="0"/>
-                <a:ea typeface="Times New Roman" panose="02020603050405020304" pitchFamily="18" charset="0"/>
-              </a:rPr>
-              <a:t>testing.</a:t>
-            </a:r>
-            <a:endParaRPr lang="en-IN" sz="2400" dirty="0">
-              <a:effectLst/>
-              <a:latin typeface="Times New Roman" panose="02020603050405020304" pitchFamily="18" charset="0"/>
-              <a:ea typeface="Times New Roman" panose="02020603050405020304" pitchFamily="18" charset="0"/>
-            </a:endParaRPr>
-          </a:p>
-          <a:p>
-            <a:endParaRPr lang="en-IN" dirty="0"/>
-          </a:p>
-        </p:txBody>
-      </p:sp>
-    </p:spTree>
-    <p:extLst>
-      <p:ext uri="{BB962C8B-B14F-4D97-AF65-F5344CB8AC3E}">
-        <p14:creationId xmlns:p14="http://schemas.microsoft.com/office/powerpoint/2010/main" val="277959587"/>
-      </p:ext>
-    </p:extLst>
-  </p:cSld>
-  <p:clrMapOvr>
-    <a:masterClrMapping/>
-  </p:clrMapOvr>
-</p:sld>
-</file>
-
-<file path=ppt/slides/slide6.xml><?xml version="1.0" encoding="utf-8"?>
-<p:sld xmlns:a="http://schemas.openxmlformats.org/drawingml/2006/main" xmlns:r="http://schemas.openxmlformats.org/officeDocument/2006/relationships" xmlns:p="http://schemas.openxmlformats.org/presentationml/2006/main">
-  <p:cSld>
-    <p:spTree>
-      <p:nvGrpSpPr>
-        <p:cNvPr id="1" name=""/>
-        <p:cNvGrpSpPr/>
-        <p:nvPr/>
-      </p:nvGrpSpPr>
-      <p:grpSpPr>
-        <a:xfrm>
-          <a:off x="0" y="0"/>
-          <a:ext cx="0" cy="0"/>
-          <a:chOff x="0" y="0"/>
-          <a:chExt cx="0" cy="0"/>
-        </a:xfrm>
-      </p:grpSpPr>
-      <p:sp>
-        <p:nvSpPr>
-          <p:cNvPr id="3" name="Content Placeholder 2">
-            <a:extLst>
-              <a:ext uri="{FF2B5EF4-FFF2-40B4-BE49-F238E27FC236}">
-                <a16:creationId xmlns:a16="http://schemas.microsoft.com/office/drawing/2014/main" id="{07B68642-CC92-EC1D-51A9-3D1C98F298E6}"/>
-              </a:ext>
-            </a:extLst>
-          </p:cNvPr>
-          <p:cNvSpPr>
-            <a:spLocks noGrp="1"/>
-          </p:cNvSpPr>
-          <p:nvPr>
-            <p:ph idx="1"/>
-          </p:nvPr>
-        </p:nvSpPr>
-        <p:spPr>
-          <a:xfrm>
-            <a:off x="1066800" y="228598"/>
-            <a:ext cx="9906000" cy="6172201"/>
-          </a:xfrm>
-        </p:spPr>
-        <p:txBody>
-          <a:bodyPr>
-            <a:normAutofit/>
-          </a:bodyPr>
-          <a:lstStyle/>
-          <a:p>
-            <a:pPr marL="2040890" marR="2395855" indent="0" algn="ctr">
-              <a:spcBef>
-                <a:spcPts val="445"/>
-              </a:spcBef>
-              <a:spcAft>
-                <a:spcPts val="0"/>
-              </a:spcAft>
-              <a:buNone/>
-            </a:pPr>
-            <a:r>
-              <a:rPr lang="en-US" sz="2000" b="1" dirty="0">
-                <a:solidFill>
-                  <a:srgbClr val="FF0000"/>
-                </a:solidFill>
-                <a:uFill>
-                  <a:solidFill>
-                    <a:srgbClr val="000000"/>
-                  </a:solidFill>
-                </a:uFill>
-                <a:latin typeface="Times New Roman" panose="02020603050405020304" pitchFamily="18" charset="0"/>
-                <a:ea typeface="Times New Roman" panose="02020603050405020304" pitchFamily="18" charset="0"/>
-              </a:rPr>
-              <a:t>PROPOSED</a:t>
-            </a:r>
-            <a:r>
-              <a:rPr lang="en-US" sz="2000" b="1" spc="-10" dirty="0">
-                <a:solidFill>
-                  <a:srgbClr val="FF0000"/>
-                </a:solidFill>
-                <a:uFill>
-                  <a:solidFill>
-                    <a:srgbClr val="000000"/>
-                  </a:solidFill>
-                </a:uFill>
-                <a:latin typeface="Times New Roman" panose="02020603050405020304" pitchFamily="18" charset="0"/>
-                <a:ea typeface="Times New Roman" panose="02020603050405020304" pitchFamily="18" charset="0"/>
-              </a:rPr>
-              <a:t> </a:t>
-            </a:r>
-            <a:r>
-              <a:rPr lang="en-US" sz="2000" b="1" dirty="0">
-                <a:solidFill>
-                  <a:srgbClr val="FF0000"/>
-                </a:solidFill>
-                <a:uFill>
-                  <a:solidFill>
-                    <a:srgbClr val="000000"/>
-                  </a:solidFill>
-                </a:uFill>
-                <a:latin typeface="Times New Roman" panose="02020603050405020304" pitchFamily="18" charset="0"/>
-                <a:ea typeface="Times New Roman" panose="02020603050405020304" pitchFamily="18" charset="0"/>
-              </a:rPr>
-              <a:t>WORK</a:t>
-            </a:r>
-            <a:endParaRPr lang="en-IN" sz="2000" b="1" dirty="0">
-              <a:solidFill>
-                <a:srgbClr val="FF0000"/>
-              </a:solidFill>
-              <a:latin typeface="Times New Roman" panose="02020603050405020304" pitchFamily="18" charset="0"/>
-              <a:ea typeface="Times New Roman" panose="02020603050405020304" pitchFamily="18" charset="0"/>
-            </a:endParaRPr>
-          </a:p>
-          <a:p>
-            <a:pPr marL="0" indent="0">
-              <a:buNone/>
-            </a:pPr>
-            <a:endParaRPr lang="en-US" b="1" dirty="0">
-              <a:latin typeface="Times New Roman" panose="02020603050405020304" pitchFamily="18" charset="0"/>
-              <a:ea typeface="Times New Roman" panose="02020603050405020304" pitchFamily="18" charset="0"/>
-            </a:endParaRPr>
-          </a:p>
-          <a:p>
-            <a:pPr marL="0" indent="0">
-              <a:buNone/>
-            </a:pPr>
-            <a:endParaRPr lang="en-IN" sz="1800" dirty="0">
-              <a:effectLst/>
-              <a:latin typeface="Times New Roman" panose="02020603050405020304" pitchFamily="18" charset="0"/>
-              <a:ea typeface="Times New Roman" panose="02020603050405020304" pitchFamily="18" charset="0"/>
-            </a:endParaRPr>
-          </a:p>
-          <a:p>
-            <a:pPr marL="63500" marR="144780" indent="410210" algn="just">
-              <a:lnSpc>
-                <a:spcPct val="120000"/>
-              </a:lnSpc>
-              <a:spcBef>
-                <a:spcPts val="450"/>
-              </a:spcBef>
-              <a:spcAft>
-                <a:spcPts val="0"/>
-              </a:spcAft>
-            </a:pPr>
-            <a:r>
-              <a:rPr lang="en-US" sz="1800" dirty="0">
-                <a:effectLst/>
-                <a:latin typeface="Times New Roman" panose="02020603050405020304" pitchFamily="18" charset="0"/>
-                <a:ea typeface="Times New Roman" panose="02020603050405020304" pitchFamily="18" charset="0"/>
-              </a:rPr>
-              <a:t>We</a:t>
-            </a:r>
-            <a:r>
-              <a:rPr lang="en-US" sz="1800" spc="-15" dirty="0">
-                <a:effectLst/>
-                <a:latin typeface="Times New Roman" panose="02020603050405020304" pitchFamily="18" charset="0"/>
-                <a:ea typeface="Times New Roman" panose="02020603050405020304" pitchFamily="18" charset="0"/>
-              </a:rPr>
-              <a:t> </a:t>
-            </a:r>
-            <a:r>
-              <a:rPr lang="en-US" sz="1800" dirty="0">
-                <a:effectLst/>
-                <a:latin typeface="Times New Roman" panose="02020603050405020304" pitchFamily="18" charset="0"/>
-                <a:ea typeface="Times New Roman" panose="02020603050405020304" pitchFamily="18" charset="0"/>
-              </a:rPr>
-              <a:t>will</a:t>
-            </a:r>
-            <a:r>
-              <a:rPr lang="en-US" sz="1800" spc="-5" dirty="0">
-                <a:effectLst/>
-                <a:latin typeface="Times New Roman" panose="02020603050405020304" pitchFamily="18" charset="0"/>
-                <a:ea typeface="Times New Roman" panose="02020603050405020304" pitchFamily="18" charset="0"/>
-              </a:rPr>
-              <a:t> </a:t>
-            </a:r>
-            <a:r>
-              <a:rPr lang="en-US" sz="1800" dirty="0">
-                <a:effectLst/>
-                <a:latin typeface="Times New Roman" panose="02020603050405020304" pitchFamily="18" charset="0"/>
-                <a:ea typeface="Times New Roman" panose="02020603050405020304" pitchFamily="18" charset="0"/>
-              </a:rPr>
-              <a:t>be</a:t>
-            </a:r>
-            <a:r>
-              <a:rPr lang="en-US" sz="1800" spc="-10" dirty="0">
-                <a:effectLst/>
-                <a:latin typeface="Times New Roman" panose="02020603050405020304" pitchFamily="18" charset="0"/>
-                <a:ea typeface="Times New Roman" panose="02020603050405020304" pitchFamily="18" charset="0"/>
-              </a:rPr>
-              <a:t> </a:t>
-            </a:r>
-            <a:r>
-              <a:rPr lang="en-US" sz="1800" dirty="0">
-                <a:effectLst/>
-                <a:latin typeface="Times New Roman" panose="02020603050405020304" pitchFamily="18" charset="0"/>
-                <a:ea typeface="Times New Roman" panose="02020603050405020304" pitchFamily="18" charset="0"/>
-              </a:rPr>
-              <a:t>using</a:t>
-            </a:r>
-            <a:r>
-              <a:rPr lang="en-US" sz="1800" spc="-5" dirty="0">
-                <a:effectLst/>
-                <a:latin typeface="Times New Roman" panose="02020603050405020304" pitchFamily="18" charset="0"/>
-                <a:ea typeface="Times New Roman" panose="02020603050405020304" pitchFamily="18" charset="0"/>
-              </a:rPr>
-              <a:t> </a:t>
-            </a:r>
-            <a:r>
-              <a:rPr lang="en-US" sz="1800" dirty="0">
-                <a:effectLst/>
-                <a:latin typeface="Times New Roman" panose="02020603050405020304" pitchFamily="18" charset="0"/>
-                <a:ea typeface="Times New Roman" panose="02020603050405020304" pitchFamily="18" charset="0"/>
-              </a:rPr>
-              <a:t>unreal</a:t>
-            </a:r>
-            <a:r>
-              <a:rPr lang="en-US" sz="1800" spc="-15" dirty="0">
-                <a:effectLst/>
-                <a:latin typeface="Times New Roman" panose="02020603050405020304" pitchFamily="18" charset="0"/>
-                <a:ea typeface="Times New Roman" panose="02020603050405020304" pitchFamily="18" charset="0"/>
-              </a:rPr>
-              <a:t> </a:t>
-            </a:r>
-            <a:r>
-              <a:rPr lang="en-US" sz="1800" dirty="0">
-                <a:effectLst/>
-                <a:latin typeface="Times New Roman" panose="02020603050405020304" pitchFamily="18" charset="0"/>
-                <a:ea typeface="Times New Roman" panose="02020603050405020304" pitchFamily="18" charset="0"/>
-              </a:rPr>
-              <a:t>C++</a:t>
-            </a:r>
-            <a:r>
-              <a:rPr lang="en-US" sz="1800" spc="-10" dirty="0">
-                <a:effectLst/>
-                <a:latin typeface="Times New Roman" panose="02020603050405020304" pitchFamily="18" charset="0"/>
-                <a:ea typeface="Times New Roman" panose="02020603050405020304" pitchFamily="18" charset="0"/>
-              </a:rPr>
-              <a:t> </a:t>
-            </a:r>
-            <a:r>
-              <a:rPr lang="en-US" sz="1800" dirty="0">
-                <a:effectLst/>
-                <a:latin typeface="Times New Roman" panose="02020603050405020304" pitchFamily="18" charset="0"/>
-                <a:ea typeface="Times New Roman" panose="02020603050405020304" pitchFamily="18" charset="0"/>
-              </a:rPr>
-              <a:t>to</a:t>
-            </a:r>
-            <a:r>
-              <a:rPr lang="en-US" sz="1800" spc="-5" dirty="0">
-                <a:effectLst/>
-                <a:latin typeface="Times New Roman" panose="02020603050405020304" pitchFamily="18" charset="0"/>
-                <a:ea typeface="Times New Roman" panose="02020603050405020304" pitchFamily="18" charset="0"/>
-              </a:rPr>
-              <a:t> </a:t>
-            </a:r>
-            <a:r>
-              <a:rPr lang="en-US" sz="1800" dirty="0">
-                <a:effectLst/>
-                <a:latin typeface="Times New Roman" panose="02020603050405020304" pitchFamily="18" charset="0"/>
-                <a:ea typeface="Times New Roman" panose="02020603050405020304" pitchFamily="18" charset="0"/>
-              </a:rPr>
-              <a:t>package</a:t>
-            </a:r>
-            <a:r>
-              <a:rPr lang="en-US" sz="1800" spc="-10" dirty="0">
-                <a:effectLst/>
-                <a:latin typeface="Times New Roman" panose="02020603050405020304" pitchFamily="18" charset="0"/>
-                <a:ea typeface="Times New Roman" panose="02020603050405020304" pitchFamily="18" charset="0"/>
-              </a:rPr>
-              <a:t> </a:t>
-            </a:r>
-            <a:r>
-              <a:rPr lang="en-US" sz="1800" dirty="0">
-                <a:effectLst/>
-                <a:latin typeface="Times New Roman" panose="02020603050405020304" pitchFamily="18" charset="0"/>
-                <a:ea typeface="Times New Roman" panose="02020603050405020304" pitchFamily="18" charset="0"/>
-              </a:rPr>
-              <a:t>our</a:t>
-            </a:r>
-            <a:r>
-              <a:rPr lang="en-US" sz="1800" spc="-5" dirty="0">
-                <a:effectLst/>
-                <a:latin typeface="Times New Roman" panose="02020603050405020304" pitchFamily="18" charset="0"/>
-                <a:ea typeface="Times New Roman" panose="02020603050405020304" pitchFamily="18" charset="0"/>
-              </a:rPr>
-              <a:t> </a:t>
-            </a:r>
-            <a:r>
-              <a:rPr lang="en-US" sz="1800" dirty="0">
-                <a:effectLst/>
-                <a:latin typeface="Times New Roman" panose="02020603050405020304" pitchFamily="18" charset="0"/>
-                <a:ea typeface="Times New Roman" panose="02020603050405020304" pitchFamily="18" charset="0"/>
-              </a:rPr>
-              <a:t>app.</a:t>
-            </a:r>
-            <a:r>
-              <a:rPr lang="en-US" sz="1800" spc="5" dirty="0">
-                <a:effectLst/>
-                <a:latin typeface="Times New Roman" panose="02020603050405020304" pitchFamily="18" charset="0"/>
-                <a:ea typeface="Times New Roman" panose="02020603050405020304" pitchFamily="18" charset="0"/>
-              </a:rPr>
-              <a:t> </a:t>
-            </a:r>
-            <a:r>
-              <a:rPr lang="en-US" sz="1800" dirty="0">
-                <a:effectLst/>
-                <a:latin typeface="Times New Roman" panose="02020603050405020304" pitchFamily="18" charset="0"/>
-                <a:ea typeface="Times New Roman" panose="02020603050405020304" pitchFamily="18" charset="0"/>
-              </a:rPr>
-              <a:t>We</a:t>
-            </a:r>
-            <a:r>
-              <a:rPr lang="en-US" sz="1800" spc="-10" dirty="0">
-                <a:effectLst/>
-                <a:latin typeface="Times New Roman" panose="02020603050405020304" pitchFamily="18" charset="0"/>
-                <a:ea typeface="Times New Roman" panose="02020603050405020304" pitchFamily="18" charset="0"/>
-              </a:rPr>
-              <a:t> </a:t>
-            </a:r>
-            <a:r>
-              <a:rPr lang="en-US" sz="1800" dirty="0">
-                <a:effectLst/>
-                <a:latin typeface="Times New Roman" panose="02020603050405020304" pitchFamily="18" charset="0"/>
-                <a:ea typeface="Times New Roman" panose="02020603050405020304" pitchFamily="18" charset="0"/>
-              </a:rPr>
-              <a:t>will</a:t>
-            </a:r>
-            <a:r>
-              <a:rPr lang="en-US" sz="1800" spc="-5" dirty="0">
-                <a:effectLst/>
-                <a:latin typeface="Times New Roman" panose="02020603050405020304" pitchFamily="18" charset="0"/>
-                <a:ea typeface="Times New Roman" panose="02020603050405020304" pitchFamily="18" charset="0"/>
-              </a:rPr>
-              <a:t> </a:t>
-            </a:r>
-            <a:r>
-              <a:rPr lang="en-US" sz="1800" dirty="0">
-                <a:effectLst/>
-                <a:latin typeface="Times New Roman" panose="02020603050405020304" pitchFamily="18" charset="0"/>
-                <a:ea typeface="Times New Roman" panose="02020603050405020304" pitchFamily="18" charset="0"/>
-              </a:rPr>
-              <a:t>use</a:t>
-            </a:r>
-            <a:r>
-              <a:rPr lang="en-US" sz="1800" spc="-10" dirty="0">
-                <a:effectLst/>
-                <a:latin typeface="Times New Roman" panose="02020603050405020304" pitchFamily="18" charset="0"/>
-                <a:ea typeface="Times New Roman" panose="02020603050405020304" pitchFamily="18" charset="0"/>
-              </a:rPr>
-              <a:t> </a:t>
-            </a:r>
-            <a:r>
-              <a:rPr lang="en-US" sz="1800" dirty="0">
-                <a:effectLst/>
-                <a:latin typeface="Times New Roman" panose="02020603050405020304" pitchFamily="18" charset="0"/>
-                <a:ea typeface="Times New Roman" panose="02020603050405020304" pitchFamily="18" charset="0"/>
-              </a:rPr>
-              <a:t>C++</a:t>
-            </a:r>
-            <a:r>
-              <a:rPr lang="en-US" sz="1800" spc="-10" dirty="0">
-                <a:effectLst/>
-                <a:latin typeface="Times New Roman" panose="02020603050405020304" pitchFamily="18" charset="0"/>
-                <a:ea typeface="Times New Roman" panose="02020603050405020304" pitchFamily="18" charset="0"/>
-              </a:rPr>
-              <a:t> </a:t>
-            </a:r>
-            <a:r>
-              <a:rPr lang="en-US" sz="1800" dirty="0">
-                <a:effectLst/>
-                <a:latin typeface="Times New Roman" panose="02020603050405020304" pitchFamily="18" charset="0"/>
-                <a:ea typeface="Times New Roman" panose="02020603050405020304" pitchFamily="18" charset="0"/>
-              </a:rPr>
-              <a:t>concept</a:t>
-            </a:r>
-            <a:r>
-              <a:rPr lang="en-US" sz="1800" spc="5" dirty="0">
-                <a:effectLst/>
-                <a:latin typeface="Times New Roman" panose="02020603050405020304" pitchFamily="18" charset="0"/>
-                <a:ea typeface="Times New Roman" panose="02020603050405020304" pitchFamily="18" charset="0"/>
-              </a:rPr>
-              <a:t> </a:t>
-            </a:r>
-            <a:r>
-              <a:rPr lang="en-US" sz="1800" dirty="0">
-                <a:effectLst/>
-                <a:latin typeface="Times New Roman" panose="02020603050405020304" pitchFamily="18" charset="0"/>
-                <a:ea typeface="Times New Roman" panose="02020603050405020304" pitchFamily="18" charset="0"/>
-              </a:rPr>
-              <a:t>and</a:t>
-            </a:r>
-            <a:r>
-              <a:rPr lang="en-US" sz="1800" spc="-5" dirty="0">
-                <a:effectLst/>
-                <a:latin typeface="Times New Roman" panose="02020603050405020304" pitchFamily="18" charset="0"/>
-                <a:ea typeface="Times New Roman" panose="02020603050405020304" pitchFamily="18" charset="0"/>
-              </a:rPr>
-              <a:t> </a:t>
-            </a:r>
-            <a:r>
-              <a:rPr lang="en-US" sz="1800" dirty="0">
-                <a:effectLst/>
-                <a:latin typeface="Times New Roman" panose="02020603050405020304" pitchFamily="18" charset="0"/>
-                <a:ea typeface="Times New Roman" panose="02020603050405020304" pitchFamily="18" charset="0"/>
-              </a:rPr>
-              <a:t>this</a:t>
-            </a:r>
-            <a:r>
-              <a:rPr lang="en-US" sz="1800" spc="-5" dirty="0">
-                <a:effectLst/>
-                <a:latin typeface="Times New Roman" panose="02020603050405020304" pitchFamily="18" charset="0"/>
-                <a:ea typeface="Times New Roman" panose="02020603050405020304" pitchFamily="18" charset="0"/>
-              </a:rPr>
-              <a:t> </a:t>
-            </a:r>
-            <a:r>
-              <a:rPr lang="en-US" sz="1800" dirty="0">
-                <a:effectLst/>
-                <a:latin typeface="Times New Roman" panose="02020603050405020304" pitchFamily="18" charset="0"/>
-                <a:ea typeface="Times New Roman" panose="02020603050405020304" pitchFamily="18" charset="0"/>
-              </a:rPr>
-              <a:t>problem</a:t>
-            </a:r>
-            <a:r>
-              <a:rPr lang="en-US" sz="1800" spc="-15" dirty="0">
-                <a:effectLst/>
-                <a:latin typeface="Times New Roman" panose="02020603050405020304" pitchFamily="18" charset="0"/>
-                <a:ea typeface="Times New Roman" panose="02020603050405020304" pitchFamily="18" charset="0"/>
-              </a:rPr>
-              <a:t> </a:t>
-            </a:r>
-            <a:r>
-              <a:rPr lang="en-US" sz="1800" dirty="0">
-                <a:effectLst/>
-                <a:latin typeface="Times New Roman" panose="02020603050405020304" pitchFamily="18" charset="0"/>
-                <a:ea typeface="Times New Roman" panose="02020603050405020304" pitchFamily="18" charset="0"/>
-              </a:rPr>
-              <a:t>is</a:t>
-            </a:r>
-            <a:r>
-              <a:rPr lang="en-US" sz="1800" spc="-290" dirty="0">
-                <a:effectLst/>
-                <a:latin typeface="Times New Roman" panose="02020603050405020304" pitchFamily="18" charset="0"/>
-                <a:ea typeface="Times New Roman" panose="02020603050405020304" pitchFamily="18" charset="0"/>
-              </a:rPr>
-              <a:t> </a:t>
-            </a:r>
-            <a:r>
-              <a:rPr lang="en-US" sz="1800" dirty="0">
-                <a:effectLst/>
-                <a:latin typeface="Times New Roman" panose="02020603050405020304" pitchFamily="18" charset="0"/>
-                <a:ea typeface="Times New Roman" panose="02020603050405020304" pitchFamily="18" charset="0"/>
-              </a:rPr>
-              <a:t>solved. This problem is solved in future the people give the importance for then people choose the any</a:t>
-            </a:r>
-            <a:r>
-              <a:rPr lang="en-US" sz="1800" spc="-285" dirty="0">
-                <a:effectLst/>
-                <a:latin typeface="Times New Roman" panose="02020603050405020304" pitchFamily="18" charset="0"/>
-                <a:ea typeface="Times New Roman" panose="02020603050405020304" pitchFamily="18" charset="0"/>
-              </a:rPr>
-              <a:t> </a:t>
-            </a:r>
-            <a:r>
-              <a:rPr lang="en-US" sz="1800" dirty="0">
-                <a:effectLst/>
-                <a:latin typeface="Times New Roman" panose="02020603050405020304" pitchFamily="18" charset="0"/>
-                <a:ea typeface="Times New Roman" panose="02020603050405020304" pitchFamily="18" charset="0"/>
-              </a:rPr>
-              <a:t>option.</a:t>
-            </a:r>
-            <a:r>
-              <a:rPr lang="en-US" sz="1800" spc="195" dirty="0">
-                <a:effectLst/>
-                <a:latin typeface="Times New Roman" panose="02020603050405020304" pitchFamily="18" charset="0"/>
-                <a:ea typeface="Times New Roman" panose="02020603050405020304" pitchFamily="18" charset="0"/>
-              </a:rPr>
-              <a:t> </a:t>
-            </a:r>
-            <a:r>
-              <a:rPr lang="en-US" sz="1800" dirty="0">
-                <a:effectLst/>
-                <a:latin typeface="Times New Roman" panose="02020603050405020304" pitchFamily="18" charset="0"/>
-                <a:ea typeface="Times New Roman" panose="02020603050405020304" pitchFamily="18" charset="0"/>
-              </a:rPr>
-              <a:t>We</a:t>
-            </a:r>
-            <a:r>
-              <a:rPr lang="en-US" sz="1800" spc="-45" dirty="0">
-                <a:effectLst/>
-                <a:latin typeface="Times New Roman" panose="02020603050405020304" pitchFamily="18" charset="0"/>
-                <a:ea typeface="Times New Roman" panose="02020603050405020304" pitchFamily="18" charset="0"/>
-              </a:rPr>
-              <a:t> </a:t>
-            </a:r>
-            <a:r>
-              <a:rPr lang="en-US" sz="1800" dirty="0">
-                <a:effectLst/>
-                <a:latin typeface="Times New Roman" panose="02020603050405020304" pitchFamily="18" charset="0"/>
-                <a:ea typeface="Times New Roman" panose="02020603050405020304" pitchFamily="18" charset="0"/>
-              </a:rPr>
-              <a:t>have</a:t>
-            </a:r>
-            <a:r>
-              <a:rPr lang="en-US" sz="1800" spc="-45" dirty="0">
-                <a:effectLst/>
-                <a:latin typeface="Times New Roman" panose="02020603050405020304" pitchFamily="18" charset="0"/>
-                <a:ea typeface="Times New Roman" panose="02020603050405020304" pitchFamily="18" charset="0"/>
-              </a:rPr>
-              <a:t> </a:t>
-            </a:r>
-            <a:r>
-              <a:rPr lang="en-US" sz="1800" dirty="0">
-                <a:effectLst/>
-                <a:latin typeface="Times New Roman" panose="02020603050405020304" pitchFamily="18" charset="0"/>
-                <a:ea typeface="Times New Roman" panose="02020603050405020304" pitchFamily="18" charset="0"/>
-              </a:rPr>
-              <a:t>seen</a:t>
-            </a:r>
-            <a:r>
-              <a:rPr lang="en-US" sz="1800" spc="-40" dirty="0">
-                <a:effectLst/>
-                <a:latin typeface="Times New Roman" panose="02020603050405020304" pitchFamily="18" charset="0"/>
-                <a:ea typeface="Times New Roman" panose="02020603050405020304" pitchFamily="18" charset="0"/>
-              </a:rPr>
-              <a:t> </a:t>
-            </a:r>
-            <a:r>
-              <a:rPr lang="en-US" sz="1800" dirty="0">
-                <a:effectLst/>
-                <a:latin typeface="Times New Roman" panose="02020603050405020304" pitchFamily="18" charset="0"/>
-                <a:ea typeface="Times New Roman" panose="02020603050405020304" pitchFamily="18" charset="0"/>
-              </a:rPr>
-              <a:t>complete</a:t>
-            </a:r>
-            <a:r>
-              <a:rPr lang="en-US" sz="1800" spc="-60" dirty="0">
-                <a:effectLst/>
-                <a:latin typeface="Times New Roman" panose="02020603050405020304" pitchFamily="18" charset="0"/>
-                <a:ea typeface="Times New Roman" panose="02020603050405020304" pitchFamily="18" charset="0"/>
-              </a:rPr>
-              <a:t> </a:t>
-            </a:r>
-            <a:r>
-              <a:rPr lang="en-US" sz="1800" dirty="0">
-                <a:effectLst/>
-                <a:latin typeface="Times New Roman" panose="02020603050405020304" pitchFamily="18" charset="0"/>
-                <a:ea typeface="Times New Roman" panose="02020603050405020304" pitchFamily="18" charset="0"/>
-              </a:rPr>
-              <a:t>video</a:t>
-            </a:r>
-            <a:r>
-              <a:rPr lang="en-US" sz="1800" spc="-55" dirty="0">
-                <a:effectLst/>
-                <a:latin typeface="Times New Roman" panose="02020603050405020304" pitchFamily="18" charset="0"/>
-                <a:ea typeface="Times New Roman" panose="02020603050405020304" pitchFamily="18" charset="0"/>
-              </a:rPr>
-              <a:t> </a:t>
-            </a:r>
-            <a:r>
-              <a:rPr lang="en-US" sz="1800" dirty="0">
-                <a:effectLst/>
-                <a:latin typeface="Times New Roman" panose="02020603050405020304" pitchFamily="18" charset="0"/>
-                <a:ea typeface="Times New Roman" panose="02020603050405020304" pitchFamily="18" charset="0"/>
-              </a:rPr>
-              <a:t>guide</a:t>
-            </a:r>
-            <a:r>
-              <a:rPr lang="en-US" sz="1800" spc="-40" dirty="0">
-                <a:effectLst/>
-                <a:latin typeface="Times New Roman" panose="02020603050405020304" pitchFamily="18" charset="0"/>
-                <a:ea typeface="Times New Roman" panose="02020603050405020304" pitchFamily="18" charset="0"/>
-              </a:rPr>
-              <a:t> </a:t>
-            </a:r>
-            <a:r>
-              <a:rPr lang="en-US" sz="1800" dirty="0">
-                <a:effectLst/>
-                <a:latin typeface="Times New Roman" panose="02020603050405020304" pitchFamily="18" charset="0"/>
-                <a:ea typeface="Times New Roman" panose="02020603050405020304" pitchFamily="18" charset="0"/>
-              </a:rPr>
-              <a:t>for</a:t>
-            </a:r>
-            <a:r>
-              <a:rPr lang="en-US" sz="1800" spc="-45" dirty="0">
-                <a:effectLst/>
-                <a:latin typeface="Times New Roman" panose="02020603050405020304" pitchFamily="18" charset="0"/>
-                <a:ea typeface="Times New Roman" panose="02020603050405020304" pitchFamily="18" charset="0"/>
-              </a:rPr>
-              <a:t> </a:t>
-            </a:r>
-            <a:r>
-              <a:rPr lang="en-US" sz="1800" dirty="0">
-                <a:effectLst/>
-                <a:latin typeface="Times New Roman" panose="02020603050405020304" pitchFamily="18" charset="0"/>
-                <a:ea typeface="Times New Roman" panose="02020603050405020304" pitchFamily="18" charset="0"/>
-              </a:rPr>
-              <a:t>how</a:t>
-            </a:r>
-            <a:r>
-              <a:rPr lang="en-US" sz="1800" spc="-55" dirty="0">
-                <a:effectLst/>
-                <a:latin typeface="Times New Roman" panose="02020603050405020304" pitchFamily="18" charset="0"/>
-                <a:ea typeface="Times New Roman" panose="02020603050405020304" pitchFamily="18" charset="0"/>
-              </a:rPr>
-              <a:t> </a:t>
-            </a:r>
-            <a:r>
-              <a:rPr lang="en-US" sz="1800" dirty="0">
-                <a:effectLst/>
-                <a:latin typeface="Times New Roman" panose="02020603050405020304" pitchFamily="18" charset="0"/>
-                <a:ea typeface="Times New Roman" panose="02020603050405020304" pitchFamily="18" charset="0"/>
-              </a:rPr>
-              <a:t>to</a:t>
-            </a:r>
-            <a:r>
-              <a:rPr lang="en-US" sz="1800" spc="-50" dirty="0">
-                <a:effectLst/>
-                <a:latin typeface="Times New Roman" panose="02020603050405020304" pitchFamily="18" charset="0"/>
-                <a:ea typeface="Times New Roman" panose="02020603050405020304" pitchFamily="18" charset="0"/>
-              </a:rPr>
-              <a:t> </a:t>
-            </a:r>
-            <a:r>
-              <a:rPr lang="en-US" sz="1800" dirty="0">
-                <a:effectLst/>
-                <a:latin typeface="Times New Roman" panose="02020603050405020304" pitchFamily="18" charset="0"/>
-                <a:ea typeface="Times New Roman" panose="02020603050405020304" pitchFamily="18" charset="0"/>
-              </a:rPr>
-              <a:t>problem</a:t>
-            </a:r>
-            <a:r>
-              <a:rPr lang="en-US" sz="1800" spc="-35" dirty="0">
-                <a:effectLst/>
-                <a:latin typeface="Times New Roman" panose="02020603050405020304" pitchFamily="18" charset="0"/>
-                <a:ea typeface="Times New Roman" panose="02020603050405020304" pitchFamily="18" charset="0"/>
-              </a:rPr>
-              <a:t> </a:t>
-            </a:r>
-            <a:r>
-              <a:rPr lang="en-US" sz="1800" dirty="0">
-                <a:effectLst/>
-                <a:latin typeface="Times New Roman" panose="02020603050405020304" pitchFamily="18" charset="0"/>
-                <a:ea typeface="Times New Roman" panose="02020603050405020304" pitchFamily="18" charset="0"/>
-              </a:rPr>
-              <a:t>is</a:t>
-            </a:r>
-            <a:r>
-              <a:rPr lang="en-US" sz="1800" spc="-45" dirty="0">
-                <a:effectLst/>
-                <a:latin typeface="Times New Roman" panose="02020603050405020304" pitchFamily="18" charset="0"/>
-                <a:ea typeface="Times New Roman" panose="02020603050405020304" pitchFamily="18" charset="0"/>
-              </a:rPr>
-              <a:t> </a:t>
-            </a:r>
-            <a:r>
-              <a:rPr lang="en-US" sz="1800" dirty="0">
-                <a:effectLst/>
-                <a:latin typeface="Times New Roman" panose="02020603050405020304" pitchFamily="18" charset="0"/>
-                <a:ea typeface="Times New Roman" panose="02020603050405020304" pitchFamily="18" charset="0"/>
-              </a:rPr>
-              <a:t>solved.</a:t>
-            </a:r>
-            <a:r>
-              <a:rPr lang="en-US" sz="1800" spc="-30" dirty="0">
-                <a:effectLst/>
-                <a:latin typeface="Times New Roman" panose="02020603050405020304" pitchFamily="18" charset="0"/>
-                <a:ea typeface="Times New Roman" panose="02020603050405020304" pitchFamily="18" charset="0"/>
-              </a:rPr>
-              <a:t> </a:t>
-            </a:r>
-            <a:r>
-              <a:rPr lang="en-US" sz="1800" dirty="0">
-                <a:effectLst/>
-                <a:latin typeface="Times New Roman" panose="02020603050405020304" pitchFamily="18" charset="0"/>
-                <a:ea typeface="Times New Roman" panose="02020603050405020304" pitchFamily="18" charset="0"/>
-              </a:rPr>
-              <a:t>We</a:t>
-            </a:r>
-            <a:r>
-              <a:rPr lang="en-US" sz="1800" spc="-55" dirty="0">
-                <a:effectLst/>
-                <a:latin typeface="Times New Roman" panose="02020603050405020304" pitchFamily="18" charset="0"/>
-                <a:ea typeface="Times New Roman" panose="02020603050405020304" pitchFamily="18" charset="0"/>
-              </a:rPr>
-              <a:t> </a:t>
-            </a:r>
-            <a:r>
-              <a:rPr lang="en-US" sz="1800" dirty="0">
-                <a:effectLst/>
-                <a:latin typeface="Times New Roman" panose="02020603050405020304" pitchFamily="18" charset="0"/>
-                <a:ea typeface="Times New Roman" panose="02020603050405020304" pitchFamily="18" charset="0"/>
-              </a:rPr>
-              <a:t>will</a:t>
-            </a:r>
-            <a:r>
-              <a:rPr lang="en-US" sz="1800" spc="-45" dirty="0">
-                <a:effectLst/>
-                <a:latin typeface="Times New Roman" panose="02020603050405020304" pitchFamily="18" charset="0"/>
-                <a:ea typeface="Times New Roman" panose="02020603050405020304" pitchFamily="18" charset="0"/>
-              </a:rPr>
-              <a:t> </a:t>
-            </a:r>
-            <a:r>
-              <a:rPr lang="en-US" sz="1800" dirty="0">
-                <a:effectLst/>
-                <a:latin typeface="Times New Roman" panose="02020603050405020304" pitchFamily="18" charset="0"/>
-                <a:ea typeface="Times New Roman" panose="02020603050405020304" pitchFamily="18" charset="0"/>
-              </a:rPr>
-              <a:t>discuss</a:t>
-            </a:r>
-            <a:r>
-              <a:rPr lang="en-US" sz="1800" spc="-55" dirty="0">
-                <a:effectLst/>
-                <a:latin typeface="Times New Roman" panose="02020603050405020304" pitchFamily="18" charset="0"/>
-                <a:ea typeface="Times New Roman" panose="02020603050405020304" pitchFamily="18" charset="0"/>
-              </a:rPr>
-              <a:t> </a:t>
-            </a:r>
-            <a:r>
-              <a:rPr lang="en-US" sz="1800" dirty="0">
-                <a:effectLst/>
-                <a:latin typeface="Times New Roman" panose="02020603050405020304" pitchFamily="18" charset="0"/>
-                <a:ea typeface="Times New Roman" panose="02020603050405020304" pitchFamily="18" charset="0"/>
-              </a:rPr>
-              <a:t>this</a:t>
-            </a:r>
-            <a:r>
-              <a:rPr lang="en-US" sz="1800" spc="-50" dirty="0">
-                <a:effectLst/>
-                <a:latin typeface="Times New Roman" panose="02020603050405020304" pitchFamily="18" charset="0"/>
-                <a:ea typeface="Times New Roman" panose="02020603050405020304" pitchFamily="18" charset="0"/>
-              </a:rPr>
-              <a:t> </a:t>
-            </a:r>
-            <a:r>
-              <a:rPr lang="en-US" sz="1800" dirty="0">
-                <a:effectLst/>
-                <a:latin typeface="Times New Roman" panose="02020603050405020304" pitchFamily="18" charset="0"/>
-                <a:ea typeface="Times New Roman" panose="02020603050405020304" pitchFamily="18" charset="0"/>
-              </a:rPr>
-              <a:t>problem</a:t>
-            </a:r>
-            <a:r>
-              <a:rPr lang="en-US" sz="1800" spc="-285" dirty="0">
-                <a:effectLst/>
-                <a:latin typeface="Times New Roman" panose="02020603050405020304" pitchFamily="18" charset="0"/>
-                <a:ea typeface="Times New Roman" panose="02020603050405020304" pitchFamily="18" charset="0"/>
-              </a:rPr>
-              <a:t> </a:t>
-            </a:r>
-            <a:r>
-              <a:rPr lang="en-US" sz="1800" dirty="0">
-                <a:effectLst/>
-                <a:latin typeface="Times New Roman" panose="02020603050405020304" pitchFamily="18" charset="0"/>
-                <a:ea typeface="Times New Roman" panose="02020603050405020304" pitchFamily="18" charset="0"/>
-              </a:rPr>
-              <a:t>for</a:t>
-            </a:r>
-            <a:r>
-              <a:rPr lang="en-US" sz="1800" spc="-15" dirty="0">
-                <a:effectLst/>
-                <a:latin typeface="Times New Roman" panose="02020603050405020304" pitchFamily="18" charset="0"/>
-                <a:ea typeface="Times New Roman" panose="02020603050405020304" pitchFamily="18" charset="0"/>
-              </a:rPr>
-              <a:t> </a:t>
-            </a:r>
-            <a:r>
-              <a:rPr lang="en-US" sz="1800" dirty="0">
-                <a:effectLst/>
-                <a:latin typeface="Times New Roman" panose="02020603050405020304" pitchFamily="18" charset="0"/>
-                <a:ea typeface="Times New Roman" panose="02020603050405020304" pitchFamily="18" charset="0"/>
-              </a:rPr>
-              <a:t>teacher.</a:t>
-            </a:r>
-            <a:endParaRPr lang="en-US" dirty="0">
-              <a:latin typeface="Times New Roman" panose="02020603050405020304" pitchFamily="18" charset="0"/>
-              <a:ea typeface="Times New Roman" panose="02020603050405020304" pitchFamily="18" charset="0"/>
-            </a:endParaRPr>
-          </a:p>
-          <a:p>
-            <a:pPr marL="63500" marR="144780" indent="410210" algn="just">
-              <a:lnSpc>
-                <a:spcPct val="120000"/>
-              </a:lnSpc>
-              <a:spcBef>
-                <a:spcPts val="450"/>
-              </a:spcBef>
-              <a:spcAft>
-                <a:spcPts val="0"/>
-              </a:spcAft>
-            </a:pPr>
-            <a:endParaRPr lang="en-US" sz="1800" dirty="0">
-              <a:effectLst/>
-              <a:latin typeface="Times New Roman" panose="02020603050405020304" pitchFamily="18" charset="0"/>
-              <a:ea typeface="Times New Roman" panose="02020603050405020304" pitchFamily="18" charset="0"/>
-            </a:endParaRPr>
-          </a:p>
-          <a:p>
-            <a:pPr marL="63500" marR="144780" indent="410210" algn="just">
-              <a:lnSpc>
-                <a:spcPct val="120000"/>
-              </a:lnSpc>
-              <a:spcBef>
-                <a:spcPts val="450"/>
-              </a:spcBef>
-              <a:spcAft>
-                <a:spcPts val="0"/>
-              </a:spcAft>
-            </a:pPr>
-            <a:r>
-              <a:rPr lang="en-US" dirty="0">
-                <a:latin typeface="Times New Roman" panose="02020603050405020304" pitchFamily="18" charset="0"/>
-                <a:ea typeface="Times New Roman" panose="02020603050405020304" pitchFamily="18" charset="0"/>
-              </a:rPr>
-              <a:t>Hardware Requirement: -</a:t>
-            </a:r>
-          </a:p>
-          <a:p>
-            <a:pPr marL="463550" marR="144780" lvl="1" indent="410210" algn="just">
-              <a:lnSpc>
-                <a:spcPct val="120000"/>
-              </a:lnSpc>
-              <a:spcBef>
-                <a:spcPts val="450"/>
-              </a:spcBef>
-            </a:pPr>
-            <a:r>
-              <a:rPr lang="en-US" dirty="0">
-                <a:effectLst/>
-                <a:latin typeface="Times New Roman" panose="02020603050405020304" pitchFamily="18" charset="0"/>
-                <a:ea typeface="Times New Roman" panose="02020603050405020304" pitchFamily="18" charset="0"/>
-              </a:rPr>
-              <a:t>Laptop G15</a:t>
-            </a:r>
-          </a:p>
-          <a:p>
-            <a:pPr marL="463550" marR="144780" lvl="1" indent="410210" algn="just">
-              <a:lnSpc>
-                <a:spcPct val="120000"/>
-              </a:lnSpc>
-              <a:spcBef>
-                <a:spcPts val="450"/>
-              </a:spcBef>
-            </a:pPr>
-            <a:r>
-              <a:rPr lang="en-US" dirty="0">
-                <a:effectLst/>
-                <a:latin typeface="Times New Roman" panose="02020603050405020304" pitchFamily="18" charset="0"/>
-                <a:ea typeface="Times New Roman" panose="02020603050405020304" pitchFamily="18" charset="0"/>
-              </a:rPr>
-              <a:t>Processor i5</a:t>
-            </a:r>
-          </a:p>
-          <a:p>
-            <a:pPr marL="463550" marR="144780" lvl="1" indent="410210" algn="just">
-              <a:lnSpc>
-                <a:spcPct val="120000"/>
-              </a:lnSpc>
-              <a:spcBef>
-                <a:spcPts val="450"/>
-              </a:spcBef>
-            </a:pPr>
-            <a:endParaRPr lang="en-US" dirty="0">
-              <a:effectLst/>
-              <a:latin typeface="Times New Roman" panose="02020603050405020304" pitchFamily="18" charset="0"/>
-              <a:ea typeface="Times New Roman" panose="02020603050405020304" pitchFamily="18" charset="0"/>
-            </a:endParaRPr>
-          </a:p>
-          <a:p>
-            <a:pPr marL="63500" marR="144780" indent="410210" algn="just">
-              <a:lnSpc>
-                <a:spcPct val="120000"/>
-              </a:lnSpc>
-              <a:spcBef>
-                <a:spcPts val="450"/>
-              </a:spcBef>
-              <a:spcAft>
-                <a:spcPts val="0"/>
-              </a:spcAft>
-            </a:pPr>
-            <a:r>
-              <a:rPr lang="en-US" dirty="0">
-                <a:latin typeface="Times New Roman" panose="02020603050405020304" pitchFamily="18" charset="0"/>
-                <a:ea typeface="Times New Roman" panose="02020603050405020304" pitchFamily="18" charset="0"/>
-              </a:rPr>
-              <a:t>Software Requirement: -</a:t>
-            </a:r>
-          </a:p>
-          <a:p>
-            <a:pPr marL="463550" marR="144780" lvl="1" indent="410210" algn="just">
-              <a:lnSpc>
-                <a:spcPct val="120000"/>
-              </a:lnSpc>
-              <a:spcBef>
-                <a:spcPts val="450"/>
-              </a:spcBef>
-            </a:pPr>
-            <a:r>
-              <a:rPr lang="en-US" dirty="0">
-                <a:latin typeface="Times New Roman" panose="02020603050405020304" pitchFamily="18" charset="0"/>
-                <a:ea typeface="Times New Roman" panose="02020603050405020304" pitchFamily="18" charset="0"/>
-              </a:rPr>
-              <a:t>Language : - C++</a:t>
-            </a:r>
-          </a:p>
-          <a:p>
-            <a:pPr marL="63500" marR="144780" indent="410210" algn="just">
-              <a:lnSpc>
-                <a:spcPct val="120000"/>
-              </a:lnSpc>
-              <a:spcBef>
-                <a:spcPts val="450"/>
-              </a:spcBef>
-              <a:spcAft>
-                <a:spcPts val="0"/>
-              </a:spcAft>
-            </a:pPr>
-            <a:endParaRPr lang="en-US" sz="1800" dirty="0">
-              <a:effectLst/>
-              <a:latin typeface="Times New Roman" panose="02020603050405020304" pitchFamily="18" charset="0"/>
-              <a:ea typeface="Times New Roman" panose="02020603050405020304" pitchFamily="18" charset="0"/>
-            </a:endParaRPr>
-          </a:p>
-          <a:p>
-            <a:pPr marL="63500" marR="144780" indent="410210" algn="just">
-              <a:lnSpc>
-                <a:spcPct val="120000"/>
-              </a:lnSpc>
-              <a:spcBef>
-                <a:spcPts val="450"/>
-              </a:spcBef>
-              <a:spcAft>
-                <a:spcPts val="0"/>
-              </a:spcAft>
-            </a:pPr>
-            <a:endParaRPr lang="en-US" dirty="0">
-              <a:latin typeface="Times New Roman" panose="02020603050405020304" pitchFamily="18" charset="0"/>
-              <a:ea typeface="Times New Roman" panose="02020603050405020304" pitchFamily="18" charset="0"/>
-            </a:endParaRPr>
-          </a:p>
-          <a:p>
-            <a:pPr marL="63500" marR="144780" indent="410210" algn="just">
-              <a:lnSpc>
-                <a:spcPct val="120000"/>
-              </a:lnSpc>
-              <a:spcBef>
-                <a:spcPts val="450"/>
-              </a:spcBef>
-              <a:spcAft>
-                <a:spcPts val="0"/>
-              </a:spcAft>
-            </a:pPr>
-            <a:endParaRPr lang="en-IN" sz="1800" dirty="0">
-              <a:effectLst/>
-              <a:latin typeface="Times New Roman" panose="02020603050405020304" pitchFamily="18" charset="0"/>
-              <a:ea typeface="Times New Roman" panose="02020603050405020304" pitchFamily="18" charset="0"/>
-            </a:endParaRPr>
-          </a:p>
-          <a:p>
-            <a:endParaRPr lang="en-IN" dirty="0"/>
-          </a:p>
-        </p:txBody>
-      </p:sp>
-    </p:spTree>
-    <p:extLst>
-      <p:ext uri="{BB962C8B-B14F-4D97-AF65-F5344CB8AC3E}">
-        <p14:creationId xmlns:p14="http://schemas.microsoft.com/office/powerpoint/2010/main" val="1861275512"/>
-      </p:ext>
-    </p:extLst>
-  </p:cSld>
-  <p:clrMapOvr>
-    <a:masterClrMapping/>
-  </p:clrMapOvr>
-</p:sld>
-</file>
-
-<file path=ppt/slides/slide7.xml><?xml version="1.0" encoding="utf-8"?>
-<p:sld xmlns:a="http://schemas.openxmlformats.org/drawingml/2006/main" xmlns:r="http://schemas.openxmlformats.org/officeDocument/2006/relationships" xmlns:p="http://schemas.openxmlformats.org/presentationml/2006/main">
-  <p:cSld>
-    <p:spTree>
-      <p:nvGrpSpPr>
-        <p:cNvPr id="1" name=""/>
-        <p:cNvGrpSpPr/>
-        <p:nvPr/>
-      </p:nvGrpSpPr>
-      <p:grpSpPr>
-        <a:xfrm>
-          <a:off x="0" y="0"/>
-          <a:ext cx="0" cy="0"/>
-          <a:chOff x="0" y="0"/>
-          <a:chExt cx="0" cy="0"/>
-        </a:xfrm>
-      </p:grpSpPr>
-      <p:sp>
-        <p:nvSpPr>
-          <p:cNvPr id="3" name="Content Placeholder 2">
-            <a:extLst>
-              <a:ext uri="{FF2B5EF4-FFF2-40B4-BE49-F238E27FC236}">
-                <a16:creationId xmlns:a16="http://schemas.microsoft.com/office/drawing/2014/main" id="{CA4E50BD-24EE-8CEF-CDAD-0FE54AC5FC05}"/>
-              </a:ext>
-            </a:extLst>
-          </p:cNvPr>
-          <p:cNvSpPr>
-            <a:spLocks noGrp="1"/>
-          </p:cNvSpPr>
-          <p:nvPr>
-            <p:ph idx="1"/>
-          </p:nvPr>
-        </p:nvSpPr>
-        <p:spPr>
-          <a:xfrm>
-            <a:off x="2543175" y="949639"/>
-            <a:ext cx="9780587" cy="4958722"/>
-          </a:xfrm>
-        </p:spPr>
-        <p:txBody>
-          <a:bodyPr/>
-          <a:lstStyle/>
-          <a:p>
-            <a:pPr marL="0" indent="0">
-              <a:buNone/>
-            </a:pPr>
-            <a:r>
-              <a:rPr lang="en-IN" b="1" dirty="0">
-                <a:solidFill>
-                  <a:srgbClr val="FF0000"/>
-                </a:solidFill>
-                <a:latin typeface="Times New Roman" panose="02020603050405020304" pitchFamily="18" charset="0"/>
-                <a:cs typeface="Times New Roman" panose="02020603050405020304" pitchFamily="18" charset="0"/>
-              </a:rPr>
-              <a:t>Proposed Methodology</a:t>
-            </a:r>
-          </a:p>
-          <a:p>
-            <a:r>
-              <a:rPr lang="en-US" sz="1800" dirty="0">
-                <a:effectLst/>
-                <a:latin typeface="Times New Roman" panose="02020603050405020304" pitchFamily="18" charset="0"/>
-                <a:ea typeface="Times New Roman" panose="02020603050405020304" pitchFamily="18" charset="0"/>
-              </a:rPr>
-              <a:t>We aim to bring real time Opportunity cost is the profit lost when one alternative is selected</a:t>
-            </a:r>
-            <a:r>
-              <a:rPr lang="en-US" sz="1800" spc="5" dirty="0">
-                <a:effectLst/>
-                <a:latin typeface="Times New Roman" panose="02020603050405020304" pitchFamily="18" charset="0"/>
-                <a:ea typeface="Times New Roman" panose="02020603050405020304" pitchFamily="18" charset="0"/>
-              </a:rPr>
-              <a:t> </a:t>
-            </a:r>
-            <a:r>
-              <a:rPr lang="en-US" sz="1800" dirty="0">
-                <a:effectLst/>
-                <a:latin typeface="Times New Roman" panose="02020603050405020304" pitchFamily="18" charset="0"/>
-                <a:ea typeface="Times New Roman" panose="02020603050405020304" pitchFamily="18" charset="0"/>
-              </a:rPr>
-              <a:t>over</a:t>
-            </a:r>
-            <a:r>
-              <a:rPr lang="en-US" sz="1800" spc="-65" dirty="0">
-                <a:effectLst/>
-                <a:latin typeface="Times New Roman" panose="02020603050405020304" pitchFamily="18" charset="0"/>
-                <a:ea typeface="Times New Roman" panose="02020603050405020304" pitchFamily="18" charset="0"/>
-              </a:rPr>
-              <a:t> </a:t>
-            </a:r>
-            <a:r>
-              <a:rPr lang="en-US" sz="1800" dirty="0">
-                <a:effectLst/>
-                <a:latin typeface="Times New Roman" panose="02020603050405020304" pitchFamily="18" charset="0"/>
-                <a:ea typeface="Times New Roman" panose="02020603050405020304" pitchFamily="18" charset="0"/>
-              </a:rPr>
-              <a:t>another.</a:t>
-            </a:r>
-            <a:r>
-              <a:rPr lang="en-US" sz="1800" spc="-55" dirty="0">
-                <a:effectLst/>
-                <a:latin typeface="Times New Roman" panose="02020603050405020304" pitchFamily="18" charset="0"/>
-                <a:ea typeface="Times New Roman" panose="02020603050405020304" pitchFamily="18" charset="0"/>
-              </a:rPr>
-              <a:t> </a:t>
-            </a:r>
-            <a:r>
-              <a:rPr lang="en-US" sz="1800" dirty="0">
-                <a:effectLst/>
-                <a:latin typeface="Times New Roman" panose="02020603050405020304" pitchFamily="18" charset="0"/>
-                <a:ea typeface="Times New Roman" panose="02020603050405020304" pitchFamily="18" charset="0"/>
-              </a:rPr>
-              <a:t>The</a:t>
-            </a:r>
-            <a:r>
-              <a:rPr lang="en-US" sz="1800" spc="-60" dirty="0">
-                <a:effectLst/>
-                <a:latin typeface="Times New Roman" panose="02020603050405020304" pitchFamily="18" charset="0"/>
-                <a:ea typeface="Times New Roman" panose="02020603050405020304" pitchFamily="18" charset="0"/>
-              </a:rPr>
-              <a:t> </a:t>
-            </a:r>
-            <a:r>
-              <a:rPr lang="en-US" sz="1800" dirty="0">
-                <a:effectLst/>
-                <a:latin typeface="Times New Roman" panose="02020603050405020304" pitchFamily="18" charset="0"/>
-                <a:ea typeface="Times New Roman" panose="02020603050405020304" pitchFamily="18" charset="0"/>
-              </a:rPr>
-              <a:t>concept</a:t>
-            </a:r>
-            <a:r>
-              <a:rPr lang="en-US" sz="1800" spc="-55" dirty="0">
-                <a:effectLst/>
-                <a:latin typeface="Times New Roman" panose="02020603050405020304" pitchFamily="18" charset="0"/>
-                <a:ea typeface="Times New Roman" panose="02020603050405020304" pitchFamily="18" charset="0"/>
-              </a:rPr>
-              <a:t> </a:t>
-            </a:r>
-            <a:r>
-              <a:rPr lang="en-US" sz="1800" dirty="0">
-                <a:effectLst/>
-                <a:latin typeface="Times New Roman" panose="02020603050405020304" pitchFamily="18" charset="0"/>
-                <a:ea typeface="Times New Roman" panose="02020603050405020304" pitchFamily="18" charset="0"/>
-              </a:rPr>
-              <a:t>is</a:t>
-            </a:r>
-            <a:r>
-              <a:rPr lang="en-US" sz="1800" spc="-50" dirty="0">
-                <a:effectLst/>
-                <a:latin typeface="Times New Roman" panose="02020603050405020304" pitchFamily="18" charset="0"/>
-                <a:ea typeface="Times New Roman" panose="02020603050405020304" pitchFamily="18" charset="0"/>
-              </a:rPr>
-              <a:t> </a:t>
-            </a:r>
-            <a:r>
-              <a:rPr lang="en-US" sz="1800" dirty="0">
-                <a:effectLst/>
-                <a:latin typeface="Times New Roman" panose="02020603050405020304" pitchFamily="18" charset="0"/>
-                <a:ea typeface="Times New Roman" panose="02020603050405020304" pitchFamily="18" charset="0"/>
-              </a:rPr>
-              <a:t>useful</a:t>
-            </a:r>
-            <a:r>
-              <a:rPr lang="en-US" sz="1800" spc="-55" dirty="0">
-                <a:effectLst/>
-                <a:latin typeface="Times New Roman" panose="02020603050405020304" pitchFamily="18" charset="0"/>
-                <a:ea typeface="Times New Roman" panose="02020603050405020304" pitchFamily="18" charset="0"/>
-              </a:rPr>
-              <a:t> </a:t>
-            </a:r>
-            <a:r>
-              <a:rPr lang="en-US" sz="1800" dirty="0">
-                <a:effectLst/>
-                <a:latin typeface="Times New Roman" panose="02020603050405020304" pitchFamily="18" charset="0"/>
-                <a:ea typeface="Times New Roman" panose="02020603050405020304" pitchFamily="18" charset="0"/>
-              </a:rPr>
-              <a:t>simply</a:t>
-            </a:r>
-            <a:r>
-              <a:rPr lang="en-US" sz="1800" spc="-55" dirty="0">
-                <a:effectLst/>
-                <a:latin typeface="Times New Roman" panose="02020603050405020304" pitchFamily="18" charset="0"/>
-                <a:ea typeface="Times New Roman" panose="02020603050405020304" pitchFamily="18" charset="0"/>
-              </a:rPr>
-              <a:t> </a:t>
-            </a:r>
-            <a:r>
-              <a:rPr lang="en-US" sz="1800" dirty="0">
-                <a:effectLst/>
-                <a:latin typeface="Times New Roman" panose="02020603050405020304" pitchFamily="18" charset="0"/>
-                <a:ea typeface="Times New Roman" panose="02020603050405020304" pitchFamily="18" charset="0"/>
-              </a:rPr>
-              <a:t>as</a:t>
-            </a:r>
-            <a:r>
-              <a:rPr lang="en-US" sz="1800" spc="-55" dirty="0">
-                <a:effectLst/>
-                <a:latin typeface="Times New Roman" panose="02020603050405020304" pitchFamily="18" charset="0"/>
-                <a:ea typeface="Times New Roman" panose="02020603050405020304" pitchFamily="18" charset="0"/>
-              </a:rPr>
-              <a:t> </a:t>
-            </a:r>
-            <a:r>
-              <a:rPr lang="en-US" sz="1800" dirty="0">
-                <a:effectLst/>
-                <a:latin typeface="Times New Roman" panose="02020603050405020304" pitchFamily="18" charset="0"/>
-                <a:ea typeface="Times New Roman" panose="02020603050405020304" pitchFamily="18" charset="0"/>
-              </a:rPr>
-              <a:t>a</a:t>
-            </a:r>
-            <a:r>
-              <a:rPr lang="en-US" sz="1800" spc="-60" dirty="0">
-                <a:effectLst/>
-                <a:latin typeface="Times New Roman" panose="02020603050405020304" pitchFamily="18" charset="0"/>
-                <a:ea typeface="Times New Roman" panose="02020603050405020304" pitchFamily="18" charset="0"/>
-              </a:rPr>
-              <a:t> </a:t>
-            </a:r>
-            <a:r>
-              <a:rPr lang="en-US" sz="1800" dirty="0">
-                <a:effectLst/>
-                <a:latin typeface="Times New Roman" panose="02020603050405020304" pitchFamily="18" charset="0"/>
-                <a:ea typeface="Times New Roman" panose="02020603050405020304" pitchFamily="18" charset="0"/>
-              </a:rPr>
-              <a:t>reminder</a:t>
-            </a:r>
-            <a:r>
-              <a:rPr lang="en-US" sz="1800" spc="-60" dirty="0">
-                <a:effectLst/>
-                <a:latin typeface="Times New Roman" panose="02020603050405020304" pitchFamily="18" charset="0"/>
-                <a:ea typeface="Times New Roman" panose="02020603050405020304" pitchFamily="18" charset="0"/>
-              </a:rPr>
-              <a:t> </a:t>
-            </a:r>
-            <a:r>
-              <a:rPr lang="en-US" sz="1800" dirty="0">
-                <a:effectLst/>
-                <a:latin typeface="Times New Roman" panose="02020603050405020304" pitchFamily="18" charset="0"/>
-                <a:ea typeface="Times New Roman" panose="02020603050405020304" pitchFamily="18" charset="0"/>
-              </a:rPr>
-              <a:t>to</a:t>
-            </a:r>
-            <a:r>
-              <a:rPr lang="en-US" sz="1800" spc="-55" dirty="0">
-                <a:effectLst/>
-                <a:latin typeface="Times New Roman" panose="02020603050405020304" pitchFamily="18" charset="0"/>
-                <a:ea typeface="Times New Roman" panose="02020603050405020304" pitchFamily="18" charset="0"/>
-              </a:rPr>
-              <a:t> </a:t>
-            </a:r>
-            <a:r>
-              <a:rPr lang="en-US" sz="1800" dirty="0">
-                <a:effectLst/>
-                <a:latin typeface="Times New Roman" panose="02020603050405020304" pitchFamily="18" charset="0"/>
-                <a:ea typeface="Times New Roman" panose="02020603050405020304" pitchFamily="18" charset="0"/>
-              </a:rPr>
-              <a:t>examine</a:t>
-            </a:r>
-            <a:r>
-              <a:rPr lang="en-US" sz="1800" spc="-60" dirty="0">
-                <a:effectLst/>
-                <a:latin typeface="Times New Roman" panose="02020603050405020304" pitchFamily="18" charset="0"/>
-                <a:ea typeface="Times New Roman" panose="02020603050405020304" pitchFamily="18" charset="0"/>
-              </a:rPr>
-              <a:t> </a:t>
-            </a:r>
-            <a:r>
-              <a:rPr lang="en-US" sz="1800" dirty="0">
-                <a:effectLst/>
-                <a:latin typeface="Times New Roman" panose="02020603050405020304" pitchFamily="18" charset="0"/>
-                <a:ea typeface="Times New Roman" panose="02020603050405020304" pitchFamily="18" charset="0"/>
-              </a:rPr>
-              <a:t>all</a:t>
-            </a:r>
-            <a:r>
-              <a:rPr lang="en-US" sz="1800" spc="-50" dirty="0">
-                <a:effectLst/>
-                <a:latin typeface="Times New Roman" panose="02020603050405020304" pitchFamily="18" charset="0"/>
-                <a:ea typeface="Times New Roman" panose="02020603050405020304" pitchFamily="18" charset="0"/>
-              </a:rPr>
-              <a:t> </a:t>
-            </a:r>
-            <a:r>
-              <a:rPr lang="en-US" sz="1800" dirty="0">
-                <a:effectLst/>
-                <a:latin typeface="Times New Roman" panose="02020603050405020304" pitchFamily="18" charset="0"/>
-                <a:ea typeface="Times New Roman" panose="02020603050405020304" pitchFamily="18" charset="0"/>
-              </a:rPr>
-              <a:t>reasonable</a:t>
-            </a:r>
-            <a:r>
-              <a:rPr lang="en-US" sz="1800" spc="-60" dirty="0">
-                <a:effectLst/>
-                <a:latin typeface="Times New Roman" panose="02020603050405020304" pitchFamily="18" charset="0"/>
-                <a:ea typeface="Times New Roman" panose="02020603050405020304" pitchFamily="18" charset="0"/>
-              </a:rPr>
-              <a:t> </a:t>
-            </a:r>
-            <a:r>
-              <a:rPr lang="en-US" sz="1800" dirty="0">
-                <a:effectLst/>
-                <a:latin typeface="Times New Roman" panose="02020603050405020304" pitchFamily="18" charset="0"/>
-                <a:ea typeface="Times New Roman" panose="02020603050405020304" pitchFamily="18" charset="0"/>
-              </a:rPr>
-              <a:t>alternatives</a:t>
-            </a:r>
-            <a:r>
-              <a:rPr lang="en-US" sz="1800" spc="-55" dirty="0">
-                <a:effectLst/>
-                <a:latin typeface="Times New Roman" panose="02020603050405020304" pitchFamily="18" charset="0"/>
-                <a:ea typeface="Times New Roman" panose="02020603050405020304" pitchFamily="18" charset="0"/>
-              </a:rPr>
-              <a:t> </a:t>
-            </a:r>
-            <a:r>
-              <a:rPr lang="en-US" sz="1800" dirty="0">
-                <a:effectLst/>
-                <a:latin typeface="Times New Roman" panose="02020603050405020304" pitchFamily="18" charset="0"/>
-                <a:ea typeface="Times New Roman" panose="02020603050405020304" pitchFamily="18" charset="0"/>
-              </a:rPr>
-              <a:t>before</a:t>
-            </a:r>
-            <a:r>
-              <a:rPr lang="en-US" sz="1800" spc="-290" dirty="0">
-                <a:effectLst/>
-                <a:latin typeface="Times New Roman" panose="02020603050405020304" pitchFamily="18" charset="0"/>
-                <a:ea typeface="Times New Roman" panose="02020603050405020304" pitchFamily="18" charset="0"/>
-              </a:rPr>
-              <a:t> </a:t>
-            </a:r>
-            <a:r>
-              <a:rPr lang="en-US" sz="1800" dirty="0">
-                <a:effectLst/>
-                <a:latin typeface="Times New Roman" panose="02020603050405020304" pitchFamily="18" charset="0"/>
-                <a:ea typeface="Times New Roman" panose="02020603050405020304" pitchFamily="18" charset="0"/>
-              </a:rPr>
-              <a:t>making</a:t>
-            </a:r>
-            <a:r>
-              <a:rPr lang="en-US" sz="1800" spc="-5" dirty="0">
-                <a:effectLst/>
-                <a:latin typeface="Times New Roman" panose="02020603050405020304" pitchFamily="18" charset="0"/>
-                <a:ea typeface="Times New Roman" panose="02020603050405020304" pitchFamily="18" charset="0"/>
-              </a:rPr>
-              <a:t> </a:t>
-            </a:r>
-            <a:r>
-              <a:rPr lang="en-US" sz="1800" dirty="0">
-                <a:effectLst/>
-                <a:latin typeface="Times New Roman" panose="02020603050405020304" pitchFamily="18" charset="0"/>
-                <a:ea typeface="Times New Roman" panose="02020603050405020304" pitchFamily="18" charset="0"/>
-              </a:rPr>
-              <a:t>a</a:t>
-            </a:r>
-            <a:r>
-              <a:rPr lang="en-US" sz="1800" spc="-5" dirty="0">
-                <a:effectLst/>
-                <a:latin typeface="Times New Roman" panose="02020603050405020304" pitchFamily="18" charset="0"/>
-                <a:ea typeface="Times New Roman" panose="02020603050405020304" pitchFamily="18" charset="0"/>
-              </a:rPr>
-              <a:t> </a:t>
-            </a:r>
-            <a:r>
-              <a:rPr lang="en-US" sz="1800" dirty="0">
-                <a:effectLst/>
-                <a:latin typeface="Times New Roman" panose="02020603050405020304" pitchFamily="18" charset="0"/>
-                <a:ea typeface="Times New Roman" panose="02020603050405020304" pitchFamily="18" charset="0"/>
-              </a:rPr>
-              <a:t>decision.</a:t>
-            </a:r>
-          </a:p>
-          <a:p>
-            <a:endParaRPr lang="en-US" dirty="0">
-              <a:latin typeface="Times New Roman" panose="02020603050405020304" pitchFamily="18" charset="0"/>
-              <a:ea typeface="Times New Roman" panose="02020603050405020304" pitchFamily="18" charset="0"/>
-            </a:endParaRPr>
-          </a:p>
-          <a:p>
-            <a:endParaRPr lang="en-IN" sz="1800" dirty="0">
-              <a:effectLst/>
-              <a:latin typeface="Times New Roman" panose="02020603050405020304" pitchFamily="18" charset="0"/>
-              <a:ea typeface="Times New Roman" panose="02020603050405020304" pitchFamily="18" charset="0"/>
-            </a:endParaRPr>
-          </a:p>
-          <a:p>
-            <a:pPr marL="383540" algn="l">
-              <a:spcBef>
-                <a:spcPts val="1135"/>
-              </a:spcBef>
-              <a:spcAft>
-                <a:spcPts val="0"/>
-              </a:spcAft>
-            </a:pPr>
-            <a:r>
-              <a:rPr lang="en-US" sz="1600" b="1" dirty="0">
-                <a:solidFill>
-                  <a:srgbClr val="FF0000"/>
-                </a:solidFill>
-                <a:effectLst/>
-                <a:uFill>
-                  <a:solidFill>
-                    <a:srgbClr val="FF0000"/>
-                  </a:solidFill>
-                </a:uFill>
-                <a:latin typeface="Times New Roman" panose="02020603050405020304" pitchFamily="18" charset="0"/>
-                <a:ea typeface="Times New Roman" panose="02020603050405020304" pitchFamily="18" charset="0"/>
-              </a:rPr>
-              <a:t>USER</a:t>
-            </a:r>
-            <a:r>
-              <a:rPr lang="en-US" sz="1600" b="1" spc="-20" dirty="0">
-                <a:solidFill>
-                  <a:srgbClr val="FF0000"/>
-                </a:solidFill>
-                <a:effectLst/>
-                <a:uFill>
-                  <a:solidFill>
-                    <a:srgbClr val="FF0000"/>
-                  </a:solidFill>
-                </a:uFill>
-                <a:latin typeface="Times New Roman" panose="02020603050405020304" pitchFamily="18" charset="0"/>
-                <a:ea typeface="Times New Roman" panose="02020603050405020304" pitchFamily="18" charset="0"/>
-              </a:rPr>
-              <a:t> </a:t>
-            </a:r>
-            <a:r>
-              <a:rPr lang="en-US" sz="1600" b="1" dirty="0">
-                <a:solidFill>
-                  <a:srgbClr val="FF0000"/>
-                </a:solidFill>
-                <a:effectLst/>
-                <a:uFill>
-                  <a:solidFill>
-                    <a:srgbClr val="FF0000"/>
-                  </a:solidFill>
-                </a:uFill>
-                <a:latin typeface="Times New Roman" panose="02020603050405020304" pitchFamily="18" charset="0"/>
-                <a:ea typeface="Times New Roman" panose="02020603050405020304" pitchFamily="18" charset="0"/>
-              </a:rPr>
-              <a:t>INTERFACE:</a:t>
-            </a:r>
-            <a:endParaRPr lang="en-IN" sz="1600" b="1" dirty="0">
-              <a:effectLst/>
-              <a:latin typeface="Times New Roman" panose="02020603050405020304" pitchFamily="18" charset="0"/>
-              <a:ea typeface="Times New Roman" panose="02020603050405020304" pitchFamily="18" charset="0"/>
-            </a:endParaRPr>
-          </a:p>
-          <a:p>
-            <a:pPr lvl="0">
-              <a:spcBef>
-                <a:spcPts val="850"/>
-              </a:spcBef>
-              <a:spcAft>
-                <a:spcPts val="0"/>
-              </a:spcAft>
-              <a:buFont typeface="+mj-lt"/>
-              <a:buAutoNum type="arabicPeriod"/>
-              <a:tabLst>
-                <a:tab pos="364490" algn="l"/>
-              </a:tabLst>
-            </a:pPr>
-            <a:r>
-              <a:rPr lang="en-US" sz="1800" dirty="0">
-                <a:effectLst/>
-                <a:latin typeface="Times New Roman" panose="02020603050405020304" pitchFamily="18" charset="0"/>
-                <a:ea typeface="Times New Roman" panose="02020603050405020304" pitchFamily="18" charset="0"/>
-              </a:rPr>
-              <a:t>ACQUISITION</a:t>
-            </a:r>
-            <a:r>
-              <a:rPr lang="en-US" sz="1800" spc="-5" dirty="0">
-                <a:effectLst/>
-                <a:latin typeface="Times New Roman" panose="02020603050405020304" pitchFamily="18" charset="0"/>
-                <a:ea typeface="Times New Roman" panose="02020603050405020304" pitchFamily="18" charset="0"/>
-              </a:rPr>
-              <a:t> </a:t>
-            </a:r>
-            <a:r>
-              <a:rPr lang="en-US" sz="1800" dirty="0">
-                <a:effectLst/>
-                <a:latin typeface="Times New Roman" panose="02020603050405020304" pitchFamily="18" charset="0"/>
-                <a:ea typeface="Times New Roman" panose="02020603050405020304" pitchFamily="18" charset="0"/>
-              </a:rPr>
-              <a:t>OF</a:t>
-            </a:r>
-            <a:r>
-              <a:rPr lang="en-US" sz="1800" spc="-5" dirty="0">
-                <a:effectLst/>
-                <a:latin typeface="Times New Roman" panose="02020603050405020304" pitchFamily="18" charset="0"/>
-                <a:ea typeface="Times New Roman" panose="02020603050405020304" pitchFamily="18" charset="0"/>
-              </a:rPr>
-              <a:t> </a:t>
-            </a:r>
-            <a:r>
-              <a:rPr lang="en-US" sz="1800" dirty="0">
-                <a:effectLst/>
-                <a:latin typeface="Times New Roman" panose="02020603050405020304" pitchFamily="18" charset="0"/>
-                <a:ea typeface="Times New Roman" panose="02020603050405020304" pitchFamily="18" charset="0"/>
-              </a:rPr>
-              <a:t>NEW</a:t>
-            </a:r>
-            <a:r>
-              <a:rPr lang="en-US" sz="1800" spc="-10" dirty="0">
-                <a:effectLst/>
-                <a:latin typeface="Times New Roman" panose="02020603050405020304" pitchFamily="18" charset="0"/>
-                <a:ea typeface="Times New Roman" panose="02020603050405020304" pitchFamily="18" charset="0"/>
-              </a:rPr>
-              <a:t> </a:t>
-            </a:r>
-            <a:r>
-              <a:rPr lang="en-US" sz="1800" dirty="0">
-                <a:effectLst/>
-                <a:latin typeface="Times New Roman" panose="02020603050405020304" pitchFamily="18" charset="0"/>
-                <a:ea typeface="Times New Roman" panose="02020603050405020304" pitchFamily="18" charset="0"/>
-              </a:rPr>
-              <a:t>CUSTOMERS:</a:t>
-            </a:r>
-            <a:endParaRPr lang="en-IN" sz="1800" dirty="0">
-              <a:effectLst/>
-              <a:latin typeface="Times New Roman" panose="02020603050405020304" pitchFamily="18" charset="0"/>
-              <a:ea typeface="Times New Roman" panose="02020603050405020304" pitchFamily="18" charset="0"/>
-            </a:endParaRPr>
-          </a:p>
-          <a:p>
-            <a:pPr>
-              <a:buFont typeface="+mj-lt"/>
-              <a:buAutoNum type="arabicPeriod"/>
-            </a:pPr>
-            <a:r>
-              <a:rPr lang="en-US" sz="1800" dirty="0">
-                <a:effectLst/>
-                <a:latin typeface="Times New Roman" panose="02020603050405020304" pitchFamily="18" charset="0"/>
-                <a:ea typeface="Times New Roman" panose="02020603050405020304" pitchFamily="18" charset="0"/>
-              </a:rPr>
-              <a:t>INCREASED</a:t>
-            </a:r>
-            <a:r>
-              <a:rPr lang="en-US" sz="1800" spc="-15" dirty="0">
-                <a:effectLst/>
-                <a:latin typeface="Times New Roman" panose="02020603050405020304" pitchFamily="18" charset="0"/>
-                <a:ea typeface="Times New Roman" panose="02020603050405020304" pitchFamily="18" charset="0"/>
-              </a:rPr>
-              <a:t> </a:t>
-            </a:r>
-            <a:r>
-              <a:rPr lang="en-US" sz="1800" dirty="0">
-                <a:effectLst/>
-                <a:latin typeface="Times New Roman" panose="02020603050405020304" pitchFamily="18" charset="0"/>
-                <a:ea typeface="Times New Roman" panose="02020603050405020304" pitchFamily="18" charset="0"/>
-              </a:rPr>
-              <a:t>CUSTOMER</a:t>
-            </a:r>
-            <a:r>
-              <a:rPr lang="en-US" sz="1800" spc="-5" dirty="0">
-                <a:effectLst/>
-                <a:latin typeface="Times New Roman" panose="02020603050405020304" pitchFamily="18" charset="0"/>
-                <a:ea typeface="Times New Roman" panose="02020603050405020304" pitchFamily="18" charset="0"/>
-              </a:rPr>
-              <a:t> </a:t>
-            </a:r>
-            <a:r>
-              <a:rPr lang="en-US" sz="1800" dirty="0">
-                <a:effectLst/>
-                <a:latin typeface="Times New Roman" panose="02020603050405020304" pitchFamily="18" charset="0"/>
-                <a:ea typeface="Times New Roman" panose="02020603050405020304" pitchFamily="18" charset="0"/>
-              </a:rPr>
-              <a:t>ENGAGEMENT</a:t>
-            </a:r>
-            <a:r>
-              <a:rPr lang="en-US" sz="1800" spc="-10" dirty="0">
-                <a:effectLst/>
-                <a:latin typeface="Times New Roman" panose="02020603050405020304" pitchFamily="18" charset="0"/>
-                <a:ea typeface="Times New Roman" panose="02020603050405020304" pitchFamily="18" charset="0"/>
-              </a:rPr>
-              <a:t> </a:t>
-            </a:r>
-            <a:r>
-              <a:rPr lang="en-US" sz="1800" dirty="0">
-                <a:effectLst/>
-                <a:latin typeface="Times New Roman" panose="02020603050405020304" pitchFamily="18" charset="0"/>
-                <a:ea typeface="Times New Roman" panose="02020603050405020304" pitchFamily="18" charset="0"/>
-              </a:rPr>
-              <a:t>AND</a:t>
-            </a:r>
-            <a:r>
-              <a:rPr lang="en-US" sz="1800" spc="-5" dirty="0">
-                <a:effectLst/>
-                <a:latin typeface="Times New Roman" panose="02020603050405020304" pitchFamily="18" charset="0"/>
-                <a:ea typeface="Times New Roman" panose="02020603050405020304" pitchFamily="18" charset="0"/>
-              </a:rPr>
-              <a:t> </a:t>
-            </a:r>
-            <a:r>
-              <a:rPr lang="en-US" sz="1800" dirty="0">
-                <a:effectLst/>
-                <a:latin typeface="Times New Roman" panose="02020603050405020304" pitchFamily="18" charset="0"/>
-                <a:ea typeface="Times New Roman" panose="02020603050405020304" pitchFamily="18" charset="0"/>
-              </a:rPr>
-              <a:t>RETENTION:</a:t>
-            </a:r>
-            <a:endParaRPr lang="en-IN" sz="1800" dirty="0">
-              <a:effectLst/>
-              <a:latin typeface="Times New Roman" panose="02020603050405020304" pitchFamily="18" charset="0"/>
-              <a:ea typeface="Times New Roman" panose="02020603050405020304" pitchFamily="18" charset="0"/>
-            </a:endParaRPr>
-          </a:p>
-          <a:p>
-            <a:pPr>
-              <a:buFont typeface="+mj-lt"/>
-              <a:buAutoNum type="arabicPeriod"/>
-            </a:pPr>
-            <a:r>
-              <a:rPr lang="en-US" sz="1800" dirty="0">
-                <a:effectLst/>
-                <a:latin typeface="Times New Roman" panose="02020603050405020304" pitchFamily="18" charset="0"/>
-                <a:ea typeface="Times New Roman" panose="02020603050405020304" pitchFamily="18" charset="0"/>
-              </a:rPr>
-              <a:t>LOWER</a:t>
-            </a:r>
-            <a:r>
-              <a:rPr lang="en-US" sz="1800" spc="-5" dirty="0">
-                <a:effectLst/>
-                <a:latin typeface="Times New Roman" panose="02020603050405020304" pitchFamily="18" charset="0"/>
-                <a:ea typeface="Times New Roman" panose="02020603050405020304" pitchFamily="18" charset="0"/>
-              </a:rPr>
-              <a:t> </a:t>
-            </a:r>
-            <a:r>
-              <a:rPr lang="en-US" sz="1800" dirty="0">
-                <a:effectLst/>
-                <a:latin typeface="Times New Roman" panose="02020603050405020304" pitchFamily="18" charset="0"/>
-                <a:ea typeface="Times New Roman" panose="02020603050405020304" pitchFamily="18" charset="0"/>
-              </a:rPr>
-              <a:t>DEVELOPMENT</a:t>
-            </a:r>
-            <a:r>
-              <a:rPr lang="en-US" sz="1800" spc="-10" dirty="0">
-                <a:effectLst/>
-                <a:latin typeface="Times New Roman" panose="02020603050405020304" pitchFamily="18" charset="0"/>
-                <a:ea typeface="Times New Roman" panose="02020603050405020304" pitchFamily="18" charset="0"/>
-              </a:rPr>
-              <a:t> </a:t>
-            </a:r>
-            <a:r>
-              <a:rPr lang="en-US" sz="1800" dirty="0">
-                <a:effectLst/>
-                <a:latin typeface="Times New Roman" panose="02020603050405020304" pitchFamily="18" charset="0"/>
-                <a:ea typeface="Times New Roman" panose="02020603050405020304" pitchFamily="18" charset="0"/>
-              </a:rPr>
-              <a:t>COSTS:</a:t>
-            </a:r>
-            <a:endParaRPr lang="en-IN" sz="1800" dirty="0">
-              <a:effectLst/>
-              <a:latin typeface="Times New Roman" panose="02020603050405020304" pitchFamily="18" charset="0"/>
-              <a:ea typeface="Times New Roman" panose="02020603050405020304" pitchFamily="18" charset="0"/>
-            </a:endParaRPr>
-          </a:p>
-          <a:p>
-            <a:pPr>
-              <a:buFont typeface="+mj-lt"/>
-              <a:buAutoNum type="arabicPeriod"/>
-            </a:pPr>
-            <a:r>
-              <a:rPr lang="en-US" sz="1800" dirty="0">
-                <a:effectLst/>
-                <a:latin typeface="Times New Roman" panose="02020603050405020304" pitchFamily="18" charset="0"/>
-                <a:ea typeface="Times New Roman" panose="02020603050405020304" pitchFamily="18" charset="0"/>
-              </a:rPr>
-              <a:t>LOWER</a:t>
-            </a:r>
-            <a:r>
-              <a:rPr lang="en-US" sz="1800" spc="-5" dirty="0">
-                <a:effectLst/>
-                <a:latin typeface="Times New Roman" panose="02020603050405020304" pitchFamily="18" charset="0"/>
-                <a:ea typeface="Times New Roman" panose="02020603050405020304" pitchFamily="18" charset="0"/>
-              </a:rPr>
-              <a:t> </a:t>
-            </a:r>
-            <a:r>
-              <a:rPr lang="en-US" sz="1800" dirty="0">
-                <a:effectLst/>
-                <a:latin typeface="Times New Roman" panose="02020603050405020304" pitchFamily="18" charset="0"/>
-                <a:ea typeface="Times New Roman" panose="02020603050405020304" pitchFamily="18" charset="0"/>
-              </a:rPr>
-              <a:t>CUSTOMER SUPPORT COSTS:</a:t>
-            </a:r>
-            <a:endParaRPr lang="en-IN" sz="1800" dirty="0">
-              <a:effectLst/>
-              <a:latin typeface="Times New Roman" panose="02020603050405020304" pitchFamily="18" charset="0"/>
-              <a:ea typeface="Times New Roman" panose="02020603050405020304" pitchFamily="18" charset="0"/>
-            </a:endParaRPr>
-          </a:p>
-          <a:p>
-            <a:pPr marL="0" indent="0">
-              <a:buNone/>
-            </a:pPr>
-            <a:endParaRPr lang="en-IN" b="1" dirty="0">
-              <a:solidFill>
-                <a:srgbClr val="FF0000"/>
-              </a:solidFill>
-            </a:endParaRPr>
-          </a:p>
-        </p:txBody>
-      </p:sp>
-    </p:spTree>
-    <p:extLst>
-      <p:ext uri="{BB962C8B-B14F-4D97-AF65-F5344CB8AC3E}">
-        <p14:creationId xmlns:p14="http://schemas.microsoft.com/office/powerpoint/2010/main" val="1474661815"/>
-      </p:ext>
-    </p:extLst>
-  </p:cSld>
-  <p:clrMapOvr>
-    <a:masterClrMapping/>
-  </p:clrMapOvr>
-</p:sld>
-</file>
-
-<file path=ppt/slides/slide8.xml><?xml version="1.0" encoding="utf-8"?>
+<file path=ppt/slides/slide11.xml><?xml version="1.0" encoding="utf-8"?>
 <p:sld xmlns:a="http://schemas.openxmlformats.org/drawingml/2006/main" xmlns:r="http://schemas.openxmlformats.org/officeDocument/2006/relationships" xmlns:p="http://schemas.openxmlformats.org/presentationml/2006/main">
   <p:cSld>
     <p:spTree>
@@ -13243,7 +9153,778 @@
 </p:sld>
 </file>
 
-<file path=ppt/slides/slide9.xml><?xml version="1.0" encoding="utf-8"?>
+<file path=ppt/slides/slide12.xml><?xml version="1.0" encoding="utf-8"?>
+<p:sld xmlns:a="http://schemas.openxmlformats.org/drawingml/2006/main" xmlns:r="http://schemas.openxmlformats.org/officeDocument/2006/relationships" xmlns:p="http://schemas.openxmlformats.org/presentationml/2006/main">
+  <p:cSld>
+    <p:spTree>
+      <p:nvGrpSpPr>
+        <p:cNvPr id="1" name=""/>
+        <p:cNvGrpSpPr/>
+        <p:nvPr/>
+      </p:nvGrpSpPr>
+      <p:grpSpPr>
+        <a:xfrm>
+          <a:off x="0" y="0"/>
+          <a:ext cx="0" cy="0"/>
+          <a:chOff x="0" y="0"/>
+          <a:chExt cx="0" cy="0"/>
+        </a:xfrm>
+      </p:grpSpPr>
+      <p:sp>
+        <p:nvSpPr>
+          <p:cNvPr id="3" name="Content Placeholder 2">
+            <a:extLst>
+              <a:ext uri="{FF2B5EF4-FFF2-40B4-BE49-F238E27FC236}">
+                <a16:creationId xmlns:a16="http://schemas.microsoft.com/office/drawing/2014/main" id="{7158A396-CFBA-D3F4-9216-9B89FFD4CF25}"/>
+              </a:ext>
+            </a:extLst>
+          </p:cNvPr>
+          <p:cNvSpPr>
+            <a:spLocks noGrp="1"/>
+          </p:cNvSpPr>
+          <p:nvPr>
+            <p:ph idx="1"/>
+          </p:nvPr>
+        </p:nvSpPr>
+        <p:spPr>
+          <a:xfrm>
+            <a:off x="1883664" y="1173480"/>
+            <a:ext cx="10407332" cy="4614672"/>
+          </a:xfrm>
+        </p:spPr>
+        <p:txBody>
+          <a:bodyPr>
+            <a:normAutofit/>
+          </a:bodyPr>
+          <a:lstStyle/>
+          <a:p>
+            <a:pPr marL="569595" marR="495300">
+              <a:lnSpc>
+                <a:spcPct val="110000"/>
+              </a:lnSpc>
+              <a:spcBef>
+                <a:spcPts val="1180"/>
+              </a:spcBef>
+              <a:spcAft>
+                <a:spcPts val="0"/>
+              </a:spcAft>
+            </a:pPr>
+            <a:r>
+              <a:rPr lang="en-US" b="1" u="heavy" dirty="0">
+                <a:solidFill>
+                  <a:srgbClr val="FF0000"/>
+                </a:solidFill>
+                <a:effectLst/>
+                <a:uFill>
+                  <a:solidFill>
+                    <a:srgbClr val="000000"/>
+                  </a:solidFill>
+                </a:uFill>
+                <a:latin typeface="Times New Roman" panose="02020603050405020304" pitchFamily="18" charset="0"/>
+                <a:ea typeface="Times New Roman" panose="02020603050405020304" pitchFamily="18" charset="0"/>
+              </a:rPr>
+              <a:t>REFERENCES</a:t>
+            </a:r>
+            <a:endParaRPr lang="en-IN" b="1" u="heavy" dirty="0">
+              <a:solidFill>
+                <a:srgbClr val="FF0000"/>
+              </a:solidFill>
+              <a:uFill>
+                <a:solidFill>
+                  <a:srgbClr val="000000"/>
+                </a:solidFill>
+              </a:uFill>
+              <a:latin typeface="Times New Roman" panose="02020603050405020304" pitchFamily="18" charset="0"/>
+              <a:ea typeface="Times New Roman" panose="02020603050405020304" pitchFamily="18" charset="0"/>
+            </a:endParaRPr>
+          </a:p>
+          <a:p>
+            <a:pPr marL="569595" marR="495300">
+              <a:lnSpc>
+                <a:spcPct val="150000"/>
+              </a:lnSpc>
+              <a:spcBef>
+                <a:spcPts val="1180"/>
+              </a:spcBef>
+              <a:spcAft>
+                <a:spcPts val="0"/>
+              </a:spcAft>
+              <a:buFont typeface="+mj-lt"/>
+              <a:buAutoNum type="arabicPeriod"/>
+            </a:pPr>
+            <a:r>
+              <a:rPr lang="en-US" spc="-5" dirty="0">
+                <a:effectLst/>
+                <a:latin typeface="Times New Roman" panose="02020603050405020304" pitchFamily="18" charset="0"/>
+                <a:ea typeface="Times New Roman" panose="02020603050405020304" pitchFamily="18" charset="0"/>
+              </a:rPr>
+              <a:t>A review</a:t>
+            </a:r>
+            <a:r>
+              <a:rPr lang="en-US" spc="-20" dirty="0">
+                <a:effectLst/>
+                <a:latin typeface="Times New Roman" panose="02020603050405020304" pitchFamily="18" charset="0"/>
+                <a:ea typeface="Times New Roman" panose="02020603050405020304" pitchFamily="18" charset="0"/>
+              </a:rPr>
+              <a:t> </a:t>
+            </a:r>
+            <a:r>
+              <a:rPr lang="en-US" spc="-5" dirty="0">
+                <a:effectLst/>
+                <a:latin typeface="Times New Roman" panose="02020603050405020304" pitchFamily="18" charset="0"/>
+                <a:ea typeface="Times New Roman" panose="02020603050405020304" pitchFamily="18" charset="0"/>
+              </a:rPr>
+              <a:t>of reference</a:t>
+            </a:r>
+            <a:r>
+              <a:rPr lang="en-US" spc="-20" dirty="0">
+                <a:effectLst/>
+                <a:latin typeface="Times New Roman" panose="02020603050405020304" pitchFamily="18" charset="0"/>
+                <a:ea typeface="Times New Roman" panose="02020603050405020304" pitchFamily="18" charset="0"/>
+              </a:rPr>
+              <a:t> </a:t>
+            </a:r>
+            <a:r>
+              <a:rPr lang="en-US" spc="-5" dirty="0">
+                <a:effectLst/>
+                <a:latin typeface="Times New Roman" panose="02020603050405020304" pitchFamily="18" charset="0"/>
+                <a:ea typeface="Times New Roman" panose="02020603050405020304" pitchFamily="18" charset="0"/>
+              </a:rPr>
+              <a:t>augmented problem is from ACM ICPC</a:t>
+            </a:r>
+            <a:r>
+              <a:rPr lang="en-US" spc="-25" dirty="0">
+                <a:effectLst/>
+                <a:latin typeface="Times New Roman" panose="02020603050405020304" pitchFamily="18" charset="0"/>
+                <a:ea typeface="Times New Roman" panose="02020603050405020304" pitchFamily="18" charset="0"/>
+              </a:rPr>
+              <a:t> </a:t>
+            </a:r>
+            <a:r>
+              <a:rPr lang="en-US" spc="-5" dirty="0">
+                <a:effectLst/>
+                <a:latin typeface="Times New Roman" panose="02020603050405020304" pitchFamily="18" charset="0"/>
+                <a:ea typeface="Times New Roman" panose="02020603050405020304" pitchFamily="18" charset="0"/>
+              </a:rPr>
+              <a:t>2020.</a:t>
+            </a:r>
+            <a:endParaRPr lang="en-IN" sz="1400" spc="-5" dirty="0">
+              <a:latin typeface="Times New Roman" panose="02020603050405020304" pitchFamily="18" charset="0"/>
+              <a:ea typeface="Times New Roman" panose="02020603050405020304" pitchFamily="18" charset="0"/>
+            </a:endParaRPr>
+          </a:p>
+          <a:p>
+            <a:pPr marL="569595" marR="495300">
+              <a:lnSpc>
+                <a:spcPct val="150000"/>
+              </a:lnSpc>
+              <a:spcBef>
+                <a:spcPts val="1180"/>
+              </a:spcBef>
+              <a:spcAft>
+                <a:spcPts val="0"/>
+              </a:spcAft>
+              <a:buFont typeface="+mj-lt"/>
+              <a:buAutoNum type="arabicPeriod"/>
+            </a:pPr>
+            <a:r>
+              <a:rPr lang="en-US" spc="-5" dirty="0">
+                <a:effectLst/>
+                <a:latin typeface="Times New Roman" panose="02020603050405020304" pitchFamily="18" charset="0"/>
+                <a:ea typeface="Times New Roman" panose="02020603050405020304" pitchFamily="18" charset="0"/>
+              </a:rPr>
+              <a:t>The</a:t>
+            </a:r>
+            <a:r>
+              <a:rPr lang="en-US" spc="-15" dirty="0">
+                <a:effectLst/>
+                <a:latin typeface="Times New Roman" panose="02020603050405020304" pitchFamily="18" charset="0"/>
+                <a:ea typeface="Times New Roman" panose="02020603050405020304" pitchFamily="18" charset="0"/>
+              </a:rPr>
+              <a:t> </a:t>
+            </a:r>
+            <a:r>
+              <a:rPr lang="en-US" spc="-5" dirty="0">
+                <a:effectLst/>
+                <a:latin typeface="Times New Roman" panose="02020603050405020304" pitchFamily="18" charset="0"/>
+                <a:ea typeface="Times New Roman" panose="02020603050405020304" pitchFamily="18" charset="0"/>
+              </a:rPr>
+              <a:t>Past,</a:t>
+            </a:r>
+            <a:r>
+              <a:rPr lang="en-US" spc="-30" dirty="0">
+                <a:effectLst/>
+                <a:latin typeface="Times New Roman" panose="02020603050405020304" pitchFamily="18" charset="0"/>
+                <a:ea typeface="Times New Roman" panose="02020603050405020304" pitchFamily="18" charset="0"/>
+              </a:rPr>
+              <a:t> </a:t>
+            </a:r>
+            <a:r>
+              <a:rPr lang="en-US" spc="-5" dirty="0">
+                <a:effectLst/>
+                <a:latin typeface="Times New Roman" panose="02020603050405020304" pitchFamily="18" charset="0"/>
+                <a:ea typeface="Times New Roman" panose="02020603050405020304" pitchFamily="18" charset="0"/>
+              </a:rPr>
+              <a:t>present</a:t>
+            </a:r>
+            <a:r>
+              <a:rPr lang="en-US" spc="-30" dirty="0">
+                <a:effectLst/>
+                <a:latin typeface="Times New Roman" panose="02020603050405020304" pitchFamily="18" charset="0"/>
+                <a:ea typeface="Times New Roman" panose="02020603050405020304" pitchFamily="18" charset="0"/>
+              </a:rPr>
+              <a:t> </a:t>
+            </a:r>
+            <a:r>
+              <a:rPr lang="en-US" spc="-5" dirty="0">
+                <a:effectLst/>
+                <a:latin typeface="Times New Roman" panose="02020603050405020304" pitchFamily="18" charset="0"/>
+                <a:ea typeface="Times New Roman" panose="02020603050405020304" pitchFamily="18" charset="0"/>
+              </a:rPr>
+              <a:t>and future</a:t>
+            </a:r>
+            <a:r>
+              <a:rPr lang="en-US" spc="-15" dirty="0">
+                <a:effectLst/>
+                <a:latin typeface="Times New Roman" panose="02020603050405020304" pitchFamily="18" charset="0"/>
+                <a:ea typeface="Times New Roman" panose="02020603050405020304" pitchFamily="18" charset="0"/>
+              </a:rPr>
+              <a:t> </a:t>
+            </a:r>
+            <a:r>
+              <a:rPr lang="en-US" spc="-5" dirty="0">
+                <a:effectLst/>
+                <a:latin typeface="Times New Roman" panose="02020603050405020304" pitchFamily="18" charset="0"/>
+                <a:ea typeface="Times New Roman" panose="02020603050405020304" pitchFamily="18" charset="0"/>
+              </a:rPr>
+              <a:t>of</a:t>
+            </a:r>
+            <a:r>
+              <a:rPr lang="en-US" spc="-25" dirty="0">
+                <a:effectLst/>
+                <a:latin typeface="Times New Roman" panose="02020603050405020304" pitchFamily="18" charset="0"/>
+                <a:ea typeface="Times New Roman" panose="02020603050405020304" pitchFamily="18" charset="0"/>
+              </a:rPr>
+              <a:t> </a:t>
+            </a:r>
+            <a:r>
+              <a:rPr lang="en-US" spc="-5" dirty="0">
+                <a:effectLst/>
+                <a:latin typeface="Times New Roman" panose="02020603050405020304" pitchFamily="18" charset="0"/>
+                <a:ea typeface="Times New Roman" panose="02020603050405020304" pitchFamily="18" charset="0"/>
+              </a:rPr>
+              <a:t>opportunity</a:t>
+            </a:r>
+            <a:r>
+              <a:rPr lang="en-US" spc="-25" dirty="0">
+                <a:effectLst/>
+                <a:latin typeface="Times New Roman" panose="02020603050405020304" pitchFamily="18" charset="0"/>
+                <a:ea typeface="Times New Roman" panose="02020603050405020304" pitchFamily="18" charset="0"/>
+              </a:rPr>
+              <a:t> </a:t>
+            </a:r>
+            <a:r>
+              <a:rPr lang="en-US" spc="-5" dirty="0">
+                <a:effectLst/>
+                <a:latin typeface="Times New Roman" panose="02020603050405020304" pitchFamily="18" charset="0"/>
+                <a:ea typeface="Times New Roman" panose="02020603050405020304" pitchFamily="18" charset="0"/>
+              </a:rPr>
+              <a:t>is</a:t>
+            </a:r>
+            <a:r>
+              <a:rPr lang="en-US" spc="-10" dirty="0">
+                <a:effectLst/>
+                <a:latin typeface="Times New Roman" panose="02020603050405020304" pitchFamily="18" charset="0"/>
+                <a:ea typeface="Times New Roman" panose="02020603050405020304" pitchFamily="18" charset="0"/>
+              </a:rPr>
+              <a:t> </a:t>
+            </a:r>
+            <a:r>
+              <a:rPr lang="en-US" spc="-5" dirty="0">
+                <a:effectLst/>
+                <a:latin typeface="Times New Roman" panose="02020603050405020304" pitchFamily="18" charset="0"/>
+                <a:ea typeface="Times New Roman" panose="02020603050405020304" pitchFamily="18" charset="0"/>
+              </a:rPr>
+              <a:t>takeout</a:t>
+            </a:r>
+            <a:r>
+              <a:rPr lang="en-US" spc="-10" dirty="0">
+                <a:effectLst/>
+                <a:latin typeface="Times New Roman" panose="02020603050405020304" pitchFamily="18" charset="0"/>
+                <a:ea typeface="Times New Roman" panose="02020603050405020304" pitchFamily="18" charset="0"/>
+              </a:rPr>
+              <a:t> </a:t>
+            </a:r>
+            <a:r>
+              <a:rPr lang="en-US" spc="-5" dirty="0">
+                <a:effectLst/>
+                <a:latin typeface="Times New Roman" panose="02020603050405020304" pitchFamily="18" charset="0"/>
+                <a:ea typeface="Times New Roman" panose="02020603050405020304" pitchFamily="18" charset="0"/>
+              </a:rPr>
+              <a:t>from  </a:t>
+            </a:r>
+            <a:r>
+              <a:rPr lang="en-US" spc="-335" dirty="0">
+                <a:effectLst/>
+                <a:latin typeface="Times New Roman" panose="02020603050405020304" pitchFamily="18" charset="0"/>
+                <a:ea typeface="Times New Roman" panose="02020603050405020304" pitchFamily="18" charset="0"/>
+              </a:rPr>
+              <a:t>   </a:t>
+            </a:r>
+            <a:r>
+              <a:rPr lang="en-US" spc="-5" dirty="0">
+                <a:solidFill>
+                  <a:srgbClr val="00AFEF"/>
+                </a:solidFill>
+                <a:effectLst/>
+                <a:latin typeface="Times New Roman" panose="02020603050405020304" pitchFamily="18" charset="0"/>
+                <a:ea typeface="Times New Roman" panose="02020603050405020304" pitchFamily="18" charset="0"/>
+              </a:rPr>
+              <a:t>https://icpc.global/community/result-2020.</a:t>
+            </a:r>
+            <a:endParaRPr lang="en-IN" sz="1400" spc="-5" dirty="0">
+              <a:effectLst/>
+              <a:latin typeface="Times New Roman" panose="02020603050405020304" pitchFamily="18" charset="0"/>
+              <a:ea typeface="Times New Roman" panose="02020603050405020304" pitchFamily="18" charset="0"/>
+            </a:endParaRPr>
+          </a:p>
+          <a:p>
+            <a:pPr marL="520700">
+              <a:lnSpc>
+                <a:spcPct val="150000"/>
+              </a:lnSpc>
+              <a:buFont typeface="+mj-lt"/>
+              <a:buAutoNum type="arabicPeriod"/>
+            </a:pPr>
+            <a:r>
+              <a:rPr lang="en-US" dirty="0">
+                <a:effectLst/>
+                <a:latin typeface="Times New Roman" panose="02020603050405020304" pitchFamily="18" charset="0"/>
+                <a:ea typeface="Times New Roman" panose="02020603050405020304" pitchFamily="18" charset="0"/>
+              </a:rPr>
+              <a:t>ACM ICPC World Final 2020-KTH</a:t>
+            </a:r>
+            <a:r>
+              <a:rPr lang="en-US" spc="5" dirty="0">
+                <a:effectLst/>
+                <a:latin typeface="Times New Roman" panose="02020603050405020304" pitchFamily="18" charset="0"/>
+                <a:ea typeface="Times New Roman" panose="02020603050405020304" pitchFamily="18" charset="0"/>
+              </a:rPr>
+              <a:t> </a:t>
+            </a:r>
+            <a:r>
+              <a:rPr lang="en-US" spc="-5" dirty="0">
+                <a:solidFill>
+                  <a:srgbClr val="00AFEF"/>
+                </a:solidFill>
+                <a:effectLst/>
+                <a:latin typeface="Times New Roman" panose="02020603050405020304" pitchFamily="18" charset="0"/>
+                <a:ea typeface="Times New Roman" panose="02020603050405020304" pitchFamily="18" charset="0"/>
+              </a:rPr>
+              <a:t>https://</a:t>
+            </a:r>
+            <a:r>
+              <a:rPr lang="en-US" u="none" strike="noStrike" spc="-5" dirty="0">
+                <a:solidFill>
+                  <a:srgbClr val="00AFEF"/>
+                </a:solidFill>
+                <a:effectLst/>
+                <a:latin typeface="Times New Roman" panose="02020603050405020304" pitchFamily="18" charset="0"/>
+                <a:ea typeface="Times New Roman" panose="02020603050405020304" pitchFamily="18" charset="0"/>
+                <a:hlinkClick r:id="rId2"/>
+              </a:rPr>
+              <a:t>www.csc.kth.se/~austrin/icpc/finals2020solution.pdf.</a:t>
+            </a:r>
+            <a:endParaRPr lang="en-IN" sz="1600" dirty="0">
+              <a:effectLst/>
+              <a:latin typeface="Times New Roman" panose="02020603050405020304" pitchFamily="18" charset="0"/>
+              <a:ea typeface="Times New Roman" panose="02020603050405020304" pitchFamily="18" charset="0"/>
+            </a:endParaRPr>
+          </a:p>
+          <a:p>
+            <a:pPr marL="520700" marR="1570990">
+              <a:lnSpc>
+                <a:spcPct val="150000"/>
+              </a:lnSpc>
+              <a:spcAft>
+                <a:spcPts val="0"/>
+              </a:spcAft>
+              <a:buFont typeface="+mj-lt"/>
+              <a:buAutoNum type="arabicPeriod"/>
+            </a:pPr>
+            <a:r>
+              <a:rPr lang="en-US" dirty="0">
+                <a:effectLst/>
+                <a:latin typeface="Times New Roman" panose="02020603050405020304" pitchFamily="18" charset="0"/>
+                <a:ea typeface="Times New Roman" panose="02020603050405020304" pitchFamily="18" charset="0"/>
+              </a:rPr>
+              <a:t>ACM ICPC -</a:t>
+            </a:r>
+            <a:r>
+              <a:rPr lang="en-US" spc="5" dirty="0">
+                <a:effectLst/>
+                <a:latin typeface="Times New Roman" panose="02020603050405020304" pitchFamily="18" charset="0"/>
+                <a:ea typeface="Times New Roman" panose="02020603050405020304" pitchFamily="18" charset="0"/>
+              </a:rPr>
+              <a:t> </a:t>
+            </a:r>
+            <a:r>
+              <a:rPr lang="en-US" dirty="0">
+                <a:effectLst/>
+                <a:latin typeface="Times New Roman" panose="02020603050405020304" pitchFamily="18" charset="0"/>
+                <a:ea typeface="Times New Roman" panose="02020603050405020304" pitchFamily="18" charset="0"/>
+              </a:rPr>
+              <a:t>Top-coder</a:t>
+            </a:r>
+            <a:r>
+              <a:rPr lang="en-US" spc="5" dirty="0">
+                <a:effectLst/>
+                <a:latin typeface="Times New Roman" panose="02020603050405020304" pitchFamily="18" charset="0"/>
+                <a:ea typeface="Times New Roman" panose="02020603050405020304" pitchFamily="18" charset="0"/>
+              </a:rPr>
+              <a:t> </a:t>
+            </a:r>
+            <a:r>
+              <a:rPr lang="en-US" spc="-5" dirty="0">
+                <a:solidFill>
+                  <a:srgbClr val="00AFEF"/>
+                </a:solidFill>
+                <a:effectLst/>
+                <a:latin typeface="Times New Roman" panose="02020603050405020304" pitchFamily="18" charset="0"/>
+                <a:ea typeface="Times New Roman" panose="02020603050405020304" pitchFamily="18" charset="0"/>
+                <a:hlinkClick r:id="rId3"/>
+              </a:rPr>
+              <a:t>https://</a:t>
+            </a:r>
+            <a:r>
+              <a:rPr lang="en-US" u="none" strike="noStrike" spc="-5" dirty="0">
+                <a:solidFill>
+                  <a:srgbClr val="00AFEF"/>
+                </a:solidFill>
+                <a:effectLst/>
+                <a:latin typeface="Times New Roman" panose="02020603050405020304" pitchFamily="18" charset="0"/>
+                <a:ea typeface="Times New Roman" panose="02020603050405020304" pitchFamily="18" charset="0"/>
+                <a:hlinkClick r:id="rId3"/>
+              </a:rPr>
+              <a:t>www.topcoder.com/blog/acm-icpc-world-finals-2018</a:t>
+            </a:r>
+            <a:endParaRPr lang="en-IN" sz="1400" u="none" strike="noStrike" dirty="0">
+              <a:solidFill>
+                <a:srgbClr val="00AFEF"/>
+              </a:solidFill>
+              <a:latin typeface="Times New Roman" panose="02020603050405020304" pitchFamily="18" charset="0"/>
+              <a:ea typeface="Times New Roman" panose="02020603050405020304" pitchFamily="18" charset="0"/>
+            </a:endParaRPr>
+          </a:p>
+          <a:p>
+            <a:pPr marL="520700" marR="1570990">
+              <a:lnSpc>
+                <a:spcPct val="150000"/>
+              </a:lnSpc>
+              <a:spcAft>
+                <a:spcPts val="0"/>
+              </a:spcAft>
+              <a:buFont typeface="+mj-lt"/>
+              <a:buAutoNum type="arabicPeriod"/>
+            </a:pPr>
+            <a:r>
+              <a:rPr lang="en-US" spc="-5" dirty="0">
+                <a:effectLst/>
+                <a:latin typeface="Times New Roman" panose="02020603050405020304" pitchFamily="18" charset="0"/>
+                <a:ea typeface="Times New Roman" panose="02020603050405020304" pitchFamily="18" charset="0"/>
+              </a:rPr>
+              <a:t>Git Hub:</a:t>
+            </a:r>
+            <a:r>
+              <a:rPr lang="en-US" spc="5" dirty="0">
+                <a:effectLst/>
+                <a:latin typeface="Times New Roman" panose="02020603050405020304" pitchFamily="18" charset="0"/>
+                <a:ea typeface="Times New Roman" panose="02020603050405020304" pitchFamily="18" charset="0"/>
+              </a:rPr>
+              <a:t> </a:t>
+            </a:r>
+            <a:r>
+              <a:rPr lang="en-US" spc="-5" dirty="0">
+                <a:solidFill>
+                  <a:srgbClr val="00AFEF"/>
+                </a:solidFill>
+                <a:effectLst/>
+                <a:latin typeface="Times New Roman" panose="02020603050405020304" pitchFamily="18" charset="0"/>
+                <a:ea typeface="Times New Roman" panose="02020603050405020304" pitchFamily="18" charset="0"/>
+              </a:rPr>
+              <a:t>https://github.com/SnapDragon64/ACMFinalsSolutions/tree/master/finals2020</a:t>
+            </a:r>
+            <a:endParaRPr lang="en-IN" sz="1400" spc="-5" dirty="0">
+              <a:effectLst/>
+              <a:latin typeface="Times New Roman" panose="02020603050405020304" pitchFamily="18" charset="0"/>
+              <a:ea typeface="Times New Roman" panose="02020603050405020304" pitchFamily="18" charset="0"/>
+            </a:endParaRPr>
+          </a:p>
+          <a:p>
+            <a:pPr>
+              <a:lnSpc>
+                <a:spcPct val="110000"/>
+              </a:lnSpc>
+            </a:pPr>
+            <a:endParaRPr lang="en-IN" dirty="0"/>
+          </a:p>
+        </p:txBody>
+      </p:sp>
+    </p:spTree>
+    <p:extLst>
+      <p:ext uri="{BB962C8B-B14F-4D97-AF65-F5344CB8AC3E}">
+        <p14:creationId xmlns:p14="http://schemas.microsoft.com/office/powerpoint/2010/main" val="1113686291"/>
+      </p:ext>
+    </p:extLst>
+  </p:cSld>
+  <p:clrMapOvr>
+    <a:masterClrMapping/>
+  </p:clrMapOvr>
+</p:sld>
+</file>
+
+<file path=ppt/slides/slide13.xml><?xml version="1.0" encoding="utf-8"?>
+<p:sld xmlns:a="http://schemas.openxmlformats.org/drawingml/2006/main" xmlns:r="http://schemas.openxmlformats.org/officeDocument/2006/relationships" xmlns:p="http://schemas.openxmlformats.org/presentationml/2006/main">
+  <p:cSld>
+    <p:spTree>
+      <p:nvGrpSpPr>
+        <p:cNvPr id="1" name=""/>
+        <p:cNvGrpSpPr/>
+        <p:nvPr/>
+      </p:nvGrpSpPr>
+      <p:grpSpPr>
+        <a:xfrm>
+          <a:off x="0" y="0"/>
+          <a:ext cx="0" cy="0"/>
+          <a:chOff x="0" y="0"/>
+          <a:chExt cx="0" cy="0"/>
+        </a:xfrm>
+      </p:grpSpPr>
+      <p:sp>
+        <p:nvSpPr>
+          <p:cNvPr id="3" name="Content Placeholder 2">
+            <a:extLst>
+              <a:ext uri="{FF2B5EF4-FFF2-40B4-BE49-F238E27FC236}">
+                <a16:creationId xmlns:a16="http://schemas.microsoft.com/office/drawing/2014/main" id="{8911447E-43B6-1EAE-F611-3E8D6B43CCF5}"/>
+              </a:ext>
+            </a:extLst>
+          </p:cNvPr>
+          <p:cNvSpPr>
+            <a:spLocks noGrp="1"/>
+          </p:cNvSpPr>
+          <p:nvPr>
+            <p:ph idx="1"/>
+          </p:nvPr>
+        </p:nvSpPr>
+        <p:spPr>
+          <a:xfrm>
+            <a:off x="2552636" y="1328928"/>
+            <a:ext cx="8915400" cy="3777622"/>
+          </a:xfrm>
+        </p:spPr>
+        <p:txBody>
+          <a:bodyPr/>
+          <a:lstStyle/>
+          <a:p>
+            <a:r>
+              <a:rPr lang="en-IN" b="1" dirty="0">
+                <a:solidFill>
+                  <a:srgbClr val="FF0000"/>
+                </a:solidFill>
+              </a:rPr>
+              <a:t>Conclusion </a:t>
+            </a:r>
+          </a:p>
+          <a:p>
+            <a:pPr marL="0" indent="0">
+              <a:buNone/>
+            </a:pPr>
+            <a:r>
+              <a:rPr lang="en-US" sz="1800" dirty="0">
+                <a:effectLst/>
+                <a:latin typeface="Times New Roman" panose="02020603050405020304" pitchFamily="18" charset="0"/>
+                <a:ea typeface="Times New Roman" panose="02020603050405020304" pitchFamily="18" charset="0"/>
+              </a:rPr>
+              <a:t>	To find the Opportunity Cost for number of people ‘t’ where input are x</a:t>
+            </a:r>
+            <a:r>
+              <a:rPr lang="en-US" dirty="0">
+                <a:latin typeface="Times New Roman" panose="02020603050405020304" pitchFamily="18" charset="0"/>
+                <a:ea typeface="Times New Roman" panose="02020603050405020304" pitchFamily="18" charset="0"/>
+              </a:rPr>
+              <a:t> , y , z.</a:t>
+            </a:r>
+            <a:endParaRPr lang="en-US" sz="1800" dirty="0">
+              <a:effectLst/>
+              <a:latin typeface="Times New Roman" panose="02020603050405020304" pitchFamily="18" charset="0"/>
+              <a:ea typeface="Times New Roman" panose="02020603050405020304" pitchFamily="18" charset="0"/>
+            </a:endParaRPr>
+          </a:p>
+          <a:p>
+            <a:pPr marL="0" indent="0">
+              <a:buNone/>
+            </a:pPr>
+            <a:r>
+              <a:rPr lang="en-US" dirty="0">
+                <a:latin typeface="Times New Roman" panose="02020603050405020304" pitchFamily="18" charset="0"/>
+                <a:ea typeface="Times New Roman" panose="02020603050405020304" pitchFamily="18" charset="0"/>
+              </a:rPr>
+              <a:t>	</a:t>
+            </a:r>
+          </a:p>
+          <a:p>
+            <a:pPr marL="0" indent="0">
+              <a:buNone/>
+            </a:pPr>
+            <a:r>
+              <a:rPr lang="en-US" dirty="0">
+                <a:latin typeface="Times New Roman" panose="02020603050405020304" pitchFamily="18" charset="0"/>
+                <a:ea typeface="Times New Roman" panose="02020603050405020304" pitchFamily="18" charset="0"/>
+              </a:rPr>
+              <a:t>	whereas </a:t>
+            </a:r>
+          </a:p>
+          <a:p>
+            <a:pPr marL="0" indent="0">
+              <a:buNone/>
+            </a:pPr>
+            <a:r>
+              <a:rPr lang="en-US" sz="1800" dirty="0">
+                <a:effectLst/>
+                <a:latin typeface="Times New Roman" panose="02020603050405020304" pitchFamily="18" charset="0"/>
+                <a:ea typeface="Times New Roman" panose="02020603050405020304" pitchFamily="18" charset="0"/>
+              </a:rPr>
+              <a:t>	x = price of the</a:t>
+            </a:r>
+            <a:r>
+              <a:rPr lang="en-US" sz="1800" spc="-285" dirty="0">
+                <a:effectLst/>
+                <a:latin typeface="Times New Roman" panose="02020603050405020304" pitchFamily="18" charset="0"/>
+                <a:ea typeface="Times New Roman" panose="02020603050405020304" pitchFamily="18" charset="0"/>
+              </a:rPr>
+              <a:t> </a:t>
+            </a:r>
+            <a:r>
+              <a:rPr lang="en-US" sz="1800" dirty="0">
+                <a:effectLst/>
+                <a:latin typeface="Times New Roman" panose="02020603050405020304" pitchFamily="18" charset="0"/>
+                <a:ea typeface="Times New Roman" panose="02020603050405020304" pitchFamily="18" charset="0"/>
+              </a:rPr>
+              <a:t>phone</a:t>
+            </a:r>
+          </a:p>
+          <a:p>
+            <a:pPr marL="0" indent="0">
+              <a:buNone/>
+            </a:pPr>
+            <a:r>
+              <a:rPr lang="en-US" spc="-5" dirty="0">
+                <a:latin typeface="Times New Roman" panose="02020603050405020304" pitchFamily="18" charset="0"/>
+                <a:ea typeface="Times New Roman" panose="02020603050405020304" pitchFamily="18" charset="0"/>
+              </a:rPr>
+              <a:t>	</a:t>
+            </a:r>
+            <a:r>
+              <a:rPr lang="en-US" sz="1800" dirty="0">
+                <a:effectLst/>
+                <a:latin typeface="Times New Roman" panose="02020603050405020304" pitchFamily="18" charset="0"/>
+                <a:ea typeface="Times New Roman" panose="02020603050405020304" pitchFamily="18" charset="0"/>
+              </a:rPr>
+              <a:t>y=</a:t>
+            </a:r>
+            <a:r>
+              <a:rPr lang="en-US" sz="1800" spc="-5" dirty="0">
+                <a:effectLst/>
+                <a:latin typeface="Times New Roman" panose="02020603050405020304" pitchFamily="18" charset="0"/>
+                <a:ea typeface="Times New Roman" panose="02020603050405020304" pitchFamily="18" charset="0"/>
+              </a:rPr>
+              <a:t> </a:t>
+            </a:r>
+            <a:r>
+              <a:rPr lang="en-US" sz="1800" dirty="0">
+                <a:effectLst/>
+                <a:latin typeface="Times New Roman" panose="02020603050405020304" pitchFamily="18" charset="0"/>
+                <a:ea typeface="Times New Roman" panose="02020603050405020304" pitchFamily="18" charset="0"/>
+              </a:rPr>
+              <a:t>performance of the</a:t>
+            </a:r>
+            <a:r>
+              <a:rPr lang="en-US" sz="1800" spc="-10" dirty="0">
+                <a:effectLst/>
+                <a:latin typeface="Times New Roman" panose="02020603050405020304" pitchFamily="18" charset="0"/>
+                <a:ea typeface="Times New Roman" panose="02020603050405020304" pitchFamily="18" charset="0"/>
+              </a:rPr>
+              <a:t> </a:t>
+            </a:r>
+            <a:r>
+              <a:rPr lang="en-US" sz="1800" dirty="0">
+                <a:effectLst/>
+                <a:latin typeface="Times New Roman" panose="02020603050405020304" pitchFamily="18" charset="0"/>
+                <a:ea typeface="Times New Roman" panose="02020603050405020304" pitchFamily="18" charset="0"/>
+              </a:rPr>
+              <a:t>phone</a:t>
+            </a:r>
+          </a:p>
+          <a:p>
+            <a:pPr marL="0" indent="0">
+              <a:buNone/>
+            </a:pPr>
+            <a:r>
+              <a:rPr lang="en-US" dirty="0">
+                <a:latin typeface="Times New Roman" panose="02020603050405020304" pitchFamily="18" charset="0"/>
+                <a:ea typeface="Times New Roman" panose="02020603050405020304" pitchFamily="18" charset="0"/>
+              </a:rPr>
+              <a:t>	</a:t>
+            </a:r>
+            <a:r>
+              <a:rPr lang="en-US" sz="1800" dirty="0">
+                <a:effectLst/>
+                <a:latin typeface="Times New Roman" panose="02020603050405020304" pitchFamily="18" charset="0"/>
+                <a:ea typeface="Times New Roman" panose="02020603050405020304" pitchFamily="18" charset="0"/>
+              </a:rPr>
+              <a:t>z=</a:t>
+            </a:r>
+            <a:r>
+              <a:rPr lang="en-US" sz="1800" spc="-5" dirty="0">
+                <a:effectLst/>
+                <a:latin typeface="Times New Roman" panose="02020603050405020304" pitchFamily="18" charset="0"/>
+                <a:ea typeface="Times New Roman" panose="02020603050405020304" pitchFamily="18" charset="0"/>
+              </a:rPr>
+              <a:t> </a:t>
+            </a:r>
+            <a:r>
+              <a:rPr lang="en-US" sz="1800" dirty="0">
+                <a:effectLst/>
+                <a:latin typeface="Times New Roman" panose="02020603050405020304" pitchFamily="18" charset="0"/>
+                <a:ea typeface="Times New Roman" panose="02020603050405020304" pitchFamily="18" charset="0"/>
+              </a:rPr>
+              <a:t>user-friendliness.</a:t>
+            </a:r>
+            <a:endParaRPr lang="en-IN" sz="1800" dirty="0">
+              <a:effectLst/>
+              <a:latin typeface="Times New Roman" panose="02020603050405020304" pitchFamily="18" charset="0"/>
+              <a:ea typeface="Times New Roman" panose="02020603050405020304" pitchFamily="18" charset="0"/>
+            </a:endParaRPr>
+          </a:p>
+          <a:p>
+            <a:endParaRPr lang="en-IN" dirty="0"/>
+          </a:p>
+        </p:txBody>
+      </p:sp>
+    </p:spTree>
+    <p:extLst>
+      <p:ext uri="{BB962C8B-B14F-4D97-AF65-F5344CB8AC3E}">
+        <p14:creationId xmlns:p14="http://schemas.microsoft.com/office/powerpoint/2010/main" val="907672212"/>
+      </p:ext>
+    </p:extLst>
+  </p:cSld>
+  <p:clrMapOvr>
+    <a:masterClrMapping/>
+  </p:clrMapOvr>
+</p:sld>
+</file>
+
+<file path=ppt/slides/slide14.xml><?xml version="1.0" encoding="utf-8"?>
 <p:sld xmlns:a="http://schemas.openxmlformats.org/drawingml/2006/main" xmlns:r="http://schemas.openxmlformats.org/officeDocument/2006/relationships" xmlns:p="http://schemas.openxmlformats.org/presentationml/2006/main">
   <p:cSld>
     <p:spTree>
@@ -13306,6 +9987,3850 @@
     <p:extLst>
       <p:ext uri="{BB962C8B-B14F-4D97-AF65-F5344CB8AC3E}">
         <p14:creationId xmlns:p14="http://schemas.microsoft.com/office/powerpoint/2010/main" val="583238624"/>
+      </p:ext>
+    </p:extLst>
+  </p:cSld>
+  <p:clrMapOvr>
+    <a:masterClrMapping/>
+  </p:clrMapOvr>
+</p:sld>
+</file>
+
+<file path=ppt/slides/slide2.xml><?xml version="1.0" encoding="utf-8"?>
+<p:sld xmlns:a="http://schemas.openxmlformats.org/drawingml/2006/main" xmlns:r="http://schemas.openxmlformats.org/officeDocument/2006/relationships" xmlns:p="http://schemas.openxmlformats.org/presentationml/2006/main">
+  <p:cSld>
+    <p:spTree>
+      <p:nvGrpSpPr>
+        <p:cNvPr id="1" name=""/>
+        <p:cNvGrpSpPr/>
+        <p:nvPr/>
+      </p:nvGrpSpPr>
+      <p:grpSpPr>
+        <a:xfrm>
+          <a:off x="0" y="0"/>
+          <a:ext cx="0" cy="0"/>
+          <a:chOff x="0" y="0"/>
+          <a:chExt cx="0" cy="0"/>
+        </a:xfrm>
+      </p:grpSpPr>
+      <p:pic>
+        <p:nvPicPr>
+          <p:cNvPr id="5" name="Picture 4">
+            <a:extLst>
+              <a:ext uri="{FF2B5EF4-FFF2-40B4-BE49-F238E27FC236}">
+                <a16:creationId xmlns:a16="http://schemas.microsoft.com/office/drawing/2014/main" id="{E873ECD8-C946-98AE-20FA-83EFC1E17F50}"/>
+              </a:ext>
+            </a:extLst>
+          </p:cNvPr>
+          <p:cNvPicPr>
+            <a:picLocks noChangeAspect="1"/>
+          </p:cNvPicPr>
+          <p:nvPr/>
+        </p:nvPicPr>
+        <p:blipFill rotWithShape="1">
+          <a:blip r:embed="rId2"/>
+          <a:srcRect t="49083"/>
+          <a:stretch/>
+        </p:blipFill>
+        <p:spPr>
+          <a:xfrm>
+            <a:off x="1690164" y="384047"/>
+            <a:ext cx="8811672" cy="5617851"/>
+          </a:xfrm>
+          <a:prstGeom prst="rect">
+            <a:avLst/>
+          </a:prstGeom>
+        </p:spPr>
+      </p:pic>
+    </p:spTree>
+    <p:extLst>
+      <p:ext uri="{BB962C8B-B14F-4D97-AF65-F5344CB8AC3E}">
+        <p14:creationId xmlns:p14="http://schemas.microsoft.com/office/powerpoint/2010/main" val="3839687205"/>
+      </p:ext>
+    </p:extLst>
+  </p:cSld>
+  <p:clrMapOvr>
+    <a:masterClrMapping/>
+  </p:clrMapOvr>
+</p:sld>
+</file>
+
+<file path=ppt/slides/slide3.xml><?xml version="1.0" encoding="utf-8"?>
+<p:sld xmlns:a="http://schemas.openxmlformats.org/drawingml/2006/main" xmlns:r="http://schemas.openxmlformats.org/officeDocument/2006/relationships" xmlns:p="http://schemas.openxmlformats.org/presentationml/2006/main">
+  <p:cSld>
+    <p:spTree>
+      <p:nvGrpSpPr>
+        <p:cNvPr id="1" name=""/>
+        <p:cNvGrpSpPr/>
+        <p:nvPr/>
+      </p:nvGrpSpPr>
+      <p:grpSpPr>
+        <a:xfrm>
+          <a:off x="0" y="0"/>
+          <a:ext cx="0" cy="0"/>
+          <a:chOff x="0" y="0"/>
+          <a:chExt cx="0" cy="0"/>
+        </a:xfrm>
+      </p:grpSpPr>
+      <p:pic>
+        <p:nvPicPr>
+          <p:cNvPr id="4" name="Picture 3">
+            <a:extLst>
+              <a:ext uri="{FF2B5EF4-FFF2-40B4-BE49-F238E27FC236}">
+                <a16:creationId xmlns:a16="http://schemas.microsoft.com/office/drawing/2014/main" id="{847CFC46-CEE9-F90E-B191-32F9022829CC}"/>
+              </a:ext>
+            </a:extLst>
+          </p:cNvPr>
+          <p:cNvPicPr>
+            <a:picLocks noChangeAspect="1"/>
+          </p:cNvPicPr>
+          <p:nvPr/>
+        </p:nvPicPr>
+        <p:blipFill rotWithShape="1">
+          <a:blip r:embed="rId2"/>
+          <a:srcRect t="9008" b="51704"/>
+          <a:stretch/>
+        </p:blipFill>
+        <p:spPr>
+          <a:xfrm>
+            <a:off x="1854021" y="923544"/>
+            <a:ext cx="8981620" cy="4418442"/>
+          </a:xfrm>
+          <a:prstGeom prst="rect">
+            <a:avLst/>
+          </a:prstGeom>
+        </p:spPr>
+      </p:pic>
+    </p:spTree>
+    <p:extLst>
+      <p:ext uri="{BB962C8B-B14F-4D97-AF65-F5344CB8AC3E}">
+        <p14:creationId xmlns:p14="http://schemas.microsoft.com/office/powerpoint/2010/main" val="272160454"/>
+      </p:ext>
+    </p:extLst>
+  </p:cSld>
+  <p:clrMapOvr>
+    <a:masterClrMapping/>
+  </p:clrMapOvr>
+</p:sld>
+</file>
+
+<file path=ppt/slides/slide4.xml><?xml version="1.0" encoding="utf-8"?>
+<p:sld xmlns:a="http://schemas.openxmlformats.org/drawingml/2006/main" xmlns:r="http://schemas.openxmlformats.org/officeDocument/2006/relationships" xmlns:p="http://schemas.openxmlformats.org/presentationml/2006/main">
+  <p:cSld>
+    <p:spTree>
+      <p:nvGrpSpPr>
+        <p:cNvPr id="1" name=""/>
+        <p:cNvGrpSpPr/>
+        <p:nvPr/>
+      </p:nvGrpSpPr>
+      <p:grpSpPr>
+        <a:xfrm>
+          <a:off x="0" y="0"/>
+          <a:ext cx="0" cy="0"/>
+          <a:chOff x="0" y="0"/>
+          <a:chExt cx="0" cy="0"/>
+        </a:xfrm>
+      </p:grpSpPr>
+      <p:sp>
+        <p:nvSpPr>
+          <p:cNvPr id="3" name="Content Placeholder 2">
+            <a:extLst>
+              <a:ext uri="{FF2B5EF4-FFF2-40B4-BE49-F238E27FC236}">
+                <a16:creationId xmlns:a16="http://schemas.microsoft.com/office/drawing/2014/main" id="{E037CAE2-DC4C-2A64-947A-3185F7C9F5DC}"/>
+              </a:ext>
+            </a:extLst>
+          </p:cNvPr>
+          <p:cNvSpPr>
+            <a:spLocks noGrp="1"/>
+          </p:cNvSpPr>
+          <p:nvPr>
+            <p:ph idx="1"/>
+          </p:nvPr>
+        </p:nvSpPr>
+        <p:spPr>
+          <a:xfrm>
+            <a:off x="2205164" y="780288"/>
+            <a:ext cx="9672892" cy="4852416"/>
+          </a:xfrm>
+        </p:spPr>
+        <p:txBody>
+          <a:bodyPr/>
+          <a:lstStyle/>
+          <a:p>
+            <a:r>
+              <a:rPr lang="en-IN" sz="2400" b="1" dirty="0">
+                <a:solidFill>
+                  <a:srgbClr val="FF0000"/>
+                </a:solidFill>
+                <a:latin typeface="Times New Roman" panose="02020603050405020304" pitchFamily="18" charset="0"/>
+                <a:cs typeface="Times New Roman" panose="02020603050405020304" pitchFamily="18" charset="0"/>
+              </a:rPr>
+              <a:t>Content</a:t>
+            </a:r>
+          </a:p>
+          <a:p>
+            <a:pPr marL="800100" lvl="1" indent="-342900">
+              <a:buAutoNum type="arabicPeriod"/>
+            </a:pPr>
+            <a:r>
+              <a:rPr lang="en-IN" sz="2000" dirty="0">
+                <a:latin typeface="Times New Roman" panose="02020603050405020304" pitchFamily="18" charset="0"/>
+                <a:cs typeface="Times New Roman" panose="02020603050405020304" pitchFamily="18" charset="0"/>
+              </a:rPr>
+              <a:t>Introduction</a:t>
+            </a:r>
+          </a:p>
+          <a:p>
+            <a:pPr marL="800100" lvl="1" indent="-342900">
+              <a:buAutoNum type="arabicPeriod"/>
+            </a:pPr>
+            <a:r>
+              <a:rPr lang="en-IN" sz="2000" dirty="0">
+                <a:latin typeface="Times New Roman" panose="02020603050405020304" pitchFamily="18" charset="0"/>
+                <a:cs typeface="Times New Roman" panose="02020603050405020304" pitchFamily="18" charset="0"/>
+              </a:rPr>
+              <a:t>Abstract</a:t>
+            </a:r>
+          </a:p>
+          <a:p>
+            <a:pPr marL="800100" lvl="1" indent="-342900">
+              <a:buAutoNum type="arabicPeriod"/>
+            </a:pPr>
+            <a:r>
+              <a:rPr lang="en-IN" sz="2000" dirty="0">
+                <a:latin typeface="Times New Roman" panose="02020603050405020304" pitchFamily="18" charset="0"/>
+                <a:cs typeface="Times New Roman" panose="02020603050405020304" pitchFamily="18" charset="0"/>
+              </a:rPr>
+              <a:t>Proposed Work</a:t>
+            </a:r>
+          </a:p>
+          <a:p>
+            <a:pPr marL="800100" lvl="1" indent="-342900">
+              <a:buAutoNum type="arabicPeriod"/>
+            </a:pPr>
+            <a:r>
+              <a:rPr lang="en-IN" sz="2000" dirty="0">
+                <a:latin typeface="Times New Roman" panose="02020603050405020304" pitchFamily="18" charset="0"/>
+                <a:cs typeface="Times New Roman" panose="02020603050405020304" pitchFamily="18" charset="0"/>
+              </a:rPr>
+              <a:t>Objective</a:t>
+            </a:r>
+          </a:p>
+          <a:p>
+            <a:pPr marL="800100" lvl="1" indent="-342900">
+              <a:buAutoNum type="arabicPeriod"/>
+            </a:pPr>
+            <a:r>
+              <a:rPr lang="en-IN" sz="2000" dirty="0">
+                <a:latin typeface="Times New Roman" panose="02020603050405020304" pitchFamily="18" charset="0"/>
+                <a:cs typeface="Times New Roman" panose="02020603050405020304" pitchFamily="18" charset="0"/>
+              </a:rPr>
+              <a:t>Advantages of “Opportunity Cost”</a:t>
+            </a:r>
+          </a:p>
+          <a:p>
+            <a:pPr marL="800100" lvl="1" indent="-342900">
+              <a:buAutoNum type="arabicPeriod"/>
+            </a:pPr>
+            <a:r>
+              <a:rPr lang="en-IN" sz="2000">
+                <a:latin typeface="Times New Roman" panose="02020603050405020304" pitchFamily="18" charset="0"/>
+                <a:cs typeface="Times New Roman" panose="02020603050405020304" pitchFamily="18" charset="0"/>
+              </a:rPr>
+              <a:t>Algorithm</a:t>
+            </a:r>
+            <a:endParaRPr lang="en-IN" sz="2000" dirty="0">
+              <a:latin typeface="Times New Roman" panose="02020603050405020304" pitchFamily="18" charset="0"/>
+              <a:cs typeface="Times New Roman" panose="02020603050405020304" pitchFamily="18" charset="0"/>
+            </a:endParaRPr>
+          </a:p>
+          <a:p>
+            <a:pPr marL="800100" lvl="1" indent="-342900">
+              <a:buAutoNum type="arabicPeriod"/>
+            </a:pPr>
+            <a:r>
+              <a:rPr lang="en-IN" sz="2000" dirty="0">
+                <a:latin typeface="Times New Roman" panose="02020603050405020304" pitchFamily="18" charset="0"/>
+                <a:cs typeface="Times New Roman" panose="02020603050405020304" pitchFamily="18" charset="0"/>
+              </a:rPr>
+              <a:t>Flow Chart</a:t>
+            </a:r>
+          </a:p>
+          <a:p>
+            <a:pPr marL="800100" lvl="1" indent="-342900">
+              <a:buAutoNum type="arabicPeriod"/>
+            </a:pPr>
+            <a:r>
+              <a:rPr lang="en-IN" sz="2000" dirty="0">
+                <a:latin typeface="Times New Roman" panose="02020603050405020304" pitchFamily="18" charset="0"/>
+                <a:cs typeface="Times New Roman" panose="02020603050405020304" pitchFamily="18" charset="0"/>
+              </a:rPr>
+              <a:t>Facilities Available </a:t>
+            </a:r>
+          </a:p>
+          <a:p>
+            <a:pPr marL="800100" lvl="1" indent="-342900">
+              <a:buAutoNum type="arabicPeriod"/>
+            </a:pPr>
+            <a:r>
+              <a:rPr lang="en-IN" sz="2000" dirty="0">
+                <a:latin typeface="Times New Roman" panose="02020603050405020304" pitchFamily="18" charset="0"/>
+                <a:cs typeface="Times New Roman" panose="02020603050405020304" pitchFamily="18" charset="0"/>
+              </a:rPr>
+              <a:t>Reference </a:t>
+            </a:r>
+          </a:p>
+          <a:p>
+            <a:pPr marL="800100" lvl="1" indent="-342900">
+              <a:buAutoNum type="arabicPeriod"/>
+            </a:pPr>
+            <a:r>
+              <a:rPr lang="en-IN" sz="2000" dirty="0">
+                <a:latin typeface="Times New Roman" panose="02020603050405020304" pitchFamily="18" charset="0"/>
+                <a:cs typeface="Times New Roman" panose="02020603050405020304" pitchFamily="18" charset="0"/>
+              </a:rPr>
+              <a:t>Conclusion</a:t>
+            </a:r>
+          </a:p>
+          <a:p>
+            <a:pPr marL="800100" lvl="1" indent="-342900">
+              <a:buAutoNum type="arabicPeriod"/>
+            </a:pPr>
+            <a:endParaRPr lang="en-IN" dirty="0"/>
+          </a:p>
+          <a:p>
+            <a:pPr marL="800100" lvl="1" indent="-342900">
+              <a:buAutoNum type="arabicPeriod"/>
+            </a:pPr>
+            <a:endParaRPr lang="en-IN" dirty="0"/>
+          </a:p>
+        </p:txBody>
+      </p:sp>
+    </p:spTree>
+    <p:extLst>
+      <p:ext uri="{BB962C8B-B14F-4D97-AF65-F5344CB8AC3E}">
+        <p14:creationId xmlns:p14="http://schemas.microsoft.com/office/powerpoint/2010/main" val="2072109331"/>
+      </p:ext>
+    </p:extLst>
+  </p:cSld>
+  <p:clrMapOvr>
+    <a:masterClrMapping/>
+  </p:clrMapOvr>
+</p:sld>
+</file>
+
+<file path=ppt/slides/slide5.xml><?xml version="1.0" encoding="utf-8"?>
+<p:sld xmlns:a="http://schemas.openxmlformats.org/drawingml/2006/main" xmlns:r="http://schemas.openxmlformats.org/officeDocument/2006/relationships" xmlns:p="http://schemas.openxmlformats.org/presentationml/2006/main">
+  <p:cSld>
+    <p:spTree>
+      <p:nvGrpSpPr>
+        <p:cNvPr id="1" name=""/>
+        <p:cNvGrpSpPr/>
+        <p:nvPr/>
+      </p:nvGrpSpPr>
+      <p:grpSpPr>
+        <a:xfrm>
+          <a:off x="0" y="0"/>
+          <a:ext cx="0" cy="0"/>
+          <a:chOff x="0" y="0"/>
+          <a:chExt cx="0" cy="0"/>
+        </a:xfrm>
+      </p:grpSpPr>
+      <p:sp>
+        <p:nvSpPr>
+          <p:cNvPr id="3" name="Content Placeholder 2">
+            <a:extLst>
+              <a:ext uri="{FF2B5EF4-FFF2-40B4-BE49-F238E27FC236}">
+                <a16:creationId xmlns:a16="http://schemas.microsoft.com/office/drawing/2014/main" id="{7BE0816F-C0EA-5FBE-8A7E-E86C631DBE2A}"/>
+              </a:ext>
+            </a:extLst>
+          </p:cNvPr>
+          <p:cNvSpPr>
+            <a:spLocks noGrp="1"/>
+          </p:cNvSpPr>
+          <p:nvPr>
+            <p:ph idx="1"/>
+          </p:nvPr>
+        </p:nvSpPr>
+        <p:spPr>
+          <a:xfrm>
+            <a:off x="1085849" y="300037"/>
+            <a:ext cx="10896601" cy="6124575"/>
+          </a:xfrm>
+        </p:spPr>
+        <p:txBody>
+          <a:bodyPr>
+            <a:normAutofit/>
+          </a:bodyPr>
+          <a:lstStyle/>
+          <a:p>
+            <a:pPr marL="0" indent="0">
+              <a:buNone/>
+            </a:pPr>
+            <a:r>
+              <a:rPr lang="en-IN" dirty="0">
+                <a:solidFill>
+                  <a:srgbClr val="FF0000"/>
+                </a:solidFill>
+              </a:rPr>
+              <a:t>Introduction: </a:t>
+            </a:r>
+          </a:p>
+          <a:p>
+            <a:pPr marL="0" indent="0">
+              <a:spcBef>
+                <a:spcPts val="35"/>
+              </a:spcBef>
+              <a:buNone/>
+            </a:pPr>
+            <a:endParaRPr lang="en-IN" sz="1800" dirty="0">
+              <a:effectLst/>
+              <a:latin typeface="Times New Roman" panose="02020603050405020304" pitchFamily="18" charset="0"/>
+              <a:ea typeface="Times New Roman" panose="02020603050405020304" pitchFamily="18" charset="0"/>
+            </a:endParaRPr>
+          </a:p>
+          <a:p>
+            <a:pPr marL="0" indent="0">
+              <a:spcBef>
+                <a:spcPts val="35"/>
+              </a:spcBef>
+              <a:buNone/>
+            </a:pPr>
+            <a:endParaRPr lang="en-IN" sz="1800" dirty="0">
+              <a:effectLst/>
+              <a:latin typeface="Times New Roman" panose="02020603050405020304" pitchFamily="18" charset="0"/>
+              <a:ea typeface="Times New Roman" panose="02020603050405020304" pitchFamily="18" charset="0"/>
+            </a:endParaRPr>
+          </a:p>
+          <a:p>
+            <a:pPr marL="148590" marR="160020" indent="371475" algn="just">
+              <a:spcAft>
+                <a:spcPts val="0"/>
+              </a:spcAft>
+            </a:pPr>
+            <a:r>
+              <a:rPr lang="en-US" sz="1800" dirty="0">
+                <a:effectLst/>
+                <a:latin typeface="Times New Roman" panose="02020603050405020304" pitchFamily="18" charset="0"/>
+                <a:ea typeface="Times New Roman" panose="02020603050405020304" pitchFamily="18" charset="0"/>
+              </a:rPr>
+              <a:t>Principle</a:t>
+            </a:r>
+            <a:r>
+              <a:rPr lang="en-US" sz="1800" spc="-70" dirty="0">
+                <a:effectLst/>
+                <a:latin typeface="Times New Roman" panose="02020603050405020304" pitchFamily="18" charset="0"/>
+                <a:ea typeface="Times New Roman" panose="02020603050405020304" pitchFamily="18" charset="0"/>
+              </a:rPr>
+              <a:t> </a:t>
+            </a:r>
+            <a:r>
+              <a:rPr lang="en-US" sz="1800" dirty="0">
+                <a:effectLst/>
+                <a:latin typeface="Times New Roman" panose="02020603050405020304" pitchFamily="18" charset="0"/>
+                <a:ea typeface="Times New Roman" panose="02020603050405020304" pitchFamily="18" charset="0"/>
+              </a:rPr>
+              <a:t>of</a:t>
+            </a:r>
+            <a:r>
+              <a:rPr lang="en-US" sz="1800" spc="-70" dirty="0">
+                <a:effectLst/>
+                <a:latin typeface="Times New Roman" panose="02020603050405020304" pitchFamily="18" charset="0"/>
+                <a:ea typeface="Times New Roman" panose="02020603050405020304" pitchFamily="18" charset="0"/>
+              </a:rPr>
+              <a:t> </a:t>
+            </a:r>
+            <a:r>
+              <a:rPr lang="en-US" sz="1800" dirty="0">
+                <a:effectLst/>
+                <a:latin typeface="Times New Roman" panose="02020603050405020304" pitchFamily="18" charset="0"/>
+                <a:ea typeface="Times New Roman" panose="02020603050405020304" pitchFamily="18" charset="0"/>
+              </a:rPr>
+              <a:t>opportunity</a:t>
+            </a:r>
+            <a:r>
+              <a:rPr lang="en-US" sz="1800" spc="-60" dirty="0">
+                <a:effectLst/>
+                <a:latin typeface="Times New Roman" panose="02020603050405020304" pitchFamily="18" charset="0"/>
+                <a:ea typeface="Times New Roman" panose="02020603050405020304" pitchFamily="18" charset="0"/>
+              </a:rPr>
+              <a:t> </a:t>
+            </a:r>
+            <a:r>
+              <a:rPr lang="en-US" sz="1800" dirty="0">
+                <a:effectLst/>
+                <a:latin typeface="Times New Roman" panose="02020603050405020304" pitchFamily="18" charset="0"/>
+                <a:ea typeface="Times New Roman" panose="02020603050405020304" pitchFamily="18" charset="0"/>
+              </a:rPr>
+              <a:t>cost</a:t>
+            </a:r>
+            <a:r>
+              <a:rPr lang="en-US" sz="1800" spc="-65" dirty="0">
+                <a:effectLst/>
+                <a:latin typeface="Times New Roman" panose="02020603050405020304" pitchFamily="18" charset="0"/>
+                <a:ea typeface="Times New Roman" panose="02020603050405020304" pitchFamily="18" charset="0"/>
+              </a:rPr>
+              <a:t> </a:t>
+            </a:r>
+            <a:r>
+              <a:rPr lang="en-US" sz="1800" dirty="0">
+                <a:effectLst/>
+                <a:latin typeface="Times New Roman" panose="02020603050405020304" pitchFamily="18" charset="0"/>
+                <a:ea typeface="Times New Roman" panose="02020603050405020304" pitchFamily="18" charset="0"/>
+              </a:rPr>
+              <a:t>is</a:t>
+            </a:r>
+            <a:r>
+              <a:rPr lang="en-US" sz="1800" spc="-65" dirty="0">
+                <a:effectLst/>
+                <a:latin typeface="Times New Roman" panose="02020603050405020304" pitchFamily="18" charset="0"/>
+                <a:ea typeface="Times New Roman" panose="02020603050405020304" pitchFamily="18" charset="0"/>
+              </a:rPr>
+              <a:t> </a:t>
+            </a:r>
+            <a:r>
+              <a:rPr lang="en-US" sz="1800" dirty="0">
+                <a:effectLst/>
+                <a:latin typeface="Times New Roman" panose="02020603050405020304" pitchFamily="18" charset="0"/>
+                <a:ea typeface="Times New Roman" panose="02020603050405020304" pitchFamily="18" charset="0"/>
+              </a:rPr>
+              <a:t>that</a:t>
+            </a:r>
+            <a:r>
+              <a:rPr lang="en-US" sz="1800" spc="-60" dirty="0">
+                <a:effectLst/>
+                <a:latin typeface="Times New Roman" panose="02020603050405020304" pitchFamily="18" charset="0"/>
+                <a:ea typeface="Times New Roman" panose="02020603050405020304" pitchFamily="18" charset="0"/>
+              </a:rPr>
+              <a:t> </a:t>
+            </a:r>
+            <a:r>
+              <a:rPr lang="en-US" sz="1800" dirty="0">
+                <a:effectLst/>
+                <a:latin typeface="Times New Roman" panose="02020603050405020304" pitchFamily="18" charset="0"/>
+                <a:ea typeface="Times New Roman" panose="02020603050405020304" pitchFamily="18" charset="0"/>
+              </a:rPr>
+              <a:t>the</a:t>
+            </a:r>
+            <a:r>
+              <a:rPr lang="en-US" sz="1800" spc="-70" dirty="0">
+                <a:effectLst/>
+                <a:latin typeface="Times New Roman" panose="02020603050405020304" pitchFamily="18" charset="0"/>
+                <a:ea typeface="Times New Roman" panose="02020603050405020304" pitchFamily="18" charset="0"/>
+              </a:rPr>
+              <a:t> </a:t>
+            </a:r>
+            <a:r>
+              <a:rPr lang="en-US" sz="1800" dirty="0">
+                <a:effectLst/>
+                <a:latin typeface="Times New Roman" panose="02020603050405020304" pitchFamily="18" charset="0"/>
+                <a:ea typeface="Times New Roman" panose="02020603050405020304" pitchFamily="18" charset="0"/>
+              </a:rPr>
+              <a:t>cost</a:t>
+            </a:r>
+            <a:r>
+              <a:rPr lang="en-US" sz="1800" spc="-60" dirty="0">
+                <a:effectLst/>
+                <a:latin typeface="Times New Roman" panose="02020603050405020304" pitchFamily="18" charset="0"/>
+                <a:ea typeface="Times New Roman" panose="02020603050405020304" pitchFamily="18" charset="0"/>
+              </a:rPr>
+              <a:t> </a:t>
+            </a:r>
+            <a:r>
+              <a:rPr lang="en-US" sz="1800" dirty="0">
+                <a:effectLst/>
+                <a:latin typeface="Times New Roman" panose="02020603050405020304" pitchFamily="18" charset="0"/>
+                <a:ea typeface="Times New Roman" panose="02020603050405020304" pitchFamily="18" charset="0"/>
+              </a:rPr>
+              <a:t>of</a:t>
+            </a:r>
+            <a:r>
+              <a:rPr lang="en-US" sz="1800" spc="-70" dirty="0">
+                <a:effectLst/>
+                <a:latin typeface="Times New Roman" panose="02020603050405020304" pitchFamily="18" charset="0"/>
+                <a:ea typeface="Times New Roman" panose="02020603050405020304" pitchFamily="18" charset="0"/>
+              </a:rPr>
+              <a:t> </a:t>
+            </a:r>
+            <a:r>
+              <a:rPr lang="en-US" sz="1800" dirty="0">
+                <a:effectLst/>
+                <a:latin typeface="Times New Roman" panose="02020603050405020304" pitchFamily="18" charset="0"/>
+                <a:ea typeface="Times New Roman" panose="02020603050405020304" pitchFamily="18" charset="0"/>
+              </a:rPr>
+              <a:t>one</a:t>
+            </a:r>
+            <a:r>
+              <a:rPr lang="en-US" sz="1800" spc="-70" dirty="0">
+                <a:effectLst/>
+                <a:latin typeface="Times New Roman" panose="02020603050405020304" pitchFamily="18" charset="0"/>
+                <a:ea typeface="Times New Roman" panose="02020603050405020304" pitchFamily="18" charset="0"/>
+              </a:rPr>
+              <a:t> </a:t>
+            </a:r>
+            <a:r>
+              <a:rPr lang="en-US" sz="1800" dirty="0">
+                <a:effectLst/>
+                <a:latin typeface="Times New Roman" panose="02020603050405020304" pitchFamily="18" charset="0"/>
+                <a:ea typeface="Times New Roman" panose="02020603050405020304" pitchFamily="18" charset="0"/>
+              </a:rPr>
+              <a:t>item</a:t>
+            </a:r>
+            <a:r>
+              <a:rPr lang="en-US" sz="1800" spc="-60" dirty="0">
+                <a:effectLst/>
+                <a:latin typeface="Times New Roman" panose="02020603050405020304" pitchFamily="18" charset="0"/>
+                <a:ea typeface="Times New Roman" panose="02020603050405020304" pitchFamily="18" charset="0"/>
+              </a:rPr>
+              <a:t> </a:t>
+            </a:r>
+            <a:r>
+              <a:rPr lang="en-US" sz="1800" dirty="0">
+                <a:effectLst/>
+                <a:latin typeface="Times New Roman" panose="02020603050405020304" pitchFamily="18" charset="0"/>
+                <a:ea typeface="Times New Roman" panose="02020603050405020304" pitchFamily="18" charset="0"/>
+              </a:rPr>
+              <a:t>is</a:t>
+            </a:r>
+            <a:r>
+              <a:rPr lang="en-US" sz="1800" spc="-65" dirty="0">
+                <a:effectLst/>
+                <a:latin typeface="Times New Roman" panose="02020603050405020304" pitchFamily="18" charset="0"/>
+                <a:ea typeface="Times New Roman" panose="02020603050405020304" pitchFamily="18" charset="0"/>
+              </a:rPr>
+              <a:t> </a:t>
+            </a:r>
+            <a:r>
+              <a:rPr lang="en-US" sz="1800" dirty="0">
+                <a:effectLst/>
+                <a:latin typeface="Times New Roman" panose="02020603050405020304" pitchFamily="18" charset="0"/>
+                <a:ea typeface="Times New Roman" panose="02020603050405020304" pitchFamily="18" charset="0"/>
+              </a:rPr>
+              <a:t>the</a:t>
+            </a:r>
+            <a:r>
+              <a:rPr lang="en-US" sz="1800" spc="-65" dirty="0">
+                <a:effectLst/>
+                <a:latin typeface="Times New Roman" panose="02020603050405020304" pitchFamily="18" charset="0"/>
+                <a:ea typeface="Times New Roman" panose="02020603050405020304" pitchFamily="18" charset="0"/>
+              </a:rPr>
+              <a:t> </a:t>
+            </a:r>
+            <a:r>
+              <a:rPr lang="en-US" sz="1800" dirty="0">
+                <a:effectLst/>
+                <a:latin typeface="Times New Roman" panose="02020603050405020304" pitchFamily="18" charset="0"/>
+                <a:ea typeface="Times New Roman" panose="02020603050405020304" pitchFamily="18" charset="0"/>
+              </a:rPr>
+              <a:t>lost</a:t>
+            </a:r>
+            <a:r>
+              <a:rPr lang="en-US" sz="1800" spc="-65" dirty="0">
+                <a:effectLst/>
+                <a:latin typeface="Times New Roman" panose="02020603050405020304" pitchFamily="18" charset="0"/>
+                <a:ea typeface="Times New Roman" panose="02020603050405020304" pitchFamily="18" charset="0"/>
+              </a:rPr>
+              <a:t> </a:t>
+            </a:r>
+            <a:r>
+              <a:rPr lang="en-US" sz="1800" dirty="0">
+                <a:effectLst/>
+                <a:latin typeface="Times New Roman" panose="02020603050405020304" pitchFamily="18" charset="0"/>
+                <a:ea typeface="Times New Roman" panose="02020603050405020304" pitchFamily="18" charset="0"/>
+              </a:rPr>
+              <a:t>opportunity</a:t>
+            </a:r>
+            <a:r>
+              <a:rPr lang="en-US" sz="1800" spc="-65" dirty="0">
+                <a:effectLst/>
+                <a:latin typeface="Times New Roman" panose="02020603050405020304" pitchFamily="18" charset="0"/>
+                <a:ea typeface="Times New Roman" panose="02020603050405020304" pitchFamily="18" charset="0"/>
+              </a:rPr>
+              <a:t> </a:t>
+            </a:r>
+            <a:r>
+              <a:rPr lang="en-US" sz="1800" dirty="0">
+                <a:effectLst/>
+                <a:latin typeface="Times New Roman" panose="02020603050405020304" pitchFamily="18" charset="0"/>
+                <a:ea typeface="Times New Roman" panose="02020603050405020304" pitchFamily="18" charset="0"/>
+              </a:rPr>
+              <a:t>to</a:t>
+            </a:r>
+            <a:r>
+              <a:rPr lang="en-US" sz="1800" spc="-60" dirty="0">
+                <a:effectLst/>
+                <a:latin typeface="Times New Roman" panose="02020603050405020304" pitchFamily="18" charset="0"/>
+                <a:ea typeface="Times New Roman" panose="02020603050405020304" pitchFamily="18" charset="0"/>
+              </a:rPr>
+              <a:t> </a:t>
+            </a:r>
+            <a:r>
+              <a:rPr lang="en-US" sz="1800" dirty="0">
+                <a:effectLst/>
+                <a:latin typeface="Times New Roman" panose="02020603050405020304" pitchFamily="18" charset="0"/>
+                <a:ea typeface="Times New Roman" panose="02020603050405020304" pitchFamily="18" charset="0"/>
+              </a:rPr>
+              <a:t>do</a:t>
+            </a:r>
+            <a:r>
+              <a:rPr lang="en-US" sz="1800" spc="-65" dirty="0">
+                <a:effectLst/>
+                <a:latin typeface="Times New Roman" panose="02020603050405020304" pitchFamily="18" charset="0"/>
+                <a:ea typeface="Times New Roman" panose="02020603050405020304" pitchFamily="18" charset="0"/>
+              </a:rPr>
+              <a:t> </a:t>
+            </a:r>
+            <a:r>
+              <a:rPr lang="en-US" sz="1800" dirty="0">
+                <a:effectLst/>
+                <a:latin typeface="Times New Roman" panose="02020603050405020304" pitchFamily="18" charset="0"/>
+                <a:ea typeface="Times New Roman" panose="02020603050405020304" pitchFamily="18" charset="0"/>
+              </a:rPr>
+              <a:t>or</a:t>
+            </a:r>
+            <a:r>
+              <a:rPr lang="en-US" sz="1800" spc="-65" dirty="0">
+                <a:effectLst/>
+                <a:latin typeface="Times New Roman" panose="02020603050405020304" pitchFamily="18" charset="0"/>
+                <a:ea typeface="Times New Roman" panose="02020603050405020304" pitchFamily="18" charset="0"/>
+              </a:rPr>
+              <a:t> </a:t>
+            </a:r>
+            <a:r>
+              <a:rPr lang="en-US" sz="1800" dirty="0">
+                <a:effectLst/>
+                <a:latin typeface="Times New Roman" panose="02020603050405020304" pitchFamily="18" charset="0"/>
+                <a:ea typeface="Times New Roman" panose="02020603050405020304" pitchFamily="18" charset="0"/>
+              </a:rPr>
+              <a:t>consume</a:t>
+            </a:r>
+            <a:r>
+              <a:rPr lang="en-US" sz="1800" spc="-290" dirty="0">
+                <a:effectLst/>
+                <a:latin typeface="Times New Roman" panose="02020603050405020304" pitchFamily="18" charset="0"/>
+                <a:ea typeface="Times New Roman" panose="02020603050405020304" pitchFamily="18" charset="0"/>
+              </a:rPr>
+              <a:t> </a:t>
+            </a:r>
+            <a:r>
+              <a:rPr lang="en-US" sz="1800" dirty="0">
+                <a:effectLst/>
+                <a:latin typeface="Times New Roman" panose="02020603050405020304" pitchFamily="18" charset="0"/>
+                <a:ea typeface="Times New Roman" panose="02020603050405020304" pitchFamily="18" charset="0"/>
+              </a:rPr>
+              <a:t>something else; in short opportunity cost is the value of the next best alternative. </a:t>
+            </a:r>
+          </a:p>
+          <a:p>
+            <a:pPr marL="148590" marR="160020" indent="371475" algn="just">
+              <a:spcAft>
+                <a:spcPts val="0"/>
+              </a:spcAft>
+            </a:pPr>
+            <a:endParaRPr lang="en-US" sz="1800" dirty="0">
+              <a:effectLst/>
+              <a:latin typeface="Times New Roman" panose="02020603050405020304" pitchFamily="18" charset="0"/>
+              <a:ea typeface="Times New Roman" panose="02020603050405020304" pitchFamily="18" charset="0"/>
+            </a:endParaRPr>
+          </a:p>
+          <a:p>
+            <a:pPr marL="148590" marR="160020" indent="371475" algn="just">
+              <a:spcAft>
+                <a:spcPts val="0"/>
+              </a:spcAft>
+            </a:pPr>
+            <a:r>
+              <a:rPr lang="en-US" sz="1800" dirty="0">
+                <a:effectLst/>
+                <a:latin typeface="Times New Roman" panose="02020603050405020304" pitchFamily="18" charset="0"/>
+                <a:ea typeface="Times New Roman" panose="02020603050405020304" pitchFamily="18" charset="0"/>
+              </a:rPr>
+              <a:t>Opportunity cost is the potential profit that an individual, investor, or business loses when</a:t>
+            </a:r>
+            <a:r>
+              <a:rPr lang="en-US" sz="1800" spc="5" dirty="0">
+                <a:effectLst/>
+                <a:latin typeface="Times New Roman" panose="02020603050405020304" pitchFamily="18" charset="0"/>
+                <a:ea typeface="Times New Roman" panose="02020603050405020304" pitchFamily="18" charset="0"/>
+              </a:rPr>
+              <a:t> </a:t>
+            </a:r>
+            <a:r>
+              <a:rPr lang="en-US" sz="1800" dirty="0">
+                <a:effectLst/>
+                <a:latin typeface="Times New Roman" panose="02020603050405020304" pitchFamily="18" charset="0"/>
+                <a:ea typeface="Times New Roman" panose="02020603050405020304" pitchFamily="18" charset="0"/>
+              </a:rPr>
+              <a:t>choosing one alternative over another. Opportunity cost apply to many aspects of life decision. </a:t>
+            </a:r>
+          </a:p>
+          <a:p>
+            <a:pPr marL="148590" marR="160020" indent="371475" algn="just">
+              <a:spcAft>
+                <a:spcPts val="0"/>
+              </a:spcAft>
+            </a:pPr>
+            <a:endParaRPr lang="en-US" dirty="0">
+              <a:latin typeface="Times New Roman" panose="02020603050405020304" pitchFamily="18" charset="0"/>
+              <a:ea typeface="Times New Roman" panose="02020603050405020304" pitchFamily="18" charset="0"/>
+            </a:endParaRPr>
+          </a:p>
+          <a:p>
+            <a:pPr marL="148590" marR="160020" indent="0" algn="just">
+              <a:spcAft>
+                <a:spcPts val="0"/>
+              </a:spcAft>
+              <a:buNone/>
+            </a:pPr>
+            <a:r>
+              <a:rPr lang="en-US" sz="1800" dirty="0" err="1">
+                <a:effectLst/>
+                <a:latin typeface="Times New Roman" panose="02020603050405020304" pitchFamily="18" charset="0"/>
+                <a:ea typeface="Times New Roman" panose="02020603050405020304" pitchFamily="18" charset="0"/>
+              </a:rPr>
+              <a:t>Eg.</a:t>
+            </a:r>
+            <a:r>
+              <a:rPr lang="en-US" sz="1800" dirty="0">
+                <a:effectLst/>
+                <a:latin typeface="Times New Roman" panose="02020603050405020304" pitchFamily="18" charset="0"/>
+                <a:ea typeface="Times New Roman" panose="02020603050405020304" pitchFamily="18" charset="0"/>
+              </a:rPr>
+              <a:t> Often,</a:t>
+            </a:r>
+            <a:r>
+              <a:rPr lang="en-US" sz="1800" spc="5" dirty="0">
+                <a:effectLst/>
+                <a:latin typeface="Times New Roman" panose="02020603050405020304" pitchFamily="18" charset="0"/>
+                <a:ea typeface="Times New Roman" panose="02020603050405020304" pitchFamily="18" charset="0"/>
+              </a:rPr>
+              <a:t> </a:t>
+            </a:r>
+            <a:r>
+              <a:rPr lang="en-US" sz="1800" dirty="0">
+                <a:effectLst/>
+                <a:latin typeface="Times New Roman" panose="02020603050405020304" pitchFamily="18" charset="0"/>
+                <a:ea typeface="Times New Roman" panose="02020603050405020304" pitchFamily="18" charset="0"/>
+              </a:rPr>
+              <a:t>money becomes the root causes decision-making. If you decide to spend money on a vacation and you</a:t>
+            </a:r>
+            <a:r>
+              <a:rPr lang="en-US" sz="1800" spc="-285" dirty="0">
+                <a:effectLst/>
+                <a:latin typeface="Times New Roman" panose="02020603050405020304" pitchFamily="18" charset="0"/>
+                <a:ea typeface="Times New Roman" panose="02020603050405020304" pitchFamily="18" charset="0"/>
+              </a:rPr>
+              <a:t> </a:t>
+            </a:r>
+            <a:r>
+              <a:rPr lang="en-US" sz="1800" dirty="0">
+                <a:effectLst/>
+                <a:latin typeface="Times New Roman" panose="02020603050405020304" pitchFamily="18" charset="0"/>
+                <a:ea typeface="Times New Roman" panose="02020603050405020304" pitchFamily="18" charset="0"/>
+              </a:rPr>
+              <a:t>delay</a:t>
+            </a:r>
+            <a:r>
+              <a:rPr lang="en-US" sz="1800" spc="-5" dirty="0">
+                <a:effectLst/>
+                <a:latin typeface="Times New Roman" panose="02020603050405020304" pitchFamily="18" charset="0"/>
+                <a:ea typeface="Times New Roman" panose="02020603050405020304" pitchFamily="18" charset="0"/>
+              </a:rPr>
+              <a:t> </a:t>
+            </a:r>
+            <a:r>
+              <a:rPr lang="en-US" sz="1800" dirty="0">
+                <a:effectLst/>
+                <a:latin typeface="Times New Roman" panose="02020603050405020304" pitchFamily="18" charset="0"/>
+                <a:ea typeface="Times New Roman" panose="02020603050405020304" pitchFamily="18" charset="0"/>
+              </a:rPr>
+              <a:t>your</a:t>
+            </a:r>
+            <a:r>
+              <a:rPr lang="en-US" sz="1800" spc="-10" dirty="0">
+                <a:effectLst/>
+                <a:latin typeface="Times New Roman" panose="02020603050405020304" pitchFamily="18" charset="0"/>
+                <a:ea typeface="Times New Roman" panose="02020603050405020304" pitchFamily="18" charset="0"/>
+              </a:rPr>
+              <a:t> </a:t>
+            </a:r>
+            <a:r>
+              <a:rPr lang="en-US" sz="1800" dirty="0">
+                <a:effectLst/>
+                <a:latin typeface="Times New Roman" panose="02020603050405020304" pitchFamily="18" charset="0"/>
+                <a:ea typeface="Times New Roman" panose="02020603050405020304" pitchFamily="18" charset="0"/>
+              </a:rPr>
+              <a:t>home’s</a:t>
+            </a:r>
+            <a:r>
+              <a:rPr lang="en-US" sz="1800" spc="5" dirty="0">
+                <a:effectLst/>
+                <a:latin typeface="Times New Roman" panose="02020603050405020304" pitchFamily="18" charset="0"/>
+                <a:ea typeface="Times New Roman" panose="02020603050405020304" pitchFamily="18" charset="0"/>
+              </a:rPr>
+              <a:t> </a:t>
+            </a:r>
+            <a:r>
+              <a:rPr lang="en-US" sz="1800" dirty="0">
+                <a:effectLst/>
+                <a:latin typeface="Times New Roman" panose="02020603050405020304" pitchFamily="18" charset="0"/>
+                <a:ea typeface="Times New Roman" panose="02020603050405020304" pitchFamily="18" charset="0"/>
+              </a:rPr>
+              <a:t>remodel, then</a:t>
+            </a:r>
+            <a:r>
+              <a:rPr lang="en-US" sz="1800" spc="-5" dirty="0">
+                <a:effectLst/>
+                <a:latin typeface="Times New Roman" panose="02020603050405020304" pitchFamily="18" charset="0"/>
+                <a:ea typeface="Times New Roman" panose="02020603050405020304" pitchFamily="18" charset="0"/>
+              </a:rPr>
+              <a:t> </a:t>
+            </a:r>
+            <a:r>
+              <a:rPr lang="en-US" sz="1800" dirty="0">
+                <a:effectLst/>
+                <a:latin typeface="Times New Roman" panose="02020603050405020304" pitchFamily="18" charset="0"/>
+                <a:ea typeface="Times New Roman" panose="02020603050405020304" pitchFamily="18" charset="0"/>
+              </a:rPr>
+              <a:t>your</a:t>
+            </a:r>
+            <a:r>
+              <a:rPr lang="en-US" sz="1800" spc="-5" dirty="0">
+                <a:effectLst/>
+                <a:latin typeface="Times New Roman" panose="02020603050405020304" pitchFamily="18" charset="0"/>
+                <a:ea typeface="Times New Roman" panose="02020603050405020304" pitchFamily="18" charset="0"/>
+              </a:rPr>
+              <a:t> </a:t>
+            </a:r>
+            <a:r>
+              <a:rPr lang="en-US" sz="1800" dirty="0">
+                <a:effectLst/>
+                <a:latin typeface="Times New Roman" panose="02020603050405020304" pitchFamily="18" charset="0"/>
+                <a:ea typeface="Times New Roman" panose="02020603050405020304" pitchFamily="18" charset="0"/>
+              </a:rPr>
+              <a:t>opportunity</a:t>
+            </a:r>
+            <a:r>
+              <a:rPr lang="en-US" sz="1800" spc="-5" dirty="0">
+                <a:effectLst/>
+                <a:latin typeface="Times New Roman" panose="02020603050405020304" pitchFamily="18" charset="0"/>
+                <a:ea typeface="Times New Roman" panose="02020603050405020304" pitchFamily="18" charset="0"/>
+              </a:rPr>
+              <a:t> </a:t>
+            </a:r>
+            <a:r>
+              <a:rPr lang="en-US" sz="1800" dirty="0">
+                <a:effectLst/>
+                <a:latin typeface="Times New Roman" panose="02020603050405020304" pitchFamily="18" charset="0"/>
+                <a:ea typeface="Times New Roman" panose="02020603050405020304" pitchFamily="18" charset="0"/>
+              </a:rPr>
+              <a:t>cost is</a:t>
+            </a:r>
+            <a:r>
+              <a:rPr lang="en-US" sz="1800" spc="-10" dirty="0">
+                <a:effectLst/>
+                <a:latin typeface="Times New Roman" panose="02020603050405020304" pitchFamily="18" charset="0"/>
+                <a:ea typeface="Times New Roman" panose="02020603050405020304" pitchFamily="18" charset="0"/>
+              </a:rPr>
+              <a:t> </a:t>
+            </a:r>
+            <a:r>
+              <a:rPr lang="en-US" sz="1800" dirty="0">
+                <a:effectLst/>
+                <a:latin typeface="Times New Roman" panose="02020603050405020304" pitchFamily="18" charset="0"/>
+                <a:ea typeface="Times New Roman" panose="02020603050405020304" pitchFamily="18" charset="0"/>
+              </a:rPr>
+              <a:t>the benefit</a:t>
+            </a:r>
+            <a:r>
+              <a:rPr lang="en-US" sz="1800" spc="-5" dirty="0">
+                <a:effectLst/>
+                <a:latin typeface="Times New Roman" panose="02020603050405020304" pitchFamily="18" charset="0"/>
+                <a:ea typeface="Times New Roman" panose="02020603050405020304" pitchFamily="18" charset="0"/>
+              </a:rPr>
+              <a:t> </a:t>
+            </a:r>
+            <a:r>
+              <a:rPr lang="en-US" sz="1800" dirty="0">
+                <a:effectLst/>
+                <a:latin typeface="Times New Roman" panose="02020603050405020304" pitchFamily="18" charset="0"/>
+                <a:ea typeface="Times New Roman" panose="02020603050405020304" pitchFamily="18" charset="0"/>
+              </a:rPr>
+              <a:t>living in</a:t>
+            </a:r>
+            <a:r>
+              <a:rPr lang="en-US" sz="1800" spc="-5" dirty="0">
+                <a:effectLst/>
+                <a:latin typeface="Times New Roman" panose="02020603050405020304" pitchFamily="18" charset="0"/>
+                <a:ea typeface="Times New Roman" panose="02020603050405020304" pitchFamily="18" charset="0"/>
+              </a:rPr>
+              <a:t> </a:t>
+            </a:r>
+            <a:r>
+              <a:rPr lang="en-US" sz="1800" dirty="0">
+                <a:effectLst/>
+                <a:latin typeface="Times New Roman" panose="02020603050405020304" pitchFamily="18" charset="0"/>
+                <a:ea typeface="Times New Roman" panose="02020603050405020304" pitchFamily="18" charset="0"/>
+              </a:rPr>
+              <a:t>a renovated</a:t>
+            </a:r>
+            <a:r>
+              <a:rPr lang="en-US" sz="1800" spc="-5" dirty="0">
+                <a:effectLst/>
+                <a:latin typeface="Times New Roman" panose="02020603050405020304" pitchFamily="18" charset="0"/>
+                <a:ea typeface="Times New Roman" panose="02020603050405020304" pitchFamily="18" charset="0"/>
+              </a:rPr>
+              <a:t> </a:t>
+            </a:r>
+            <a:r>
+              <a:rPr lang="en-US" sz="1800" dirty="0">
+                <a:effectLst/>
+                <a:latin typeface="Times New Roman" panose="02020603050405020304" pitchFamily="18" charset="0"/>
+                <a:ea typeface="Times New Roman" panose="02020603050405020304" pitchFamily="18" charset="0"/>
+              </a:rPr>
+              <a:t>home.</a:t>
+            </a:r>
+            <a:endParaRPr lang="en-IN" sz="1800" dirty="0">
+              <a:effectLst/>
+              <a:latin typeface="Times New Roman" panose="02020603050405020304" pitchFamily="18" charset="0"/>
+              <a:ea typeface="Times New Roman" panose="02020603050405020304" pitchFamily="18" charset="0"/>
+            </a:endParaRPr>
+          </a:p>
+          <a:p>
+            <a:pPr marL="0" indent="0">
+              <a:spcBef>
+                <a:spcPts val="10"/>
+              </a:spcBef>
+              <a:buNone/>
+            </a:pPr>
+            <a:endParaRPr lang="en-IN" sz="1800" dirty="0">
+              <a:effectLst/>
+              <a:latin typeface="Times New Roman" panose="02020603050405020304" pitchFamily="18" charset="0"/>
+              <a:ea typeface="Times New Roman" panose="02020603050405020304" pitchFamily="18" charset="0"/>
+            </a:endParaRPr>
+          </a:p>
+          <a:p>
+            <a:pPr marL="148590" marR="161290" indent="371475" algn="just">
+              <a:spcAft>
+                <a:spcPts val="0"/>
+              </a:spcAft>
+            </a:pPr>
+            <a:r>
+              <a:rPr lang="en-US" sz="1800" dirty="0">
+                <a:effectLst/>
+                <a:latin typeface="Times New Roman" panose="02020603050405020304" pitchFamily="18" charset="0"/>
+                <a:ea typeface="Times New Roman" panose="02020603050405020304" pitchFamily="18" charset="0"/>
+              </a:rPr>
+              <a:t>Opportunity cost is the cost of taking one decision over another. This is not only</a:t>
+            </a:r>
+            <a:r>
+              <a:rPr lang="en-US" sz="1800" spc="5" dirty="0">
+                <a:effectLst/>
+                <a:latin typeface="Times New Roman" panose="02020603050405020304" pitchFamily="18" charset="0"/>
+                <a:ea typeface="Times New Roman" panose="02020603050405020304" pitchFamily="18" charset="0"/>
+              </a:rPr>
+              <a:t> </a:t>
+            </a:r>
+            <a:r>
+              <a:rPr lang="en-US" sz="1800" dirty="0">
+                <a:effectLst/>
+                <a:latin typeface="Times New Roman" panose="02020603050405020304" pitchFamily="18" charset="0"/>
+                <a:ea typeface="Times New Roman" panose="02020603050405020304" pitchFamily="18" charset="0"/>
+              </a:rPr>
+              <a:t>financial, but also in time, efforts and utility. Opportunity cost can lead to optimal decision making</a:t>
+            </a:r>
+            <a:r>
+              <a:rPr lang="en-US" sz="1800" spc="5" dirty="0">
+                <a:effectLst/>
+                <a:latin typeface="Times New Roman" panose="02020603050405020304" pitchFamily="18" charset="0"/>
+                <a:ea typeface="Times New Roman" panose="02020603050405020304" pitchFamily="18" charset="0"/>
+              </a:rPr>
+              <a:t> </a:t>
+            </a:r>
+            <a:r>
+              <a:rPr lang="en-US" sz="1800" dirty="0">
+                <a:effectLst/>
+                <a:latin typeface="Times New Roman" panose="02020603050405020304" pitchFamily="18" charset="0"/>
+                <a:ea typeface="Times New Roman" panose="02020603050405020304" pitchFamily="18" charset="0"/>
+              </a:rPr>
+              <a:t>when factor such as price, time, performance, user-friendliness is considered. It’s considered three</a:t>
+            </a:r>
+            <a:r>
+              <a:rPr lang="en-US" sz="1800" spc="5" dirty="0">
+                <a:effectLst/>
+                <a:latin typeface="Times New Roman" panose="02020603050405020304" pitchFamily="18" charset="0"/>
+                <a:ea typeface="Times New Roman" panose="02020603050405020304" pitchFamily="18" charset="0"/>
+              </a:rPr>
+              <a:t> </a:t>
+            </a:r>
+            <a:r>
+              <a:rPr lang="en-US" sz="1800" dirty="0">
+                <a:effectLst/>
+                <a:latin typeface="Times New Roman" panose="02020603050405020304" pitchFamily="18" charset="0"/>
+                <a:ea typeface="Times New Roman" panose="02020603050405020304" pitchFamily="18" charset="0"/>
+              </a:rPr>
+              <a:t>potential</a:t>
+            </a:r>
+            <a:r>
+              <a:rPr lang="en-US" sz="1800" spc="-5" dirty="0">
+                <a:effectLst/>
+                <a:latin typeface="Times New Roman" panose="02020603050405020304" pitchFamily="18" charset="0"/>
+                <a:ea typeface="Times New Roman" panose="02020603050405020304" pitchFamily="18" charset="0"/>
+              </a:rPr>
+              <a:t> </a:t>
+            </a:r>
+            <a:r>
+              <a:rPr lang="en-US" sz="1800" dirty="0">
+                <a:effectLst/>
+                <a:latin typeface="Times New Roman" panose="02020603050405020304" pitchFamily="18" charset="0"/>
+                <a:ea typeface="Times New Roman" panose="02020603050405020304" pitchFamily="18" charset="0"/>
+              </a:rPr>
+              <a:t>options and the benefits of each.</a:t>
+            </a:r>
+            <a:endParaRPr lang="en-IN" sz="1800" dirty="0">
+              <a:effectLst/>
+              <a:latin typeface="Times New Roman" panose="02020603050405020304" pitchFamily="18" charset="0"/>
+              <a:ea typeface="Times New Roman" panose="02020603050405020304" pitchFamily="18" charset="0"/>
+            </a:endParaRPr>
+          </a:p>
+        </p:txBody>
+      </p:sp>
+    </p:spTree>
+    <p:extLst>
+      <p:ext uri="{BB962C8B-B14F-4D97-AF65-F5344CB8AC3E}">
+        <p14:creationId xmlns:p14="http://schemas.microsoft.com/office/powerpoint/2010/main" val="1565520145"/>
+      </p:ext>
+    </p:extLst>
+  </p:cSld>
+  <p:clrMapOvr>
+    <a:masterClrMapping/>
+  </p:clrMapOvr>
+</p:sld>
+</file>
+
+<file path=ppt/slides/slide6.xml><?xml version="1.0" encoding="utf-8"?>
+<p:sld xmlns:a="http://schemas.openxmlformats.org/drawingml/2006/main" xmlns:r="http://schemas.openxmlformats.org/officeDocument/2006/relationships" xmlns:p="http://schemas.openxmlformats.org/presentationml/2006/main">
+  <p:cSld>
+    <p:spTree>
+      <p:nvGrpSpPr>
+        <p:cNvPr id="1" name=""/>
+        <p:cNvGrpSpPr/>
+        <p:nvPr/>
+      </p:nvGrpSpPr>
+      <p:grpSpPr>
+        <a:xfrm>
+          <a:off x="0" y="0"/>
+          <a:ext cx="0" cy="0"/>
+          <a:chOff x="0" y="0"/>
+          <a:chExt cx="0" cy="0"/>
+        </a:xfrm>
+      </p:grpSpPr>
+      <p:sp>
+        <p:nvSpPr>
+          <p:cNvPr id="3" name="Content Placeholder 2">
+            <a:extLst>
+              <a:ext uri="{FF2B5EF4-FFF2-40B4-BE49-F238E27FC236}">
+                <a16:creationId xmlns:a16="http://schemas.microsoft.com/office/drawing/2014/main" id="{569CBA97-8001-CBAF-F5CC-6FB3FCD15ABF}"/>
+              </a:ext>
+            </a:extLst>
+          </p:cNvPr>
+          <p:cNvSpPr>
+            <a:spLocks noGrp="1"/>
+          </p:cNvSpPr>
+          <p:nvPr>
+            <p:ph idx="1"/>
+          </p:nvPr>
+        </p:nvSpPr>
+        <p:spPr>
+          <a:xfrm>
+            <a:off x="1893887" y="1133474"/>
+            <a:ext cx="9107488" cy="5362576"/>
+          </a:xfrm>
+        </p:spPr>
+        <p:txBody>
+          <a:bodyPr>
+            <a:normAutofit/>
+          </a:bodyPr>
+          <a:lstStyle/>
+          <a:p>
+            <a:pPr marL="0" indent="0">
+              <a:buNone/>
+            </a:pPr>
+            <a:r>
+              <a:rPr lang="en-IN" dirty="0">
+                <a:solidFill>
+                  <a:srgbClr val="FF0000"/>
+                </a:solidFill>
+              </a:rPr>
+              <a:t>ABSTRACT :</a:t>
+            </a:r>
+          </a:p>
+          <a:p>
+            <a:pPr marL="148590" marR="158750" indent="371475" algn="just">
+              <a:spcBef>
+                <a:spcPts val="2905"/>
+              </a:spcBef>
+              <a:spcAft>
+                <a:spcPts val="0"/>
+              </a:spcAft>
+            </a:pPr>
+            <a:r>
+              <a:rPr lang="en-US" sz="1800" dirty="0">
+                <a:effectLst/>
+                <a:latin typeface="Times New Roman" panose="02020603050405020304" pitchFamily="18" charset="0"/>
+                <a:ea typeface="Times New Roman" panose="02020603050405020304" pitchFamily="18" charset="0"/>
+              </a:rPr>
+              <a:t>There is x is price, y is performance and z are user-</a:t>
+            </a:r>
+            <a:r>
+              <a:rPr lang="en-US" sz="1800" spc="5" dirty="0">
+                <a:effectLst/>
+                <a:latin typeface="Times New Roman" panose="02020603050405020304" pitchFamily="18" charset="0"/>
+                <a:ea typeface="Times New Roman" panose="02020603050405020304" pitchFamily="18" charset="0"/>
+              </a:rPr>
+              <a:t> </a:t>
+            </a:r>
+            <a:r>
+              <a:rPr lang="en-US" sz="1800" dirty="0">
+                <a:effectLst/>
+                <a:latin typeface="Times New Roman" panose="02020603050405020304" pitchFamily="18" charset="0"/>
+                <a:ea typeface="Times New Roman" panose="02020603050405020304" pitchFamily="18" charset="0"/>
+              </a:rPr>
+              <a:t>friendliness.</a:t>
+            </a:r>
+            <a:r>
+              <a:rPr lang="en-US" sz="1800" spc="-5" dirty="0">
+                <a:effectLst/>
+                <a:latin typeface="Times New Roman" panose="02020603050405020304" pitchFamily="18" charset="0"/>
+                <a:ea typeface="Times New Roman" panose="02020603050405020304" pitchFamily="18" charset="0"/>
+              </a:rPr>
+              <a:t> </a:t>
+            </a:r>
+          </a:p>
+          <a:p>
+            <a:pPr marL="148590" marR="158750" indent="371475" algn="just">
+              <a:spcBef>
+                <a:spcPts val="2905"/>
+              </a:spcBef>
+              <a:spcAft>
+                <a:spcPts val="0"/>
+              </a:spcAft>
+            </a:pPr>
+            <a:r>
+              <a:rPr lang="en-US" sz="1800" dirty="0">
+                <a:effectLst/>
+                <a:latin typeface="Times New Roman" panose="02020603050405020304" pitchFamily="18" charset="0"/>
+                <a:ea typeface="Times New Roman" panose="02020603050405020304" pitchFamily="18" charset="0"/>
+              </a:rPr>
+              <a:t>In</a:t>
+            </a:r>
+            <a:r>
+              <a:rPr lang="en-US" sz="1800" spc="-20" dirty="0">
+                <a:effectLst/>
+                <a:latin typeface="Times New Roman" panose="02020603050405020304" pitchFamily="18" charset="0"/>
+                <a:ea typeface="Times New Roman" panose="02020603050405020304" pitchFamily="18" charset="0"/>
+              </a:rPr>
+              <a:t> </a:t>
+            </a:r>
+            <a:r>
+              <a:rPr lang="en-US" sz="1800" dirty="0">
+                <a:effectLst/>
+                <a:latin typeface="Times New Roman" panose="02020603050405020304" pitchFamily="18" charset="0"/>
+                <a:ea typeface="Times New Roman" panose="02020603050405020304" pitchFamily="18" charset="0"/>
+              </a:rPr>
+              <a:t>these</a:t>
+            </a:r>
+            <a:r>
+              <a:rPr lang="en-US" sz="1800" spc="-25" dirty="0">
+                <a:effectLst/>
+                <a:latin typeface="Times New Roman" panose="02020603050405020304" pitchFamily="18" charset="0"/>
+                <a:ea typeface="Times New Roman" panose="02020603050405020304" pitchFamily="18" charset="0"/>
+              </a:rPr>
+              <a:t> </a:t>
+            </a:r>
+            <a:r>
+              <a:rPr lang="en-US" sz="1800" dirty="0">
+                <a:effectLst/>
+                <a:latin typeface="Times New Roman" panose="02020603050405020304" pitchFamily="18" charset="0"/>
+                <a:ea typeface="Times New Roman" panose="02020603050405020304" pitchFamily="18" charset="0"/>
+              </a:rPr>
+              <a:t>problem</a:t>
+            </a:r>
+            <a:r>
+              <a:rPr lang="en-US" sz="1800" spc="-15" dirty="0">
+                <a:effectLst/>
+                <a:latin typeface="Times New Roman" panose="02020603050405020304" pitchFamily="18" charset="0"/>
+                <a:ea typeface="Times New Roman" panose="02020603050405020304" pitchFamily="18" charset="0"/>
+              </a:rPr>
+              <a:t> </a:t>
+            </a:r>
+            <a:r>
+              <a:rPr lang="en-US" sz="1800" dirty="0">
+                <a:effectLst/>
+                <a:latin typeface="Times New Roman" panose="02020603050405020304" pitchFamily="18" charset="0"/>
+                <a:ea typeface="Times New Roman" panose="02020603050405020304" pitchFamily="18" charset="0"/>
+              </a:rPr>
+              <a:t>statement</a:t>
+            </a:r>
+            <a:r>
+              <a:rPr lang="en-US" sz="1800" spc="-20" dirty="0">
+                <a:effectLst/>
+                <a:latin typeface="Times New Roman" panose="02020603050405020304" pitchFamily="18" charset="0"/>
+                <a:ea typeface="Times New Roman" panose="02020603050405020304" pitchFamily="18" charset="0"/>
+              </a:rPr>
+              <a:t> </a:t>
+            </a:r>
+            <a:r>
+              <a:rPr lang="en-US" sz="1800" dirty="0">
+                <a:effectLst/>
+                <a:latin typeface="Times New Roman" panose="02020603050405020304" pitchFamily="18" charset="0"/>
+                <a:ea typeface="Times New Roman" panose="02020603050405020304" pitchFamily="18" charset="0"/>
+              </a:rPr>
+              <a:t>you</a:t>
+            </a:r>
+            <a:r>
+              <a:rPr lang="en-US" sz="1800" spc="-20" dirty="0">
+                <a:effectLst/>
+                <a:latin typeface="Times New Roman" panose="02020603050405020304" pitchFamily="18" charset="0"/>
+                <a:ea typeface="Times New Roman" panose="02020603050405020304" pitchFamily="18" charset="0"/>
+              </a:rPr>
+              <a:t> </a:t>
+            </a:r>
+            <a:r>
+              <a:rPr lang="en-US" sz="1800" dirty="0">
+                <a:effectLst/>
+                <a:latin typeface="Times New Roman" panose="02020603050405020304" pitchFamily="18" charset="0"/>
+                <a:ea typeface="Times New Roman" panose="02020603050405020304" pitchFamily="18" charset="0"/>
+              </a:rPr>
+              <a:t>are</a:t>
+            </a:r>
+            <a:r>
+              <a:rPr lang="en-US" sz="1800" spc="-15" dirty="0">
+                <a:effectLst/>
+                <a:latin typeface="Times New Roman" panose="02020603050405020304" pitchFamily="18" charset="0"/>
+                <a:ea typeface="Times New Roman" panose="02020603050405020304" pitchFamily="18" charset="0"/>
+              </a:rPr>
+              <a:t> </a:t>
+            </a:r>
+            <a:r>
+              <a:rPr lang="en-US" sz="1800" dirty="0">
+                <a:effectLst/>
+                <a:latin typeface="Times New Roman" panose="02020603050405020304" pitchFamily="18" charset="0"/>
+                <a:ea typeface="Times New Roman" panose="02020603050405020304" pitchFamily="18" charset="0"/>
+              </a:rPr>
+              <a:t>forced</a:t>
+            </a:r>
+            <a:r>
+              <a:rPr lang="en-US" sz="1800" spc="-15" dirty="0">
+                <a:effectLst/>
+                <a:latin typeface="Times New Roman" panose="02020603050405020304" pitchFamily="18" charset="0"/>
+                <a:ea typeface="Times New Roman" panose="02020603050405020304" pitchFamily="18" charset="0"/>
+              </a:rPr>
+              <a:t> </a:t>
+            </a:r>
+            <a:r>
+              <a:rPr lang="en-US" sz="1800" dirty="0">
+                <a:effectLst/>
+                <a:latin typeface="Times New Roman" panose="02020603050405020304" pitchFamily="18" charset="0"/>
+                <a:ea typeface="Times New Roman" panose="02020603050405020304" pitchFamily="18" charset="0"/>
+              </a:rPr>
+              <a:t>to</a:t>
+            </a:r>
+            <a:r>
+              <a:rPr lang="en-US" sz="1800" spc="-15" dirty="0">
+                <a:effectLst/>
+                <a:latin typeface="Times New Roman" panose="02020603050405020304" pitchFamily="18" charset="0"/>
+                <a:ea typeface="Times New Roman" panose="02020603050405020304" pitchFamily="18" charset="0"/>
+              </a:rPr>
+              <a:t> </a:t>
+            </a:r>
+            <a:r>
+              <a:rPr lang="en-US" sz="1800" dirty="0">
+                <a:effectLst/>
+                <a:latin typeface="Times New Roman" panose="02020603050405020304" pitchFamily="18" charset="0"/>
+                <a:ea typeface="Times New Roman" panose="02020603050405020304" pitchFamily="18" charset="0"/>
+              </a:rPr>
+              <a:t>make</a:t>
+            </a:r>
+            <a:r>
+              <a:rPr lang="en-US" sz="1800" spc="-25" dirty="0">
+                <a:effectLst/>
+                <a:latin typeface="Times New Roman" panose="02020603050405020304" pitchFamily="18" charset="0"/>
+                <a:ea typeface="Times New Roman" panose="02020603050405020304" pitchFamily="18" charset="0"/>
+              </a:rPr>
+              <a:t> </a:t>
+            </a:r>
+            <a:r>
+              <a:rPr lang="en-US" sz="1800" dirty="0">
+                <a:effectLst/>
+                <a:latin typeface="Times New Roman" panose="02020603050405020304" pitchFamily="18" charset="0"/>
+                <a:ea typeface="Times New Roman" panose="02020603050405020304" pitchFamily="18" charset="0"/>
+              </a:rPr>
+              <a:t>some</a:t>
+            </a:r>
+            <a:r>
+              <a:rPr lang="en-US" sz="1800" spc="-20" dirty="0">
+                <a:effectLst/>
+                <a:latin typeface="Times New Roman" panose="02020603050405020304" pitchFamily="18" charset="0"/>
+                <a:ea typeface="Times New Roman" panose="02020603050405020304" pitchFamily="18" charset="0"/>
+              </a:rPr>
+              <a:t> </a:t>
+            </a:r>
+            <a:r>
+              <a:rPr lang="en-US" sz="1800" dirty="0">
+                <a:effectLst/>
+                <a:latin typeface="Times New Roman" panose="02020603050405020304" pitchFamily="18" charset="0"/>
+                <a:ea typeface="Times New Roman" panose="02020603050405020304" pitchFamily="18" charset="0"/>
+              </a:rPr>
+              <a:t>sacrifices</a:t>
+            </a:r>
+            <a:r>
+              <a:rPr lang="en-US" sz="1800" spc="-15" dirty="0">
+                <a:effectLst/>
+                <a:latin typeface="Times New Roman" panose="02020603050405020304" pitchFamily="18" charset="0"/>
+                <a:ea typeface="Times New Roman" panose="02020603050405020304" pitchFamily="18" charset="0"/>
+              </a:rPr>
+              <a:t> </a:t>
+            </a:r>
+            <a:r>
+              <a:rPr lang="en-US" sz="1800" dirty="0">
+                <a:effectLst/>
+                <a:latin typeface="Times New Roman" panose="02020603050405020304" pitchFamily="18" charset="0"/>
+                <a:ea typeface="Times New Roman" panose="02020603050405020304" pitchFamily="18" charset="0"/>
+              </a:rPr>
+              <a:t>the</a:t>
+            </a:r>
+            <a:r>
+              <a:rPr lang="en-US" sz="1800" spc="-20" dirty="0">
+                <a:effectLst/>
+                <a:latin typeface="Times New Roman" panose="02020603050405020304" pitchFamily="18" charset="0"/>
+                <a:ea typeface="Times New Roman" panose="02020603050405020304" pitchFamily="18" charset="0"/>
+              </a:rPr>
+              <a:t> </a:t>
+            </a:r>
+            <a:r>
+              <a:rPr lang="en-US" sz="1800" dirty="0">
+                <a:effectLst/>
+                <a:latin typeface="Times New Roman" panose="02020603050405020304" pitchFamily="18" charset="0"/>
+                <a:ea typeface="Times New Roman" panose="02020603050405020304" pitchFamily="18" charset="0"/>
+              </a:rPr>
+              <a:t>aspects</a:t>
+            </a:r>
+            <a:r>
+              <a:rPr lang="en-US" sz="1800" spc="-15" dirty="0">
+                <a:effectLst/>
+                <a:latin typeface="Times New Roman" panose="02020603050405020304" pitchFamily="18" charset="0"/>
+                <a:ea typeface="Times New Roman" panose="02020603050405020304" pitchFamily="18" charset="0"/>
+              </a:rPr>
+              <a:t> </a:t>
+            </a:r>
+            <a:r>
+              <a:rPr lang="en-US" sz="1800" dirty="0">
+                <a:effectLst/>
+                <a:latin typeface="Times New Roman" panose="02020603050405020304" pitchFamily="18" charset="0"/>
+                <a:ea typeface="Times New Roman" panose="02020603050405020304" pitchFamily="18" charset="0"/>
+              </a:rPr>
+              <a:t>you</a:t>
+            </a:r>
+            <a:r>
+              <a:rPr lang="en-US" sz="1800" spc="-15" dirty="0">
+                <a:effectLst/>
+                <a:latin typeface="Times New Roman" panose="02020603050405020304" pitchFamily="18" charset="0"/>
+                <a:ea typeface="Times New Roman" panose="02020603050405020304" pitchFamily="18" charset="0"/>
+              </a:rPr>
+              <a:t> </a:t>
+            </a:r>
+            <a:r>
+              <a:rPr lang="en-US" sz="1800" dirty="0">
+                <a:effectLst/>
+                <a:latin typeface="Times New Roman" panose="02020603050405020304" pitchFamily="18" charset="0"/>
+                <a:ea typeface="Times New Roman" panose="02020603050405020304" pitchFamily="18" charset="0"/>
+              </a:rPr>
+              <a:t>care</a:t>
+            </a:r>
+            <a:r>
+              <a:rPr lang="en-US" sz="1800" spc="-290" dirty="0">
+                <a:effectLst/>
+                <a:latin typeface="Times New Roman" panose="02020603050405020304" pitchFamily="18" charset="0"/>
+                <a:ea typeface="Times New Roman" panose="02020603050405020304" pitchFamily="18" charset="0"/>
+              </a:rPr>
+              <a:t> </a:t>
+            </a:r>
+            <a:r>
+              <a:rPr lang="en-US" sz="1800" dirty="0">
+                <a:effectLst/>
+                <a:latin typeface="Times New Roman" panose="02020603050405020304" pitchFamily="18" charset="0"/>
+                <a:ea typeface="Times New Roman" panose="02020603050405020304" pitchFamily="18" charset="0"/>
+              </a:rPr>
+              <a:t>about against each other and choosing the phone that achieves the best compromise. (where “best”</a:t>
+            </a:r>
+            <a:r>
+              <a:rPr lang="en-US" sz="1800" spc="5" dirty="0">
+                <a:effectLst/>
+                <a:latin typeface="Times New Roman" panose="02020603050405020304" pitchFamily="18" charset="0"/>
+                <a:ea typeface="Times New Roman" panose="02020603050405020304" pitchFamily="18" charset="0"/>
+              </a:rPr>
+              <a:t> </a:t>
+            </a:r>
+            <a:r>
+              <a:rPr lang="en-US" sz="1800" dirty="0">
+                <a:effectLst/>
+                <a:latin typeface="Times New Roman" panose="02020603050405020304" pitchFamily="18" charset="0"/>
+                <a:ea typeface="Times New Roman" panose="02020603050405020304" pitchFamily="18" charset="0"/>
+              </a:rPr>
+              <a:t>of</a:t>
+            </a:r>
+            <a:r>
+              <a:rPr lang="en-US" sz="1800" spc="-5" dirty="0">
+                <a:effectLst/>
+                <a:latin typeface="Times New Roman" panose="02020603050405020304" pitchFamily="18" charset="0"/>
+                <a:ea typeface="Times New Roman" panose="02020603050405020304" pitchFamily="18" charset="0"/>
+              </a:rPr>
+              <a:t> </a:t>
+            </a:r>
+            <a:r>
+              <a:rPr lang="en-US" sz="1800" dirty="0">
+                <a:effectLst/>
+                <a:latin typeface="Times New Roman" panose="02020603050405020304" pitchFamily="18" charset="0"/>
+                <a:ea typeface="Times New Roman" panose="02020603050405020304" pitchFamily="18" charset="0"/>
+              </a:rPr>
+              <a:t>course</a:t>
+            </a:r>
+            <a:r>
+              <a:rPr lang="en-US" sz="1800" spc="-10" dirty="0">
+                <a:effectLst/>
+                <a:latin typeface="Times New Roman" panose="02020603050405020304" pitchFamily="18" charset="0"/>
+                <a:ea typeface="Times New Roman" panose="02020603050405020304" pitchFamily="18" charset="0"/>
+              </a:rPr>
+              <a:t> </a:t>
+            </a:r>
+            <a:r>
+              <a:rPr lang="en-US" sz="1800" dirty="0">
+                <a:effectLst/>
+                <a:latin typeface="Times New Roman" panose="02020603050405020304" pitchFamily="18" charset="0"/>
+                <a:ea typeface="Times New Roman" panose="02020603050405020304" pitchFamily="18" charset="0"/>
+              </a:rPr>
+              <a:t>depends on what your priorities happen</a:t>
+            </a:r>
+            <a:r>
+              <a:rPr lang="en-US" sz="1800" spc="10" dirty="0">
+                <a:effectLst/>
+                <a:latin typeface="Times New Roman" panose="02020603050405020304" pitchFamily="18" charset="0"/>
+                <a:ea typeface="Times New Roman" panose="02020603050405020304" pitchFamily="18" charset="0"/>
+              </a:rPr>
+              <a:t> </a:t>
+            </a:r>
+            <a:r>
+              <a:rPr lang="en-US" sz="1800" dirty="0">
+                <a:effectLst/>
+                <a:latin typeface="Times New Roman" panose="02020603050405020304" pitchFamily="18" charset="0"/>
+                <a:ea typeface="Times New Roman" panose="02020603050405020304" pitchFamily="18" charset="0"/>
+              </a:rPr>
+              <a:t>to be).</a:t>
+            </a:r>
+          </a:p>
+          <a:p>
+            <a:pPr marL="148590" marR="158750" indent="371475" algn="just">
+              <a:spcBef>
+                <a:spcPts val="2905"/>
+              </a:spcBef>
+              <a:spcAft>
+                <a:spcPts val="0"/>
+              </a:spcAft>
+            </a:pPr>
+            <a:endParaRPr lang="en-IN" sz="1800" dirty="0">
+              <a:effectLst/>
+              <a:latin typeface="Times New Roman" panose="02020603050405020304" pitchFamily="18" charset="0"/>
+              <a:ea typeface="Times New Roman" panose="02020603050405020304" pitchFamily="18" charset="0"/>
+            </a:endParaRPr>
+          </a:p>
+          <a:p>
+            <a:pPr marL="148590" marR="161290" indent="371475" algn="just">
+              <a:spcBef>
+                <a:spcPts val="420"/>
+              </a:spcBef>
+              <a:spcAft>
+                <a:spcPts val="0"/>
+              </a:spcAft>
+            </a:pPr>
+            <a:r>
+              <a:rPr lang="en-US" sz="1800" dirty="0">
+                <a:effectLst/>
+                <a:latin typeface="Times New Roman" panose="02020603050405020304" pitchFamily="18" charset="0"/>
+                <a:ea typeface="Times New Roman" panose="02020603050405020304" pitchFamily="18" charset="0"/>
+              </a:rPr>
+              <a:t>One</a:t>
+            </a:r>
+            <a:r>
+              <a:rPr lang="en-US" sz="1800" spc="-25" dirty="0">
+                <a:effectLst/>
+                <a:latin typeface="Times New Roman" panose="02020603050405020304" pitchFamily="18" charset="0"/>
+                <a:ea typeface="Times New Roman" panose="02020603050405020304" pitchFamily="18" charset="0"/>
+              </a:rPr>
+              <a:t> </a:t>
+            </a:r>
+            <a:r>
+              <a:rPr lang="en-US" sz="1800" dirty="0">
+                <a:effectLst/>
+                <a:latin typeface="Times New Roman" panose="02020603050405020304" pitchFamily="18" charset="0"/>
+                <a:ea typeface="Times New Roman" panose="02020603050405020304" pitchFamily="18" charset="0"/>
+              </a:rPr>
+              <a:t>way</a:t>
+            </a:r>
+            <a:r>
+              <a:rPr lang="en-US" sz="1800" spc="-15" dirty="0">
+                <a:effectLst/>
+                <a:latin typeface="Times New Roman" panose="02020603050405020304" pitchFamily="18" charset="0"/>
+                <a:ea typeface="Times New Roman" panose="02020603050405020304" pitchFamily="18" charset="0"/>
+              </a:rPr>
+              <a:t> </a:t>
+            </a:r>
+            <a:r>
+              <a:rPr lang="en-US" sz="1800" dirty="0">
+                <a:effectLst/>
+                <a:latin typeface="Times New Roman" panose="02020603050405020304" pitchFamily="18" charset="0"/>
+                <a:ea typeface="Times New Roman" panose="02020603050405020304" pitchFamily="18" charset="0"/>
+              </a:rPr>
+              <a:t>of</a:t>
+            </a:r>
+            <a:r>
+              <a:rPr lang="en-US" sz="1800" spc="-5" dirty="0">
+                <a:effectLst/>
+                <a:latin typeface="Times New Roman" panose="02020603050405020304" pitchFamily="18" charset="0"/>
+                <a:ea typeface="Times New Roman" panose="02020603050405020304" pitchFamily="18" charset="0"/>
+              </a:rPr>
+              <a:t> </a:t>
+            </a:r>
+            <a:r>
+              <a:rPr lang="en-US" sz="1800" dirty="0">
+                <a:effectLst/>
+                <a:latin typeface="Times New Roman" panose="02020603050405020304" pitchFamily="18" charset="0"/>
+                <a:ea typeface="Times New Roman" panose="02020603050405020304" pitchFamily="18" charset="0"/>
+              </a:rPr>
+              <a:t>measuring</a:t>
+            </a:r>
+            <a:r>
+              <a:rPr lang="en-US" sz="1800" spc="-15" dirty="0">
+                <a:effectLst/>
+                <a:latin typeface="Times New Roman" panose="02020603050405020304" pitchFamily="18" charset="0"/>
+                <a:ea typeface="Times New Roman" panose="02020603050405020304" pitchFamily="18" charset="0"/>
+              </a:rPr>
+              <a:t> </a:t>
+            </a:r>
+            <a:r>
+              <a:rPr lang="en-US" sz="1800" dirty="0">
+                <a:effectLst/>
+                <a:latin typeface="Times New Roman" panose="02020603050405020304" pitchFamily="18" charset="0"/>
+                <a:ea typeface="Times New Roman" panose="02020603050405020304" pitchFamily="18" charset="0"/>
+              </a:rPr>
+              <a:t>this</a:t>
+            </a:r>
+            <a:r>
+              <a:rPr lang="en-US" sz="1800" spc="-15" dirty="0">
+                <a:effectLst/>
+                <a:latin typeface="Times New Roman" panose="02020603050405020304" pitchFamily="18" charset="0"/>
+                <a:ea typeface="Times New Roman" panose="02020603050405020304" pitchFamily="18" charset="0"/>
+              </a:rPr>
+              <a:t> </a:t>
+            </a:r>
+            <a:r>
+              <a:rPr lang="en-US" sz="1800" dirty="0">
+                <a:effectLst/>
+                <a:latin typeface="Times New Roman" panose="02020603050405020304" pitchFamily="18" charset="0"/>
+                <a:ea typeface="Times New Roman" panose="02020603050405020304" pitchFamily="18" charset="0"/>
+              </a:rPr>
+              <a:t>sacrifice</a:t>
+            </a:r>
+            <a:r>
+              <a:rPr lang="en-US" sz="1800" spc="-20" dirty="0">
+                <a:effectLst/>
+                <a:latin typeface="Times New Roman" panose="02020603050405020304" pitchFamily="18" charset="0"/>
+                <a:ea typeface="Times New Roman" panose="02020603050405020304" pitchFamily="18" charset="0"/>
+              </a:rPr>
+              <a:t> </a:t>
+            </a:r>
+            <a:r>
+              <a:rPr lang="en-US" sz="1800" dirty="0">
+                <a:effectLst/>
+                <a:latin typeface="Times New Roman" panose="02020603050405020304" pitchFamily="18" charset="0"/>
+                <a:ea typeface="Times New Roman" panose="02020603050405020304" pitchFamily="18" charset="0"/>
+              </a:rPr>
+              <a:t>is</a:t>
+            </a:r>
+            <a:r>
+              <a:rPr lang="en-US" sz="1800" spc="-10" dirty="0">
+                <a:effectLst/>
+                <a:latin typeface="Times New Roman" panose="02020603050405020304" pitchFamily="18" charset="0"/>
+                <a:ea typeface="Times New Roman" panose="02020603050405020304" pitchFamily="18" charset="0"/>
+              </a:rPr>
+              <a:t> </a:t>
+            </a:r>
+            <a:r>
+              <a:rPr lang="en-US" sz="1800" dirty="0">
+                <a:effectLst/>
+                <a:latin typeface="Times New Roman" panose="02020603050405020304" pitchFamily="18" charset="0"/>
+                <a:ea typeface="Times New Roman" panose="02020603050405020304" pitchFamily="18" charset="0"/>
+              </a:rPr>
+              <a:t>known</a:t>
+            </a:r>
+            <a:r>
+              <a:rPr lang="en-US" sz="1800" spc="-15" dirty="0">
+                <a:effectLst/>
+                <a:latin typeface="Times New Roman" panose="02020603050405020304" pitchFamily="18" charset="0"/>
+                <a:ea typeface="Times New Roman" panose="02020603050405020304" pitchFamily="18" charset="0"/>
+              </a:rPr>
+              <a:t> </a:t>
+            </a:r>
+            <a:r>
+              <a:rPr lang="en-US" sz="1800" dirty="0">
+                <a:effectLst/>
+                <a:latin typeface="Times New Roman" panose="02020603050405020304" pitchFamily="18" charset="0"/>
+                <a:ea typeface="Times New Roman" panose="02020603050405020304" pitchFamily="18" charset="0"/>
+              </a:rPr>
+              <a:t>as the</a:t>
+            </a:r>
+            <a:r>
+              <a:rPr lang="en-US" sz="1800" spc="-20" dirty="0">
+                <a:effectLst/>
+                <a:latin typeface="Times New Roman" panose="02020603050405020304" pitchFamily="18" charset="0"/>
+                <a:ea typeface="Times New Roman" panose="02020603050405020304" pitchFamily="18" charset="0"/>
+              </a:rPr>
+              <a:t> </a:t>
+            </a:r>
+            <a:r>
+              <a:rPr lang="en-US" sz="1800" dirty="0">
+                <a:effectLst/>
+                <a:latin typeface="Times New Roman" panose="02020603050405020304" pitchFamily="18" charset="0"/>
+                <a:ea typeface="Times New Roman" panose="02020603050405020304" pitchFamily="18" charset="0"/>
+              </a:rPr>
+              <a:t>opportunity</a:t>
+            </a:r>
+            <a:r>
+              <a:rPr lang="en-US" sz="1800" spc="-10" dirty="0">
+                <a:effectLst/>
+                <a:latin typeface="Times New Roman" panose="02020603050405020304" pitchFamily="18" charset="0"/>
+                <a:ea typeface="Times New Roman" panose="02020603050405020304" pitchFamily="18" charset="0"/>
+              </a:rPr>
+              <a:t> </a:t>
+            </a:r>
+            <a:r>
+              <a:rPr lang="en-US" sz="1800" dirty="0">
+                <a:effectLst/>
+                <a:latin typeface="Times New Roman" panose="02020603050405020304" pitchFamily="18" charset="0"/>
+                <a:ea typeface="Times New Roman" panose="02020603050405020304" pitchFamily="18" charset="0"/>
+              </a:rPr>
+              <a:t>cost, which</a:t>
+            </a:r>
+            <a:r>
+              <a:rPr lang="en-US" sz="1800" spc="-15" dirty="0">
+                <a:effectLst/>
+                <a:latin typeface="Times New Roman" panose="02020603050405020304" pitchFamily="18" charset="0"/>
+                <a:ea typeface="Times New Roman" panose="02020603050405020304" pitchFamily="18" charset="0"/>
+              </a:rPr>
+              <a:t> </a:t>
+            </a:r>
+            <a:r>
+              <a:rPr lang="en-US" sz="1800" dirty="0">
+                <a:effectLst/>
+                <a:latin typeface="Times New Roman" panose="02020603050405020304" pitchFamily="18" charset="0"/>
+                <a:ea typeface="Times New Roman" panose="02020603050405020304" pitchFamily="18" charset="0"/>
+              </a:rPr>
+              <a:t>(for</a:t>
+            </a:r>
+            <a:r>
+              <a:rPr lang="en-US" sz="1800" spc="-10" dirty="0">
+                <a:effectLst/>
+                <a:latin typeface="Times New Roman" panose="02020603050405020304" pitchFamily="18" charset="0"/>
+                <a:ea typeface="Times New Roman" panose="02020603050405020304" pitchFamily="18" charset="0"/>
+              </a:rPr>
+              <a:t> </a:t>
+            </a:r>
+            <a:r>
+              <a:rPr lang="en-US" sz="1800" dirty="0">
+                <a:effectLst/>
+                <a:latin typeface="Times New Roman" panose="02020603050405020304" pitchFamily="18" charset="0"/>
+                <a:ea typeface="Times New Roman" panose="02020603050405020304" pitchFamily="18" charset="0"/>
+              </a:rPr>
+              <a:t>the</a:t>
+            </a:r>
+            <a:r>
+              <a:rPr lang="en-US" sz="1800" spc="-15" dirty="0">
+                <a:effectLst/>
+                <a:latin typeface="Times New Roman" panose="02020603050405020304" pitchFamily="18" charset="0"/>
+                <a:ea typeface="Times New Roman" panose="02020603050405020304" pitchFamily="18" charset="0"/>
+              </a:rPr>
+              <a:t> </a:t>
+            </a:r>
+            <a:r>
+              <a:rPr lang="en-US" sz="1800" dirty="0">
+                <a:effectLst/>
+                <a:latin typeface="Times New Roman" panose="02020603050405020304" pitchFamily="18" charset="0"/>
+                <a:ea typeface="Times New Roman" panose="02020603050405020304" pitchFamily="18" charset="0"/>
+              </a:rPr>
+              <a:t>purposes</a:t>
+            </a:r>
+            <a:r>
+              <a:rPr lang="en-US" sz="1800" spc="-285" dirty="0">
+                <a:effectLst/>
+                <a:latin typeface="Times New Roman" panose="02020603050405020304" pitchFamily="18" charset="0"/>
+                <a:ea typeface="Times New Roman" panose="02020603050405020304" pitchFamily="18" charset="0"/>
+              </a:rPr>
+              <a:t> </a:t>
+            </a:r>
+            <a:r>
+              <a:rPr lang="en-US" sz="1800" dirty="0">
+                <a:effectLst/>
+                <a:latin typeface="Times New Roman" panose="02020603050405020304" pitchFamily="18" charset="0"/>
+                <a:ea typeface="Times New Roman" panose="02020603050405020304" pitchFamily="18" charset="0"/>
+              </a:rPr>
+              <a:t>of this problem) we define as follows. In this problem statement we assume that these values are</a:t>
+            </a:r>
+            <a:r>
+              <a:rPr lang="en-US" sz="1800" spc="5" dirty="0">
+                <a:effectLst/>
+                <a:latin typeface="Times New Roman" panose="02020603050405020304" pitchFamily="18" charset="0"/>
+                <a:ea typeface="Times New Roman" panose="02020603050405020304" pitchFamily="18" charset="0"/>
+              </a:rPr>
+              <a:t> </a:t>
+            </a:r>
+            <a:r>
+              <a:rPr lang="en-US" sz="1800" dirty="0">
+                <a:effectLst/>
+                <a:latin typeface="Times New Roman" panose="02020603050405020304" pitchFamily="18" charset="0"/>
+                <a:ea typeface="Times New Roman" panose="02020603050405020304" pitchFamily="18" charset="0"/>
+              </a:rPr>
+              <a:t>measured on a comparable numeric scale higher is better.</a:t>
+            </a:r>
+          </a:p>
+          <a:p>
+            <a:pPr marL="148590" marR="161290" indent="371475" algn="just">
+              <a:spcBef>
+                <a:spcPts val="420"/>
+              </a:spcBef>
+              <a:spcAft>
+                <a:spcPts val="0"/>
+              </a:spcAft>
+            </a:pPr>
+            <a:endParaRPr lang="en-US" sz="1800" dirty="0">
+              <a:effectLst/>
+              <a:latin typeface="Times New Roman" panose="02020603050405020304" pitchFamily="18" charset="0"/>
+              <a:ea typeface="Times New Roman" panose="02020603050405020304" pitchFamily="18" charset="0"/>
+            </a:endParaRPr>
+          </a:p>
+          <a:p>
+            <a:pPr marL="148590" marR="161290" indent="371475" algn="just">
+              <a:spcBef>
+                <a:spcPts val="420"/>
+              </a:spcBef>
+              <a:spcAft>
+                <a:spcPts val="0"/>
+              </a:spcAft>
+            </a:pPr>
+            <a:r>
+              <a:rPr lang="en-US" sz="1800" dirty="0">
+                <a:effectLst/>
+                <a:latin typeface="Times New Roman" panose="02020603050405020304" pitchFamily="18" charset="0"/>
+                <a:ea typeface="Times New Roman" panose="02020603050405020304" pitchFamily="18" charset="0"/>
+              </a:rPr>
+              <a:t>x = price of the</a:t>
+            </a:r>
+            <a:r>
+              <a:rPr lang="en-US" sz="1800" spc="-285" dirty="0">
+                <a:effectLst/>
+                <a:latin typeface="Times New Roman" panose="02020603050405020304" pitchFamily="18" charset="0"/>
+                <a:ea typeface="Times New Roman" panose="02020603050405020304" pitchFamily="18" charset="0"/>
+              </a:rPr>
+              <a:t> </a:t>
+            </a:r>
+            <a:r>
+              <a:rPr lang="en-US" sz="1800" dirty="0">
+                <a:effectLst/>
+                <a:latin typeface="Times New Roman" panose="02020603050405020304" pitchFamily="18" charset="0"/>
+                <a:ea typeface="Times New Roman" panose="02020603050405020304" pitchFamily="18" charset="0"/>
+              </a:rPr>
+              <a:t>phone,</a:t>
+            </a:r>
+            <a:r>
+              <a:rPr lang="en-US" sz="1800" spc="-5" dirty="0">
+                <a:effectLst/>
+                <a:latin typeface="Times New Roman" panose="02020603050405020304" pitchFamily="18" charset="0"/>
+                <a:ea typeface="Times New Roman" panose="02020603050405020304" pitchFamily="18" charset="0"/>
+              </a:rPr>
+              <a:t> </a:t>
+            </a:r>
+            <a:r>
+              <a:rPr lang="en-US" sz="1800" dirty="0">
+                <a:effectLst/>
+                <a:latin typeface="Times New Roman" panose="02020603050405020304" pitchFamily="18" charset="0"/>
+                <a:ea typeface="Times New Roman" panose="02020603050405020304" pitchFamily="18" charset="0"/>
+              </a:rPr>
+              <a:t>y=</a:t>
+            </a:r>
+            <a:r>
+              <a:rPr lang="en-US" sz="1800" spc="-5" dirty="0">
+                <a:effectLst/>
+                <a:latin typeface="Times New Roman" panose="02020603050405020304" pitchFamily="18" charset="0"/>
+                <a:ea typeface="Times New Roman" panose="02020603050405020304" pitchFamily="18" charset="0"/>
+              </a:rPr>
+              <a:t> </a:t>
+            </a:r>
+            <a:r>
+              <a:rPr lang="en-US" sz="1800" dirty="0">
+                <a:effectLst/>
+                <a:latin typeface="Times New Roman" panose="02020603050405020304" pitchFamily="18" charset="0"/>
+                <a:ea typeface="Times New Roman" panose="02020603050405020304" pitchFamily="18" charset="0"/>
+              </a:rPr>
+              <a:t>performance of the</a:t>
+            </a:r>
+            <a:r>
+              <a:rPr lang="en-US" sz="1800" spc="-10" dirty="0">
+                <a:effectLst/>
+                <a:latin typeface="Times New Roman" panose="02020603050405020304" pitchFamily="18" charset="0"/>
+                <a:ea typeface="Times New Roman" panose="02020603050405020304" pitchFamily="18" charset="0"/>
+              </a:rPr>
+              <a:t> </a:t>
+            </a:r>
+            <a:r>
+              <a:rPr lang="en-US" sz="1800" dirty="0">
+                <a:effectLst/>
+                <a:latin typeface="Times New Roman" panose="02020603050405020304" pitchFamily="18" charset="0"/>
+                <a:ea typeface="Times New Roman" panose="02020603050405020304" pitchFamily="18" charset="0"/>
+              </a:rPr>
+              <a:t>phone, z=</a:t>
+            </a:r>
+            <a:r>
+              <a:rPr lang="en-US" sz="1800" spc="-5" dirty="0">
+                <a:effectLst/>
+                <a:latin typeface="Times New Roman" panose="02020603050405020304" pitchFamily="18" charset="0"/>
+                <a:ea typeface="Times New Roman" panose="02020603050405020304" pitchFamily="18" charset="0"/>
+              </a:rPr>
+              <a:t> </a:t>
+            </a:r>
+            <a:r>
+              <a:rPr lang="en-US" sz="1800" dirty="0">
+                <a:effectLst/>
+                <a:latin typeface="Times New Roman" panose="02020603050405020304" pitchFamily="18" charset="0"/>
+                <a:ea typeface="Times New Roman" panose="02020603050405020304" pitchFamily="18" charset="0"/>
+              </a:rPr>
+              <a:t>user-friendliness.</a:t>
+            </a:r>
+            <a:endParaRPr lang="en-IN" sz="1800" dirty="0">
+              <a:effectLst/>
+              <a:latin typeface="Times New Roman" panose="02020603050405020304" pitchFamily="18" charset="0"/>
+              <a:ea typeface="Times New Roman" panose="02020603050405020304" pitchFamily="18" charset="0"/>
+            </a:endParaRPr>
+          </a:p>
+        </p:txBody>
+      </p:sp>
+    </p:spTree>
+    <p:extLst>
+      <p:ext uri="{BB962C8B-B14F-4D97-AF65-F5344CB8AC3E}">
+        <p14:creationId xmlns:p14="http://schemas.microsoft.com/office/powerpoint/2010/main" val="1076060418"/>
+      </p:ext>
+    </p:extLst>
+  </p:cSld>
+  <p:clrMapOvr>
+    <a:masterClrMapping/>
+  </p:clrMapOvr>
+</p:sld>
+</file>
+
+<file path=ppt/slides/slide7.xml><?xml version="1.0" encoding="utf-8"?>
+<p:sld xmlns:a="http://schemas.openxmlformats.org/drawingml/2006/main" xmlns:r="http://schemas.openxmlformats.org/officeDocument/2006/relationships" xmlns:p="http://schemas.openxmlformats.org/presentationml/2006/main">
+  <p:cSld>
+    <p:spTree>
+      <p:nvGrpSpPr>
+        <p:cNvPr id="1" name=""/>
+        <p:cNvGrpSpPr/>
+        <p:nvPr/>
+      </p:nvGrpSpPr>
+      <p:grpSpPr>
+        <a:xfrm>
+          <a:off x="0" y="0"/>
+          <a:ext cx="0" cy="0"/>
+          <a:chOff x="0" y="0"/>
+          <a:chExt cx="0" cy="0"/>
+        </a:xfrm>
+      </p:grpSpPr>
+      <p:sp>
+        <p:nvSpPr>
+          <p:cNvPr id="3" name="Content Placeholder 2">
+            <a:extLst>
+              <a:ext uri="{FF2B5EF4-FFF2-40B4-BE49-F238E27FC236}">
+                <a16:creationId xmlns:a16="http://schemas.microsoft.com/office/drawing/2014/main" id="{07B68642-CC92-EC1D-51A9-3D1C98F298E6}"/>
+              </a:ext>
+            </a:extLst>
+          </p:cNvPr>
+          <p:cNvSpPr>
+            <a:spLocks noGrp="1"/>
+          </p:cNvSpPr>
+          <p:nvPr>
+            <p:ph idx="1"/>
+          </p:nvPr>
+        </p:nvSpPr>
+        <p:spPr>
+          <a:xfrm>
+            <a:off x="1277112" y="621790"/>
+            <a:ext cx="9906000" cy="6172201"/>
+          </a:xfrm>
+        </p:spPr>
+        <p:txBody>
+          <a:bodyPr>
+            <a:normAutofit/>
+          </a:bodyPr>
+          <a:lstStyle/>
+          <a:p>
+            <a:pPr marL="0" indent="0">
+              <a:buNone/>
+            </a:pPr>
+            <a:endParaRPr lang="en-US" b="1" dirty="0">
+              <a:latin typeface="Times New Roman" panose="02020603050405020304" pitchFamily="18" charset="0"/>
+              <a:ea typeface="Times New Roman" panose="02020603050405020304" pitchFamily="18" charset="0"/>
+            </a:endParaRPr>
+          </a:p>
+          <a:p>
+            <a:pPr marL="0" indent="0">
+              <a:buNone/>
+            </a:pPr>
+            <a:r>
+              <a:rPr lang="en-US" sz="1800" b="1" dirty="0">
+                <a:solidFill>
+                  <a:srgbClr val="FF0000"/>
+                </a:solidFill>
+                <a:uFill>
+                  <a:solidFill>
+                    <a:srgbClr val="000000"/>
+                  </a:solidFill>
+                </a:uFill>
+                <a:latin typeface="Times New Roman" panose="02020603050405020304" pitchFamily="18" charset="0"/>
+                <a:ea typeface="Times New Roman" panose="02020603050405020304" pitchFamily="18" charset="0"/>
+              </a:rPr>
+              <a:t>	</a:t>
+            </a:r>
+          </a:p>
+          <a:p>
+            <a:pPr marL="0" indent="0">
+              <a:buNone/>
+            </a:pPr>
+            <a:r>
+              <a:rPr lang="en-US" b="1" dirty="0">
+                <a:solidFill>
+                  <a:srgbClr val="FF0000"/>
+                </a:solidFill>
+                <a:uFill>
+                  <a:solidFill>
+                    <a:srgbClr val="000000"/>
+                  </a:solidFill>
+                </a:uFill>
+                <a:latin typeface="Times New Roman" panose="02020603050405020304" pitchFamily="18" charset="0"/>
+                <a:ea typeface="Times New Roman" panose="02020603050405020304" pitchFamily="18" charset="0"/>
+              </a:rPr>
+              <a:t>	</a:t>
+            </a:r>
+            <a:r>
+              <a:rPr lang="en-US" sz="1800" b="1" dirty="0">
+                <a:solidFill>
+                  <a:srgbClr val="FF0000"/>
+                </a:solidFill>
+                <a:uFill>
+                  <a:solidFill>
+                    <a:srgbClr val="000000"/>
+                  </a:solidFill>
+                </a:uFill>
+                <a:latin typeface="Times New Roman" panose="02020603050405020304" pitchFamily="18" charset="0"/>
+                <a:ea typeface="Times New Roman" panose="02020603050405020304" pitchFamily="18" charset="0"/>
+              </a:rPr>
+              <a:t>PROPOSED</a:t>
+            </a:r>
+            <a:r>
+              <a:rPr lang="en-US" sz="1800" b="1" spc="-10" dirty="0">
+                <a:solidFill>
+                  <a:srgbClr val="FF0000"/>
+                </a:solidFill>
+                <a:uFill>
+                  <a:solidFill>
+                    <a:srgbClr val="000000"/>
+                  </a:solidFill>
+                </a:uFill>
+                <a:latin typeface="Times New Roman" panose="02020603050405020304" pitchFamily="18" charset="0"/>
+                <a:ea typeface="Times New Roman" panose="02020603050405020304" pitchFamily="18" charset="0"/>
+              </a:rPr>
+              <a:t> </a:t>
+            </a:r>
+            <a:r>
+              <a:rPr lang="en-US" sz="1800" b="1" dirty="0">
+                <a:solidFill>
+                  <a:srgbClr val="FF0000"/>
+                </a:solidFill>
+                <a:uFill>
+                  <a:solidFill>
+                    <a:srgbClr val="000000"/>
+                  </a:solidFill>
+                </a:uFill>
+                <a:latin typeface="Times New Roman" panose="02020603050405020304" pitchFamily="18" charset="0"/>
+                <a:ea typeface="Times New Roman" panose="02020603050405020304" pitchFamily="18" charset="0"/>
+              </a:rPr>
+              <a:t>WORK</a:t>
+            </a:r>
+            <a:endParaRPr lang="en-IN" sz="1800" dirty="0">
+              <a:effectLst/>
+              <a:latin typeface="Times New Roman" panose="02020603050405020304" pitchFamily="18" charset="0"/>
+              <a:ea typeface="Times New Roman" panose="02020603050405020304" pitchFamily="18" charset="0"/>
+            </a:endParaRPr>
+          </a:p>
+          <a:p>
+            <a:pPr marL="63500" marR="144780" indent="410210" algn="just">
+              <a:lnSpc>
+                <a:spcPct val="120000"/>
+              </a:lnSpc>
+              <a:spcBef>
+                <a:spcPts val="450"/>
+              </a:spcBef>
+              <a:spcAft>
+                <a:spcPts val="0"/>
+              </a:spcAft>
+            </a:pPr>
+            <a:r>
+              <a:rPr lang="en-US" sz="1800" dirty="0">
+                <a:effectLst/>
+                <a:latin typeface="Times New Roman" panose="02020603050405020304" pitchFamily="18" charset="0"/>
+                <a:ea typeface="Times New Roman" panose="02020603050405020304" pitchFamily="18" charset="0"/>
+              </a:rPr>
+              <a:t>We</a:t>
+            </a:r>
+            <a:r>
+              <a:rPr lang="en-US" sz="1800" spc="-15" dirty="0">
+                <a:effectLst/>
+                <a:latin typeface="Times New Roman" panose="02020603050405020304" pitchFamily="18" charset="0"/>
+                <a:ea typeface="Times New Roman" panose="02020603050405020304" pitchFamily="18" charset="0"/>
+              </a:rPr>
+              <a:t> </a:t>
+            </a:r>
+            <a:r>
+              <a:rPr lang="en-US" sz="1800" dirty="0">
+                <a:effectLst/>
+                <a:latin typeface="Times New Roman" panose="02020603050405020304" pitchFamily="18" charset="0"/>
+                <a:ea typeface="Times New Roman" panose="02020603050405020304" pitchFamily="18" charset="0"/>
+              </a:rPr>
+              <a:t>will</a:t>
+            </a:r>
+            <a:r>
+              <a:rPr lang="en-US" sz="1800" spc="-5" dirty="0">
+                <a:effectLst/>
+                <a:latin typeface="Times New Roman" panose="02020603050405020304" pitchFamily="18" charset="0"/>
+                <a:ea typeface="Times New Roman" panose="02020603050405020304" pitchFamily="18" charset="0"/>
+              </a:rPr>
+              <a:t> </a:t>
+            </a:r>
+            <a:r>
+              <a:rPr lang="en-US" sz="1800" dirty="0">
+                <a:effectLst/>
+                <a:latin typeface="Times New Roman" panose="02020603050405020304" pitchFamily="18" charset="0"/>
+                <a:ea typeface="Times New Roman" panose="02020603050405020304" pitchFamily="18" charset="0"/>
+              </a:rPr>
+              <a:t>be</a:t>
+            </a:r>
+            <a:r>
+              <a:rPr lang="en-US" sz="1800" spc="-10" dirty="0">
+                <a:effectLst/>
+                <a:latin typeface="Times New Roman" panose="02020603050405020304" pitchFamily="18" charset="0"/>
+                <a:ea typeface="Times New Roman" panose="02020603050405020304" pitchFamily="18" charset="0"/>
+              </a:rPr>
+              <a:t> </a:t>
+            </a:r>
+            <a:r>
+              <a:rPr lang="en-US" sz="1800" dirty="0">
+                <a:effectLst/>
+                <a:latin typeface="Times New Roman" panose="02020603050405020304" pitchFamily="18" charset="0"/>
+                <a:ea typeface="Times New Roman" panose="02020603050405020304" pitchFamily="18" charset="0"/>
+              </a:rPr>
+              <a:t>using</a:t>
+            </a:r>
+            <a:r>
+              <a:rPr lang="en-US" sz="1800" spc="-5" dirty="0">
+                <a:effectLst/>
+                <a:latin typeface="Times New Roman" panose="02020603050405020304" pitchFamily="18" charset="0"/>
+                <a:ea typeface="Times New Roman" panose="02020603050405020304" pitchFamily="18" charset="0"/>
+              </a:rPr>
+              <a:t> </a:t>
+            </a:r>
+            <a:r>
+              <a:rPr lang="en-US" sz="1800" dirty="0">
+                <a:effectLst/>
+                <a:latin typeface="Times New Roman" panose="02020603050405020304" pitchFamily="18" charset="0"/>
+                <a:ea typeface="Times New Roman" panose="02020603050405020304" pitchFamily="18" charset="0"/>
+              </a:rPr>
+              <a:t>unreal</a:t>
+            </a:r>
+            <a:r>
+              <a:rPr lang="en-US" sz="1800" spc="-15" dirty="0">
+                <a:effectLst/>
+                <a:latin typeface="Times New Roman" panose="02020603050405020304" pitchFamily="18" charset="0"/>
+                <a:ea typeface="Times New Roman" panose="02020603050405020304" pitchFamily="18" charset="0"/>
+              </a:rPr>
+              <a:t> </a:t>
+            </a:r>
+            <a:r>
+              <a:rPr lang="en-US" sz="1800" dirty="0">
+                <a:effectLst/>
+                <a:latin typeface="Times New Roman" panose="02020603050405020304" pitchFamily="18" charset="0"/>
+                <a:ea typeface="Times New Roman" panose="02020603050405020304" pitchFamily="18" charset="0"/>
+              </a:rPr>
+              <a:t>C++</a:t>
+            </a:r>
+            <a:r>
+              <a:rPr lang="en-US" sz="1800" spc="-10" dirty="0">
+                <a:effectLst/>
+                <a:latin typeface="Times New Roman" panose="02020603050405020304" pitchFamily="18" charset="0"/>
+                <a:ea typeface="Times New Roman" panose="02020603050405020304" pitchFamily="18" charset="0"/>
+              </a:rPr>
+              <a:t> </a:t>
+            </a:r>
+            <a:r>
+              <a:rPr lang="en-US" sz="1800" dirty="0">
+                <a:effectLst/>
+                <a:latin typeface="Times New Roman" panose="02020603050405020304" pitchFamily="18" charset="0"/>
+                <a:ea typeface="Times New Roman" panose="02020603050405020304" pitchFamily="18" charset="0"/>
+              </a:rPr>
+              <a:t>to</a:t>
+            </a:r>
+            <a:r>
+              <a:rPr lang="en-US" sz="1800" spc="-5" dirty="0">
+                <a:effectLst/>
+                <a:latin typeface="Times New Roman" panose="02020603050405020304" pitchFamily="18" charset="0"/>
+                <a:ea typeface="Times New Roman" panose="02020603050405020304" pitchFamily="18" charset="0"/>
+              </a:rPr>
+              <a:t> </a:t>
+            </a:r>
+            <a:r>
+              <a:rPr lang="en-US" sz="1800" dirty="0">
+                <a:effectLst/>
+                <a:latin typeface="Times New Roman" panose="02020603050405020304" pitchFamily="18" charset="0"/>
+                <a:ea typeface="Times New Roman" panose="02020603050405020304" pitchFamily="18" charset="0"/>
+              </a:rPr>
+              <a:t>package</a:t>
+            </a:r>
+            <a:r>
+              <a:rPr lang="en-US" sz="1800" spc="-10" dirty="0">
+                <a:effectLst/>
+                <a:latin typeface="Times New Roman" panose="02020603050405020304" pitchFamily="18" charset="0"/>
+                <a:ea typeface="Times New Roman" panose="02020603050405020304" pitchFamily="18" charset="0"/>
+              </a:rPr>
+              <a:t> </a:t>
+            </a:r>
+            <a:r>
+              <a:rPr lang="en-US" sz="1800" dirty="0">
+                <a:effectLst/>
+                <a:latin typeface="Times New Roman" panose="02020603050405020304" pitchFamily="18" charset="0"/>
+                <a:ea typeface="Times New Roman" panose="02020603050405020304" pitchFamily="18" charset="0"/>
+              </a:rPr>
+              <a:t>our</a:t>
+            </a:r>
+            <a:r>
+              <a:rPr lang="en-US" sz="1800" spc="-5" dirty="0">
+                <a:effectLst/>
+                <a:latin typeface="Times New Roman" panose="02020603050405020304" pitchFamily="18" charset="0"/>
+                <a:ea typeface="Times New Roman" panose="02020603050405020304" pitchFamily="18" charset="0"/>
+              </a:rPr>
+              <a:t> </a:t>
+            </a:r>
+            <a:r>
+              <a:rPr lang="en-US" sz="1800" dirty="0">
+                <a:effectLst/>
+                <a:latin typeface="Times New Roman" panose="02020603050405020304" pitchFamily="18" charset="0"/>
+                <a:ea typeface="Times New Roman" panose="02020603050405020304" pitchFamily="18" charset="0"/>
+              </a:rPr>
+              <a:t>app.</a:t>
+            </a:r>
+            <a:r>
+              <a:rPr lang="en-US" sz="1800" spc="5" dirty="0">
+                <a:effectLst/>
+                <a:latin typeface="Times New Roman" panose="02020603050405020304" pitchFamily="18" charset="0"/>
+                <a:ea typeface="Times New Roman" panose="02020603050405020304" pitchFamily="18" charset="0"/>
+              </a:rPr>
+              <a:t> </a:t>
+            </a:r>
+            <a:r>
+              <a:rPr lang="en-US" sz="1800" dirty="0">
+                <a:effectLst/>
+                <a:latin typeface="Times New Roman" panose="02020603050405020304" pitchFamily="18" charset="0"/>
+                <a:ea typeface="Times New Roman" panose="02020603050405020304" pitchFamily="18" charset="0"/>
+              </a:rPr>
+              <a:t>We</a:t>
+            </a:r>
+            <a:r>
+              <a:rPr lang="en-US" sz="1800" spc="-10" dirty="0">
+                <a:effectLst/>
+                <a:latin typeface="Times New Roman" panose="02020603050405020304" pitchFamily="18" charset="0"/>
+                <a:ea typeface="Times New Roman" panose="02020603050405020304" pitchFamily="18" charset="0"/>
+              </a:rPr>
+              <a:t> </a:t>
+            </a:r>
+            <a:r>
+              <a:rPr lang="en-US" sz="1800" dirty="0">
+                <a:effectLst/>
+                <a:latin typeface="Times New Roman" panose="02020603050405020304" pitchFamily="18" charset="0"/>
+                <a:ea typeface="Times New Roman" panose="02020603050405020304" pitchFamily="18" charset="0"/>
+              </a:rPr>
+              <a:t>will</a:t>
+            </a:r>
+            <a:r>
+              <a:rPr lang="en-US" sz="1800" spc="-5" dirty="0">
+                <a:effectLst/>
+                <a:latin typeface="Times New Roman" panose="02020603050405020304" pitchFamily="18" charset="0"/>
+                <a:ea typeface="Times New Roman" panose="02020603050405020304" pitchFamily="18" charset="0"/>
+              </a:rPr>
+              <a:t> </a:t>
+            </a:r>
+            <a:r>
+              <a:rPr lang="en-US" sz="1800" dirty="0">
+                <a:effectLst/>
+                <a:latin typeface="Times New Roman" panose="02020603050405020304" pitchFamily="18" charset="0"/>
+                <a:ea typeface="Times New Roman" panose="02020603050405020304" pitchFamily="18" charset="0"/>
+              </a:rPr>
+              <a:t>use</a:t>
+            </a:r>
+            <a:r>
+              <a:rPr lang="en-US" sz="1800" spc="-10" dirty="0">
+                <a:effectLst/>
+                <a:latin typeface="Times New Roman" panose="02020603050405020304" pitchFamily="18" charset="0"/>
+                <a:ea typeface="Times New Roman" panose="02020603050405020304" pitchFamily="18" charset="0"/>
+              </a:rPr>
+              <a:t> </a:t>
+            </a:r>
+            <a:r>
+              <a:rPr lang="en-US" sz="1800" dirty="0">
+                <a:effectLst/>
+                <a:latin typeface="Times New Roman" panose="02020603050405020304" pitchFamily="18" charset="0"/>
+                <a:ea typeface="Times New Roman" panose="02020603050405020304" pitchFamily="18" charset="0"/>
+              </a:rPr>
+              <a:t>C++</a:t>
+            </a:r>
+            <a:r>
+              <a:rPr lang="en-US" sz="1800" spc="-10" dirty="0">
+                <a:effectLst/>
+                <a:latin typeface="Times New Roman" panose="02020603050405020304" pitchFamily="18" charset="0"/>
+                <a:ea typeface="Times New Roman" panose="02020603050405020304" pitchFamily="18" charset="0"/>
+              </a:rPr>
+              <a:t> </a:t>
+            </a:r>
+            <a:r>
+              <a:rPr lang="en-US" sz="1800" dirty="0">
+                <a:effectLst/>
+                <a:latin typeface="Times New Roman" panose="02020603050405020304" pitchFamily="18" charset="0"/>
+                <a:ea typeface="Times New Roman" panose="02020603050405020304" pitchFamily="18" charset="0"/>
+              </a:rPr>
+              <a:t>concept</a:t>
+            </a:r>
+            <a:r>
+              <a:rPr lang="en-US" sz="1800" spc="5" dirty="0">
+                <a:effectLst/>
+                <a:latin typeface="Times New Roman" panose="02020603050405020304" pitchFamily="18" charset="0"/>
+                <a:ea typeface="Times New Roman" panose="02020603050405020304" pitchFamily="18" charset="0"/>
+              </a:rPr>
+              <a:t> </a:t>
+            </a:r>
+            <a:r>
+              <a:rPr lang="en-US" sz="1800" dirty="0">
+                <a:effectLst/>
+                <a:latin typeface="Times New Roman" panose="02020603050405020304" pitchFamily="18" charset="0"/>
+                <a:ea typeface="Times New Roman" panose="02020603050405020304" pitchFamily="18" charset="0"/>
+              </a:rPr>
+              <a:t>and</a:t>
+            </a:r>
+            <a:r>
+              <a:rPr lang="en-US" sz="1800" spc="-5" dirty="0">
+                <a:effectLst/>
+                <a:latin typeface="Times New Roman" panose="02020603050405020304" pitchFamily="18" charset="0"/>
+                <a:ea typeface="Times New Roman" panose="02020603050405020304" pitchFamily="18" charset="0"/>
+              </a:rPr>
+              <a:t> </a:t>
+            </a:r>
+            <a:r>
+              <a:rPr lang="en-US" sz="1800" dirty="0">
+                <a:effectLst/>
+                <a:latin typeface="Times New Roman" panose="02020603050405020304" pitchFamily="18" charset="0"/>
+                <a:ea typeface="Times New Roman" panose="02020603050405020304" pitchFamily="18" charset="0"/>
+              </a:rPr>
+              <a:t>this</a:t>
+            </a:r>
+            <a:r>
+              <a:rPr lang="en-US" sz="1800" spc="-5" dirty="0">
+                <a:effectLst/>
+                <a:latin typeface="Times New Roman" panose="02020603050405020304" pitchFamily="18" charset="0"/>
+                <a:ea typeface="Times New Roman" panose="02020603050405020304" pitchFamily="18" charset="0"/>
+              </a:rPr>
+              <a:t> </a:t>
+            </a:r>
+            <a:r>
+              <a:rPr lang="en-US" sz="1800" dirty="0">
+                <a:effectLst/>
+                <a:latin typeface="Times New Roman" panose="02020603050405020304" pitchFamily="18" charset="0"/>
+                <a:ea typeface="Times New Roman" panose="02020603050405020304" pitchFamily="18" charset="0"/>
+              </a:rPr>
+              <a:t>problem</a:t>
+            </a:r>
+            <a:r>
+              <a:rPr lang="en-US" sz="1800" spc="-15" dirty="0">
+                <a:effectLst/>
+                <a:latin typeface="Times New Roman" panose="02020603050405020304" pitchFamily="18" charset="0"/>
+                <a:ea typeface="Times New Roman" panose="02020603050405020304" pitchFamily="18" charset="0"/>
+              </a:rPr>
+              <a:t> </a:t>
+            </a:r>
+            <a:r>
+              <a:rPr lang="en-US" sz="1800" dirty="0">
+                <a:effectLst/>
+                <a:latin typeface="Times New Roman" panose="02020603050405020304" pitchFamily="18" charset="0"/>
+                <a:ea typeface="Times New Roman" panose="02020603050405020304" pitchFamily="18" charset="0"/>
+              </a:rPr>
+              <a:t>is</a:t>
+            </a:r>
+            <a:r>
+              <a:rPr lang="en-US" sz="1800" spc="-290" dirty="0">
+                <a:effectLst/>
+                <a:latin typeface="Times New Roman" panose="02020603050405020304" pitchFamily="18" charset="0"/>
+                <a:ea typeface="Times New Roman" panose="02020603050405020304" pitchFamily="18" charset="0"/>
+              </a:rPr>
+              <a:t> </a:t>
+            </a:r>
+            <a:r>
+              <a:rPr lang="en-US" sz="1800" dirty="0">
+                <a:effectLst/>
+                <a:latin typeface="Times New Roman" panose="02020603050405020304" pitchFamily="18" charset="0"/>
+                <a:ea typeface="Times New Roman" panose="02020603050405020304" pitchFamily="18" charset="0"/>
+              </a:rPr>
+              <a:t>solved. This problem is solved in future the people give the importance for then people choose the any</a:t>
+            </a:r>
+            <a:r>
+              <a:rPr lang="en-US" sz="1800" spc="-285" dirty="0">
+                <a:effectLst/>
+                <a:latin typeface="Times New Roman" panose="02020603050405020304" pitchFamily="18" charset="0"/>
+                <a:ea typeface="Times New Roman" panose="02020603050405020304" pitchFamily="18" charset="0"/>
+              </a:rPr>
+              <a:t> </a:t>
+            </a:r>
+            <a:r>
+              <a:rPr lang="en-US" sz="1800" dirty="0">
+                <a:effectLst/>
+                <a:latin typeface="Times New Roman" panose="02020603050405020304" pitchFamily="18" charset="0"/>
+                <a:ea typeface="Times New Roman" panose="02020603050405020304" pitchFamily="18" charset="0"/>
+              </a:rPr>
+              <a:t>option.</a:t>
+            </a:r>
+            <a:r>
+              <a:rPr lang="en-US" sz="1800" spc="195" dirty="0">
+                <a:effectLst/>
+                <a:latin typeface="Times New Roman" panose="02020603050405020304" pitchFamily="18" charset="0"/>
+                <a:ea typeface="Times New Roman" panose="02020603050405020304" pitchFamily="18" charset="0"/>
+              </a:rPr>
+              <a:t> </a:t>
+            </a:r>
+            <a:r>
+              <a:rPr lang="en-US" sz="1800" dirty="0">
+                <a:effectLst/>
+                <a:latin typeface="Times New Roman" panose="02020603050405020304" pitchFamily="18" charset="0"/>
+                <a:ea typeface="Times New Roman" panose="02020603050405020304" pitchFamily="18" charset="0"/>
+              </a:rPr>
+              <a:t>We</a:t>
+            </a:r>
+            <a:r>
+              <a:rPr lang="en-US" sz="1800" spc="-45" dirty="0">
+                <a:effectLst/>
+                <a:latin typeface="Times New Roman" panose="02020603050405020304" pitchFamily="18" charset="0"/>
+                <a:ea typeface="Times New Roman" panose="02020603050405020304" pitchFamily="18" charset="0"/>
+              </a:rPr>
+              <a:t> </a:t>
+            </a:r>
+            <a:r>
+              <a:rPr lang="en-US" sz="1800" dirty="0">
+                <a:effectLst/>
+                <a:latin typeface="Times New Roman" panose="02020603050405020304" pitchFamily="18" charset="0"/>
+                <a:ea typeface="Times New Roman" panose="02020603050405020304" pitchFamily="18" charset="0"/>
+              </a:rPr>
+              <a:t>have</a:t>
+            </a:r>
+            <a:r>
+              <a:rPr lang="en-US" sz="1800" spc="-45" dirty="0">
+                <a:effectLst/>
+                <a:latin typeface="Times New Roman" panose="02020603050405020304" pitchFamily="18" charset="0"/>
+                <a:ea typeface="Times New Roman" panose="02020603050405020304" pitchFamily="18" charset="0"/>
+              </a:rPr>
+              <a:t> </a:t>
+            </a:r>
+            <a:r>
+              <a:rPr lang="en-US" sz="1800" dirty="0">
+                <a:effectLst/>
+                <a:latin typeface="Times New Roman" panose="02020603050405020304" pitchFamily="18" charset="0"/>
+                <a:ea typeface="Times New Roman" panose="02020603050405020304" pitchFamily="18" charset="0"/>
+              </a:rPr>
+              <a:t>seen</a:t>
+            </a:r>
+            <a:r>
+              <a:rPr lang="en-US" sz="1800" spc="-40" dirty="0">
+                <a:effectLst/>
+                <a:latin typeface="Times New Roman" panose="02020603050405020304" pitchFamily="18" charset="0"/>
+                <a:ea typeface="Times New Roman" panose="02020603050405020304" pitchFamily="18" charset="0"/>
+              </a:rPr>
+              <a:t> </a:t>
+            </a:r>
+            <a:r>
+              <a:rPr lang="en-US" sz="1800" dirty="0">
+                <a:effectLst/>
+                <a:latin typeface="Times New Roman" panose="02020603050405020304" pitchFamily="18" charset="0"/>
+                <a:ea typeface="Times New Roman" panose="02020603050405020304" pitchFamily="18" charset="0"/>
+              </a:rPr>
+              <a:t>complete</a:t>
+            </a:r>
+            <a:r>
+              <a:rPr lang="en-US" sz="1800" spc="-60" dirty="0">
+                <a:effectLst/>
+                <a:latin typeface="Times New Roman" panose="02020603050405020304" pitchFamily="18" charset="0"/>
+                <a:ea typeface="Times New Roman" panose="02020603050405020304" pitchFamily="18" charset="0"/>
+              </a:rPr>
+              <a:t> </a:t>
+            </a:r>
+            <a:r>
+              <a:rPr lang="en-US" sz="1800" dirty="0">
+                <a:effectLst/>
+                <a:latin typeface="Times New Roman" panose="02020603050405020304" pitchFamily="18" charset="0"/>
+                <a:ea typeface="Times New Roman" panose="02020603050405020304" pitchFamily="18" charset="0"/>
+              </a:rPr>
+              <a:t>video</a:t>
+            </a:r>
+            <a:r>
+              <a:rPr lang="en-US" sz="1800" spc="-55" dirty="0">
+                <a:effectLst/>
+                <a:latin typeface="Times New Roman" panose="02020603050405020304" pitchFamily="18" charset="0"/>
+                <a:ea typeface="Times New Roman" panose="02020603050405020304" pitchFamily="18" charset="0"/>
+              </a:rPr>
+              <a:t> </a:t>
+            </a:r>
+            <a:r>
+              <a:rPr lang="en-US" sz="1800" dirty="0">
+                <a:effectLst/>
+                <a:latin typeface="Times New Roman" panose="02020603050405020304" pitchFamily="18" charset="0"/>
+                <a:ea typeface="Times New Roman" panose="02020603050405020304" pitchFamily="18" charset="0"/>
+              </a:rPr>
+              <a:t>guide</a:t>
+            </a:r>
+            <a:r>
+              <a:rPr lang="en-US" sz="1800" spc="-40" dirty="0">
+                <a:effectLst/>
+                <a:latin typeface="Times New Roman" panose="02020603050405020304" pitchFamily="18" charset="0"/>
+                <a:ea typeface="Times New Roman" panose="02020603050405020304" pitchFamily="18" charset="0"/>
+              </a:rPr>
+              <a:t> </a:t>
+            </a:r>
+            <a:r>
+              <a:rPr lang="en-US" sz="1800" dirty="0">
+                <a:effectLst/>
+                <a:latin typeface="Times New Roman" panose="02020603050405020304" pitchFamily="18" charset="0"/>
+                <a:ea typeface="Times New Roman" panose="02020603050405020304" pitchFamily="18" charset="0"/>
+              </a:rPr>
+              <a:t>for</a:t>
+            </a:r>
+            <a:r>
+              <a:rPr lang="en-US" sz="1800" spc="-45" dirty="0">
+                <a:effectLst/>
+                <a:latin typeface="Times New Roman" panose="02020603050405020304" pitchFamily="18" charset="0"/>
+                <a:ea typeface="Times New Roman" panose="02020603050405020304" pitchFamily="18" charset="0"/>
+              </a:rPr>
+              <a:t> </a:t>
+            </a:r>
+            <a:r>
+              <a:rPr lang="en-US" sz="1800" dirty="0">
+                <a:effectLst/>
+                <a:latin typeface="Times New Roman" panose="02020603050405020304" pitchFamily="18" charset="0"/>
+                <a:ea typeface="Times New Roman" panose="02020603050405020304" pitchFamily="18" charset="0"/>
+              </a:rPr>
+              <a:t>how</a:t>
+            </a:r>
+            <a:r>
+              <a:rPr lang="en-US" sz="1800" spc="-55" dirty="0">
+                <a:effectLst/>
+                <a:latin typeface="Times New Roman" panose="02020603050405020304" pitchFamily="18" charset="0"/>
+                <a:ea typeface="Times New Roman" panose="02020603050405020304" pitchFamily="18" charset="0"/>
+              </a:rPr>
+              <a:t> </a:t>
+            </a:r>
+            <a:r>
+              <a:rPr lang="en-US" sz="1800" dirty="0">
+                <a:effectLst/>
+                <a:latin typeface="Times New Roman" panose="02020603050405020304" pitchFamily="18" charset="0"/>
+                <a:ea typeface="Times New Roman" panose="02020603050405020304" pitchFamily="18" charset="0"/>
+              </a:rPr>
+              <a:t>to</a:t>
+            </a:r>
+            <a:r>
+              <a:rPr lang="en-US" sz="1800" spc="-50" dirty="0">
+                <a:effectLst/>
+                <a:latin typeface="Times New Roman" panose="02020603050405020304" pitchFamily="18" charset="0"/>
+                <a:ea typeface="Times New Roman" panose="02020603050405020304" pitchFamily="18" charset="0"/>
+              </a:rPr>
+              <a:t> </a:t>
+            </a:r>
+            <a:r>
+              <a:rPr lang="en-US" sz="1800" dirty="0">
+                <a:effectLst/>
+                <a:latin typeface="Times New Roman" panose="02020603050405020304" pitchFamily="18" charset="0"/>
+                <a:ea typeface="Times New Roman" panose="02020603050405020304" pitchFamily="18" charset="0"/>
+              </a:rPr>
+              <a:t>problem</a:t>
+            </a:r>
+            <a:r>
+              <a:rPr lang="en-US" sz="1800" spc="-35" dirty="0">
+                <a:effectLst/>
+                <a:latin typeface="Times New Roman" panose="02020603050405020304" pitchFamily="18" charset="0"/>
+                <a:ea typeface="Times New Roman" panose="02020603050405020304" pitchFamily="18" charset="0"/>
+              </a:rPr>
+              <a:t> </a:t>
+            </a:r>
+            <a:r>
+              <a:rPr lang="en-US" sz="1800" dirty="0">
+                <a:effectLst/>
+                <a:latin typeface="Times New Roman" panose="02020603050405020304" pitchFamily="18" charset="0"/>
+                <a:ea typeface="Times New Roman" panose="02020603050405020304" pitchFamily="18" charset="0"/>
+              </a:rPr>
+              <a:t>is</a:t>
+            </a:r>
+            <a:r>
+              <a:rPr lang="en-US" sz="1800" spc="-45" dirty="0">
+                <a:effectLst/>
+                <a:latin typeface="Times New Roman" panose="02020603050405020304" pitchFamily="18" charset="0"/>
+                <a:ea typeface="Times New Roman" panose="02020603050405020304" pitchFamily="18" charset="0"/>
+              </a:rPr>
+              <a:t> </a:t>
+            </a:r>
+            <a:r>
+              <a:rPr lang="en-US" sz="1800" dirty="0">
+                <a:effectLst/>
+                <a:latin typeface="Times New Roman" panose="02020603050405020304" pitchFamily="18" charset="0"/>
+                <a:ea typeface="Times New Roman" panose="02020603050405020304" pitchFamily="18" charset="0"/>
+              </a:rPr>
+              <a:t>solved.</a:t>
+            </a:r>
+            <a:r>
+              <a:rPr lang="en-US" sz="1800" spc="-30" dirty="0">
+                <a:effectLst/>
+                <a:latin typeface="Times New Roman" panose="02020603050405020304" pitchFamily="18" charset="0"/>
+                <a:ea typeface="Times New Roman" panose="02020603050405020304" pitchFamily="18" charset="0"/>
+              </a:rPr>
+              <a:t> </a:t>
+            </a:r>
+            <a:r>
+              <a:rPr lang="en-US" sz="1800" dirty="0">
+                <a:effectLst/>
+                <a:latin typeface="Times New Roman" panose="02020603050405020304" pitchFamily="18" charset="0"/>
+                <a:ea typeface="Times New Roman" panose="02020603050405020304" pitchFamily="18" charset="0"/>
+              </a:rPr>
+              <a:t>We</a:t>
+            </a:r>
+            <a:r>
+              <a:rPr lang="en-US" sz="1800" spc="-55" dirty="0">
+                <a:effectLst/>
+                <a:latin typeface="Times New Roman" panose="02020603050405020304" pitchFamily="18" charset="0"/>
+                <a:ea typeface="Times New Roman" panose="02020603050405020304" pitchFamily="18" charset="0"/>
+              </a:rPr>
+              <a:t> </a:t>
+            </a:r>
+            <a:r>
+              <a:rPr lang="en-US" sz="1800" dirty="0">
+                <a:effectLst/>
+                <a:latin typeface="Times New Roman" panose="02020603050405020304" pitchFamily="18" charset="0"/>
+                <a:ea typeface="Times New Roman" panose="02020603050405020304" pitchFamily="18" charset="0"/>
+              </a:rPr>
+              <a:t>will</a:t>
+            </a:r>
+            <a:r>
+              <a:rPr lang="en-US" sz="1800" spc="-45" dirty="0">
+                <a:effectLst/>
+                <a:latin typeface="Times New Roman" panose="02020603050405020304" pitchFamily="18" charset="0"/>
+                <a:ea typeface="Times New Roman" panose="02020603050405020304" pitchFamily="18" charset="0"/>
+              </a:rPr>
+              <a:t> </a:t>
+            </a:r>
+            <a:r>
+              <a:rPr lang="en-US" sz="1800" dirty="0">
+                <a:effectLst/>
+                <a:latin typeface="Times New Roman" panose="02020603050405020304" pitchFamily="18" charset="0"/>
+                <a:ea typeface="Times New Roman" panose="02020603050405020304" pitchFamily="18" charset="0"/>
+              </a:rPr>
+              <a:t>discuss</a:t>
+            </a:r>
+            <a:r>
+              <a:rPr lang="en-US" sz="1800" spc="-55" dirty="0">
+                <a:effectLst/>
+                <a:latin typeface="Times New Roman" panose="02020603050405020304" pitchFamily="18" charset="0"/>
+                <a:ea typeface="Times New Roman" panose="02020603050405020304" pitchFamily="18" charset="0"/>
+              </a:rPr>
+              <a:t> </a:t>
+            </a:r>
+            <a:r>
+              <a:rPr lang="en-US" sz="1800" dirty="0">
+                <a:effectLst/>
+                <a:latin typeface="Times New Roman" panose="02020603050405020304" pitchFamily="18" charset="0"/>
+                <a:ea typeface="Times New Roman" panose="02020603050405020304" pitchFamily="18" charset="0"/>
+              </a:rPr>
+              <a:t>this</a:t>
+            </a:r>
+            <a:r>
+              <a:rPr lang="en-US" sz="1800" spc="-50" dirty="0">
+                <a:effectLst/>
+                <a:latin typeface="Times New Roman" panose="02020603050405020304" pitchFamily="18" charset="0"/>
+                <a:ea typeface="Times New Roman" panose="02020603050405020304" pitchFamily="18" charset="0"/>
+              </a:rPr>
+              <a:t> </a:t>
+            </a:r>
+            <a:r>
+              <a:rPr lang="en-US" sz="1800" dirty="0">
+                <a:effectLst/>
+                <a:latin typeface="Times New Roman" panose="02020603050405020304" pitchFamily="18" charset="0"/>
+                <a:ea typeface="Times New Roman" panose="02020603050405020304" pitchFamily="18" charset="0"/>
+              </a:rPr>
+              <a:t>problem</a:t>
+            </a:r>
+            <a:r>
+              <a:rPr lang="en-US" sz="1800" spc="-285" dirty="0">
+                <a:effectLst/>
+                <a:latin typeface="Times New Roman" panose="02020603050405020304" pitchFamily="18" charset="0"/>
+                <a:ea typeface="Times New Roman" panose="02020603050405020304" pitchFamily="18" charset="0"/>
+              </a:rPr>
+              <a:t> </a:t>
+            </a:r>
+            <a:r>
+              <a:rPr lang="en-US" sz="1800" dirty="0">
+                <a:effectLst/>
+                <a:latin typeface="Times New Roman" panose="02020603050405020304" pitchFamily="18" charset="0"/>
+                <a:ea typeface="Times New Roman" panose="02020603050405020304" pitchFamily="18" charset="0"/>
+              </a:rPr>
+              <a:t>for</a:t>
+            </a:r>
+            <a:r>
+              <a:rPr lang="en-US" sz="1800" spc="-15" dirty="0">
+                <a:effectLst/>
+                <a:latin typeface="Times New Roman" panose="02020603050405020304" pitchFamily="18" charset="0"/>
+                <a:ea typeface="Times New Roman" panose="02020603050405020304" pitchFamily="18" charset="0"/>
+              </a:rPr>
+              <a:t> </a:t>
+            </a:r>
+            <a:r>
+              <a:rPr lang="en-US" sz="1800" dirty="0">
+                <a:effectLst/>
+                <a:latin typeface="Times New Roman" panose="02020603050405020304" pitchFamily="18" charset="0"/>
+                <a:ea typeface="Times New Roman" panose="02020603050405020304" pitchFamily="18" charset="0"/>
+              </a:rPr>
+              <a:t>teacher.</a:t>
+            </a:r>
+            <a:endParaRPr lang="en-US" dirty="0">
+              <a:latin typeface="Times New Roman" panose="02020603050405020304" pitchFamily="18" charset="0"/>
+              <a:ea typeface="Times New Roman" panose="02020603050405020304" pitchFamily="18" charset="0"/>
+            </a:endParaRPr>
+          </a:p>
+          <a:p>
+            <a:pPr marL="63500" marR="144780" indent="410210" algn="just">
+              <a:lnSpc>
+                <a:spcPct val="120000"/>
+              </a:lnSpc>
+              <a:spcBef>
+                <a:spcPts val="450"/>
+              </a:spcBef>
+              <a:spcAft>
+                <a:spcPts val="0"/>
+              </a:spcAft>
+            </a:pPr>
+            <a:endParaRPr lang="en-US" sz="1800" dirty="0">
+              <a:effectLst/>
+              <a:latin typeface="Times New Roman" panose="02020603050405020304" pitchFamily="18" charset="0"/>
+              <a:ea typeface="Times New Roman" panose="02020603050405020304" pitchFamily="18" charset="0"/>
+            </a:endParaRPr>
+          </a:p>
+          <a:p>
+            <a:pPr marL="63500" marR="144780" indent="410210" algn="just">
+              <a:lnSpc>
+                <a:spcPct val="120000"/>
+              </a:lnSpc>
+              <a:spcBef>
+                <a:spcPts val="450"/>
+              </a:spcBef>
+              <a:spcAft>
+                <a:spcPts val="0"/>
+              </a:spcAft>
+            </a:pPr>
+            <a:r>
+              <a:rPr lang="en-US" dirty="0">
+                <a:latin typeface="Times New Roman" panose="02020603050405020304" pitchFamily="18" charset="0"/>
+                <a:ea typeface="Times New Roman" panose="02020603050405020304" pitchFamily="18" charset="0"/>
+              </a:rPr>
+              <a:t>Hardware Requirement: -</a:t>
+            </a:r>
+          </a:p>
+          <a:p>
+            <a:pPr marL="463550" marR="144780" lvl="1" indent="410210" algn="just">
+              <a:lnSpc>
+                <a:spcPct val="120000"/>
+              </a:lnSpc>
+              <a:spcBef>
+                <a:spcPts val="450"/>
+              </a:spcBef>
+            </a:pPr>
+            <a:r>
+              <a:rPr lang="en-US" dirty="0">
+                <a:effectLst/>
+                <a:latin typeface="Times New Roman" panose="02020603050405020304" pitchFamily="18" charset="0"/>
+                <a:ea typeface="Times New Roman" panose="02020603050405020304" pitchFamily="18" charset="0"/>
+              </a:rPr>
+              <a:t>Laptop G15</a:t>
+            </a:r>
+          </a:p>
+          <a:p>
+            <a:pPr marL="463550" marR="144780" lvl="1" indent="410210" algn="just">
+              <a:lnSpc>
+                <a:spcPct val="120000"/>
+              </a:lnSpc>
+              <a:spcBef>
+                <a:spcPts val="450"/>
+              </a:spcBef>
+            </a:pPr>
+            <a:r>
+              <a:rPr lang="en-US" dirty="0">
+                <a:effectLst/>
+                <a:latin typeface="Times New Roman" panose="02020603050405020304" pitchFamily="18" charset="0"/>
+                <a:ea typeface="Times New Roman" panose="02020603050405020304" pitchFamily="18" charset="0"/>
+              </a:rPr>
+              <a:t>Processor i5</a:t>
+            </a:r>
+          </a:p>
+          <a:p>
+            <a:pPr marL="463550" marR="144780" lvl="1" indent="410210" algn="just">
+              <a:lnSpc>
+                <a:spcPct val="120000"/>
+              </a:lnSpc>
+              <a:spcBef>
+                <a:spcPts val="450"/>
+              </a:spcBef>
+            </a:pPr>
+            <a:endParaRPr lang="en-US" dirty="0">
+              <a:effectLst/>
+              <a:latin typeface="Times New Roman" panose="02020603050405020304" pitchFamily="18" charset="0"/>
+              <a:ea typeface="Times New Roman" panose="02020603050405020304" pitchFamily="18" charset="0"/>
+            </a:endParaRPr>
+          </a:p>
+          <a:p>
+            <a:pPr marL="63500" marR="144780" indent="410210" algn="just">
+              <a:lnSpc>
+                <a:spcPct val="120000"/>
+              </a:lnSpc>
+              <a:spcBef>
+                <a:spcPts val="450"/>
+              </a:spcBef>
+              <a:spcAft>
+                <a:spcPts val="0"/>
+              </a:spcAft>
+            </a:pPr>
+            <a:r>
+              <a:rPr lang="en-US" dirty="0">
+                <a:latin typeface="Times New Roman" panose="02020603050405020304" pitchFamily="18" charset="0"/>
+                <a:ea typeface="Times New Roman" panose="02020603050405020304" pitchFamily="18" charset="0"/>
+              </a:rPr>
+              <a:t>Software Requirement: -</a:t>
+            </a:r>
+          </a:p>
+          <a:p>
+            <a:pPr marL="463550" marR="144780" lvl="1" indent="410210" algn="just">
+              <a:lnSpc>
+                <a:spcPct val="120000"/>
+              </a:lnSpc>
+              <a:spcBef>
+                <a:spcPts val="450"/>
+              </a:spcBef>
+            </a:pPr>
+            <a:r>
+              <a:rPr lang="en-US" dirty="0">
+                <a:latin typeface="Times New Roman" panose="02020603050405020304" pitchFamily="18" charset="0"/>
+                <a:ea typeface="Times New Roman" panose="02020603050405020304" pitchFamily="18" charset="0"/>
+              </a:rPr>
+              <a:t>Language : - C++</a:t>
+            </a:r>
+          </a:p>
+          <a:p>
+            <a:pPr marL="63500" marR="144780" indent="410210" algn="just">
+              <a:lnSpc>
+                <a:spcPct val="120000"/>
+              </a:lnSpc>
+              <a:spcBef>
+                <a:spcPts val="450"/>
+              </a:spcBef>
+              <a:spcAft>
+                <a:spcPts val="0"/>
+              </a:spcAft>
+            </a:pPr>
+            <a:endParaRPr lang="en-US" sz="1800" dirty="0">
+              <a:effectLst/>
+              <a:latin typeface="Times New Roman" panose="02020603050405020304" pitchFamily="18" charset="0"/>
+              <a:ea typeface="Times New Roman" panose="02020603050405020304" pitchFamily="18" charset="0"/>
+            </a:endParaRPr>
+          </a:p>
+          <a:p>
+            <a:pPr marL="63500" marR="144780" indent="410210" algn="just">
+              <a:lnSpc>
+                <a:spcPct val="120000"/>
+              </a:lnSpc>
+              <a:spcBef>
+                <a:spcPts val="450"/>
+              </a:spcBef>
+              <a:spcAft>
+                <a:spcPts val="0"/>
+              </a:spcAft>
+            </a:pPr>
+            <a:endParaRPr lang="en-US" dirty="0">
+              <a:latin typeface="Times New Roman" panose="02020603050405020304" pitchFamily="18" charset="0"/>
+              <a:ea typeface="Times New Roman" panose="02020603050405020304" pitchFamily="18" charset="0"/>
+            </a:endParaRPr>
+          </a:p>
+          <a:p>
+            <a:pPr marL="63500" marR="144780" indent="410210" algn="just">
+              <a:lnSpc>
+                <a:spcPct val="120000"/>
+              </a:lnSpc>
+              <a:spcBef>
+                <a:spcPts val="450"/>
+              </a:spcBef>
+              <a:spcAft>
+                <a:spcPts val="0"/>
+              </a:spcAft>
+            </a:pPr>
+            <a:endParaRPr lang="en-IN" sz="1800" dirty="0">
+              <a:effectLst/>
+              <a:latin typeface="Times New Roman" panose="02020603050405020304" pitchFamily="18" charset="0"/>
+              <a:ea typeface="Times New Roman" panose="02020603050405020304" pitchFamily="18" charset="0"/>
+            </a:endParaRPr>
+          </a:p>
+          <a:p>
+            <a:endParaRPr lang="en-IN" dirty="0"/>
+          </a:p>
+        </p:txBody>
+      </p:sp>
+    </p:spTree>
+    <p:extLst>
+      <p:ext uri="{BB962C8B-B14F-4D97-AF65-F5344CB8AC3E}">
+        <p14:creationId xmlns:p14="http://schemas.microsoft.com/office/powerpoint/2010/main" val="1861275512"/>
+      </p:ext>
+    </p:extLst>
+  </p:cSld>
+  <p:clrMapOvr>
+    <a:masterClrMapping/>
+  </p:clrMapOvr>
+</p:sld>
+</file>
+
+<file path=ppt/slides/slide8.xml><?xml version="1.0" encoding="utf-8"?>
+<p:sld xmlns:a="http://schemas.openxmlformats.org/drawingml/2006/main" xmlns:r="http://schemas.openxmlformats.org/officeDocument/2006/relationships" xmlns:p="http://schemas.openxmlformats.org/presentationml/2006/main">
+  <p:cSld>
+    <p:spTree>
+      <p:nvGrpSpPr>
+        <p:cNvPr id="1" name=""/>
+        <p:cNvGrpSpPr/>
+        <p:nvPr/>
+      </p:nvGrpSpPr>
+      <p:grpSpPr>
+        <a:xfrm>
+          <a:off x="0" y="0"/>
+          <a:ext cx="0" cy="0"/>
+          <a:chOff x="0" y="0"/>
+          <a:chExt cx="0" cy="0"/>
+        </a:xfrm>
+      </p:grpSpPr>
+      <p:sp>
+        <p:nvSpPr>
+          <p:cNvPr id="3" name="Content Placeholder 2">
+            <a:extLst>
+              <a:ext uri="{FF2B5EF4-FFF2-40B4-BE49-F238E27FC236}">
+                <a16:creationId xmlns:a16="http://schemas.microsoft.com/office/drawing/2014/main" id="{2C4FAAD4-B679-77B8-5D0C-7C7FA0F5863C}"/>
+              </a:ext>
+            </a:extLst>
+          </p:cNvPr>
+          <p:cNvSpPr>
+            <a:spLocks noGrp="1"/>
+          </p:cNvSpPr>
+          <p:nvPr>
+            <p:ph idx="1"/>
+          </p:nvPr>
+        </p:nvSpPr>
+        <p:spPr>
+          <a:xfrm>
+            <a:off x="1435608" y="1408176"/>
+            <a:ext cx="9803828" cy="4548766"/>
+          </a:xfrm>
+        </p:spPr>
+        <p:txBody>
+          <a:bodyPr>
+            <a:normAutofit/>
+          </a:bodyPr>
+          <a:lstStyle/>
+          <a:p>
+            <a:r>
+              <a:rPr lang="en-IN" sz="2000" b="1" dirty="0">
+                <a:solidFill>
+                  <a:srgbClr val="FF0000"/>
+                </a:solidFill>
+                <a:latin typeface="Times New Roman" panose="02020603050405020304" pitchFamily="18" charset="0"/>
+                <a:cs typeface="Times New Roman" panose="02020603050405020304" pitchFamily="18" charset="0"/>
+              </a:rPr>
+              <a:t>Objective</a:t>
+            </a:r>
+          </a:p>
+          <a:p>
+            <a:pPr marL="457200" lvl="1" indent="0">
+              <a:buNone/>
+            </a:pPr>
+            <a:r>
+              <a:rPr lang="en-IN" sz="1800" dirty="0">
+                <a:latin typeface="Times New Roman" panose="02020603050405020304" pitchFamily="18" charset="0"/>
+                <a:cs typeface="Times New Roman" panose="02020603050405020304" pitchFamily="18" charset="0"/>
+              </a:rPr>
+              <a:t>	In Microeconomic theory, the opportunity cost of a particular activity option is the loss of value or benefit that would be incurred (the cost) by engaging in that activity, relative to engaging in an alternative activity offering a higher return in value or benefit. The smaller the opportunity cost, the greater the comparative advantage.</a:t>
+            </a:r>
+          </a:p>
+          <a:p>
+            <a:pPr marL="457200" lvl="1" indent="0">
+              <a:buNone/>
+            </a:pPr>
+            <a:r>
+              <a:rPr lang="en-IN" sz="1800" dirty="0">
+                <a:latin typeface="Times New Roman" panose="02020603050405020304" pitchFamily="18" charset="0"/>
+                <a:cs typeface="Times New Roman" panose="02020603050405020304" pitchFamily="18" charset="0"/>
+              </a:rPr>
+              <a:t>	 For example, if you buy a car and use it exclusively for travel, you cannot rent it, whereas if you rent it you cannot use it for travel. More simply , it means you give up one thing for another. In basic equation form, opportunity cost can be defined as :</a:t>
+            </a:r>
+          </a:p>
+          <a:p>
+            <a:pPr marL="457200" lvl="1" indent="0">
+              <a:buNone/>
+            </a:pPr>
+            <a:endParaRPr lang="en-IN" sz="1800" dirty="0">
+              <a:latin typeface="Times New Roman" panose="02020603050405020304" pitchFamily="18" charset="0"/>
+              <a:cs typeface="Times New Roman" panose="02020603050405020304" pitchFamily="18" charset="0"/>
+            </a:endParaRPr>
+          </a:p>
+          <a:p>
+            <a:pPr marL="457200" lvl="1" indent="0">
+              <a:buNone/>
+            </a:pPr>
+            <a:r>
+              <a:rPr lang="en-IN" sz="1800" dirty="0">
+                <a:latin typeface="Times New Roman" panose="02020603050405020304" pitchFamily="18" charset="0"/>
+                <a:cs typeface="Times New Roman" panose="02020603050405020304" pitchFamily="18" charset="0"/>
+              </a:rPr>
+              <a:t>Opportunity cost = (return on best forgone option) – (return on chosen option)</a:t>
+            </a:r>
+          </a:p>
+        </p:txBody>
+      </p:sp>
+    </p:spTree>
+    <p:extLst>
+      <p:ext uri="{BB962C8B-B14F-4D97-AF65-F5344CB8AC3E}">
+        <p14:creationId xmlns:p14="http://schemas.microsoft.com/office/powerpoint/2010/main" val="1536177314"/>
+      </p:ext>
+    </p:extLst>
+  </p:cSld>
+  <p:clrMapOvr>
+    <a:masterClrMapping/>
+  </p:clrMapOvr>
+</p:sld>
+</file>
+
+<file path=ppt/slides/slide9.xml><?xml version="1.0" encoding="utf-8"?>
+<p:sld xmlns:a="http://schemas.openxmlformats.org/drawingml/2006/main" xmlns:r="http://schemas.openxmlformats.org/officeDocument/2006/relationships" xmlns:p="http://schemas.openxmlformats.org/presentationml/2006/main">
+  <p:cSld>
+    <p:spTree>
+      <p:nvGrpSpPr>
+        <p:cNvPr id="1" name=""/>
+        <p:cNvGrpSpPr/>
+        <p:nvPr/>
+      </p:nvGrpSpPr>
+      <p:grpSpPr>
+        <a:xfrm>
+          <a:off x="0" y="0"/>
+          <a:ext cx="0" cy="0"/>
+          <a:chOff x="0" y="0"/>
+          <a:chExt cx="0" cy="0"/>
+        </a:xfrm>
+      </p:grpSpPr>
+      <p:sp>
+        <p:nvSpPr>
+          <p:cNvPr id="3" name="Content Placeholder 2">
+            <a:extLst>
+              <a:ext uri="{FF2B5EF4-FFF2-40B4-BE49-F238E27FC236}">
+                <a16:creationId xmlns:a16="http://schemas.microsoft.com/office/drawing/2014/main" id="{7454799E-4476-E438-1DA2-1C2801E9E44E}"/>
+              </a:ext>
+            </a:extLst>
+          </p:cNvPr>
+          <p:cNvSpPr>
+            <a:spLocks noGrp="1"/>
+          </p:cNvSpPr>
+          <p:nvPr>
+            <p:ph idx="1"/>
+          </p:nvPr>
+        </p:nvSpPr>
+        <p:spPr>
+          <a:xfrm>
+            <a:off x="1676400" y="1512443"/>
+            <a:ext cx="10515600" cy="4351338"/>
+          </a:xfrm>
+        </p:spPr>
+        <p:txBody>
+          <a:bodyPr/>
+          <a:lstStyle/>
+          <a:p>
+            <a:pPr marL="148590" algn="l">
+              <a:spcBef>
+                <a:spcPts val="1075"/>
+              </a:spcBef>
+            </a:pPr>
+            <a:r>
+              <a:rPr lang="en-US" sz="2400" b="1" dirty="0">
+                <a:solidFill>
+                  <a:srgbClr val="FF0000"/>
+                </a:solidFill>
+                <a:effectLst/>
+                <a:uFill>
+                  <a:solidFill>
+                    <a:srgbClr val="000000"/>
+                  </a:solidFill>
+                </a:uFill>
+                <a:latin typeface="Times New Roman" panose="02020603050405020304" pitchFamily="18" charset="0"/>
+                <a:ea typeface="Times New Roman" panose="02020603050405020304" pitchFamily="18" charset="0"/>
+              </a:rPr>
+              <a:t>ADVANTAGES:</a:t>
+            </a:r>
+            <a:endParaRPr lang="en-IN" sz="2400" b="1" dirty="0">
+              <a:effectLst/>
+              <a:latin typeface="Times New Roman" panose="02020603050405020304" pitchFamily="18" charset="0"/>
+              <a:ea typeface="Times New Roman" panose="02020603050405020304" pitchFamily="18" charset="0"/>
+            </a:endParaRPr>
+          </a:p>
+          <a:p>
+            <a:pPr marL="342900" lvl="0" indent="-342900">
+              <a:spcBef>
+                <a:spcPts val="450"/>
+              </a:spcBef>
+              <a:spcAft>
+                <a:spcPts val="0"/>
+              </a:spcAft>
+              <a:buSzPts val="1200"/>
+              <a:buFont typeface="Times New Roman" panose="02020603050405020304" pitchFamily="18" charset="0"/>
+              <a:buAutoNum type="arabicPeriod"/>
+              <a:tabLst>
+                <a:tab pos="521335" algn="l"/>
+              </a:tabLst>
+            </a:pPr>
+            <a:r>
+              <a:rPr lang="en-US" sz="2400" dirty="0">
+                <a:effectLst/>
+                <a:latin typeface="Times New Roman" panose="02020603050405020304" pitchFamily="18" charset="0"/>
+                <a:ea typeface="Times New Roman" panose="02020603050405020304" pitchFamily="18" charset="0"/>
+              </a:rPr>
+              <a:t>Awareness</a:t>
+            </a:r>
+            <a:r>
+              <a:rPr lang="en-US" sz="2400" spc="-5" dirty="0">
+                <a:effectLst/>
+                <a:latin typeface="Times New Roman" panose="02020603050405020304" pitchFamily="18" charset="0"/>
+                <a:ea typeface="Times New Roman" panose="02020603050405020304" pitchFamily="18" charset="0"/>
+              </a:rPr>
+              <a:t> </a:t>
+            </a:r>
+            <a:r>
+              <a:rPr lang="en-US" sz="2400" dirty="0">
+                <a:effectLst/>
+                <a:latin typeface="Times New Roman" panose="02020603050405020304" pitchFamily="18" charset="0"/>
+                <a:ea typeface="Times New Roman" panose="02020603050405020304" pitchFamily="18" charset="0"/>
+              </a:rPr>
+              <a:t>of</a:t>
+            </a:r>
+            <a:r>
+              <a:rPr lang="en-US" sz="2400" spc="-5" dirty="0">
+                <a:effectLst/>
+                <a:latin typeface="Times New Roman" panose="02020603050405020304" pitchFamily="18" charset="0"/>
+                <a:ea typeface="Times New Roman" panose="02020603050405020304" pitchFamily="18" charset="0"/>
+              </a:rPr>
+              <a:t> </a:t>
+            </a:r>
+            <a:r>
+              <a:rPr lang="en-US" sz="2400" dirty="0">
+                <a:effectLst/>
+                <a:latin typeface="Times New Roman" panose="02020603050405020304" pitchFamily="18" charset="0"/>
+                <a:ea typeface="Times New Roman" panose="02020603050405020304" pitchFamily="18" charset="0"/>
+              </a:rPr>
+              <a:t>lost</a:t>
+            </a:r>
+            <a:r>
+              <a:rPr lang="en-US" sz="2400" spc="-5" dirty="0">
+                <a:effectLst/>
+                <a:latin typeface="Times New Roman" panose="02020603050405020304" pitchFamily="18" charset="0"/>
+                <a:ea typeface="Times New Roman" panose="02020603050405020304" pitchFamily="18" charset="0"/>
+              </a:rPr>
+              <a:t> </a:t>
+            </a:r>
+            <a:r>
+              <a:rPr lang="en-US" sz="2400" dirty="0">
+                <a:effectLst/>
+                <a:latin typeface="Times New Roman" panose="02020603050405020304" pitchFamily="18" charset="0"/>
+                <a:ea typeface="Times New Roman" panose="02020603050405020304" pitchFamily="18" charset="0"/>
+              </a:rPr>
+              <a:t>Opportunity.</a:t>
+            </a:r>
+            <a:endParaRPr lang="en-IN" sz="2400" dirty="0">
+              <a:effectLst/>
+              <a:latin typeface="Times New Roman" panose="02020603050405020304" pitchFamily="18" charset="0"/>
+              <a:ea typeface="Times New Roman" panose="02020603050405020304" pitchFamily="18" charset="0"/>
+            </a:endParaRPr>
+          </a:p>
+          <a:p>
+            <a:pPr marL="342900" lvl="0" indent="-342900">
+              <a:spcBef>
+                <a:spcPts val="10"/>
+              </a:spcBef>
+              <a:spcAft>
+                <a:spcPts val="0"/>
+              </a:spcAft>
+              <a:buSzPts val="1200"/>
+              <a:buFont typeface="Times New Roman" panose="02020603050405020304" pitchFamily="18" charset="0"/>
+              <a:buAutoNum type="arabicPeriod"/>
+              <a:tabLst>
+                <a:tab pos="521335" algn="l"/>
+              </a:tabLst>
+            </a:pPr>
+            <a:r>
+              <a:rPr lang="en-US" sz="2400" dirty="0">
+                <a:effectLst/>
+                <a:latin typeface="Times New Roman" panose="02020603050405020304" pitchFamily="18" charset="0"/>
+                <a:ea typeface="Times New Roman" panose="02020603050405020304" pitchFamily="18" charset="0"/>
+              </a:rPr>
+              <a:t>Relative</a:t>
+            </a:r>
+            <a:r>
+              <a:rPr lang="en-US" sz="2400" spc="-15" dirty="0">
+                <a:effectLst/>
+                <a:latin typeface="Times New Roman" panose="02020603050405020304" pitchFamily="18" charset="0"/>
+                <a:ea typeface="Times New Roman" panose="02020603050405020304" pitchFamily="18" charset="0"/>
+              </a:rPr>
+              <a:t> </a:t>
+            </a:r>
+            <a:r>
+              <a:rPr lang="en-US" sz="2400" dirty="0">
+                <a:effectLst/>
+                <a:latin typeface="Times New Roman" panose="02020603050405020304" pitchFamily="18" charset="0"/>
+                <a:ea typeface="Times New Roman" panose="02020603050405020304" pitchFamily="18" charset="0"/>
+              </a:rPr>
+              <a:t>price.</a:t>
+            </a:r>
+            <a:endParaRPr lang="en-IN" sz="2400" dirty="0">
+              <a:effectLst/>
+              <a:latin typeface="Times New Roman" panose="02020603050405020304" pitchFamily="18" charset="0"/>
+              <a:ea typeface="Times New Roman" panose="02020603050405020304" pitchFamily="18" charset="0"/>
+            </a:endParaRPr>
+          </a:p>
+          <a:p>
+            <a:pPr marL="342900" lvl="0" indent="-342900">
+              <a:spcBef>
+                <a:spcPts val="25"/>
+              </a:spcBef>
+              <a:spcAft>
+                <a:spcPts val="0"/>
+              </a:spcAft>
+              <a:buSzPts val="1200"/>
+              <a:buFont typeface="Times New Roman" panose="02020603050405020304" pitchFamily="18" charset="0"/>
+              <a:buAutoNum type="arabicPeriod"/>
+              <a:tabLst>
+                <a:tab pos="521335" algn="l"/>
+              </a:tabLst>
+            </a:pPr>
+            <a:r>
+              <a:rPr lang="en-US" sz="2400" dirty="0">
+                <a:effectLst/>
+                <a:latin typeface="Times New Roman" panose="02020603050405020304" pitchFamily="18" charset="0"/>
+                <a:ea typeface="Times New Roman" panose="02020603050405020304" pitchFamily="18" charset="0"/>
+              </a:rPr>
+              <a:t>Evaluation</a:t>
+            </a:r>
+            <a:r>
+              <a:rPr lang="en-US" sz="2400" spc="-10" dirty="0">
+                <a:effectLst/>
+                <a:latin typeface="Times New Roman" panose="02020603050405020304" pitchFamily="18" charset="0"/>
+                <a:ea typeface="Times New Roman" panose="02020603050405020304" pitchFamily="18" charset="0"/>
+              </a:rPr>
+              <a:t> </a:t>
+            </a:r>
+            <a:r>
+              <a:rPr lang="en-US" sz="2400" dirty="0">
+                <a:effectLst/>
+                <a:latin typeface="Times New Roman" panose="02020603050405020304" pitchFamily="18" charset="0"/>
+                <a:ea typeface="Times New Roman" panose="02020603050405020304" pitchFamily="18" charset="0"/>
+              </a:rPr>
+              <a:t>of</a:t>
+            </a:r>
+            <a:r>
+              <a:rPr lang="en-US" sz="2400" spc="-5" dirty="0">
+                <a:effectLst/>
+                <a:latin typeface="Times New Roman" panose="02020603050405020304" pitchFamily="18" charset="0"/>
+                <a:ea typeface="Times New Roman" panose="02020603050405020304" pitchFamily="18" charset="0"/>
+              </a:rPr>
+              <a:t> </a:t>
+            </a:r>
+            <a:r>
+              <a:rPr lang="en-US" sz="2400" dirty="0">
+                <a:effectLst/>
+                <a:latin typeface="Times New Roman" panose="02020603050405020304" pitchFamily="18" charset="0"/>
+                <a:ea typeface="Times New Roman" panose="02020603050405020304" pitchFamily="18" charset="0"/>
+              </a:rPr>
+              <a:t>various</a:t>
+            </a:r>
+            <a:r>
+              <a:rPr lang="en-US" sz="2400" spc="-10" dirty="0">
+                <a:effectLst/>
+                <a:latin typeface="Times New Roman" panose="02020603050405020304" pitchFamily="18" charset="0"/>
+                <a:ea typeface="Times New Roman" panose="02020603050405020304" pitchFamily="18" charset="0"/>
+              </a:rPr>
+              <a:t> </a:t>
+            </a:r>
+            <a:r>
+              <a:rPr lang="en-US" sz="2400" dirty="0">
+                <a:effectLst/>
+                <a:latin typeface="Times New Roman" panose="02020603050405020304" pitchFamily="18" charset="0"/>
+                <a:ea typeface="Times New Roman" panose="02020603050405020304" pitchFamily="18" charset="0"/>
+              </a:rPr>
+              <a:t>Alternative.</a:t>
+            </a:r>
+            <a:endParaRPr lang="en-IN" sz="2400" dirty="0">
+              <a:effectLst/>
+              <a:latin typeface="Times New Roman" panose="02020603050405020304" pitchFamily="18" charset="0"/>
+              <a:ea typeface="Times New Roman" panose="02020603050405020304" pitchFamily="18" charset="0"/>
+            </a:endParaRPr>
+          </a:p>
+          <a:p>
+            <a:pPr marL="342900" lvl="0" indent="-342900">
+              <a:spcBef>
+                <a:spcPts val="10"/>
+              </a:spcBef>
+              <a:spcAft>
+                <a:spcPts val="0"/>
+              </a:spcAft>
+              <a:buSzPts val="1200"/>
+              <a:buFont typeface="Times New Roman" panose="02020603050405020304" pitchFamily="18" charset="0"/>
+              <a:buAutoNum type="arabicPeriod"/>
+              <a:tabLst>
+                <a:tab pos="521335" algn="l"/>
+              </a:tabLst>
+            </a:pPr>
+            <a:r>
+              <a:rPr lang="en-US" sz="2400" dirty="0">
+                <a:effectLst/>
+                <a:latin typeface="Times New Roman" panose="02020603050405020304" pitchFamily="18" charset="0"/>
+                <a:ea typeface="Times New Roman" panose="02020603050405020304" pitchFamily="18" charset="0"/>
+              </a:rPr>
+              <a:t>Identification</a:t>
+            </a:r>
+            <a:r>
+              <a:rPr lang="en-US" sz="2400" spc="-15" dirty="0">
+                <a:effectLst/>
+                <a:latin typeface="Times New Roman" panose="02020603050405020304" pitchFamily="18" charset="0"/>
+                <a:ea typeface="Times New Roman" panose="02020603050405020304" pitchFamily="18" charset="0"/>
+              </a:rPr>
+              <a:t> </a:t>
+            </a:r>
+            <a:r>
+              <a:rPr lang="en-US" sz="2400" dirty="0">
+                <a:effectLst/>
+                <a:latin typeface="Times New Roman" panose="02020603050405020304" pitchFamily="18" charset="0"/>
+                <a:ea typeface="Times New Roman" panose="02020603050405020304" pitchFamily="18" charset="0"/>
+              </a:rPr>
+              <a:t>of</a:t>
+            </a:r>
+            <a:r>
+              <a:rPr lang="en-US" sz="2400" spc="-15" dirty="0">
+                <a:effectLst/>
+                <a:latin typeface="Times New Roman" panose="02020603050405020304" pitchFamily="18" charset="0"/>
+                <a:ea typeface="Times New Roman" panose="02020603050405020304" pitchFamily="18" charset="0"/>
+              </a:rPr>
+              <a:t> </a:t>
+            </a:r>
+            <a:r>
+              <a:rPr lang="en-US" sz="2400" dirty="0">
+                <a:effectLst/>
+                <a:latin typeface="Times New Roman" panose="02020603050405020304" pitchFamily="18" charset="0"/>
+                <a:ea typeface="Times New Roman" panose="02020603050405020304" pitchFamily="18" charset="0"/>
+              </a:rPr>
+              <a:t>Relative</a:t>
+            </a:r>
+            <a:r>
+              <a:rPr lang="en-US" sz="2400" spc="-5" dirty="0">
+                <a:effectLst/>
+                <a:latin typeface="Times New Roman" panose="02020603050405020304" pitchFamily="18" charset="0"/>
+                <a:ea typeface="Times New Roman" panose="02020603050405020304" pitchFamily="18" charset="0"/>
+              </a:rPr>
+              <a:t> </a:t>
+            </a:r>
+            <a:r>
+              <a:rPr lang="en-US" sz="2400" dirty="0">
+                <a:effectLst/>
+                <a:latin typeface="Times New Roman" panose="02020603050405020304" pitchFamily="18" charset="0"/>
+                <a:ea typeface="Times New Roman" panose="02020603050405020304" pitchFamily="18" charset="0"/>
+              </a:rPr>
+              <a:t>Profitable</a:t>
+            </a:r>
+            <a:r>
+              <a:rPr lang="en-US" sz="2400" spc="-10" dirty="0">
+                <a:effectLst/>
+                <a:latin typeface="Times New Roman" panose="02020603050405020304" pitchFamily="18" charset="0"/>
+                <a:ea typeface="Times New Roman" panose="02020603050405020304" pitchFamily="18" charset="0"/>
+              </a:rPr>
+              <a:t> </a:t>
+            </a:r>
+            <a:r>
+              <a:rPr lang="en-US" sz="2400" dirty="0">
+                <a:effectLst/>
+                <a:latin typeface="Times New Roman" panose="02020603050405020304" pitchFamily="18" charset="0"/>
+                <a:ea typeface="Times New Roman" panose="02020603050405020304" pitchFamily="18" charset="0"/>
+              </a:rPr>
+              <a:t>Opportunity.</a:t>
+            </a:r>
+            <a:endParaRPr lang="en-IN" sz="2400" dirty="0">
+              <a:effectLst/>
+              <a:latin typeface="Times New Roman" panose="02020603050405020304" pitchFamily="18" charset="0"/>
+              <a:ea typeface="Times New Roman" panose="02020603050405020304" pitchFamily="18" charset="0"/>
+            </a:endParaRPr>
+          </a:p>
+          <a:p>
+            <a:pPr marL="342900" lvl="0" indent="-342900">
+              <a:spcBef>
+                <a:spcPts val="15"/>
+              </a:spcBef>
+              <a:spcAft>
+                <a:spcPts val="0"/>
+              </a:spcAft>
+              <a:buSzPts val="1200"/>
+              <a:buFont typeface="Times New Roman" panose="02020603050405020304" pitchFamily="18" charset="0"/>
+              <a:buAutoNum type="arabicPeriod"/>
+              <a:tabLst>
+                <a:tab pos="521335" algn="l"/>
+              </a:tabLst>
+            </a:pPr>
+            <a:r>
+              <a:rPr lang="en-US" sz="2400" dirty="0">
+                <a:effectLst/>
+                <a:latin typeface="Times New Roman" panose="02020603050405020304" pitchFamily="18" charset="0"/>
+                <a:ea typeface="Times New Roman" panose="02020603050405020304" pitchFamily="18" charset="0"/>
+              </a:rPr>
+              <a:t>Draw attention</a:t>
+            </a:r>
+            <a:r>
+              <a:rPr lang="en-US" sz="2400" spc="-5" dirty="0">
+                <a:effectLst/>
+                <a:latin typeface="Times New Roman" panose="02020603050405020304" pitchFamily="18" charset="0"/>
+                <a:ea typeface="Times New Roman" panose="02020603050405020304" pitchFamily="18" charset="0"/>
+              </a:rPr>
+              <a:t> </a:t>
+            </a:r>
+            <a:r>
+              <a:rPr lang="en-US" sz="2400" dirty="0">
+                <a:effectLst/>
+                <a:latin typeface="Times New Roman" panose="02020603050405020304" pitchFamily="18" charset="0"/>
+                <a:ea typeface="Times New Roman" panose="02020603050405020304" pitchFamily="18" charset="0"/>
+              </a:rPr>
+              <a:t>to</a:t>
+            </a:r>
+            <a:r>
+              <a:rPr lang="en-US" sz="2400" spc="-5" dirty="0">
+                <a:effectLst/>
+                <a:latin typeface="Times New Roman" panose="02020603050405020304" pitchFamily="18" charset="0"/>
+                <a:ea typeface="Times New Roman" panose="02020603050405020304" pitchFamily="18" charset="0"/>
+              </a:rPr>
+              <a:t> </a:t>
+            </a:r>
+            <a:r>
+              <a:rPr lang="en-US" sz="2400" dirty="0">
+                <a:effectLst/>
+                <a:latin typeface="Times New Roman" panose="02020603050405020304" pitchFamily="18" charset="0"/>
+                <a:ea typeface="Times New Roman" panose="02020603050405020304" pitchFamily="18" charset="0"/>
+              </a:rPr>
+              <a:t>balancing</a:t>
+            </a:r>
+            <a:r>
+              <a:rPr lang="en-US" sz="2400" spc="-5" dirty="0">
+                <a:effectLst/>
+                <a:latin typeface="Times New Roman" panose="02020603050405020304" pitchFamily="18" charset="0"/>
+                <a:ea typeface="Times New Roman" panose="02020603050405020304" pitchFamily="18" charset="0"/>
+              </a:rPr>
+              <a:t> </a:t>
+            </a:r>
+            <a:r>
+              <a:rPr lang="en-US" sz="2400" dirty="0">
+                <a:effectLst/>
+                <a:latin typeface="Times New Roman" panose="02020603050405020304" pitchFamily="18" charset="0"/>
+                <a:ea typeface="Times New Roman" panose="02020603050405020304" pitchFamily="18" charset="0"/>
+              </a:rPr>
+              <a:t>automated</a:t>
+            </a:r>
+            <a:r>
+              <a:rPr lang="en-US" sz="2400" spc="-5" dirty="0">
+                <a:effectLst/>
+                <a:latin typeface="Times New Roman" panose="02020603050405020304" pitchFamily="18" charset="0"/>
+                <a:ea typeface="Times New Roman" panose="02020603050405020304" pitchFamily="18" charset="0"/>
+              </a:rPr>
+              <a:t> </a:t>
+            </a:r>
+            <a:r>
+              <a:rPr lang="en-US" sz="2400" dirty="0">
+                <a:effectLst/>
+                <a:latin typeface="Times New Roman" panose="02020603050405020304" pitchFamily="18" charset="0"/>
+                <a:ea typeface="Times New Roman" panose="02020603050405020304" pitchFamily="18" charset="0"/>
+              </a:rPr>
+              <a:t>and</a:t>
+            </a:r>
+            <a:r>
+              <a:rPr lang="en-US" sz="2400" spc="-5" dirty="0">
+                <a:effectLst/>
+                <a:latin typeface="Times New Roman" panose="02020603050405020304" pitchFamily="18" charset="0"/>
+                <a:ea typeface="Times New Roman" panose="02020603050405020304" pitchFamily="18" charset="0"/>
+              </a:rPr>
+              <a:t> </a:t>
+            </a:r>
+            <a:r>
+              <a:rPr lang="en-US" sz="2400" dirty="0">
+                <a:effectLst/>
+                <a:latin typeface="Times New Roman" panose="02020603050405020304" pitchFamily="18" charset="0"/>
+                <a:ea typeface="Times New Roman" panose="02020603050405020304" pitchFamily="18" charset="0"/>
+              </a:rPr>
+              <a:t>manual</a:t>
+            </a:r>
+            <a:r>
+              <a:rPr lang="en-US" sz="2400" spc="-5" dirty="0">
+                <a:effectLst/>
+                <a:latin typeface="Times New Roman" panose="02020603050405020304" pitchFamily="18" charset="0"/>
+                <a:ea typeface="Times New Roman" panose="02020603050405020304" pitchFamily="18" charset="0"/>
+              </a:rPr>
+              <a:t> </a:t>
+            </a:r>
+            <a:r>
+              <a:rPr lang="en-US" sz="2400" dirty="0">
+                <a:effectLst/>
+                <a:latin typeface="Times New Roman" panose="02020603050405020304" pitchFamily="18" charset="0"/>
+                <a:ea typeface="Times New Roman" panose="02020603050405020304" pitchFamily="18" charset="0"/>
+              </a:rPr>
+              <a:t>testing.</a:t>
+            </a:r>
+            <a:endParaRPr lang="en-IN" sz="2400" dirty="0">
+              <a:effectLst/>
+              <a:latin typeface="Times New Roman" panose="02020603050405020304" pitchFamily="18" charset="0"/>
+              <a:ea typeface="Times New Roman" panose="02020603050405020304" pitchFamily="18" charset="0"/>
+            </a:endParaRPr>
+          </a:p>
+          <a:p>
+            <a:pPr marL="342900" lvl="0" indent="-342900">
+              <a:spcBef>
+                <a:spcPts val="10"/>
+              </a:spcBef>
+              <a:spcAft>
+                <a:spcPts val="0"/>
+              </a:spcAft>
+              <a:buSzPts val="1200"/>
+              <a:buFont typeface="Times New Roman" panose="02020603050405020304" pitchFamily="18" charset="0"/>
+              <a:buAutoNum type="arabicPeriod"/>
+              <a:tabLst>
+                <a:tab pos="521335" algn="l"/>
+              </a:tabLst>
+            </a:pPr>
+            <a:r>
+              <a:rPr lang="en-US" sz="2400" dirty="0">
+                <a:effectLst/>
+                <a:latin typeface="Times New Roman" panose="02020603050405020304" pitchFamily="18" charset="0"/>
+                <a:ea typeface="Times New Roman" panose="02020603050405020304" pitchFamily="18" charset="0"/>
+              </a:rPr>
+              <a:t>Benefits</a:t>
+            </a:r>
+            <a:r>
+              <a:rPr lang="en-US" sz="2400" spc="-10" dirty="0">
+                <a:effectLst/>
+                <a:latin typeface="Times New Roman" panose="02020603050405020304" pitchFamily="18" charset="0"/>
+                <a:ea typeface="Times New Roman" panose="02020603050405020304" pitchFamily="18" charset="0"/>
+              </a:rPr>
+              <a:t> </a:t>
+            </a:r>
+            <a:r>
+              <a:rPr lang="en-US" sz="2400" dirty="0">
+                <a:effectLst/>
+                <a:latin typeface="Times New Roman" panose="02020603050405020304" pitchFamily="18" charset="0"/>
+                <a:ea typeface="Times New Roman" panose="02020603050405020304" pitchFamily="18" charset="0"/>
+              </a:rPr>
+              <a:t>as</a:t>
+            </a:r>
+            <a:r>
+              <a:rPr lang="en-US" sz="2400" spc="-5" dirty="0">
+                <a:effectLst/>
+                <a:latin typeface="Times New Roman" panose="02020603050405020304" pitchFamily="18" charset="0"/>
+                <a:ea typeface="Times New Roman" panose="02020603050405020304" pitchFamily="18" charset="0"/>
+              </a:rPr>
+              <a:t> </a:t>
+            </a:r>
+            <a:r>
+              <a:rPr lang="en-US" sz="2400" dirty="0">
+                <a:effectLst/>
+                <a:latin typeface="Times New Roman" panose="02020603050405020304" pitchFamily="18" charset="0"/>
+                <a:ea typeface="Times New Roman" panose="02020603050405020304" pitchFamily="18" charset="0"/>
+              </a:rPr>
+              <a:t>well</a:t>
+            </a:r>
+            <a:r>
+              <a:rPr lang="en-US" sz="2400" spc="-5" dirty="0">
+                <a:effectLst/>
+                <a:latin typeface="Times New Roman" panose="02020603050405020304" pitchFamily="18" charset="0"/>
+                <a:ea typeface="Times New Roman" panose="02020603050405020304" pitchFamily="18" charset="0"/>
+              </a:rPr>
+              <a:t> </a:t>
+            </a:r>
+            <a:r>
+              <a:rPr lang="en-US" sz="2400" dirty="0">
+                <a:effectLst/>
+                <a:latin typeface="Times New Roman" panose="02020603050405020304" pitchFamily="18" charset="0"/>
+                <a:ea typeface="Times New Roman" panose="02020603050405020304" pitchFamily="18" charset="0"/>
+              </a:rPr>
+              <a:t>as</a:t>
+            </a:r>
+            <a:r>
+              <a:rPr lang="en-US" sz="2400" spc="-5" dirty="0">
+                <a:effectLst/>
+                <a:latin typeface="Times New Roman" panose="02020603050405020304" pitchFamily="18" charset="0"/>
+                <a:ea typeface="Times New Roman" panose="02020603050405020304" pitchFamily="18" charset="0"/>
+              </a:rPr>
+              <a:t> </a:t>
+            </a:r>
+            <a:r>
+              <a:rPr lang="en-US" sz="2400" dirty="0">
+                <a:effectLst/>
+                <a:latin typeface="Times New Roman" panose="02020603050405020304" pitchFamily="18" charset="0"/>
+                <a:ea typeface="Times New Roman" panose="02020603050405020304" pitchFamily="18" charset="0"/>
+              </a:rPr>
+              <a:t>cost.</a:t>
+            </a:r>
+            <a:endParaRPr lang="en-IN" sz="2400" dirty="0">
+              <a:effectLst/>
+              <a:latin typeface="Times New Roman" panose="02020603050405020304" pitchFamily="18" charset="0"/>
+              <a:ea typeface="Times New Roman" panose="02020603050405020304" pitchFamily="18" charset="0"/>
+            </a:endParaRPr>
+          </a:p>
+          <a:p>
+            <a:pPr marL="342900" lvl="0" indent="-342900">
+              <a:spcBef>
+                <a:spcPts val="25"/>
+              </a:spcBef>
+              <a:spcAft>
+                <a:spcPts val="0"/>
+              </a:spcAft>
+              <a:buSzPts val="1200"/>
+              <a:buFont typeface="Times New Roman" panose="02020603050405020304" pitchFamily="18" charset="0"/>
+              <a:buAutoNum type="arabicPeriod"/>
+              <a:tabLst>
+                <a:tab pos="521335" algn="l"/>
+              </a:tabLst>
+            </a:pPr>
+            <a:r>
+              <a:rPr lang="en-US" sz="2400" dirty="0">
+                <a:effectLst/>
+                <a:latin typeface="Times New Roman" panose="02020603050405020304" pitchFamily="18" charset="0"/>
+                <a:ea typeface="Times New Roman" panose="02020603050405020304" pitchFamily="18" charset="0"/>
+              </a:rPr>
+              <a:t>Risk</a:t>
+            </a:r>
+            <a:r>
+              <a:rPr lang="en-US" sz="2400" spc="-10" dirty="0">
+                <a:effectLst/>
+                <a:latin typeface="Times New Roman" panose="02020603050405020304" pitchFamily="18" charset="0"/>
+                <a:ea typeface="Times New Roman" panose="02020603050405020304" pitchFamily="18" charset="0"/>
+              </a:rPr>
+              <a:t> </a:t>
+            </a:r>
+            <a:r>
+              <a:rPr lang="en-US" sz="2400" dirty="0">
+                <a:effectLst/>
+                <a:latin typeface="Times New Roman" panose="02020603050405020304" pitchFamily="18" charset="0"/>
+                <a:ea typeface="Times New Roman" panose="02020603050405020304" pitchFamily="18" charset="0"/>
+              </a:rPr>
+              <a:t>mitigation</a:t>
+            </a:r>
+            <a:r>
+              <a:rPr lang="en-US" sz="2400" spc="-10" dirty="0">
+                <a:effectLst/>
+                <a:latin typeface="Times New Roman" panose="02020603050405020304" pitchFamily="18" charset="0"/>
+                <a:ea typeface="Times New Roman" panose="02020603050405020304" pitchFamily="18" charset="0"/>
+              </a:rPr>
+              <a:t> </a:t>
+            </a:r>
+            <a:r>
+              <a:rPr lang="en-US" sz="2400" dirty="0">
+                <a:effectLst/>
+                <a:latin typeface="Times New Roman" panose="02020603050405020304" pitchFamily="18" charset="0"/>
+                <a:ea typeface="Times New Roman" panose="02020603050405020304" pitchFamily="18" charset="0"/>
+              </a:rPr>
+              <a:t>capability.</a:t>
+            </a:r>
+            <a:endParaRPr lang="en-IN" sz="2400" dirty="0">
+              <a:effectLst/>
+              <a:latin typeface="Times New Roman" panose="02020603050405020304" pitchFamily="18" charset="0"/>
+              <a:ea typeface="Times New Roman" panose="02020603050405020304" pitchFamily="18" charset="0"/>
+            </a:endParaRPr>
+          </a:p>
+          <a:p>
+            <a:pPr marL="342900" lvl="0" indent="-342900">
+              <a:spcBef>
+                <a:spcPts val="10"/>
+              </a:spcBef>
+              <a:spcAft>
+                <a:spcPts val="0"/>
+              </a:spcAft>
+              <a:buSzPts val="1200"/>
+              <a:buFont typeface="Times New Roman" panose="02020603050405020304" pitchFamily="18" charset="0"/>
+              <a:buAutoNum type="arabicPeriod"/>
+              <a:tabLst>
+                <a:tab pos="521335" algn="l"/>
+              </a:tabLst>
+            </a:pPr>
+            <a:r>
+              <a:rPr lang="en-US" sz="2400" dirty="0">
+                <a:effectLst/>
+                <a:latin typeface="Times New Roman" panose="02020603050405020304" pitchFamily="18" charset="0"/>
+                <a:ea typeface="Times New Roman" panose="02020603050405020304" pitchFamily="18" charset="0"/>
+              </a:rPr>
+              <a:t>More</a:t>
+            </a:r>
+            <a:r>
+              <a:rPr lang="en-US" sz="2400" spc="-20" dirty="0">
+                <a:effectLst/>
+                <a:latin typeface="Times New Roman" panose="02020603050405020304" pitchFamily="18" charset="0"/>
+                <a:ea typeface="Times New Roman" panose="02020603050405020304" pitchFamily="18" charset="0"/>
+              </a:rPr>
+              <a:t> </a:t>
+            </a:r>
+            <a:r>
+              <a:rPr lang="en-US" sz="2400" dirty="0">
+                <a:effectLst/>
+                <a:latin typeface="Times New Roman" panose="02020603050405020304" pitchFamily="18" charset="0"/>
+                <a:ea typeface="Times New Roman" panose="02020603050405020304" pitchFamily="18" charset="0"/>
+              </a:rPr>
+              <a:t>realistic</a:t>
+            </a:r>
+            <a:r>
+              <a:rPr lang="en-US" sz="2400" spc="-10" dirty="0">
+                <a:effectLst/>
+                <a:latin typeface="Times New Roman" panose="02020603050405020304" pitchFamily="18" charset="0"/>
+                <a:ea typeface="Times New Roman" panose="02020603050405020304" pitchFamily="18" charset="0"/>
+              </a:rPr>
+              <a:t> </a:t>
+            </a:r>
+            <a:r>
+              <a:rPr lang="en-US" sz="2400" dirty="0">
+                <a:effectLst/>
+                <a:latin typeface="Times New Roman" panose="02020603050405020304" pitchFamily="18" charset="0"/>
+                <a:ea typeface="Times New Roman" panose="02020603050405020304" pitchFamily="18" charset="0"/>
+              </a:rPr>
+              <a:t>comparison</a:t>
+            </a:r>
+            <a:r>
+              <a:rPr lang="en-US" sz="2400" spc="-10" dirty="0">
+                <a:effectLst/>
+                <a:latin typeface="Times New Roman" panose="02020603050405020304" pitchFamily="18" charset="0"/>
+                <a:ea typeface="Times New Roman" panose="02020603050405020304" pitchFamily="18" charset="0"/>
+              </a:rPr>
+              <a:t> </a:t>
+            </a:r>
+            <a:r>
+              <a:rPr lang="en-US" sz="2400" dirty="0">
+                <a:effectLst/>
+                <a:latin typeface="Times New Roman" panose="02020603050405020304" pitchFamily="18" charset="0"/>
+                <a:ea typeface="Times New Roman" panose="02020603050405020304" pitchFamily="18" charset="0"/>
+              </a:rPr>
+              <a:t>between</a:t>
+            </a:r>
+            <a:r>
+              <a:rPr lang="en-US" sz="2400" spc="5" dirty="0">
+                <a:effectLst/>
+                <a:latin typeface="Times New Roman" panose="02020603050405020304" pitchFamily="18" charset="0"/>
+                <a:ea typeface="Times New Roman" panose="02020603050405020304" pitchFamily="18" charset="0"/>
+              </a:rPr>
+              <a:t> </a:t>
+            </a:r>
+            <a:r>
+              <a:rPr lang="en-US" sz="2400" dirty="0">
+                <a:effectLst/>
+                <a:latin typeface="Times New Roman" panose="02020603050405020304" pitchFamily="18" charset="0"/>
+                <a:ea typeface="Times New Roman" panose="02020603050405020304" pitchFamily="18" charset="0"/>
+              </a:rPr>
+              <a:t>automated</a:t>
+            </a:r>
+            <a:r>
+              <a:rPr lang="en-US" sz="2400" spc="-10" dirty="0">
+                <a:effectLst/>
+                <a:latin typeface="Times New Roman" panose="02020603050405020304" pitchFamily="18" charset="0"/>
+                <a:ea typeface="Times New Roman" panose="02020603050405020304" pitchFamily="18" charset="0"/>
+              </a:rPr>
+              <a:t> </a:t>
+            </a:r>
+            <a:r>
+              <a:rPr lang="en-US" sz="2400" dirty="0">
+                <a:effectLst/>
+                <a:latin typeface="Times New Roman" panose="02020603050405020304" pitchFamily="18" charset="0"/>
+                <a:ea typeface="Times New Roman" panose="02020603050405020304" pitchFamily="18" charset="0"/>
+              </a:rPr>
+              <a:t>and</a:t>
+            </a:r>
+            <a:r>
+              <a:rPr lang="en-US" sz="2400" spc="5" dirty="0">
+                <a:effectLst/>
+                <a:latin typeface="Times New Roman" panose="02020603050405020304" pitchFamily="18" charset="0"/>
+                <a:ea typeface="Times New Roman" panose="02020603050405020304" pitchFamily="18" charset="0"/>
+              </a:rPr>
+              <a:t> </a:t>
+            </a:r>
+            <a:r>
+              <a:rPr lang="en-US" sz="2400" dirty="0">
+                <a:effectLst/>
+                <a:latin typeface="Times New Roman" panose="02020603050405020304" pitchFamily="18" charset="0"/>
+                <a:ea typeface="Times New Roman" panose="02020603050405020304" pitchFamily="18" charset="0"/>
+              </a:rPr>
+              <a:t>manual</a:t>
+            </a:r>
+            <a:r>
+              <a:rPr lang="en-US" sz="2400" spc="-10" dirty="0">
+                <a:effectLst/>
+                <a:latin typeface="Times New Roman" panose="02020603050405020304" pitchFamily="18" charset="0"/>
+                <a:ea typeface="Times New Roman" panose="02020603050405020304" pitchFamily="18" charset="0"/>
+              </a:rPr>
+              <a:t> </a:t>
+            </a:r>
+            <a:r>
+              <a:rPr lang="en-US" sz="2400" dirty="0">
+                <a:effectLst/>
+                <a:latin typeface="Times New Roman" panose="02020603050405020304" pitchFamily="18" charset="0"/>
+                <a:ea typeface="Times New Roman" panose="02020603050405020304" pitchFamily="18" charset="0"/>
+              </a:rPr>
+              <a:t>testing.</a:t>
+            </a:r>
+            <a:endParaRPr lang="en-IN" sz="2400" dirty="0">
+              <a:effectLst/>
+              <a:latin typeface="Times New Roman" panose="02020603050405020304" pitchFamily="18" charset="0"/>
+              <a:ea typeface="Times New Roman" panose="02020603050405020304" pitchFamily="18" charset="0"/>
+            </a:endParaRPr>
+          </a:p>
+          <a:p>
+            <a:endParaRPr lang="en-IN" dirty="0"/>
+          </a:p>
+        </p:txBody>
+      </p:sp>
+    </p:spTree>
+    <p:extLst>
+      <p:ext uri="{BB962C8B-B14F-4D97-AF65-F5344CB8AC3E}">
+        <p14:creationId xmlns:p14="http://schemas.microsoft.com/office/powerpoint/2010/main" val="277959587"/>
       </p:ext>
     </p:extLst>
   </p:cSld>

--- a/MINI Project PPT.pptx
+++ b/MINI Project PPT.pptx
@@ -9,8 +9,8 @@
     <p:sldId id="256" r:id="rId3"/>
     <p:sldId id="266" r:id="rId4"/>
     <p:sldId id="267" r:id="rId5"/>
-    <p:sldId id="258" r:id="rId6"/>
-    <p:sldId id="257" r:id="rId7"/>
+    <p:sldId id="257" r:id="rId6"/>
+    <p:sldId id="258" r:id="rId7"/>
     <p:sldId id="263" r:id="rId8"/>
     <p:sldId id="270" r:id="rId9"/>
     <p:sldId id="259" r:id="rId10"/>
@@ -313,7 +313,7 @@
           <a:p>
             <a:fld id="{46693BFB-BABB-4077-8AD8-512895E516A3}" type="datetimeFigureOut">
               <a:rPr lang="en-IN" smtClean="0"/>
-              <a:t>17-05-2023</a:t>
+              <a:t>03-06-2023</a:t>
             </a:fld>
             <a:endParaRPr lang="en-IN"/>
           </a:p>
@@ -651,7 +651,7 @@
           <a:p>
             <a:fld id="{46693BFB-BABB-4077-8AD8-512895E516A3}" type="datetimeFigureOut">
               <a:rPr lang="en-IN" smtClean="0"/>
-              <a:t>17-05-2023</a:t>
+              <a:t>03-06-2023</a:t>
             </a:fld>
             <a:endParaRPr lang="en-IN"/>
           </a:p>
@@ -1052,7 +1052,7 @@
           <a:p>
             <a:fld id="{46693BFB-BABB-4077-8AD8-512895E516A3}" type="datetimeFigureOut">
               <a:rPr lang="en-IN" smtClean="0"/>
-              <a:t>17-05-2023</a:t>
+              <a:t>03-06-2023</a:t>
             </a:fld>
             <a:endParaRPr lang="en-IN"/>
           </a:p>
@@ -1388,7 +1388,7 @@
           <a:p>
             <a:fld id="{46693BFB-BABB-4077-8AD8-512895E516A3}" type="datetimeFigureOut">
               <a:rPr lang="en-IN" smtClean="0"/>
-              <a:t>17-05-2023</a:t>
+              <a:t>03-06-2023</a:t>
             </a:fld>
             <a:endParaRPr lang="en-IN"/>
           </a:p>
@@ -1708,7 +1708,7 @@
           <a:p>
             <a:fld id="{46693BFB-BABB-4077-8AD8-512895E516A3}" type="datetimeFigureOut">
               <a:rPr lang="en-IN" smtClean="0"/>
-              <a:t>17-05-2023</a:t>
+              <a:t>03-06-2023</a:t>
             </a:fld>
             <a:endParaRPr lang="en-IN"/>
           </a:p>
@@ -2104,7 +2104,7 @@
           <a:p>
             <a:fld id="{46693BFB-BABB-4077-8AD8-512895E516A3}" type="datetimeFigureOut">
               <a:rPr lang="en-IN" smtClean="0"/>
-              <a:t>17-05-2023</a:t>
+              <a:t>03-06-2023</a:t>
             </a:fld>
             <a:endParaRPr lang="en-IN"/>
           </a:p>
@@ -2361,7 +2361,7 @@
           <a:p>
             <a:fld id="{46693BFB-BABB-4077-8AD8-512895E516A3}" type="datetimeFigureOut">
               <a:rPr lang="en-IN" smtClean="0"/>
-              <a:t>17-05-2023</a:t>
+              <a:t>03-06-2023</a:t>
             </a:fld>
             <a:endParaRPr lang="en-IN"/>
           </a:p>
@@ -2623,7 +2623,7 @@
           <a:p>
             <a:fld id="{46693BFB-BABB-4077-8AD8-512895E516A3}" type="datetimeFigureOut">
               <a:rPr lang="en-IN" smtClean="0"/>
-              <a:t>17-05-2023</a:t>
+              <a:t>03-06-2023</a:t>
             </a:fld>
             <a:endParaRPr lang="en-IN"/>
           </a:p>
@@ -2885,7 +2885,7 @@
           <a:p>
             <a:fld id="{46693BFB-BABB-4077-8AD8-512895E516A3}" type="datetimeFigureOut">
               <a:rPr lang="en-IN" smtClean="0"/>
-              <a:t>17-05-2023</a:t>
+              <a:t>03-06-2023</a:t>
             </a:fld>
             <a:endParaRPr lang="en-IN"/>
           </a:p>
@@ -3214,7 +3214,7 @@
           <a:p>
             <a:fld id="{46693BFB-BABB-4077-8AD8-512895E516A3}" type="datetimeFigureOut">
               <a:rPr lang="en-IN" smtClean="0"/>
-              <a:t>17-05-2023</a:t>
+              <a:t>03-06-2023</a:t>
             </a:fld>
             <a:endParaRPr lang="en-IN"/>
           </a:p>
@@ -3537,7 +3537,7 @@
           <a:p>
             <a:fld id="{46693BFB-BABB-4077-8AD8-512895E516A3}" type="datetimeFigureOut">
               <a:rPr lang="en-IN" smtClean="0"/>
-              <a:t>17-05-2023</a:t>
+              <a:t>03-06-2023</a:t>
             </a:fld>
             <a:endParaRPr lang="en-IN"/>
           </a:p>
@@ -3994,7 +3994,7 @@
           <a:p>
             <a:fld id="{46693BFB-BABB-4077-8AD8-512895E516A3}" type="datetimeFigureOut">
               <a:rPr lang="en-IN" smtClean="0"/>
-              <a:t>17-05-2023</a:t>
+              <a:t>03-06-2023</a:t>
             </a:fld>
             <a:endParaRPr lang="en-IN"/>
           </a:p>
@@ -4199,7 +4199,7 @@
           <a:p>
             <a:fld id="{46693BFB-BABB-4077-8AD8-512895E516A3}" type="datetimeFigureOut">
               <a:rPr lang="en-IN" smtClean="0"/>
-              <a:t>17-05-2023</a:t>
+              <a:t>03-06-2023</a:t>
             </a:fld>
             <a:endParaRPr lang="en-IN"/>
           </a:p>
@@ -4376,7 +4376,7 @@
           <a:p>
             <a:fld id="{46693BFB-BABB-4077-8AD8-512895E516A3}" type="datetimeFigureOut">
               <a:rPr lang="en-IN" smtClean="0"/>
-              <a:t>17-05-2023</a:t>
+              <a:t>03-06-2023</a:t>
             </a:fld>
             <a:endParaRPr lang="en-IN"/>
           </a:p>
@@ -4709,7 +4709,7 @@
           <a:p>
             <a:fld id="{46693BFB-BABB-4077-8AD8-512895E516A3}" type="datetimeFigureOut">
               <a:rPr lang="en-IN" smtClean="0"/>
-              <a:t>17-05-2023</a:t>
+              <a:t>03-06-2023</a:t>
             </a:fld>
             <a:endParaRPr lang="en-IN"/>
           </a:p>
@@ -5054,7 +5054,7 @@
           <a:p>
             <a:fld id="{46693BFB-BABB-4077-8AD8-512895E516A3}" type="datetimeFigureOut">
               <a:rPr lang="en-IN" smtClean="0"/>
-              <a:t>17-05-2023</a:t>
+              <a:t>03-06-2023</a:t>
             </a:fld>
             <a:endParaRPr lang="en-IN"/>
           </a:p>
@@ -7171,7 +7171,7 @@
           <a:p>
             <a:fld id="{46693BFB-BABB-4077-8AD8-512895E516A3}" type="datetimeFigureOut">
               <a:rPr lang="en-IN" smtClean="0"/>
-              <a:t>17-05-2023</a:t>
+              <a:t>03-06-2023</a:t>
             </a:fld>
             <a:endParaRPr lang="en-IN"/>
           </a:p>
@@ -10341,7 +10341,7 @@
           <p:cNvPr id="3" name="Content Placeholder 2">
             <a:extLst>
               <a:ext uri="{FF2B5EF4-FFF2-40B4-BE49-F238E27FC236}">
-                <a16:creationId xmlns:a16="http://schemas.microsoft.com/office/drawing/2014/main" id="{7BE0816F-C0EA-5FBE-8A7E-E86C631DBE2A}"/>
+                <a16:creationId xmlns:a16="http://schemas.microsoft.com/office/drawing/2014/main" id="{569CBA97-8001-CBAF-F5CC-6FB3FCD15ABF}"/>
               </a:ext>
             </a:extLst>
           </p:cNvPr>
@@ -10354,8 +10354,8 @@
         </p:nvSpPr>
         <p:spPr>
           <a:xfrm>
-            <a:off x="1085849" y="300037"/>
-            <a:ext cx="10896601" cy="6124575"/>
+            <a:off x="1893887" y="1133474"/>
+            <a:ext cx="9107488" cy="5362576"/>
           </a:xfrm>
         </p:spPr>
         <p:txBody>
@@ -10373,15 +10373,381 @@
                   <a:srgbClr val="FF0000"/>
                 </a:solidFill>
               </a:rPr>
-              <a:t>Introduction: </a:t>
-            </a:r>
-          </a:p>
-          <a:p>
-            <a:pPr marL="0" indent="0">
+              <a:t>ABSTRACT :</a:t>
+            </a:r>
+          </a:p>
+          <a:p>
+            <a:pPr marL="148590" marR="158750" indent="371475" algn="just">
               <a:spcBef>
-                <a:spcPts val="35"/>
+                <a:spcPts val="2905"/>
               </a:spcBef>
-              <a:buNone/>
+              <a:spcAft>
+                <a:spcPts val="0"/>
+              </a:spcAft>
+            </a:pPr>
+            <a:r>
+              <a:rPr lang="en-US" sz="1800" dirty="0">
+                <a:effectLst/>
+                <a:latin typeface="Times New Roman" panose="02020603050405020304" pitchFamily="18" charset="0"/>
+                <a:ea typeface="Times New Roman" panose="02020603050405020304" pitchFamily="18" charset="0"/>
+              </a:rPr>
+              <a:t>There is x is price, y is performance and z are user-</a:t>
+            </a:r>
+            <a:r>
+              <a:rPr lang="en-US" sz="1800" spc="5" dirty="0">
+                <a:effectLst/>
+                <a:latin typeface="Times New Roman" panose="02020603050405020304" pitchFamily="18" charset="0"/>
+                <a:ea typeface="Times New Roman" panose="02020603050405020304" pitchFamily="18" charset="0"/>
+              </a:rPr>
+              <a:t> </a:t>
+            </a:r>
+            <a:r>
+              <a:rPr lang="en-US" sz="1800" dirty="0">
+                <a:effectLst/>
+                <a:latin typeface="Times New Roman" panose="02020603050405020304" pitchFamily="18" charset="0"/>
+                <a:ea typeface="Times New Roman" panose="02020603050405020304" pitchFamily="18" charset="0"/>
+              </a:rPr>
+              <a:t>friendliness.</a:t>
+            </a:r>
+            <a:r>
+              <a:rPr lang="en-US" sz="1800" spc="-5" dirty="0">
+                <a:effectLst/>
+                <a:latin typeface="Times New Roman" panose="02020603050405020304" pitchFamily="18" charset="0"/>
+                <a:ea typeface="Times New Roman" panose="02020603050405020304" pitchFamily="18" charset="0"/>
+              </a:rPr>
+              <a:t> </a:t>
+            </a:r>
+          </a:p>
+          <a:p>
+            <a:pPr marL="148590" marR="158750" indent="371475" algn="just">
+              <a:spcBef>
+                <a:spcPts val="2905"/>
+              </a:spcBef>
+              <a:spcAft>
+                <a:spcPts val="0"/>
+              </a:spcAft>
+            </a:pPr>
+            <a:r>
+              <a:rPr lang="en-US" sz="1800" dirty="0">
+                <a:effectLst/>
+                <a:latin typeface="Times New Roman" panose="02020603050405020304" pitchFamily="18" charset="0"/>
+                <a:ea typeface="Times New Roman" panose="02020603050405020304" pitchFamily="18" charset="0"/>
+              </a:rPr>
+              <a:t>In</a:t>
+            </a:r>
+            <a:r>
+              <a:rPr lang="en-US" sz="1800" spc="-20" dirty="0">
+                <a:effectLst/>
+                <a:latin typeface="Times New Roman" panose="02020603050405020304" pitchFamily="18" charset="0"/>
+                <a:ea typeface="Times New Roman" panose="02020603050405020304" pitchFamily="18" charset="0"/>
+              </a:rPr>
+              <a:t> </a:t>
+            </a:r>
+            <a:r>
+              <a:rPr lang="en-US" sz="1800" dirty="0">
+                <a:effectLst/>
+                <a:latin typeface="Times New Roman" panose="02020603050405020304" pitchFamily="18" charset="0"/>
+                <a:ea typeface="Times New Roman" panose="02020603050405020304" pitchFamily="18" charset="0"/>
+              </a:rPr>
+              <a:t>these</a:t>
+            </a:r>
+            <a:r>
+              <a:rPr lang="en-US" sz="1800" spc="-25" dirty="0">
+                <a:effectLst/>
+                <a:latin typeface="Times New Roman" panose="02020603050405020304" pitchFamily="18" charset="0"/>
+                <a:ea typeface="Times New Roman" panose="02020603050405020304" pitchFamily="18" charset="0"/>
+              </a:rPr>
+              <a:t> </a:t>
+            </a:r>
+            <a:r>
+              <a:rPr lang="en-US" sz="1800" dirty="0">
+                <a:effectLst/>
+                <a:latin typeface="Times New Roman" panose="02020603050405020304" pitchFamily="18" charset="0"/>
+                <a:ea typeface="Times New Roman" panose="02020603050405020304" pitchFamily="18" charset="0"/>
+              </a:rPr>
+              <a:t>problem</a:t>
+            </a:r>
+            <a:r>
+              <a:rPr lang="en-US" sz="1800" spc="-15" dirty="0">
+                <a:effectLst/>
+                <a:latin typeface="Times New Roman" panose="02020603050405020304" pitchFamily="18" charset="0"/>
+                <a:ea typeface="Times New Roman" panose="02020603050405020304" pitchFamily="18" charset="0"/>
+              </a:rPr>
+              <a:t> </a:t>
+            </a:r>
+            <a:r>
+              <a:rPr lang="en-US" sz="1800" dirty="0">
+                <a:effectLst/>
+                <a:latin typeface="Times New Roman" panose="02020603050405020304" pitchFamily="18" charset="0"/>
+                <a:ea typeface="Times New Roman" panose="02020603050405020304" pitchFamily="18" charset="0"/>
+              </a:rPr>
+              <a:t>statement</a:t>
+            </a:r>
+            <a:r>
+              <a:rPr lang="en-US" sz="1800" spc="-20" dirty="0">
+                <a:effectLst/>
+                <a:latin typeface="Times New Roman" panose="02020603050405020304" pitchFamily="18" charset="0"/>
+                <a:ea typeface="Times New Roman" panose="02020603050405020304" pitchFamily="18" charset="0"/>
+              </a:rPr>
+              <a:t> </a:t>
+            </a:r>
+            <a:r>
+              <a:rPr lang="en-US" sz="1800" dirty="0">
+                <a:effectLst/>
+                <a:latin typeface="Times New Roman" panose="02020603050405020304" pitchFamily="18" charset="0"/>
+                <a:ea typeface="Times New Roman" panose="02020603050405020304" pitchFamily="18" charset="0"/>
+              </a:rPr>
+              <a:t>you</a:t>
+            </a:r>
+            <a:r>
+              <a:rPr lang="en-US" sz="1800" spc="-20" dirty="0">
+                <a:effectLst/>
+                <a:latin typeface="Times New Roman" panose="02020603050405020304" pitchFamily="18" charset="0"/>
+                <a:ea typeface="Times New Roman" panose="02020603050405020304" pitchFamily="18" charset="0"/>
+              </a:rPr>
+              <a:t> </a:t>
+            </a:r>
+            <a:r>
+              <a:rPr lang="en-US" sz="1800" dirty="0">
+                <a:effectLst/>
+                <a:latin typeface="Times New Roman" panose="02020603050405020304" pitchFamily="18" charset="0"/>
+                <a:ea typeface="Times New Roman" panose="02020603050405020304" pitchFamily="18" charset="0"/>
+              </a:rPr>
+              <a:t>are</a:t>
+            </a:r>
+            <a:r>
+              <a:rPr lang="en-US" sz="1800" spc="-15" dirty="0">
+                <a:effectLst/>
+                <a:latin typeface="Times New Roman" panose="02020603050405020304" pitchFamily="18" charset="0"/>
+                <a:ea typeface="Times New Roman" panose="02020603050405020304" pitchFamily="18" charset="0"/>
+              </a:rPr>
+              <a:t> </a:t>
+            </a:r>
+            <a:r>
+              <a:rPr lang="en-US" sz="1800" dirty="0">
+                <a:effectLst/>
+                <a:latin typeface="Times New Roman" panose="02020603050405020304" pitchFamily="18" charset="0"/>
+                <a:ea typeface="Times New Roman" panose="02020603050405020304" pitchFamily="18" charset="0"/>
+              </a:rPr>
+              <a:t>forced</a:t>
+            </a:r>
+            <a:r>
+              <a:rPr lang="en-US" sz="1800" spc="-15" dirty="0">
+                <a:effectLst/>
+                <a:latin typeface="Times New Roman" panose="02020603050405020304" pitchFamily="18" charset="0"/>
+                <a:ea typeface="Times New Roman" panose="02020603050405020304" pitchFamily="18" charset="0"/>
+              </a:rPr>
+              <a:t> </a:t>
+            </a:r>
+            <a:r>
+              <a:rPr lang="en-US" sz="1800" dirty="0">
+                <a:effectLst/>
+                <a:latin typeface="Times New Roman" panose="02020603050405020304" pitchFamily="18" charset="0"/>
+                <a:ea typeface="Times New Roman" panose="02020603050405020304" pitchFamily="18" charset="0"/>
+              </a:rPr>
+              <a:t>to</a:t>
+            </a:r>
+            <a:r>
+              <a:rPr lang="en-US" sz="1800" spc="-15" dirty="0">
+                <a:effectLst/>
+                <a:latin typeface="Times New Roman" panose="02020603050405020304" pitchFamily="18" charset="0"/>
+                <a:ea typeface="Times New Roman" panose="02020603050405020304" pitchFamily="18" charset="0"/>
+              </a:rPr>
+              <a:t> </a:t>
+            </a:r>
+            <a:r>
+              <a:rPr lang="en-US" sz="1800" dirty="0">
+                <a:effectLst/>
+                <a:latin typeface="Times New Roman" panose="02020603050405020304" pitchFamily="18" charset="0"/>
+                <a:ea typeface="Times New Roman" panose="02020603050405020304" pitchFamily="18" charset="0"/>
+              </a:rPr>
+              <a:t>make</a:t>
+            </a:r>
+            <a:r>
+              <a:rPr lang="en-US" sz="1800" spc="-25" dirty="0">
+                <a:effectLst/>
+                <a:latin typeface="Times New Roman" panose="02020603050405020304" pitchFamily="18" charset="0"/>
+                <a:ea typeface="Times New Roman" panose="02020603050405020304" pitchFamily="18" charset="0"/>
+              </a:rPr>
+              <a:t> </a:t>
+            </a:r>
+            <a:r>
+              <a:rPr lang="en-US" sz="1800" dirty="0">
+                <a:effectLst/>
+                <a:latin typeface="Times New Roman" panose="02020603050405020304" pitchFamily="18" charset="0"/>
+                <a:ea typeface="Times New Roman" panose="02020603050405020304" pitchFamily="18" charset="0"/>
+              </a:rPr>
+              <a:t>some</a:t>
+            </a:r>
+            <a:r>
+              <a:rPr lang="en-US" sz="1800" spc="-20" dirty="0">
+                <a:effectLst/>
+                <a:latin typeface="Times New Roman" panose="02020603050405020304" pitchFamily="18" charset="0"/>
+                <a:ea typeface="Times New Roman" panose="02020603050405020304" pitchFamily="18" charset="0"/>
+              </a:rPr>
+              <a:t> </a:t>
+            </a:r>
+            <a:r>
+              <a:rPr lang="en-US" sz="1800" dirty="0">
+                <a:effectLst/>
+                <a:latin typeface="Times New Roman" panose="02020603050405020304" pitchFamily="18" charset="0"/>
+                <a:ea typeface="Times New Roman" panose="02020603050405020304" pitchFamily="18" charset="0"/>
+              </a:rPr>
+              <a:t>sacrifices</a:t>
+            </a:r>
+            <a:r>
+              <a:rPr lang="en-US" sz="1800" spc="-15" dirty="0">
+                <a:effectLst/>
+                <a:latin typeface="Times New Roman" panose="02020603050405020304" pitchFamily="18" charset="0"/>
+                <a:ea typeface="Times New Roman" panose="02020603050405020304" pitchFamily="18" charset="0"/>
+              </a:rPr>
+              <a:t> </a:t>
+            </a:r>
+            <a:r>
+              <a:rPr lang="en-US" sz="1800" dirty="0">
+                <a:effectLst/>
+                <a:latin typeface="Times New Roman" panose="02020603050405020304" pitchFamily="18" charset="0"/>
+                <a:ea typeface="Times New Roman" panose="02020603050405020304" pitchFamily="18" charset="0"/>
+              </a:rPr>
+              <a:t>the</a:t>
+            </a:r>
+            <a:r>
+              <a:rPr lang="en-US" sz="1800" spc="-20" dirty="0">
+                <a:effectLst/>
+                <a:latin typeface="Times New Roman" panose="02020603050405020304" pitchFamily="18" charset="0"/>
+                <a:ea typeface="Times New Roman" panose="02020603050405020304" pitchFamily="18" charset="0"/>
+              </a:rPr>
+              <a:t> </a:t>
+            </a:r>
+            <a:r>
+              <a:rPr lang="en-US" sz="1800" dirty="0">
+                <a:effectLst/>
+                <a:latin typeface="Times New Roman" panose="02020603050405020304" pitchFamily="18" charset="0"/>
+                <a:ea typeface="Times New Roman" panose="02020603050405020304" pitchFamily="18" charset="0"/>
+              </a:rPr>
+              <a:t>aspects</a:t>
+            </a:r>
+            <a:r>
+              <a:rPr lang="en-US" sz="1800" spc="-15" dirty="0">
+                <a:effectLst/>
+                <a:latin typeface="Times New Roman" panose="02020603050405020304" pitchFamily="18" charset="0"/>
+                <a:ea typeface="Times New Roman" panose="02020603050405020304" pitchFamily="18" charset="0"/>
+              </a:rPr>
+              <a:t> </a:t>
+            </a:r>
+            <a:r>
+              <a:rPr lang="en-US" sz="1800" dirty="0">
+                <a:effectLst/>
+                <a:latin typeface="Times New Roman" panose="02020603050405020304" pitchFamily="18" charset="0"/>
+                <a:ea typeface="Times New Roman" panose="02020603050405020304" pitchFamily="18" charset="0"/>
+              </a:rPr>
+              <a:t>you</a:t>
+            </a:r>
+            <a:r>
+              <a:rPr lang="en-US" sz="1800" spc="-15" dirty="0">
+                <a:effectLst/>
+                <a:latin typeface="Times New Roman" panose="02020603050405020304" pitchFamily="18" charset="0"/>
+                <a:ea typeface="Times New Roman" panose="02020603050405020304" pitchFamily="18" charset="0"/>
+              </a:rPr>
+              <a:t> </a:t>
+            </a:r>
+            <a:r>
+              <a:rPr lang="en-US" sz="1800" dirty="0">
+                <a:effectLst/>
+                <a:latin typeface="Times New Roman" panose="02020603050405020304" pitchFamily="18" charset="0"/>
+                <a:ea typeface="Times New Roman" panose="02020603050405020304" pitchFamily="18" charset="0"/>
+              </a:rPr>
+              <a:t>care</a:t>
+            </a:r>
+            <a:r>
+              <a:rPr lang="en-US" sz="1800" spc="-290" dirty="0">
+                <a:effectLst/>
+                <a:latin typeface="Times New Roman" panose="02020603050405020304" pitchFamily="18" charset="0"/>
+                <a:ea typeface="Times New Roman" panose="02020603050405020304" pitchFamily="18" charset="0"/>
+              </a:rPr>
+              <a:t> </a:t>
+            </a:r>
+            <a:r>
+              <a:rPr lang="en-US" sz="1800" dirty="0">
+                <a:effectLst/>
+                <a:latin typeface="Times New Roman" panose="02020603050405020304" pitchFamily="18" charset="0"/>
+                <a:ea typeface="Times New Roman" panose="02020603050405020304" pitchFamily="18" charset="0"/>
+              </a:rPr>
+              <a:t>about against each other and choosing the phone that achieves the best compromise. (where “best”</a:t>
+            </a:r>
+            <a:r>
+              <a:rPr lang="en-US" sz="1800" spc="5" dirty="0">
+                <a:effectLst/>
+                <a:latin typeface="Times New Roman" panose="02020603050405020304" pitchFamily="18" charset="0"/>
+                <a:ea typeface="Times New Roman" panose="02020603050405020304" pitchFamily="18" charset="0"/>
+              </a:rPr>
+              <a:t> </a:t>
+            </a:r>
+            <a:r>
+              <a:rPr lang="en-US" sz="1800" dirty="0">
+                <a:effectLst/>
+                <a:latin typeface="Times New Roman" panose="02020603050405020304" pitchFamily="18" charset="0"/>
+                <a:ea typeface="Times New Roman" panose="02020603050405020304" pitchFamily="18" charset="0"/>
+              </a:rPr>
+              <a:t>of</a:t>
+            </a:r>
+            <a:r>
+              <a:rPr lang="en-US" sz="1800" spc="-5" dirty="0">
+                <a:effectLst/>
+                <a:latin typeface="Times New Roman" panose="02020603050405020304" pitchFamily="18" charset="0"/>
+                <a:ea typeface="Times New Roman" panose="02020603050405020304" pitchFamily="18" charset="0"/>
+              </a:rPr>
+              <a:t> </a:t>
+            </a:r>
+            <a:r>
+              <a:rPr lang="en-US" sz="1800" dirty="0">
+                <a:effectLst/>
+                <a:latin typeface="Times New Roman" panose="02020603050405020304" pitchFamily="18" charset="0"/>
+                <a:ea typeface="Times New Roman" panose="02020603050405020304" pitchFamily="18" charset="0"/>
+              </a:rPr>
+              <a:t>course</a:t>
+            </a:r>
+            <a:r>
+              <a:rPr lang="en-US" sz="1800" spc="-10" dirty="0">
+                <a:effectLst/>
+                <a:latin typeface="Times New Roman" panose="02020603050405020304" pitchFamily="18" charset="0"/>
+                <a:ea typeface="Times New Roman" panose="02020603050405020304" pitchFamily="18" charset="0"/>
+              </a:rPr>
+              <a:t> </a:t>
+            </a:r>
+            <a:r>
+              <a:rPr lang="en-US" sz="1800" dirty="0">
+                <a:effectLst/>
+                <a:latin typeface="Times New Roman" panose="02020603050405020304" pitchFamily="18" charset="0"/>
+                <a:ea typeface="Times New Roman" panose="02020603050405020304" pitchFamily="18" charset="0"/>
+              </a:rPr>
+              <a:t>depends on what your priorities happen</a:t>
+            </a:r>
+            <a:r>
+              <a:rPr lang="en-US" sz="1800" spc="10" dirty="0">
+                <a:effectLst/>
+                <a:latin typeface="Times New Roman" panose="02020603050405020304" pitchFamily="18" charset="0"/>
+                <a:ea typeface="Times New Roman" panose="02020603050405020304" pitchFamily="18" charset="0"/>
+              </a:rPr>
+              <a:t> </a:t>
+            </a:r>
+            <a:r>
+              <a:rPr lang="en-US" sz="1800" dirty="0">
+                <a:effectLst/>
+                <a:latin typeface="Times New Roman" panose="02020603050405020304" pitchFamily="18" charset="0"/>
+                <a:ea typeface="Times New Roman" panose="02020603050405020304" pitchFamily="18" charset="0"/>
+              </a:rPr>
+              <a:t>to be).</a:t>
+            </a:r>
+          </a:p>
+          <a:p>
+            <a:pPr marL="148590" marR="158750" indent="371475" algn="just">
+              <a:spcBef>
+                <a:spcPts val="2905"/>
+              </a:spcBef>
+              <a:spcAft>
+                <a:spcPts val="0"/>
+              </a:spcAft>
             </a:pPr>
             <a:endParaRPr lang="en-IN" sz="1800" dirty="0">
               <a:effectLst/>
@@ -10390,20 +10756,10 @@
             </a:endParaRPr>
           </a:p>
           <a:p>
-            <a:pPr marL="0" indent="0">
+            <a:pPr marL="148590" marR="161290" indent="371475" algn="just">
               <a:spcBef>
-                <a:spcPts val="35"/>
+                <a:spcPts val="420"/>
               </a:spcBef>
-              <a:buNone/>
-            </a:pPr>
-            <a:endParaRPr lang="en-IN" sz="1800" dirty="0">
-              <a:effectLst/>
-              <a:latin typeface="Times New Roman" panose="02020603050405020304" pitchFamily="18" charset="0"/>
-              <a:ea typeface="Times New Roman" panose="02020603050405020304" pitchFamily="18" charset="0"/>
-            </a:endParaRPr>
-          </a:p>
-          <a:p>
-            <a:pPr marL="148590" marR="160020" indent="371475" algn="just">
               <a:spcAft>
                 <a:spcPts val="0"/>
               </a:spcAft>
@@ -10414,10 +10770,10 @@
                 <a:latin typeface="Times New Roman" panose="02020603050405020304" pitchFamily="18" charset="0"/>
                 <a:ea typeface="Times New Roman" panose="02020603050405020304" pitchFamily="18" charset="0"/>
               </a:rPr>
-              <a:t>Principle</a:t>
-            </a:r>
-            <a:r>
-              <a:rPr lang="en-US" sz="1800" spc="-70" dirty="0">
+              <a:t>One</a:t>
+            </a:r>
+            <a:r>
+              <a:rPr lang="en-US" sz="1800" spc="-25" dirty="0">
                 <a:effectLst/>
                 <a:latin typeface="Times New Roman" panose="02020603050405020304" pitchFamily="18" charset="0"/>
                 <a:ea typeface="Times New Roman" panose="02020603050405020304" pitchFamily="18" charset="0"/>
@@ -10430,10 +10786,26 @@
                 <a:latin typeface="Times New Roman" panose="02020603050405020304" pitchFamily="18" charset="0"/>
                 <a:ea typeface="Times New Roman" panose="02020603050405020304" pitchFamily="18" charset="0"/>
               </a:rPr>
+              <a:t>way</a:t>
+            </a:r>
+            <a:r>
+              <a:rPr lang="en-US" sz="1800" spc="-15" dirty="0">
+                <a:effectLst/>
+                <a:latin typeface="Times New Roman" panose="02020603050405020304" pitchFamily="18" charset="0"/>
+                <a:ea typeface="Times New Roman" panose="02020603050405020304" pitchFamily="18" charset="0"/>
+              </a:rPr>
+              <a:t> </a:t>
+            </a:r>
+            <a:r>
+              <a:rPr lang="en-US" sz="1800" dirty="0">
+                <a:effectLst/>
+                <a:latin typeface="Times New Roman" panose="02020603050405020304" pitchFamily="18" charset="0"/>
+                <a:ea typeface="Times New Roman" panose="02020603050405020304" pitchFamily="18" charset="0"/>
+              </a:rPr>
               <a:t>of</a:t>
             </a:r>
             <a:r>
-              <a:rPr lang="en-US" sz="1800" spc="-70" dirty="0">
+              <a:rPr lang="en-US" sz="1800" spc="-5" dirty="0">
                 <a:effectLst/>
                 <a:latin typeface="Times New Roman" panose="02020603050405020304" pitchFamily="18" charset="0"/>
                 <a:ea typeface="Times New Roman" panose="02020603050405020304" pitchFamily="18" charset="0"/>
@@ -10446,10 +10818,106 @@
                 <a:latin typeface="Times New Roman" panose="02020603050405020304" pitchFamily="18" charset="0"/>
                 <a:ea typeface="Times New Roman" panose="02020603050405020304" pitchFamily="18" charset="0"/>
               </a:rPr>
+              <a:t>measuring</a:t>
+            </a:r>
+            <a:r>
+              <a:rPr lang="en-US" sz="1800" spc="-15" dirty="0">
+                <a:effectLst/>
+                <a:latin typeface="Times New Roman" panose="02020603050405020304" pitchFamily="18" charset="0"/>
+                <a:ea typeface="Times New Roman" panose="02020603050405020304" pitchFamily="18" charset="0"/>
+              </a:rPr>
+              <a:t> </a:t>
+            </a:r>
+            <a:r>
+              <a:rPr lang="en-US" sz="1800" dirty="0">
+                <a:effectLst/>
+                <a:latin typeface="Times New Roman" panose="02020603050405020304" pitchFamily="18" charset="0"/>
+                <a:ea typeface="Times New Roman" panose="02020603050405020304" pitchFamily="18" charset="0"/>
+              </a:rPr>
+              <a:t>this</a:t>
+            </a:r>
+            <a:r>
+              <a:rPr lang="en-US" sz="1800" spc="-15" dirty="0">
+                <a:effectLst/>
+                <a:latin typeface="Times New Roman" panose="02020603050405020304" pitchFamily="18" charset="0"/>
+                <a:ea typeface="Times New Roman" panose="02020603050405020304" pitchFamily="18" charset="0"/>
+              </a:rPr>
+              <a:t> </a:t>
+            </a:r>
+            <a:r>
+              <a:rPr lang="en-US" sz="1800" dirty="0">
+                <a:effectLst/>
+                <a:latin typeface="Times New Roman" panose="02020603050405020304" pitchFamily="18" charset="0"/>
+                <a:ea typeface="Times New Roman" panose="02020603050405020304" pitchFamily="18" charset="0"/>
+              </a:rPr>
+              <a:t>sacrifice</a:t>
+            </a:r>
+            <a:r>
+              <a:rPr lang="en-US" sz="1800" spc="-20" dirty="0">
+                <a:effectLst/>
+                <a:latin typeface="Times New Roman" panose="02020603050405020304" pitchFamily="18" charset="0"/>
+                <a:ea typeface="Times New Roman" panose="02020603050405020304" pitchFamily="18" charset="0"/>
+              </a:rPr>
+              <a:t> </a:t>
+            </a:r>
+            <a:r>
+              <a:rPr lang="en-US" sz="1800" dirty="0">
+                <a:effectLst/>
+                <a:latin typeface="Times New Roman" panose="02020603050405020304" pitchFamily="18" charset="0"/>
+                <a:ea typeface="Times New Roman" panose="02020603050405020304" pitchFamily="18" charset="0"/>
+              </a:rPr>
+              <a:t>is</a:t>
+            </a:r>
+            <a:r>
+              <a:rPr lang="en-US" sz="1800" spc="-10" dirty="0">
+                <a:effectLst/>
+                <a:latin typeface="Times New Roman" panose="02020603050405020304" pitchFamily="18" charset="0"/>
+                <a:ea typeface="Times New Roman" panose="02020603050405020304" pitchFamily="18" charset="0"/>
+              </a:rPr>
+              <a:t> </a:t>
+            </a:r>
+            <a:r>
+              <a:rPr lang="en-US" sz="1800" dirty="0">
+                <a:effectLst/>
+                <a:latin typeface="Times New Roman" panose="02020603050405020304" pitchFamily="18" charset="0"/>
+                <a:ea typeface="Times New Roman" panose="02020603050405020304" pitchFamily="18" charset="0"/>
+              </a:rPr>
+              <a:t>known</a:t>
+            </a:r>
+            <a:r>
+              <a:rPr lang="en-US" sz="1800" spc="-15" dirty="0">
+                <a:effectLst/>
+                <a:latin typeface="Times New Roman" panose="02020603050405020304" pitchFamily="18" charset="0"/>
+                <a:ea typeface="Times New Roman" panose="02020603050405020304" pitchFamily="18" charset="0"/>
+              </a:rPr>
+              <a:t> </a:t>
+            </a:r>
+            <a:r>
+              <a:rPr lang="en-US" sz="1800" dirty="0">
+                <a:effectLst/>
+                <a:latin typeface="Times New Roman" panose="02020603050405020304" pitchFamily="18" charset="0"/>
+                <a:ea typeface="Times New Roman" panose="02020603050405020304" pitchFamily="18" charset="0"/>
+              </a:rPr>
+              <a:t>as the</a:t>
+            </a:r>
+            <a:r>
+              <a:rPr lang="en-US" sz="1800" spc="-20" dirty="0">
+                <a:effectLst/>
+                <a:latin typeface="Times New Roman" panose="02020603050405020304" pitchFamily="18" charset="0"/>
+                <a:ea typeface="Times New Roman" panose="02020603050405020304" pitchFamily="18" charset="0"/>
+              </a:rPr>
+              <a:t> </a:t>
+            </a:r>
+            <a:r>
+              <a:rPr lang="en-US" sz="1800" dirty="0">
+                <a:effectLst/>
+                <a:latin typeface="Times New Roman" panose="02020603050405020304" pitchFamily="18" charset="0"/>
+                <a:ea typeface="Times New Roman" panose="02020603050405020304" pitchFamily="18" charset="0"/>
+              </a:rPr>
               <a:t>opportunity</a:t>
             </a:r>
             <a:r>
-              <a:rPr lang="en-US" sz="1800" spc="-60" dirty="0">
+              <a:rPr lang="en-US" sz="1800" spc="-10" dirty="0">
                 <a:effectLst/>
                 <a:latin typeface="Times New Roman" panose="02020603050405020304" pitchFamily="18" charset="0"/>
                 <a:ea typeface="Times New Roman" panose="02020603050405020304" pitchFamily="18" charset="0"/>
@@ -10462,10 +10930,10 @@
                 <a:latin typeface="Times New Roman" panose="02020603050405020304" pitchFamily="18" charset="0"/>
                 <a:ea typeface="Times New Roman" panose="02020603050405020304" pitchFamily="18" charset="0"/>
               </a:rPr>
-              <a:t>cost</a:t>
-            </a:r>
-            <a:r>
-              <a:rPr lang="en-US" sz="1800" spc="-65" dirty="0">
+              <a:t>cost, which</a:t>
+            </a:r>
+            <a:r>
+              <a:rPr lang="en-US" sz="1800" spc="-15" dirty="0">
                 <a:effectLst/>
                 <a:latin typeface="Times New Roman" panose="02020603050405020304" pitchFamily="18" charset="0"/>
                 <a:ea typeface="Times New Roman" panose="02020603050405020304" pitchFamily="18" charset="0"/>
@@ -10478,10 +10946,10 @@
                 <a:latin typeface="Times New Roman" panose="02020603050405020304" pitchFamily="18" charset="0"/>
                 <a:ea typeface="Times New Roman" panose="02020603050405020304" pitchFamily="18" charset="0"/>
               </a:rPr>
-              <a:t>is</a:t>
-            </a:r>
-            <a:r>
-              <a:rPr lang="en-US" sz="1800" spc="-65" dirty="0">
+              <a:t>(for</a:t>
+            </a:r>
+            <a:r>
+              <a:rPr lang="en-US" sz="1800" spc="-10" dirty="0">
                 <a:effectLst/>
                 <a:latin typeface="Times New Roman" panose="02020603050405020304" pitchFamily="18" charset="0"/>
                 <a:ea typeface="Times New Roman" panose="02020603050405020304" pitchFamily="18" charset="0"/>
@@ -10494,10 +10962,10 @@
                 <a:latin typeface="Times New Roman" panose="02020603050405020304" pitchFamily="18" charset="0"/>
                 <a:ea typeface="Times New Roman" panose="02020603050405020304" pitchFamily="18" charset="0"/>
               </a:rPr>
-              <a:t>that</a:t>
-            </a:r>
-            <a:r>
-              <a:rPr lang="en-US" sz="1800" spc="-60" dirty="0">
+              <a:t>the</a:t>
+            </a:r>
+            <a:r>
+              <a:rPr lang="en-US" sz="1800" spc="-15" dirty="0">
                 <a:effectLst/>
                 <a:latin typeface="Times New Roman" panose="02020603050405020304" pitchFamily="18" charset="0"/>
                 <a:ea typeface="Times New Roman" panose="02020603050405020304" pitchFamily="18" charset="0"/>
@@ -10510,10 +10978,10 @@
                 <a:latin typeface="Times New Roman" panose="02020603050405020304" pitchFamily="18" charset="0"/>
                 <a:ea typeface="Times New Roman" panose="02020603050405020304" pitchFamily="18" charset="0"/>
               </a:rPr>
-              <a:t>the</a:t>
-            </a:r>
-            <a:r>
-              <a:rPr lang="en-US" sz="1800" spc="-70" dirty="0">
+              <a:t>purposes</a:t>
+            </a:r>
+            <a:r>
+              <a:rPr lang="en-US" sz="1800" spc="-285" dirty="0">
                 <a:effectLst/>
                 <a:latin typeface="Times New Roman" panose="02020603050405020304" pitchFamily="18" charset="0"/>
                 <a:ea typeface="Times New Roman" panose="02020603050405020304" pitchFamily="18" charset="0"/>
@@ -10526,10 +10994,10 @@
                 <a:latin typeface="Times New Roman" panose="02020603050405020304" pitchFamily="18" charset="0"/>
                 <a:ea typeface="Times New Roman" panose="02020603050405020304" pitchFamily="18" charset="0"/>
               </a:rPr>
-              <a:t>cost</a:t>
-            </a:r>
-            <a:r>
-              <a:rPr lang="en-US" sz="1800" spc="-60" dirty="0">
+              <a:t>of this problem) we define as follows. In this problem statement we assume that these values are</a:t>
+            </a:r>
+            <a:r>
+              <a:rPr lang="en-US" sz="1800" spc="5" dirty="0">
                 <a:effectLst/>
                 <a:latin typeface="Times New Roman" panose="02020603050405020304" pitchFamily="18" charset="0"/>
                 <a:ea typeface="Times New Roman" panose="02020603050405020304" pitchFamily="18" charset="0"/>
@@ -10542,187 +11010,14 @@
                 <a:latin typeface="Times New Roman" panose="02020603050405020304" pitchFamily="18" charset="0"/>
                 <a:ea typeface="Times New Roman" panose="02020603050405020304" pitchFamily="18" charset="0"/>
               </a:rPr>
-              <a:t>of</a:t>
-            </a:r>
-            <a:r>
-              <a:rPr lang="en-US" sz="1800" spc="-70" dirty="0">
-                <a:effectLst/>
-                <a:latin typeface="Times New Roman" panose="02020603050405020304" pitchFamily="18" charset="0"/>
-                <a:ea typeface="Times New Roman" panose="02020603050405020304" pitchFamily="18" charset="0"/>
-              </a:rPr>
-              <a:t> </a:t>
-            </a:r>
-            <a:r>
-              <a:rPr lang="en-US" sz="1800" dirty="0">
-                <a:effectLst/>
-                <a:latin typeface="Times New Roman" panose="02020603050405020304" pitchFamily="18" charset="0"/>
-                <a:ea typeface="Times New Roman" panose="02020603050405020304" pitchFamily="18" charset="0"/>
-              </a:rPr>
-              <a:t>one</a:t>
-            </a:r>
-            <a:r>
-              <a:rPr lang="en-US" sz="1800" spc="-70" dirty="0">
-                <a:effectLst/>
-                <a:latin typeface="Times New Roman" panose="02020603050405020304" pitchFamily="18" charset="0"/>
-                <a:ea typeface="Times New Roman" panose="02020603050405020304" pitchFamily="18" charset="0"/>
-              </a:rPr>
-              <a:t> </a:t>
-            </a:r>
-            <a:r>
-              <a:rPr lang="en-US" sz="1800" dirty="0">
-                <a:effectLst/>
-                <a:latin typeface="Times New Roman" panose="02020603050405020304" pitchFamily="18" charset="0"/>
-                <a:ea typeface="Times New Roman" panose="02020603050405020304" pitchFamily="18" charset="0"/>
-              </a:rPr>
-              <a:t>item</a:t>
-            </a:r>
-            <a:r>
-              <a:rPr lang="en-US" sz="1800" spc="-60" dirty="0">
-                <a:effectLst/>
-                <a:latin typeface="Times New Roman" panose="02020603050405020304" pitchFamily="18" charset="0"/>
-                <a:ea typeface="Times New Roman" panose="02020603050405020304" pitchFamily="18" charset="0"/>
-              </a:rPr>
-              <a:t> </a:t>
-            </a:r>
-            <a:r>
-              <a:rPr lang="en-US" sz="1800" dirty="0">
-                <a:effectLst/>
-                <a:latin typeface="Times New Roman" panose="02020603050405020304" pitchFamily="18" charset="0"/>
-                <a:ea typeface="Times New Roman" panose="02020603050405020304" pitchFamily="18" charset="0"/>
-              </a:rPr>
-              <a:t>is</a:t>
-            </a:r>
-            <a:r>
-              <a:rPr lang="en-US" sz="1800" spc="-65" dirty="0">
-                <a:effectLst/>
-                <a:latin typeface="Times New Roman" panose="02020603050405020304" pitchFamily="18" charset="0"/>
-                <a:ea typeface="Times New Roman" panose="02020603050405020304" pitchFamily="18" charset="0"/>
-              </a:rPr>
-              <a:t> </a:t>
-            </a:r>
-            <a:r>
-              <a:rPr lang="en-US" sz="1800" dirty="0">
-                <a:effectLst/>
-                <a:latin typeface="Times New Roman" panose="02020603050405020304" pitchFamily="18" charset="0"/>
-                <a:ea typeface="Times New Roman" panose="02020603050405020304" pitchFamily="18" charset="0"/>
-              </a:rPr>
-              <a:t>the</a:t>
-            </a:r>
-            <a:r>
-              <a:rPr lang="en-US" sz="1800" spc="-65" dirty="0">
-                <a:effectLst/>
-                <a:latin typeface="Times New Roman" panose="02020603050405020304" pitchFamily="18" charset="0"/>
-                <a:ea typeface="Times New Roman" panose="02020603050405020304" pitchFamily="18" charset="0"/>
-              </a:rPr>
-              <a:t> </a:t>
-            </a:r>
-            <a:r>
-              <a:rPr lang="en-US" sz="1800" dirty="0">
-                <a:effectLst/>
-                <a:latin typeface="Times New Roman" panose="02020603050405020304" pitchFamily="18" charset="0"/>
-                <a:ea typeface="Times New Roman" panose="02020603050405020304" pitchFamily="18" charset="0"/>
-              </a:rPr>
-              <a:t>lost</a:t>
-            </a:r>
-            <a:r>
-              <a:rPr lang="en-US" sz="1800" spc="-65" dirty="0">
-                <a:effectLst/>
-                <a:latin typeface="Times New Roman" panose="02020603050405020304" pitchFamily="18" charset="0"/>
-                <a:ea typeface="Times New Roman" panose="02020603050405020304" pitchFamily="18" charset="0"/>
-              </a:rPr>
-              <a:t> </a:t>
-            </a:r>
-            <a:r>
-              <a:rPr lang="en-US" sz="1800" dirty="0">
-                <a:effectLst/>
-                <a:latin typeface="Times New Roman" panose="02020603050405020304" pitchFamily="18" charset="0"/>
-                <a:ea typeface="Times New Roman" panose="02020603050405020304" pitchFamily="18" charset="0"/>
-              </a:rPr>
-              <a:t>opportunity</a:t>
-            </a:r>
-            <a:r>
-              <a:rPr lang="en-US" sz="1800" spc="-65" dirty="0">
-                <a:effectLst/>
-                <a:latin typeface="Times New Roman" panose="02020603050405020304" pitchFamily="18" charset="0"/>
-                <a:ea typeface="Times New Roman" panose="02020603050405020304" pitchFamily="18" charset="0"/>
-              </a:rPr>
-              <a:t> </a:t>
-            </a:r>
-            <a:r>
-              <a:rPr lang="en-US" sz="1800" dirty="0">
-                <a:effectLst/>
-                <a:latin typeface="Times New Roman" panose="02020603050405020304" pitchFamily="18" charset="0"/>
-                <a:ea typeface="Times New Roman" panose="02020603050405020304" pitchFamily="18" charset="0"/>
-              </a:rPr>
-              <a:t>to</a:t>
-            </a:r>
-            <a:r>
-              <a:rPr lang="en-US" sz="1800" spc="-60" dirty="0">
-                <a:effectLst/>
-                <a:latin typeface="Times New Roman" panose="02020603050405020304" pitchFamily="18" charset="0"/>
-                <a:ea typeface="Times New Roman" panose="02020603050405020304" pitchFamily="18" charset="0"/>
-              </a:rPr>
-              <a:t> </a:t>
-            </a:r>
-            <a:r>
-              <a:rPr lang="en-US" sz="1800" dirty="0">
-                <a:effectLst/>
-                <a:latin typeface="Times New Roman" panose="02020603050405020304" pitchFamily="18" charset="0"/>
-                <a:ea typeface="Times New Roman" panose="02020603050405020304" pitchFamily="18" charset="0"/>
-              </a:rPr>
-              <a:t>do</a:t>
-            </a:r>
-            <a:r>
-              <a:rPr lang="en-US" sz="1800" spc="-65" dirty="0">
-                <a:effectLst/>
-                <a:latin typeface="Times New Roman" panose="02020603050405020304" pitchFamily="18" charset="0"/>
-                <a:ea typeface="Times New Roman" panose="02020603050405020304" pitchFamily="18" charset="0"/>
-              </a:rPr>
-              <a:t> </a:t>
-            </a:r>
-            <a:r>
-              <a:rPr lang="en-US" sz="1800" dirty="0">
-                <a:effectLst/>
-                <a:latin typeface="Times New Roman" panose="02020603050405020304" pitchFamily="18" charset="0"/>
-                <a:ea typeface="Times New Roman" panose="02020603050405020304" pitchFamily="18" charset="0"/>
-              </a:rPr>
-              <a:t>or</a:t>
-            </a:r>
-            <a:r>
-              <a:rPr lang="en-US" sz="1800" spc="-65" dirty="0">
-                <a:effectLst/>
-                <a:latin typeface="Times New Roman" panose="02020603050405020304" pitchFamily="18" charset="0"/>
-                <a:ea typeface="Times New Roman" panose="02020603050405020304" pitchFamily="18" charset="0"/>
-              </a:rPr>
-              <a:t> </a:t>
-            </a:r>
-            <a:r>
-              <a:rPr lang="en-US" sz="1800" dirty="0">
-                <a:effectLst/>
-                <a:latin typeface="Times New Roman" panose="02020603050405020304" pitchFamily="18" charset="0"/>
-                <a:ea typeface="Times New Roman" panose="02020603050405020304" pitchFamily="18" charset="0"/>
-              </a:rPr>
-              <a:t>consume</a:t>
-            </a:r>
-            <a:r>
-              <a:rPr lang="en-US" sz="1800" spc="-290" dirty="0">
-                <a:effectLst/>
-                <a:latin typeface="Times New Roman" panose="02020603050405020304" pitchFamily="18" charset="0"/>
-                <a:ea typeface="Times New Roman" panose="02020603050405020304" pitchFamily="18" charset="0"/>
-              </a:rPr>
-              <a:t> </a:t>
-            </a:r>
-            <a:r>
-              <a:rPr lang="en-US" sz="1800" dirty="0">
-                <a:effectLst/>
-                <a:latin typeface="Times New Roman" panose="02020603050405020304" pitchFamily="18" charset="0"/>
-                <a:ea typeface="Times New Roman" panose="02020603050405020304" pitchFamily="18" charset="0"/>
-              </a:rPr>
-              <a:t>something else; in short opportunity cost is the value of the next best alternative. </a:t>
-            </a:r>
-          </a:p>
-          <a:p>
-            <a:pPr marL="148590" marR="160020" indent="371475" algn="just">
+              <a:t>measured on a comparable numeric scale higher is better.</a:t>
+            </a:r>
+          </a:p>
+          <a:p>
+            <a:pPr marL="148590" marR="161290" indent="371475" algn="just">
+              <a:spcBef>
+                <a:spcPts val="420"/>
+              </a:spcBef>
               <a:spcAft>
                 <a:spcPts val="0"/>
               </a:spcAft>
@@ -10734,7 +11029,10 @@
             </a:endParaRPr>
           </a:p>
           <a:p>
-            <a:pPr marL="148590" marR="160020" indent="371475" algn="just">
+            <a:pPr marL="148590" marR="161290" indent="371475" algn="just">
+              <a:spcBef>
+                <a:spcPts val="420"/>
+              </a:spcBef>
               <a:spcAft>
                 <a:spcPts val="0"/>
               </a:spcAft>
@@ -10745,10 +11043,10 @@
                 <a:latin typeface="Times New Roman" panose="02020603050405020304" pitchFamily="18" charset="0"/>
                 <a:ea typeface="Times New Roman" panose="02020603050405020304" pitchFamily="18" charset="0"/>
               </a:rPr>
-              <a:t>Opportunity cost is the potential profit that an individual, investor, or business loses when</a:t>
-            </a:r>
-            <a:r>
-              <a:rPr lang="en-US" sz="1800" spc="5" dirty="0">
+              <a:t>x = price of the</a:t>
+            </a:r>
+            <a:r>
+              <a:rPr lang="en-US" sz="1800" spc="-285" dirty="0">
                 <a:effectLst/>
                 <a:latin typeface="Times New Roman" panose="02020603050405020304" pitchFamily="18" charset="0"/>
                 <a:ea typeface="Times New Roman" panose="02020603050405020304" pitchFamily="18" charset="0"/>
@@ -10761,34 +11059,15 @@
                 <a:latin typeface="Times New Roman" panose="02020603050405020304" pitchFamily="18" charset="0"/>
                 <a:ea typeface="Times New Roman" panose="02020603050405020304" pitchFamily="18" charset="0"/>
               </a:rPr>
-              <a:t>choosing one alternative over another. Opportunity cost apply to many aspects of life decision. </a:t>
-            </a:r>
-          </a:p>
-          <a:p>
-            <a:pPr marL="148590" marR="160020" indent="371475" algn="just">
-              <a:spcAft>
-                <a:spcPts val="0"/>
-              </a:spcAft>
-            </a:pPr>
-            <a:endParaRPr lang="en-US" dirty="0">
-              <a:latin typeface="Times New Roman" panose="02020603050405020304" pitchFamily="18" charset="0"/>
-              <a:ea typeface="Times New Roman" panose="02020603050405020304" pitchFamily="18" charset="0"/>
-            </a:endParaRPr>
-          </a:p>
-          <a:p>
-            <a:pPr marL="148590" marR="160020" indent="0" algn="just">
-              <a:spcAft>
-                <a:spcPts val="0"/>
-              </a:spcAft>
-              <a:buNone/>
-            </a:pPr>
-            <a:r>
-              <a:rPr lang="en-US" sz="1800" dirty="0" err="1">
-                <a:effectLst/>
-                <a:latin typeface="Times New Roman" panose="02020603050405020304" pitchFamily="18" charset="0"/>
-                <a:ea typeface="Times New Roman" panose="02020603050405020304" pitchFamily="18" charset="0"/>
-              </a:rPr>
-              <a:t>Eg.</a:t>
+              <a:t>phone,</a:t>
+            </a:r>
+            <a:r>
+              <a:rPr lang="en-US" sz="1800" spc="-5" dirty="0">
+                <a:effectLst/>
+                <a:latin typeface="Times New Roman" panose="02020603050405020304" pitchFamily="18" charset="0"/>
+                <a:ea typeface="Times New Roman" panose="02020603050405020304" pitchFamily="18" charset="0"/>
+              </a:rPr>
+              <a:t> </a:t>
             </a:r>
             <a:r>
               <a:rPr lang="en-US" sz="1800" dirty="0">
@@ -10796,10 +11075,10 @@
                 <a:latin typeface="Times New Roman" panose="02020603050405020304" pitchFamily="18" charset="0"/>
                 <a:ea typeface="Times New Roman" panose="02020603050405020304" pitchFamily="18" charset="0"/>
               </a:rPr>
-              <a:t> Often,</a:t>
-            </a:r>
-            <a:r>
-              <a:rPr lang="en-US" sz="1800" spc="5" dirty="0">
+              <a:t>y=</a:t>
+            </a:r>
+            <a:r>
+              <a:rPr lang="en-US" sz="1800" spc="-5" dirty="0">
                 <a:effectLst/>
                 <a:latin typeface="Times New Roman" panose="02020603050405020304" pitchFamily="18" charset="0"/>
                 <a:ea typeface="Times New Roman" panose="02020603050405020304" pitchFamily="18" charset="0"/>
@@ -10812,10 +11091,10 @@
                 <a:latin typeface="Times New Roman" panose="02020603050405020304" pitchFamily="18" charset="0"/>
                 <a:ea typeface="Times New Roman" panose="02020603050405020304" pitchFamily="18" charset="0"/>
               </a:rPr>
-              <a:t>money becomes the root causes decision-making. If you decide to spend money on a vacation and you</a:t>
-            </a:r>
-            <a:r>
-              <a:rPr lang="en-US" sz="1800" spc="-285" dirty="0">
+              <a:t>performance of the</a:t>
+            </a:r>
+            <a:r>
+              <a:rPr lang="en-US" sz="1800" spc="-10" dirty="0">
                 <a:effectLst/>
                 <a:latin typeface="Times New Roman" panose="02020603050405020304" pitchFamily="18" charset="0"/>
                 <a:ea typeface="Times New Roman" panose="02020603050405020304" pitchFamily="18" charset="0"/>
@@ -10828,7 +11107,7 @@
                 <a:latin typeface="Times New Roman" panose="02020603050405020304" pitchFamily="18" charset="0"/>
                 <a:ea typeface="Times New Roman" panose="02020603050405020304" pitchFamily="18" charset="0"/>
               </a:rPr>
-              <a:t>delay</a:t>
+              <a:t>phone, z=</a:t>
             </a:r>
             <a:r>
               <a:rPr lang="en-US" sz="1800" spc="-5" dirty="0">
@@ -10844,151 +11123,7 @@
                 <a:latin typeface="Times New Roman" panose="02020603050405020304" pitchFamily="18" charset="0"/>
                 <a:ea typeface="Times New Roman" panose="02020603050405020304" pitchFamily="18" charset="0"/>
               </a:rPr>
-              <a:t>your</a:t>
-            </a:r>
-            <a:r>
-              <a:rPr lang="en-US" sz="1800" spc="-10" dirty="0">
-                <a:effectLst/>
-                <a:latin typeface="Times New Roman" panose="02020603050405020304" pitchFamily="18" charset="0"/>
-                <a:ea typeface="Times New Roman" panose="02020603050405020304" pitchFamily="18" charset="0"/>
-              </a:rPr>
-              <a:t> </a:t>
-            </a:r>
-            <a:r>
-              <a:rPr lang="en-US" sz="1800" dirty="0">
-                <a:effectLst/>
-                <a:latin typeface="Times New Roman" panose="02020603050405020304" pitchFamily="18" charset="0"/>
-                <a:ea typeface="Times New Roman" panose="02020603050405020304" pitchFamily="18" charset="0"/>
-              </a:rPr>
-              <a:t>home’s</a:t>
-            </a:r>
-            <a:r>
-              <a:rPr lang="en-US" sz="1800" spc="5" dirty="0">
-                <a:effectLst/>
-                <a:latin typeface="Times New Roman" panose="02020603050405020304" pitchFamily="18" charset="0"/>
-                <a:ea typeface="Times New Roman" panose="02020603050405020304" pitchFamily="18" charset="0"/>
-              </a:rPr>
-              <a:t> </a:t>
-            </a:r>
-            <a:r>
-              <a:rPr lang="en-US" sz="1800" dirty="0">
-                <a:effectLst/>
-                <a:latin typeface="Times New Roman" panose="02020603050405020304" pitchFamily="18" charset="0"/>
-                <a:ea typeface="Times New Roman" panose="02020603050405020304" pitchFamily="18" charset="0"/>
-              </a:rPr>
-              <a:t>remodel, then</a:t>
-            </a:r>
-            <a:r>
-              <a:rPr lang="en-US" sz="1800" spc="-5" dirty="0">
-                <a:effectLst/>
-                <a:latin typeface="Times New Roman" panose="02020603050405020304" pitchFamily="18" charset="0"/>
-                <a:ea typeface="Times New Roman" panose="02020603050405020304" pitchFamily="18" charset="0"/>
-              </a:rPr>
-              <a:t> </a:t>
-            </a:r>
-            <a:r>
-              <a:rPr lang="en-US" sz="1800" dirty="0">
-                <a:effectLst/>
-                <a:latin typeface="Times New Roman" panose="02020603050405020304" pitchFamily="18" charset="0"/>
-                <a:ea typeface="Times New Roman" panose="02020603050405020304" pitchFamily="18" charset="0"/>
-              </a:rPr>
-              <a:t>your</a:t>
-            </a:r>
-            <a:r>
-              <a:rPr lang="en-US" sz="1800" spc="-5" dirty="0">
-                <a:effectLst/>
-                <a:latin typeface="Times New Roman" panose="02020603050405020304" pitchFamily="18" charset="0"/>
-                <a:ea typeface="Times New Roman" panose="02020603050405020304" pitchFamily="18" charset="0"/>
-              </a:rPr>
-              <a:t> </a:t>
-            </a:r>
-            <a:r>
-              <a:rPr lang="en-US" sz="1800" dirty="0">
-                <a:effectLst/>
-                <a:latin typeface="Times New Roman" panose="02020603050405020304" pitchFamily="18" charset="0"/>
-                <a:ea typeface="Times New Roman" panose="02020603050405020304" pitchFamily="18" charset="0"/>
-              </a:rPr>
-              <a:t>opportunity</a:t>
-            </a:r>
-            <a:r>
-              <a:rPr lang="en-US" sz="1800" spc="-5" dirty="0">
-                <a:effectLst/>
-                <a:latin typeface="Times New Roman" panose="02020603050405020304" pitchFamily="18" charset="0"/>
-                <a:ea typeface="Times New Roman" panose="02020603050405020304" pitchFamily="18" charset="0"/>
-              </a:rPr>
-              <a:t> </a:t>
-            </a:r>
-            <a:r>
-              <a:rPr lang="en-US" sz="1800" dirty="0">
-                <a:effectLst/>
-                <a:latin typeface="Times New Roman" panose="02020603050405020304" pitchFamily="18" charset="0"/>
-                <a:ea typeface="Times New Roman" panose="02020603050405020304" pitchFamily="18" charset="0"/>
-              </a:rPr>
-              <a:t>cost is</a:t>
-            </a:r>
-            <a:r>
-              <a:rPr lang="en-US" sz="1800" spc="-10" dirty="0">
-                <a:effectLst/>
-                <a:latin typeface="Times New Roman" panose="02020603050405020304" pitchFamily="18" charset="0"/>
-                <a:ea typeface="Times New Roman" panose="02020603050405020304" pitchFamily="18" charset="0"/>
-              </a:rPr>
-              <a:t> </a:t>
-            </a:r>
-            <a:r>
-              <a:rPr lang="en-US" sz="1800" dirty="0">
-                <a:effectLst/>
-                <a:latin typeface="Times New Roman" panose="02020603050405020304" pitchFamily="18" charset="0"/>
-                <a:ea typeface="Times New Roman" panose="02020603050405020304" pitchFamily="18" charset="0"/>
-              </a:rPr>
-              <a:t>the benefit</a:t>
-            </a:r>
-            <a:r>
-              <a:rPr lang="en-US" sz="1800" spc="-5" dirty="0">
-                <a:effectLst/>
-                <a:latin typeface="Times New Roman" panose="02020603050405020304" pitchFamily="18" charset="0"/>
-                <a:ea typeface="Times New Roman" panose="02020603050405020304" pitchFamily="18" charset="0"/>
-              </a:rPr>
-              <a:t> </a:t>
-            </a:r>
-            <a:r>
-              <a:rPr lang="en-US" sz="1800" dirty="0">
-                <a:effectLst/>
-                <a:latin typeface="Times New Roman" panose="02020603050405020304" pitchFamily="18" charset="0"/>
-                <a:ea typeface="Times New Roman" panose="02020603050405020304" pitchFamily="18" charset="0"/>
-              </a:rPr>
-              <a:t>living in</a:t>
-            </a:r>
-            <a:r>
-              <a:rPr lang="en-US" sz="1800" spc="-5" dirty="0">
-                <a:effectLst/>
-                <a:latin typeface="Times New Roman" panose="02020603050405020304" pitchFamily="18" charset="0"/>
-                <a:ea typeface="Times New Roman" panose="02020603050405020304" pitchFamily="18" charset="0"/>
-              </a:rPr>
-              <a:t> </a:t>
-            </a:r>
-            <a:r>
-              <a:rPr lang="en-US" sz="1800" dirty="0">
-                <a:effectLst/>
-                <a:latin typeface="Times New Roman" panose="02020603050405020304" pitchFamily="18" charset="0"/>
-                <a:ea typeface="Times New Roman" panose="02020603050405020304" pitchFamily="18" charset="0"/>
-              </a:rPr>
-              <a:t>a renovated</a:t>
-            </a:r>
-            <a:r>
-              <a:rPr lang="en-US" sz="1800" spc="-5" dirty="0">
-                <a:effectLst/>
-                <a:latin typeface="Times New Roman" panose="02020603050405020304" pitchFamily="18" charset="0"/>
-                <a:ea typeface="Times New Roman" panose="02020603050405020304" pitchFamily="18" charset="0"/>
-              </a:rPr>
-              <a:t> </a:t>
-            </a:r>
-            <a:r>
-              <a:rPr lang="en-US" sz="1800" dirty="0">
-                <a:effectLst/>
-                <a:latin typeface="Times New Roman" panose="02020603050405020304" pitchFamily="18" charset="0"/>
-                <a:ea typeface="Times New Roman" panose="02020603050405020304" pitchFamily="18" charset="0"/>
-              </a:rPr>
-              <a:t>home.</a:t>
+              <a:t>user-friendliness.</a:t>
             </a:r>
             <a:endParaRPr lang="en-IN" sz="1800" dirty="0">
               <a:effectLst/>
@@ -10996,109 +11131,12 @@
               <a:ea typeface="Times New Roman" panose="02020603050405020304" pitchFamily="18" charset="0"/>
             </a:endParaRPr>
           </a:p>
-          <a:p>
-            <a:pPr marL="0" indent="0">
-              <a:spcBef>
-                <a:spcPts val="10"/>
-              </a:spcBef>
-              <a:buNone/>
-            </a:pPr>
-            <a:endParaRPr lang="en-IN" sz="1800" dirty="0">
-              <a:effectLst/>
-              <a:latin typeface="Times New Roman" panose="02020603050405020304" pitchFamily="18" charset="0"/>
-              <a:ea typeface="Times New Roman" panose="02020603050405020304" pitchFamily="18" charset="0"/>
-            </a:endParaRPr>
-          </a:p>
-          <a:p>
-            <a:pPr marL="148590" marR="161290" indent="371475" algn="just">
-              <a:spcAft>
-                <a:spcPts val="0"/>
-              </a:spcAft>
-            </a:pPr>
-            <a:r>
-              <a:rPr lang="en-US" sz="1800" dirty="0">
-                <a:effectLst/>
-                <a:latin typeface="Times New Roman" panose="02020603050405020304" pitchFamily="18" charset="0"/>
-                <a:ea typeface="Times New Roman" panose="02020603050405020304" pitchFamily="18" charset="0"/>
-              </a:rPr>
-              <a:t>Opportunity cost is the cost of taking one decision over another. This is not only</a:t>
-            </a:r>
-            <a:r>
-              <a:rPr lang="en-US" sz="1800" spc="5" dirty="0">
-                <a:effectLst/>
-                <a:latin typeface="Times New Roman" panose="02020603050405020304" pitchFamily="18" charset="0"/>
-                <a:ea typeface="Times New Roman" panose="02020603050405020304" pitchFamily="18" charset="0"/>
-              </a:rPr>
-              <a:t> </a:t>
-            </a:r>
-            <a:r>
-              <a:rPr lang="en-US" sz="1800" dirty="0">
-                <a:effectLst/>
-                <a:latin typeface="Times New Roman" panose="02020603050405020304" pitchFamily="18" charset="0"/>
-                <a:ea typeface="Times New Roman" panose="02020603050405020304" pitchFamily="18" charset="0"/>
-              </a:rPr>
-              <a:t>financial, but also in time, efforts and utility. Opportunity cost can lead to optimal decision making</a:t>
-            </a:r>
-            <a:r>
-              <a:rPr lang="en-US" sz="1800" spc="5" dirty="0">
-                <a:effectLst/>
-                <a:latin typeface="Times New Roman" panose="02020603050405020304" pitchFamily="18" charset="0"/>
-                <a:ea typeface="Times New Roman" panose="02020603050405020304" pitchFamily="18" charset="0"/>
-              </a:rPr>
-              <a:t> </a:t>
-            </a:r>
-            <a:r>
-              <a:rPr lang="en-US" sz="1800" dirty="0">
-                <a:effectLst/>
-                <a:latin typeface="Times New Roman" panose="02020603050405020304" pitchFamily="18" charset="0"/>
-                <a:ea typeface="Times New Roman" panose="02020603050405020304" pitchFamily="18" charset="0"/>
-              </a:rPr>
-              <a:t>when factor such as price, time, performance, user-friendliness is considered. It’s considered three</a:t>
-            </a:r>
-            <a:r>
-              <a:rPr lang="en-US" sz="1800" spc="5" dirty="0">
-                <a:effectLst/>
-                <a:latin typeface="Times New Roman" panose="02020603050405020304" pitchFamily="18" charset="0"/>
-                <a:ea typeface="Times New Roman" panose="02020603050405020304" pitchFamily="18" charset="0"/>
-              </a:rPr>
-              <a:t> </a:t>
-            </a:r>
-            <a:r>
-              <a:rPr lang="en-US" sz="1800" dirty="0">
-                <a:effectLst/>
-                <a:latin typeface="Times New Roman" panose="02020603050405020304" pitchFamily="18" charset="0"/>
-                <a:ea typeface="Times New Roman" panose="02020603050405020304" pitchFamily="18" charset="0"/>
-              </a:rPr>
-              <a:t>potential</a:t>
-            </a:r>
-            <a:r>
-              <a:rPr lang="en-US" sz="1800" spc="-5" dirty="0">
-                <a:effectLst/>
-                <a:latin typeface="Times New Roman" panose="02020603050405020304" pitchFamily="18" charset="0"/>
-                <a:ea typeface="Times New Roman" panose="02020603050405020304" pitchFamily="18" charset="0"/>
-              </a:rPr>
-              <a:t> </a:t>
-            </a:r>
-            <a:r>
-              <a:rPr lang="en-US" sz="1800" dirty="0">
-                <a:effectLst/>
-                <a:latin typeface="Times New Roman" panose="02020603050405020304" pitchFamily="18" charset="0"/>
-                <a:ea typeface="Times New Roman" panose="02020603050405020304" pitchFamily="18" charset="0"/>
-              </a:rPr>
-              <a:t>options and the benefits of each.</a:t>
-            </a:r>
-            <a:endParaRPr lang="en-IN" sz="1800" dirty="0">
-              <a:effectLst/>
-              <a:latin typeface="Times New Roman" panose="02020603050405020304" pitchFamily="18" charset="0"/>
-              <a:ea typeface="Times New Roman" panose="02020603050405020304" pitchFamily="18" charset="0"/>
-            </a:endParaRPr>
-          </a:p>
         </p:txBody>
       </p:sp>
     </p:spTree>
     <p:extLst>
       <p:ext uri="{BB962C8B-B14F-4D97-AF65-F5344CB8AC3E}">
-        <p14:creationId xmlns:p14="http://schemas.microsoft.com/office/powerpoint/2010/main" val="1565520145"/>
+        <p14:creationId xmlns:p14="http://schemas.microsoft.com/office/powerpoint/2010/main" val="1076060418"/>
       </p:ext>
     </p:extLst>
   </p:cSld>
@@ -11130,7 +11168,7 @@
           <p:cNvPr id="3" name="Content Placeholder 2">
             <a:extLst>
               <a:ext uri="{FF2B5EF4-FFF2-40B4-BE49-F238E27FC236}">
-                <a16:creationId xmlns:a16="http://schemas.microsoft.com/office/drawing/2014/main" id="{569CBA97-8001-CBAF-F5CC-6FB3FCD15ABF}"/>
+                <a16:creationId xmlns:a16="http://schemas.microsoft.com/office/drawing/2014/main" id="{7BE0816F-C0EA-5FBE-8A7E-E86C631DBE2A}"/>
               </a:ext>
             </a:extLst>
           </p:cNvPr>
@@ -11143,8 +11181,8 @@
         </p:nvSpPr>
         <p:spPr>
           <a:xfrm>
-            <a:off x="1893887" y="1133474"/>
-            <a:ext cx="9107488" cy="5362576"/>
+            <a:off x="1085849" y="300037"/>
+            <a:ext cx="10896601" cy="6124575"/>
           </a:xfrm>
         </p:spPr>
         <p:txBody>
@@ -11162,381 +11200,15 @@
                   <a:srgbClr val="FF0000"/>
                 </a:solidFill>
               </a:rPr>
-              <a:t>ABSTRACT :</a:t>
-            </a:r>
-          </a:p>
-          <a:p>
-            <a:pPr marL="148590" marR="158750" indent="371475" algn="just">
+              <a:t>Introduction: </a:t>
+            </a:r>
+          </a:p>
+          <a:p>
+            <a:pPr marL="0" indent="0">
               <a:spcBef>
-                <a:spcPts val="2905"/>
+                <a:spcPts val="35"/>
               </a:spcBef>
-              <a:spcAft>
-                <a:spcPts val="0"/>
-              </a:spcAft>
-            </a:pPr>
-            <a:r>
-              <a:rPr lang="en-US" sz="1800" dirty="0">
-                <a:effectLst/>
-                <a:latin typeface="Times New Roman" panose="02020603050405020304" pitchFamily="18" charset="0"/>
-                <a:ea typeface="Times New Roman" panose="02020603050405020304" pitchFamily="18" charset="0"/>
-              </a:rPr>
-              <a:t>There is x is price, y is performance and z are user-</a:t>
-            </a:r>
-            <a:r>
-              <a:rPr lang="en-US" sz="1800" spc="5" dirty="0">
-                <a:effectLst/>
-                <a:latin typeface="Times New Roman" panose="02020603050405020304" pitchFamily="18" charset="0"/>
-                <a:ea typeface="Times New Roman" panose="02020603050405020304" pitchFamily="18" charset="0"/>
-              </a:rPr>
-              <a:t> </a:t>
-            </a:r>
-            <a:r>
-              <a:rPr lang="en-US" sz="1800" dirty="0">
-                <a:effectLst/>
-                <a:latin typeface="Times New Roman" panose="02020603050405020304" pitchFamily="18" charset="0"/>
-                <a:ea typeface="Times New Roman" panose="02020603050405020304" pitchFamily="18" charset="0"/>
-              </a:rPr>
-              <a:t>friendliness.</a:t>
-            </a:r>
-            <a:r>
-              <a:rPr lang="en-US" sz="1800" spc="-5" dirty="0">
-                <a:effectLst/>
-                <a:latin typeface="Times New Roman" panose="02020603050405020304" pitchFamily="18" charset="0"/>
-                <a:ea typeface="Times New Roman" panose="02020603050405020304" pitchFamily="18" charset="0"/>
-              </a:rPr>
-              <a:t> </a:t>
-            </a:r>
-          </a:p>
-          <a:p>
-            <a:pPr marL="148590" marR="158750" indent="371475" algn="just">
-              <a:spcBef>
-                <a:spcPts val="2905"/>
-              </a:spcBef>
-              <a:spcAft>
-                <a:spcPts val="0"/>
-              </a:spcAft>
-            </a:pPr>
-            <a:r>
-              <a:rPr lang="en-US" sz="1800" dirty="0">
-                <a:effectLst/>
-                <a:latin typeface="Times New Roman" panose="02020603050405020304" pitchFamily="18" charset="0"/>
-                <a:ea typeface="Times New Roman" panose="02020603050405020304" pitchFamily="18" charset="0"/>
-              </a:rPr>
-              <a:t>In</a:t>
-            </a:r>
-            <a:r>
-              <a:rPr lang="en-US" sz="1800" spc="-20" dirty="0">
-                <a:effectLst/>
-                <a:latin typeface="Times New Roman" panose="02020603050405020304" pitchFamily="18" charset="0"/>
-                <a:ea typeface="Times New Roman" panose="02020603050405020304" pitchFamily="18" charset="0"/>
-              </a:rPr>
-              <a:t> </a:t>
-            </a:r>
-            <a:r>
-              <a:rPr lang="en-US" sz="1800" dirty="0">
-                <a:effectLst/>
-                <a:latin typeface="Times New Roman" panose="02020603050405020304" pitchFamily="18" charset="0"/>
-                <a:ea typeface="Times New Roman" panose="02020603050405020304" pitchFamily="18" charset="0"/>
-              </a:rPr>
-              <a:t>these</a:t>
-            </a:r>
-            <a:r>
-              <a:rPr lang="en-US" sz="1800" spc="-25" dirty="0">
-                <a:effectLst/>
-                <a:latin typeface="Times New Roman" panose="02020603050405020304" pitchFamily="18" charset="0"/>
-                <a:ea typeface="Times New Roman" panose="02020603050405020304" pitchFamily="18" charset="0"/>
-              </a:rPr>
-              <a:t> </a:t>
-            </a:r>
-            <a:r>
-              <a:rPr lang="en-US" sz="1800" dirty="0">
-                <a:effectLst/>
-                <a:latin typeface="Times New Roman" panose="02020603050405020304" pitchFamily="18" charset="0"/>
-                <a:ea typeface="Times New Roman" panose="02020603050405020304" pitchFamily="18" charset="0"/>
-              </a:rPr>
-              <a:t>problem</a:t>
-            </a:r>
-            <a:r>
-              <a:rPr lang="en-US" sz="1800" spc="-15" dirty="0">
-                <a:effectLst/>
-                <a:latin typeface="Times New Roman" panose="02020603050405020304" pitchFamily="18" charset="0"/>
-                <a:ea typeface="Times New Roman" panose="02020603050405020304" pitchFamily="18" charset="0"/>
-              </a:rPr>
-              <a:t> </a:t>
-            </a:r>
-            <a:r>
-              <a:rPr lang="en-US" sz="1800" dirty="0">
-                <a:effectLst/>
-                <a:latin typeface="Times New Roman" panose="02020603050405020304" pitchFamily="18" charset="0"/>
-                <a:ea typeface="Times New Roman" panose="02020603050405020304" pitchFamily="18" charset="0"/>
-              </a:rPr>
-              <a:t>statement</a:t>
-            </a:r>
-            <a:r>
-              <a:rPr lang="en-US" sz="1800" spc="-20" dirty="0">
-                <a:effectLst/>
-                <a:latin typeface="Times New Roman" panose="02020603050405020304" pitchFamily="18" charset="0"/>
-                <a:ea typeface="Times New Roman" panose="02020603050405020304" pitchFamily="18" charset="0"/>
-              </a:rPr>
-              <a:t> </a:t>
-            </a:r>
-            <a:r>
-              <a:rPr lang="en-US" sz="1800" dirty="0">
-                <a:effectLst/>
-                <a:latin typeface="Times New Roman" panose="02020603050405020304" pitchFamily="18" charset="0"/>
-                <a:ea typeface="Times New Roman" panose="02020603050405020304" pitchFamily="18" charset="0"/>
-              </a:rPr>
-              <a:t>you</a:t>
-            </a:r>
-            <a:r>
-              <a:rPr lang="en-US" sz="1800" spc="-20" dirty="0">
-                <a:effectLst/>
-                <a:latin typeface="Times New Roman" panose="02020603050405020304" pitchFamily="18" charset="0"/>
-                <a:ea typeface="Times New Roman" panose="02020603050405020304" pitchFamily="18" charset="0"/>
-              </a:rPr>
-              <a:t> </a:t>
-            </a:r>
-            <a:r>
-              <a:rPr lang="en-US" sz="1800" dirty="0">
-                <a:effectLst/>
-                <a:latin typeface="Times New Roman" panose="02020603050405020304" pitchFamily="18" charset="0"/>
-                <a:ea typeface="Times New Roman" panose="02020603050405020304" pitchFamily="18" charset="0"/>
-              </a:rPr>
-              <a:t>are</a:t>
-            </a:r>
-            <a:r>
-              <a:rPr lang="en-US" sz="1800" spc="-15" dirty="0">
-                <a:effectLst/>
-                <a:latin typeface="Times New Roman" panose="02020603050405020304" pitchFamily="18" charset="0"/>
-                <a:ea typeface="Times New Roman" panose="02020603050405020304" pitchFamily="18" charset="0"/>
-              </a:rPr>
-              <a:t> </a:t>
-            </a:r>
-            <a:r>
-              <a:rPr lang="en-US" sz="1800" dirty="0">
-                <a:effectLst/>
-                <a:latin typeface="Times New Roman" panose="02020603050405020304" pitchFamily="18" charset="0"/>
-                <a:ea typeface="Times New Roman" panose="02020603050405020304" pitchFamily="18" charset="0"/>
-              </a:rPr>
-              <a:t>forced</a:t>
-            </a:r>
-            <a:r>
-              <a:rPr lang="en-US" sz="1800" spc="-15" dirty="0">
-                <a:effectLst/>
-                <a:latin typeface="Times New Roman" panose="02020603050405020304" pitchFamily="18" charset="0"/>
-                <a:ea typeface="Times New Roman" panose="02020603050405020304" pitchFamily="18" charset="0"/>
-              </a:rPr>
-              <a:t> </a:t>
-            </a:r>
-            <a:r>
-              <a:rPr lang="en-US" sz="1800" dirty="0">
-                <a:effectLst/>
-                <a:latin typeface="Times New Roman" panose="02020603050405020304" pitchFamily="18" charset="0"/>
-                <a:ea typeface="Times New Roman" panose="02020603050405020304" pitchFamily="18" charset="0"/>
-              </a:rPr>
-              <a:t>to</a:t>
-            </a:r>
-            <a:r>
-              <a:rPr lang="en-US" sz="1800" spc="-15" dirty="0">
-                <a:effectLst/>
-                <a:latin typeface="Times New Roman" panose="02020603050405020304" pitchFamily="18" charset="0"/>
-                <a:ea typeface="Times New Roman" panose="02020603050405020304" pitchFamily="18" charset="0"/>
-              </a:rPr>
-              <a:t> </a:t>
-            </a:r>
-            <a:r>
-              <a:rPr lang="en-US" sz="1800" dirty="0">
-                <a:effectLst/>
-                <a:latin typeface="Times New Roman" panose="02020603050405020304" pitchFamily="18" charset="0"/>
-                <a:ea typeface="Times New Roman" panose="02020603050405020304" pitchFamily="18" charset="0"/>
-              </a:rPr>
-              <a:t>make</a:t>
-            </a:r>
-            <a:r>
-              <a:rPr lang="en-US" sz="1800" spc="-25" dirty="0">
-                <a:effectLst/>
-                <a:latin typeface="Times New Roman" panose="02020603050405020304" pitchFamily="18" charset="0"/>
-                <a:ea typeface="Times New Roman" panose="02020603050405020304" pitchFamily="18" charset="0"/>
-              </a:rPr>
-              <a:t> </a:t>
-            </a:r>
-            <a:r>
-              <a:rPr lang="en-US" sz="1800" dirty="0">
-                <a:effectLst/>
-                <a:latin typeface="Times New Roman" panose="02020603050405020304" pitchFamily="18" charset="0"/>
-                <a:ea typeface="Times New Roman" panose="02020603050405020304" pitchFamily="18" charset="0"/>
-              </a:rPr>
-              <a:t>some</a:t>
-            </a:r>
-            <a:r>
-              <a:rPr lang="en-US" sz="1800" spc="-20" dirty="0">
-                <a:effectLst/>
-                <a:latin typeface="Times New Roman" panose="02020603050405020304" pitchFamily="18" charset="0"/>
-                <a:ea typeface="Times New Roman" panose="02020603050405020304" pitchFamily="18" charset="0"/>
-              </a:rPr>
-              <a:t> </a:t>
-            </a:r>
-            <a:r>
-              <a:rPr lang="en-US" sz="1800" dirty="0">
-                <a:effectLst/>
-                <a:latin typeface="Times New Roman" panose="02020603050405020304" pitchFamily="18" charset="0"/>
-                <a:ea typeface="Times New Roman" panose="02020603050405020304" pitchFamily="18" charset="0"/>
-              </a:rPr>
-              <a:t>sacrifices</a:t>
-            </a:r>
-            <a:r>
-              <a:rPr lang="en-US" sz="1800" spc="-15" dirty="0">
-                <a:effectLst/>
-                <a:latin typeface="Times New Roman" panose="02020603050405020304" pitchFamily="18" charset="0"/>
-                <a:ea typeface="Times New Roman" panose="02020603050405020304" pitchFamily="18" charset="0"/>
-              </a:rPr>
-              <a:t> </a:t>
-            </a:r>
-            <a:r>
-              <a:rPr lang="en-US" sz="1800" dirty="0">
-                <a:effectLst/>
-                <a:latin typeface="Times New Roman" panose="02020603050405020304" pitchFamily="18" charset="0"/>
-                <a:ea typeface="Times New Roman" panose="02020603050405020304" pitchFamily="18" charset="0"/>
-              </a:rPr>
-              <a:t>the</a:t>
-            </a:r>
-            <a:r>
-              <a:rPr lang="en-US" sz="1800" spc="-20" dirty="0">
-                <a:effectLst/>
-                <a:latin typeface="Times New Roman" panose="02020603050405020304" pitchFamily="18" charset="0"/>
-                <a:ea typeface="Times New Roman" panose="02020603050405020304" pitchFamily="18" charset="0"/>
-              </a:rPr>
-              <a:t> </a:t>
-            </a:r>
-            <a:r>
-              <a:rPr lang="en-US" sz="1800" dirty="0">
-                <a:effectLst/>
-                <a:latin typeface="Times New Roman" panose="02020603050405020304" pitchFamily="18" charset="0"/>
-                <a:ea typeface="Times New Roman" panose="02020603050405020304" pitchFamily="18" charset="0"/>
-              </a:rPr>
-              <a:t>aspects</a:t>
-            </a:r>
-            <a:r>
-              <a:rPr lang="en-US" sz="1800" spc="-15" dirty="0">
-                <a:effectLst/>
-                <a:latin typeface="Times New Roman" panose="02020603050405020304" pitchFamily="18" charset="0"/>
-                <a:ea typeface="Times New Roman" panose="02020603050405020304" pitchFamily="18" charset="0"/>
-              </a:rPr>
-              <a:t> </a:t>
-            </a:r>
-            <a:r>
-              <a:rPr lang="en-US" sz="1800" dirty="0">
-                <a:effectLst/>
-                <a:latin typeface="Times New Roman" panose="02020603050405020304" pitchFamily="18" charset="0"/>
-                <a:ea typeface="Times New Roman" panose="02020603050405020304" pitchFamily="18" charset="0"/>
-              </a:rPr>
-              <a:t>you</a:t>
-            </a:r>
-            <a:r>
-              <a:rPr lang="en-US" sz="1800" spc="-15" dirty="0">
-                <a:effectLst/>
-                <a:latin typeface="Times New Roman" panose="02020603050405020304" pitchFamily="18" charset="0"/>
-                <a:ea typeface="Times New Roman" panose="02020603050405020304" pitchFamily="18" charset="0"/>
-              </a:rPr>
-              <a:t> </a:t>
-            </a:r>
-            <a:r>
-              <a:rPr lang="en-US" sz="1800" dirty="0">
-                <a:effectLst/>
-                <a:latin typeface="Times New Roman" panose="02020603050405020304" pitchFamily="18" charset="0"/>
-                <a:ea typeface="Times New Roman" panose="02020603050405020304" pitchFamily="18" charset="0"/>
-              </a:rPr>
-              <a:t>care</a:t>
-            </a:r>
-            <a:r>
-              <a:rPr lang="en-US" sz="1800" spc="-290" dirty="0">
-                <a:effectLst/>
-                <a:latin typeface="Times New Roman" panose="02020603050405020304" pitchFamily="18" charset="0"/>
-                <a:ea typeface="Times New Roman" panose="02020603050405020304" pitchFamily="18" charset="0"/>
-              </a:rPr>
-              <a:t> </a:t>
-            </a:r>
-            <a:r>
-              <a:rPr lang="en-US" sz="1800" dirty="0">
-                <a:effectLst/>
-                <a:latin typeface="Times New Roman" panose="02020603050405020304" pitchFamily="18" charset="0"/>
-                <a:ea typeface="Times New Roman" panose="02020603050405020304" pitchFamily="18" charset="0"/>
-              </a:rPr>
-              <a:t>about against each other and choosing the phone that achieves the best compromise. (where “best”</a:t>
-            </a:r>
-            <a:r>
-              <a:rPr lang="en-US" sz="1800" spc="5" dirty="0">
-                <a:effectLst/>
-                <a:latin typeface="Times New Roman" panose="02020603050405020304" pitchFamily="18" charset="0"/>
-                <a:ea typeface="Times New Roman" panose="02020603050405020304" pitchFamily="18" charset="0"/>
-              </a:rPr>
-              <a:t> </a:t>
-            </a:r>
-            <a:r>
-              <a:rPr lang="en-US" sz="1800" dirty="0">
-                <a:effectLst/>
-                <a:latin typeface="Times New Roman" panose="02020603050405020304" pitchFamily="18" charset="0"/>
-                <a:ea typeface="Times New Roman" panose="02020603050405020304" pitchFamily="18" charset="0"/>
-              </a:rPr>
-              <a:t>of</a:t>
-            </a:r>
-            <a:r>
-              <a:rPr lang="en-US" sz="1800" spc="-5" dirty="0">
-                <a:effectLst/>
-                <a:latin typeface="Times New Roman" panose="02020603050405020304" pitchFamily="18" charset="0"/>
-                <a:ea typeface="Times New Roman" panose="02020603050405020304" pitchFamily="18" charset="0"/>
-              </a:rPr>
-              <a:t> </a:t>
-            </a:r>
-            <a:r>
-              <a:rPr lang="en-US" sz="1800" dirty="0">
-                <a:effectLst/>
-                <a:latin typeface="Times New Roman" panose="02020603050405020304" pitchFamily="18" charset="0"/>
-                <a:ea typeface="Times New Roman" panose="02020603050405020304" pitchFamily="18" charset="0"/>
-              </a:rPr>
-              <a:t>course</a:t>
-            </a:r>
-            <a:r>
-              <a:rPr lang="en-US" sz="1800" spc="-10" dirty="0">
-                <a:effectLst/>
-                <a:latin typeface="Times New Roman" panose="02020603050405020304" pitchFamily="18" charset="0"/>
-                <a:ea typeface="Times New Roman" panose="02020603050405020304" pitchFamily="18" charset="0"/>
-              </a:rPr>
-              <a:t> </a:t>
-            </a:r>
-            <a:r>
-              <a:rPr lang="en-US" sz="1800" dirty="0">
-                <a:effectLst/>
-                <a:latin typeface="Times New Roman" panose="02020603050405020304" pitchFamily="18" charset="0"/>
-                <a:ea typeface="Times New Roman" panose="02020603050405020304" pitchFamily="18" charset="0"/>
-              </a:rPr>
-              <a:t>depends on what your priorities happen</a:t>
-            </a:r>
-            <a:r>
-              <a:rPr lang="en-US" sz="1800" spc="10" dirty="0">
-                <a:effectLst/>
-                <a:latin typeface="Times New Roman" panose="02020603050405020304" pitchFamily="18" charset="0"/>
-                <a:ea typeface="Times New Roman" panose="02020603050405020304" pitchFamily="18" charset="0"/>
-              </a:rPr>
-              <a:t> </a:t>
-            </a:r>
-            <a:r>
-              <a:rPr lang="en-US" sz="1800" dirty="0">
-                <a:effectLst/>
-                <a:latin typeface="Times New Roman" panose="02020603050405020304" pitchFamily="18" charset="0"/>
-                <a:ea typeface="Times New Roman" panose="02020603050405020304" pitchFamily="18" charset="0"/>
-              </a:rPr>
-              <a:t>to be).</a:t>
-            </a:r>
-          </a:p>
-          <a:p>
-            <a:pPr marL="148590" marR="158750" indent="371475" algn="just">
-              <a:spcBef>
-                <a:spcPts val="2905"/>
-              </a:spcBef>
-              <a:spcAft>
-                <a:spcPts val="0"/>
-              </a:spcAft>
+              <a:buNone/>
             </a:pPr>
             <a:endParaRPr lang="en-IN" sz="1800" dirty="0">
               <a:effectLst/>
@@ -11545,10 +11217,20 @@
             </a:endParaRPr>
           </a:p>
           <a:p>
-            <a:pPr marL="148590" marR="161290" indent="371475" algn="just">
+            <a:pPr marL="0" indent="0">
               <a:spcBef>
-                <a:spcPts val="420"/>
+                <a:spcPts val="35"/>
               </a:spcBef>
+              <a:buNone/>
+            </a:pPr>
+            <a:endParaRPr lang="en-IN" sz="1800" dirty="0">
+              <a:effectLst/>
+              <a:latin typeface="Times New Roman" panose="02020603050405020304" pitchFamily="18" charset="0"/>
+              <a:ea typeface="Times New Roman" panose="02020603050405020304" pitchFamily="18" charset="0"/>
+            </a:endParaRPr>
+          </a:p>
+          <a:p>
+            <a:pPr marL="148590" marR="160020" indent="371475" algn="just">
               <a:spcAft>
                 <a:spcPts val="0"/>
               </a:spcAft>
@@ -11559,10 +11241,10 @@
                 <a:latin typeface="Times New Roman" panose="02020603050405020304" pitchFamily="18" charset="0"/>
                 <a:ea typeface="Times New Roman" panose="02020603050405020304" pitchFamily="18" charset="0"/>
               </a:rPr>
-              <a:t>One</a:t>
-            </a:r>
-            <a:r>
-              <a:rPr lang="en-US" sz="1800" spc="-25" dirty="0">
+              <a:t>Principle</a:t>
+            </a:r>
+            <a:r>
+              <a:rPr lang="en-US" sz="1800" spc="-70" dirty="0">
                 <a:effectLst/>
                 <a:latin typeface="Times New Roman" panose="02020603050405020304" pitchFamily="18" charset="0"/>
                 <a:ea typeface="Times New Roman" panose="02020603050405020304" pitchFamily="18" charset="0"/>
@@ -11575,10 +11257,10 @@
                 <a:latin typeface="Times New Roman" panose="02020603050405020304" pitchFamily="18" charset="0"/>
                 <a:ea typeface="Times New Roman" panose="02020603050405020304" pitchFamily="18" charset="0"/>
               </a:rPr>
-              <a:t>way</a:t>
-            </a:r>
-            <a:r>
-              <a:rPr lang="en-US" sz="1800" spc="-15" dirty="0">
+              <a:t>of</a:t>
+            </a:r>
+            <a:r>
+              <a:rPr lang="en-US" sz="1800" spc="-70" dirty="0">
                 <a:effectLst/>
                 <a:latin typeface="Times New Roman" panose="02020603050405020304" pitchFamily="18" charset="0"/>
                 <a:ea typeface="Times New Roman" panose="02020603050405020304" pitchFamily="18" charset="0"/>
@@ -11591,10 +11273,106 @@
                 <a:latin typeface="Times New Roman" panose="02020603050405020304" pitchFamily="18" charset="0"/>
                 <a:ea typeface="Times New Roman" panose="02020603050405020304" pitchFamily="18" charset="0"/>
               </a:rPr>
+              <a:t>opportunity</a:t>
+            </a:r>
+            <a:r>
+              <a:rPr lang="en-US" sz="1800" spc="-60" dirty="0">
+                <a:effectLst/>
+                <a:latin typeface="Times New Roman" panose="02020603050405020304" pitchFamily="18" charset="0"/>
+                <a:ea typeface="Times New Roman" panose="02020603050405020304" pitchFamily="18" charset="0"/>
+              </a:rPr>
+              <a:t> </a:t>
+            </a:r>
+            <a:r>
+              <a:rPr lang="en-US" sz="1800" dirty="0">
+                <a:effectLst/>
+                <a:latin typeface="Times New Roman" panose="02020603050405020304" pitchFamily="18" charset="0"/>
+                <a:ea typeface="Times New Roman" panose="02020603050405020304" pitchFamily="18" charset="0"/>
+              </a:rPr>
+              <a:t>cost</a:t>
+            </a:r>
+            <a:r>
+              <a:rPr lang="en-US" sz="1800" spc="-65" dirty="0">
+                <a:effectLst/>
+                <a:latin typeface="Times New Roman" panose="02020603050405020304" pitchFamily="18" charset="0"/>
+                <a:ea typeface="Times New Roman" panose="02020603050405020304" pitchFamily="18" charset="0"/>
+              </a:rPr>
+              <a:t> </a:t>
+            </a:r>
+            <a:r>
+              <a:rPr lang="en-US" sz="1800" dirty="0">
+                <a:effectLst/>
+                <a:latin typeface="Times New Roman" panose="02020603050405020304" pitchFamily="18" charset="0"/>
+                <a:ea typeface="Times New Roman" panose="02020603050405020304" pitchFamily="18" charset="0"/>
+              </a:rPr>
+              <a:t>is</a:t>
+            </a:r>
+            <a:r>
+              <a:rPr lang="en-US" sz="1800" spc="-65" dirty="0">
+                <a:effectLst/>
+                <a:latin typeface="Times New Roman" panose="02020603050405020304" pitchFamily="18" charset="0"/>
+                <a:ea typeface="Times New Roman" panose="02020603050405020304" pitchFamily="18" charset="0"/>
+              </a:rPr>
+              <a:t> </a:t>
+            </a:r>
+            <a:r>
+              <a:rPr lang="en-US" sz="1800" dirty="0">
+                <a:effectLst/>
+                <a:latin typeface="Times New Roman" panose="02020603050405020304" pitchFamily="18" charset="0"/>
+                <a:ea typeface="Times New Roman" panose="02020603050405020304" pitchFamily="18" charset="0"/>
+              </a:rPr>
+              <a:t>that</a:t>
+            </a:r>
+            <a:r>
+              <a:rPr lang="en-US" sz="1800" spc="-60" dirty="0">
+                <a:effectLst/>
+                <a:latin typeface="Times New Roman" panose="02020603050405020304" pitchFamily="18" charset="0"/>
+                <a:ea typeface="Times New Roman" panose="02020603050405020304" pitchFamily="18" charset="0"/>
+              </a:rPr>
+              <a:t> </a:t>
+            </a:r>
+            <a:r>
+              <a:rPr lang="en-US" sz="1800" dirty="0">
+                <a:effectLst/>
+                <a:latin typeface="Times New Roman" panose="02020603050405020304" pitchFamily="18" charset="0"/>
+                <a:ea typeface="Times New Roman" panose="02020603050405020304" pitchFamily="18" charset="0"/>
+              </a:rPr>
+              <a:t>the</a:t>
+            </a:r>
+            <a:r>
+              <a:rPr lang="en-US" sz="1800" spc="-70" dirty="0">
+                <a:effectLst/>
+                <a:latin typeface="Times New Roman" panose="02020603050405020304" pitchFamily="18" charset="0"/>
+                <a:ea typeface="Times New Roman" panose="02020603050405020304" pitchFamily="18" charset="0"/>
+              </a:rPr>
+              <a:t> </a:t>
+            </a:r>
+            <a:r>
+              <a:rPr lang="en-US" sz="1800" dirty="0">
+                <a:effectLst/>
+                <a:latin typeface="Times New Roman" panose="02020603050405020304" pitchFamily="18" charset="0"/>
+                <a:ea typeface="Times New Roman" panose="02020603050405020304" pitchFamily="18" charset="0"/>
+              </a:rPr>
+              <a:t>cost</a:t>
+            </a:r>
+            <a:r>
+              <a:rPr lang="en-US" sz="1800" spc="-60" dirty="0">
+                <a:effectLst/>
+                <a:latin typeface="Times New Roman" panose="02020603050405020304" pitchFamily="18" charset="0"/>
+                <a:ea typeface="Times New Roman" panose="02020603050405020304" pitchFamily="18" charset="0"/>
+              </a:rPr>
+              <a:t> </a:t>
+            </a:r>
+            <a:r>
+              <a:rPr lang="en-US" sz="1800" dirty="0">
+                <a:effectLst/>
+                <a:latin typeface="Times New Roman" panose="02020603050405020304" pitchFamily="18" charset="0"/>
+                <a:ea typeface="Times New Roman" panose="02020603050405020304" pitchFamily="18" charset="0"/>
+              </a:rPr>
               <a:t>of</a:t>
             </a:r>
             <a:r>
-              <a:rPr lang="en-US" sz="1800" spc="-5" dirty="0">
+              <a:rPr lang="en-US" sz="1800" spc="-70" dirty="0">
                 <a:effectLst/>
                 <a:latin typeface="Times New Roman" panose="02020603050405020304" pitchFamily="18" charset="0"/>
                 <a:ea typeface="Times New Roman" panose="02020603050405020304" pitchFamily="18" charset="0"/>
@@ -11607,10 +11385,10 @@
                 <a:latin typeface="Times New Roman" panose="02020603050405020304" pitchFamily="18" charset="0"/>
                 <a:ea typeface="Times New Roman" panose="02020603050405020304" pitchFamily="18" charset="0"/>
               </a:rPr>
-              <a:t>measuring</a:t>
-            </a:r>
-            <a:r>
-              <a:rPr lang="en-US" sz="1800" spc="-15" dirty="0">
+              <a:t>one</a:t>
+            </a:r>
+            <a:r>
+              <a:rPr lang="en-US" sz="1800" spc="-70" dirty="0">
                 <a:effectLst/>
                 <a:latin typeface="Times New Roman" panose="02020603050405020304" pitchFamily="18" charset="0"/>
                 <a:ea typeface="Times New Roman" panose="02020603050405020304" pitchFamily="18" charset="0"/>
@@ -11623,10 +11401,10 @@
                 <a:latin typeface="Times New Roman" panose="02020603050405020304" pitchFamily="18" charset="0"/>
                 <a:ea typeface="Times New Roman" panose="02020603050405020304" pitchFamily="18" charset="0"/>
               </a:rPr>
-              <a:t>this</a:t>
-            </a:r>
-            <a:r>
-              <a:rPr lang="en-US" sz="1800" spc="-15" dirty="0">
+              <a:t>item</a:t>
+            </a:r>
+            <a:r>
+              <a:rPr lang="en-US" sz="1800" spc="-60" dirty="0">
                 <a:effectLst/>
                 <a:latin typeface="Times New Roman" panose="02020603050405020304" pitchFamily="18" charset="0"/>
                 <a:ea typeface="Times New Roman" panose="02020603050405020304" pitchFamily="18" charset="0"/>
@@ -11639,10 +11417,10 @@
                 <a:latin typeface="Times New Roman" panose="02020603050405020304" pitchFamily="18" charset="0"/>
                 <a:ea typeface="Times New Roman" panose="02020603050405020304" pitchFamily="18" charset="0"/>
               </a:rPr>
-              <a:t>sacrifice</a:t>
-            </a:r>
-            <a:r>
-              <a:rPr lang="en-US" sz="1800" spc="-20" dirty="0">
+              <a:t>is</a:t>
+            </a:r>
+            <a:r>
+              <a:rPr lang="en-US" sz="1800" spc="-65" dirty="0">
                 <a:effectLst/>
                 <a:latin typeface="Times New Roman" panose="02020603050405020304" pitchFamily="18" charset="0"/>
                 <a:ea typeface="Times New Roman" panose="02020603050405020304" pitchFamily="18" charset="0"/>
@@ -11655,10 +11433,10 @@
                 <a:latin typeface="Times New Roman" panose="02020603050405020304" pitchFamily="18" charset="0"/>
                 <a:ea typeface="Times New Roman" panose="02020603050405020304" pitchFamily="18" charset="0"/>
               </a:rPr>
-              <a:t>is</a:t>
-            </a:r>
-            <a:r>
-              <a:rPr lang="en-US" sz="1800" spc="-10" dirty="0">
+              <a:t>the</a:t>
+            </a:r>
+            <a:r>
+              <a:rPr lang="en-US" sz="1800" spc="-65" dirty="0">
                 <a:effectLst/>
                 <a:latin typeface="Times New Roman" panose="02020603050405020304" pitchFamily="18" charset="0"/>
                 <a:ea typeface="Times New Roman" panose="02020603050405020304" pitchFamily="18" charset="0"/>
@@ -11671,10 +11449,10 @@
                 <a:latin typeface="Times New Roman" panose="02020603050405020304" pitchFamily="18" charset="0"/>
                 <a:ea typeface="Times New Roman" panose="02020603050405020304" pitchFamily="18" charset="0"/>
               </a:rPr>
-              <a:t>known</a:t>
-            </a:r>
-            <a:r>
-              <a:rPr lang="en-US" sz="1800" spc="-15" dirty="0">
+              <a:t>lost</a:t>
+            </a:r>
+            <a:r>
+              <a:rPr lang="en-US" sz="1800" spc="-65" dirty="0">
                 <a:effectLst/>
                 <a:latin typeface="Times New Roman" panose="02020603050405020304" pitchFamily="18" charset="0"/>
                 <a:ea typeface="Times New Roman" panose="02020603050405020304" pitchFamily="18" charset="0"/>
@@ -11687,10 +11465,10 @@
                 <a:latin typeface="Times New Roman" panose="02020603050405020304" pitchFamily="18" charset="0"/>
                 <a:ea typeface="Times New Roman" panose="02020603050405020304" pitchFamily="18" charset="0"/>
               </a:rPr>
-              <a:t>as the</a:t>
-            </a:r>
-            <a:r>
-              <a:rPr lang="en-US" sz="1800" spc="-20" dirty="0">
+              <a:t>opportunity</a:t>
+            </a:r>
+            <a:r>
+              <a:rPr lang="en-US" sz="1800" spc="-65" dirty="0">
                 <a:effectLst/>
                 <a:latin typeface="Times New Roman" panose="02020603050405020304" pitchFamily="18" charset="0"/>
                 <a:ea typeface="Times New Roman" panose="02020603050405020304" pitchFamily="18" charset="0"/>
@@ -11703,10 +11481,10 @@
                 <a:latin typeface="Times New Roman" panose="02020603050405020304" pitchFamily="18" charset="0"/>
                 <a:ea typeface="Times New Roman" panose="02020603050405020304" pitchFamily="18" charset="0"/>
               </a:rPr>
-              <a:t>opportunity</a:t>
-            </a:r>
-            <a:r>
-              <a:rPr lang="en-US" sz="1800" spc="-10" dirty="0">
+              <a:t>to</a:t>
+            </a:r>
+            <a:r>
+              <a:rPr lang="en-US" sz="1800" spc="-60" dirty="0">
                 <a:effectLst/>
                 <a:latin typeface="Times New Roman" panose="02020603050405020304" pitchFamily="18" charset="0"/>
                 <a:ea typeface="Times New Roman" panose="02020603050405020304" pitchFamily="18" charset="0"/>
@@ -11719,10 +11497,10 @@
                 <a:latin typeface="Times New Roman" panose="02020603050405020304" pitchFamily="18" charset="0"/>
                 <a:ea typeface="Times New Roman" panose="02020603050405020304" pitchFamily="18" charset="0"/>
               </a:rPr>
-              <a:t>cost, which</a:t>
-            </a:r>
-            <a:r>
-              <a:rPr lang="en-US" sz="1800" spc="-15" dirty="0">
+              <a:t>do</a:t>
+            </a:r>
+            <a:r>
+              <a:rPr lang="en-US" sz="1800" spc="-65" dirty="0">
                 <a:effectLst/>
                 <a:latin typeface="Times New Roman" panose="02020603050405020304" pitchFamily="18" charset="0"/>
                 <a:ea typeface="Times New Roman" panose="02020603050405020304" pitchFamily="18" charset="0"/>
@@ -11735,10 +11513,10 @@
                 <a:latin typeface="Times New Roman" panose="02020603050405020304" pitchFamily="18" charset="0"/>
                 <a:ea typeface="Times New Roman" panose="02020603050405020304" pitchFamily="18" charset="0"/>
               </a:rPr>
-              <a:t>(for</a:t>
-            </a:r>
-            <a:r>
-              <a:rPr lang="en-US" sz="1800" spc="-10" dirty="0">
+              <a:t>or</a:t>
+            </a:r>
+            <a:r>
+              <a:rPr lang="en-US" sz="1800" spc="-65" dirty="0">
                 <a:effectLst/>
                 <a:latin typeface="Times New Roman" panose="02020603050405020304" pitchFamily="18" charset="0"/>
                 <a:ea typeface="Times New Roman" panose="02020603050405020304" pitchFamily="18" charset="0"/>
@@ -11751,10 +11529,10 @@
                 <a:latin typeface="Times New Roman" panose="02020603050405020304" pitchFamily="18" charset="0"/>
                 <a:ea typeface="Times New Roman" panose="02020603050405020304" pitchFamily="18" charset="0"/>
               </a:rPr>
-              <a:t>the</a:t>
-            </a:r>
-            <a:r>
-              <a:rPr lang="en-US" sz="1800" spc="-15" dirty="0">
+              <a:t>consume</a:t>
+            </a:r>
+            <a:r>
+              <a:rPr lang="en-US" sz="1800" spc="-290" dirty="0">
                 <a:effectLst/>
                 <a:latin typeface="Times New Roman" panose="02020603050405020304" pitchFamily="18" charset="0"/>
                 <a:ea typeface="Times New Roman" panose="02020603050405020304" pitchFamily="18" charset="0"/>
@@ -11767,46 +11545,11 @@
                 <a:latin typeface="Times New Roman" panose="02020603050405020304" pitchFamily="18" charset="0"/>
                 <a:ea typeface="Times New Roman" panose="02020603050405020304" pitchFamily="18" charset="0"/>
               </a:rPr>
-              <a:t>purposes</a:t>
-            </a:r>
-            <a:r>
-              <a:rPr lang="en-US" sz="1800" spc="-285" dirty="0">
-                <a:effectLst/>
-                <a:latin typeface="Times New Roman" panose="02020603050405020304" pitchFamily="18" charset="0"/>
-                <a:ea typeface="Times New Roman" panose="02020603050405020304" pitchFamily="18" charset="0"/>
-              </a:rPr>
-              <a:t> </a:t>
-            </a:r>
-            <a:r>
-              <a:rPr lang="en-US" sz="1800" dirty="0">
-                <a:effectLst/>
-                <a:latin typeface="Times New Roman" panose="02020603050405020304" pitchFamily="18" charset="0"/>
-                <a:ea typeface="Times New Roman" panose="02020603050405020304" pitchFamily="18" charset="0"/>
-              </a:rPr>
-              <a:t>of this problem) we define as follows. In this problem statement we assume that these values are</a:t>
-            </a:r>
-            <a:r>
-              <a:rPr lang="en-US" sz="1800" spc="5" dirty="0">
-                <a:effectLst/>
-                <a:latin typeface="Times New Roman" panose="02020603050405020304" pitchFamily="18" charset="0"/>
-                <a:ea typeface="Times New Roman" panose="02020603050405020304" pitchFamily="18" charset="0"/>
-              </a:rPr>
-              <a:t> </a:t>
-            </a:r>
-            <a:r>
-              <a:rPr lang="en-US" sz="1800" dirty="0">
-                <a:effectLst/>
-                <a:latin typeface="Times New Roman" panose="02020603050405020304" pitchFamily="18" charset="0"/>
-                <a:ea typeface="Times New Roman" panose="02020603050405020304" pitchFamily="18" charset="0"/>
-              </a:rPr>
-              <a:t>measured on a comparable numeric scale higher is better.</a:t>
-            </a:r>
-          </a:p>
-          <a:p>
-            <a:pPr marL="148590" marR="161290" indent="371475" algn="just">
-              <a:spcBef>
-                <a:spcPts val="420"/>
-              </a:spcBef>
+              <a:t>something else; in short opportunity cost is the value of the next best alternative. </a:t>
+            </a:r>
+          </a:p>
+          <a:p>
+            <a:pPr marL="148590" marR="160020" indent="371475" algn="just">
               <a:spcAft>
                 <a:spcPts val="0"/>
               </a:spcAft>
@@ -11818,10 +11561,7 @@
             </a:endParaRPr>
           </a:p>
           <a:p>
-            <a:pPr marL="148590" marR="161290" indent="371475" algn="just">
-              <a:spcBef>
-                <a:spcPts val="420"/>
-              </a:spcBef>
+            <a:pPr marL="148590" marR="160020" indent="371475" algn="just">
               <a:spcAft>
                 <a:spcPts val="0"/>
               </a:spcAft>
@@ -11832,7 +11572,74 @@
                 <a:latin typeface="Times New Roman" panose="02020603050405020304" pitchFamily="18" charset="0"/>
                 <a:ea typeface="Times New Roman" panose="02020603050405020304" pitchFamily="18" charset="0"/>
               </a:rPr>
-              <a:t>x = price of the</a:t>
+              <a:t>Opportunity cost is the potential profit that an individual, investor, or business loses when</a:t>
+            </a:r>
+            <a:r>
+              <a:rPr lang="en-US" sz="1800" spc="5" dirty="0">
+                <a:effectLst/>
+                <a:latin typeface="Times New Roman" panose="02020603050405020304" pitchFamily="18" charset="0"/>
+                <a:ea typeface="Times New Roman" panose="02020603050405020304" pitchFamily="18" charset="0"/>
+              </a:rPr>
+              <a:t> </a:t>
+            </a:r>
+            <a:r>
+              <a:rPr lang="en-US" sz="1800" dirty="0">
+                <a:effectLst/>
+                <a:latin typeface="Times New Roman" panose="02020603050405020304" pitchFamily="18" charset="0"/>
+                <a:ea typeface="Times New Roman" panose="02020603050405020304" pitchFamily="18" charset="0"/>
+              </a:rPr>
+              <a:t>choosing one alternative over another. Opportunity cost apply to many aspects of life decision. </a:t>
+            </a:r>
+          </a:p>
+          <a:p>
+            <a:pPr marL="148590" marR="160020" indent="371475" algn="just">
+              <a:spcAft>
+                <a:spcPts val="0"/>
+              </a:spcAft>
+            </a:pPr>
+            <a:endParaRPr lang="en-US" dirty="0">
+              <a:latin typeface="Times New Roman" panose="02020603050405020304" pitchFamily="18" charset="0"/>
+              <a:ea typeface="Times New Roman" panose="02020603050405020304" pitchFamily="18" charset="0"/>
+            </a:endParaRPr>
+          </a:p>
+          <a:p>
+            <a:pPr marL="148590" marR="160020" indent="0" algn="just">
+              <a:spcAft>
+                <a:spcPts val="0"/>
+              </a:spcAft>
+              <a:buNone/>
+            </a:pPr>
+            <a:r>
+              <a:rPr lang="en-US" sz="1800" dirty="0" err="1">
+                <a:effectLst/>
+                <a:latin typeface="Times New Roman" panose="02020603050405020304" pitchFamily="18" charset="0"/>
+                <a:ea typeface="Times New Roman" panose="02020603050405020304" pitchFamily="18" charset="0"/>
+              </a:rPr>
+              <a:t>Eg.</a:t>
+            </a:r>
+            <a:r>
+              <a:rPr lang="en-US" sz="1800" dirty="0">
+                <a:effectLst/>
+                <a:latin typeface="Times New Roman" panose="02020603050405020304" pitchFamily="18" charset="0"/>
+                <a:ea typeface="Times New Roman" panose="02020603050405020304" pitchFamily="18" charset="0"/>
+              </a:rPr>
+              <a:t> Often,</a:t>
+            </a:r>
+            <a:r>
+              <a:rPr lang="en-US" sz="1800" spc="5" dirty="0">
+                <a:effectLst/>
+                <a:latin typeface="Times New Roman" panose="02020603050405020304" pitchFamily="18" charset="0"/>
+                <a:ea typeface="Times New Roman" panose="02020603050405020304" pitchFamily="18" charset="0"/>
+              </a:rPr>
+              <a:t> </a:t>
+            </a:r>
+            <a:r>
+              <a:rPr lang="en-US" sz="1800" dirty="0">
+                <a:effectLst/>
+                <a:latin typeface="Times New Roman" panose="02020603050405020304" pitchFamily="18" charset="0"/>
+                <a:ea typeface="Times New Roman" panose="02020603050405020304" pitchFamily="18" charset="0"/>
+              </a:rPr>
+              <a:t>money becomes the root causes decision-making. If you decide to spend money on a vacation and you</a:t>
             </a:r>
             <a:r>
               <a:rPr lang="en-US" sz="1800" spc="-285" dirty="0">
@@ -11848,7 +11655,7 @@
                 <a:latin typeface="Times New Roman" panose="02020603050405020304" pitchFamily="18" charset="0"/>
                 <a:ea typeface="Times New Roman" panose="02020603050405020304" pitchFamily="18" charset="0"/>
               </a:rPr>
-              <a:t>phone,</a:t>
+              <a:t>delay</a:t>
             </a:r>
             <a:r>
               <a:rPr lang="en-US" sz="1800" spc="-5" dirty="0">
@@ -11864,7 +11671,39 @@
                 <a:latin typeface="Times New Roman" panose="02020603050405020304" pitchFamily="18" charset="0"/>
                 <a:ea typeface="Times New Roman" panose="02020603050405020304" pitchFamily="18" charset="0"/>
               </a:rPr>
-              <a:t>y=</a:t>
+              <a:t>your</a:t>
+            </a:r>
+            <a:r>
+              <a:rPr lang="en-US" sz="1800" spc="-10" dirty="0">
+                <a:effectLst/>
+                <a:latin typeface="Times New Roman" panose="02020603050405020304" pitchFamily="18" charset="0"/>
+                <a:ea typeface="Times New Roman" panose="02020603050405020304" pitchFamily="18" charset="0"/>
+              </a:rPr>
+              <a:t> </a:t>
+            </a:r>
+            <a:r>
+              <a:rPr lang="en-US" sz="1800" dirty="0">
+                <a:effectLst/>
+                <a:latin typeface="Times New Roman" panose="02020603050405020304" pitchFamily="18" charset="0"/>
+                <a:ea typeface="Times New Roman" panose="02020603050405020304" pitchFamily="18" charset="0"/>
+              </a:rPr>
+              <a:t>home’s</a:t>
+            </a:r>
+            <a:r>
+              <a:rPr lang="en-US" sz="1800" spc="5" dirty="0">
+                <a:effectLst/>
+                <a:latin typeface="Times New Roman" panose="02020603050405020304" pitchFamily="18" charset="0"/>
+                <a:ea typeface="Times New Roman" panose="02020603050405020304" pitchFamily="18" charset="0"/>
+              </a:rPr>
+              <a:t> </a:t>
+            </a:r>
+            <a:r>
+              <a:rPr lang="en-US" sz="1800" dirty="0">
+                <a:effectLst/>
+                <a:latin typeface="Times New Roman" panose="02020603050405020304" pitchFamily="18" charset="0"/>
+                <a:ea typeface="Times New Roman" panose="02020603050405020304" pitchFamily="18" charset="0"/>
+              </a:rPr>
+              <a:t>remodel, then</a:t>
             </a:r>
             <a:r>
               <a:rPr lang="en-US" sz="1800" spc="-5" dirty="0">
@@ -11880,7 +11719,39 @@
                 <a:latin typeface="Times New Roman" panose="02020603050405020304" pitchFamily="18" charset="0"/>
                 <a:ea typeface="Times New Roman" panose="02020603050405020304" pitchFamily="18" charset="0"/>
               </a:rPr>
-              <a:t>performance of the</a:t>
+              <a:t>your</a:t>
+            </a:r>
+            <a:r>
+              <a:rPr lang="en-US" sz="1800" spc="-5" dirty="0">
+                <a:effectLst/>
+                <a:latin typeface="Times New Roman" panose="02020603050405020304" pitchFamily="18" charset="0"/>
+                <a:ea typeface="Times New Roman" panose="02020603050405020304" pitchFamily="18" charset="0"/>
+              </a:rPr>
+              <a:t> </a:t>
+            </a:r>
+            <a:r>
+              <a:rPr lang="en-US" sz="1800" dirty="0">
+                <a:effectLst/>
+                <a:latin typeface="Times New Roman" panose="02020603050405020304" pitchFamily="18" charset="0"/>
+                <a:ea typeface="Times New Roman" panose="02020603050405020304" pitchFamily="18" charset="0"/>
+              </a:rPr>
+              <a:t>opportunity</a:t>
+            </a:r>
+            <a:r>
+              <a:rPr lang="en-US" sz="1800" spc="-5" dirty="0">
+                <a:effectLst/>
+                <a:latin typeface="Times New Roman" panose="02020603050405020304" pitchFamily="18" charset="0"/>
+                <a:ea typeface="Times New Roman" panose="02020603050405020304" pitchFamily="18" charset="0"/>
+              </a:rPr>
+              <a:t> </a:t>
+            </a:r>
+            <a:r>
+              <a:rPr lang="en-US" sz="1800" dirty="0">
+                <a:effectLst/>
+                <a:latin typeface="Times New Roman" panose="02020603050405020304" pitchFamily="18" charset="0"/>
+                <a:ea typeface="Times New Roman" panose="02020603050405020304" pitchFamily="18" charset="0"/>
+              </a:rPr>
+              <a:t>cost is</a:t>
             </a:r>
             <a:r>
               <a:rPr lang="en-US" sz="1800" spc="-10" dirty="0">
@@ -11896,7 +11767,7 @@
                 <a:latin typeface="Times New Roman" panose="02020603050405020304" pitchFamily="18" charset="0"/>
                 <a:ea typeface="Times New Roman" panose="02020603050405020304" pitchFamily="18" charset="0"/>
               </a:rPr>
-              <a:t>phone, z=</a:t>
+              <a:t>the benefit</a:t>
             </a:r>
             <a:r>
               <a:rPr lang="en-US" sz="1800" spc="-5" dirty="0">
@@ -11912,7 +11783,39 @@
                 <a:latin typeface="Times New Roman" panose="02020603050405020304" pitchFamily="18" charset="0"/>
                 <a:ea typeface="Times New Roman" panose="02020603050405020304" pitchFamily="18" charset="0"/>
               </a:rPr>
-              <a:t>user-friendliness.</a:t>
+              <a:t>living in</a:t>
+            </a:r>
+            <a:r>
+              <a:rPr lang="en-US" sz="1800" spc="-5" dirty="0">
+                <a:effectLst/>
+                <a:latin typeface="Times New Roman" panose="02020603050405020304" pitchFamily="18" charset="0"/>
+                <a:ea typeface="Times New Roman" panose="02020603050405020304" pitchFamily="18" charset="0"/>
+              </a:rPr>
+              <a:t> </a:t>
+            </a:r>
+            <a:r>
+              <a:rPr lang="en-US" sz="1800" dirty="0">
+                <a:effectLst/>
+                <a:latin typeface="Times New Roman" panose="02020603050405020304" pitchFamily="18" charset="0"/>
+                <a:ea typeface="Times New Roman" panose="02020603050405020304" pitchFamily="18" charset="0"/>
+              </a:rPr>
+              <a:t>a renovated</a:t>
+            </a:r>
+            <a:r>
+              <a:rPr lang="en-US" sz="1800" spc="-5" dirty="0">
+                <a:effectLst/>
+                <a:latin typeface="Times New Roman" panose="02020603050405020304" pitchFamily="18" charset="0"/>
+                <a:ea typeface="Times New Roman" panose="02020603050405020304" pitchFamily="18" charset="0"/>
+              </a:rPr>
+              <a:t> </a:t>
+            </a:r>
+            <a:r>
+              <a:rPr lang="en-US" sz="1800" dirty="0">
+                <a:effectLst/>
+                <a:latin typeface="Times New Roman" panose="02020603050405020304" pitchFamily="18" charset="0"/>
+                <a:ea typeface="Times New Roman" panose="02020603050405020304" pitchFamily="18" charset="0"/>
+              </a:rPr>
+              <a:t>home.</a:t>
             </a:r>
             <a:endParaRPr lang="en-IN" sz="1800" dirty="0">
               <a:effectLst/>
@@ -11920,12 +11823,109 @@
               <a:ea typeface="Times New Roman" panose="02020603050405020304" pitchFamily="18" charset="0"/>
             </a:endParaRPr>
           </a:p>
+          <a:p>
+            <a:pPr marL="0" indent="0">
+              <a:spcBef>
+                <a:spcPts val="10"/>
+              </a:spcBef>
+              <a:buNone/>
+            </a:pPr>
+            <a:endParaRPr lang="en-IN" sz="1800" dirty="0">
+              <a:effectLst/>
+              <a:latin typeface="Times New Roman" panose="02020603050405020304" pitchFamily="18" charset="0"/>
+              <a:ea typeface="Times New Roman" panose="02020603050405020304" pitchFamily="18" charset="0"/>
+            </a:endParaRPr>
+          </a:p>
+          <a:p>
+            <a:pPr marL="148590" marR="161290" indent="371475" algn="just">
+              <a:spcAft>
+                <a:spcPts val="0"/>
+              </a:spcAft>
+            </a:pPr>
+            <a:r>
+              <a:rPr lang="en-US" sz="1800" dirty="0">
+                <a:effectLst/>
+                <a:latin typeface="Times New Roman" panose="02020603050405020304" pitchFamily="18" charset="0"/>
+                <a:ea typeface="Times New Roman" panose="02020603050405020304" pitchFamily="18" charset="0"/>
+              </a:rPr>
+              <a:t>Opportunity cost is the cost of taking one decision over another. This is not only</a:t>
+            </a:r>
+            <a:r>
+              <a:rPr lang="en-US" sz="1800" spc="5" dirty="0">
+                <a:effectLst/>
+                <a:latin typeface="Times New Roman" panose="02020603050405020304" pitchFamily="18" charset="0"/>
+                <a:ea typeface="Times New Roman" panose="02020603050405020304" pitchFamily="18" charset="0"/>
+              </a:rPr>
+              <a:t> </a:t>
+            </a:r>
+            <a:r>
+              <a:rPr lang="en-US" sz="1800" dirty="0">
+                <a:effectLst/>
+                <a:latin typeface="Times New Roman" panose="02020603050405020304" pitchFamily="18" charset="0"/>
+                <a:ea typeface="Times New Roman" panose="02020603050405020304" pitchFamily="18" charset="0"/>
+              </a:rPr>
+              <a:t>financial, but also in time, efforts and utility. Opportunity cost can lead to optimal decision making</a:t>
+            </a:r>
+            <a:r>
+              <a:rPr lang="en-US" sz="1800" spc="5" dirty="0">
+                <a:effectLst/>
+                <a:latin typeface="Times New Roman" panose="02020603050405020304" pitchFamily="18" charset="0"/>
+                <a:ea typeface="Times New Roman" panose="02020603050405020304" pitchFamily="18" charset="0"/>
+              </a:rPr>
+              <a:t> </a:t>
+            </a:r>
+            <a:r>
+              <a:rPr lang="en-US" sz="1800" dirty="0">
+                <a:effectLst/>
+                <a:latin typeface="Times New Roman" panose="02020603050405020304" pitchFamily="18" charset="0"/>
+                <a:ea typeface="Times New Roman" panose="02020603050405020304" pitchFamily="18" charset="0"/>
+              </a:rPr>
+              <a:t>when factor such as price, time, performance, user-friendliness is considered. It’s considered three</a:t>
+            </a:r>
+            <a:r>
+              <a:rPr lang="en-US" sz="1800" spc="5" dirty="0">
+                <a:effectLst/>
+                <a:latin typeface="Times New Roman" panose="02020603050405020304" pitchFamily="18" charset="0"/>
+                <a:ea typeface="Times New Roman" panose="02020603050405020304" pitchFamily="18" charset="0"/>
+              </a:rPr>
+              <a:t> </a:t>
+            </a:r>
+            <a:r>
+              <a:rPr lang="en-US" sz="1800" dirty="0">
+                <a:effectLst/>
+                <a:latin typeface="Times New Roman" panose="02020603050405020304" pitchFamily="18" charset="0"/>
+                <a:ea typeface="Times New Roman" panose="02020603050405020304" pitchFamily="18" charset="0"/>
+              </a:rPr>
+              <a:t>potential</a:t>
+            </a:r>
+            <a:r>
+              <a:rPr lang="en-US" sz="1800" spc="-5" dirty="0">
+                <a:effectLst/>
+                <a:latin typeface="Times New Roman" panose="02020603050405020304" pitchFamily="18" charset="0"/>
+                <a:ea typeface="Times New Roman" panose="02020603050405020304" pitchFamily="18" charset="0"/>
+              </a:rPr>
+              <a:t> </a:t>
+            </a:r>
+            <a:r>
+              <a:rPr lang="en-US" sz="1800" dirty="0">
+                <a:effectLst/>
+                <a:latin typeface="Times New Roman" panose="02020603050405020304" pitchFamily="18" charset="0"/>
+                <a:ea typeface="Times New Roman" panose="02020603050405020304" pitchFamily="18" charset="0"/>
+              </a:rPr>
+              <a:t>options and the benefits of each.</a:t>
+            </a:r>
+            <a:endParaRPr lang="en-IN" sz="1800" dirty="0">
+              <a:effectLst/>
+              <a:latin typeface="Times New Roman" panose="02020603050405020304" pitchFamily="18" charset="0"/>
+              <a:ea typeface="Times New Roman" panose="02020603050405020304" pitchFamily="18" charset="0"/>
+            </a:endParaRPr>
+          </a:p>
         </p:txBody>
       </p:sp>
     </p:spTree>
     <p:extLst>
       <p:ext uri="{BB962C8B-B14F-4D97-AF65-F5344CB8AC3E}">
-        <p14:creationId xmlns:p14="http://schemas.microsoft.com/office/powerpoint/2010/main" val="1076060418"/>
+        <p14:creationId xmlns:p14="http://schemas.microsoft.com/office/powerpoint/2010/main" val="1565520145"/>
       </p:ext>
     </p:extLst>
   </p:cSld>
@@ -12320,15 +12320,14 @@
                 <a:latin typeface="Times New Roman" panose="02020603050405020304" pitchFamily="18" charset="0"/>
                 <a:ea typeface="Times New Roman" panose="02020603050405020304" pitchFamily="18" charset="0"/>
               </a:rPr>
-              <a:t>concept</a:t>
-            </a:r>
-            <a:r>
-              <a:rPr lang="en-US" sz="1800" spc="5" dirty="0">
-                <a:effectLst/>
-                <a:latin typeface="Times New Roman" panose="02020603050405020304" pitchFamily="18" charset="0"/>
-                <a:ea typeface="Times New Roman" panose="02020603050405020304" pitchFamily="18" charset="0"/>
-              </a:rPr>
-              <a:t> </a:t>
+              <a:t>concept to solve and understand this problem in programing . This </a:t>
+            </a:r>
+            <a:r>
+              <a:rPr lang="en-US" dirty="0">
+                <a:latin typeface="Times New Roman" panose="02020603050405020304" pitchFamily="18" charset="0"/>
+                <a:ea typeface="Times New Roman" panose="02020603050405020304" pitchFamily="18" charset="0"/>
+              </a:rPr>
+              <a:t>problem help future people to understand and choose best way or best opportunity </a:t>
             </a:r>
             <a:r>
               <a:rPr lang="en-US" sz="1800" dirty="0">
@@ -12336,87 +12335,7 @@
                 <a:latin typeface="Times New Roman" panose="02020603050405020304" pitchFamily="18" charset="0"/>
                 <a:ea typeface="Times New Roman" panose="02020603050405020304" pitchFamily="18" charset="0"/>
               </a:rPr>
-              <a:t>and</a:t>
-            </a:r>
-            <a:r>
-              <a:rPr lang="en-US" sz="1800" spc="-5" dirty="0">
-                <a:effectLst/>
-                <a:latin typeface="Times New Roman" panose="02020603050405020304" pitchFamily="18" charset="0"/>
-                <a:ea typeface="Times New Roman" panose="02020603050405020304" pitchFamily="18" charset="0"/>
-              </a:rPr>
-              <a:t> </a:t>
-            </a:r>
-            <a:r>
-              <a:rPr lang="en-US" sz="1800" dirty="0">
-                <a:effectLst/>
-                <a:latin typeface="Times New Roman" panose="02020603050405020304" pitchFamily="18" charset="0"/>
-                <a:ea typeface="Times New Roman" panose="02020603050405020304" pitchFamily="18" charset="0"/>
-              </a:rPr>
-              <a:t>this</a:t>
-            </a:r>
-            <a:r>
-              <a:rPr lang="en-US" sz="1800" spc="-5" dirty="0">
-                <a:effectLst/>
-                <a:latin typeface="Times New Roman" panose="02020603050405020304" pitchFamily="18" charset="0"/>
-                <a:ea typeface="Times New Roman" panose="02020603050405020304" pitchFamily="18" charset="0"/>
-              </a:rPr>
-              <a:t> </a:t>
-            </a:r>
-            <a:r>
-              <a:rPr lang="en-US" sz="1800" dirty="0">
-                <a:effectLst/>
-                <a:latin typeface="Times New Roman" panose="02020603050405020304" pitchFamily="18" charset="0"/>
-                <a:ea typeface="Times New Roman" panose="02020603050405020304" pitchFamily="18" charset="0"/>
-              </a:rPr>
-              <a:t>problem</a:t>
-            </a:r>
-            <a:r>
-              <a:rPr lang="en-US" sz="1800" spc="-15" dirty="0">
-                <a:effectLst/>
-                <a:latin typeface="Times New Roman" panose="02020603050405020304" pitchFamily="18" charset="0"/>
-                <a:ea typeface="Times New Roman" panose="02020603050405020304" pitchFamily="18" charset="0"/>
-              </a:rPr>
-              <a:t> </a:t>
-            </a:r>
-            <a:r>
-              <a:rPr lang="en-US" sz="1800" dirty="0">
-                <a:effectLst/>
-                <a:latin typeface="Times New Roman" panose="02020603050405020304" pitchFamily="18" charset="0"/>
-                <a:ea typeface="Times New Roman" panose="02020603050405020304" pitchFamily="18" charset="0"/>
-              </a:rPr>
-              <a:t>is</a:t>
-            </a:r>
-            <a:r>
-              <a:rPr lang="en-US" sz="1800" spc="-290" dirty="0">
-                <a:effectLst/>
-                <a:latin typeface="Times New Roman" panose="02020603050405020304" pitchFamily="18" charset="0"/>
-                <a:ea typeface="Times New Roman" panose="02020603050405020304" pitchFamily="18" charset="0"/>
-              </a:rPr>
-              <a:t> </a:t>
-            </a:r>
-            <a:r>
-              <a:rPr lang="en-US" sz="1800" dirty="0">
-                <a:effectLst/>
-                <a:latin typeface="Times New Roman" panose="02020603050405020304" pitchFamily="18" charset="0"/>
-                <a:ea typeface="Times New Roman" panose="02020603050405020304" pitchFamily="18" charset="0"/>
-              </a:rPr>
-              <a:t>solved. This problem is solved in future the people give the importance for then people choose the any</a:t>
-            </a:r>
-            <a:r>
-              <a:rPr lang="en-US" sz="1800" spc="-285" dirty="0">
-                <a:effectLst/>
-                <a:latin typeface="Times New Roman" panose="02020603050405020304" pitchFamily="18" charset="0"/>
-                <a:ea typeface="Times New Roman" panose="02020603050405020304" pitchFamily="18" charset="0"/>
-              </a:rPr>
-              <a:t> </a:t>
-            </a:r>
-            <a:r>
-              <a:rPr lang="en-US" sz="1800" dirty="0">
-                <a:effectLst/>
-                <a:latin typeface="Times New Roman" panose="02020603050405020304" pitchFamily="18" charset="0"/>
-                <a:ea typeface="Times New Roman" panose="02020603050405020304" pitchFamily="18" charset="0"/>
-              </a:rPr>
-              <a:t>option.</a:t>
+              <a:t>.</a:t>
             </a:r>
             <a:r>
               <a:rPr lang="en-US" sz="1800" spc="195" dirty="0">
